--- a/create_powerpoint/household_structure_estimates.pptx
+++ b/create_powerpoint/household_structure_estimates.pptx
@@ -19,7 +19,6 @@
     <p:sldId id="267" r:id="rId13"/>
     <p:sldId id="268" r:id="rId14"/>
     <p:sldId id="269" r:id="rId15"/>
-    <p:sldId id="270" r:id="rId16"/>
   </p:sldIdLst>
   <p:sldSz cx="9144000" cy="6858000" type="screen4x3"/>
   <p:notesSz cx="6858000" cy="9144000"/>
@@ -3258,9 +3257,58 @@
           <a:chExt cx="0" cy="0"/>
         </a:xfrm>
       </p:grpSpPr>
+      <p:sp>
+        <p:nvSpPr>
+          <p:cNvPr id="2" name="Title 1"/>
+          <p:cNvSpPr>
+            <a:spLocks noGrp="1"/>
+          </p:cNvSpPr>
+          <p:nvPr>
+            <p:ph type="title"/>
+          </p:nvPr>
+        </p:nvSpPr>
+        <p:spPr/>
+        <p:txBody>
+          <a:bodyPr/>
+          <a:lstStyle/>
+          <a:p>
+            <a:pPr lvl="0" marL="0" indent="0">
+              <a:buNone/>
+            </a:pPr>
+            <a:r>
+              <a:rPr/>
+              <a:t>Marital</a:t>
+            </a:r>
+            <a:r>
+              <a:rPr/>
+              <a:t> </a:t>
+            </a:r>
+            <a:r>
+              <a:rPr/>
+              <a:t>Status</a:t>
+            </a:r>
+            <a:r>
+              <a:rPr/>
+              <a:t> </a:t>
+            </a:r>
+            <a:r>
+              <a:rPr/>
+              <a:t>/</a:t>
+            </a:r>
+            <a:r>
+              <a:rPr/>
+              <a:t> </a:t>
+            </a:r>
+            <a:r>
+              <a:rPr/>
+              <a:t>Partnered</a:t>
+            </a:r>
+          </a:p>
+        </p:txBody>
+      </p:sp>
       <p:pic>
         <p:nvPicPr>
-          <p:cNvPr descr="household_structure_estimates_files/figure-pptx/unnamed-chunk-9-1.png" id="0" name="Picture 1"/>
+          <p:cNvPr descr="household_structure_estimates_files/figure-pptx/unnamed-chunk-10-1.png" id="0" name="Picture 1"/>
           <p:cNvPicPr>
             <a:picLocks noGrp="1" noChangeAspect="1"/>
           </p:cNvPicPr>
@@ -3330,30 +3378,6 @@
             </a:pPr>
             <a:r>
               <a:rPr/>
-              <a:t>Marital</a:t>
-            </a:r>
-            <a:r>
-              <a:rPr/>
-              <a:t> </a:t>
-            </a:r>
-            <a:r>
-              <a:rPr/>
-              <a:t>Status</a:t>
-            </a:r>
-            <a:r>
-              <a:rPr/>
-              <a:t> </a:t>
-            </a:r>
-            <a:r>
-              <a:rPr/>
-              <a:t>/</a:t>
-            </a:r>
-            <a:r>
-              <a:rPr/>
-              <a:t> </a:t>
-            </a:r>
-            <a:r>
-              <a:rPr/>
               <a:t>Partnered</a:t>
             </a:r>
           </a:p>
@@ -3361,7 +3385,7 @@
       </p:sp>
       <p:pic>
         <p:nvPicPr>
-          <p:cNvPr descr="household_structure_estimates_files/figure-pptx/unnamed-chunk-10-1.png" id="0" name="Picture 1"/>
+          <p:cNvPr descr="household_structure_estimates_files/figure-pptx/unnamed-chunk-11-1.png" id="0" name="Picture 1"/>
           <p:cNvPicPr>
             <a:picLocks noGrp="1" noChangeAspect="1"/>
           </p:cNvPicPr>
@@ -3431,14 +3455,22 @@
             </a:pPr>
             <a:r>
               <a:rPr/>
-              <a:t>Partnered</a:t>
+              <a:t>Mobility:</a:t>
+            </a:r>
+            <a:r>
+              <a:rPr/>
+              <a:t> </a:t>
+            </a:r>
+            <a:r>
+              <a:rPr/>
+              <a:t>Migration</a:t>
             </a:r>
           </a:p>
         </p:txBody>
       </p:sp>
       <p:pic>
         <p:nvPicPr>
-          <p:cNvPr descr="household_structure_estimates_files/figure-pptx/unnamed-chunk-11-1.png" id="0" name="Picture 1"/>
+          <p:cNvPr descr="household_structure_estimates_files/figure-pptx/unnamed-chunk-12-1.png" id="0" name="Picture 1"/>
           <p:cNvPicPr>
             <a:picLocks noGrp="1" noChangeAspect="1"/>
           </p:cNvPicPr>
@@ -3516,91 +3548,6 @@
             </a:r>
             <a:r>
               <a:rPr/>
-              <a:t>Migration</a:t>
-            </a:r>
-          </a:p>
-        </p:txBody>
-      </p:sp>
-      <p:pic>
-        <p:nvPicPr>
-          <p:cNvPr descr="household_structure_estimates_files/figure-pptx/unnamed-chunk-12-1.png" id="0" name="Picture 1"/>
-          <p:cNvPicPr>
-            <a:picLocks noGrp="1" noChangeAspect="1"/>
-          </p:cNvPicPr>
-          <p:nvPr/>
-        </p:nvPicPr>
-        <p:blipFill>
-          <a:blip r:embed="rId2"/>
-          <a:stretch>
-            <a:fillRect/>
-          </a:stretch>
-        </p:blipFill>
-        <p:spPr bwMode="auto">
-          <a:xfrm>
-            <a:off x="457200" y="1803400"/>
-            <a:ext cx="8229600" cy="4114800"/>
-          </a:xfrm>
-          <a:prstGeom prst="rect">
-            <a:avLst/>
-          </a:prstGeom>
-          <a:noFill/>
-          <a:ln w="9525">
-            <a:noFill/>
-            <a:headEnd/>
-            <a:tailEnd/>
-          </a:ln>
-        </p:spPr>
-      </p:pic>
-    </p:spTree>
-  </p:cSld>
-</p:sld>
-</file>
-
-<file path=ppt/slides/slide14.xml><?xml version="1.0" encoding="utf-8"?>
-<p:sld xmlns:a="http://schemas.openxmlformats.org/drawingml/2006/main" xmlns:r="http://schemas.openxmlformats.org/officeDocument/2006/relationships" xmlns:p="http://schemas.openxmlformats.org/presentationml/2006/main">
-  <p:cSld>
-    <p:spTree>
-      <p:nvGrpSpPr>
-        <p:cNvPr id="1" name=""/>
-        <p:cNvGrpSpPr/>
-        <p:nvPr/>
-      </p:nvGrpSpPr>
-      <p:grpSpPr>
-        <a:xfrm>
-          <a:off x="0" y="0"/>
-          <a:ext cx="0" cy="0"/>
-          <a:chOff x="0" y="0"/>
-          <a:chExt cx="0" cy="0"/>
-        </a:xfrm>
-      </p:grpSpPr>
-      <p:sp>
-        <p:nvSpPr>
-          <p:cNvPr id="2" name="Title 1"/>
-          <p:cNvSpPr>
-            <a:spLocks noGrp="1"/>
-          </p:cNvSpPr>
-          <p:nvPr>
-            <p:ph type="title"/>
-          </p:nvPr>
-        </p:nvSpPr>
-        <p:spPr/>
-        <p:txBody>
-          <a:bodyPr/>
-          <a:lstStyle/>
-          <a:p>
-            <a:pPr lvl="0" marL="0" indent="0">
-              <a:buNone/>
-            </a:pPr>
-            <a:r>
-              <a:rPr/>
-              <a:t>Mobility:</a:t>
-            </a:r>
-            <a:r>
-              <a:rPr/>
-              <a:t> </a:t>
-            </a:r>
-            <a:r>
-              <a:rPr/>
               <a:t>Mode</a:t>
             </a:r>
             <a:r>
@@ -3657,7 +3604,7 @@
 </p:sld>
 </file>
 
-<file path=ppt/slides/slide15.xml><?xml version="1.0" encoding="utf-8"?>
+<file path=ppt/slides/slide14.xml><?xml version="1.0" encoding="utf-8"?>
 <p:sld xmlns:a="http://schemas.openxmlformats.org/drawingml/2006/main" xmlns:r="http://schemas.openxmlformats.org/officeDocument/2006/relationships" xmlns:p="http://schemas.openxmlformats.org/presentationml/2006/main">
   <p:cSld>
     <p:spTree>
@@ -4121,7 +4068,7 @@
             </a:r>
             <a:r>
               <a:rPr/>
-              <a:t>Income</a:t>
+              <a:t>Incomesingle_plot</a:t>
             </a:r>
           </a:p>
         </p:txBody>
@@ -4467,12 +4414,12 @@
       </p:grpSpPr>
       <p:sp>
         <p:nvSpPr>
-          <p:cNvPr id="3" name="Content Placeholder 2"/>
-          <p:cNvSpPr>
-            <a:spLocks noGrp="1"/>
-          </p:cNvSpPr>
-          <p:nvPr>
-            <p:ph idx="1"/>
+          <p:cNvPr id="2" name="Title 1"/>
+          <p:cNvSpPr>
+            <a:spLocks noGrp="1"/>
+          </p:cNvSpPr>
+          <p:nvPr>
+            <p:ph type="title"/>
           </p:nvPr>
         </p:nvSpPr>
         <p:spPr/>
@@ -4485,11 +4432,73 @@
             </a:pPr>
             <a:r>
               <a:rPr/>
-              <a:t> # Household Characteristics: Workers in Family</a:t>
-            </a:r>
-          </a:p>
-        </p:txBody>
-      </p:sp>
+              <a:t>Household</a:t>
+            </a:r>
+            <a:r>
+              <a:rPr/>
+              <a:t> </a:t>
+            </a:r>
+            <a:r>
+              <a:rPr/>
+              <a:t>Characteristics:</a:t>
+            </a:r>
+            <a:r>
+              <a:rPr/>
+              <a:t> </a:t>
+            </a:r>
+            <a:r>
+              <a:rPr/>
+              <a:t>Workers</a:t>
+            </a:r>
+            <a:r>
+              <a:rPr/>
+              <a:t> </a:t>
+            </a:r>
+            <a:r>
+              <a:rPr/>
+              <a:t>in</a:t>
+            </a:r>
+            <a:r>
+              <a:rPr/>
+              <a:t> </a:t>
+            </a:r>
+            <a:r>
+              <a:rPr/>
+              <a:t>Family</a:t>
+            </a:r>
+          </a:p>
+        </p:txBody>
+      </p:sp>
+      <p:pic>
+        <p:nvPicPr>
+          <p:cNvPr descr="household_structure_estimates_files/figure-pptx/unnamed-chunk-9-1.png" id="0" name="Picture 1"/>
+          <p:cNvPicPr>
+            <a:picLocks noGrp="1" noChangeAspect="1"/>
+          </p:cNvPicPr>
+          <p:nvPr/>
+        </p:nvPicPr>
+        <p:blipFill>
+          <a:blip r:embed="rId2"/>
+          <a:stretch>
+            <a:fillRect/>
+          </a:stretch>
+        </p:blipFill>
+        <p:spPr bwMode="auto">
+          <a:xfrm>
+            <a:off x="457200" y="1803400"/>
+            <a:ext cx="8229600" cy="4114800"/>
+          </a:xfrm>
+          <a:prstGeom prst="rect">
+            <a:avLst/>
+          </a:prstGeom>
+          <a:noFill/>
+          <a:ln w="9525">
+            <a:noFill/>
+            <a:headEnd/>
+            <a:tailEnd/>
+          </a:ln>
+        </p:spPr>
+      </p:pic>
     </p:spTree>
   </p:cSld>
 </p:sld>

--- a/create_powerpoint/household_structure_estimates.pptx
+++ b/create_powerpoint/household_structure_estimates.pptx
@@ -19,6 +19,8 @@
     <p:sldId id="267" r:id="rId13"/>
     <p:sldId id="268" r:id="rId14"/>
     <p:sldId id="269" r:id="rId15"/>
+    <p:sldId id="270" r:id="rId16"/>
+    <p:sldId id="271" r:id="rId17"/>
   </p:sldIdLst>
   <p:sldSz cx="9144000" cy="6858000" type="screen4x3"/>
   <p:notesSz cx="6858000" cy="9144000"/>
@@ -3308,7 +3310,7 @@
       </p:sp>
       <p:pic>
         <p:nvPicPr>
-          <p:cNvPr descr="household_structure_estimates_files/figure-pptx/unnamed-chunk-10-1.png" id="0" name="Picture 1"/>
+          <p:cNvPr descr="household_structure_estimates_files/figure-pptx/unnamed-chunk-11-1.png" id="0" name="Picture 1"/>
           <p:cNvPicPr>
             <a:picLocks noGrp="1" noChangeAspect="1"/>
           </p:cNvPicPr>
@@ -3385,7 +3387,7 @@
       </p:sp>
       <p:pic>
         <p:nvPicPr>
-          <p:cNvPr descr="household_structure_estimates_files/figure-pptx/unnamed-chunk-11-1.png" id="0" name="Picture 1"/>
+          <p:cNvPr descr="household_structure_estimates_files/figure-pptx/unnamed-chunk-12-1.png" id="0" name="Picture 1"/>
           <p:cNvPicPr>
             <a:picLocks noGrp="1" noChangeAspect="1"/>
           </p:cNvPicPr>
@@ -3455,7 +3457,7 @@
             </a:pPr>
             <a:r>
               <a:rPr/>
-              <a:t>Mobility:</a:t>
+              <a:t>Same-sex</a:t>
             </a:r>
             <a:r>
               <a:rPr/>
@@ -3463,14 +3465,14 @@
             </a:r>
             <a:r>
               <a:rPr/>
-              <a:t>Migration</a:t>
+              <a:t>households</a:t>
             </a:r>
           </a:p>
         </p:txBody>
       </p:sp>
       <p:pic>
         <p:nvPicPr>
-          <p:cNvPr descr="household_structure_estimates_files/figure-pptx/unnamed-chunk-12-1.png" id="0" name="Picture 1"/>
+          <p:cNvPr descr="household_structure_estimates_files/figure-pptx/unnamed-chunk-13-1.png" id="0" name="Picture 1"/>
           <p:cNvPicPr>
             <a:picLocks noGrp="1" noChangeAspect="1"/>
           </p:cNvPicPr>
@@ -3540,7 +3542,7 @@
             </a:pPr>
             <a:r>
               <a:rPr/>
-              <a:t>Mobility:</a:t>
+              <a:t>Multi-generational</a:t>
             </a:r>
             <a:r>
               <a:rPr/>
@@ -3548,30 +3550,14 @@
             </a:r>
             <a:r>
               <a:rPr/>
-              <a:t>Mode</a:t>
-            </a:r>
-            <a:r>
-              <a:rPr/>
-              <a:t> </a:t>
-            </a:r>
-            <a:r>
-              <a:rPr/>
-              <a:t>of</a:t>
-            </a:r>
-            <a:r>
-              <a:rPr/>
-              <a:t> </a:t>
-            </a:r>
-            <a:r>
-              <a:rPr/>
-              <a:t>Transportation</a:t>
+              <a:t>Families</a:t>
             </a:r>
           </a:p>
         </p:txBody>
       </p:sp>
       <p:pic>
         <p:nvPicPr>
-          <p:cNvPr descr="household_structure_estimates_files/figure-pptx/unnamed-chunk-13-1.png" id="0" name="Picture 1"/>
+          <p:cNvPr descr="household_structure_estimates_files/figure-pptx/unnamed-chunk-14-1.png" id="0" name="Picture 1"/>
           <p:cNvPicPr>
             <a:picLocks noGrp="1" noChangeAspect="1"/>
           </p:cNvPicPr>
@@ -3641,7 +3627,7 @@
             </a:pPr>
             <a:r>
               <a:rPr/>
-              <a:t>Migration:</a:t>
+              <a:t>Mobility:</a:t>
             </a:r>
             <a:r>
               <a:rPr/>
@@ -3649,30 +3635,216 @@
             </a:r>
             <a:r>
               <a:rPr/>
-              <a:t>Average</a:t>
-            </a:r>
-            <a:r>
-              <a:rPr/>
-              <a:t> </a:t>
-            </a:r>
-            <a:r>
-              <a:rPr/>
-              <a:t>Commute</a:t>
-            </a:r>
-            <a:r>
-              <a:rPr/>
-              <a:t> </a:t>
-            </a:r>
-            <a:r>
-              <a:rPr/>
-              <a:t>Time</a:t>
+              <a:t>Migration</a:t>
             </a:r>
           </a:p>
         </p:txBody>
       </p:sp>
       <p:pic>
         <p:nvPicPr>
-          <p:cNvPr descr="household_structure_estimates_files/figure-pptx/unnamed-chunk-14-1.png" id="0" name="Picture 1"/>
+          <p:cNvPr descr="household_structure_estimates_files/figure-pptx/unnamed-chunk-15-1.png" id="0" name="Picture 1"/>
+          <p:cNvPicPr>
+            <a:picLocks noGrp="1" noChangeAspect="1"/>
+          </p:cNvPicPr>
+          <p:nvPr/>
+        </p:nvPicPr>
+        <p:blipFill>
+          <a:blip r:embed="rId2"/>
+          <a:stretch>
+            <a:fillRect/>
+          </a:stretch>
+        </p:blipFill>
+        <p:spPr bwMode="auto">
+          <a:xfrm>
+            <a:off x="457200" y="1803400"/>
+            <a:ext cx="8229600" cy="4114800"/>
+          </a:xfrm>
+          <a:prstGeom prst="rect">
+            <a:avLst/>
+          </a:prstGeom>
+          <a:noFill/>
+          <a:ln w="9525">
+            <a:noFill/>
+            <a:headEnd/>
+            <a:tailEnd/>
+          </a:ln>
+        </p:spPr>
+      </p:pic>
+    </p:spTree>
+  </p:cSld>
+</p:sld>
+</file>
+
+<file path=ppt/slides/slide15.xml><?xml version="1.0" encoding="utf-8"?>
+<p:sld xmlns:a="http://schemas.openxmlformats.org/drawingml/2006/main" xmlns:r="http://schemas.openxmlformats.org/officeDocument/2006/relationships" xmlns:p="http://schemas.openxmlformats.org/presentationml/2006/main">
+  <p:cSld>
+    <p:spTree>
+      <p:nvGrpSpPr>
+        <p:cNvPr id="1" name=""/>
+        <p:cNvGrpSpPr/>
+        <p:nvPr/>
+      </p:nvGrpSpPr>
+      <p:grpSpPr>
+        <a:xfrm>
+          <a:off x="0" y="0"/>
+          <a:ext cx="0" cy="0"/>
+          <a:chOff x="0" y="0"/>
+          <a:chExt cx="0" cy="0"/>
+        </a:xfrm>
+      </p:grpSpPr>
+      <p:sp>
+        <p:nvSpPr>
+          <p:cNvPr id="2" name="Title 1"/>
+          <p:cNvSpPr>
+            <a:spLocks noGrp="1"/>
+          </p:cNvSpPr>
+          <p:nvPr>
+            <p:ph type="title"/>
+          </p:nvPr>
+        </p:nvSpPr>
+        <p:spPr/>
+        <p:txBody>
+          <a:bodyPr/>
+          <a:lstStyle/>
+          <a:p>
+            <a:pPr lvl="0" marL="0" indent="0">
+              <a:buNone/>
+            </a:pPr>
+            <a:r>
+              <a:rPr/>
+              <a:t>Mobility:</a:t>
+            </a:r>
+            <a:r>
+              <a:rPr/>
+              <a:t> </a:t>
+            </a:r>
+            <a:r>
+              <a:rPr/>
+              <a:t>Mode</a:t>
+            </a:r>
+            <a:r>
+              <a:rPr/>
+              <a:t> </a:t>
+            </a:r>
+            <a:r>
+              <a:rPr/>
+              <a:t>of</a:t>
+            </a:r>
+            <a:r>
+              <a:rPr/>
+              <a:t> </a:t>
+            </a:r>
+            <a:r>
+              <a:rPr/>
+              <a:t>Transportation</a:t>
+            </a:r>
+          </a:p>
+        </p:txBody>
+      </p:sp>
+      <p:pic>
+        <p:nvPicPr>
+          <p:cNvPr descr="household_structure_estimates_files/figure-pptx/unnamed-chunk-16-1.png" id="0" name="Picture 1"/>
+          <p:cNvPicPr>
+            <a:picLocks noGrp="1" noChangeAspect="1"/>
+          </p:cNvPicPr>
+          <p:nvPr/>
+        </p:nvPicPr>
+        <p:blipFill>
+          <a:blip r:embed="rId2"/>
+          <a:stretch>
+            <a:fillRect/>
+          </a:stretch>
+        </p:blipFill>
+        <p:spPr bwMode="auto">
+          <a:xfrm>
+            <a:off x="457200" y="1803400"/>
+            <a:ext cx="8229600" cy="4114800"/>
+          </a:xfrm>
+          <a:prstGeom prst="rect">
+            <a:avLst/>
+          </a:prstGeom>
+          <a:noFill/>
+          <a:ln w="9525">
+            <a:noFill/>
+            <a:headEnd/>
+            <a:tailEnd/>
+          </a:ln>
+        </p:spPr>
+      </p:pic>
+    </p:spTree>
+  </p:cSld>
+</p:sld>
+</file>
+
+<file path=ppt/slides/slide16.xml><?xml version="1.0" encoding="utf-8"?>
+<p:sld xmlns:a="http://schemas.openxmlformats.org/drawingml/2006/main" xmlns:r="http://schemas.openxmlformats.org/officeDocument/2006/relationships" xmlns:p="http://schemas.openxmlformats.org/presentationml/2006/main">
+  <p:cSld>
+    <p:spTree>
+      <p:nvGrpSpPr>
+        <p:cNvPr id="1" name=""/>
+        <p:cNvGrpSpPr/>
+        <p:nvPr/>
+      </p:nvGrpSpPr>
+      <p:grpSpPr>
+        <a:xfrm>
+          <a:off x="0" y="0"/>
+          <a:ext cx="0" cy="0"/>
+          <a:chOff x="0" y="0"/>
+          <a:chExt cx="0" cy="0"/>
+        </a:xfrm>
+      </p:grpSpPr>
+      <p:sp>
+        <p:nvSpPr>
+          <p:cNvPr id="2" name="Title 1"/>
+          <p:cNvSpPr>
+            <a:spLocks noGrp="1"/>
+          </p:cNvSpPr>
+          <p:nvPr>
+            <p:ph type="title"/>
+          </p:nvPr>
+        </p:nvSpPr>
+        <p:spPr/>
+        <p:txBody>
+          <a:bodyPr/>
+          <a:lstStyle/>
+          <a:p>
+            <a:pPr lvl="0" marL="0" indent="0">
+              <a:buNone/>
+            </a:pPr>
+            <a:r>
+              <a:rPr/>
+              <a:t>Migration:</a:t>
+            </a:r>
+            <a:r>
+              <a:rPr/>
+              <a:t> </a:t>
+            </a:r>
+            <a:r>
+              <a:rPr/>
+              <a:t>Average</a:t>
+            </a:r>
+            <a:r>
+              <a:rPr/>
+              <a:t> </a:t>
+            </a:r>
+            <a:r>
+              <a:rPr/>
+              <a:t>Commute</a:t>
+            </a:r>
+            <a:r>
+              <a:rPr/>
+              <a:t> </a:t>
+            </a:r>
+            <a:r>
+              <a:rPr/>
+              <a:t>Time</a:t>
+            </a:r>
+          </a:p>
+        </p:txBody>
+      </p:sp>
+      <p:pic>
+        <p:nvPicPr>
+          <p:cNvPr descr="household_structure_estimates_files/figure-pptx/unnamed-chunk-17-1.png" id="0" name="Picture 1"/>
           <p:cNvPicPr>
             <a:picLocks noGrp="1" noChangeAspect="1"/>
           </p:cNvPicPr>
@@ -3850,7 +4022,7 @@
             </a:pPr>
             <a:r>
               <a:rPr/>
-              <a:t>Do</a:t>
+              <a:t>Heads</a:t>
             </a:r>
             <a:r>
               <a:rPr/>
@@ -3858,7 +4030,7 @@
             </a:r>
             <a:r>
               <a:rPr/>
-              <a:t>they</a:t>
+              <a:t>of</a:t>
             </a:r>
             <a:r>
               <a:rPr/>
@@ -3866,15 +4038,7 @@
             </a:r>
             <a:r>
               <a:rPr/>
-              <a:t>have</a:t>
-            </a:r>
-            <a:r>
-              <a:rPr/>
-              <a:t> </a:t>
-            </a:r>
-            <a:r>
-              <a:rPr/>
-              <a:t>children?</a:t>
+              <a:t>Household</a:t>
             </a:r>
           </a:p>
         </p:txBody>
@@ -3951,7 +4115,7 @@
             </a:pPr>
             <a:r>
               <a:rPr/>
-              <a:t>Number</a:t>
+              <a:t>Do</a:t>
             </a:r>
             <a:r>
               <a:rPr/>
@@ -3959,7 +4123,7 @@
             </a:r>
             <a:r>
               <a:rPr/>
-              <a:t>of</a:t>
+              <a:t>they</a:t>
             </a:r>
             <a:r>
               <a:rPr/>
@@ -3967,7 +4131,15 @@
             </a:r>
             <a:r>
               <a:rPr/>
-              <a:t>Children</a:t>
+              <a:t>have</a:t>
+            </a:r>
+            <a:r>
+              <a:rPr/>
+              <a:t> </a:t>
+            </a:r>
+            <a:r>
+              <a:rPr/>
+              <a:t>children?</a:t>
             </a:r>
           </a:p>
         </p:txBody>
@@ -4044,7 +4216,7 @@
             </a:pPr>
             <a:r>
               <a:rPr/>
-              <a:t>Income</a:t>
+              <a:t>Number</a:t>
             </a:r>
             <a:r>
               <a:rPr/>
@@ -4052,7 +4224,7 @@
             </a:r>
             <a:r>
               <a:rPr/>
-              <a:t>Characteristics:</a:t>
+              <a:t>of</a:t>
             </a:r>
             <a:r>
               <a:rPr/>
@@ -4060,15 +4232,7 @@
             </a:r>
             <a:r>
               <a:rPr/>
-              <a:t>Household</a:t>
-            </a:r>
-            <a:r>
-              <a:rPr/>
-              <a:t> </a:t>
-            </a:r>
-            <a:r>
-              <a:rPr/>
-              <a:t>Incomesingle_plot</a:t>
+              <a:t>Children</a:t>
             </a:r>
           </a:p>
         </p:txBody>
@@ -4161,15 +4325,23 @@
             </a:r>
             <a:r>
               <a:rPr/>
+              <a:t>Total</a:t>
+            </a:r>
+            <a:r>
+              <a:rPr/>
+              <a:t> </a:t>
+            </a:r>
+            <a:r>
+              <a:rPr/>
+              <a:t>Person’s</a:t>
+            </a:r>
+            <a:r>
+              <a:rPr/>
+              <a:t> </a:t>
+            </a:r>
+            <a:r>
+              <a:rPr/>
               <a:t>Income</a:t>
-            </a:r>
-            <a:r>
-              <a:rPr/>
-              <a:t> </a:t>
-            </a:r>
-            <a:r>
-              <a:rPr/>
-              <a:t>Bracket</a:t>
             </a:r>
           </a:p>
         </p:txBody>
@@ -4277,7 +4449,7 @@
       </p:sp>
       <p:pic>
         <p:nvPicPr>
-          <p:cNvPr descr="household_structure_estimates_files/figure-pptx/unnamed-chunk-7-1.png" id="0" name="Picture 1"/>
+          <p:cNvPr descr="household_structure_estimates_files/figure-pptx/unnamed-chunk-8-1.png" id="0" name="Picture 1"/>
           <p:cNvPicPr>
             <a:picLocks noGrp="1" noChangeAspect="1"/>
           </p:cNvPicPr>
@@ -4362,7 +4534,7 @@
       </p:sp>
       <p:pic>
         <p:nvPicPr>
-          <p:cNvPr descr="household_structure_estimates_files/figure-pptx/unnamed-chunk-8-1.png" id="0" name="Picture 1"/>
+          <p:cNvPr descr="household_structure_estimates_files/figure-pptx/unnamed-chunk-9-1.png" id="0" name="Picture 1"/>
           <p:cNvPicPr>
             <a:picLocks noGrp="1" noChangeAspect="1"/>
           </p:cNvPicPr>
@@ -4471,7 +4643,7 @@
       </p:sp>
       <p:pic>
         <p:nvPicPr>
-          <p:cNvPr descr="household_structure_estimates_files/figure-pptx/unnamed-chunk-9-1.png" id="0" name="Picture 1"/>
+          <p:cNvPr descr="household_structure_estimates_files/figure-pptx/unnamed-chunk-10-1.png" id="0" name="Picture 1"/>
           <p:cNvPicPr>
             <a:picLocks noGrp="1" noChangeAspect="1"/>
           </p:cNvPicPr>

--- a/create_powerpoint/household_structure_estimates.pptx
+++ b/create_powerpoint/household_structure_estimates.pptx
@@ -1,6 +1,6 @@
 
 <file path=ppt/presentation.xml><?xml version="1.0" encoding="utf-8"?>
-<p:presentation xmlns:a="http://schemas.openxmlformats.org/drawingml/2006/main" xmlns:r="http://schemas.openxmlformats.org/officeDocument/2006/relationships" xmlns:p="http://schemas.openxmlformats.org/presentationml/2006/main" saveSubsetFonts="1" autoCompressPictures="0">
+<p:presentation xmlns:a="http://schemas.openxmlformats.org/drawingml/2006/main" xmlns:r="http://schemas.openxmlformats.org/officeDocument/2006/relationships" xmlns:p="http://schemas.openxmlformats.org/presentationml/2006/main" saveSubsetFonts="1">
   <p:sldMasterIdLst>
     <p:sldMasterId id="2147483648" r:id="rId1"/>
   </p:sldMasterIdLst>
@@ -21,14 +21,15 @@
     <p:sldId id="269" r:id="rId15"/>
     <p:sldId id="270" r:id="rId16"/>
     <p:sldId id="271" r:id="rId17"/>
+    <p:sldId id="272" r:id="rId18"/>
   </p:sldIdLst>
-  <p:sldSz cx="9144000" cy="6858000" type="screen4x3"/>
+  <p:sldSz cx="12192000" cy="6858000"/>
   <p:notesSz cx="6858000" cy="9144000"/>
   <p:defaultTextStyle>
     <a:defPPr>
       <a:defRPr lang="en-US"/>
     </a:defPPr>
-    <a:lvl1pPr marL="0" algn="l" defTabSz="457200" rtl="0" eaLnBrk="1" latinLnBrk="0" hangingPunct="1">
+    <a:lvl1pPr marL="0" algn="l" defTabSz="914400" rtl="0" eaLnBrk="1" latinLnBrk="0" hangingPunct="1">
       <a:defRPr sz="1800" kern="1200">
         <a:solidFill>
           <a:schemeClr val="tx1"/>
@@ -38,7 +39,7 @@
         <a:cs typeface="+mn-cs"/>
       </a:defRPr>
     </a:lvl1pPr>
-    <a:lvl2pPr marL="457200" algn="l" defTabSz="457200" rtl="0" eaLnBrk="1" latinLnBrk="0" hangingPunct="1">
+    <a:lvl2pPr marL="457200" algn="l" defTabSz="914400" rtl="0" eaLnBrk="1" latinLnBrk="0" hangingPunct="1">
       <a:defRPr sz="1800" kern="1200">
         <a:solidFill>
           <a:schemeClr val="tx1"/>
@@ -48,7 +49,7 @@
         <a:cs typeface="+mn-cs"/>
       </a:defRPr>
     </a:lvl2pPr>
-    <a:lvl3pPr marL="914400" algn="l" defTabSz="457200" rtl="0" eaLnBrk="1" latinLnBrk="0" hangingPunct="1">
+    <a:lvl3pPr marL="914400" algn="l" defTabSz="914400" rtl="0" eaLnBrk="1" latinLnBrk="0" hangingPunct="1">
       <a:defRPr sz="1800" kern="1200">
         <a:solidFill>
           <a:schemeClr val="tx1"/>
@@ -58,7 +59,7 @@
         <a:cs typeface="+mn-cs"/>
       </a:defRPr>
     </a:lvl3pPr>
-    <a:lvl4pPr marL="1371600" algn="l" defTabSz="457200" rtl="0" eaLnBrk="1" latinLnBrk="0" hangingPunct="1">
+    <a:lvl4pPr marL="1371600" algn="l" defTabSz="914400" rtl="0" eaLnBrk="1" latinLnBrk="0" hangingPunct="1">
       <a:defRPr sz="1800" kern="1200">
         <a:solidFill>
           <a:schemeClr val="tx1"/>
@@ -68,7 +69,7 @@
         <a:cs typeface="+mn-cs"/>
       </a:defRPr>
     </a:lvl4pPr>
-    <a:lvl5pPr marL="1828800" algn="l" defTabSz="457200" rtl="0" eaLnBrk="1" latinLnBrk="0" hangingPunct="1">
+    <a:lvl5pPr marL="1828800" algn="l" defTabSz="914400" rtl="0" eaLnBrk="1" latinLnBrk="0" hangingPunct="1">
       <a:defRPr sz="1800" kern="1200">
         <a:solidFill>
           <a:schemeClr val="tx1"/>
@@ -78,7 +79,7 @@
         <a:cs typeface="+mn-cs"/>
       </a:defRPr>
     </a:lvl5pPr>
-    <a:lvl6pPr marL="2286000" algn="l" defTabSz="457200" rtl="0" eaLnBrk="1" latinLnBrk="0" hangingPunct="1">
+    <a:lvl6pPr marL="2286000" algn="l" defTabSz="914400" rtl="0" eaLnBrk="1" latinLnBrk="0" hangingPunct="1">
       <a:defRPr sz="1800" kern="1200">
         <a:solidFill>
           <a:schemeClr val="tx1"/>
@@ -88,7 +89,7 @@
         <a:cs typeface="+mn-cs"/>
       </a:defRPr>
     </a:lvl6pPr>
-    <a:lvl7pPr marL="2743200" algn="l" defTabSz="457200" rtl="0" eaLnBrk="1" latinLnBrk="0" hangingPunct="1">
+    <a:lvl7pPr marL="2743200" algn="l" defTabSz="914400" rtl="0" eaLnBrk="1" latinLnBrk="0" hangingPunct="1">
       <a:defRPr sz="1800" kern="1200">
         <a:solidFill>
           <a:schemeClr val="tx1"/>
@@ -98,7 +99,7 @@
         <a:cs typeface="+mn-cs"/>
       </a:defRPr>
     </a:lvl7pPr>
-    <a:lvl8pPr marL="3200400" algn="l" defTabSz="457200" rtl="0" eaLnBrk="1" latinLnBrk="0" hangingPunct="1">
+    <a:lvl8pPr marL="3200400" algn="l" defTabSz="914400" rtl="0" eaLnBrk="1" latinLnBrk="0" hangingPunct="1">
       <a:defRPr sz="1800" kern="1200">
         <a:solidFill>
           <a:schemeClr val="tx1"/>
@@ -108,7 +109,7 @@
         <a:cs typeface="+mn-cs"/>
       </a:defRPr>
     </a:lvl8pPr>
-    <a:lvl9pPr marL="3657600" algn="l" defTabSz="457200" rtl="0" eaLnBrk="1" latinLnBrk="0" hangingPunct="1">
+    <a:lvl9pPr marL="3657600" algn="l" defTabSz="914400" rtl="0" eaLnBrk="1" latinLnBrk="0" hangingPunct="1">
       <a:defRPr sz="1800" kern="1200">
         <a:solidFill>
           <a:schemeClr val="tx1"/>
@@ -121,18 +122,7 @@
   </p:defaultTextStyle>
   <p:extLst>
     <p:ext uri="{EFAFB233-063F-42B5-8137-9DF3F51BA10A}">
-      <p15:sldGuideLst xmlns:p15="http://schemas.microsoft.com/office/powerpoint/2012/main">
-        <p15:guide id="1" orient="horz" pos="2160">
-          <p15:clr>
-            <a:srgbClr val="A4A3A4"/>
-          </p15:clr>
-        </p15:guide>
-        <p15:guide id="2" pos="2880">
-          <p15:clr>
-            <a:srgbClr val="A4A3A4"/>
-          </p15:clr>
-        </p15:guide>
-      </p15:sldGuideLst>
+      <p15:sldGuideLst xmlns:p15="http://schemas.microsoft.com/office/powerpoint/2012/main"/>
     </p:ext>
   </p:extLst>
 </p:presentation>
@@ -141,6 +131,14 @@
 <file path=ppt/slideLayouts/slideLayout1.xml><?xml version="1.0" encoding="utf-8"?>
 <p:sldLayout xmlns:a="http://schemas.openxmlformats.org/drawingml/2006/main" xmlns:r="http://schemas.openxmlformats.org/officeDocument/2006/relationships" xmlns:p="http://schemas.openxmlformats.org/presentationml/2006/main" type="title" preserve="1">
   <p:cSld name="Title Slide">
+    <p:bg>
+      <p:bgPr>
+        <a:solidFill>
+          <a:srgbClr val="D5802B"/>
+        </a:solidFill>
+        <a:effectLst/>
+      </p:bgPr>
+    </p:bg>
     <p:spTree>
       <p:nvGrpSpPr>
         <p:cNvPr id="1" name=""/>
@@ -157,7 +155,13 @@
       </p:grpSpPr>
       <p:sp>
         <p:nvSpPr>
-          <p:cNvPr id="2" name="Title 1"/>
+          <p:cNvPr id="2" name="Title 1">
+            <a:extLst>
+              <a:ext uri="{FF2B5EF4-FFF2-40B4-BE49-F238E27FC236}">
+                <a16:creationId xmlns:a16="http://schemas.microsoft.com/office/drawing/2014/main" id="{ADF8BC5D-79F0-4134-BAB8-9CDB86E9C819}"/>
+              </a:ext>
+            </a:extLst>
+          </p:cNvPr>
           <p:cNvSpPr>
             <a:spLocks noGrp="1"/>
           </p:cNvSpPr>
@@ -167,25 +171,40 @@
         </p:nvSpPr>
         <p:spPr>
           <a:xfrm>
-            <a:off x="685800" y="2130425"/>
-            <a:ext cx="7772400" cy="1470025"/>
+            <a:off x="261257" y="1041400"/>
+            <a:ext cx="11495314" cy="2387600"/>
           </a:xfrm>
         </p:spPr>
         <p:txBody>
-          <a:bodyPr/>
-          <a:lstStyle/>
-          <a:p>
-            <a:r>
-              <a:rPr lang="en-US" smtClean="0"/>
+          <a:bodyPr anchor="t">
+            <a:normAutofit/>
+          </a:bodyPr>
+          <a:lstStyle>
+            <a:lvl1pPr algn="l">
+              <a:defRPr sz="6600" b="1">
+                <a:solidFill>
+                  <a:schemeClr val="bg1"/>
+                </a:solidFill>
+              </a:defRPr>
+            </a:lvl1pPr>
+          </a:lstStyle>
+          <a:p>
+            <a:r>
+              <a:rPr lang="en-US" dirty="0"/>
               <a:t>Click to edit Master title style</a:t>
             </a:r>
-            <a:endParaRPr lang="en-US"/>
-          </a:p>
-        </p:txBody>
-      </p:sp>
-      <p:sp>
-        <p:nvSpPr>
-          <p:cNvPr id="3" name="Subtitle 2"/>
+          </a:p>
+        </p:txBody>
+      </p:sp>
+      <p:sp>
+        <p:nvSpPr>
+          <p:cNvPr id="3" name="Subtitle 2">
+            <a:extLst>
+              <a:ext uri="{FF2B5EF4-FFF2-40B4-BE49-F238E27FC236}">
+                <a16:creationId xmlns:a16="http://schemas.microsoft.com/office/drawing/2014/main" id="{DEC5BA95-BEC6-453C-950E-BB68DDC672AE}"/>
+              </a:ext>
+            </a:extLst>
+          </p:cNvPr>
           <p:cNvSpPr>
             <a:spLocks noGrp="1"/>
           </p:cNvSpPr>
@@ -195,121 +214,122 @@
         </p:nvSpPr>
         <p:spPr>
           <a:xfrm>
-            <a:off x="1371600" y="3886200"/>
-            <a:ext cx="6400800" cy="1752600"/>
+            <a:off x="261257" y="3645581"/>
+            <a:ext cx="9144000" cy="1655762"/>
           </a:xfrm>
         </p:spPr>
         <p:txBody>
-          <a:bodyPr/>
+          <a:bodyPr>
+            <a:normAutofit/>
+          </a:bodyPr>
           <a:lstStyle>
-            <a:lvl1pPr marL="0" indent="0" algn="ctr">
-              <a:buNone/>
-              <a:defRPr>
+            <a:lvl1pPr marL="0" indent="0" algn="l">
+              <a:buNone/>
+              <a:defRPr sz="3200" b="1">
                 <a:solidFill>
-                  <a:schemeClr val="tx1">
-                    <a:tint val="75000"/>
-                  </a:schemeClr>
+                  <a:schemeClr val="bg1"/>
                 </a:solidFill>
               </a:defRPr>
             </a:lvl1pPr>
             <a:lvl2pPr marL="457200" indent="0" algn="ctr">
               <a:buNone/>
-              <a:defRPr>
-                <a:solidFill>
-                  <a:schemeClr val="tx1">
-                    <a:tint val="75000"/>
-                  </a:schemeClr>
-                </a:solidFill>
-              </a:defRPr>
+              <a:defRPr sz="2000"/>
             </a:lvl2pPr>
             <a:lvl3pPr marL="914400" indent="0" algn="ctr">
               <a:buNone/>
-              <a:defRPr>
-                <a:solidFill>
-                  <a:schemeClr val="tx1">
-                    <a:tint val="75000"/>
-                  </a:schemeClr>
-                </a:solidFill>
-              </a:defRPr>
+              <a:defRPr sz="1800"/>
             </a:lvl3pPr>
             <a:lvl4pPr marL="1371600" indent="0" algn="ctr">
               <a:buNone/>
-              <a:defRPr>
-                <a:solidFill>
-                  <a:schemeClr val="tx1">
-                    <a:tint val="75000"/>
-                  </a:schemeClr>
-                </a:solidFill>
-              </a:defRPr>
+              <a:defRPr sz="1600"/>
             </a:lvl4pPr>
             <a:lvl5pPr marL="1828800" indent="0" algn="ctr">
               <a:buNone/>
-              <a:defRPr>
-                <a:solidFill>
-                  <a:schemeClr val="tx1">
-                    <a:tint val="75000"/>
-                  </a:schemeClr>
-                </a:solidFill>
-              </a:defRPr>
+              <a:defRPr sz="1600"/>
             </a:lvl5pPr>
             <a:lvl6pPr marL="2286000" indent="0" algn="ctr">
               <a:buNone/>
-              <a:defRPr>
-                <a:solidFill>
-                  <a:schemeClr val="tx1">
-                    <a:tint val="75000"/>
-                  </a:schemeClr>
-                </a:solidFill>
-              </a:defRPr>
+              <a:defRPr sz="1600"/>
             </a:lvl6pPr>
             <a:lvl7pPr marL="2743200" indent="0" algn="ctr">
               <a:buNone/>
-              <a:defRPr>
-                <a:solidFill>
-                  <a:schemeClr val="tx1">
-                    <a:tint val="75000"/>
-                  </a:schemeClr>
-                </a:solidFill>
-              </a:defRPr>
+              <a:defRPr sz="1600"/>
             </a:lvl7pPr>
             <a:lvl8pPr marL="3200400" indent="0" algn="ctr">
               <a:buNone/>
-              <a:defRPr>
-                <a:solidFill>
-                  <a:schemeClr val="tx1">
-                    <a:tint val="75000"/>
-                  </a:schemeClr>
-                </a:solidFill>
-              </a:defRPr>
+              <a:defRPr sz="1600"/>
             </a:lvl8pPr>
             <a:lvl9pPr marL="3657600" indent="0" algn="ctr">
               <a:buNone/>
-              <a:defRPr>
-                <a:solidFill>
-                  <a:schemeClr val="tx1">
-                    <a:tint val="75000"/>
-                  </a:schemeClr>
-                </a:solidFill>
-              </a:defRPr>
+              <a:defRPr sz="1600"/>
             </a:lvl9pPr>
           </a:lstStyle>
           <a:p>
             <a:r>
+              <a:rPr lang="en-US" dirty="0"/>
+              <a:t>Click to edit Master subtitle style</a:t>
+            </a:r>
+          </a:p>
+        </p:txBody>
+      </p:sp>
+      <p:sp>
+        <p:nvSpPr>
+          <p:cNvPr id="4" name="Date Placeholder 3">
+            <a:extLst>
+              <a:ext uri="{FF2B5EF4-FFF2-40B4-BE49-F238E27FC236}">
+                <a16:creationId xmlns:a16="http://schemas.microsoft.com/office/drawing/2014/main" id="{1179C87F-56DB-40BE-8575-F9B18BF7C38C}"/>
+              </a:ext>
+            </a:extLst>
+          </p:cNvPr>
+          <p:cNvSpPr>
+            <a:spLocks noGrp="1"/>
+          </p:cNvSpPr>
+          <p:nvPr>
+            <p:ph type="dt" sz="half" idx="10"/>
+          </p:nvPr>
+        </p:nvSpPr>
+        <p:spPr>
+          <a:xfrm>
+            <a:off x="261257" y="413543"/>
+            <a:ext cx="2743200" cy="365125"/>
+          </a:xfrm>
+        </p:spPr>
+        <p:txBody>
+          <a:bodyPr/>
+          <a:lstStyle>
+            <a:lvl1pPr>
+              <a:defRPr sz="1870" b="1">
+                <a:solidFill>
+                  <a:schemeClr val="bg1"/>
+                </a:solidFill>
+                <a:latin typeface="+mn-lt"/>
+              </a:defRPr>
+            </a:lvl1pPr>
+          </a:lstStyle>
+          <a:p>
+            <a:fld id="{3EA7974F-46A4-4C38-BBCC-8E262B881B28}" type="datetimeFigureOut">
               <a:rPr lang="en-US" smtClean="0"/>
-              <a:t>Click to edit Master subtitle style</a:t>
-            </a:r>
-            <a:endParaRPr lang="en-US"/>
-          </a:p>
-        </p:txBody>
-      </p:sp>
-      <p:sp>
-        <p:nvSpPr>
-          <p:cNvPr id="4" name="Date Placeholder 3"/>
-          <p:cNvSpPr>
-            <a:spLocks noGrp="1"/>
-          </p:cNvSpPr>
-          <p:nvPr>
-            <p:ph type="dt" sz="half" idx="10"/>
+              <a:pPr/>
+              <a:t>10/18/2020</a:t>
+            </a:fld>
+            <a:endParaRPr lang="en-US" dirty="0"/>
+          </a:p>
+        </p:txBody>
+      </p:sp>
+      <p:sp>
+        <p:nvSpPr>
+          <p:cNvPr id="5" name="Footer Placeholder 4">
+            <a:extLst>
+              <a:ext uri="{FF2B5EF4-FFF2-40B4-BE49-F238E27FC236}">
+                <a16:creationId xmlns:a16="http://schemas.microsoft.com/office/drawing/2014/main" id="{D059CA93-D43D-4DEB-B1F3-374BE033AC61}"/>
+              </a:ext>
+            </a:extLst>
+          </p:cNvPr>
+          <p:cNvSpPr>
+            <a:spLocks noGrp="1"/>
+          </p:cNvSpPr>
+          <p:nvPr>
+            <p:ph type="ftr" sz="quarter" idx="11"/>
           </p:nvPr>
         </p:nvSpPr>
         <p:spPr/>
@@ -317,22 +337,24 @@
           <a:bodyPr/>
           <a:lstStyle/>
           <a:p>
-            <a:fld id="{241EB5C9-1307-BA42-ABA2-0BC069CD8E7F}" type="datetimeFigureOut">
-              <a:rPr lang="en-US" smtClean="0"/>
-              <a:t>4/5/2019</a:t>
-            </a:fld>
-            <a:endParaRPr lang="en-US"/>
-          </a:p>
-        </p:txBody>
-      </p:sp>
-      <p:sp>
-        <p:nvSpPr>
-          <p:cNvPr id="5" name="Footer Placeholder 4"/>
-          <p:cNvSpPr>
-            <a:spLocks noGrp="1"/>
-          </p:cNvSpPr>
-          <p:nvPr>
-            <p:ph type="ftr" sz="quarter" idx="11"/>
+            <a:endParaRPr lang="en-US" dirty="0"/>
+          </a:p>
+        </p:txBody>
+      </p:sp>
+      <p:sp>
+        <p:nvSpPr>
+          <p:cNvPr id="6" name="Slide Number Placeholder 5">
+            <a:extLst>
+              <a:ext uri="{FF2B5EF4-FFF2-40B4-BE49-F238E27FC236}">
+                <a16:creationId xmlns:a16="http://schemas.microsoft.com/office/drawing/2014/main" id="{22B1AD1D-BD4E-4E54-9FFD-C1433005417B}"/>
+              </a:ext>
+            </a:extLst>
+          </p:cNvPr>
+          <p:cNvSpPr>
+            <a:spLocks noGrp="1"/>
+          </p:cNvSpPr>
+          <p:nvPr>
+            <p:ph type="sldNum" sz="quarter" idx="12"/>
           </p:nvPr>
         </p:nvSpPr>
         <p:spPr/>
@@ -340,26 +362,7 @@
           <a:bodyPr/>
           <a:lstStyle/>
           <a:p>
-            <a:endParaRPr lang="en-US"/>
-          </a:p>
-        </p:txBody>
-      </p:sp>
-      <p:sp>
-        <p:nvSpPr>
-          <p:cNvPr id="6" name="Slide Number Placeholder 5"/>
-          <p:cNvSpPr>
-            <a:spLocks noGrp="1"/>
-          </p:cNvSpPr>
-          <p:nvPr>
-            <p:ph type="sldNum" sz="quarter" idx="12"/>
-          </p:nvPr>
-        </p:nvSpPr>
-        <p:spPr/>
-        <p:txBody>
-          <a:bodyPr/>
-          <a:lstStyle/>
-          <a:p>
-            <a:fld id="{C5EF2332-01BF-834F-8236-50238282D533}" type="slidenum">
+            <a:fld id="{1C3A5439-F9F3-4052-B329-868ECC3EAFBE}" type="slidenum">
               <a:rPr lang="en-US" smtClean="0"/>
               <a:t>‹#›</a:t>
             </a:fld>
@@ -367,10 +370,46 @@
           </a:p>
         </p:txBody>
       </p:sp>
+      <p:pic>
+        <p:nvPicPr>
+          <p:cNvPr id="7" name="Picture 6">
+            <a:extLst>
+              <a:ext uri="{FF2B5EF4-FFF2-40B4-BE49-F238E27FC236}">
+                <a16:creationId xmlns:a16="http://schemas.microsoft.com/office/drawing/2014/main" id="{B58D46E3-AE9F-4B5E-B5E6-5B1ACE921B09}"/>
+              </a:ext>
+            </a:extLst>
+          </p:cNvPr>
+          <p:cNvPicPr>
+            <a:picLocks noChangeAspect="1"/>
+          </p:cNvPicPr>
+          <p:nvPr userDrawn="1"/>
+        </p:nvPicPr>
+        <p:blipFill>
+          <a:blip r:embed="rId2" cstate="screen">
+            <a:extLst>
+              <a:ext uri="{28A0092B-C50C-407E-A947-70E740481C1C}">
+                <a14:useLocalDpi xmlns:a14="http://schemas.microsoft.com/office/drawing/2010/main"/>
+              </a:ext>
+            </a:extLst>
+          </a:blip>
+          <a:stretch>
+            <a:fillRect/>
+          </a:stretch>
+        </p:blipFill>
+        <p:spPr>
+          <a:xfrm>
+            <a:off x="413009" y="6125052"/>
+            <a:ext cx="2800092" cy="386349"/>
+          </a:xfrm>
+          <a:prstGeom prst="rect">
+            <a:avLst/>
+          </a:prstGeom>
+        </p:spPr>
+      </p:pic>
     </p:spTree>
     <p:extLst>
       <p:ext uri="{BB962C8B-B14F-4D97-AF65-F5344CB8AC3E}">
-        <p14:creationId xmlns:p14="http://schemas.microsoft.com/office/powerpoint/2010/main" val="1444357513"/>
+        <p14:creationId xmlns:p14="http://schemas.microsoft.com/office/powerpoint/2010/main" val="2260108755"/>
       </p:ext>
     </p:extLst>
   </p:cSld>
@@ -399,7 +438,13 @@
       </p:grpSpPr>
       <p:sp>
         <p:nvSpPr>
-          <p:cNvPr id="2" name="Title 1"/>
+          <p:cNvPr id="2" name="Title 1">
+            <a:extLst>
+              <a:ext uri="{FF2B5EF4-FFF2-40B4-BE49-F238E27FC236}">
+                <a16:creationId xmlns:a16="http://schemas.microsoft.com/office/drawing/2014/main" id="{17C7590E-2BE9-4ABD-921F-96203BBFD905}"/>
+              </a:ext>
+            </a:extLst>
+          </p:cNvPr>
           <p:cNvSpPr>
             <a:spLocks noGrp="1"/>
           </p:cNvSpPr>
@@ -413,83 +458,93 @@
           <a:lstStyle/>
           <a:p>
             <a:r>
+              <a:rPr lang="en-US"/>
+              <a:t>Click to edit Master title style</a:t>
+            </a:r>
+          </a:p>
+        </p:txBody>
+      </p:sp>
+      <p:sp>
+        <p:nvSpPr>
+          <p:cNvPr id="3" name="Vertical Text Placeholder 2">
+            <a:extLst>
+              <a:ext uri="{FF2B5EF4-FFF2-40B4-BE49-F238E27FC236}">
+                <a16:creationId xmlns:a16="http://schemas.microsoft.com/office/drawing/2014/main" id="{FA6FD25B-EB1E-40B3-8451-9CE88D9802FB}"/>
+              </a:ext>
+            </a:extLst>
+          </p:cNvPr>
+          <p:cNvSpPr>
+            <a:spLocks noGrp="1"/>
+          </p:cNvSpPr>
+          <p:nvPr>
+            <p:ph type="body" orient="vert" idx="1"/>
+          </p:nvPr>
+        </p:nvSpPr>
+        <p:spPr/>
+        <p:txBody>
+          <a:bodyPr vert="eaVert"/>
+          <a:lstStyle/>
+          <a:p>
+            <a:pPr lvl="0"/>
+            <a:r>
+              <a:rPr lang="en-US"/>
+              <a:t>Click to edit Master text styles</a:t>
+            </a:r>
+          </a:p>
+          <a:p>
+            <a:pPr lvl="1"/>
+            <a:r>
+              <a:rPr lang="en-US"/>
+              <a:t>Second level</a:t>
+            </a:r>
+          </a:p>
+          <a:p>
+            <a:pPr lvl="2"/>
+            <a:r>
+              <a:rPr lang="en-US"/>
+              <a:t>Third level</a:t>
+            </a:r>
+          </a:p>
+          <a:p>
+            <a:pPr lvl="3"/>
+            <a:r>
+              <a:rPr lang="en-US"/>
+              <a:t>Fourth level</a:t>
+            </a:r>
+          </a:p>
+          <a:p>
+            <a:pPr lvl="4"/>
+            <a:r>
+              <a:rPr lang="en-US"/>
+              <a:t>Fifth level</a:t>
+            </a:r>
+          </a:p>
+        </p:txBody>
+      </p:sp>
+      <p:sp>
+        <p:nvSpPr>
+          <p:cNvPr id="4" name="Date Placeholder 3">
+            <a:extLst>
+              <a:ext uri="{FF2B5EF4-FFF2-40B4-BE49-F238E27FC236}">
+                <a16:creationId xmlns:a16="http://schemas.microsoft.com/office/drawing/2014/main" id="{1AF20F51-AEE7-4B68-AA2A-CFCDE71FDC77}"/>
+              </a:ext>
+            </a:extLst>
+          </p:cNvPr>
+          <p:cNvSpPr>
+            <a:spLocks noGrp="1"/>
+          </p:cNvSpPr>
+          <p:nvPr>
+            <p:ph type="dt" sz="half" idx="10"/>
+          </p:nvPr>
+        </p:nvSpPr>
+        <p:spPr/>
+        <p:txBody>
+          <a:bodyPr/>
+          <a:lstStyle/>
+          <a:p>
+            <a:fld id="{3EA7974F-46A4-4C38-BBCC-8E262B881B28}" type="datetimeFigureOut">
               <a:rPr lang="en-US" smtClean="0"/>
-              <a:t>Click to edit Master title style</a:t>
-            </a:r>
-            <a:endParaRPr lang="en-US"/>
-          </a:p>
-        </p:txBody>
-      </p:sp>
-      <p:sp>
-        <p:nvSpPr>
-          <p:cNvPr id="3" name="Vertical Text Placeholder 2"/>
-          <p:cNvSpPr>
-            <a:spLocks noGrp="1"/>
-          </p:cNvSpPr>
-          <p:nvPr>
-            <p:ph type="body" orient="vert" idx="1"/>
-          </p:nvPr>
-        </p:nvSpPr>
-        <p:spPr/>
-        <p:txBody>
-          <a:bodyPr vert="eaVert"/>
-          <a:lstStyle/>
-          <a:p>
-            <a:pPr lvl="0"/>
-            <a:r>
-              <a:rPr lang="en-US" smtClean="0"/>
-              <a:t>Click to edit Master text styles</a:t>
-            </a:r>
-          </a:p>
-          <a:p>
-            <a:pPr lvl="1"/>
-            <a:r>
-              <a:rPr lang="en-US" smtClean="0"/>
-              <a:t>Second level</a:t>
-            </a:r>
-          </a:p>
-          <a:p>
-            <a:pPr lvl="2"/>
-            <a:r>
-              <a:rPr lang="en-US" smtClean="0"/>
-              <a:t>Third level</a:t>
-            </a:r>
-          </a:p>
-          <a:p>
-            <a:pPr lvl="3"/>
-            <a:r>
-              <a:rPr lang="en-US" smtClean="0"/>
-              <a:t>Fourth level</a:t>
-            </a:r>
-          </a:p>
-          <a:p>
-            <a:pPr lvl="4"/>
-            <a:r>
-              <a:rPr lang="en-US" smtClean="0"/>
-              <a:t>Fifth level</a:t>
-            </a:r>
-            <a:endParaRPr lang="en-US"/>
-          </a:p>
-        </p:txBody>
-      </p:sp>
-      <p:sp>
-        <p:nvSpPr>
-          <p:cNvPr id="4" name="Date Placeholder 3"/>
-          <p:cNvSpPr>
-            <a:spLocks noGrp="1"/>
-          </p:cNvSpPr>
-          <p:nvPr>
-            <p:ph type="dt" sz="half" idx="10"/>
-          </p:nvPr>
-        </p:nvSpPr>
-        <p:spPr/>
-        <p:txBody>
-          <a:bodyPr/>
-          <a:lstStyle/>
-          <a:p>
-            <a:fld id="{241EB5C9-1307-BA42-ABA2-0BC069CD8E7F}" type="datetimeFigureOut">
-              <a:rPr lang="en-US" smtClean="0"/>
-              <a:t>4/5/2019</a:t>
+              <a:t>10/18/2020</a:t>
             </a:fld>
             <a:endParaRPr lang="en-US"/>
           </a:p>
@@ -497,7 +552,13 @@
       </p:sp>
       <p:sp>
         <p:nvSpPr>
-          <p:cNvPr id="5" name="Footer Placeholder 4"/>
+          <p:cNvPr id="5" name="Footer Placeholder 4">
+            <a:extLst>
+              <a:ext uri="{FF2B5EF4-FFF2-40B4-BE49-F238E27FC236}">
+                <a16:creationId xmlns:a16="http://schemas.microsoft.com/office/drawing/2014/main" id="{D0E67565-3261-428A-A4F1-46339A44AC84}"/>
+              </a:ext>
+            </a:extLst>
+          </p:cNvPr>
           <p:cNvSpPr>
             <a:spLocks noGrp="1"/>
           </p:cNvSpPr>
@@ -516,7 +577,13 @@
       </p:sp>
       <p:sp>
         <p:nvSpPr>
-          <p:cNvPr id="6" name="Slide Number Placeholder 5"/>
+          <p:cNvPr id="6" name="Slide Number Placeholder 5">
+            <a:extLst>
+              <a:ext uri="{FF2B5EF4-FFF2-40B4-BE49-F238E27FC236}">
+                <a16:creationId xmlns:a16="http://schemas.microsoft.com/office/drawing/2014/main" id="{36D90C68-CFD2-4740-9872-EDF5794D09C0}"/>
+              </a:ext>
+            </a:extLst>
+          </p:cNvPr>
           <p:cNvSpPr>
             <a:spLocks noGrp="1"/>
           </p:cNvSpPr>
@@ -529,7 +596,7 @@
           <a:bodyPr/>
           <a:lstStyle/>
           <a:p>
-            <a:fld id="{C5EF2332-01BF-834F-8236-50238282D533}" type="slidenum">
+            <a:fld id="{1C3A5439-F9F3-4052-B329-868ECC3EAFBE}" type="slidenum">
               <a:rPr lang="en-US" smtClean="0"/>
               <a:t>‹#›</a:t>
             </a:fld>
@@ -540,7 +607,7 @@
     </p:spTree>
     <p:extLst>
       <p:ext uri="{BB962C8B-B14F-4D97-AF65-F5344CB8AC3E}">
-        <p14:creationId xmlns:p14="http://schemas.microsoft.com/office/powerpoint/2010/main" val="313914798"/>
+        <p14:creationId xmlns:p14="http://schemas.microsoft.com/office/powerpoint/2010/main" val="1893944316"/>
       </p:ext>
     </p:extLst>
   </p:cSld>
@@ -569,7 +636,13 @@
       </p:grpSpPr>
       <p:sp>
         <p:nvSpPr>
-          <p:cNvPr id="2" name="Vertical Title 1"/>
+          <p:cNvPr id="2" name="Vertical Title 1">
+            <a:extLst>
+              <a:ext uri="{FF2B5EF4-FFF2-40B4-BE49-F238E27FC236}">
+                <a16:creationId xmlns:a16="http://schemas.microsoft.com/office/drawing/2014/main" id="{C6DEFB6D-D995-442D-94D4-38CFFDCE8949}"/>
+              </a:ext>
+            </a:extLst>
+          </p:cNvPr>
           <p:cNvSpPr>
             <a:spLocks noGrp="1"/>
           </p:cNvSpPr>
@@ -579,8 +652,8 @@
         </p:nvSpPr>
         <p:spPr>
           <a:xfrm>
-            <a:off x="6629400" y="274638"/>
-            <a:ext cx="2057400" cy="5851525"/>
+            <a:off x="8724900" y="365125"/>
+            <a:ext cx="2628900" cy="5811838"/>
           </a:xfrm>
         </p:spPr>
         <p:txBody>
@@ -588,16 +661,21 @@
           <a:lstStyle/>
           <a:p>
             <a:r>
-              <a:rPr lang="en-US" smtClean="0"/>
+              <a:rPr lang="en-US"/>
               <a:t>Click to edit Master title style</a:t>
             </a:r>
-            <a:endParaRPr lang="en-US"/>
-          </a:p>
-        </p:txBody>
-      </p:sp>
-      <p:sp>
-        <p:nvSpPr>
-          <p:cNvPr id="3" name="Vertical Text Placeholder 2"/>
+          </a:p>
+        </p:txBody>
+      </p:sp>
+      <p:sp>
+        <p:nvSpPr>
+          <p:cNvPr id="3" name="Vertical Text Placeholder 2">
+            <a:extLst>
+              <a:ext uri="{FF2B5EF4-FFF2-40B4-BE49-F238E27FC236}">
+                <a16:creationId xmlns:a16="http://schemas.microsoft.com/office/drawing/2014/main" id="{9054263D-27EE-4C4F-BC98-252909956447}"/>
+              </a:ext>
+            </a:extLst>
+          </p:cNvPr>
           <p:cNvSpPr>
             <a:spLocks noGrp="1"/>
           </p:cNvSpPr>
@@ -607,8 +685,8 @@
         </p:nvSpPr>
         <p:spPr>
           <a:xfrm>
-            <a:off x="457200" y="274638"/>
-            <a:ext cx="6019800" cy="5851525"/>
+            <a:off x="838200" y="365125"/>
+            <a:ext cx="7734300" cy="5811838"/>
           </a:xfrm>
         </p:spPr>
         <p:txBody>
@@ -617,59 +695,64 @@
           <a:p>
             <a:pPr lvl="0"/>
             <a:r>
+              <a:rPr lang="en-US"/>
+              <a:t>Click to edit Master text styles</a:t>
+            </a:r>
+          </a:p>
+          <a:p>
+            <a:pPr lvl="1"/>
+            <a:r>
+              <a:rPr lang="en-US"/>
+              <a:t>Second level</a:t>
+            </a:r>
+          </a:p>
+          <a:p>
+            <a:pPr lvl="2"/>
+            <a:r>
+              <a:rPr lang="en-US"/>
+              <a:t>Third level</a:t>
+            </a:r>
+          </a:p>
+          <a:p>
+            <a:pPr lvl="3"/>
+            <a:r>
+              <a:rPr lang="en-US"/>
+              <a:t>Fourth level</a:t>
+            </a:r>
+          </a:p>
+          <a:p>
+            <a:pPr lvl="4"/>
+            <a:r>
+              <a:rPr lang="en-US"/>
+              <a:t>Fifth level</a:t>
+            </a:r>
+          </a:p>
+        </p:txBody>
+      </p:sp>
+      <p:sp>
+        <p:nvSpPr>
+          <p:cNvPr id="4" name="Date Placeholder 3">
+            <a:extLst>
+              <a:ext uri="{FF2B5EF4-FFF2-40B4-BE49-F238E27FC236}">
+                <a16:creationId xmlns:a16="http://schemas.microsoft.com/office/drawing/2014/main" id="{ADC86EF2-C790-4655-80EA-4A68F53B8966}"/>
+              </a:ext>
+            </a:extLst>
+          </p:cNvPr>
+          <p:cNvSpPr>
+            <a:spLocks noGrp="1"/>
+          </p:cNvSpPr>
+          <p:nvPr>
+            <p:ph type="dt" sz="half" idx="10"/>
+          </p:nvPr>
+        </p:nvSpPr>
+        <p:spPr/>
+        <p:txBody>
+          <a:bodyPr/>
+          <a:lstStyle/>
+          <a:p>
+            <a:fld id="{3EA7974F-46A4-4C38-BBCC-8E262B881B28}" type="datetimeFigureOut">
               <a:rPr lang="en-US" smtClean="0"/>
-              <a:t>Click to edit Master text styles</a:t>
-            </a:r>
-          </a:p>
-          <a:p>
-            <a:pPr lvl="1"/>
-            <a:r>
-              <a:rPr lang="en-US" smtClean="0"/>
-              <a:t>Second level</a:t>
-            </a:r>
-          </a:p>
-          <a:p>
-            <a:pPr lvl="2"/>
-            <a:r>
-              <a:rPr lang="en-US" smtClean="0"/>
-              <a:t>Third level</a:t>
-            </a:r>
-          </a:p>
-          <a:p>
-            <a:pPr lvl="3"/>
-            <a:r>
-              <a:rPr lang="en-US" smtClean="0"/>
-              <a:t>Fourth level</a:t>
-            </a:r>
-          </a:p>
-          <a:p>
-            <a:pPr lvl="4"/>
-            <a:r>
-              <a:rPr lang="en-US" smtClean="0"/>
-              <a:t>Fifth level</a:t>
-            </a:r>
-            <a:endParaRPr lang="en-US"/>
-          </a:p>
-        </p:txBody>
-      </p:sp>
-      <p:sp>
-        <p:nvSpPr>
-          <p:cNvPr id="4" name="Date Placeholder 3"/>
-          <p:cNvSpPr>
-            <a:spLocks noGrp="1"/>
-          </p:cNvSpPr>
-          <p:nvPr>
-            <p:ph type="dt" sz="half" idx="10"/>
-          </p:nvPr>
-        </p:nvSpPr>
-        <p:spPr/>
-        <p:txBody>
-          <a:bodyPr/>
-          <a:lstStyle/>
-          <a:p>
-            <a:fld id="{241EB5C9-1307-BA42-ABA2-0BC069CD8E7F}" type="datetimeFigureOut">
-              <a:rPr lang="en-US" smtClean="0"/>
-              <a:t>4/5/2019</a:t>
+              <a:t>10/18/2020</a:t>
             </a:fld>
             <a:endParaRPr lang="en-US"/>
           </a:p>
@@ -677,7 +760,13 @@
       </p:sp>
       <p:sp>
         <p:nvSpPr>
-          <p:cNvPr id="5" name="Footer Placeholder 4"/>
+          <p:cNvPr id="5" name="Footer Placeholder 4">
+            <a:extLst>
+              <a:ext uri="{FF2B5EF4-FFF2-40B4-BE49-F238E27FC236}">
+                <a16:creationId xmlns:a16="http://schemas.microsoft.com/office/drawing/2014/main" id="{D7936259-9DC1-44B6-A6C3-8B9C547F0038}"/>
+              </a:ext>
+            </a:extLst>
+          </p:cNvPr>
           <p:cNvSpPr>
             <a:spLocks noGrp="1"/>
           </p:cNvSpPr>
@@ -696,7 +785,13 @@
       </p:sp>
       <p:sp>
         <p:nvSpPr>
-          <p:cNvPr id="6" name="Slide Number Placeholder 5"/>
+          <p:cNvPr id="6" name="Slide Number Placeholder 5">
+            <a:extLst>
+              <a:ext uri="{FF2B5EF4-FFF2-40B4-BE49-F238E27FC236}">
+                <a16:creationId xmlns:a16="http://schemas.microsoft.com/office/drawing/2014/main" id="{30672A6F-4B5A-4754-BC55-DFB660FF56DE}"/>
+              </a:ext>
+            </a:extLst>
+          </p:cNvPr>
           <p:cNvSpPr>
             <a:spLocks noGrp="1"/>
           </p:cNvSpPr>
@@ -709,7 +804,7 @@
           <a:bodyPr/>
           <a:lstStyle/>
           <a:p>
-            <a:fld id="{C5EF2332-01BF-834F-8236-50238282D533}" type="slidenum">
+            <a:fld id="{1C3A5439-F9F3-4052-B329-868ECC3EAFBE}" type="slidenum">
               <a:rPr lang="en-US" smtClean="0"/>
               <a:t>‹#›</a:t>
             </a:fld>
@@ -720,7 +815,7 @@
     </p:spTree>
     <p:extLst>
       <p:ext uri="{BB962C8B-B14F-4D97-AF65-F5344CB8AC3E}">
-        <p14:creationId xmlns:p14="http://schemas.microsoft.com/office/powerpoint/2010/main" val="2581529045"/>
+        <p14:creationId xmlns:p14="http://schemas.microsoft.com/office/powerpoint/2010/main" val="383000729"/>
       </p:ext>
     </p:extLst>
   </p:cSld>
@@ -749,7 +844,13 @@
       </p:grpSpPr>
       <p:sp>
         <p:nvSpPr>
-          <p:cNvPr id="2" name="Title 1"/>
+          <p:cNvPr id="2" name="Title 1">
+            <a:extLst>
+              <a:ext uri="{FF2B5EF4-FFF2-40B4-BE49-F238E27FC236}">
+                <a16:creationId xmlns:a16="http://schemas.microsoft.com/office/drawing/2014/main" id="{0D064A50-2A97-421C-813D-6449089693A0}"/>
+              </a:ext>
+            </a:extLst>
+          </p:cNvPr>
           <p:cNvSpPr>
             <a:spLocks noGrp="1"/>
           </p:cNvSpPr>
@@ -760,24 +861,115 @@
         <p:spPr/>
         <p:txBody>
           <a:bodyPr/>
-          <a:lstStyle/>
-          <a:p>
-            <a:r>
-              <a:rPr lang="en-US" smtClean="0"/>
+          <a:lstStyle>
+            <a:lvl1pPr>
+              <a:defRPr b="1"/>
+            </a:lvl1pPr>
+          </a:lstStyle>
+          <a:p>
+            <a:r>
+              <a:rPr lang="en-US" dirty="0"/>
               <a:t>Click to edit Master title style</a:t>
             </a:r>
+          </a:p>
+        </p:txBody>
+      </p:sp>
+      <p:sp>
+        <p:nvSpPr>
+          <p:cNvPr id="3" name="Content Placeholder 2">
+            <a:extLst>
+              <a:ext uri="{FF2B5EF4-FFF2-40B4-BE49-F238E27FC236}">
+                <a16:creationId xmlns:a16="http://schemas.microsoft.com/office/drawing/2014/main" id="{C0E34547-063B-468C-B841-DB8C0206424E}"/>
+              </a:ext>
+            </a:extLst>
+          </p:cNvPr>
+          <p:cNvSpPr>
+            <a:spLocks noGrp="1"/>
+          </p:cNvSpPr>
+          <p:nvPr>
+            <p:ph idx="1"/>
+          </p:nvPr>
+        </p:nvSpPr>
+        <p:spPr/>
+        <p:txBody>
+          <a:bodyPr/>
+          <a:lstStyle/>
+          <a:p>
+            <a:pPr lvl="0"/>
+            <a:r>
+              <a:rPr lang="en-US" dirty="0"/>
+              <a:t>Click to edit Master text styles</a:t>
+            </a:r>
+          </a:p>
+          <a:p>
+            <a:pPr lvl="1"/>
+            <a:r>
+              <a:rPr lang="en-US" dirty="0"/>
+              <a:t>Second level</a:t>
+            </a:r>
+          </a:p>
+          <a:p>
+            <a:pPr lvl="2"/>
+            <a:r>
+              <a:rPr lang="en-US" dirty="0"/>
+              <a:t>Third level</a:t>
+            </a:r>
+          </a:p>
+          <a:p>
+            <a:pPr lvl="3"/>
+            <a:r>
+              <a:rPr lang="en-US" dirty="0"/>
+              <a:t>Fourth level</a:t>
+            </a:r>
+          </a:p>
+          <a:p>
+            <a:pPr lvl="4"/>
+            <a:r>
+              <a:rPr lang="en-US" dirty="0"/>
+              <a:t>Fifth level</a:t>
+            </a:r>
+          </a:p>
+        </p:txBody>
+      </p:sp>
+      <p:sp>
+        <p:nvSpPr>
+          <p:cNvPr id="5" name="Footer Placeholder 4">
+            <a:extLst>
+              <a:ext uri="{FF2B5EF4-FFF2-40B4-BE49-F238E27FC236}">
+                <a16:creationId xmlns:a16="http://schemas.microsoft.com/office/drawing/2014/main" id="{55C3A83D-9A07-4FF4-8272-C2ED73DC95CD}"/>
+              </a:ext>
+            </a:extLst>
+          </p:cNvPr>
+          <p:cNvSpPr>
+            <a:spLocks noGrp="1"/>
+          </p:cNvSpPr>
+          <p:nvPr>
+            <p:ph type="ftr" sz="quarter" idx="11"/>
+          </p:nvPr>
+        </p:nvSpPr>
+        <p:spPr/>
+        <p:txBody>
+          <a:bodyPr/>
+          <a:lstStyle/>
+          <a:p>
             <a:endParaRPr lang="en-US"/>
           </a:p>
         </p:txBody>
       </p:sp>
       <p:sp>
         <p:nvSpPr>
-          <p:cNvPr id="3" name="Content Placeholder 2"/>
-          <p:cNvSpPr>
-            <a:spLocks noGrp="1"/>
-          </p:cNvSpPr>
-          <p:nvPr>
-            <p:ph idx="1"/>
+          <p:cNvPr id="6" name="Slide Number Placeholder 5">
+            <a:extLst>
+              <a:ext uri="{FF2B5EF4-FFF2-40B4-BE49-F238E27FC236}">
+                <a16:creationId xmlns:a16="http://schemas.microsoft.com/office/drawing/2014/main" id="{92181581-37C2-4EF6-9ABF-7C70ABED30FC}"/>
+              </a:ext>
+            </a:extLst>
+          </p:cNvPr>
+          <p:cNvSpPr>
+            <a:spLocks noGrp="1"/>
+          </p:cNvSpPr>
+          <p:nvPr>
+            <p:ph type="sldNum" sz="quarter" idx="12"/>
           </p:nvPr>
         </p:nvSpPr>
         <p:spPr/>
@@ -785,101 +977,7 @@
           <a:bodyPr/>
           <a:lstStyle/>
           <a:p>
-            <a:pPr lvl="0"/>
-            <a:r>
-              <a:rPr lang="en-US" smtClean="0"/>
-              <a:t>Click to edit Master text styles</a:t>
-            </a:r>
-          </a:p>
-          <a:p>
-            <a:pPr lvl="1"/>
-            <a:r>
-              <a:rPr lang="en-US" smtClean="0"/>
-              <a:t>Second level</a:t>
-            </a:r>
-          </a:p>
-          <a:p>
-            <a:pPr lvl="2"/>
-            <a:r>
-              <a:rPr lang="en-US" smtClean="0"/>
-              <a:t>Third level</a:t>
-            </a:r>
-          </a:p>
-          <a:p>
-            <a:pPr lvl="3"/>
-            <a:r>
-              <a:rPr lang="en-US" smtClean="0"/>
-              <a:t>Fourth level</a:t>
-            </a:r>
-          </a:p>
-          <a:p>
-            <a:pPr lvl="4"/>
-            <a:r>
-              <a:rPr lang="en-US" smtClean="0"/>
-              <a:t>Fifth level</a:t>
-            </a:r>
-            <a:endParaRPr lang="en-US"/>
-          </a:p>
-        </p:txBody>
-      </p:sp>
-      <p:sp>
-        <p:nvSpPr>
-          <p:cNvPr id="4" name="Date Placeholder 3"/>
-          <p:cNvSpPr>
-            <a:spLocks noGrp="1"/>
-          </p:cNvSpPr>
-          <p:nvPr>
-            <p:ph type="dt" sz="half" idx="10"/>
-          </p:nvPr>
-        </p:nvSpPr>
-        <p:spPr/>
-        <p:txBody>
-          <a:bodyPr/>
-          <a:lstStyle/>
-          <a:p>
-            <a:fld id="{241EB5C9-1307-BA42-ABA2-0BC069CD8E7F}" type="datetimeFigureOut">
-              <a:rPr lang="en-US" smtClean="0"/>
-              <a:t>4/5/2019</a:t>
-            </a:fld>
-            <a:endParaRPr lang="en-US"/>
-          </a:p>
-        </p:txBody>
-      </p:sp>
-      <p:sp>
-        <p:nvSpPr>
-          <p:cNvPr id="5" name="Footer Placeholder 4"/>
-          <p:cNvSpPr>
-            <a:spLocks noGrp="1"/>
-          </p:cNvSpPr>
-          <p:nvPr>
-            <p:ph type="ftr" sz="quarter" idx="11"/>
-          </p:nvPr>
-        </p:nvSpPr>
-        <p:spPr/>
-        <p:txBody>
-          <a:bodyPr/>
-          <a:lstStyle/>
-          <a:p>
-            <a:endParaRPr lang="en-US"/>
-          </a:p>
-        </p:txBody>
-      </p:sp>
-      <p:sp>
-        <p:nvSpPr>
-          <p:cNvPr id="6" name="Slide Number Placeholder 5"/>
-          <p:cNvSpPr>
-            <a:spLocks noGrp="1"/>
-          </p:cNvSpPr>
-          <p:nvPr>
-            <p:ph type="sldNum" sz="quarter" idx="12"/>
-          </p:nvPr>
-        </p:nvSpPr>
-        <p:spPr/>
-        <p:txBody>
-          <a:bodyPr/>
-          <a:lstStyle/>
-          <a:p>
-            <a:fld id="{C5EF2332-01BF-834F-8236-50238282D533}" type="slidenum">
+            <a:fld id="{1C3A5439-F9F3-4052-B329-868ECC3EAFBE}" type="slidenum">
               <a:rPr lang="en-US" smtClean="0"/>
               <a:t>‹#›</a:t>
             </a:fld>
@@ -887,10 +985,46 @@
           </a:p>
         </p:txBody>
       </p:sp>
+      <p:pic>
+        <p:nvPicPr>
+          <p:cNvPr id="8" name="Picture 7">
+            <a:extLst>
+              <a:ext uri="{FF2B5EF4-FFF2-40B4-BE49-F238E27FC236}">
+                <a16:creationId xmlns:a16="http://schemas.microsoft.com/office/drawing/2014/main" id="{2A7F6AE7-A1FE-490F-8E28-27BC5DA9D42E}"/>
+              </a:ext>
+            </a:extLst>
+          </p:cNvPr>
+          <p:cNvPicPr>
+            <a:picLocks noChangeAspect="1"/>
+          </p:cNvPicPr>
+          <p:nvPr userDrawn="1"/>
+        </p:nvPicPr>
+        <p:blipFill>
+          <a:blip r:embed="rId2">
+            <a:extLst>
+              <a:ext uri="{28A0092B-C50C-407E-A947-70E740481C1C}">
+                <a14:useLocalDpi xmlns:a14="http://schemas.microsoft.com/office/drawing/2010/main" val="0"/>
+              </a:ext>
+            </a:extLst>
+          </a:blip>
+          <a:stretch>
+            <a:fillRect/>
+          </a:stretch>
+        </p:blipFill>
+        <p:spPr>
+          <a:xfrm>
+            <a:off x="0" y="5816771"/>
+            <a:ext cx="1496398" cy="926757"/>
+          </a:xfrm>
+          <a:prstGeom prst="rect">
+            <a:avLst/>
+          </a:prstGeom>
+        </p:spPr>
+      </p:pic>
     </p:spTree>
     <p:extLst>
       <p:ext uri="{BB962C8B-B14F-4D97-AF65-F5344CB8AC3E}">
-        <p14:creationId xmlns:p14="http://schemas.microsoft.com/office/powerpoint/2010/main" val="338346009"/>
+        <p14:creationId xmlns:p14="http://schemas.microsoft.com/office/powerpoint/2010/main" val="3076750735"/>
       </p:ext>
     </p:extLst>
   </p:cSld>
@@ -903,6 +1037,16 @@
 <file path=ppt/slideLayouts/slideLayout3.xml><?xml version="1.0" encoding="utf-8"?>
 <p:sldLayout xmlns:a="http://schemas.openxmlformats.org/drawingml/2006/main" xmlns:r="http://schemas.openxmlformats.org/officeDocument/2006/relationships" xmlns:p="http://schemas.openxmlformats.org/presentationml/2006/main" type="secHead" preserve="1">
   <p:cSld name="Section Header">
+    <p:bg>
+      <p:bgPr>
+        <a:solidFill>
+          <a:schemeClr val="bg1">
+            <a:lumMod val="85000"/>
+          </a:schemeClr>
+        </a:solidFill>
+        <a:effectLst/>
+      </p:bgPr>
+    </p:bg>
     <p:spTree>
       <p:nvGrpSpPr>
         <p:cNvPr id="1" name=""/>
@@ -919,7 +1063,13 @@
       </p:grpSpPr>
       <p:sp>
         <p:nvSpPr>
-          <p:cNvPr id="2" name="Title 1"/>
+          <p:cNvPr id="2" name="Title 1">
+            <a:extLst>
+              <a:ext uri="{FF2B5EF4-FFF2-40B4-BE49-F238E27FC236}">
+                <a16:creationId xmlns:a16="http://schemas.microsoft.com/office/drawing/2014/main" id="{1CAF8530-DA25-40F0-835B-ABF68B3EB818}"/>
+              </a:ext>
+            </a:extLst>
+          </p:cNvPr>
           <p:cNvSpPr>
             <a:spLocks noGrp="1"/>
           </p:cNvSpPr>
@@ -929,29 +1079,34 @@
         </p:nvSpPr>
         <p:spPr>
           <a:xfrm>
-            <a:off x="722313" y="4406900"/>
-            <a:ext cx="7772400" cy="1362075"/>
+            <a:off x="831850" y="1123072"/>
+            <a:ext cx="10515600" cy="2852737"/>
           </a:xfrm>
         </p:spPr>
         <p:txBody>
           <a:bodyPr anchor="t"/>
           <a:lstStyle>
-            <a:lvl1pPr algn="l">
-              <a:defRPr sz="4000" b="1" cap="all"/>
+            <a:lvl1pPr>
+              <a:defRPr sz="6000" b="1"/>
             </a:lvl1pPr>
           </a:lstStyle>
           <a:p>
             <a:r>
-              <a:rPr lang="en-US" smtClean="0"/>
+              <a:rPr lang="en-US" dirty="0"/>
               <a:t>Click to edit Master title style</a:t>
             </a:r>
-            <a:endParaRPr lang="en-US"/>
-          </a:p>
-        </p:txBody>
-      </p:sp>
-      <p:sp>
-        <p:nvSpPr>
-          <p:cNvPr id="3" name="Text Placeholder 2"/>
+          </a:p>
+        </p:txBody>
+      </p:sp>
+      <p:sp>
+        <p:nvSpPr>
+          <p:cNvPr id="3" name="Text Placeholder 2">
+            <a:extLst>
+              <a:ext uri="{FF2B5EF4-FFF2-40B4-BE49-F238E27FC236}">
+                <a16:creationId xmlns:a16="http://schemas.microsoft.com/office/drawing/2014/main" id="{0B4E4962-60E4-4796-991D-A9D0F592350D}"/>
+              </a:ext>
+            </a:extLst>
+          </p:cNvPr>
           <p:cNvSpPr>
             <a:spLocks noGrp="1"/>
           </p:cNvSpPr>
@@ -961,16 +1116,16 @@
         </p:nvSpPr>
         <p:spPr>
           <a:xfrm>
-            <a:off x="722313" y="2906713"/>
-            <a:ext cx="7772400" cy="1500187"/>
+            <a:off x="831850" y="4589463"/>
+            <a:ext cx="10515600" cy="1500187"/>
           </a:xfrm>
         </p:spPr>
         <p:txBody>
-          <a:bodyPr anchor="b"/>
+          <a:bodyPr/>
           <a:lstStyle>
             <a:lvl1pPr marL="0" indent="0">
               <a:buNone/>
-              <a:defRPr sz="2000">
+              <a:defRPr sz="2400">
                 <a:solidFill>
                   <a:schemeClr val="tx1">
                     <a:tint val="75000"/>
@@ -980,7 +1135,7 @@
             </a:lvl1pPr>
             <a:lvl2pPr marL="457200" indent="0">
               <a:buNone/>
-              <a:defRPr sz="1800">
+              <a:defRPr sz="2000">
                 <a:solidFill>
                   <a:schemeClr val="tx1">
                     <a:tint val="75000"/>
@@ -990,7 +1145,7 @@
             </a:lvl2pPr>
             <a:lvl3pPr marL="914400" indent="0">
               <a:buNone/>
-              <a:defRPr sz="1600">
+              <a:defRPr sz="1800">
                 <a:solidFill>
                   <a:schemeClr val="tx1">
                     <a:tint val="75000"/>
@@ -1000,7 +1155,7 @@
             </a:lvl3pPr>
             <a:lvl4pPr marL="1371600" indent="0">
               <a:buNone/>
-              <a:defRPr sz="1400">
+              <a:defRPr sz="1600">
                 <a:solidFill>
                   <a:schemeClr val="tx1">
                     <a:tint val="75000"/>
@@ -1010,7 +1165,7 @@
             </a:lvl4pPr>
             <a:lvl5pPr marL="1828800" indent="0">
               <a:buNone/>
-              <a:defRPr sz="1400">
+              <a:defRPr sz="1600">
                 <a:solidFill>
                   <a:schemeClr val="tx1">
                     <a:tint val="75000"/>
@@ -1020,7 +1175,7 @@
             </a:lvl5pPr>
             <a:lvl6pPr marL="2286000" indent="0">
               <a:buNone/>
-              <a:defRPr sz="1400">
+              <a:defRPr sz="1600">
                 <a:solidFill>
                   <a:schemeClr val="tx1">
                     <a:tint val="75000"/>
@@ -1030,7 +1185,7 @@
             </a:lvl6pPr>
             <a:lvl7pPr marL="2743200" indent="0">
               <a:buNone/>
-              <a:defRPr sz="1400">
+              <a:defRPr sz="1600">
                 <a:solidFill>
                   <a:schemeClr val="tx1">
                     <a:tint val="75000"/>
@@ -1040,7 +1195,7 @@
             </a:lvl7pPr>
             <a:lvl8pPr marL="3200400" indent="0">
               <a:buNone/>
-              <a:defRPr sz="1400">
+              <a:defRPr sz="1600">
                 <a:solidFill>
                   <a:schemeClr val="tx1">
                     <a:tint val="75000"/>
@@ -1050,7 +1205,7 @@
             </a:lvl8pPr>
             <a:lvl9pPr marL="3657600" indent="0">
               <a:buNone/>
-              <a:defRPr sz="1400">
+              <a:defRPr sz="1600">
                 <a:solidFill>
                   <a:schemeClr val="tx1">
                     <a:tint val="75000"/>
@@ -1062,7 +1217,7 @@
           <a:p>
             <a:pPr lvl="0"/>
             <a:r>
-              <a:rPr lang="en-US" smtClean="0"/>
+              <a:rPr lang="en-US"/>
               <a:t>Click to edit Master text styles</a:t>
             </a:r>
           </a:p>
@@ -1070,12 +1225,18 @@
       </p:sp>
       <p:sp>
         <p:nvSpPr>
-          <p:cNvPr id="4" name="Date Placeholder 3"/>
-          <p:cNvSpPr>
-            <a:spLocks noGrp="1"/>
-          </p:cNvSpPr>
-          <p:nvPr>
-            <p:ph type="dt" sz="half" idx="10"/>
+          <p:cNvPr id="5" name="Footer Placeholder 4">
+            <a:extLst>
+              <a:ext uri="{FF2B5EF4-FFF2-40B4-BE49-F238E27FC236}">
+                <a16:creationId xmlns:a16="http://schemas.microsoft.com/office/drawing/2014/main" id="{6676315B-0BC3-4A6E-9FE8-8A662637DB71}"/>
+              </a:ext>
+            </a:extLst>
+          </p:cNvPr>
+          <p:cNvSpPr>
+            <a:spLocks noGrp="1"/>
+          </p:cNvSpPr>
+          <p:nvPr>
+            <p:ph type="ftr" sz="quarter" idx="11"/>
           </p:nvPr>
         </p:nvSpPr>
         <p:spPr/>
@@ -1083,22 +1244,24 @@
           <a:bodyPr/>
           <a:lstStyle/>
           <a:p>
-            <a:fld id="{241EB5C9-1307-BA42-ABA2-0BC069CD8E7F}" type="datetimeFigureOut">
-              <a:rPr lang="en-US" smtClean="0"/>
-              <a:t>4/5/2019</a:t>
-            </a:fld>
             <a:endParaRPr lang="en-US"/>
           </a:p>
         </p:txBody>
       </p:sp>
       <p:sp>
         <p:nvSpPr>
-          <p:cNvPr id="5" name="Footer Placeholder 4"/>
-          <p:cNvSpPr>
-            <a:spLocks noGrp="1"/>
-          </p:cNvSpPr>
-          <p:nvPr>
-            <p:ph type="ftr" sz="quarter" idx="11"/>
+          <p:cNvPr id="6" name="Slide Number Placeholder 5">
+            <a:extLst>
+              <a:ext uri="{FF2B5EF4-FFF2-40B4-BE49-F238E27FC236}">
+                <a16:creationId xmlns:a16="http://schemas.microsoft.com/office/drawing/2014/main" id="{2B534EE0-371B-4BEC-8D5C-2AEA96A83E1E}"/>
+              </a:ext>
+            </a:extLst>
+          </p:cNvPr>
+          <p:cNvSpPr>
+            <a:spLocks noGrp="1"/>
+          </p:cNvSpPr>
+          <p:nvPr>
+            <p:ph type="sldNum" sz="quarter" idx="12"/>
           </p:nvPr>
         </p:nvSpPr>
         <p:spPr/>
@@ -1106,26 +1269,7 @@
           <a:bodyPr/>
           <a:lstStyle/>
           <a:p>
-            <a:endParaRPr lang="en-US"/>
-          </a:p>
-        </p:txBody>
-      </p:sp>
-      <p:sp>
-        <p:nvSpPr>
-          <p:cNvPr id="6" name="Slide Number Placeholder 5"/>
-          <p:cNvSpPr>
-            <a:spLocks noGrp="1"/>
-          </p:cNvSpPr>
-          <p:nvPr>
-            <p:ph type="sldNum" sz="quarter" idx="12"/>
-          </p:nvPr>
-        </p:nvSpPr>
-        <p:spPr/>
-        <p:txBody>
-          <a:bodyPr/>
-          <a:lstStyle/>
-          <a:p>
-            <a:fld id="{C5EF2332-01BF-834F-8236-50238282D533}" type="slidenum">
+            <a:fld id="{1C3A5439-F9F3-4052-B329-868ECC3EAFBE}" type="slidenum">
               <a:rPr lang="en-US" smtClean="0"/>
               <a:t>‹#›</a:t>
             </a:fld>
@@ -1133,10 +1277,46 @@
           </a:p>
         </p:txBody>
       </p:sp>
+      <p:pic>
+        <p:nvPicPr>
+          <p:cNvPr id="7" name="Picture 6">
+            <a:extLst>
+              <a:ext uri="{FF2B5EF4-FFF2-40B4-BE49-F238E27FC236}">
+                <a16:creationId xmlns:a16="http://schemas.microsoft.com/office/drawing/2014/main" id="{57EBCCE7-6FDE-457A-AA02-09B6872F0FEC}"/>
+              </a:ext>
+            </a:extLst>
+          </p:cNvPr>
+          <p:cNvPicPr>
+            <a:picLocks noChangeAspect="1"/>
+          </p:cNvPicPr>
+          <p:nvPr userDrawn="1"/>
+        </p:nvPicPr>
+        <p:blipFill>
+          <a:blip r:embed="rId2">
+            <a:extLst>
+              <a:ext uri="{28A0092B-C50C-407E-A947-70E740481C1C}">
+                <a14:useLocalDpi xmlns:a14="http://schemas.microsoft.com/office/drawing/2010/main" val="0"/>
+              </a:ext>
+            </a:extLst>
+          </a:blip>
+          <a:stretch>
+            <a:fillRect/>
+          </a:stretch>
+        </p:blipFill>
+        <p:spPr>
+          <a:xfrm>
+            <a:off x="0" y="5816771"/>
+            <a:ext cx="1496398" cy="926757"/>
+          </a:xfrm>
+          <a:prstGeom prst="rect">
+            <a:avLst/>
+          </a:prstGeom>
+        </p:spPr>
+      </p:pic>
     </p:spTree>
     <p:extLst>
       <p:ext uri="{BB962C8B-B14F-4D97-AF65-F5344CB8AC3E}">
-        <p14:creationId xmlns:p14="http://schemas.microsoft.com/office/powerpoint/2010/main" val="1073069076"/>
+        <p14:creationId xmlns:p14="http://schemas.microsoft.com/office/powerpoint/2010/main" val="180487810"/>
       </p:ext>
     </p:extLst>
   </p:cSld>
@@ -1165,7 +1345,13 @@
       </p:grpSpPr>
       <p:sp>
         <p:nvSpPr>
-          <p:cNvPr id="2" name="Title 1"/>
+          <p:cNvPr id="2" name="Title 1">
+            <a:extLst>
+              <a:ext uri="{FF2B5EF4-FFF2-40B4-BE49-F238E27FC236}">
+                <a16:creationId xmlns:a16="http://schemas.microsoft.com/office/drawing/2014/main" id="{B238DE73-5589-4076-9AC2-3DEB41A62A14}"/>
+              </a:ext>
+            </a:extLst>
+          </p:cNvPr>
           <p:cNvSpPr>
             <a:spLocks noGrp="1"/>
           </p:cNvSpPr>
@@ -1176,19 +1362,28 @@
         <p:spPr/>
         <p:txBody>
           <a:bodyPr/>
-          <a:lstStyle/>
-          <a:p>
-            <a:r>
-              <a:rPr lang="en-US" smtClean="0"/>
+          <a:lstStyle>
+            <a:lvl1pPr>
+              <a:defRPr b="1"/>
+            </a:lvl1pPr>
+          </a:lstStyle>
+          <a:p>
+            <a:r>
+              <a:rPr lang="en-US" dirty="0"/>
               <a:t>Click to edit Master title style</a:t>
             </a:r>
-            <a:endParaRPr lang="en-US"/>
-          </a:p>
-        </p:txBody>
-      </p:sp>
-      <p:sp>
-        <p:nvSpPr>
-          <p:cNvPr id="3" name="Content Placeholder 2"/>
+          </a:p>
+        </p:txBody>
+      </p:sp>
+      <p:sp>
+        <p:nvSpPr>
+          <p:cNvPr id="3" name="Content Placeholder 2">
+            <a:extLst>
+              <a:ext uri="{FF2B5EF4-FFF2-40B4-BE49-F238E27FC236}">
+                <a16:creationId xmlns:a16="http://schemas.microsoft.com/office/drawing/2014/main" id="{F8F3EE56-D5AB-4147-9DFD-FA38CA3FA46D}"/>
+              </a:ext>
+            </a:extLst>
+          </p:cNvPr>
           <p:cNvSpPr>
             <a:spLocks noGrp="1"/>
           </p:cNvSpPr>
@@ -1198,82 +1393,59 @@
         </p:nvSpPr>
         <p:spPr>
           <a:xfrm>
-            <a:off x="457200" y="1600200"/>
-            <a:ext cx="4038600" cy="4525963"/>
+            <a:off x="838200" y="1825625"/>
+            <a:ext cx="5181600" cy="4351338"/>
           </a:xfrm>
         </p:spPr>
         <p:txBody>
           <a:bodyPr/>
-          <a:lstStyle>
-            <a:lvl1pPr>
-              <a:defRPr sz="2800"/>
-            </a:lvl1pPr>
-            <a:lvl2pPr>
-              <a:defRPr sz="2400"/>
-            </a:lvl2pPr>
-            <a:lvl3pPr>
-              <a:defRPr sz="2000"/>
-            </a:lvl3pPr>
-            <a:lvl4pPr>
-              <a:defRPr sz="1800"/>
-            </a:lvl4pPr>
-            <a:lvl5pPr>
-              <a:defRPr sz="1800"/>
-            </a:lvl5pPr>
-            <a:lvl6pPr>
-              <a:defRPr sz="1800"/>
-            </a:lvl6pPr>
-            <a:lvl7pPr>
-              <a:defRPr sz="1800"/>
-            </a:lvl7pPr>
-            <a:lvl8pPr>
-              <a:defRPr sz="1800"/>
-            </a:lvl8pPr>
-            <a:lvl9pPr>
-              <a:defRPr sz="1800"/>
-            </a:lvl9pPr>
-          </a:lstStyle>
+          <a:lstStyle/>
           <a:p>
             <a:pPr lvl="0"/>
             <a:r>
-              <a:rPr lang="en-US" smtClean="0"/>
+              <a:rPr lang="en-US" dirty="0"/>
               <a:t>Click to edit Master text styles</a:t>
             </a:r>
           </a:p>
           <a:p>
             <a:pPr lvl="1"/>
             <a:r>
-              <a:rPr lang="en-US" smtClean="0"/>
+              <a:rPr lang="en-US" dirty="0"/>
               <a:t>Second level</a:t>
             </a:r>
           </a:p>
           <a:p>
             <a:pPr lvl="2"/>
             <a:r>
-              <a:rPr lang="en-US" smtClean="0"/>
+              <a:rPr lang="en-US" dirty="0"/>
               <a:t>Third level</a:t>
             </a:r>
           </a:p>
           <a:p>
             <a:pPr lvl="3"/>
             <a:r>
-              <a:rPr lang="en-US" smtClean="0"/>
+              <a:rPr lang="en-US" dirty="0"/>
               <a:t>Fourth level</a:t>
             </a:r>
           </a:p>
           <a:p>
             <a:pPr lvl="4"/>
             <a:r>
-              <a:rPr lang="en-US" smtClean="0"/>
+              <a:rPr lang="en-US" dirty="0"/>
               <a:t>Fifth level</a:t>
             </a:r>
-            <a:endParaRPr lang="en-US"/>
-          </a:p>
-        </p:txBody>
-      </p:sp>
-      <p:sp>
-        <p:nvSpPr>
-          <p:cNvPr id="4" name="Content Placeholder 3"/>
+          </a:p>
+        </p:txBody>
+      </p:sp>
+      <p:sp>
+        <p:nvSpPr>
+          <p:cNvPr id="4" name="Content Placeholder 3">
+            <a:extLst>
+              <a:ext uri="{FF2B5EF4-FFF2-40B4-BE49-F238E27FC236}">
+                <a16:creationId xmlns:a16="http://schemas.microsoft.com/office/drawing/2014/main" id="{B45D18D8-CED2-4572-8D9E-50E2E1C15FA3}"/>
+              </a:ext>
+            </a:extLst>
+          </p:cNvPr>
           <p:cNvSpPr>
             <a:spLocks noGrp="1"/>
           </p:cNvSpPr>
@@ -1283,87 +1455,89 @@
         </p:nvSpPr>
         <p:spPr>
           <a:xfrm>
-            <a:off x="4648200" y="1600200"/>
-            <a:ext cx="4038600" cy="4525963"/>
+            <a:off x="6172200" y="1825625"/>
+            <a:ext cx="5181600" cy="4351338"/>
           </a:xfrm>
         </p:spPr>
         <p:txBody>
           <a:bodyPr/>
-          <a:lstStyle>
-            <a:lvl1pPr>
-              <a:defRPr sz="2800"/>
-            </a:lvl1pPr>
-            <a:lvl2pPr>
-              <a:defRPr sz="2400"/>
-            </a:lvl2pPr>
-            <a:lvl3pPr>
-              <a:defRPr sz="2000"/>
-            </a:lvl3pPr>
-            <a:lvl4pPr>
-              <a:defRPr sz="1800"/>
-            </a:lvl4pPr>
-            <a:lvl5pPr>
-              <a:defRPr sz="1800"/>
-            </a:lvl5pPr>
-            <a:lvl6pPr>
-              <a:defRPr sz="1800"/>
-            </a:lvl6pPr>
-            <a:lvl7pPr>
-              <a:defRPr sz="1800"/>
-            </a:lvl7pPr>
-            <a:lvl8pPr>
-              <a:defRPr sz="1800"/>
-            </a:lvl8pPr>
-            <a:lvl9pPr>
-              <a:defRPr sz="1800"/>
-            </a:lvl9pPr>
-          </a:lstStyle>
+          <a:lstStyle/>
           <a:p>
             <a:pPr lvl="0"/>
             <a:r>
-              <a:rPr lang="en-US" smtClean="0"/>
+              <a:rPr lang="en-US" dirty="0"/>
               <a:t>Click to edit Master text styles</a:t>
             </a:r>
           </a:p>
           <a:p>
             <a:pPr lvl="1"/>
             <a:r>
-              <a:rPr lang="en-US" smtClean="0"/>
+              <a:rPr lang="en-US" dirty="0"/>
               <a:t>Second level</a:t>
             </a:r>
           </a:p>
           <a:p>
             <a:pPr lvl="2"/>
             <a:r>
-              <a:rPr lang="en-US" smtClean="0"/>
+              <a:rPr lang="en-US" dirty="0"/>
               <a:t>Third level</a:t>
             </a:r>
           </a:p>
           <a:p>
             <a:pPr lvl="3"/>
             <a:r>
-              <a:rPr lang="en-US" smtClean="0"/>
+              <a:rPr lang="en-US" dirty="0"/>
               <a:t>Fourth level</a:t>
             </a:r>
           </a:p>
           <a:p>
             <a:pPr lvl="4"/>
             <a:r>
-              <a:rPr lang="en-US" smtClean="0"/>
+              <a:rPr lang="en-US" dirty="0"/>
               <a:t>Fifth level</a:t>
             </a:r>
+          </a:p>
+        </p:txBody>
+      </p:sp>
+      <p:sp>
+        <p:nvSpPr>
+          <p:cNvPr id="6" name="Footer Placeholder 5">
+            <a:extLst>
+              <a:ext uri="{FF2B5EF4-FFF2-40B4-BE49-F238E27FC236}">
+                <a16:creationId xmlns:a16="http://schemas.microsoft.com/office/drawing/2014/main" id="{DA708FCA-6561-45F5-B906-73801FC96ED5}"/>
+              </a:ext>
+            </a:extLst>
+          </p:cNvPr>
+          <p:cNvSpPr>
+            <a:spLocks noGrp="1"/>
+          </p:cNvSpPr>
+          <p:nvPr>
+            <p:ph type="ftr" sz="quarter" idx="11"/>
+          </p:nvPr>
+        </p:nvSpPr>
+        <p:spPr/>
+        <p:txBody>
+          <a:bodyPr/>
+          <a:lstStyle/>
+          <a:p>
             <a:endParaRPr lang="en-US"/>
           </a:p>
         </p:txBody>
       </p:sp>
       <p:sp>
         <p:nvSpPr>
-          <p:cNvPr id="5" name="Date Placeholder 4"/>
-          <p:cNvSpPr>
-            <a:spLocks noGrp="1"/>
-          </p:cNvSpPr>
-          <p:nvPr>
-            <p:ph type="dt" sz="half" idx="10"/>
+          <p:cNvPr id="7" name="Slide Number Placeholder 6">
+            <a:extLst>
+              <a:ext uri="{FF2B5EF4-FFF2-40B4-BE49-F238E27FC236}">
+                <a16:creationId xmlns:a16="http://schemas.microsoft.com/office/drawing/2014/main" id="{AAA2C599-B123-4D0C-867F-D58B53EB000F}"/>
+              </a:ext>
+            </a:extLst>
+          </p:cNvPr>
+          <p:cNvSpPr>
+            <a:spLocks noGrp="1"/>
+          </p:cNvSpPr>
+          <p:nvPr>
+            <p:ph type="sldNum" sz="quarter" idx="12"/>
           </p:nvPr>
         </p:nvSpPr>
         <p:spPr/>
@@ -1371,49 +1545,7 @@
           <a:bodyPr/>
           <a:lstStyle/>
           <a:p>
-            <a:fld id="{241EB5C9-1307-BA42-ABA2-0BC069CD8E7F}" type="datetimeFigureOut">
-              <a:rPr lang="en-US" smtClean="0"/>
-              <a:t>4/5/2019</a:t>
-            </a:fld>
-            <a:endParaRPr lang="en-US"/>
-          </a:p>
-        </p:txBody>
-      </p:sp>
-      <p:sp>
-        <p:nvSpPr>
-          <p:cNvPr id="6" name="Footer Placeholder 5"/>
-          <p:cNvSpPr>
-            <a:spLocks noGrp="1"/>
-          </p:cNvSpPr>
-          <p:nvPr>
-            <p:ph type="ftr" sz="quarter" idx="11"/>
-          </p:nvPr>
-        </p:nvSpPr>
-        <p:spPr/>
-        <p:txBody>
-          <a:bodyPr/>
-          <a:lstStyle/>
-          <a:p>
-            <a:endParaRPr lang="en-US"/>
-          </a:p>
-        </p:txBody>
-      </p:sp>
-      <p:sp>
-        <p:nvSpPr>
-          <p:cNvPr id="7" name="Slide Number Placeholder 6"/>
-          <p:cNvSpPr>
-            <a:spLocks noGrp="1"/>
-          </p:cNvSpPr>
-          <p:nvPr>
-            <p:ph type="sldNum" sz="quarter" idx="12"/>
-          </p:nvPr>
-        </p:nvSpPr>
-        <p:spPr/>
-        <p:txBody>
-          <a:bodyPr/>
-          <a:lstStyle/>
-          <a:p>
-            <a:fld id="{C5EF2332-01BF-834F-8236-50238282D533}" type="slidenum">
+            <a:fld id="{1C3A5439-F9F3-4052-B329-868ECC3EAFBE}" type="slidenum">
               <a:rPr lang="en-US" smtClean="0"/>
               <a:t>‹#›</a:t>
             </a:fld>
@@ -1421,10 +1553,46 @@
           </a:p>
         </p:txBody>
       </p:sp>
+      <p:pic>
+        <p:nvPicPr>
+          <p:cNvPr id="8" name="Picture 7">
+            <a:extLst>
+              <a:ext uri="{FF2B5EF4-FFF2-40B4-BE49-F238E27FC236}">
+                <a16:creationId xmlns:a16="http://schemas.microsoft.com/office/drawing/2014/main" id="{966B09E1-A298-46D0-8F38-B6314F7541F0}"/>
+              </a:ext>
+            </a:extLst>
+          </p:cNvPr>
+          <p:cNvPicPr>
+            <a:picLocks noChangeAspect="1"/>
+          </p:cNvPicPr>
+          <p:nvPr userDrawn="1"/>
+        </p:nvPicPr>
+        <p:blipFill>
+          <a:blip r:embed="rId2">
+            <a:extLst>
+              <a:ext uri="{28A0092B-C50C-407E-A947-70E740481C1C}">
+                <a14:useLocalDpi xmlns:a14="http://schemas.microsoft.com/office/drawing/2010/main" val="0"/>
+              </a:ext>
+            </a:extLst>
+          </a:blip>
+          <a:stretch>
+            <a:fillRect/>
+          </a:stretch>
+        </p:blipFill>
+        <p:spPr>
+          <a:xfrm>
+            <a:off x="0" y="5816771"/>
+            <a:ext cx="1496398" cy="926757"/>
+          </a:xfrm>
+          <a:prstGeom prst="rect">
+            <a:avLst/>
+          </a:prstGeom>
+        </p:spPr>
+      </p:pic>
     </p:spTree>
     <p:extLst>
       <p:ext uri="{BB962C8B-B14F-4D97-AF65-F5344CB8AC3E}">
-        <p14:creationId xmlns:p14="http://schemas.microsoft.com/office/powerpoint/2010/main" val="2619886245"/>
+        <p14:creationId xmlns:p14="http://schemas.microsoft.com/office/powerpoint/2010/main" val="4198154202"/>
       </p:ext>
     </p:extLst>
   </p:cSld>
@@ -1453,45 +1621,57 @@
       </p:grpSpPr>
       <p:sp>
         <p:nvSpPr>
-          <p:cNvPr id="2" name="Title 1"/>
+          <p:cNvPr id="2" name="Title 1">
+            <a:extLst>
+              <a:ext uri="{FF2B5EF4-FFF2-40B4-BE49-F238E27FC236}">
+                <a16:creationId xmlns:a16="http://schemas.microsoft.com/office/drawing/2014/main" id="{42970371-C7D7-4D1C-866A-66B223AFE6E9}"/>
+              </a:ext>
+            </a:extLst>
+          </p:cNvPr>
           <p:cNvSpPr>
             <a:spLocks noGrp="1"/>
           </p:cNvSpPr>
           <p:nvPr>
             <p:ph type="title"/>
-          </p:nvPr>
-        </p:nvSpPr>
-        <p:spPr/>
-        <p:txBody>
-          <a:bodyPr/>
-          <a:lstStyle>
-            <a:lvl1pPr>
-              <a:defRPr/>
-            </a:lvl1pPr>
-          </a:lstStyle>
-          <a:p>
-            <a:r>
-              <a:rPr lang="en-US" smtClean="0"/>
-              <a:t>Click to edit Master title style</a:t>
-            </a:r>
-            <a:endParaRPr lang="en-US"/>
-          </a:p>
-        </p:txBody>
-      </p:sp>
-      <p:sp>
-        <p:nvSpPr>
-          <p:cNvPr id="3" name="Text Placeholder 2"/>
-          <p:cNvSpPr>
-            <a:spLocks noGrp="1"/>
-          </p:cNvSpPr>
-          <p:nvPr>
-            <p:ph type="body" idx="1"/>
           </p:nvPr>
         </p:nvSpPr>
         <p:spPr>
           <a:xfrm>
-            <a:off x="457200" y="1535113"/>
-            <a:ext cx="4040188" cy="639762"/>
+            <a:off x="839788" y="365125"/>
+            <a:ext cx="10515600" cy="1325563"/>
+          </a:xfrm>
+        </p:spPr>
+        <p:txBody>
+          <a:bodyPr/>
+          <a:lstStyle/>
+          <a:p>
+            <a:r>
+              <a:rPr lang="en-US"/>
+              <a:t>Click to edit Master title style</a:t>
+            </a:r>
+          </a:p>
+        </p:txBody>
+      </p:sp>
+      <p:sp>
+        <p:nvSpPr>
+          <p:cNvPr id="3" name="Text Placeholder 2">
+            <a:extLst>
+              <a:ext uri="{FF2B5EF4-FFF2-40B4-BE49-F238E27FC236}">
+                <a16:creationId xmlns:a16="http://schemas.microsoft.com/office/drawing/2014/main" id="{6AB33C5C-1E9B-4A6D-97E8-D55CDDE22DAC}"/>
+              </a:ext>
+            </a:extLst>
+          </p:cNvPr>
+          <p:cNvSpPr>
+            <a:spLocks noGrp="1"/>
+          </p:cNvSpPr>
+          <p:nvPr>
+            <p:ph type="body" idx="1"/>
+          </p:nvPr>
+        </p:nvSpPr>
+        <p:spPr>
+          <a:xfrm>
+            <a:off x="839788" y="1681163"/>
+            <a:ext cx="5157787" cy="823912"/>
           </a:xfrm>
         </p:spPr>
         <p:txBody>
@@ -1537,7 +1717,7 @@
           <a:p>
             <a:pPr lvl="0"/>
             <a:r>
-              <a:rPr lang="en-US" smtClean="0"/>
+              <a:rPr lang="en-US"/>
               <a:t>Click to edit Master text styles</a:t>
             </a:r>
           </a:p>
@@ -1545,7 +1725,13 @@
       </p:sp>
       <p:sp>
         <p:nvSpPr>
-          <p:cNvPr id="4" name="Content Placeholder 3"/>
+          <p:cNvPr id="4" name="Content Placeholder 3">
+            <a:extLst>
+              <a:ext uri="{FF2B5EF4-FFF2-40B4-BE49-F238E27FC236}">
+                <a16:creationId xmlns:a16="http://schemas.microsoft.com/office/drawing/2014/main" id="{80704B72-6D6C-4EC9-AB85-F90539E8AE5A}"/>
+              </a:ext>
+            </a:extLst>
+          </p:cNvPr>
           <p:cNvSpPr>
             <a:spLocks noGrp="1"/>
           </p:cNvSpPr>
@@ -1555,82 +1741,59 @@
         </p:nvSpPr>
         <p:spPr>
           <a:xfrm>
-            <a:off x="457200" y="2174875"/>
-            <a:ext cx="4040188" cy="3951288"/>
+            <a:off x="839788" y="2505075"/>
+            <a:ext cx="5157787" cy="3684588"/>
           </a:xfrm>
         </p:spPr>
         <p:txBody>
           <a:bodyPr/>
-          <a:lstStyle>
-            <a:lvl1pPr>
-              <a:defRPr sz="2400"/>
-            </a:lvl1pPr>
-            <a:lvl2pPr>
-              <a:defRPr sz="2000"/>
-            </a:lvl2pPr>
-            <a:lvl3pPr>
-              <a:defRPr sz="1800"/>
-            </a:lvl3pPr>
-            <a:lvl4pPr>
-              <a:defRPr sz="1600"/>
-            </a:lvl4pPr>
-            <a:lvl5pPr>
-              <a:defRPr sz="1600"/>
-            </a:lvl5pPr>
-            <a:lvl6pPr>
-              <a:defRPr sz="1600"/>
-            </a:lvl6pPr>
-            <a:lvl7pPr>
-              <a:defRPr sz="1600"/>
-            </a:lvl7pPr>
-            <a:lvl8pPr>
-              <a:defRPr sz="1600"/>
-            </a:lvl8pPr>
-            <a:lvl9pPr>
-              <a:defRPr sz="1600"/>
-            </a:lvl9pPr>
-          </a:lstStyle>
+          <a:lstStyle/>
           <a:p>
             <a:pPr lvl="0"/>
             <a:r>
-              <a:rPr lang="en-US" smtClean="0"/>
+              <a:rPr lang="en-US"/>
               <a:t>Click to edit Master text styles</a:t>
             </a:r>
           </a:p>
           <a:p>
             <a:pPr lvl="1"/>
             <a:r>
-              <a:rPr lang="en-US" smtClean="0"/>
+              <a:rPr lang="en-US"/>
               <a:t>Second level</a:t>
             </a:r>
           </a:p>
           <a:p>
             <a:pPr lvl="2"/>
             <a:r>
-              <a:rPr lang="en-US" smtClean="0"/>
+              <a:rPr lang="en-US"/>
               <a:t>Third level</a:t>
             </a:r>
           </a:p>
           <a:p>
             <a:pPr lvl="3"/>
             <a:r>
-              <a:rPr lang="en-US" smtClean="0"/>
+              <a:rPr lang="en-US"/>
               <a:t>Fourth level</a:t>
             </a:r>
           </a:p>
           <a:p>
             <a:pPr lvl="4"/>
             <a:r>
-              <a:rPr lang="en-US" smtClean="0"/>
+              <a:rPr lang="en-US"/>
               <a:t>Fifth level</a:t>
             </a:r>
-            <a:endParaRPr lang="en-US"/>
-          </a:p>
-        </p:txBody>
-      </p:sp>
-      <p:sp>
-        <p:nvSpPr>
-          <p:cNvPr id="5" name="Text Placeholder 4"/>
+          </a:p>
+        </p:txBody>
+      </p:sp>
+      <p:sp>
+        <p:nvSpPr>
+          <p:cNvPr id="5" name="Text Placeholder 4">
+            <a:extLst>
+              <a:ext uri="{FF2B5EF4-FFF2-40B4-BE49-F238E27FC236}">
+                <a16:creationId xmlns:a16="http://schemas.microsoft.com/office/drawing/2014/main" id="{B1A64977-7B36-4160-9E43-45A289A9AE23}"/>
+              </a:ext>
+            </a:extLst>
+          </p:cNvPr>
           <p:cNvSpPr>
             <a:spLocks noGrp="1"/>
           </p:cNvSpPr>
@@ -1640,8 +1803,8 @@
         </p:nvSpPr>
         <p:spPr>
           <a:xfrm>
-            <a:off x="4645025" y="1535113"/>
-            <a:ext cx="4041775" cy="639762"/>
+            <a:off x="6172200" y="1681163"/>
+            <a:ext cx="5183188" cy="823912"/>
           </a:xfrm>
         </p:spPr>
         <p:txBody>
@@ -1687,7 +1850,7 @@
           <a:p>
             <a:pPr lvl="0"/>
             <a:r>
-              <a:rPr lang="en-US" smtClean="0"/>
+              <a:rPr lang="en-US"/>
               <a:t>Click to edit Master text styles</a:t>
             </a:r>
           </a:p>
@@ -1695,7 +1858,13 @@
       </p:sp>
       <p:sp>
         <p:nvSpPr>
-          <p:cNvPr id="6" name="Content Placeholder 5"/>
+          <p:cNvPr id="6" name="Content Placeholder 5">
+            <a:extLst>
+              <a:ext uri="{FF2B5EF4-FFF2-40B4-BE49-F238E27FC236}">
+                <a16:creationId xmlns:a16="http://schemas.microsoft.com/office/drawing/2014/main" id="{5C2ED296-CD0D-4B2D-931A-D961BFD5F175}"/>
+              </a:ext>
+            </a:extLst>
+          </p:cNvPr>
           <p:cNvSpPr>
             <a:spLocks noGrp="1"/>
           </p:cNvSpPr>
@@ -1705,97 +1874,74 @@
         </p:nvSpPr>
         <p:spPr>
           <a:xfrm>
-            <a:off x="4645025" y="2174875"/>
-            <a:ext cx="4041775" cy="3951288"/>
+            <a:off x="6172200" y="2505075"/>
+            <a:ext cx="5183188" cy="3684588"/>
           </a:xfrm>
         </p:spPr>
         <p:txBody>
           <a:bodyPr/>
-          <a:lstStyle>
-            <a:lvl1pPr>
-              <a:defRPr sz="2400"/>
-            </a:lvl1pPr>
-            <a:lvl2pPr>
-              <a:defRPr sz="2000"/>
-            </a:lvl2pPr>
-            <a:lvl3pPr>
-              <a:defRPr sz="1800"/>
-            </a:lvl3pPr>
-            <a:lvl4pPr>
-              <a:defRPr sz="1600"/>
-            </a:lvl4pPr>
-            <a:lvl5pPr>
-              <a:defRPr sz="1600"/>
-            </a:lvl5pPr>
-            <a:lvl6pPr>
-              <a:defRPr sz="1600"/>
-            </a:lvl6pPr>
-            <a:lvl7pPr>
-              <a:defRPr sz="1600"/>
-            </a:lvl7pPr>
-            <a:lvl8pPr>
-              <a:defRPr sz="1600"/>
-            </a:lvl8pPr>
-            <a:lvl9pPr>
-              <a:defRPr sz="1600"/>
-            </a:lvl9pPr>
-          </a:lstStyle>
+          <a:lstStyle/>
           <a:p>
             <a:pPr lvl="0"/>
             <a:r>
+              <a:rPr lang="en-US"/>
+              <a:t>Click to edit Master text styles</a:t>
+            </a:r>
+          </a:p>
+          <a:p>
+            <a:pPr lvl="1"/>
+            <a:r>
+              <a:rPr lang="en-US"/>
+              <a:t>Second level</a:t>
+            </a:r>
+          </a:p>
+          <a:p>
+            <a:pPr lvl="2"/>
+            <a:r>
+              <a:rPr lang="en-US"/>
+              <a:t>Third level</a:t>
+            </a:r>
+          </a:p>
+          <a:p>
+            <a:pPr lvl="3"/>
+            <a:r>
+              <a:rPr lang="en-US"/>
+              <a:t>Fourth level</a:t>
+            </a:r>
+          </a:p>
+          <a:p>
+            <a:pPr lvl="4"/>
+            <a:r>
+              <a:rPr lang="en-US"/>
+              <a:t>Fifth level</a:t>
+            </a:r>
+          </a:p>
+        </p:txBody>
+      </p:sp>
+      <p:sp>
+        <p:nvSpPr>
+          <p:cNvPr id="7" name="Date Placeholder 6">
+            <a:extLst>
+              <a:ext uri="{FF2B5EF4-FFF2-40B4-BE49-F238E27FC236}">
+                <a16:creationId xmlns:a16="http://schemas.microsoft.com/office/drawing/2014/main" id="{158B0D23-4E07-4013-9695-B13A97983701}"/>
+              </a:ext>
+            </a:extLst>
+          </p:cNvPr>
+          <p:cNvSpPr>
+            <a:spLocks noGrp="1"/>
+          </p:cNvSpPr>
+          <p:nvPr>
+            <p:ph type="dt" sz="half" idx="10"/>
+          </p:nvPr>
+        </p:nvSpPr>
+        <p:spPr/>
+        <p:txBody>
+          <a:bodyPr/>
+          <a:lstStyle/>
+          <a:p>
+            <a:fld id="{3EA7974F-46A4-4C38-BBCC-8E262B881B28}" type="datetimeFigureOut">
               <a:rPr lang="en-US" smtClean="0"/>
-              <a:t>Click to edit Master text styles</a:t>
-            </a:r>
-          </a:p>
-          <a:p>
-            <a:pPr lvl="1"/>
-            <a:r>
-              <a:rPr lang="en-US" smtClean="0"/>
-              <a:t>Second level</a:t>
-            </a:r>
-          </a:p>
-          <a:p>
-            <a:pPr lvl="2"/>
-            <a:r>
-              <a:rPr lang="en-US" smtClean="0"/>
-              <a:t>Third level</a:t>
-            </a:r>
-          </a:p>
-          <a:p>
-            <a:pPr lvl="3"/>
-            <a:r>
-              <a:rPr lang="en-US" smtClean="0"/>
-              <a:t>Fourth level</a:t>
-            </a:r>
-          </a:p>
-          <a:p>
-            <a:pPr lvl="4"/>
-            <a:r>
-              <a:rPr lang="en-US" smtClean="0"/>
-              <a:t>Fifth level</a:t>
-            </a:r>
-            <a:endParaRPr lang="en-US"/>
-          </a:p>
-        </p:txBody>
-      </p:sp>
-      <p:sp>
-        <p:nvSpPr>
-          <p:cNvPr id="7" name="Date Placeholder 6"/>
-          <p:cNvSpPr>
-            <a:spLocks noGrp="1"/>
-          </p:cNvSpPr>
-          <p:nvPr>
-            <p:ph type="dt" sz="half" idx="10"/>
-          </p:nvPr>
-        </p:nvSpPr>
-        <p:spPr/>
-        <p:txBody>
-          <a:bodyPr/>
-          <a:lstStyle/>
-          <a:p>
-            <a:fld id="{241EB5C9-1307-BA42-ABA2-0BC069CD8E7F}" type="datetimeFigureOut">
-              <a:rPr lang="en-US" smtClean="0"/>
-              <a:t>4/5/2019</a:t>
+              <a:t>10/18/2020</a:t>
             </a:fld>
             <a:endParaRPr lang="en-US"/>
           </a:p>
@@ -1803,7 +1949,13 @@
       </p:sp>
       <p:sp>
         <p:nvSpPr>
-          <p:cNvPr id="8" name="Footer Placeholder 7"/>
+          <p:cNvPr id="8" name="Footer Placeholder 7">
+            <a:extLst>
+              <a:ext uri="{FF2B5EF4-FFF2-40B4-BE49-F238E27FC236}">
+                <a16:creationId xmlns:a16="http://schemas.microsoft.com/office/drawing/2014/main" id="{E6515FC7-CD41-4823-8317-DE171CFAC0E7}"/>
+              </a:ext>
+            </a:extLst>
+          </p:cNvPr>
           <p:cNvSpPr>
             <a:spLocks noGrp="1"/>
           </p:cNvSpPr>
@@ -1822,7 +1974,13 @@
       </p:sp>
       <p:sp>
         <p:nvSpPr>
-          <p:cNvPr id="9" name="Slide Number Placeholder 8"/>
+          <p:cNvPr id="9" name="Slide Number Placeholder 8">
+            <a:extLst>
+              <a:ext uri="{FF2B5EF4-FFF2-40B4-BE49-F238E27FC236}">
+                <a16:creationId xmlns:a16="http://schemas.microsoft.com/office/drawing/2014/main" id="{418B2BD3-B17A-428B-B885-E6F07CE3933E}"/>
+              </a:ext>
+            </a:extLst>
+          </p:cNvPr>
           <p:cNvSpPr>
             <a:spLocks noGrp="1"/>
           </p:cNvSpPr>
@@ -1835,7 +1993,7 @@
           <a:bodyPr/>
           <a:lstStyle/>
           <a:p>
-            <a:fld id="{C5EF2332-01BF-834F-8236-50238282D533}" type="slidenum">
+            <a:fld id="{1C3A5439-F9F3-4052-B329-868ECC3EAFBE}" type="slidenum">
               <a:rPr lang="en-US" smtClean="0"/>
               <a:t>‹#›</a:t>
             </a:fld>
@@ -1846,7 +2004,7 @@
     </p:spTree>
     <p:extLst>
       <p:ext uri="{BB962C8B-B14F-4D97-AF65-F5344CB8AC3E}">
-        <p14:creationId xmlns:p14="http://schemas.microsoft.com/office/powerpoint/2010/main" val="2535793967"/>
+        <p14:creationId xmlns:p14="http://schemas.microsoft.com/office/powerpoint/2010/main" val="3732678432"/>
       </p:ext>
     </p:extLst>
   </p:cSld>
@@ -1875,7 +2033,13 @@
       </p:grpSpPr>
       <p:sp>
         <p:nvSpPr>
-          <p:cNvPr id="2" name="Title 1"/>
+          <p:cNvPr id="2" name="Title 1">
+            <a:extLst>
+              <a:ext uri="{FF2B5EF4-FFF2-40B4-BE49-F238E27FC236}">
+                <a16:creationId xmlns:a16="http://schemas.microsoft.com/office/drawing/2014/main" id="{323C9013-4138-4C5F-9786-ABA60BB130BB}"/>
+              </a:ext>
+            </a:extLst>
+          </p:cNvPr>
           <p:cNvSpPr>
             <a:spLocks noGrp="1"/>
           </p:cNvSpPr>
@@ -1889,31 +2053,36 @@
           <a:lstStyle/>
           <a:p>
             <a:r>
+              <a:rPr lang="en-US"/>
+              <a:t>Click to edit Master title style</a:t>
+            </a:r>
+          </a:p>
+        </p:txBody>
+      </p:sp>
+      <p:sp>
+        <p:nvSpPr>
+          <p:cNvPr id="3" name="Date Placeholder 2">
+            <a:extLst>
+              <a:ext uri="{FF2B5EF4-FFF2-40B4-BE49-F238E27FC236}">
+                <a16:creationId xmlns:a16="http://schemas.microsoft.com/office/drawing/2014/main" id="{2C645B5B-BFA4-4325-8399-A63A2B515C93}"/>
+              </a:ext>
+            </a:extLst>
+          </p:cNvPr>
+          <p:cNvSpPr>
+            <a:spLocks noGrp="1"/>
+          </p:cNvSpPr>
+          <p:nvPr>
+            <p:ph type="dt" sz="half" idx="10"/>
+          </p:nvPr>
+        </p:nvSpPr>
+        <p:spPr/>
+        <p:txBody>
+          <a:bodyPr/>
+          <a:lstStyle/>
+          <a:p>
+            <a:fld id="{3EA7974F-46A4-4C38-BBCC-8E262B881B28}" type="datetimeFigureOut">
               <a:rPr lang="en-US" smtClean="0"/>
-              <a:t>Click to edit Master title style</a:t>
-            </a:r>
-            <a:endParaRPr lang="en-US"/>
-          </a:p>
-        </p:txBody>
-      </p:sp>
-      <p:sp>
-        <p:nvSpPr>
-          <p:cNvPr id="3" name="Date Placeholder 2"/>
-          <p:cNvSpPr>
-            <a:spLocks noGrp="1"/>
-          </p:cNvSpPr>
-          <p:nvPr>
-            <p:ph type="dt" sz="half" idx="10"/>
-          </p:nvPr>
-        </p:nvSpPr>
-        <p:spPr/>
-        <p:txBody>
-          <a:bodyPr/>
-          <a:lstStyle/>
-          <a:p>
-            <a:fld id="{241EB5C9-1307-BA42-ABA2-0BC069CD8E7F}" type="datetimeFigureOut">
-              <a:rPr lang="en-US" smtClean="0"/>
-              <a:t>4/5/2019</a:t>
+              <a:t>10/18/2020</a:t>
             </a:fld>
             <a:endParaRPr lang="en-US"/>
           </a:p>
@@ -1921,7 +2090,13 @@
       </p:sp>
       <p:sp>
         <p:nvSpPr>
-          <p:cNvPr id="4" name="Footer Placeholder 3"/>
+          <p:cNvPr id="4" name="Footer Placeholder 3">
+            <a:extLst>
+              <a:ext uri="{FF2B5EF4-FFF2-40B4-BE49-F238E27FC236}">
+                <a16:creationId xmlns:a16="http://schemas.microsoft.com/office/drawing/2014/main" id="{41EF37C9-3AD0-457A-AB31-957588176BFC}"/>
+              </a:ext>
+            </a:extLst>
+          </p:cNvPr>
           <p:cNvSpPr>
             <a:spLocks noGrp="1"/>
           </p:cNvSpPr>
@@ -1940,7 +2115,13 @@
       </p:sp>
       <p:sp>
         <p:nvSpPr>
-          <p:cNvPr id="5" name="Slide Number Placeholder 4"/>
+          <p:cNvPr id="5" name="Slide Number Placeholder 4">
+            <a:extLst>
+              <a:ext uri="{FF2B5EF4-FFF2-40B4-BE49-F238E27FC236}">
+                <a16:creationId xmlns:a16="http://schemas.microsoft.com/office/drawing/2014/main" id="{8CDBA16F-2393-4E0E-BF0D-916A4ADEF255}"/>
+              </a:ext>
+            </a:extLst>
+          </p:cNvPr>
           <p:cNvSpPr>
             <a:spLocks noGrp="1"/>
           </p:cNvSpPr>
@@ -1953,7 +2134,7 @@
           <a:bodyPr/>
           <a:lstStyle/>
           <a:p>
-            <a:fld id="{C5EF2332-01BF-834F-8236-50238282D533}" type="slidenum">
+            <a:fld id="{1C3A5439-F9F3-4052-B329-868ECC3EAFBE}" type="slidenum">
               <a:rPr lang="en-US" smtClean="0"/>
               <a:t>‹#›</a:t>
             </a:fld>
@@ -1964,7 +2145,7 @@
     </p:spTree>
     <p:extLst>
       <p:ext uri="{BB962C8B-B14F-4D97-AF65-F5344CB8AC3E}">
-        <p14:creationId xmlns:p14="http://schemas.microsoft.com/office/powerpoint/2010/main" val="3472721253"/>
+        <p14:creationId xmlns:p14="http://schemas.microsoft.com/office/powerpoint/2010/main" val="3519110099"/>
       </p:ext>
     </p:extLst>
   </p:cSld>
@@ -1993,7 +2174,13 @@
       </p:grpSpPr>
       <p:sp>
         <p:nvSpPr>
-          <p:cNvPr id="2" name="Date Placeholder 1"/>
+          <p:cNvPr id="2" name="Date Placeholder 1">
+            <a:extLst>
+              <a:ext uri="{FF2B5EF4-FFF2-40B4-BE49-F238E27FC236}">
+                <a16:creationId xmlns:a16="http://schemas.microsoft.com/office/drawing/2014/main" id="{A1DD0C8B-D53D-47DC-B473-05F0CDE0E89D}"/>
+              </a:ext>
+            </a:extLst>
+          </p:cNvPr>
           <p:cNvSpPr>
             <a:spLocks noGrp="1"/>
           </p:cNvSpPr>
@@ -2006,9 +2193,9 @@
           <a:bodyPr/>
           <a:lstStyle/>
           <a:p>
-            <a:fld id="{241EB5C9-1307-BA42-ABA2-0BC069CD8E7F}" type="datetimeFigureOut">
+            <a:fld id="{3EA7974F-46A4-4C38-BBCC-8E262B881B28}" type="datetimeFigureOut">
               <a:rPr lang="en-US" smtClean="0"/>
-              <a:t>4/5/2019</a:t>
+              <a:t>10/18/2020</a:t>
             </a:fld>
             <a:endParaRPr lang="en-US"/>
           </a:p>
@@ -2016,7 +2203,13 @@
       </p:sp>
       <p:sp>
         <p:nvSpPr>
-          <p:cNvPr id="3" name="Footer Placeholder 2"/>
+          <p:cNvPr id="3" name="Footer Placeholder 2">
+            <a:extLst>
+              <a:ext uri="{FF2B5EF4-FFF2-40B4-BE49-F238E27FC236}">
+                <a16:creationId xmlns:a16="http://schemas.microsoft.com/office/drawing/2014/main" id="{946938CA-2F79-4BC1-B6B0-1D8021F97792}"/>
+              </a:ext>
+            </a:extLst>
+          </p:cNvPr>
           <p:cNvSpPr>
             <a:spLocks noGrp="1"/>
           </p:cNvSpPr>
@@ -2035,7 +2228,13 @@
       </p:sp>
       <p:sp>
         <p:nvSpPr>
-          <p:cNvPr id="4" name="Slide Number Placeholder 3"/>
+          <p:cNvPr id="4" name="Slide Number Placeholder 3">
+            <a:extLst>
+              <a:ext uri="{FF2B5EF4-FFF2-40B4-BE49-F238E27FC236}">
+                <a16:creationId xmlns:a16="http://schemas.microsoft.com/office/drawing/2014/main" id="{7D9281BF-88FE-4C2C-BA24-4C53C1C3B9C5}"/>
+              </a:ext>
+            </a:extLst>
+          </p:cNvPr>
           <p:cNvSpPr>
             <a:spLocks noGrp="1"/>
           </p:cNvSpPr>
@@ -2048,7 +2247,7 @@
           <a:bodyPr/>
           <a:lstStyle/>
           <a:p>
-            <a:fld id="{C5EF2332-01BF-834F-8236-50238282D533}" type="slidenum">
+            <a:fld id="{1C3A5439-F9F3-4052-B329-868ECC3EAFBE}" type="slidenum">
               <a:rPr lang="en-US" smtClean="0"/>
               <a:t>‹#›</a:t>
             </a:fld>
@@ -2059,7 +2258,7 @@
     </p:spTree>
     <p:extLst>
       <p:ext uri="{BB962C8B-B14F-4D97-AF65-F5344CB8AC3E}">
-        <p14:creationId xmlns:p14="http://schemas.microsoft.com/office/powerpoint/2010/main" val="2130901097"/>
+        <p14:creationId xmlns:p14="http://schemas.microsoft.com/office/powerpoint/2010/main" val="1515789882"/>
       </p:ext>
     </p:extLst>
   </p:cSld>
@@ -2088,7 +2287,13 @@
       </p:grpSpPr>
       <p:sp>
         <p:nvSpPr>
-          <p:cNvPr id="2" name="Title 1"/>
+          <p:cNvPr id="2" name="Title 1">
+            <a:extLst>
+              <a:ext uri="{FF2B5EF4-FFF2-40B4-BE49-F238E27FC236}">
+                <a16:creationId xmlns:a16="http://schemas.microsoft.com/office/drawing/2014/main" id="{B4E603C9-967A-493C-A5BE-2E2243A28B76}"/>
+              </a:ext>
+            </a:extLst>
+          </p:cNvPr>
           <p:cNvSpPr>
             <a:spLocks noGrp="1"/>
           </p:cNvSpPr>
@@ -2098,29 +2303,34 @@
         </p:nvSpPr>
         <p:spPr>
           <a:xfrm>
-            <a:off x="457200" y="273050"/>
-            <a:ext cx="3008313" cy="1162050"/>
+            <a:off x="839788" y="457200"/>
+            <a:ext cx="3932237" cy="1600200"/>
           </a:xfrm>
         </p:spPr>
         <p:txBody>
           <a:bodyPr anchor="b"/>
           <a:lstStyle>
-            <a:lvl1pPr algn="l">
-              <a:defRPr sz="2000" b="1"/>
+            <a:lvl1pPr>
+              <a:defRPr sz="3200"/>
             </a:lvl1pPr>
           </a:lstStyle>
           <a:p>
             <a:r>
-              <a:rPr lang="en-US" smtClean="0"/>
+              <a:rPr lang="en-US"/>
               <a:t>Click to edit Master title style</a:t>
             </a:r>
-            <a:endParaRPr lang="en-US"/>
-          </a:p>
-        </p:txBody>
-      </p:sp>
-      <p:sp>
-        <p:nvSpPr>
-          <p:cNvPr id="3" name="Content Placeholder 2"/>
+          </a:p>
+        </p:txBody>
+      </p:sp>
+      <p:sp>
+        <p:nvSpPr>
+          <p:cNvPr id="3" name="Content Placeholder 2">
+            <a:extLst>
+              <a:ext uri="{FF2B5EF4-FFF2-40B4-BE49-F238E27FC236}">
+                <a16:creationId xmlns:a16="http://schemas.microsoft.com/office/drawing/2014/main" id="{AB6BBCF1-F24B-433B-A0B6-3BEA90BA91BA}"/>
+              </a:ext>
+            </a:extLst>
+          </p:cNvPr>
           <p:cNvSpPr>
             <a:spLocks noGrp="1"/>
           </p:cNvSpPr>
@@ -2130,8 +2340,8 @@
         </p:nvSpPr>
         <p:spPr>
           <a:xfrm>
-            <a:off x="3575050" y="273050"/>
-            <a:ext cx="5111750" cy="5853113"/>
+            <a:off x="5183188" y="987425"/>
+            <a:ext cx="6172200" cy="4873625"/>
           </a:xfrm>
         </p:spPr>
         <p:txBody>
@@ -2168,44 +2378,49 @@
           <a:p>
             <a:pPr lvl="0"/>
             <a:r>
-              <a:rPr lang="en-US" smtClean="0"/>
+              <a:rPr lang="en-US"/>
               <a:t>Click to edit Master text styles</a:t>
             </a:r>
           </a:p>
           <a:p>
             <a:pPr lvl="1"/>
             <a:r>
-              <a:rPr lang="en-US" smtClean="0"/>
+              <a:rPr lang="en-US"/>
               <a:t>Second level</a:t>
             </a:r>
           </a:p>
           <a:p>
             <a:pPr lvl="2"/>
             <a:r>
-              <a:rPr lang="en-US" smtClean="0"/>
+              <a:rPr lang="en-US"/>
               <a:t>Third level</a:t>
             </a:r>
           </a:p>
           <a:p>
             <a:pPr lvl="3"/>
             <a:r>
-              <a:rPr lang="en-US" smtClean="0"/>
+              <a:rPr lang="en-US"/>
               <a:t>Fourth level</a:t>
             </a:r>
           </a:p>
           <a:p>
             <a:pPr lvl="4"/>
             <a:r>
-              <a:rPr lang="en-US" smtClean="0"/>
+              <a:rPr lang="en-US"/>
               <a:t>Fifth level</a:t>
             </a:r>
-            <a:endParaRPr lang="en-US"/>
-          </a:p>
-        </p:txBody>
-      </p:sp>
-      <p:sp>
-        <p:nvSpPr>
-          <p:cNvPr id="4" name="Text Placeholder 3"/>
+          </a:p>
+        </p:txBody>
+      </p:sp>
+      <p:sp>
+        <p:nvSpPr>
+          <p:cNvPr id="4" name="Text Placeholder 3">
+            <a:extLst>
+              <a:ext uri="{FF2B5EF4-FFF2-40B4-BE49-F238E27FC236}">
+                <a16:creationId xmlns:a16="http://schemas.microsoft.com/office/drawing/2014/main" id="{8F87066B-A6F2-4FE6-9E6E-B4985594FC68}"/>
+              </a:ext>
+            </a:extLst>
+          </p:cNvPr>
           <p:cNvSpPr>
             <a:spLocks noGrp="1"/>
           </p:cNvSpPr>
@@ -2215,8 +2430,8 @@
         </p:nvSpPr>
         <p:spPr>
           <a:xfrm>
-            <a:off x="457200" y="1435100"/>
-            <a:ext cx="3008313" cy="4691063"/>
+            <a:off x="839788" y="2057400"/>
+            <a:ext cx="3932237" cy="3811588"/>
           </a:xfrm>
         </p:spPr>
         <p:txBody>
@@ -2224,68 +2439,74 @@
           <a:lstStyle>
             <a:lvl1pPr marL="0" indent="0">
               <a:buNone/>
-              <a:defRPr sz="1400"/>
+              <a:defRPr sz="1600"/>
             </a:lvl1pPr>
             <a:lvl2pPr marL="457200" indent="0">
               <a:buNone/>
-              <a:defRPr sz="1200"/>
+              <a:defRPr sz="1400"/>
             </a:lvl2pPr>
             <a:lvl3pPr marL="914400" indent="0">
               <a:buNone/>
-              <a:defRPr sz="1000"/>
+              <a:defRPr sz="1200"/>
             </a:lvl3pPr>
             <a:lvl4pPr marL="1371600" indent="0">
               <a:buNone/>
-              <a:defRPr sz="900"/>
+              <a:defRPr sz="1000"/>
             </a:lvl4pPr>
             <a:lvl5pPr marL="1828800" indent="0">
               <a:buNone/>
-              <a:defRPr sz="900"/>
+              <a:defRPr sz="1000"/>
             </a:lvl5pPr>
             <a:lvl6pPr marL="2286000" indent="0">
               <a:buNone/>
-              <a:defRPr sz="900"/>
+              <a:defRPr sz="1000"/>
             </a:lvl6pPr>
             <a:lvl7pPr marL="2743200" indent="0">
               <a:buNone/>
-              <a:defRPr sz="900"/>
+              <a:defRPr sz="1000"/>
             </a:lvl7pPr>
             <a:lvl8pPr marL="3200400" indent="0">
               <a:buNone/>
-              <a:defRPr sz="900"/>
+              <a:defRPr sz="1000"/>
             </a:lvl8pPr>
             <a:lvl9pPr marL="3657600" indent="0">
               <a:buNone/>
-              <a:defRPr sz="900"/>
+              <a:defRPr sz="1000"/>
             </a:lvl9pPr>
           </a:lstStyle>
           <a:p>
             <a:pPr lvl="0"/>
             <a:r>
+              <a:rPr lang="en-US"/>
+              <a:t>Click to edit Master text styles</a:t>
+            </a:r>
+          </a:p>
+        </p:txBody>
+      </p:sp>
+      <p:sp>
+        <p:nvSpPr>
+          <p:cNvPr id="5" name="Date Placeholder 4">
+            <a:extLst>
+              <a:ext uri="{FF2B5EF4-FFF2-40B4-BE49-F238E27FC236}">
+                <a16:creationId xmlns:a16="http://schemas.microsoft.com/office/drawing/2014/main" id="{30CB9909-94C5-4644-B04C-A87AD7817CC0}"/>
+              </a:ext>
+            </a:extLst>
+          </p:cNvPr>
+          <p:cNvSpPr>
+            <a:spLocks noGrp="1"/>
+          </p:cNvSpPr>
+          <p:nvPr>
+            <p:ph type="dt" sz="half" idx="10"/>
+          </p:nvPr>
+        </p:nvSpPr>
+        <p:spPr/>
+        <p:txBody>
+          <a:bodyPr/>
+          <a:lstStyle/>
+          <a:p>
+            <a:fld id="{3EA7974F-46A4-4C38-BBCC-8E262B881B28}" type="datetimeFigureOut">
               <a:rPr lang="en-US" smtClean="0"/>
-              <a:t>Click to edit Master text styles</a:t>
-            </a:r>
-          </a:p>
-        </p:txBody>
-      </p:sp>
-      <p:sp>
-        <p:nvSpPr>
-          <p:cNvPr id="5" name="Date Placeholder 4"/>
-          <p:cNvSpPr>
-            <a:spLocks noGrp="1"/>
-          </p:cNvSpPr>
-          <p:nvPr>
-            <p:ph type="dt" sz="half" idx="10"/>
-          </p:nvPr>
-        </p:nvSpPr>
-        <p:spPr/>
-        <p:txBody>
-          <a:bodyPr/>
-          <a:lstStyle/>
-          <a:p>
-            <a:fld id="{241EB5C9-1307-BA42-ABA2-0BC069CD8E7F}" type="datetimeFigureOut">
-              <a:rPr lang="en-US" smtClean="0"/>
-              <a:t>4/5/2019</a:t>
+              <a:t>10/18/2020</a:t>
             </a:fld>
             <a:endParaRPr lang="en-US"/>
           </a:p>
@@ -2293,7 +2514,13 @@
       </p:sp>
       <p:sp>
         <p:nvSpPr>
-          <p:cNvPr id="6" name="Footer Placeholder 5"/>
+          <p:cNvPr id="6" name="Footer Placeholder 5">
+            <a:extLst>
+              <a:ext uri="{FF2B5EF4-FFF2-40B4-BE49-F238E27FC236}">
+                <a16:creationId xmlns:a16="http://schemas.microsoft.com/office/drawing/2014/main" id="{D3C33F55-8D59-45F2-B32F-40671B33C955}"/>
+              </a:ext>
+            </a:extLst>
+          </p:cNvPr>
           <p:cNvSpPr>
             <a:spLocks noGrp="1"/>
           </p:cNvSpPr>
@@ -2312,7 +2539,13 @@
       </p:sp>
       <p:sp>
         <p:nvSpPr>
-          <p:cNvPr id="7" name="Slide Number Placeholder 6"/>
+          <p:cNvPr id="7" name="Slide Number Placeholder 6">
+            <a:extLst>
+              <a:ext uri="{FF2B5EF4-FFF2-40B4-BE49-F238E27FC236}">
+                <a16:creationId xmlns:a16="http://schemas.microsoft.com/office/drawing/2014/main" id="{EA0FF544-A6E0-4A89-B03E-03E6CFFA0A33}"/>
+              </a:ext>
+            </a:extLst>
+          </p:cNvPr>
           <p:cNvSpPr>
             <a:spLocks noGrp="1"/>
           </p:cNvSpPr>
@@ -2325,7 +2558,7 @@
           <a:bodyPr/>
           <a:lstStyle/>
           <a:p>
-            <a:fld id="{C5EF2332-01BF-834F-8236-50238282D533}" type="slidenum">
+            <a:fld id="{1C3A5439-F9F3-4052-B329-868ECC3EAFBE}" type="slidenum">
               <a:rPr lang="en-US" smtClean="0"/>
               <a:t>‹#›</a:t>
             </a:fld>
@@ -2336,7 +2569,7 @@
     </p:spTree>
     <p:extLst>
       <p:ext uri="{BB962C8B-B14F-4D97-AF65-F5344CB8AC3E}">
-        <p14:creationId xmlns:p14="http://schemas.microsoft.com/office/powerpoint/2010/main" val="3540895647"/>
+        <p14:creationId xmlns:p14="http://schemas.microsoft.com/office/powerpoint/2010/main" val="212848084"/>
       </p:ext>
     </p:extLst>
   </p:cSld>
@@ -2365,7 +2598,13 @@
       </p:grpSpPr>
       <p:sp>
         <p:nvSpPr>
-          <p:cNvPr id="2" name="Title 1"/>
+          <p:cNvPr id="2" name="Title 1">
+            <a:extLst>
+              <a:ext uri="{FF2B5EF4-FFF2-40B4-BE49-F238E27FC236}">
+                <a16:creationId xmlns:a16="http://schemas.microsoft.com/office/drawing/2014/main" id="{38EFDA9F-7AD2-4082-A889-4D04ACF66F1F}"/>
+              </a:ext>
+            </a:extLst>
+          </p:cNvPr>
           <p:cNvSpPr>
             <a:spLocks noGrp="1"/>
           </p:cNvSpPr>
@@ -2375,29 +2614,34 @@
         </p:nvSpPr>
         <p:spPr>
           <a:xfrm>
-            <a:off x="1792288" y="4800600"/>
-            <a:ext cx="5486400" cy="566738"/>
+            <a:off x="839788" y="457200"/>
+            <a:ext cx="3932237" cy="1600200"/>
           </a:xfrm>
         </p:spPr>
         <p:txBody>
           <a:bodyPr anchor="b"/>
           <a:lstStyle>
-            <a:lvl1pPr algn="l">
-              <a:defRPr sz="2000" b="1"/>
+            <a:lvl1pPr>
+              <a:defRPr sz="3200"/>
             </a:lvl1pPr>
           </a:lstStyle>
           <a:p>
             <a:r>
-              <a:rPr lang="en-US" smtClean="0"/>
+              <a:rPr lang="en-US"/>
               <a:t>Click to edit Master title style</a:t>
             </a:r>
-            <a:endParaRPr lang="en-US"/>
-          </a:p>
-        </p:txBody>
-      </p:sp>
-      <p:sp>
-        <p:nvSpPr>
-          <p:cNvPr id="3" name="Picture Placeholder 2"/>
+          </a:p>
+        </p:txBody>
+      </p:sp>
+      <p:sp>
+        <p:nvSpPr>
+          <p:cNvPr id="3" name="Picture Placeholder 2">
+            <a:extLst>
+              <a:ext uri="{FF2B5EF4-FFF2-40B4-BE49-F238E27FC236}">
+                <a16:creationId xmlns:a16="http://schemas.microsoft.com/office/drawing/2014/main" id="{E18753F3-33F8-4F08-95E6-E1C102AABA43}"/>
+              </a:ext>
+            </a:extLst>
+          </p:cNvPr>
           <p:cNvSpPr>
             <a:spLocks noGrp="1"/>
           </p:cNvSpPr>
@@ -2407,8 +2651,8 @@
         </p:nvSpPr>
         <p:spPr>
           <a:xfrm>
-            <a:off x="1792288" y="612775"/>
-            <a:ext cx="5486400" cy="4114800"/>
+            <a:off x="5183188" y="987425"/>
+            <a:ext cx="6172200" cy="4873625"/>
           </a:xfrm>
         </p:spPr>
         <p:txBody>
@@ -2458,7 +2702,13 @@
       </p:sp>
       <p:sp>
         <p:nvSpPr>
-          <p:cNvPr id="4" name="Text Placeholder 3"/>
+          <p:cNvPr id="4" name="Text Placeholder 3">
+            <a:extLst>
+              <a:ext uri="{FF2B5EF4-FFF2-40B4-BE49-F238E27FC236}">
+                <a16:creationId xmlns:a16="http://schemas.microsoft.com/office/drawing/2014/main" id="{FEF49F72-C5C2-408C-A224-37881DFE5460}"/>
+              </a:ext>
+            </a:extLst>
+          </p:cNvPr>
           <p:cNvSpPr>
             <a:spLocks noGrp="1"/>
           </p:cNvSpPr>
@@ -2468,8 +2718,8 @@
         </p:nvSpPr>
         <p:spPr>
           <a:xfrm>
-            <a:off x="1792288" y="5367338"/>
-            <a:ext cx="5486400" cy="804862"/>
+            <a:off x="839788" y="2057400"/>
+            <a:ext cx="3932237" cy="3811588"/>
           </a:xfrm>
         </p:spPr>
         <p:txBody>
@@ -2477,68 +2727,74 @@
           <a:lstStyle>
             <a:lvl1pPr marL="0" indent="0">
               <a:buNone/>
-              <a:defRPr sz="1400"/>
+              <a:defRPr sz="1600"/>
             </a:lvl1pPr>
             <a:lvl2pPr marL="457200" indent="0">
               <a:buNone/>
-              <a:defRPr sz="1200"/>
+              <a:defRPr sz="1400"/>
             </a:lvl2pPr>
             <a:lvl3pPr marL="914400" indent="0">
               <a:buNone/>
-              <a:defRPr sz="1000"/>
+              <a:defRPr sz="1200"/>
             </a:lvl3pPr>
             <a:lvl4pPr marL="1371600" indent="0">
               <a:buNone/>
-              <a:defRPr sz="900"/>
+              <a:defRPr sz="1000"/>
             </a:lvl4pPr>
             <a:lvl5pPr marL="1828800" indent="0">
               <a:buNone/>
-              <a:defRPr sz="900"/>
+              <a:defRPr sz="1000"/>
             </a:lvl5pPr>
             <a:lvl6pPr marL="2286000" indent="0">
               <a:buNone/>
-              <a:defRPr sz="900"/>
+              <a:defRPr sz="1000"/>
             </a:lvl6pPr>
             <a:lvl7pPr marL="2743200" indent="0">
               <a:buNone/>
-              <a:defRPr sz="900"/>
+              <a:defRPr sz="1000"/>
             </a:lvl7pPr>
             <a:lvl8pPr marL="3200400" indent="0">
               <a:buNone/>
-              <a:defRPr sz="900"/>
+              <a:defRPr sz="1000"/>
             </a:lvl8pPr>
             <a:lvl9pPr marL="3657600" indent="0">
               <a:buNone/>
-              <a:defRPr sz="900"/>
+              <a:defRPr sz="1000"/>
             </a:lvl9pPr>
           </a:lstStyle>
           <a:p>
             <a:pPr lvl="0"/>
             <a:r>
+              <a:rPr lang="en-US"/>
+              <a:t>Click to edit Master text styles</a:t>
+            </a:r>
+          </a:p>
+        </p:txBody>
+      </p:sp>
+      <p:sp>
+        <p:nvSpPr>
+          <p:cNvPr id="5" name="Date Placeholder 4">
+            <a:extLst>
+              <a:ext uri="{FF2B5EF4-FFF2-40B4-BE49-F238E27FC236}">
+                <a16:creationId xmlns:a16="http://schemas.microsoft.com/office/drawing/2014/main" id="{4F19A0A1-66C6-4BBF-BBEC-4EEEC6C08D49}"/>
+              </a:ext>
+            </a:extLst>
+          </p:cNvPr>
+          <p:cNvSpPr>
+            <a:spLocks noGrp="1"/>
+          </p:cNvSpPr>
+          <p:nvPr>
+            <p:ph type="dt" sz="half" idx="10"/>
+          </p:nvPr>
+        </p:nvSpPr>
+        <p:spPr/>
+        <p:txBody>
+          <a:bodyPr/>
+          <a:lstStyle/>
+          <a:p>
+            <a:fld id="{3EA7974F-46A4-4C38-BBCC-8E262B881B28}" type="datetimeFigureOut">
               <a:rPr lang="en-US" smtClean="0"/>
-              <a:t>Click to edit Master text styles</a:t>
-            </a:r>
-          </a:p>
-        </p:txBody>
-      </p:sp>
-      <p:sp>
-        <p:nvSpPr>
-          <p:cNvPr id="5" name="Date Placeholder 4"/>
-          <p:cNvSpPr>
-            <a:spLocks noGrp="1"/>
-          </p:cNvSpPr>
-          <p:nvPr>
-            <p:ph type="dt" sz="half" idx="10"/>
-          </p:nvPr>
-        </p:nvSpPr>
-        <p:spPr/>
-        <p:txBody>
-          <a:bodyPr/>
-          <a:lstStyle/>
-          <a:p>
-            <a:fld id="{241EB5C9-1307-BA42-ABA2-0BC069CD8E7F}" type="datetimeFigureOut">
-              <a:rPr lang="en-US" smtClean="0"/>
-              <a:t>4/5/2019</a:t>
+              <a:t>10/18/2020</a:t>
             </a:fld>
             <a:endParaRPr lang="en-US"/>
           </a:p>
@@ -2546,7 +2802,13 @@
       </p:sp>
       <p:sp>
         <p:nvSpPr>
-          <p:cNvPr id="6" name="Footer Placeholder 5"/>
+          <p:cNvPr id="6" name="Footer Placeholder 5">
+            <a:extLst>
+              <a:ext uri="{FF2B5EF4-FFF2-40B4-BE49-F238E27FC236}">
+                <a16:creationId xmlns:a16="http://schemas.microsoft.com/office/drawing/2014/main" id="{9115FE9A-E537-402C-8474-2067E48BA376}"/>
+              </a:ext>
+            </a:extLst>
+          </p:cNvPr>
           <p:cNvSpPr>
             <a:spLocks noGrp="1"/>
           </p:cNvSpPr>
@@ -2565,7 +2827,13 @@
       </p:sp>
       <p:sp>
         <p:nvSpPr>
-          <p:cNvPr id="7" name="Slide Number Placeholder 6"/>
+          <p:cNvPr id="7" name="Slide Number Placeholder 6">
+            <a:extLst>
+              <a:ext uri="{FF2B5EF4-FFF2-40B4-BE49-F238E27FC236}">
+                <a16:creationId xmlns:a16="http://schemas.microsoft.com/office/drawing/2014/main" id="{1A9567F2-28EE-4FF5-AFD3-81DE5501778A}"/>
+              </a:ext>
+            </a:extLst>
+          </p:cNvPr>
           <p:cNvSpPr>
             <a:spLocks noGrp="1"/>
           </p:cNvSpPr>
@@ -2578,7 +2846,7 @@
           <a:bodyPr/>
           <a:lstStyle/>
           <a:p>
-            <a:fld id="{C5EF2332-01BF-834F-8236-50238282D533}" type="slidenum">
+            <a:fld id="{1C3A5439-F9F3-4052-B329-868ECC3EAFBE}" type="slidenum">
               <a:rPr lang="en-US" smtClean="0"/>
               <a:t>‹#›</a:t>
             </a:fld>
@@ -2589,7 +2857,7 @@
     </p:spTree>
     <p:extLst>
       <p:ext uri="{BB962C8B-B14F-4D97-AF65-F5344CB8AC3E}">
-        <p14:creationId xmlns:p14="http://schemas.microsoft.com/office/powerpoint/2010/main" val="3566899855"/>
+        <p14:creationId xmlns:p14="http://schemas.microsoft.com/office/powerpoint/2010/main" val="831211884"/>
       </p:ext>
     </p:extLst>
   </p:cSld>
@@ -2623,7 +2891,13 @@
       </p:grpSpPr>
       <p:sp>
         <p:nvSpPr>
-          <p:cNvPr id="2" name="Title Placeholder 1"/>
+          <p:cNvPr id="2" name="Title Placeholder 1">
+            <a:extLst>
+              <a:ext uri="{FF2B5EF4-FFF2-40B4-BE49-F238E27FC236}">
+                <a16:creationId xmlns:a16="http://schemas.microsoft.com/office/drawing/2014/main" id="{BFDF229F-074B-42DD-A1A4-B88470F45901}"/>
+              </a:ext>
+            </a:extLst>
+          </p:cNvPr>
           <p:cNvSpPr>
             <a:spLocks noGrp="1"/>
           </p:cNvSpPr>
@@ -2633,8 +2907,8 @@
         </p:nvSpPr>
         <p:spPr>
           <a:xfrm>
-            <a:off x="457200" y="274638"/>
-            <a:ext cx="8229600" cy="1143000"/>
+            <a:off x="838200" y="365125"/>
+            <a:ext cx="10515600" cy="1325563"/>
           </a:xfrm>
           <a:prstGeom prst="rect">
             <a:avLst/>
@@ -2647,16 +2921,21 @@
           <a:lstStyle/>
           <a:p>
             <a:r>
-              <a:rPr lang="en-US" smtClean="0"/>
+              <a:rPr lang="en-US" dirty="0"/>
               <a:t>Click to edit Master title style</a:t>
             </a:r>
-            <a:endParaRPr lang="en-US"/>
-          </a:p>
-        </p:txBody>
-      </p:sp>
-      <p:sp>
-        <p:nvSpPr>
-          <p:cNvPr id="3" name="Text Placeholder 2"/>
+          </a:p>
+        </p:txBody>
+      </p:sp>
+      <p:sp>
+        <p:nvSpPr>
+          <p:cNvPr id="3" name="Text Placeholder 2">
+            <a:extLst>
+              <a:ext uri="{FF2B5EF4-FFF2-40B4-BE49-F238E27FC236}">
+                <a16:creationId xmlns:a16="http://schemas.microsoft.com/office/drawing/2014/main" id="{4A647378-4D5B-4E94-B9DF-A4A8BB124B50}"/>
+              </a:ext>
+            </a:extLst>
+          </p:cNvPr>
           <p:cNvSpPr>
             <a:spLocks noGrp="1"/>
           </p:cNvSpPr>
@@ -2666,8 +2945,8 @@
         </p:nvSpPr>
         <p:spPr>
           <a:xfrm>
-            <a:off x="457200" y="1600200"/>
-            <a:ext cx="8229600" cy="4525963"/>
+            <a:off x="838200" y="1825625"/>
+            <a:ext cx="10515600" cy="4351338"/>
           </a:xfrm>
           <a:prstGeom prst="rect">
             <a:avLst/>
@@ -2681,44 +2960,49 @@
           <a:p>
             <a:pPr lvl="0"/>
             <a:r>
-              <a:rPr lang="en-US" smtClean="0"/>
+              <a:rPr lang="en-US" dirty="0"/>
               <a:t>Click to edit Master text styles</a:t>
             </a:r>
           </a:p>
           <a:p>
             <a:pPr lvl="1"/>
             <a:r>
-              <a:rPr lang="en-US" smtClean="0"/>
+              <a:rPr lang="en-US" dirty="0"/>
               <a:t>Second level</a:t>
             </a:r>
           </a:p>
           <a:p>
             <a:pPr lvl="2"/>
             <a:r>
-              <a:rPr lang="en-US" smtClean="0"/>
+              <a:rPr lang="en-US" dirty="0"/>
               <a:t>Third level</a:t>
             </a:r>
           </a:p>
           <a:p>
             <a:pPr lvl="3"/>
             <a:r>
-              <a:rPr lang="en-US" smtClean="0"/>
+              <a:rPr lang="en-US" dirty="0"/>
               <a:t>Fourth level</a:t>
             </a:r>
           </a:p>
           <a:p>
             <a:pPr lvl="4"/>
             <a:r>
-              <a:rPr lang="en-US" smtClean="0"/>
+              <a:rPr lang="en-US" dirty="0"/>
               <a:t>Fifth level</a:t>
             </a:r>
-            <a:endParaRPr lang="en-US"/>
-          </a:p>
-        </p:txBody>
-      </p:sp>
-      <p:sp>
-        <p:nvSpPr>
-          <p:cNvPr id="4" name="Date Placeholder 3"/>
+          </a:p>
+        </p:txBody>
+      </p:sp>
+      <p:sp>
+        <p:nvSpPr>
+          <p:cNvPr id="4" name="Date Placeholder 3">
+            <a:extLst>
+              <a:ext uri="{FF2B5EF4-FFF2-40B4-BE49-F238E27FC236}">
+                <a16:creationId xmlns:a16="http://schemas.microsoft.com/office/drawing/2014/main" id="{3B18CBD0-28DD-4219-9F01-BE04E486666E}"/>
+              </a:ext>
+            </a:extLst>
+          </p:cNvPr>
           <p:cNvSpPr>
             <a:spLocks noGrp="1"/>
           </p:cNvSpPr>
@@ -2728,8 +3012,8 @@
         </p:nvSpPr>
         <p:spPr>
           <a:xfrm>
-            <a:off x="457200" y="6356350"/>
-            <a:ext cx="2133600" cy="365125"/>
+            <a:off x="838200" y="6356350"/>
+            <a:ext cx="2743200" cy="365125"/>
           </a:xfrm>
           <a:prstGeom prst="rect">
             <a:avLst/>
@@ -2749,9 +3033,9 @@
             </a:lvl1pPr>
           </a:lstStyle>
           <a:p>
-            <a:fld id="{241EB5C9-1307-BA42-ABA2-0BC069CD8E7F}" type="datetimeFigureOut">
+            <a:fld id="{3EA7974F-46A4-4C38-BBCC-8E262B881B28}" type="datetimeFigureOut">
               <a:rPr lang="en-US" smtClean="0"/>
-              <a:t>4/5/2019</a:t>
+              <a:t>10/18/2020</a:t>
             </a:fld>
             <a:endParaRPr lang="en-US"/>
           </a:p>
@@ -2759,7 +3043,13 @@
       </p:sp>
       <p:sp>
         <p:nvSpPr>
-          <p:cNvPr id="5" name="Footer Placeholder 4"/>
+          <p:cNvPr id="5" name="Footer Placeholder 4">
+            <a:extLst>
+              <a:ext uri="{FF2B5EF4-FFF2-40B4-BE49-F238E27FC236}">
+                <a16:creationId xmlns:a16="http://schemas.microsoft.com/office/drawing/2014/main" id="{E42A8DA8-6257-4856-A223-F9EC6C543FAD}"/>
+              </a:ext>
+            </a:extLst>
+          </p:cNvPr>
           <p:cNvSpPr>
             <a:spLocks noGrp="1"/>
           </p:cNvSpPr>
@@ -2769,8 +3059,8 @@
         </p:nvSpPr>
         <p:spPr>
           <a:xfrm>
-            <a:off x="3124200" y="6356350"/>
-            <a:ext cx="2895600" cy="365125"/>
+            <a:off x="4038600" y="6356350"/>
+            <a:ext cx="4114800" cy="365125"/>
           </a:xfrm>
           <a:prstGeom prst="rect">
             <a:avLst/>
@@ -2796,7 +3086,13 @@
       </p:sp>
       <p:sp>
         <p:nvSpPr>
-          <p:cNvPr id="6" name="Slide Number Placeholder 5"/>
+          <p:cNvPr id="6" name="Slide Number Placeholder 5">
+            <a:extLst>
+              <a:ext uri="{FF2B5EF4-FFF2-40B4-BE49-F238E27FC236}">
+                <a16:creationId xmlns:a16="http://schemas.microsoft.com/office/drawing/2014/main" id="{F2F964A1-6988-48EC-9553-5C03CC35076A}"/>
+              </a:ext>
+            </a:extLst>
+          </p:cNvPr>
           <p:cNvSpPr>
             <a:spLocks noGrp="1"/>
           </p:cNvSpPr>
@@ -2806,8 +3102,8 @@
         </p:nvSpPr>
         <p:spPr>
           <a:xfrm>
-            <a:off x="6553200" y="6356350"/>
-            <a:ext cx="2133600" cy="365125"/>
+            <a:off x="8610600" y="6356350"/>
+            <a:ext cx="2743200" cy="365125"/>
           </a:xfrm>
           <a:prstGeom prst="rect">
             <a:avLst/>
@@ -2827,7 +3123,7 @@
             </a:lvl1pPr>
           </a:lstStyle>
           <a:p>
-            <a:fld id="{C5EF2332-01BF-834F-8236-50238282D533}" type="slidenum">
+            <a:fld id="{1C3A5439-F9F3-4052-B329-868ECC3EAFBE}" type="slidenum">
               <a:rPr lang="en-US" smtClean="0"/>
               <a:t>‹#›</a:t>
             </a:fld>
@@ -2838,7 +3134,7 @@
     </p:spTree>
     <p:extLst>
       <p:ext uri="{BB962C8B-B14F-4D97-AF65-F5344CB8AC3E}">
-        <p14:creationId xmlns:p14="http://schemas.microsoft.com/office/powerpoint/2010/main" val="3676200875"/>
+        <p14:creationId xmlns:p14="http://schemas.microsoft.com/office/powerpoint/2010/main" val="1518421066"/>
       </p:ext>
     </p:extLst>
   </p:cSld>
@@ -2858,7 +3154,10 @@
   </p:sldLayoutIdLst>
   <p:txStyles>
     <p:titleStyle>
-      <a:lvl1pPr algn="ctr" defTabSz="457200" rtl="0" eaLnBrk="1" latinLnBrk="0" hangingPunct="1">
+      <a:lvl1pPr algn="l" defTabSz="914400" rtl="0" eaLnBrk="1" latinLnBrk="0" hangingPunct="1">
+        <a:lnSpc>
+          <a:spcPct val="90000"/>
+        </a:lnSpc>
         <a:spcBef>
           <a:spcPct val="0"/>
         </a:spcBef>
@@ -2874,13 +3173,16 @@
       </a:lvl1pPr>
     </p:titleStyle>
     <p:bodyStyle>
-      <a:lvl1pPr marL="342900" indent="-342900" algn="l" defTabSz="457200" rtl="0" eaLnBrk="1" latinLnBrk="0" hangingPunct="1">
+      <a:lvl1pPr marL="228600" indent="-228600" algn="l" defTabSz="914400" rtl="0" eaLnBrk="1" latinLnBrk="0" hangingPunct="1">
+        <a:lnSpc>
+          <a:spcPct val="90000"/>
+        </a:lnSpc>
         <a:spcBef>
-          <a:spcPct val="20000"/>
+          <a:spcPts val="1000"/>
         </a:spcBef>
-        <a:buFont typeface="Arial"/>
+        <a:buFont typeface="Arial" panose="020B0604020202020204" pitchFamily="34" charset="0"/>
         <a:buChar char="•"/>
-        <a:defRPr sz="3200" kern="1200">
+        <a:defRPr sz="2800" kern="1200">
           <a:solidFill>
             <a:schemeClr val="tx1"/>
           </a:solidFill>
@@ -2889,26 +3191,14 @@
           <a:cs typeface="+mn-cs"/>
         </a:defRPr>
       </a:lvl1pPr>
-      <a:lvl2pPr marL="742950" indent="-285750" algn="l" defTabSz="457200" rtl="0" eaLnBrk="1" latinLnBrk="0" hangingPunct="1">
+      <a:lvl2pPr marL="685800" indent="-228600" algn="l" defTabSz="914400" rtl="0" eaLnBrk="1" latinLnBrk="0" hangingPunct="1">
+        <a:lnSpc>
+          <a:spcPct val="90000"/>
+        </a:lnSpc>
         <a:spcBef>
-          <a:spcPct val="20000"/>
+          <a:spcPts val="500"/>
         </a:spcBef>
-        <a:buFont typeface="Arial"/>
-        <a:buChar char="–"/>
-        <a:defRPr sz="2800" kern="1200">
-          <a:solidFill>
-            <a:schemeClr val="tx1"/>
-          </a:solidFill>
-          <a:latin typeface="+mn-lt"/>
-          <a:ea typeface="+mn-ea"/>
-          <a:cs typeface="+mn-cs"/>
-        </a:defRPr>
-      </a:lvl2pPr>
-      <a:lvl3pPr marL="1143000" indent="-228600" algn="l" defTabSz="457200" rtl="0" eaLnBrk="1" latinLnBrk="0" hangingPunct="1">
-        <a:spcBef>
-          <a:spcPct val="20000"/>
-        </a:spcBef>
-        <a:buFont typeface="Arial"/>
+        <a:buFont typeface="Arial" panose="020B0604020202020204" pitchFamily="34" charset="0"/>
         <a:buChar char="•"/>
         <a:defRPr sz="2400" kern="1200">
           <a:solidFill>
@@ -2918,42 +3208,15 @@
           <a:ea typeface="+mn-ea"/>
           <a:cs typeface="+mn-cs"/>
         </a:defRPr>
-      </a:lvl3pPr>
-      <a:lvl4pPr marL="1600200" indent="-228600" algn="l" defTabSz="457200" rtl="0" eaLnBrk="1" latinLnBrk="0" hangingPunct="1">
+      </a:lvl2pPr>
+      <a:lvl3pPr marL="1143000" indent="-228600" algn="l" defTabSz="914400" rtl="0" eaLnBrk="1" latinLnBrk="0" hangingPunct="1">
+        <a:lnSpc>
+          <a:spcPct val="90000"/>
+        </a:lnSpc>
         <a:spcBef>
-          <a:spcPct val="20000"/>
+          <a:spcPts val="500"/>
         </a:spcBef>
-        <a:buFont typeface="Arial"/>
-        <a:buChar char="–"/>
-        <a:defRPr sz="2000" kern="1200">
-          <a:solidFill>
-            <a:schemeClr val="tx1"/>
-          </a:solidFill>
-          <a:latin typeface="+mn-lt"/>
-          <a:ea typeface="+mn-ea"/>
-          <a:cs typeface="+mn-cs"/>
-        </a:defRPr>
-      </a:lvl4pPr>
-      <a:lvl5pPr marL="2057400" indent="-228600" algn="l" defTabSz="457200" rtl="0" eaLnBrk="1" latinLnBrk="0" hangingPunct="1">
-        <a:spcBef>
-          <a:spcPct val="20000"/>
-        </a:spcBef>
-        <a:buFont typeface="Arial"/>
-        <a:buChar char="»"/>
-        <a:defRPr sz="2000" kern="1200">
-          <a:solidFill>
-            <a:schemeClr val="tx1"/>
-          </a:solidFill>
-          <a:latin typeface="+mn-lt"/>
-          <a:ea typeface="+mn-ea"/>
-          <a:cs typeface="+mn-cs"/>
-        </a:defRPr>
-      </a:lvl5pPr>
-      <a:lvl6pPr marL="2514600" indent="-228600" algn="l" defTabSz="457200" rtl="0" eaLnBrk="1" latinLnBrk="0" hangingPunct="1">
-        <a:spcBef>
-          <a:spcPct val="20000"/>
-        </a:spcBef>
-        <a:buFont typeface="Arial"/>
+        <a:buFont typeface="Arial" panose="020B0604020202020204" pitchFamily="34" charset="0"/>
         <a:buChar char="•"/>
         <a:defRPr sz="2000" kern="1200">
           <a:solidFill>
@@ -2963,14 +3226,71 @@
           <a:ea typeface="+mn-ea"/>
           <a:cs typeface="+mn-cs"/>
         </a:defRPr>
+      </a:lvl3pPr>
+      <a:lvl4pPr marL="1600200" indent="-228600" algn="l" defTabSz="914400" rtl="0" eaLnBrk="1" latinLnBrk="0" hangingPunct="1">
+        <a:lnSpc>
+          <a:spcPct val="90000"/>
+        </a:lnSpc>
+        <a:spcBef>
+          <a:spcPts val="500"/>
+        </a:spcBef>
+        <a:buFont typeface="Arial" panose="020B0604020202020204" pitchFamily="34" charset="0"/>
+        <a:buChar char="•"/>
+        <a:defRPr sz="1800" kern="1200">
+          <a:solidFill>
+            <a:schemeClr val="tx1"/>
+          </a:solidFill>
+          <a:latin typeface="+mn-lt"/>
+          <a:ea typeface="+mn-ea"/>
+          <a:cs typeface="+mn-cs"/>
+        </a:defRPr>
+      </a:lvl4pPr>
+      <a:lvl5pPr marL="2057400" indent="-228600" algn="l" defTabSz="914400" rtl="0" eaLnBrk="1" latinLnBrk="0" hangingPunct="1">
+        <a:lnSpc>
+          <a:spcPct val="90000"/>
+        </a:lnSpc>
+        <a:spcBef>
+          <a:spcPts val="500"/>
+        </a:spcBef>
+        <a:buFont typeface="Arial" panose="020B0604020202020204" pitchFamily="34" charset="0"/>
+        <a:buChar char="•"/>
+        <a:defRPr sz="1800" kern="1200">
+          <a:solidFill>
+            <a:schemeClr val="tx1"/>
+          </a:solidFill>
+          <a:latin typeface="+mn-lt"/>
+          <a:ea typeface="+mn-ea"/>
+          <a:cs typeface="+mn-cs"/>
+        </a:defRPr>
+      </a:lvl5pPr>
+      <a:lvl6pPr marL="2514600" indent="-228600" algn="l" defTabSz="914400" rtl="0" eaLnBrk="1" latinLnBrk="0" hangingPunct="1">
+        <a:lnSpc>
+          <a:spcPct val="90000"/>
+        </a:lnSpc>
+        <a:spcBef>
+          <a:spcPts val="500"/>
+        </a:spcBef>
+        <a:buFont typeface="Arial" panose="020B0604020202020204" pitchFamily="34" charset="0"/>
+        <a:buChar char="•"/>
+        <a:defRPr sz="1800" kern="1200">
+          <a:solidFill>
+            <a:schemeClr val="tx1"/>
+          </a:solidFill>
+          <a:latin typeface="+mn-lt"/>
+          <a:ea typeface="+mn-ea"/>
+          <a:cs typeface="+mn-cs"/>
+        </a:defRPr>
       </a:lvl6pPr>
-      <a:lvl7pPr marL="2971800" indent="-228600" algn="l" defTabSz="457200" rtl="0" eaLnBrk="1" latinLnBrk="0" hangingPunct="1">
+      <a:lvl7pPr marL="2971800" indent="-228600" algn="l" defTabSz="914400" rtl="0" eaLnBrk="1" latinLnBrk="0" hangingPunct="1">
+        <a:lnSpc>
+          <a:spcPct val="90000"/>
+        </a:lnSpc>
         <a:spcBef>
-          <a:spcPct val="20000"/>
+          <a:spcPts val="500"/>
         </a:spcBef>
-        <a:buFont typeface="Arial"/>
+        <a:buFont typeface="Arial" panose="020B0604020202020204" pitchFamily="34" charset="0"/>
         <a:buChar char="•"/>
-        <a:defRPr sz="2000" kern="1200">
+        <a:defRPr sz="1800" kern="1200">
           <a:solidFill>
             <a:schemeClr val="tx1"/>
           </a:solidFill>
@@ -2979,13 +3299,16 @@
           <a:cs typeface="+mn-cs"/>
         </a:defRPr>
       </a:lvl7pPr>
-      <a:lvl8pPr marL="3429000" indent="-228600" algn="l" defTabSz="457200" rtl="0" eaLnBrk="1" latinLnBrk="0" hangingPunct="1">
+      <a:lvl8pPr marL="3429000" indent="-228600" algn="l" defTabSz="914400" rtl="0" eaLnBrk="1" latinLnBrk="0" hangingPunct="1">
+        <a:lnSpc>
+          <a:spcPct val="90000"/>
+        </a:lnSpc>
         <a:spcBef>
-          <a:spcPct val="20000"/>
+          <a:spcPts val="500"/>
         </a:spcBef>
-        <a:buFont typeface="Arial"/>
+        <a:buFont typeface="Arial" panose="020B0604020202020204" pitchFamily="34" charset="0"/>
         <a:buChar char="•"/>
-        <a:defRPr sz="2000" kern="1200">
+        <a:defRPr sz="1800" kern="1200">
           <a:solidFill>
             <a:schemeClr val="tx1"/>
           </a:solidFill>
@@ -2994,13 +3317,16 @@
           <a:cs typeface="+mn-cs"/>
         </a:defRPr>
       </a:lvl8pPr>
-      <a:lvl9pPr marL="3886200" indent="-228600" algn="l" defTabSz="457200" rtl="0" eaLnBrk="1" latinLnBrk="0" hangingPunct="1">
+      <a:lvl9pPr marL="3886200" indent="-228600" algn="l" defTabSz="914400" rtl="0" eaLnBrk="1" latinLnBrk="0" hangingPunct="1">
+        <a:lnSpc>
+          <a:spcPct val="90000"/>
+        </a:lnSpc>
         <a:spcBef>
-          <a:spcPct val="20000"/>
+          <a:spcPts val="500"/>
         </a:spcBef>
-        <a:buFont typeface="Arial"/>
+        <a:buFont typeface="Arial" panose="020B0604020202020204" pitchFamily="34" charset="0"/>
         <a:buChar char="•"/>
-        <a:defRPr sz="2000" kern="1200">
+        <a:defRPr sz="1800" kern="1200">
           <a:solidFill>
             <a:schemeClr val="tx1"/>
           </a:solidFill>
@@ -3014,7 +3340,7 @@
       <a:defPPr>
         <a:defRPr lang="en-US"/>
       </a:defPPr>
-      <a:lvl1pPr marL="0" algn="l" defTabSz="457200" rtl="0" eaLnBrk="1" latinLnBrk="0" hangingPunct="1">
+      <a:lvl1pPr marL="0" algn="l" defTabSz="914400" rtl="0" eaLnBrk="1" latinLnBrk="0" hangingPunct="1">
         <a:defRPr sz="1800" kern="1200">
           <a:solidFill>
             <a:schemeClr val="tx1"/>
@@ -3024,7 +3350,7 @@
           <a:cs typeface="+mn-cs"/>
         </a:defRPr>
       </a:lvl1pPr>
-      <a:lvl2pPr marL="457200" algn="l" defTabSz="457200" rtl="0" eaLnBrk="1" latinLnBrk="0" hangingPunct="1">
+      <a:lvl2pPr marL="457200" algn="l" defTabSz="914400" rtl="0" eaLnBrk="1" latinLnBrk="0" hangingPunct="1">
         <a:defRPr sz="1800" kern="1200">
           <a:solidFill>
             <a:schemeClr val="tx1"/>
@@ -3034,7 +3360,7 @@
           <a:cs typeface="+mn-cs"/>
         </a:defRPr>
       </a:lvl2pPr>
-      <a:lvl3pPr marL="914400" algn="l" defTabSz="457200" rtl="0" eaLnBrk="1" latinLnBrk="0" hangingPunct="1">
+      <a:lvl3pPr marL="914400" algn="l" defTabSz="914400" rtl="0" eaLnBrk="1" latinLnBrk="0" hangingPunct="1">
         <a:defRPr sz="1800" kern="1200">
           <a:solidFill>
             <a:schemeClr val="tx1"/>
@@ -3044,7 +3370,7 @@
           <a:cs typeface="+mn-cs"/>
         </a:defRPr>
       </a:lvl3pPr>
-      <a:lvl4pPr marL="1371600" algn="l" defTabSz="457200" rtl="0" eaLnBrk="1" latinLnBrk="0" hangingPunct="1">
+      <a:lvl4pPr marL="1371600" algn="l" defTabSz="914400" rtl="0" eaLnBrk="1" latinLnBrk="0" hangingPunct="1">
         <a:defRPr sz="1800" kern="1200">
           <a:solidFill>
             <a:schemeClr val="tx1"/>
@@ -3054,7 +3380,7 @@
           <a:cs typeface="+mn-cs"/>
         </a:defRPr>
       </a:lvl4pPr>
-      <a:lvl5pPr marL="1828800" algn="l" defTabSz="457200" rtl="0" eaLnBrk="1" latinLnBrk="0" hangingPunct="1">
+      <a:lvl5pPr marL="1828800" algn="l" defTabSz="914400" rtl="0" eaLnBrk="1" latinLnBrk="0" hangingPunct="1">
         <a:defRPr sz="1800" kern="1200">
           <a:solidFill>
             <a:schemeClr val="tx1"/>
@@ -3064,7 +3390,7 @@
           <a:cs typeface="+mn-cs"/>
         </a:defRPr>
       </a:lvl5pPr>
-      <a:lvl6pPr marL="2286000" algn="l" defTabSz="457200" rtl="0" eaLnBrk="1" latinLnBrk="0" hangingPunct="1">
+      <a:lvl6pPr marL="2286000" algn="l" defTabSz="914400" rtl="0" eaLnBrk="1" latinLnBrk="0" hangingPunct="1">
         <a:defRPr sz="1800" kern="1200">
           <a:solidFill>
             <a:schemeClr val="tx1"/>
@@ -3074,7 +3400,7 @@
           <a:cs typeface="+mn-cs"/>
         </a:defRPr>
       </a:lvl6pPr>
-      <a:lvl7pPr marL="2743200" algn="l" defTabSz="457200" rtl="0" eaLnBrk="1" latinLnBrk="0" hangingPunct="1">
+      <a:lvl7pPr marL="2743200" algn="l" defTabSz="914400" rtl="0" eaLnBrk="1" latinLnBrk="0" hangingPunct="1">
         <a:defRPr sz="1800" kern="1200">
           <a:solidFill>
             <a:schemeClr val="tx1"/>
@@ -3084,7 +3410,7 @@
           <a:cs typeface="+mn-cs"/>
         </a:defRPr>
       </a:lvl7pPr>
-      <a:lvl8pPr marL="3200400" algn="l" defTabSz="457200" rtl="0" eaLnBrk="1" latinLnBrk="0" hangingPunct="1">
+      <a:lvl8pPr marL="3200400" algn="l" defTabSz="914400" rtl="0" eaLnBrk="1" latinLnBrk="0" hangingPunct="1">
         <a:defRPr sz="1800" kern="1200">
           <a:solidFill>
             <a:schemeClr val="tx1"/>
@@ -3094,7 +3420,7 @@
           <a:cs typeface="+mn-cs"/>
         </a:defRPr>
       </a:lvl8pPr>
-      <a:lvl9pPr marL="3657600" algn="l" defTabSz="457200" rtl="0" eaLnBrk="1" latinLnBrk="0" hangingPunct="1">
+      <a:lvl9pPr marL="3657600" algn="l" defTabSz="914400" rtl="0" eaLnBrk="1" latinLnBrk="0" hangingPunct="1">
         <a:defRPr sz="1800" kern="1200">
           <a:solidFill>
             <a:schemeClr val="tx1"/>
@@ -3128,7 +3454,13 @@
       </p:grpSpPr>
       <p:sp>
         <p:nvSpPr>
-          <p:cNvPr id="2" name="Title 1"/>
+          <p:cNvPr id="2" name="Title 1">
+            <a:extLst>
+              <a:ext uri="{FF2B5EF4-FFF2-40B4-BE49-F238E27FC236}">
+                <a16:creationId xmlns:a16="http://schemas.microsoft.com/office/drawing/2014/main" id="{ADF8BC5D-79F0-4134-BAB8-9CDB86E9C819}"/>
+              </a:ext>
+            </a:extLst>
+          </p:cNvPr>
           <p:cNvSpPr>
             <a:spLocks noGrp="1"/>
           </p:cNvSpPr>
@@ -3138,8 +3470,8 @@
         </p:nvSpPr>
         <p:spPr>
           <a:xfrm>
-            <a:off x="685800" y="2130425"/>
-            <a:ext cx="7772400" cy="1470025"/>
+            <a:off x="261257" y="1041400"/>
+            <a:ext cx="11495314" cy="2387600"/>
           </a:xfrm>
         </p:spPr>
         <p:txBody>
@@ -3174,7 +3506,13 @@
       </p:sp>
       <p:sp>
         <p:nvSpPr>
-          <p:cNvPr id="3" name="Subtitle 2"/>
+          <p:cNvPr id="3" name="Subtitle 2">
+            <a:extLst>
+              <a:ext uri="{FF2B5EF4-FFF2-40B4-BE49-F238E27FC236}">
+                <a16:creationId xmlns:a16="http://schemas.microsoft.com/office/drawing/2014/main" id="{DEC5BA95-BEC6-453C-950E-BB68DDC672AE}"/>
+              </a:ext>
+            </a:extLst>
+          </p:cNvPr>
           <p:cNvSpPr>
             <a:spLocks noGrp="1"/>
           </p:cNvSpPr>
@@ -3184,8 +3522,8 @@
         </p:nvSpPr>
         <p:spPr>
           <a:xfrm>
-            <a:off x="1371600" y="3886200"/>
-            <a:ext cx="6400800" cy="1752600"/>
+            <a:off x="261257" y="3645581"/>
+            <a:ext cx="9144000" cy="1655762"/>
           </a:xfrm>
         </p:spPr>
         <p:txBody>
@@ -3214,7 +3552,13 @@
       </p:sp>
       <p:sp>
         <p:nvSpPr>
-          <p:cNvPr id="4" name="Date Placeholder 3"/>
+          <p:cNvPr id="4" name="Date Placeholder 3">
+            <a:extLst>
+              <a:ext uri="{FF2B5EF4-FFF2-40B4-BE49-F238E27FC236}">
+                <a16:creationId xmlns:a16="http://schemas.microsoft.com/office/drawing/2014/main" id="{1179C87F-56DB-40BE-8575-F9B18BF7C38C}"/>
+              </a:ext>
+            </a:extLst>
+          </p:cNvPr>
           <p:cNvSpPr>
             <a:spLocks noGrp="1"/>
           </p:cNvSpPr>
@@ -3222,7 +3566,12 @@
             <p:ph type="dt" sz="half" idx="10"/>
           </p:nvPr>
         </p:nvSpPr>
-        <p:spPr/>
+        <p:spPr>
+          <a:xfrm>
+            <a:off x="261257" y="413543"/>
+            <a:ext cx="2743200" cy="365125"/>
+          </a:xfrm>
+        </p:spPr>
         <p:txBody>
           <a:bodyPr/>
           <a:lstStyle/>
@@ -3232,7 +3581,23 @@
             </a:pPr>
             <a:r>
               <a:rPr/>
-              <a:t>10/8/2020</a:t>
+              <a:t>October</a:t>
+            </a:r>
+            <a:r>
+              <a:rPr/>
+              <a:t> </a:t>
+            </a:r>
+            <a:r>
+              <a:rPr/>
+              <a:t>21,</a:t>
+            </a:r>
+            <a:r>
+              <a:rPr/>
+              <a:t> </a:t>
+            </a:r>
+            <a:r>
+              <a:rPr/>
+              <a:t>2020</a:t>
             </a:r>
           </a:p>
         </p:txBody>
@@ -3261,7 +3626,13 @@
       </p:grpSpPr>
       <p:sp>
         <p:nvSpPr>
-          <p:cNvPr id="2" name="Title 1"/>
+          <p:cNvPr id="2" name="Title 1">
+            <a:extLst>
+              <a:ext uri="{FF2B5EF4-FFF2-40B4-BE49-F238E27FC236}">
+                <a16:creationId xmlns:a16="http://schemas.microsoft.com/office/drawing/2014/main" id="{0D064A50-2A97-421C-813D-6449089693A0}"/>
+              </a:ext>
+            </a:extLst>
+          </p:cNvPr>
           <p:cNvSpPr>
             <a:spLocks noGrp="1"/>
           </p:cNvSpPr>
@@ -3279,7 +3650,7 @@
             </a:pPr>
             <a:r>
               <a:rPr/>
-              <a:t>Marital</a:t>
+              <a:t>Household</a:t>
             </a:r>
             <a:r>
               <a:rPr/>
@@ -3287,7 +3658,7 @@
             </a:r>
             <a:r>
               <a:rPr/>
-              <a:t>Status</a:t>
+              <a:t>Characteristics:</a:t>
             </a:r>
             <a:r>
               <a:rPr/>
@@ -3295,7 +3666,7 @@
             </a:r>
             <a:r>
               <a:rPr/>
-              <a:t>/</a:t>
+              <a:t>Workers</a:t>
             </a:r>
             <a:r>
               <a:rPr/>
@@ -3303,41 +3674,27 @@
             </a:r>
             <a:r>
               <a:rPr/>
-              <a:t>Partnered</a:t>
-            </a:r>
-          </a:p>
-        </p:txBody>
-      </p:sp>
-      <p:pic>
-        <p:nvPicPr>
-          <p:cNvPr descr="household_structure_estimates_files/figure-pptx/unnamed-chunk-11-1.png" id="0" name="Picture 1"/>
-          <p:cNvPicPr>
-            <a:picLocks noGrp="1" noChangeAspect="1"/>
-          </p:cNvPicPr>
-          <p:nvPr/>
-        </p:nvPicPr>
-        <p:blipFill>
-          <a:blip r:embed="rId2"/>
-          <a:stretch>
-            <a:fillRect/>
-          </a:stretch>
-        </p:blipFill>
-        <p:spPr bwMode="auto">
-          <a:xfrm>
-            <a:off x="457200" y="1803400"/>
-            <a:ext cx="8229600" cy="4114800"/>
-          </a:xfrm>
-          <a:prstGeom prst="rect">
-            <a:avLst/>
-          </a:prstGeom>
-          <a:noFill/>
-          <a:ln w="9525">
-            <a:noFill/>
-            <a:headEnd/>
-            <a:tailEnd/>
-          </a:ln>
-        </p:spPr>
-      </p:pic>
+              <a:t>in</a:t>
+            </a:r>
+            <a:r>
+              <a:rPr/>
+              <a:t> </a:t>
+            </a:r>
+            <a:r>
+              <a:rPr/>
+              <a:t>Family</a:t>
+            </a:r>
+            <a:r>
+              <a:rPr/>
+              <a:t> </a:t>
+            </a:r>
+            <a:r>
+              <a:rPr/>
+              <a:t>(Pending)</a:t>
+            </a:r>
+          </a:p>
+        </p:txBody>
+      </p:sp>
     </p:spTree>
   </p:cSld>
 </p:sld>
@@ -3362,7 +3719,13 @@
       </p:grpSpPr>
       <p:sp>
         <p:nvSpPr>
-          <p:cNvPr id="2" name="Title 1"/>
+          <p:cNvPr id="2" name="Title 1">
+            <a:extLst>
+              <a:ext uri="{FF2B5EF4-FFF2-40B4-BE49-F238E27FC236}">
+                <a16:creationId xmlns:a16="http://schemas.microsoft.com/office/drawing/2014/main" id="{0D064A50-2A97-421C-813D-6449089693A0}"/>
+              </a:ext>
+            </a:extLst>
+          </p:cNvPr>
           <p:cNvSpPr>
             <a:spLocks noGrp="1"/>
           </p:cNvSpPr>
@@ -3378,6 +3741,30 @@
             <a:pPr lvl="0" marL="0" indent="0">
               <a:buNone/>
             </a:pPr>
+            <a:r>
+              <a:rPr/>
+              <a:t>Marital</a:t>
+            </a:r>
+            <a:r>
+              <a:rPr/>
+              <a:t> </a:t>
+            </a:r>
+            <a:r>
+              <a:rPr/>
+              <a:t>Status</a:t>
+            </a:r>
+            <a:r>
+              <a:rPr/>
+              <a:t> </a:t>
+            </a:r>
+            <a:r>
+              <a:rPr/>
+              <a:t>/</a:t>
+            </a:r>
+            <a:r>
+              <a:rPr/>
+              <a:t> </a:t>
+            </a:r>
             <a:r>
               <a:rPr/>
               <a:t>Partnered</a:t>
@@ -3401,8 +3788,8 @@
         </p:blipFill>
         <p:spPr bwMode="auto">
           <a:xfrm>
-            <a:off x="457200" y="1803400"/>
-            <a:ext cx="8229600" cy="4114800"/>
+            <a:off x="1752600" y="1816100"/>
+            <a:ext cx="8686800" cy="4343400"/>
           </a:xfrm>
           <a:prstGeom prst="rect">
             <a:avLst/>
@@ -3439,7 +3826,13 @@
       </p:grpSpPr>
       <p:sp>
         <p:nvSpPr>
-          <p:cNvPr id="2" name="Title 1"/>
+          <p:cNvPr id="2" name="Title 1">
+            <a:extLst>
+              <a:ext uri="{FF2B5EF4-FFF2-40B4-BE49-F238E27FC236}">
+                <a16:creationId xmlns:a16="http://schemas.microsoft.com/office/drawing/2014/main" id="{0D064A50-2A97-421C-813D-6449089693A0}"/>
+              </a:ext>
+            </a:extLst>
+          </p:cNvPr>
           <p:cNvSpPr>
             <a:spLocks noGrp="1"/>
           </p:cNvSpPr>
@@ -3457,15 +3850,7 @@
             </a:pPr>
             <a:r>
               <a:rPr/>
-              <a:t>Same-sex</a:t>
-            </a:r>
-            <a:r>
-              <a:rPr/>
-              <a:t> </a:t>
-            </a:r>
-            <a:r>
-              <a:rPr/>
-              <a:t>households</a:t>
+              <a:t>Partnered</a:t>
             </a:r>
           </a:p>
         </p:txBody>
@@ -3486,8 +3871,8 @@
         </p:blipFill>
         <p:spPr bwMode="auto">
           <a:xfrm>
-            <a:off x="457200" y="1803400"/>
-            <a:ext cx="8229600" cy="4114800"/>
+            <a:off x="1752600" y="1816100"/>
+            <a:ext cx="8686800" cy="4343400"/>
           </a:xfrm>
           <a:prstGeom prst="rect">
             <a:avLst/>
@@ -3524,7 +3909,13 @@
       </p:grpSpPr>
       <p:sp>
         <p:nvSpPr>
-          <p:cNvPr id="2" name="Title 1"/>
+          <p:cNvPr id="2" name="Title 1">
+            <a:extLst>
+              <a:ext uri="{FF2B5EF4-FFF2-40B4-BE49-F238E27FC236}">
+                <a16:creationId xmlns:a16="http://schemas.microsoft.com/office/drawing/2014/main" id="{0D064A50-2A97-421C-813D-6449089693A0}"/>
+              </a:ext>
+            </a:extLst>
+          </p:cNvPr>
           <p:cNvSpPr>
             <a:spLocks noGrp="1"/>
           </p:cNvSpPr>
@@ -3542,7 +3933,7 @@
             </a:pPr>
             <a:r>
               <a:rPr/>
-              <a:t>Multi-generational</a:t>
+              <a:t>Same-sex</a:t>
             </a:r>
             <a:r>
               <a:rPr/>
@@ -3550,41 +3941,19 @@
             </a:r>
             <a:r>
               <a:rPr/>
-              <a:t>Families</a:t>
-            </a:r>
-          </a:p>
-        </p:txBody>
-      </p:sp>
-      <p:pic>
-        <p:nvPicPr>
-          <p:cNvPr descr="household_structure_estimates_files/figure-pptx/unnamed-chunk-14-1.png" id="0" name="Picture 1"/>
-          <p:cNvPicPr>
-            <a:picLocks noGrp="1" noChangeAspect="1"/>
-          </p:cNvPicPr>
-          <p:nvPr/>
-        </p:nvPicPr>
-        <p:blipFill>
-          <a:blip r:embed="rId2"/>
-          <a:stretch>
-            <a:fillRect/>
-          </a:stretch>
-        </p:blipFill>
-        <p:spPr bwMode="auto">
-          <a:xfrm>
-            <a:off x="457200" y="1803400"/>
-            <a:ext cx="8229600" cy="4114800"/>
-          </a:xfrm>
-          <a:prstGeom prst="rect">
-            <a:avLst/>
-          </a:prstGeom>
-          <a:noFill/>
-          <a:ln w="9525">
-            <a:noFill/>
-            <a:headEnd/>
-            <a:tailEnd/>
-          </a:ln>
-        </p:spPr>
-      </p:pic>
+              <a:t>households</a:t>
+            </a:r>
+            <a:r>
+              <a:rPr/>
+              <a:t> </a:t>
+            </a:r>
+            <a:r>
+              <a:rPr/>
+              <a:t>(Pending)</a:t>
+            </a:r>
+          </a:p>
+        </p:txBody>
+      </p:sp>
     </p:spTree>
   </p:cSld>
 </p:sld>
@@ -3609,7 +3978,13 @@
       </p:grpSpPr>
       <p:sp>
         <p:nvSpPr>
-          <p:cNvPr id="2" name="Title 1"/>
+          <p:cNvPr id="2" name="Title 1">
+            <a:extLst>
+              <a:ext uri="{FF2B5EF4-FFF2-40B4-BE49-F238E27FC236}">
+                <a16:creationId xmlns:a16="http://schemas.microsoft.com/office/drawing/2014/main" id="{0D064A50-2A97-421C-813D-6449089693A0}"/>
+              </a:ext>
+            </a:extLst>
+          </p:cNvPr>
           <p:cNvSpPr>
             <a:spLocks noGrp="1"/>
           </p:cNvSpPr>
@@ -3627,7 +4002,7 @@
             </a:pPr>
             <a:r>
               <a:rPr/>
-              <a:t>Mobility:</a:t>
+              <a:t>Multi-generational</a:t>
             </a:r>
             <a:r>
               <a:rPr/>
@@ -3635,41 +4010,19 @@
             </a:r>
             <a:r>
               <a:rPr/>
-              <a:t>Migration</a:t>
-            </a:r>
-          </a:p>
-        </p:txBody>
-      </p:sp>
-      <p:pic>
-        <p:nvPicPr>
-          <p:cNvPr descr="household_structure_estimates_files/figure-pptx/unnamed-chunk-15-1.png" id="0" name="Picture 1"/>
-          <p:cNvPicPr>
-            <a:picLocks noGrp="1" noChangeAspect="1"/>
-          </p:cNvPicPr>
-          <p:nvPr/>
-        </p:nvPicPr>
-        <p:blipFill>
-          <a:blip r:embed="rId2"/>
-          <a:stretch>
-            <a:fillRect/>
-          </a:stretch>
-        </p:blipFill>
-        <p:spPr bwMode="auto">
-          <a:xfrm>
-            <a:off x="457200" y="1803400"/>
-            <a:ext cx="8229600" cy="4114800"/>
-          </a:xfrm>
-          <a:prstGeom prst="rect">
-            <a:avLst/>
-          </a:prstGeom>
-          <a:noFill/>
-          <a:ln w="9525">
-            <a:noFill/>
-            <a:headEnd/>
-            <a:tailEnd/>
-          </a:ln>
-        </p:spPr>
-      </p:pic>
+              <a:t>Families</a:t>
+            </a:r>
+            <a:r>
+              <a:rPr/>
+              <a:t> </a:t>
+            </a:r>
+            <a:r>
+              <a:rPr/>
+              <a:t>(Pending)</a:t>
+            </a:r>
+          </a:p>
+        </p:txBody>
+      </p:sp>
     </p:spTree>
   </p:cSld>
 </p:sld>
@@ -3694,7 +4047,13 @@
       </p:grpSpPr>
       <p:sp>
         <p:nvSpPr>
-          <p:cNvPr id="2" name="Title 1"/>
+          <p:cNvPr id="2" name="Title 1">
+            <a:extLst>
+              <a:ext uri="{FF2B5EF4-FFF2-40B4-BE49-F238E27FC236}">
+                <a16:creationId xmlns:a16="http://schemas.microsoft.com/office/drawing/2014/main" id="{0D064A50-2A97-421C-813D-6449089693A0}"/>
+              </a:ext>
+            </a:extLst>
+          </p:cNvPr>
           <p:cNvSpPr>
             <a:spLocks noGrp="1"/>
           </p:cNvSpPr>
@@ -3720,23 +4079,7 @@
             </a:r>
             <a:r>
               <a:rPr/>
-              <a:t>Mode</a:t>
-            </a:r>
-            <a:r>
-              <a:rPr/>
-              <a:t> </a:t>
-            </a:r>
-            <a:r>
-              <a:rPr/>
-              <a:t>of</a:t>
-            </a:r>
-            <a:r>
-              <a:rPr/>
-              <a:t> </a:t>
-            </a:r>
-            <a:r>
-              <a:rPr/>
-              <a:t>Transportation</a:t>
+              <a:t>Migration</a:t>
             </a:r>
           </a:p>
         </p:txBody>
@@ -3757,8 +4100,8 @@
         </p:blipFill>
         <p:spPr bwMode="auto">
           <a:xfrm>
-            <a:off x="457200" y="1803400"/>
-            <a:ext cx="8229600" cy="4114800"/>
+            <a:off x="1752600" y="1816100"/>
+            <a:ext cx="8686800" cy="4343400"/>
           </a:xfrm>
           <a:prstGeom prst="rect">
             <a:avLst/>
@@ -3795,7 +4138,13 @@
       </p:grpSpPr>
       <p:sp>
         <p:nvSpPr>
-          <p:cNvPr id="2" name="Title 1"/>
+          <p:cNvPr id="2" name="Title 1">
+            <a:extLst>
+              <a:ext uri="{FF2B5EF4-FFF2-40B4-BE49-F238E27FC236}">
+                <a16:creationId xmlns:a16="http://schemas.microsoft.com/office/drawing/2014/main" id="{0D064A50-2A97-421C-813D-6449089693A0}"/>
+              </a:ext>
+            </a:extLst>
+          </p:cNvPr>
           <p:cNvSpPr>
             <a:spLocks noGrp="1"/>
           </p:cNvSpPr>
@@ -3813,7 +4162,7 @@
             </a:pPr>
             <a:r>
               <a:rPr/>
-              <a:t>Migration:</a:t>
+              <a:t>Mobility:</a:t>
             </a:r>
             <a:r>
               <a:rPr/>
@@ -3821,7 +4170,7 @@
             </a:r>
             <a:r>
               <a:rPr/>
-              <a:t>Average</a:t>
+              <a:t>Mode</a:t>
             </a:r>
             <a:r>
               <a:rPr/>
@@ -3829,7 +4178,7 @@
             </a:r>
             <a:r>
               <a:rPr/>
-              <a:t>Commute</a:t>
+              <a:t>of</a:t>
             </a:r>
             <a:r>
               <a:rPr/>
@@ -3837,7 +4186,7 @@
             </a:r>
             <a:r>
               <a:rPr/>
-              <a:t>Time</a:t>
+              <a:t>Transportation</a:t>
             </a:r>
           </a:p>
         </p:txBody>
@@ -3858,8 +4207,115 @@
         </p:blipFill>
         <p:spPr bwMode="auto">
           <a:xfrm>
-            <a:off x="457200" y="1803400"/>
-            <a:ext cx="8229600" cy="4114800"/>
+            <a:off x="1752600" y="1816100"/>
+            <a:ext cx="8686800" cy="4343400"/>
+          </a:xfrm>
+          <a:prstGeom prst="rect">
+            <a:avLst/>
+          </a:prstGeom>
+          <a:noFill/>
+          <a:ln w="9525">
+            <a:noFill/>
+            <a:headEnd/>
+            <a:tailEnd/>
+          </a:ln>
+        </p:spPr>
+      </p:pic>
+    </p:spTree>
+  </p:cSld>
+</p:sld>
+</file>
+
+<file path=ppt/slides/slide17.xml><?xml version="1.0" encoding="utf-8"?>
+<p:sld xmlns:a="http://schemas.openxmlformats.org/drawingml/2006/main" xmlns:r="http://schemas.openxmlformats.org/officeDocument/2006/relationships" xmlns:p="http://schemas.openxmlformats.org/presentationml/2006/main">
+  <p:cSld>
+    <p:spTree>
+      <p:nvGrpSpPr>
+        <p:cNvPr id="1" name=""/>
+        <p:cNvGrpSpPr/>
+        <p:nvPr/>
+      </p:nvGrpSpPr>
+      <p:grpSpPr>
+        <a:xfrm>
+          <a:off x="0" y="0"/>
+          <a:ext cx="0" cy="0"/>
+          <a:chOff x="0" y="0"/>
+          <a:chExt cx="0" cy="0"/>
+        </a:xfrm>
+      </p:grpSpPr>
+      <p:sp>
+        <p:nvSpPr>
+          <p:cNvPr id="2" name="Title 1">
+            <a:extLst>
+              <a:ext uri="{FF2B5EF4-FFF2-40B4-BE49-F238E27FC236}">
+                <a16:creationId xmlns:a16="http://schemas.microsoft.com/office/drawing/2014/main" id="{0D064A50-2A97-421C-813D-6449089693A0}"/>
+              </a:ext>
+            </a:extLst>
+          </p:cNvPr>
+          <p:cNvSpPr>
+            <a:spLocks noGrp="1"/>
+          </p:cNvSpPr>
+          <p:nvPr>
+            <p:ph type="title"/>
+          </p:nvPr>
+        </p:nvSpPr>
+        <p:spPr/>
+        <p:txBody>
+          <a:bodyPr/>
+          <a:lstStyle/>
+          <a:p>
+            <a:pPr lvl="0" marL="0" indent="0">
+              <a:buNone/>
+            </a:pPr>
+            <a:r>
+              <a:rPr/>
+              <a:t>Migration:</a:t>
+            </a:r>
+            <a:r>
+              <a:rPr/>
+              <a:t> </a:t>
+            </a:r>
+            <a:r>
+              <a:rPr/>
+              <a:t>Average</a:t>
+            </a:r>
+            <a:r>
+              <a:rPr/>
+              <a:t> </a:t>
+            </a:r>
+            <a:r>
+              <a:rPr/>
+              <a:t>Commute</a:t>
+            </a:r>
+            <a:r>
+              <a:rPr/>
+              <a:t> </a:t>
+            </a:r>
+            <a:r>
+              <a:rPr/>
+              <a:t>Time</a:t>
+            </a:r>
+          </a:p>
+        </p:txBody>
+      </p:sp>
+      <p:pic>
+        <p:nvPicPr>
+          <p:cNvPr descr="household_structure_estimates_files/figure-pptx/unnamed-chunk-18-1.png" id="0" name="Picture 1"/>
+          <p:cNvPicPr>
+            <a:picLocks noGrp="1" noChangeAspect="1"/>
+          </p:cNvPicPr>
+          <p:nvPr/>
+        </p:nvPicPr>
+        <p:blipFill>
+          <a:blip r:embed="rId2"/>
+          <a:stretch>
+            <a:fillRect/>
+          </a:stretch>
+        </p:blipFill>
+        <p:spPr bwMode="auto">
+          <a:xfrm>
+            <a:off x="1752600" y="1816100"/>
+            <a:ext cx="8686800" cy="4343400"/>
           </a:xfrm>
           <a:prstGeom prst="rect">
             <a:avLst/>
@@ -3896,7 +4352,13 @@
       </p:grpSpPr>
       <p:sp>
         <p:nvSpPr>
-          <p:cNvPr id="2" name="Title 1"/>
+          <p:cNvPr id="2" name="Title 1">
+            <a:extLst>
+              <a:ext uri="{FF2B5EF4-FFF2-40B4-BE49-F238E27FC236}">
+                <a16:creationId xmlns:a16="http://schemas.microsoft.com/office/drawing/2014/main" id="{0D064A50-2A97-421C-813D-6449089693A0}"/>
+              </a:ext>
+            </a:extLst>
+          </p:cNvPr>
           <p:cNvSpPr>
             <a:spLocks noGrp="1"/>
           </p:cNvSpPr>
@@ -3945,7 +4407,13 @@
       </p:sp>
       <p:sp>
         <p:nvSpPr>
-          <p:cNvPr id="3" name="Content Placeholder 2"/>
+          <p:cNvPr id="3" name="Content Placeholder 2">
+            <a:extLst>
+              <a:ext uri="{FF2B5EF4-FFF2-40B4-BE49-F238E27FC236}">
+                <a16:creationId xmlns:a16="http://schemas.microsoft.com/office/drawing/2014/main" id="{C0E34547-063B-468C-B841-DB8C0206424E}"/>
+              </a:ext>
+            </a:extLst>
+          </p:cNvPr>
           <p:cNvSpPr>
             <a:spLocks noGrp="1"/>
           </p:cNvSpPr>
@@ -4004,7 +4472,13 @@
       </p:grpSpPr>
       <p:sp>
         <p:nvSpPr>
-          <p:cNvPr id="2" name="Title 1"/>
+          <p:cNvPr id="2" name="Title 1">
+            <a:extLst>
+              <a:ext uri="{FF2B5EF4-FFF2-40B4-BE49-F238E27FC236}">
+                <a16:creationId xmlns:a16="http://schemas.microsoft.com/office/drawing/2014/main" id="{0D064A50-2A97-421C-813D-6449089693A0}"/>
+              </a:ext>
+            </a:extLst>
+          </p:cNvPr>
           <p:cNvSpPr>
             <a:spLocks noGrp="1"/>
           </p:cNvSpPr>
@@ -4059,8 +4533,8 @@
         </p:blipFill>
         <p:spPr bwMode="auto">
           <a:xfrm>
-            <a:off x="457200" y="1803400"/>
-            <a:ext cx="8229600" cy="4114800"/>
+            <a:off x="1752600" y="1816100"/>
+            <a:ext cx="8686800" cy="4343400"/>
           </a:xfrm>
           <a:prstGeom prst="rect">
             <a:avLst/>
@@ -4097,7 +4571,13 @@
       </p:grpSpPr>
       <p:sp>
         <p:nvSpPr>
-          <p:cNvPr id="2" name="Title 1"/>
+          <p:cNvPr id="2" name="Title 1">
+            <a:extLst>
+              <a:ext uri="{FF2B5EF4-FFF2-40B4-BE49-F238E27FC236}">
+                <a16:creationId xmlns:a16="http://schemas.microsoft.com/office/drawing/2014/main" id="{0D064A50-2A97-421C-813D-6449089693A0}"/>
+              </a:ext>
+            </a:extLst>
+          </p:cNvPr>
           <p:cNvSpPr>
             <a:spLocks noGrp="1"/>
           </p:cNvSpPr>
@@ -4160,8 +4640,8 @@
         </p:blipFill>
         <p:spPr bwMode="auto">
           <a:xfrm>
-            <a:off x="457200" y="1803400"/>
-            <a:ext cx="8229600" cy="4114800"/>
+            <a:off x="1752600" y="1816100"/>
+            <a:ext cx="8686800" cy="4343400"/>
           </a:xfrm>
           <a:prstGeom prst="rect">
             <a:avLst/>
@@ -4198,7 +4678,13 @@
       </p:grpSpPr>
       <p:sp>
         <p:nvSpPr>
-          <p:cNvPr id="2" name="Title 1"/>
+          <p:cNvPr id="2" name="Title 1">
+            <a:extLst>
+              <a:ext uri="{FF2B5EF4-FFF2-40B4-BE49-F238E27FC236}">
+                <a16:creationId xmlns:a16="http://schemas.microsoft.com/office/drawing/2014/main" id="{0D064A50-2A97-421C-813D-6449089693A0}"/>
+              </a:ext>
+            </a:extLst>
+          </p:cNvPr>
           <p:cNvSpPr>
             <a:spLocks noGrp="1"/>
           </p:cNvSpPr>
@@ -4253,8 +4739,8 @@
         </p:blipFill>
         <p:spPr bwMode="auto">
           <a:xfrm>
-            <a:off x="457200" y="1803400"/>
-            <a:ext cx="8229600" cy="4114800"/>
+            <a:off x="1752600" y="1816100"/>
+            <a:ext cx="8686800" cy="4343400"/>
           </a:xfrm>
           <a:prstGeom prst="rect">
             <a:avLst/>
@@ -4291,7 +4777,13 @@
       </p:grpSpPr>
       <p:sp>
         <p:nvSpPr>
-          <p:cNvPr id="2" name="Title 1"/>
+          <p:cNvPr id="2" name="Title 1">
+            <a:extLst>
+              <a:ext uri="{FF2B5EF4-FFF2-40B4-BE49-F238E27FC236}">
+                <a16:creationId xmlns:a16="http://schemas.microsoft.com/office/drawing/2014/main" id="{0D064A50-2A97-421C-813D-6449089693A0}"/>
+              </a:ext>
+            </a:extLst>
+          </p:cNvPr>
           <p:cNvSpPr>
             <a:spLocks noGrp="1"/>
           </p:cNvSpPr>
@@ -4325,15 +4817,7 @@
             </a:r>
             <a:r>
               <a:rPr/>
-              <a:t>Total</a:t>
-            </a:r>
-            <a:r>
-              <a:rPr/>
-              <a:t> </a:t>
-            </a:r>
-            <a:r>
-              <a:rPr/>
-              <a:t>Person’s</a:t>
+              <a:t>Household</a:t>
             </a:r>
             <a:r>
               <a:rPr/>
@@ -4362,8 +4846,8 @@
         </p:blipFill>
         <p:spPr bwMode="auto">
           <a:xfrm>
-            <a:off x="457200" y="1803400"/>
-            <a:ext cx="8229600" cy="4114800"/>
+            <a:off x="1752600" y="1816100"/>
+            <a:ext cx="8686800" cy="4343400"/>
           </a:xfrm>
           <a:prstGeom prst="rect">
             <a:avLst/>
@@ -4400,7 +4884,13 @@
       </p:grpSpPr>
       <p:sp>
         <p:nvSpPr>
-          <p:cNvPr id="2" name="Title 1"/>
+          <p:cNvPr id="2" name="Title 1">
+            <a:extLst>
+              <a:ext uri="{FF2B5EF4-FFF2-40B4-BE49-F238E27FC236}">
+                <a16:creationId xmlns:a16="http://schemas.microsoft.com/office/drawing/2014/main" id="{0D064A50-2A97-421C-813D-6449089693A0}"/>
+              </a:ext>
+            </a:extLst>
+          </p:cNvPr>
           <p:cNvSpPr>
             <a:spLocks noGrp="1"/>
           </p:cNvSpPr>
@@ -4434,7 +4924,7 @@
             </a:r>
             <a:r>
               <a:rPr/>
-              <a:t>Food</a:t>
+              <a:t>Total</a:t>
             </a:r>
             <a:r>
               <a:rPr/>
@@ -4442,14 +4932,22 @@
             </a:r>
             <a:r>
               <a:rPr/>
-              <a:t>Stamps</a:t>
+              <a:t>Personal</a:t>
+            </a:r>
+            <a:r>
+              <a:rPr/>
+              <a:t> </a:t>
+            </a:r>
+            <a:r>
+              <a:rPr/>
+              <a:t>Income</a:t>
             </a:r>
           </a:p>
         </p:txBody>
       </p:sp>
       <p:pic>
         <p:nvPicPr>
-          <p:cNvPr descr="household_structure_estimates_files/figure-pptx/unnamed-chunk-8-1.png" id="0" name="Picture 1"/>
+          <p:cNvPr descr="household_structure_estimates_files/figure-pptx/unnamed-chunk-7-1.png" id="0" name="Picture 1"/>
           <p:cNvPicPr>
             <a:picLocks noGrp="1" noChangeAspect="1"/>
           </p:cNvPicPr>
@@ -4463,8 +4961,8 @@
         </p:blipFill>
         <p:spPr bwMode="auto">
           <a:xfrm>
-            <a:off x="457200" y="1803400"/>
-            <a:ext cx="8229600" cy="4114800"/>
+            <a:off x="1752600" y="1816100"/>
+            <a:ext cx="8686800" cy="4343400"/>
           </a:xfrm>
           <a:prstGeom prst="rect">
             <a:avLst/>
@@ -4501,7 +4999,13 @@
       </p:grpSpPr>
       <p:sp>
         <p:nvSpPr>
-          <p:cNvPr id="2" name="Title 1"/>
+          <p:cNvPr id="2" name="Title 1">
+            <a:extLst>
+              <a:ext uri="{FF2B5EF4-FFF2-40B4-BE49-F238E27FC236}">
+                <a16:creationId xmlns:a16="http://schemas.microsoft.com/office/drawing/2014/main" id="{0D064A50-2A97-421C-813D-6449089693A0}"/>
+              </a:ext>
+            </a:extLst>
+          </p:cNvPr>
           <p:cNvSpPr>
             <a:spLocks noGrp="1"/>
           </p:cNvSpPr>
@@ -4519,7 +5023,7 @@
             </a:pPr>
             <a:r>
               <a:rPr/>
-              <a:t>Household</a:t>
+              <a:t>Income</a:t>
             </a:r>
             <a:r>
               <a:rPr/>
@@ -4527,41 +5031,35 @@
             </a:r>
             <a:r>
               <a:rPr/>
-              <a:t>Type:</a:t>
-            </a:r>
-          </a:p>
-        </p:txBody>
-      </p:sp>
-      <p:pic>
-        <p:nvPicPr>
-          <p:cNvPr descr="household_structure_estimates_files/figure-pptx/unnamed-chunk-9-1.png" id="0" name="Picture 1"/>
-          <p:cNvPicPr>
-            <a:picLocks noGrp="1" noChangeAspect="1"/>
-          </p:cNvPicPr>
-          <p:nvPr/>
-        </p:nvPicPr>
-        <p:blipFill>
-          <a:blip r:embed="rId2"/>
-          <a:stretch>
-            <a:fillRect/>
-          </a:stretch>
-        </p:blipFill>
-        <p:spPr bwMode="auto">
-          <a:xfrm>
-            <a:off x="457200" y="1803400"/>
-            <a:ext cx="8229600" cy="4114800"/>
-          </a:xfrm>
-          <a:prstGeom prst="rect">
-            <a:avLst/>
-          </a:prstGeom>
-          <a:noFill/>
-          <a:ln w="9525">
-            <a:noFill/>
-            <a:headEnd/>
-            <a:tailEnd/>
-          </a:ln>
-        </p:spPr>
-      </p:pic>
+              <a:t>Characteristics:</a:t>
+            </a:r>
+            <a:r>
+              <a:rPr/>
+              <a:t> </a:t>
+            </a:r>
+            <a:r>
+              <a:rPr/>
+              <a:t>Food</a:t>
+            </a:r>
+            <a:r>
+              <a:rPr/>
+              <a:t> </a:t>
+            </a:r>
+            <a:r>
+              <a:rPr/>
+              <a:t>Stamps</a:t>
+            </a:r>
+            <a:r>
+              <a:rPr/>
+              <a:t> </a:t>
+            </a:r>
+            <a:r>
+              <a:rPr/>
+              <a:t>(Pending)</a:t>
+            </a:r>
+          </a:p>
+        </p:txBody>
+      </p:sp>
     </p:spTree>
   </p:cSld>
 </p:sld>
@@ -4586,7 +5084,13 @@
       </p:grpSpPr>
       <p:sp>
         <p:nvSpPr>
-          <p:cNvPr id="2" name="Title 1"/>
+          <p:cNvPr id="2" name="Title 1">
+            <a:extLst>
+              <a:ext uri="{FF2B5EF4-FFF2-40B4-BE49-F238E27FC236}">
+                <a16:creationId xmlns:a16="http://schemas.microsoft.com/office/drawing/2014/main" id="{0D064A50-2A97-421C-813D-6449089693A0}"/>
+              </a:ext>
+            </a:extLst>
+          </p:cNvPr>
           <p:cNvSpPr>
             <a:spLocks noGrp="1"/>
           </p:cNvSpPr>
@@ -4612,65 +5116,11 @@
             </a:r>
             <a:r>
               <a:rPr/>
-              <a:t>Characteristics:</a:t>
-            </a:r>
-            <a:r>
-              <a:rPr/>
-              <a:t> </a:t>
-            </a:r>
-            <a:r>
-              <a:rPr/>
-              <a:t>Workers</a:t>
-            </a:r>
-            <a:r>
-              <a:rPr/>
-              <a:t> </a:t>
-            </a:r>
-            <a:r>
-              <a:rPr/>
-              <a:t>in</a:t>
-            </a:r>
-            <a:r>
-              <a:rPr/>
-              <a:t> </a:t>
-            </a:r>
-            <a:r>
-              <a:rPr/>
-              <a:t>Family</a:t>
-            </a:r>
-          </a:p>
-        </p:txBody>
-      </p:sp>
-      <p:pic>
-        <p:nvPicPr>
-          <p:cNvPr descr="household_structure_estimates_files/figure-pptx/unnamed-chunk-10-1.png" id="0" name="Picture 1"/>
-          <p:cNvPicPr>
-            <a:picLocks noGrp="1" noChangeAspect="1"/>
-          </p:cNvPicPr>
-          <p:nvPr/>
-        </p:nvPicPr>
-        <p:blipFill>
-          <a:blip r:embed="rId2"/>
-          <a:stretch>
-            <a:fillRect/>
-          </a:stretch>
-        </p:blipFill>
-        <p:spPr bwMode="auto">
-          <a:xfrm>
-            <a:off x="457200" y="1803400"/>
-            <a:ext cx="8229600" cy="4114800"/>
-          </a:xfrm>
-          <a:prstGeom prst="rect">
-            <a:avLst/>
-          </a:prstGeom>
-          <a:noFill/>
-          <a:ln w="9525">
-            <a:noFill/>
-            <a:headEnd/>
-            <a:tailEnd/>
-          </a:ln>
-        </p:spPr>
-      </p:pic>
+              <a:t>Type:(Pending)</a:t>
+            </a:r>
+          </a:p>
+        </p:txBody>
+      </p:sp>
     </p:spTree>
   </p:cSld>
 </p:sld>
@@ -4687,52 +5137,52 @@
         <a:sysClr val="window" lastClr="FFFFFF"/>
       </a:lt1>
       <a:dk2>
-        <a:srgbClr val="1F497D"/>
+        <a:srgbClr val="44546A"/>
       </a:dk2>
       <a:lt2>
-        <a:srgbClr val="EEECE1"/>
+        <a:srgbClr val="E7E6E6"/>
       </a:lt2>
       <a:accent1>
-        <a:srgbClr val="4F81BD"/>
+        <a:srgbClr val="4472C4"/>
       </a:accent1>
       <a:accent2>
-        <a:srgbClr val="C0504D"/>
+        <a:srgbClr val="ED7D31"/>
       </a:accent2>
       <a:accent3>
-        <a:srgbClr val="9BBB59"/>
+        <a:srgbClr val="A5A5A5"/>
       </a:accent3>
       <a:accent4>
-        <a:srgbClr val="8064A2"/>
+        <a:srgbClr val="FFC000"/>
       </a:accent4>
       <a:accent5>
-        <a:srgbClr val="4BACC6"/>
+        <a:srgbClr val="5B9BD5"/>
       </a:accent5>
       <a:accent6>
-        <a:srgbClr val="F79646"/>
+        <a:srgbClr val="70AD47"/>
       </a:accent6>
       <a:hlink>
-        <a:srgbClr val="0000FF"/>
+        <a:srgbClr val="0563C1"/>
       </a:hlink>
       <a:folHlink>
-        <a:srgbClr val="800080"/>
+        <a:srgbClr val="954F72"/>
       </a:folHlink>
     </a:clrScheme>
-    <a:fontScheme name="Office">
+    <a:fontScheme name="Arial">
       <a:majorFont>
-        <a:latin typeface="Calibri"/>
+        <a:latin typeface="Arial" panose="020B0604020202020204"/>
         <a:ea typeface=""/>
         <a:cs typeface=""/>
         <a:font script="Jpan" typeface="ＭＳ Ｐゴシック"/>
-        <a:font script="Hang" typeface="맑은 고딕"/>
-        <a:font script="Hans" typeface="宋体"/>
-        <a:font script="Hant" typeface="新細明體"/>
-        <a:font script="Arab" typeface="Times New Roman"/>
-        <a:font script="Hebr" typeface="Times New Roman"/>
-        <a:font script="Thai" typeface="Angsana New"/>
+        <a:font script="Hang" typeface="굴림"/>
+        <a:font script="Hans" typeface="黑体"/>
+        <a:font script="Hant" typeface="微軟正黑體"/>
+        <a:font script="Arab" typeface="Arial"/>
+        <a:font script="Hebr" typeface="Arial"/>
+        <a:font script="Thai" typeface="Cordia New"/>
         <a:font script="Ethi" typeface="Nyala"/>
         <a:font script="Beng" typeface="Vrinda"/>
         <a:font script="Gujr" typeface="Shruti"/>
-        <a:font script="Khmr" typeface="MoolBoran"/>
+        <a:font script="Khmr" typeface="DaunPenh"/>
         <a:font script="Knda" typeface="Tunga"/>
         <a:font script="Guru" typeface="Raavi"/>
         <a:font script="Cans" typeface="Euphemia"/>
@@ -4749,18 +5199,18 @@
         <a:font script="Laoo" typeface="DokChampa"/>
         <a:font script="Sinh" typeface="Iskoola Pota"/>
         <a:font script="Mong" typeface="Mongolian Baiti"/>
-        <a:font script="Viet" typeface="Times New Roman"/>
+        <a:font script="Viet" typeface="Arial"/>
         <a:font script="Uigh" typeface="Microsoft Uighur"/>
         <a:font script="Geor" typeface="Sylfaen"/>
       </a:majorFont>
       <a:minorFont>
-        <a:latin typeface="Calibri"/>
+        <a:latin typeface="Arial" panose="020B0604020202020204"/>
         <a:ea typeface=""/>
         <a:cs typeface=""/>
         <a:font script="Jpan" typeface="ＭＳ Ｐゴシック"/>
-        <a:font script="Hang" typeface="맑은 고딕"/>
-        <a:font script="Hans" typeface="宋体"/>
-        <a:font script="Hant" typeface="新細明體"/>
+        <a:font script="Hang" typeface="굴림"/>
+        <a:font script="Hans" typeface="黑体"/>
+        <a:font script="Hant" typeface="微軟正黑體"/>
         <a:font script="Arab" typeface="Arial"/>
         <a:font script="Hebr" typeface="Arial"/>
         <a:font script="Thai" typeface="Cordia New"/>
@@ -4798,200 +5248,141 @@
           <a:gsLst>
             <a:gs pos="0">
               <a:schemeClr val="phClr">
-                <a:tint val="50000"/>
-                <a:satMod val="300000"/>
+                <a:lumMod val="110000"/>
+                <a:satMod val="105000"/>
+                <a:tint val="67000"/>
               </a:schemeClr>
             </a:gs>
-            <a:gs pos="35000">
+            <a:gs pos="50000">
               <a:schemeClr val="phClr">
-                <a:tint val="37000"/>
-                <a:satMod val="300000"/>
+                <a:lumMod val="105000"/>
+                <a:satMod val="103000"/>
+                <a:tint val="73000"/>
               </a:schemeClr>
             </a:gs>
             <a:gs pos="100000">
               <a:schemeClr val="phClr">
-                <a:tint val="15000"/>
-                <a:satMod val="350000"/>
+                <a:lumMod val="105000"/>
+                <a:satMod val="109000"/>
+                <a:tint val="81000"/>
               </a:schemeClr>
             </a:gs>
           </a:gsLst>
-          <a:lin ang="16200000" scaled="1"/>
+          <a:lin ang="5400000" scaled="0"/>
         </a:gradFill>
         <a:gradFill rotWithShape="1">
           <a:gsLst>
             <a:gs pos="0">
               <a:schemeClr val="phClr">
-                <a:tint val="100000"/>
+                <a:satMod val="103000"/>
+                <a:lumMod val="102000"/>
+                <a:tint val="94000"/>
+              </a:schemeClr>
+            </a:gs>
+            <a:gs pos="50000">
+              <a:schemeClr val="phClr">
+                <a:satMod val="110000"/>
+                <a:lumMod val="100000"/>
                 <a:shade val="100000"/>
-                <a:satMod val="130000"/>
               </a:schemeClr>
             </a:gs>
             <a:gs pos="100000">
               <a:schemeClr val="phClr">
-                <a:tint val="50000"/>
-                <a:shade val="100000"/>
-                <a:satMod val="350000"/>
+                <a:lumMod val="99000"/>
+                <a:satMod val="120000"/>
+                <a:shade val="78000"/>
               </a:schemeClr>
             </a:gs>
           </a:gsLst>
-          <a:lin ang="16200000" scaled="0"/>
+          <a:lin ang="5400000" scaled="0"/>
         </a:gradFill>
       </a:fillStyleLst>
       <a:lnStyleLst>
-        <a:ln w="9525" cap="flat" cmpd="sng" algn="ctr">
-          <a:solidFill>
-            <a:schemeClr val="phClr">
-              <a:shade val="95000"/>
-              <a:satMod val="105000"/>
-            </a:schemeClr>
-          </a:solidFill>
-          <a:prstDash val="solid"/>
-        </a:ln>
-        <a:ln w="25400" cap="flat" cmpd="sng" algn="ctr">
+        <a:ln w="6350" cap="flat" cmpd="sng" algn="ctr">
           <a:solidFill>
             <a:schemeClr val="phClr"/>
           </a:solidFill>
           <a:prstDash val="solid"/>
+          <a:miter lim="800000"/>
         </a:ln>
-        <a:ln w="38100" cap="flat" cmpd="sng" algn="ctr">
+        <a:ln w="12700" cap="flat" cmpd="sng" algn="ctr">
           <a:solidFill>
             <a:schemeClr val="phClr"/>
           </a:solidFill>
           <a:prstDash val="solid"/>
+          <a:miter lim="800000"/>
+        </a:ln>
+        <a:ln w="19050" cap="flat" cmpd="sng" algn="ctr">
+          <a:solidFill>
+            <a:schemeClr val="phClr"/>
+          </a:solidFill>
+          <a:prstDash val="solid"/>
+          <a:miter lim="800000"/>
         </a:ln>
       </a:lnStyleLst>
       <a:effectStyleLst>
         <a:effectStyle>
+          <a:effectLst/>
+        </a:effectStyle>
+        <a:effectStyle>
+          <a:effectLst/>
+        </a:effectStyle>
+        <a:effectStyle>
           <a:effectLst>
-            <a:outerShdw blurRad="40000" dist="20000" dir="5400000" rotWithShape="0">
+            <a:outerShdw blurRad="57150" dist="19050" dir="5400000" algn="ctr" rotWithShape="0">
               <a:srgbClr val="000000">
-                <a:alpha val="38000"/>
+                <a:alpha val="63000"/>
               </a:srgbClr>
             </a:outerShdw>
           </a:effectLst>
-        </a:effectStyle>
-        <a:effectStyle>
-          <a:effectLst>
-            <a:outerShdw blurRad="40000" dist="23000" dir="5400000" rotWithShape="0">
-              <a:srgbClr val="000000">
-                <a:alpha val="35000"/>
-              </a:srgbClr>
-            </a:outerShdw>
-          </a:effectLst>
-        </a:effectStyle>
-        <a:effectStyle>
-          <a:effectLst>
-            <a:outerShdw blurRad="40000" dist="23000" dir="5400000" rotWithShape="0">
-              <a:srgbClr val="000000">
-                <a:alpha val="35000"/>
-              </a:srgbClr>
-            </a:outerShdw>
-          </a:effectLst>
-          <a:scene3d>
-            <a:camera prst="orthographicFront">
-              <a:rot lat="0" lon="0" rev="0"/>
-            </a:camera>
-            <a:lightRig rig="threePt" dir="t">
-              <a:rot lat="0" lon="0" rev="1200000"/>
-            </a:lightRig>
-          </a:scene3d>
-          <a:sp3d>
-            <a:bevelT w="63500" h="25400"/>
-          </a:sp3d>
         </a:effectStyle>
       </a:effectStyleLst>
       <a:bgFillStyleLst>
         <a:solidFill>
           <a:schemeClr val="phClr"/>
         </a:solidFill>
+        <a:solidFill>
+          <a:schemeClr val="phClr">
+            <a:tint val="95000"/>
+            <a:satMod val="170000"/>
+          </a:schemeClr>
+        </a:solidFill>
         <a:gradFill rotWithShape="1">
           <a:gsLst>
             <a:gs pos="0">
               <a:schemeClr val="phClr">
-                <a:tint val="40000"/>
-                <a:satMod val="350000"/>
+                <a:tint val="93000"/>
+                <a:satMod val="150000"/>
+                <a:shade val="98000"/>
+                <a:lumMod val="102000"/>
               </a:schemeClr>
             </a:gs>
-            <a:gs pos="40000">
+            <a:gs pos="50000">
               <a:schemeClr val="phClr">
-                <a:tint val="45000"/>
-                <a:shade val="99000"/>
-                <a:satMod val="350000"/>
+                <a:tint val="98000"/>
+                <a:satMod val="130000"/>
+                <a:shade val="90000"/>
+                <a:lumMod val="103000"/>
               </a:schemeClr>
             </a:gs>
             <a:gs pos="100000">
               <a:schemeClr val="phClr">
-                <a:shade val="20000"/>
-                <a:satMod val="255000"/>
+                <a:shade val="63000"/>
+                <a:satMod val="120000"/>
               </a:schemeClr>
             </a:gs>
           </a:gsLst>
-          <a:path path="circle">
-            <a:fillToRect l="50000" t="-80000" r="50000" b="180000"/>
-          </a:path>
-        </a:gradFill>
-        <a:gradFill rotWithShape="1">
-          <a:gsLst>
-            <a:gs pos="0">
-              <a:schemeClr val="phClr">
-                <a:tint val="80000"/>
-                <a:satMod val="300000"/>
-              </a:schemeClr>
-            </a:gs>
-            <a:gs pos="100000">
-              <a:schemeClr val="phClr">
-                <a:shade val="30000"/>
-                <a:satMod val="200000"/>
-              </a:schemeClr>
-            </a:gs>
-          </a:gsLst>
-          <a:path path="circle">
-            <a:fillToRect l="50000" t="50000" r="50000" b="50000"/>
-          </a:path>
+          <a:lin ang="5400000" scaled="0"/>
         </a:gradFill>
       </a:bgFillStyleLst>
     </a:fmtScheme>
   </a:themeElements>
-  <a:objectDefaults>
-    <a:spDef>
-      <a:spPr/>
-      <a:bodyPr/>
-      <a:lstStyle/>
-      <a:style>
-        <a:lnRef idx="1">
-          <a:schemeClr val="accent1"/>
-        </a:lnRef>
-        <a:fillRef idx="3">
-          <a:schemeClr val="accent1"/>
-        </a:fillRef>
-        <a:effectRef idx="2">
-          <a:schemeClr val="accent1"/>
-        </a:effectRef>
-        <a:fontRef idx="minor">
-          <a:schemeClr val="lt1"/>
-        </a:fontRef>
-      </a:style>
-    </a:spDef>
-    <a:lnDef>
-      <a:spPr/>
-      <a:bodyPr/>
-      <a:lstStyle/>
-      <a:style>
-        <a:lnRef idx="2">
-          <a:schemeClr val="accent1"/>
-        </a:lnRef>
-        <a:fillRef idx="0">
-          <a:schemeClr val="accent1"/>
-        </a:fillRef>
-        <a:effectRef idx="1">
-          <a:schemeClr val="accent1"/>
-        </a:effectRef>
-        <a:fontRef idx="minor">
-          <a:schemeClr val="tx1"/>
-        </a:fontRef>
-      </a:style>
-    </a:lnDef>
-  </a:objectDefaults>
+  <a:objectDefaults/>
   <a:extraClrSchemeLst/>
+  <a:extLst>
+    <a:ext uri="{05A4C25C-085E-4340-85A3-A5531E510DB2}">
+      <thm15:themeFamily xmlns:thm15="http://schemas.microsoft.com/office/thememl/2012/main" name="Office Theme" id="{62F939B6-93AF-4DB8-9C6B-D6C7DFDC589F}" vid="{4A3C46E8-61CC-4603-A589-7422A47A8E4A}"/>
+    </a:ext>
+  </a:extLst>
 </a:theme>
 </file>
--- a/create_powerpoint/household_structure_estimates.pptx
+++ b/create_powerpoint/household_structure_estimates.pptx
@@ -22,6 +22,13 @@
     <p:sldId id="270" r:id="rId16"/>
     <p:sldId id="271" r:id="rId17"/>
     <p:sldId id="272" r:id="rId18"/>
+    <p:sldId id="273" r:id="rId19"/>
+    <p:sldId id="274" r:id="rId20"/>
+    <p:sldId id="275" r:id="rId21"/>
+    <p:sldId id="276" r:id="rId22"/>
+    <p:sldId id="277" r:id="rId23"/>
+    <p:sldId id="278" r:id="rId24"/>
+    <p:sldId id="279" r:id="rId25"/>
   </p:sldIdLst>
   <p:sldSz cx="12192000" cy="6858000"/>
   <p:notesSz cx="6858000" cy="9144000"/>
@@ -3483,6 +3490,22 @@
             </a:pPr>
             <a:r>
               <a:rPr/>
+              <a:t>Opportunity</a:t>
+            </a:r>
+            <a:r>
+              <a:rPr/>
+              <a:t> </a:t>
+            </a:r>
+            <a:r>
+              <a:rPr/>
+              <a:t>Youth</a:t>
+            </a:r>
+            <a:r>
+              <a:rPr/>
+              <a:t> </a:t>
+            </a:r>
+            <a:r>
+              <a:rPr/>
               <a:t>Household</a:t>
             </a:r>
             <a:r>
@@ -3545,7 +3568,7 @@
             </a:r>
             <a:r>
               <a:rPr/>
-              <a:t>Campos</a:t>
+              <a:t>Rubi</a:t>
             </a:r>
           </a:p>
         </p:txBody>
@@ -3589,7 +3612,7 @@
             </a:r>
             <a:r>
               <a:rPr/>
-              <a:t>21,</a:t>
+              <a:t>22,</a:t>
             </a:r>
             <a:r>
               <a:rPr/>
@@ -3650,6 +3673,22 @@
             </a:pPr>
             <a:r>
               <a:rPr/>
+              <a:t>Income</a:t>
+            </a:r>
+            <a:r>
+              <a:rPr/>
+              <a:t> </a:t>
+            </a:r>
+            <a:r>
+              <a:rPr/>
+              <a:t>Characteristics:</a:t>
+            </a:r>
+            <a:r>
+              <a:rPr/>
+              <a:t> </a:t>
+            </a:r>
+            <a:r>
+              <a:rPr/>
               <a:t>Household</a:t>
             </a:r>
             <a:r>
@@ -3658,43 +3697,41 @@
             </a:r>
             <a:r>
               <a:rPr/>
-              <a:t>Characteristics:</a:t>
-            </a:r>
-            <a:r>
-              <a:rPr/>
-              <a:t> </a:t>
-            </a:r>
-            <a:r>
-              <a:rPr/>
-              <a:t>Workers</a:t>
-            </a:r>
-            <a:r>
-              <a:rPr/>
-              <a:t> </a:t>
-            </a:r>
-            <a:r>
-              <a:rPr/>
-              <a:t>in</a:t>
-            </a:r>
-            <a:r>
-              <a:rPr/>
-              <a:t> </a:t>
-            </a:r>
-            <a:r>
-              <a:rPr/>
-              <a:t>Family</a:t>
-            </a:r>
-            <a:r>
-              <a:rPr/>
-              <a:t> </a:t>
-            </a:r>
-            <a:r>
-              <a:rPr/>
-              <a:t>(Pending)</a:t>
-            </a:r>
-          </a:p>
-        </p:txBody>
-      </p:sp>
+              <a:t>Income</a:t>
+            </a:r>
+          </a:p>
+        </p:txBody>
+      </p:sp>
+      <p:pic>
+        <p:nvPicPr>
+          <p:cNvPr descr="household_structure_estimates_files/figure-pptx/unnamed-chunk-8-1.png" id="0" name="Picture 1"/>
+          <p:cNvPicPr>
+            <a:picLocks noGrp="1" noChangeAspect="1"/>
+          </p:cNvPicPr>
+          <p:nvPr/>
+        </p:nvPicPr>
+        <p:blipFill>
+          <a:blip r:embed="rId2"/>
+          <a:stretch>
+            <a:fillRect/>
+          </a:stretch>
+        </p:blipFill>
+        <p:spPr bwMode="auto">
+          <a:xfrm>
+            <a:off x="1752600" y="1816100"/>
+            <a:ext cx="8686800" cy="4343400"/>
+          </a:xfrm>
+          <a:prstGeom prst="rect">
+            <a:avLst/>
+          </a:prstGeom>
+          <a:noFill/>
+          <a:ln w="9525">
+            <a:noFill/>
+            <a:headEnd/>
+            <a:tailEnd/>
+          </a:ln>
+        </p:spPr>
+      </p:pic>
     </p:spTree>
   </p:cSld>
 </p:sld>
@@ -3743,7 +3780,7 @@
             </a:pPr>
             <a:r>
               <a:rPr/>
-              <a:t>Marital</a:t>
+              <a:t>Income</a:t>
             </a:r>
             <a:r>
               <a:rPr/>
@@ -3751,7 +3788,7 @@
             </a:r>
             <a:r>
               <a:rPr/>
-              <a:t>Status</a:t>
+              <a:t>Characteristics:</a:t>
             </a:r>
             <a:r>
               <a:rPr/>
@@ -3759,7 +3796,7 @@
             </a:r>
             <a:r>
               <a:rPr/>
-              <a:t>/</a:t>
+              <a:t>Total</a:t>
             </a:r>
             <a:r>
               <a:rPr/>
@@ -3767,14 +3804,22 @@
             </a:r>
             <a:r>
               <a:rPr/>
-              <a:t>Partnered</a:t>
+              <a:t>Personal</a:t>
+            </a:r>
+            <a:r>
+              <a:rPr/>
+              <a:t> </a:t>
+            </a:r>
+            <a:r>
+              <a:rPr/>
+              <a:t>Income</a:t>
             </a:r>
           </a:p>
         </p:txBody>
       </p:sp>
       <p:pic>
         <p:nvPicPr>
-          <p:cNvPr descr="household_structure_estimates_files/figure-pptx/unnamed-chunk-12-1.png" id="0" name="Picture 1"/>
+          <p:cNvPr descr="household_structure_estimates_files/figure-pptx/unnamed-chunk-9-1.png" id="0" name="Picture 1"/>
           <p:cNvPicPr>
             <a:picLocks noGrp="1" noChangeAspect="1"/>
           </p:cNvPicPr>
@@ -3850,6 +3895,30 @@
             </a:pPr>
             <a:r>
               <a:rPr/>
+              <a:t>Marital</a:t>
+            </a:r>
+            <a:r>
+              <a:rPr/>
+              <a:t> </a:t>
+            </a:r>
+            <a:r>
+              <a:rPr/>
+              <a:t>Status</a:t>
+            </a:r>
+            <a:r>
+              <a:rPr/>
+              <a:t> </a:t>
+            </a:r>
+            <a:r>
+              <a:rPr/>
+              <a:t>/</a:t>
+            </a:r>
+            <a:r>
+              <a:rPr/>
+              <a:t> </a:t>
+            </a:r>
+            <a:r>
+              <a:rPr/>
               <a:t>Partnered</a:t>
             </a:r>
           </a:p>
@@ -3857,7 +3926,7 @@
       </p:sp>
       <p:pic>
         <p:nvPicPr>
-          <p:cNvPr descr="household_structure_estimates_files/figure-pptx/unnamed-chunk-13-1.png" id="0" name="Picture 1"/>
+          <p:cNvPr descr="household_structure_estimates_files/figure-pptx/unnamed-chunk-11-1.png" id="0" name="Picture 1"/>
           <p:cNvPicPr>
             <a:picLocks noGrp="1" noChangeAspect="1"/>
           </p:cNvPicPr>
@@ -3933,27 +4002,41 @@
             </a:pPr>
             <a:r>
               <a:rPr/>
-              <a:t>Same-sex</a:t>
-            </a:r>
-            <a:r>
-              <a:rPr/>
-              <a:t> </a:t>
-            </a:r>
-            <a:r>
-              <a:rPr/>
-              <a:t>households</a:t>
-            </a:r>
-            <a:r>
-              <a:rPr/>
-              <a:t> </a:t>
-            </a:r>
-            <a:r>
-              <a:rPr/>
-              <a:t>(Pending)</a:t>
-            </a:r>
-          </a:p>
-        </p:txBody>
-      </p:sp>
+              <a:t>Partnered</a:t>
+            </a:r>
+          </a:p>
+        </p:txBody>
+      </p:sp>
+      <p:pic>
+        <p:nvPicPr>
+          <p:cNvPr descr="household_structure_estimates_files/figure-pptx/unnamed-chunk-12-1.png" id="0" name="Picture 1"/>
+          <p:cNvPicPr>
+            <a:picLocks noGrp="1" noChangeAspect="1"/>
+          </p:cNvPicPr>
+          <p:nvPr/>
+        </p:nvPicPr>
+        <p:blipFill>
+          <a:blip r:embed="rId2"/>
+          <a:stretch>
+            <a:fillRect/>
+          </a:stretch>
+        </p:blipFill>
+        <p:spPr bwMode="auto">
+          <a:xfrm>
+            <a:off x="1752600" y="1816100"/>
+            <a:ext cx="8686800" cy="4343400"/>
+          </a:xfrm>
+          <a:prstGeom prst="rect">
+            <a:avLst/>
+          </a:prstGeom>
+          <a:noFill/>
+          <a:ln w="9525">
+            <a:noFill/>
+            <a:headEnd/>
+            <a:tailEnd/>
+          </a:ln>
+        </p:spPr>
+      </p:pic>
     </p:spTree>
   </p:cSld>
 </p:sld>
@@ -4002,7 +4085,7 @@
             </a:pPr>
             <a:r>
               <a:rPr/>
-              <a:t>Multi-generational</a:t>
+              <a:t>Mobility:</a:t>
             </a:r>
             <a:r>
               <a:rPr/>
@@ -4010,19 +4093,41 @@
             </a:r>
             <a:r>
               <a:rPr/>
-              <a:t>Families</a:t>
-            </a:r>
-            <a:r>
-              <a:rPr/>
-              <a:t> </a:t>
-            </a:r>
-            <a:r>
-              <a:rPr/>
-              <a:t>(Pending)</a:t>
-            </a:r>
-          </a:p>
-        </p:txBody>
-      </p:sp>
+              <a:t>Migration</a:t>
+            </a:r>
+          </a:p>
+        </p:txBody>
+      </p:sp>
+      <p:pic>
+        <p:nvPicPr>
+          <p:cNvPr descr="household_structure_estimates_files/figure-pptx/unnamed-chunk-13-1.png" id="0" name="Picture 1"/>
+          <p:cNvPicPr>
+            <a:picLocks noGrp="1" noChangeAspect="1"/>
+          </p:cNvPicPr>
+          <p:nvPr/>
+        </p:nvPicPr>
+        <p:blipFill>
+          <a:blip r:embed="rId2"/>
+          <a:stretch>
+            <a:fillRect/>
+          </a:stretch>
+        </p:blipFill>
+        <p:spPr bwMode="auto">
+          <a:xfrm>
+            <a:off x="1752600" y="1816100"/>
+            <a:ext cx="8686800" cy="4343400"/>
+          </a:xfrm>
+          <a:prstGeom prst="rect">
+            <a:avLst/>
+          </a:prstGeom>
+          <a:noFill/>
+          <a:ln w="9525">
+            <a:noFill/>
+            <a:headEnd/>
+            <a:tailEnd/>
+          </a:ln>
+        </p:spPr>
+      </p:pic>
     </p:spTree>
   </p:cSld>
 </p:sld>
@@ -4079,14 +4184,30 @@
             </a:r>
             <a:r>
               <a:rPr/>
-              <a:t>Migration</a:t>
+              <a:t>Mode</a:t>
+            </a:r>
+            <a:r>
+              <a:rPr/>
+              <a:t> </a:t>
+            </a:r>
+            <a:r>
+              <a:rPr/>
+              <a:t>of</a:t>
+            </a:r>
+            <a:r>
+              <a:rPr/>
+              <a:t> </a:t>
+            </a:r>
+            <a:r>
+              <a:rPr/>
+              <a:t>Transportation</a:t>
             </a:r>
           </a:p>
         </p:txBody>
       </p:sp>
       <p:pic>
         <p:nvPicPr>
-          <p:cNvPr descr="household_structure_estimates_files/figure-pptx/unnamed-chunk-16-1.png" id="0" name="Picture 1"/>
+          <p:cNvPr descr="household_structure_estimates_files/figure-pptx/unnamed-chunk-14-1.png" id="0" name="Picture 1"/>
           <p:cNvPicPr>
             <a:picLocks noGrp="1" noChangeAspect="1"/>
           </p:cNvPicPr>
@@ -4162,7 +4283,7 @@
             </a:pPr>
             <a:r>
               <a:rPr/>
-              <a:t>Mobility:</a:t>
+              <a:t>Migration:</a:t>
             </a:r>
             <a:r>
               <a:rPr/>
@@ -4170,7 +4291,7 @@
             </a:r>
             <a:r>
               <a:rPr/>
-              <a:t>Mode</a:t>
+              <a:t>Average</a:t>
             </a:r>
             <a:r>
               <a:rPr/>
@@ -4178,7 +4299,7 @@
             </a:r>
             <a:r>
               <a:rPr/>
-              <a:t>of</a:t>
+              <a:t>Commute</a:t>
             </a:r>
             <a:r>
               <a:rPr/>
@@ -4186,14 +4307,14 @@
             </a:r>
             <a:r>
               <a:rPr/>
-              <a:t>Transportation</a:t>
+              <a:t>Time</a:t>
             </a:r>
           </a:p>
         </p:txBody>
       </p:sp>
       <p:pic>
         <p:nvPicPr>
-          <p:cNvPr descr="household_structure_estimates_files/figure-pptx/unnamed-chunk-17-1.png" id="0" name="Picture 1"/>
+          <p:cNvPr descr="household_structure_estimates_files/figure-pptx/unnamed-chunk-15-1.png" id="0" name="Picture 1"/>
           <p:cNvPicPr>
             <a:picLocks noGrp="1" noChangeAspect="1"/>
           </p:cNvPicPr>
@@ -4248,6 +4369,72 @@
           <p:cNvPr id="2" name="Title 1">
             <a:extLst>
               <a:ext uri="{FF2B5EF4-FFF2-40B4-BE49-F238E27FC236}">
+                <a16:creationId xmlns:a16="http://schemas.microsoft.com/office/drawing/2014/main" id="{1CAF8530-DA25-40F0-835B-ABF68B3EB818}"/>
+              </a:ext>
+            </a:extLst>
+          </p:cNvPr>
+          <p:cNvSpPr>
+            <a:spLocks noGrp="1"/>
+          </p:cNvSpPr>
+          <p:nvPr>
+            <p:ph type="title"/>
+          </p:nvPr>
+        </p:nvSpPr>
+        <p:spPr>
+          <a:xfrm>
+            <a:off x="831850" y="1123072"/>
+            <a:ext cx="10515600" cy="2852737"/>
+          </a:xfrm>
+        </p:spPr>
+        <p:txBody>
+          <a:bodyPr/>
+          <a:lstStyle/>
+          <a:p>
+            <a:pPr lvl="0" marL="0" indent="0">
+              <a:buNone/>
+            </a:pPr>
+            <a:r>
+              <a:rPr/>
+              <a:t>Pending</a:t>
+            </a:r>
+            <a:r>
+              <a:rPr/>
+              <a:t> </a:t>
+            </a:r>
+            <a:r>
+              <a:rPr/>
+              <a:t>Analyses</a:t>
+            </a:r>
+          </a:p>
+        </p:txBody>
+      </p:sp>
+    </p:spTree>
+  </p:cSld>
+</p:sld>
+</file>
+
+<file path=ppt/slides/slide18.xml><?xml version="1.0" encoding="utf-8"?>
+<p:sld xmlns:a="http://schemas.openxmlformats.org/drawingml/2006/main" xmlns:r="http://schemas.openxmlformats.org/officeDocument/2006/relationships" xmlns:p="http://schemas.openxmlformats.org/presentationml/2006/main">
+  <p:cSld>
+    <p:spTree>
+      <p:nvGrpSpPr>
+        <p:cNvPr id="1" name=""/>
+        <p:cNvGrpSpPr/>
+        <p:nvPr/>
+      </p:nvGrpSpPr>
+      <p:grpSpPr>
+        <a:xfrm>
+          <a:off x="0" y="0"/>
+          <a:ext cx="0" cy="0"/>
+          <a:chOff x="0" y="0"/>
+          <a:chExt cx="0" cy="0"/>
+        </a:xfrm>
+      </p:grpSpPr>
+      <p:sp>
+        <p:nvSpPr>
+          <p:cNvPr id="2" name="Title 1">
+            <a:extLst>
+              <a:ext uri="{FF2B5EF4-FFF2-40B4-BE49-F238E27FC236}">
                 <a16:creationId xmlns:a16="http://schemas.microsoft.com/office/drawing/2014/main" id="{0D064A50-2A97-421C-813D-6449089693A0}"/>
               </a:ext>
             </a:extLst>
@@ -4269,7 +4456,7 @@
             </a:pPr>
             <a:r>
               <a:rPr/>
-              <a:t>Migration:</a:t>
+              <a:t>Income</a:t>
             </a:r>
             <a:r>
               <a:rPr/>
@@ -4277,7 +4464,7 @@
             </a:r>
             <a:r>
               <a:rPr/>
-              <a:t>Average</a:t>
+              <a:t>Characteristics:</a:t>
             </a:r>
             <a:r>
               <a:rPr/>
@@ -4285,7 +4472,7 @@
             </a:r>
             <a:r>
               <a:rPr/>
-              <a:t>Commute</a:t>
+              <a:t>Food</a:t>
             </a:r>
             <a:r>
               <a:rPr/>
@@ -4293,41 +4480,80 @@
             </a:r>
             <a:r>
               <a:rPr/>
-              <a:t>Time</a:t>
-            </a:r>
-          </a:p>
-        </p:txBody>
-      </p:sp>
-      <p:pic>
-        <p:nvPicPr>
-          <p:cNvPr descr="household_structure_estimates_files/figure-pptx/unnamed-chunk-18-1.png" id="0" name="Picture 1"/>
-          <p:cNvPicPr>
-            <a:picLocks noGrp="1" noChangeAspect="1"/>
-          </p:cNvPicPr>
-          <p:nvPr/>
-        </p:nvPicPr>
-        <p:blipFill>
-          <a:blip r:embed="rId2"/>
-          <a:stretch>
-            <a:fillRect/>
-          </a:stretch>
-        </p:blipFill>
-        <p:spPr bwMode="auto">
-          <a:xfrm>
-            <a:off x="1752600" y="1816100"/>
-            <a:ext cx="8686800" cy="4343400"/>
-          </a:xfrm>
-          <a:prstGeom prst="rect">
-            <a:avLst/>
-          </a:prstGeom>
-          <a:noFill/>
-          <a:ln w="9525">
-            <a:noFill/>
-            <a:headEnd/>
-            <a:tailEnd/>
-          </a:ln>
-        </p:spPr>
-      </p:pic>
+              <a:t>Stamps</a:t>
+            </a:r>
+            <a:r>
+              <a:rPr/>
+              <a:t> </a:t>
+            </a:r>
+            <a:r>
+              <a:rPr/>
+              <a:t>(Pending)</a:t>
+            </a:r>
+          </a:p>
+        </p:txBody>
+      </p:sp>
+    </p:spTree>
+  </p:cSld>
+</p:sld>
+</file>
+
+<file path=ppt/slides/slide19.xml><?xml version="1.0" encoding="utf-8"?>
+<p:sld xmlns:a="http://schemas.openxmlformats.org/drawingml/2006/main" xmlns:r="http://schemas.openxmlformats.org/officeDocument/2006/relationships" xmlns:p="http://schemas.openxmlformats.org/presentationml/2006/main">
+  <p:cSld>
+    <p:spTree>
+      <p:nvGrpSpPr>
+        <p:cNvPr id="1" name=""/>
+        <p:cNvGrpSpPr/>
+        <p:nvPr/>
+      </p:nvGrpSpPr>
+      <p:grpSpPr>
+        <a:xfrm>
+          <a:off x="0" y="0"/>
+          <a:ext cx="0" cy="0"/>
+          <a:chOff x="0" y="0"/>
+          <a:chExt cx="0" cy="0"/>
+        </a:xfrm>
+      </p:grpSpPr>
+      <p:sp>
+        <p:nvSpPr>
+          <p:cNvPr id="2" name="Title 1">
+            <a:extLst>
+              <a:ext uri="{FF2B5EF4-FFF2-40B4-BE49-F238E27FC236}">
+                <a16:creationId xmlns:a16="http://schemas.microsoft.com/office/drawing/2014/main" id="{0D064A50-2A97-421C-813D-6449089693A0}"/>
+              </a:ext>
+            </a:extLst>
+          </p:cNvPr>
+          <p:cNvSpPr>
+            <a:spLocks noGrp="1"/>
+          </p:cNvSpPr>
+          <p:nvPr>
+            <p:ph type="title"/>
+          </p:nvPr>
+        </p:nvSpPr>
+        <p:spPr/>
+        <p:txBody>
+          <a:bodyPr/>
+          <a:lstStyle/>
+          <a:p>
+            <a:pPr lvl="0" marL="0" indent="0">
+              <a:buNone/>
+            </a:pPr>
+            <a:r>
+              <a:rPr/>
+              <a:t>Household</a:t>
+            </a:r>
+            <a:r>
+              <a:rPr/>
+              <a:t> </a:t>
+            </a:r>
+            <a:r>
+              <a:rPr/>
+              <a:t>Type:(Pending)</a:t>
+            </a:r>
+          </a:p>
+        </p:txBody>
+      </p:sp>
     </p:spTree>
   </p:cSld>
 </p:sld>
@@ -4376,7 +4602,7 @@
             </a:pPr>
             <a:r>
               <a:rPr/>
-              <a:t>Research</a:t>
+              <a:t>Data</a:t>
             </a:r>
             <a:r>
               <a:rPr/>
@@ -4384,7 +4610,128 @@
             </a:r>
             <a:r>
               <a:rPr/>
-              <a:t>Questions</a:t>
+              <a:t>Sources:</a:t>
+            </a:r>
+          </a:p>
+        </p:txBody>
+      </p:sp>
+      <p:sp>
+        <p:nvSpPr>
+          <p:cNvPr id="3" name="Content Placeholder 2">
+            <a:extLst>
+              <a:ext uri="{FF2B5EF4-FFF2-40B4-BE49-F238E27FC236}">
+                <a16:creationId xmlns:a16="http://schemas.microsoft.com/office/drawing/2014/main" id="{C0E34547-063B-468C-B841-DB8C0206424E}"/>
+              </a:ext>
+            </a:extLst>
+          </p:cNvPr>
+          <p:cNvSpPr>
+            <a:spLocks noGrp="1"/>
+          </p:cNvSpPr>
+          <p:nvPr>
+            <p:ph idx="1"/>
+          </p:nvPr>
+        </p:nvSpPr>
+        <p:spPr/>
+        <p:txBody>
+          <a:bodyPr/>
+          <a:lstStyle/>
+          <a:p>
+            <a:pPr lvl="1"/>
+            <a:r>
+              <a:rPr>
+                <a:hlinkClick r:id="rId2"/>
+              </a:rPr>
+              <a:t>IPUMS USA</a:t>
+            </a:r>
+          </a:p>
+          <a:p>
+            <a:pPr lvl="2"/>
+            <a:r>
+              <a:rPr/>
+              <a:t>IPUMS at the University of Minnesota</a:t>
+            </a:r>
+          </a:p>
+          <a:p>
+            <a:pPr lvl="2"/>
+            <a:r>
+              <a:rPr/>
+              <a:t>IPUMS pre-processes PUMS files to enable / facilitate research</a:t>
+            </a:r>
+          </a:p>
+          <a:p>
+            <a:pPr lvl="3"/>
+            <a:r>
+              <a:rPr/>
+              <a:t>Example: NOC (U.S. Census) vs. NCHILD (IPUMS) are at household level and individual level respectively</a:t>
+            </a:r>
+          </a:p>
+          <a:p>
+            <a:pPr lvl="1"/>
+            <a:r>
+              <a:rPr>
+                <a:hlinkClick r:id="rId3"/>
+              </a:rPr>
+              <a:t>U.S. Census Bureau</a:t>
+            </a:r>
+          </a:p>
+          <a:p>
+            <a:pPr lvl="2"/>
+            <a:r>
+              <a:rPr/>
+              <a:t>Raw PUMS files directly from the U.S. Census Bureau</a:t>
+            </a:r>
+          </a:p>
+        </p:txBody>
+      </p:sp>
+    </p:spTree>
+  </p:cSld>
+</p:sld>
+</file>
+
+<file path=ppt/slides/slide20.xml><?xml version="1.0" encoding="utf-8"?>
+<p:sld xmlns:a="http://schemas.openxmlformats.org/drawingml/2006/main" xmlns:r="http://schemas.openxmlformats.org/officeDocument/2006/relationships" xmlns:p="http://schemas.openxmlformats.org/presentationml/2006/main">
+  <p:cSld>
+    <p:spTree>
+      <p:nvGrpSpPr>
+        <p:cNvPr id="1" name=""/>
+        <p:cNvGrpSpPr/>
+        <p:nvPr/>
+      </p:nvGrpSpPr>
+      <p:grpSpPr>
+        <a:xfrm>
+          <a:off x="0" y="0"/>
+          <a:ext cx="0" cy="0"/>
+          <a:chOff x="0" y="0"/>
+          <a:chExt cx="0" cy="0"/>
+        </a:xfrm>
+      </p:grpSpPr>
+      <p:sp>
+        <p:nvSpPr>
+          <p:cNvPr id="2" name="Title 1">
+            <a:extLst>
+              <a:ext uri="{FF2B5EF4-FFF2-40B4-BE49-F238E27FC236}">
+                <a16:creationId xmlns:a16="http://schemas.microsoft.com/office/drawing/2014/main" id="{0D064A50-2A97-421C-813D-6449089693A0}"/>
+              </a:ext>
+            </a:extLst>
+          </p:cNvPr>
+          <p:cNvSpPr>
+            <a:spLocks noGrp="1"/>
+          </p:cNvSpPr>
+          <p:nvPr>
+            <p:ph type="title"/>
+          </p:nvPr>
+        </p:nvSpPr>
+        <p:spPr/>
+        <p:txBody>
+          <a:bodyPr/>
+          <a:lstStyle/>
+          <a:p>
+            <a:pPr lvl="0" marL="0" indent="0">
+              <a:buNone/>
+            </a:pPr>
+            <a:r>
+              <a:rPr/>
+              <a:t>Household</a:t>
             </a:r>
             <a:r>
               <a:rPr/>
@@ -4392,7 +4739,7 @@
             </a:r>
             <a:r>
               <a:rPr/>
-              <a:t>of</a:t>
+              <a:t>Characteristics:</a:t>
             </a:r>
             <a:r>
               <a:rPr/>
@@ -4400,25 +4747,71 @@
             </a:r>
             <a:r>
               <a:rPr/>
-              <a:t>Interest</a:t>
-            </a:r>
-          </a:p>
-        </p:txBody>
-      </p:sp>
-      <p:sp>
-        <p:nvSpPr>
-          <p:cNvPr id="3" name="Content Placeholder 2">
-            <a:extLst>
-              <a:ext uri="{FF2B5EF4-FFF2-40B4-BE49-F238E27FC236}">
-                <a16:creationId xmlns:a16="http://schemas.microsoft.com/office/drawing/2014/main" id="{C0E34547-063B-468C-B841-DB8C0206424E}"/>
-              </a:ext>
-            </a:extLst>
-          </p:cNvPr>
-          <p:cNvSpPr>
-            <a:spLocks noGrp="1"/>
-          </p:cNvSpPr>
-          <p:nvPr>
-            <p:ph idx="1"/>
+              <a:t>Workers</a:t>
+            </a:r>
+            <a:r>
+              <a:rPr/>
+              <a:t> </a:t>
+            </a:r>
+            <a:r>
+              <a:rPr/>
+              <a:t>in</a:t>
+            </a:r>
+            <a:r>
+              <a:rPr/>
+              <a:t> </a:t>
+            </a:r>
+            <a:r>
+              <a:rPr/>
+              <a:t>Family</a:t>
+            </a:r>
+            <a:r>
+              <a:rPr/>
+              <a:t> </a:t>
+            </a:r>
+            <a:r>
+              <a:rPr/>
+              <a:t>(Pending)</a:t>
+            </a:r>
+          </a:p>
+        </p:txBody>
+      </p:sp>
+    </p:spTree>
+  </p:cSld>
+</p:sld>
+</file>
+
+<file path=ppt/slides/slide21.xml><?xml version="1.0" encoding="utf-8"?>
+<p:sld xmlns:a="http://schemas.openxmlformats.org/drawingml/2006/main" xmlns:r="http://schemas.openxmlformats.org/officeDocument/2006/relationships" xmlns:p="http://schemas.openxmlformats.org/presentationml/2006/main">
+  <p:cSld>
+    <p:spTree>
+      <p:nvGrpSpPr>
+        <p:cNvPr id="1" name=""/>
+        <p:cNvGrpSpPr/>
+        <p:nvPr/>
+      </p:nvGrpSpPr>
+      <p:grpSpPr>
+        <a:xfrm>
+          <a:off x="0" y="0"/>
+          <a:ext cx="0" cy="0"/>
+          <a:chOff x="0" y="0"/>
+          <a:chExt cx="0" cy="0"/>
+        </a:xfrm>
+      </p:grpSpPr>
+      <p:sp>
+        <p:nvSpPr>
+          <p:cNvPr id="2" name="Title 1">
+            <a:extLst>
+              <a:ext uri="{FF2B5EF4-FFF2-40B4-BE49-F238E27FC236}">
+                <a16:creationId xmlns:a16="http://schemas.microsoft.com/office/drawing/2014/main" id="{0D064A50-2A97-421C-813D-6449089693A0}"/>
+              </a:ext>
+            </a:extLst>
+          </p:cNvPr>
+          <p:cNvSpPr>
+            <a:spLocks noGrp="1"/>
+          </p:cNvSpPr>
+          <p:nvPr>
+            <p:ph type="title"/>
           </p:nvPr>
         </p:nvSpPr>
         <p:spPr/>
@@ -4426,24 +4819,221 @@
           <a:bodyPr/>
           <a:lstStyle/>
           <a:p>
-            <a:pPr lvl="1"/>
-            <a:r>
-              <a:rPr/>
-              <a:t>Are Opportunity Youth caring for children?</a:t>
-            </a:r>
-          </a:p>
-          <a:p>
-            <a:pPr lvl="1"/>
-            <a:r>
-              <a:rPr/>
-              <a:t>What are the household income characteristics of Opportunity Youth?</a:t>
-            </a:r>
-          </a:p>
-          <a:p>
-            <a:pPr lvl="1"/>
-            <a:r>
-              <a:rPr/>
-              <a:t>Mobility Status</a:t>
+            <a:pPr lvl="0" marL="0" indent="0">
+              <a:buNone/>
+            </a:pPr>
+            <a:r>
+              <a:rPr/>
+              <a:t>Same-sex</a:t>
+            </a:r>
+            <a:r>
+              <a:rPr/>
+              <a:t> </a:t>
+            </a:r>
+            <a:r>
+              <a:rPr/>
+              <a:t>households</a:t>
+            </a:r>
+            <a:r>
+              <a:rPr/>
+              <a:t> </a:t>
+            </a:r>
+            <a:r>
+              <a:rPr/>
+              <a:t>(Pending)</a:t>
+            </a:r>
+          </a:p>
+        </p:txBody>
+      </p:sp>
+    </p:spTree>
+  </p:cSld>
+</p:sld>
+</file>
+
+<file path=ppt/slides/slide22.xml><?xml version="1.0" encoding="utf-8"?>
+<p:sld xmlns:a="http://schemas.openxmlformats.org/drawingml/2006/main" xmlns:r="http://schemas.openxmlformats.org/officeDocument/2006/relationships" xmlns:p="http://schemas.openxmlformats.org/presentationml/2006/main">
+  <p:cSld>
+    <p:spTree>
+      <p:nvGrpSpPr>
+        <p:cNvPr id="1" name=""/>
+        <p:cNvGrpSpPr/>
+        <p:nvPr/>
+      </p:nvGrpSpPr>
+      <p:grpSpPr>
+        <a:xfrm>
+          <a:off x="0" y="0"/>
+          <a:ext cx="0" cy="0"/>
+          <a:chOff x="0" y="0"/>
+          <a:chExt cx="0" cy="0"/>
+        </a:xfrm>
+      </p:grpSpPr>
+      <p:sp>
+        <p:nvSpPr>
+          <p:cNvPr id="2" name="Title 1">
+            <a:extLst>
+              <a:ext uri="{FF2B5EF4-FFF2-40B4-BE49-F238E27FC236}">
+                <a16:creationId xmlns:a16="http://schemas.microsoft.com/office/drawing/2014/main" id="{0D064A50-2A97-421C-813D-6449089693A0}"/>
+              </a:ext>
+            </a:extLst>
+          </p:cNvPr>
+          <p:cNvSpPr>
+            <a:spLocks noGrp="1"/>
+          </p:cNvSpPr>
+          <p:nvPr>
+            <p:ph type="title"/>
+          </p:nvPr>
+        </p:nvSpPr>
+        <p:spPr/>
+        <p:txBody>
+          <a:bodyPr/>
+          <a:lstStyle/>
+          <a:p>
+            <a:pPr lvl="0" marL="0" indent="0">
+              <a:buNone/>
+            </a:pPr>
+            <a:r>
+              <a:rPr/>
+              <a:t>Multi-generational</a:t>
+            </a:r>
+            <a:r>
+              <a:rPr/>
+              <a:t> </a:t>
+            </a:r>
+            <a:r>
+              <a:rPr/>
+              <a:t>Families</a:t>
+            </a:r>
+            <a:r>
+              <a:rPr/>
+              <a:t> </a:t>
+            </a:r>
+            <a:r>
+              <a:rPr/>
+              <a:t>(Pending)</a:t>
+            </a:r>
+          </a:p>
+        </p:txBody>
+      </p:sp>
+    </p:spTree>
+  </p:cSld>
+</p:sld>
+</file>
+
+<file path=ppt/slides/slide23.xml><?xml version="1.0" encoding="utf-8"?>
+<p:sld xmlns:a="http://schemas.openxmlformats.org/drawingml/2006/main" xmlns:r="http://schemas.openxmlformats.org/officeDocument/2006/relationships" xmlns:p="http://schemas.openxmlformats.org/presentationml/2006/main">
+  <p:cSld>
+    <p:spTree>
+      <p:nvGrpSpPr>
+        <p:cNvPr id="1" name=""/>
+        <p:cNvGrpSpPr/>
+        <p:nvPr/>
+      </p:nvGrpSpPr>
+      <p:grpSpPr>
+        <a:xfrm>
+          <a:off x="0" y="0"/>
+          <a:ext cx="0" cy="0"/>
+          <a:chOff x="0" y="0"/>
+          <a:chExt cx="0" cy="0"/>
+        </a:xfrm>
+      </p:grpSpPr>
+      <p:sp>
+        <p:nvSpPr>
+          <p:cNvPr id="2" name="Title 1">
+            <a:extLst>
+              <a:ext uri="{FF2B5EF4-FFF2-40B4-BE49-F238E27FC236}">
+                <a16:creationId xmlns:a16="http://schemas.microsoft.com/office/drawing/2014/main" id="{1CAF8530-DA25-40F0-835B-ABF68B3EB818}"/>
+              </a:ext>
+            </a:extLst>
+          </p:cNvPr>
+          <p:cNvSpPr>
+            <a:spLocks noGrp="1"/>
+          </p:cNvSpPr>
+          <p:nvPr>
+            <p:ph type="title"/>
+          </p:nvPr>
+        </p:nvSpPr>
+        <p:spPr>
+          <a:xfrm>
+            <a:off x="831850" y="1123072"/>
+            <a:ext cx="10515600" cy="2852737"/>
+          </a:xfrm>
+        </p:spPr>
+        <p:txBody>
+          <a:bodyPr/>
+          <a:lstStyle/>
+          <a:p>
+            <a:pPr lvl="0" marL="0" indent="0">
+              <a:buNone/>
+            </a:pPr>
+            <a:r>
+              <a:rPr/>
+              <a:t>Questions?</a:t>
+            </a:r>
+          </a:p>
+        </p:txBody>
+      </p:sp>
+    </p:spTree>
+  </p:cSld>
+</p:sld>
+</file>
+
+<file path=ppt/slides/slide24.xml><?xml version="1.0" encoding="utf-8"?>
+<p:sld xmlns:a="http://schemas.openxmlformats.org/drawingml/2006/main" xmlns:r="http://schemas.openxmlformats.org/officeDocument/2006/relationships" xmlns:p="http://schemas.openxmlformats.org/presentationml/2006/main">
+  <p:cSld>
+    <p:spTree>
+      <p:nvGrpSpPr>
+        <p:cNvPr id="1" name=""/>
+        <p:cNvGrpSpPr/>
+        <p:nvPr/>
+      </p:nvGrpSpPr>
+      <p:grpSpPr>
+        <a:xfrm>
+          <a:off x="0" y="0"/>
+          <a:ext cx="0" cy="0"/>
+          <a:chOff x="0" y="0"/>
+          <a:chExt cx="0" cy="0"/>
+        </a:xfrm>
+      </p:grpSpPr>
+      <p:sp>
+        <p:nvSpPr>
+          <p:cNvPr id="2" name="Title 1">
+            <a:extLst>
+              <a:ext uri="{FF2B5EF4-FFF2-40B4-BE49-F238E27FC236}">
+                <a16:creationId xmlns:a16="http://schemas.microsoft.com/office/drawing/2014/main" id="{1CAF8530-DA25-40F0-835B-ABF68B3EB818}"/>
+              </a:ext>
+            </a:extLst>
+          </p:cNvPr>
+          <p:cNvSpPr>
+            <a:spLocks noGrp="1"/>
+          </p:cNvSpPr>
+          <p:nvPr>
+            <p:ph type="title"/>
+          </p:nvPr>
+        </p:nvSpPr>
+        <p:spPr>
+          <a:xfrm>
+            <a:off x="831850" y="1123072"/>
+            <a:ext cx="10515600" cy="2852737"/>
+          </a:xfrm>
+        </p:spPr>
+        <p:txBody>
+          <a:bodyPr/>
+          <a:lstStyle/>
+          <a:p>
+            <a:pPr lvl="0" marL="0" indent="0">
+              <a:buNone/>
+            </a:pPr>
+            <a:r>
+              <a:rPr/>
+              <a:t>Thank</a:t>
+            </a:r>
+            <a:r>
+              <a:rPr/>
+              <a:t> </a:t>
+            </a:r>
+            <a:r>
+              <a:rPr/>
+              <a:t>you!</a:t>
             </a:r>
           </a:p>
         </p:txBody>
@@ -4496,7 +5086,7 @@
             </a:pPr>
             <a:r>
               <a:rPr/>
-              <a:t>Heads</a:t>
+              <a:t>Research</a:t>
             </a:r>
             <a:r>
               <a:rPr/>
@@ -4504,6 +5094,14 @@
             </a:r>
             <a:r>
               <a:rPr/>
+              <a:t>Questions</a:t>
+            </a:r>
+            <a:r>
+              <a:rPr/>
+              <a:t> </a:t>
+            </a:r>
+            <a:r>
+              <a:rPr/>
               <a:t>of</a:t>
             </a:r>
             <a:r>
@@ -4512,41 +5110,103 @@
             </a:r>
             <a:r>
               <a:rPr/>
-              <a:t>Household</a:t>
-            </a:r>
-          </a:p>
-        </p:txBody>
-      </p:sp>
-      <p:pic>
-        <p:nvPicPr>
-          <p:cNvPr descr="household_structure_estimates_files/figure-pptx/unnamed-chunk-3-1.png" id="0" name="Picture 1"/>
-          <p:cNvPicPr>
-            <a:picLocks noGrp="1" noChangeAspect="1"/>
-          </p:cNvPicPr>
-          <p:nvPr/>
-        </p:nvPicPr>
-        <p:blipFill>
-          <a:blip r:embed="rId2"/>
-          <a:stretch>
-            <a:fillRect/>
-          </a:stretch>
-        </p:blipFill>
-        <p:spPr bwMode="auto">
-          <a:xfrm>
-            <a:off x="1752600" y="1816100"/>
-            <a:ext cx="8686800" cy="4343400"/>
-          </a:xfrm>
-          <a:prstGeom prst="rect">
-            <a:avLst/>
-          </a:prstGeom>
-          <a:noFill/>
-          <a:ln w="9525">
-            <a:noFill/>
-            <a:headEnd/>
-            <a:tailEnd/>
-          </a:ln>
-        </p:spPr>
-      </p:pic>
+              <a:t>Interest</a:t>
+            </a:r>
+          </a:p>
+        </p:txBody>
+      </p:sp>
+      <p:sp>
+        <p:nvSpPr>
+          <p:cNvPr id="3" name="Content Placeholder 2">
+            <a:extLst>
+              <a:ext uri="{FF2B5EF4-FFF2-40B4-BE49-F238E27FC236}">
+                <a16:creationId xmlns:a16="http://schemas.microsoft.com/office/drawing/2014/main" id="{C0E34547-063B-468C-B841-DB8C0206424E}"/>
+              </a:ext>
+            </a:extLst>
+          </p:cNvPr>
+          <p:cNvSpPr>
+            <a:spLocks noGrp="1"/>
+          </p:cNvSpPr>
+          <p:nvPr>
+            <p:ph idx="1"/>
+          </p:nvPr>
+        </p:nvSpPr>
+        <p:spPr/>
+        <p:txBody>
+          <a:bodyPr/>
+          <a:lstStyle/>
+          <a:p>
+            <a:pPr lvl="1"/>
+            <a:r>
+              <a:rPr/>
+              <a:t>Are Opportunity Youth caring for children?</a:t>
+            </a:r>
+          </a:p>
+          <a:p>
+            <a:pPr lvl="2"/>
+            <a:r>
+              <a:rPr/>
+              <a:t>At least one child</a:t>
+            </a:r>
+          </a:p>
+          <a:p>
+            <a:pPr lvl="2"/>
+            <a:r>
+              <a:rPr/>
+              <a:t>Number of children</a:t>
+            </a:r>
+          </a:p>
+          <a:p>
+            <a:pPr lvl="1"/>
+            <a:r>
+              <a:rPr/>
+              <a:t>What are the household income characteristics of Opportunity Youth?</a:t>
+            </a:r>
+          </a:p>
+          <a:p>
+            <a:pPr lvl="2"/>
+            <a:r>
+              <a:rPr/>
+              <a:t>Household income by household type</a:t>
+            </a:r>
+          </a:p>
+          <a:p>
+            <a:pPr lvl="2"/>
+            <a:r>
+              <a:rPr/>
+              <a:t>Total personal income</a:t>
+            </a:r>
+          </a:p>
+          <a:p>
+            <a:pPr lvl="1"/>
+            <a:r>
+              <a:rPr/>
+              <a:t>Mobility Status</a:t>
+            </a:r>
+          </a:p>
+          <a:p>
+            <a:pPr lvl="2"/>
+            <a:r>
+              <a:rPr/>
+              <a:t>Migration, mode of transportation, and average commute time</a:t>
+            </a:r>
+          </a:p>
+          <a:p>
+            <a:pPr lvl="1"/>
+            <a:r>
+              <a:rPr/>
+              <a:t>Pending</a:t>
+            </a:r>
+          </a:p>
+          <a:p>
+            <a:pPr lvl="2"/>
+            <a:r>
+              <a:rPr/>
+              <a:t>Food Stamps Recipients, Household Types, Number of Workers in Family, Same-Sex Households, Multi-generational Families</a:t>
+            </a:r>
+          </a:p>
+        </p:txBody>
+      </p:sp>
     </p:spTree>
   </p:cSld>
 </p:sld>
@@ -4574,7 +5234,7 @@
           <p:cNvPr id="2" name="Title 1">
             <a:extLst>
               <a:ext uri="{FF2B5EF4-FFF2-40B4-BE49-F238E27FC236}">
-                <a16:creationId xmlns:a16="http://schemas.microsoft.com/office/drawing/2014/main" id="{0D064A50-2A97-421C-813D-6449089693A0}"/>
+                <a16:creationId xmlns:a16="http://schemas.microsoft.com/office/drawing/2014/main" id="{1CAF8530-DA25-40F0-835B-ABF68B3EB818}"/>
               </a:ext>
             </a:extLst>
           </p:cNvPr>
@@ -4585,7 +5245,12 @@
             <p:ph type="title"/>
           </p:nvPr>
         </p:nvSpPr>
-        <p:spPr/>
+        <p:spPr>
+          <a:xfrm>
+            <a:off x="831850" y="1123072"/>
+            <a:ext cx="10515600" cy="2852737"/>
+          </a:xfrm>
+        </p:spPr>
         <p:txBody>
           <a:bodyPr/>
           <a:lstStyle/>
@@ -4595,65 +5260,11 @@
             </a:pPr>
             <a:r>
               <a:rPr/>
-              <a:t>Do</a:t>
-            </a:r>
-            <a:r>
-              <a:rPr/>
-              <a:t> </a:t>
-            </a:r>
-            <a:r>
-              <a:rPr/>
-              <a:t>they</a:t>
-            </a:r>
-            <a:r>
-              <a:rPr/>
-              <a:t> </a:t>
-            </a:r>
-            <a:r>
-              <a:rPr/>
-              <a:t>have</a:t>
-            </a:r>
-            <a:r>
-              <a:rPr/>
-              <a:t> </a:t>
-            </a:r>
-            <a:r>
-              <a:rPr/>
-              <a:t>children?</a:t>
-            </a:r>
-          </a:p>
-        </p:txBody>
-      </p:sp>
-      <p:pic>
-        <p:nvPicPr>
-          <p:cNvPr descr="household_structure_estimates_files/figure-pptx/unnamed-chunk-4-1.png" id="0" name="Picture 1"/>
-          <p:cNvPicPr>
-            <a:picLocks noGrp="1" noChangeAspect="1"/>
-          </p:cNvPicPr>
-          <p:nvPr/>
-        </p:nvPicPr>
-        <p:blipFill>
-          <a:blip r:embed="rId2"/>
-          <a:stretch>
-            <a:fillRect/>
-          </a:stretch>
-        </p:blipFill>
-        <p:spPr bwMode="auto">
-          <a:xfrm>
-            <a:off x="1752600" y="1816100"/>
-            <a:ext cx="8686800" cy="4343400"/>
-          </a:xfrm>
-          <a:prstGeom prst="rect">
-            <a:avLst/>
-          </a:prstGeom>
-          <a:noFill/>
-          <a:ln w="9525">
-            <a:noFill/>
-            <a:headEnd/>
-            <a:tailEnd/>
-          </a:ln>
-        </p:spPr>
-      </p:pic>
+              <a:t>Results</a:t>
+            </a:r>
+          </a:p>
+        </p:txBody>
+      </p:sp>
     </p:spTree>
   </p:cSld>
 </p:sld>
@@ -4702,6 +5313,14 @@
             </a:pPr>
             <a:r>
               <a:rPr/>
+              <a:t>Refresher:</a:t>
+            </a:r>
+            <a:r>
+              <a:rPr/>
+              <a:t> </a:t>
+            </a:r>
+            <a:r>
+              <a:rPr/>
               <a:t>Number</a:t>
             </a:r>
             <a:r>
@@ -4718,14 +5337,22 @@
             </a:r>
             <a:r>
               <a:rPr/>
-              <a:t>Children</a:t>
+              <a:t>Opportunity</a:t>
+            </a:r>
+            <a:r>
+              <a:rPr/>
+              <a:t> </a:t>
+            </a:r>
+            <a:r>
+              <a:rPr/>
+              <a:t>Youth</a:t>
             </a:r>
           </a:p>
         </p:txBody>
       </p:sp>
       <p:pic>
         <p:nvPicPr>
-          <p:cNvPr descr="household_structure_estimates_files/figure-pptx/unnamed-chunk-5-1.png" id="0" name="Picture 1"/>
+          <p:cNvPr descr="household_structure_estimates_files/figure-pptx/unnamed-chunk-3-1.png" id="0" name="Picture 1"/>
           <p:cNvPicPr>
             <a:picLocks noGrp="1" noChangeAspect="1"/>
           </p:cNvPicPr>
@@ -4801,7 +5428,7 @@
             </a:pPr>
             <a:r>
               <a:rPr/>
-              <a:t>Income</a:t>
+              <a:t>Heads</a:t>
             </a:r>
             <a:r>
               <a:rPr/>
@@ -4809,7 +5436,7 @@
             </a:r>
             <a:r>
               <a:rPr/>
-              <a:t>Characteristics:</a:t>
+              <a:t>of</a:t>
             </a:r>
             <a:r>
               <a:rPr/>
@@ -4818,21 +5445,13 @@
             <a:r>
               <a:rPr/>
               <a:t>Household</a:t>
-            </a:r>
-            <a:r>
-              <a:rPr/>
-              <a:t> </a:t>
-            </a:r>
-            <a:r>
-              <a:rPr/>
-              <a:t>Income</a:t>
             </a:r>
           </a:p>
         </p:txBody>
       </p:sp>
       <p:pic>
         <p:nvPicPr>
-          <p:cNvPr descr="household_structure_estimates_files/figure-pptx/unnamed-chunk-6-1.png" id="0" name="Picture 1"/>
+          <p:cNvPr descr="household_structure_estimates_files/figure-pptx/unnamed-chunk-4-1.png" id="0" name="Picture 1"/>
           <p:cNvPicPr>
             <a:picLocks noGrp="1" noChangeAspect="1"/>
           </p:cNvPicPr>
@@ -4908,7 +5527,7 @@
             </a:pPr>
             <a:r>
               <a:rPr/>
-              <a:t>Income</a:t>
+              <a:t>Do</a:t>
             </a:r>
             <a:r>
               <a:rPr/>
@@ -4916,7 +5535,7 @@
             </a:r>
             <a:r>
               <a:rPr/>
-              <a:t>Characteristics:</a:t>
+              <a:t>they</a:t>
             </a:r>
             <a:r>
               <a:rPr/>
@@ -4924,7 +5543,7 @@
             </a:r>
             <a:r>
               <a:rPr/>
-              <a:t>Total</a:t>
+              <a:t>have</a:t>
             </a:r>
             <a:r>
               <a:rPr/>
@@ -4932,22 +5551,14 @@
             </a:r>
             <a:r>
               <a:rPr/>
-              <a:t>Personal</a:t>
-            </a:r>
-            <a:r>
-              <a:rPr/>
-              <a:t> </a:t>
-            </a:r>
-            <a:r>
-              <a:rPr/>
-              <a:t>Income</a:t>
+              <a:t>children?</a:t>
             </a:r>
           </a:p>
         </p:txBody>
       </p:sp>
       <p:pic>
         <p:nvPicPr>
-          <p:cNvPr descr="household_structure_estimates_files/figure-pptx/unnamed-chunk-7-1.png" id="0" name="Picture 1"/>
+          <p:cNvPr descr="household_structure_estimates_files/figure-pptx/unnamed-chunk-5-1.png" id="0" name="Picture 1"/>
           <p:cNvPicPr>
             <a:picLocks noGrp="1" noChangeAspect="1"/>
           </p:cNvPicPr>
@@ -5023,7 +5634,7 @@
             </a:pPr>
             <a:r>
               <a:rPr/>
-              <a:t>Income</a:t>
+              <a:t>Number</a:t>
             </a:r>
             <a:r>
               <a:rPr/>
@@ -5031,7 +5642,7 @@
             </a:r>
             <a:r>
               <a:rPr/>
-              <a:t>Characteristics:</a:t>
+              <a:t>of</a:t>
             </a:r>
             <a:r>
               <a:rPr/>
@@ -5039,27 +5650,41 @@
             </a:r>
             <a:r>
               <a:rPr/>
-              <a:t>Food</a:t>
-            </a:r>
-            <a:r>
-              <a:rPr/>
-              <a:t> </a:t>
-            </a:r>
-            <a:r>
-              <a:rPr/>
-              <a:t>Stamps</a:t>
-            </a:r>
-            <a:r>
-              <a:rPr/>
-              <a:t> </a:t>
-            </a:r>
-            <a:r>
-              <a:rPr/>
-              <a:t>(Pending)</a:t>
-            </a:r>
-          </a:p>
-        </p:txBody>
-      </p:sp>
+              <a:t>Children</a:t>
+            </a:r>
+          </a:p>
+        </p:txBody>
+      </p:sp>
+      <p:pic>
+        <p:nvPicPr>
+          <p:cNvPr descr="household_structure_estimates_files/figure-pptx/unnamed-chunk-6-1.png" id="0" name="Picture 1"/>
+          <p:cNvPicPr>
+            <a:picLocks noGrp="1" noChangeAspect="1"/>
+          </p:cNvPicPr>
+          <p:nvPr/>
+        </p:nvPicPr>
+        <p:blipFill>
+          <a:blip r:embed="rId2"/>
+          <a:stretch>
+            <a:fillRect/>
+          </a:stretch>
+        </p:blipFill>
+        <p:spPr bwMode="auto">
+          <a:xfrm>
+            <a:off x="1752600" y="1816100"/>
+            <a:ext cx="8686800" cy="4343400"/>
+          </a:xfrm>
+          <a:prstGeom prst="rect">
+            <a:avLst/>
+          </a:prstGeom>
+          <a:noFill/>
+          <a:ln w="9525">
+            <a:noFill/>
+            <a:headEnd/>
+            <a:tailEnd/>
+          </a:ln>
+        </p:spPr>
+      </p:pic>
     </p:spTree>
   </p:cSld>
 </p:sld>
@@ -5108,19 +5733,57 @@
             </a:pPr>
             <a:r>
               <a:rPr/>
+              <a:t>Type</a:t>
+            </a:r>
+            <a:r>
+              <a:rPr/>
+              <a:t> </a:t>
+            </a:r>
+            <a:r>
+              <a:rPr/>
+              <a:t>of</a:t>
+            </a:r>
+            <a:r>
+              <a:rPr/>
+              <a:t> </a:t>
+            </a:r>
+            <a:r>
+              <a:rPr/>
               <a:t>Household</a:t>
             </a:r>
-            <a:r>
-              <a:rPr/>
-              <a:t> </a:t>
-            </a:r>
-            <a:r>
-              <a:rPr/>
-              <a:t>Type:(Pending)</a:t>
-            </a:r>
-          </a:p>
-        </p:txBody>
-      </p:sp>
+          </a:p>
+        </p:txBody>
+      </p:sp>
+      <p:pic>
+        <p:nvPicPr>
+          <p:cNvPr descr="household_structure_estimates_files/figure-pptx/unnamed-chunk-7-1.png" id="0" name="Picture 1"/>
+          <p:cNvPicPr>
+            <a:picLocks noGrp="1" noChangeAspect="1"/>
+          </p:cNvPicPr>
+          <p:nvPr/>
+        </p:nvPicPr>
+        <p:blipFill>
+          <a:blip r:embed="rId2"/>
+          <a:stretch>
+            <a:fillRect/>
+          </a:stretch>
+        </p:blipFill>
+        <p:spPr bwMode="auto">
+          <a:xfrm>
+            <a:off x="1752600" y="1816100"/>
+            <a:ext cx="8686800" cy="4343400"/>
+          </a:xfrm>
+          <a:prstGeom prst="rect">
+            <a:avLst/>
+          </a:prstGeom>
+          <a:noFill/>
+          <a:ln w="9525">
+            <a:noFill/>
+            <a:headEnd/>
+            <a:tailEnd/>
+          </a:ln>
+        </p:spPr>
+      </p:pic>
     </p:spTree>
   </p:cSld>
 </p:sld>

--- a/create_powerpoint/household_structure_estimates.pptx
+++ b/create_powerpoint/household_structure_estimates.pptx
@@ -29,6 +29,7 @@
     <p:sldId id="277" r:id="rId23"/>
     <p:sldId id="278" r:id="rId24"/>
     <p:sldId id="279" r:id="rId25"/>
+    <p:sldId id="280" r:id="rId26"/>
   </p:sldIdLst>
   <p:sldSz cx="12192000" cy="6858000"/>
   <p:notesSz cx="6858000" cy="9144000"/>
@@ -3673,7 +3674,7 @@
             </a:pPr>
             <a:r>
               <a:rPr/>
-              <a:t>Income</a:t>
+              <a:t>Type</a:t>
             </a:r>
             <a:r>
               <a:rPr/>
@@ -3681,7 +3682,7 @@
             </a:r>
             <a:r>
               <a:rPr/>
-              <a:t>Characteristics:</a:t>
+              <a:t>of</a:t>
             </a:r>
             <a:r>
               <a:rPr/>
@@ -3690,21 +3691,13 @@
             <a:r>
               <a:rPr/>
               <a:t>Household</a:t>
-            </a:r>
-            <a:r>
-              <a:rPr/>
-              <a:t> </a:t>
-            </a:r>
-            <a:r>
-              <a:rPr/>
-              <a:t>Income</a:t>
             </a:r>
           </a:p>
         </p:txBody>
       </p:sp>
       <p:pic>
         <p:nvPicPr>
-          <p:cNvPr descr="household_structure_estimates_files/figure-pptx/unnamed-chunk-8-1.png" id="0" name="Picture 1"/>
+          <p:cNvPr descr="household_structure_estimates_files/figure-pptx/unnamed-chunk-7-1.png" id="0" name="Picture 1"/>
           <p:cNvPicPr>
             <a:picLocks noGrp="1" noChangeAspect="1"/>
           </p:cNvPicPr>
@@ -3796,7 +3789,7 @@
             </a:r>
             <a:r>
               <a:rPr/>
-              <a:t>Total</a:t>
+              <a:t>Average</a:t>
             </a:r>
             <a:r>
               <a:rPr/>
@@ -3804,7 +3797,7 @@
             </a:r>
             <a:r>
               <a:rPr/>
-              <a:t>Personal</a:t>
+              <a:t>Household</a:t>
             </a:r>
             <a:r>
               <a:rPr/>
@@ -3819,7 +3812,7 @@
       </p:sp>
       <p:pic>
         <p:nvPicPr>
-          <p:cNvPr descr="household_structure_estimates_files/figure-pptx/unnamed-chunk-9-1.png" id="0" name="Picture 1"/>
+          <p:cNvPr descr="household_structure_estimates_files/figure-pptx/unnamed-chunk-8-1.png" id="0" name="Picture 1"/>
           <p:cNvPicPr>
             <a:picLocks noGrp="1" noChangeAspect="1"/>
           </p:cNvPicPr>
@@ -3895,7 +3888,7 @@
             </a:pPr>
             <a:r>
               <a:rPr/>
-              <a:t>Marital</a:t>
+              <a:t>Income</a:t>
             </a:r>
             <a:r>
               <a:rPr/>
@@ -3903,7 +3896,7 @@
             </a:r>
             <a:r>
               <a:rPr/>
-              <a:t>Status</a:t>
+              <a:t>Characteristics:</a:t>
             </a:r>
             <a:r>
               <a:rPr/>
@@ -3911,7 +3904,7 @@
             </a:r>
             <a:r>
               <a:rPr/>
-              <a:t>/</a:t>
+              <a:t>Total</a:t>
             </a:r>
             <a:r>
               <a:rPr/>
@@ -3919,14 +3912,30 @@
             </a:r>
             <a:r>
               <a:rPr/>
-              <a:t>Partnered</a:t>
+              <a:t>Average</a:t>
+            </a:r>
+            <a:r>
+              <a:rPr/>
+              <a:t> </a:t>
+            </a:r>
+            <a:r>
+              <a:rPr/>
+              <a:t>Personal</a:t>
+            </a:r>
+            <a:r>
+              <a:rPr/>
+              <a:t> </a:t>
+            </a:r>
+            <a:r>
+              <a:rPr/>
+              <a:t>Income</a:t>
             </a:r>
           </a:p>
         </p:txBody>
       </p:sp>
       <p:pic>
         <p:nvPicPr>
-          <p:cNvPr descr="household_structure_estimates_files/figure-pptx/unnamed-chunk-11-1.png" id="0" name="Picture 1"/>
+          <p:cNvPr descr="household_structure_estimates_files/figure-pptx/unnamed-chunk-9-1.png" id="0" name="Picture 1"/>
           <p:cNvPicPr>
             <a:picLocks noGrp="1" noChangeAspect="1"/>
           </p:cNvPicPr>
@@ -4002,14 +4011,22 @@
             </a:pPr>
             <a:r>
               <a:rPr/>
-              <a:t>Partnered</a:t>
+              <a:t>Marital</a:t>
+            </a:r>
+            <a:r>
+              <a:rPr/>
+              <a:t> </a:t>
+            </a:r>
+            <a:r>
+              <a:rPr/>
+              <a:t>Status</a:t>
             </a:r>
           </a:p>
         </p:txBody>
       </p:sp>
       <p:pic>
         <p:nvPicPr>
-          <p:cNvPr descr="household_structure_estimates_files/figure-pptx/unnamed-chunk-12-1.png" id="0" name="Picture 1"/>
+          <p:cNvPr descr="household_structure_estimates_files/figure-pptx/unnamed-chunk-11-1.png" id="0" name="Picture 1"/>
           <p:cNvPicPr>
             <a:picLocks noGrp="1" noChangeAspect="1"/>
           </p:cNvPicPr>
@@ -4085,22 +4102,14 @@
             </a:pPr>
             <a:r>
               <a:rPr/>
-              <a:t>Mobility:</a:t>
-            </a:r>
-            <a:r>
-              <a:rPr/>
-              <a:t> </a:t>
-            </a:r>
-            <a:r>
-              <a:rPr/>
-              <a:t>Migration</a:t>
+              <a:t>Partnered</a:t>
             </a:r>
           </a:p>
         </p:txBody>
       </p:sp>
       <p:pic>
         <p:nvPicPr>
-          <p:cNvPr descr="household_structure_estimates_files/figure-pptx/unnamed-chunk-13-1.png" id="0" name="Picture 1"/>
+          <p:cNvPr descr="household_structure_estimates_files/figure-pptx/unnamed-chunk-12-1.png" id="0" name="Picture 1"/>
           <p:cNvPicPr>
             <a:picLocks noGrp="1" noChangeAspect="1"/>
           </p:cNvPicPr>
@@ -4184,30 +4193,14 @@
             </a:r>
             <a:r>
               <a:rPr/>
-              <a:t>Mode</a:t>
-            </a:r>
-            <a:r>
-              <a:rPr/>
-              <a:t> </a:t>
-            </a:r>
-            <a:r>
-              <a:rPr/>
-              <a:t>of</a:t>
-            </a:r>
-            <a:r>
-              <a:rPr/>
-              <a:t> </a:t>
-            </a:r>
-            <a:r>
-              <a:rPr/>
-              <a:t>Transportation</a:t>
+              <a:t>Migration</a:t>
             </a:r>
           </a:p>
         </p:txBody>
       </p:sp>
       <p:pic>
         <p:nvPicPr>
-          <p:cNvPr descr="household_structure_estimates_files/figure-pptx/unnamed-chunk-14-1.png" id="0" name="Picture 1"/>
+          <p:cNvPr descr="household_structure_estimates_files/figure-pptx/unnamed-chunk-13-1.png" id="0" name="Picture 1"/>
           <p:cNvPicPr>
             <a:picLocks noGrp="1" noChangeAspect="1"/>
           </p:cNvPicPr>
@@ -4283,7 +4276,7 @@
             </a:pPr>
             <a:r>
               <a:rPr/>
-              <a:t>Migration:</a:t>
+              <a:t>Mobility:</a:t>
             </a:r>
             <a:r>
               <a:rPr/>
@@ -4291,7 +4284,7 @@
             </a:r>
             <a:r>
               <a:rPr/>
-              <a:t>Average</a:t>
+              <a:t>Mode</a:t>
             </a:r>
             <a:r>
               <a:rPr/>
@@ -4299,7 +4292,7 @@
             </a:r>
             <a:r>
               <a:rPr/>
-              <a:t>Commute</a:t>
+              <a:t>of</a:t>
             </a:r>
             <a:r>
               <a:rPr/>
@@ -4307,14 +4300,38 @@
             </a:r>
             <a:r>
               <a:rPr/>
-              <a:t>Time</a:t>
+              <a:t>Transportation</a:t>
+            </a:r>
+            <a:r>
+              <a:rPr/>
+              <a:t> </a:t>
+            </a:r>
+            <a:r>
+              <a:rPr/>
+              <a:t>for</a:t>
+            </a:r>
+            <a:r>
+              <a:rPr/>
+              <a:t> </a:t>
+            </a:r>
+            <a:r>
+              <a:rPr/>
+              <a:t>Connected</a:t>
+            </a:r>
+            <a:r>
+              <a:rPr/>
+              <a:t> </a:t>
+            </a:r>
+            <a:r>
+              <a:rPr/>
+              <a:t>Youth</a:t>
             </a:r>
           </a:p>
         </p:txBody>
       </p:sp>
       <p:pic>
         <p:nvPicPr>
-          <p:cNvPr descr="household_structure_estimates_files/figure-pptx/unnamed-chunk-15-1.png" id="0" name="Picture 1"/>
+          <p:cNvPr descr="household_structure_estimates_files/figure-pptx/unnamed-chunk-14-1.png" id="0" name="Picture 1"/>
           <p:cNvPicPr>
             <a:picLocks noGrp="1" noChangeAspect="1"/>
           </p:cNvPicPr>
@@ -4369,7 +4386,7 @@
           <p:cNvPr id="2" name="Title 1">
             <a:extLst>
               <a:ext uri="{FF2B5EF4-FFF2-40B4-BE49-F238E27FC236}">
-                <a16:creationId xmlns:a16="http://schemas.microsoft.com/office/drawing/2014/main" id="{1CAF8530-DA25-40F0-835B-ABF68B3EB818}"/>
+                <a16:creationId xmlns:a16="http://schemas.microsoft.com/office/drawing/2014/main" id="{0D064A50-2A97-421C-813D-6449089693A0}"/>
               </a:ext>
             </a:extLst>
           </p:cNvPr>
@@ -4380,34 +4397,99 @@
             <p:ph type="title"/>
           </p:nvPr>
         </p:nvSpPr>
-        <p:spPr>
+        <p:spPr/>
+        <p:txBody>
+          <a:bodyPr/>
+          <a:lstStyle/>
+          <a:p>
+            <a:pPr lvl="0" marL="0" indent="0">
+              <a:buNone/>
+            </a:pPr>
+            <a:r>
+              <a:rPr/>
+              <a:t>Migration:</a:t>
+            </a:r>
+            <a:r>
+              <a:rPr/>
+              <a:t> </a:t>
+            </a:r>
+            <a:r>
+              <a:rPr/>
+              <a:t>Average</a:t>
+            </a:r>
+            <a:r>
+              <a:rPr/>
+              <a:t> </a:t>
+            </a:r>
+            <a:r>
+              <a:rPr/>
+              <a:t>Commute</a:t>
+            </a:r>
+            <a:r>
+              <a:rPr/>
+              <a:t> </a:t>
+            </a:r>
+            <a:r>
+              <a:rPr/>
+              <a:t>Time</a:t>
+            </a:r>
+            <a:r>
+              <a:rPr/>
+              <a:t> </a:t>
+            </a:r>
+            <a:r>
+              <a:rPr/>
+              <a:t>for</a:t>
+            </a:r>
+            <a:r>
+              <a:rPr/>
+              <a:t> </a:t>
+            </a:r>
+            <a:r>
+              <a:rPr/>
+              <a:t>Connected</a:t>
+            </a:r>
+            <a:r>
+              <a:rPr/>
+              <a:t> </a:t>
+            </a:r>
+            <a:r>
+              <a:rPr/>
+              <a:t>Youth</a:t>
+            </a:r>
+          </a:p>
+        </p:txBody>
+      </p:sp>
+      <p:pic>
+        <p:nvPicPr>
+          <p:cNvPr descr="household_structure_estimates_files/figure-pptx/unnamed-chunk-15-1.png" id="0" name="Picture 1"/>
+          <p:cNvPicPr>
+            <a:picLocks noGrp="1" noChangeAspect="1"/>
+          </p:cNvPicPr>
+          <p:nvPr/>
+        </p:nvPicPr>
+        <p:blipFill>
+          <a:blip r:embed="rId2"/>
+          <a:stretch>
+            <a:fillRect/>
+          </a:stretch>
+        </p:blipFill>
+        <p:spPr bwMode="auto">
           <a:xfrm>
-            <a:off x="831850" y="1123072"/>
-            <a:ext cx="10515600" cy="2852737"/>
+            <a:off x="1752600" y="1816100"/>
+            <a:ext cx="8686800" cy="4343400"/>
           </a:xfrm>
+          <a:prstGeom prst="rect">
+            <a:avLst/>
+          </a:prstGeom>
+          <a:noFill/>
+          <a:ln w="9525">
+            <a:noFill/>
+            <a:headEnd/>
+            <a:tailEnd/>
+          </a:ln>
         </p:spPr>
-        <p:txBody>
-          <a:bodyPr/>
-          <a:lstStyle/>
-          <a:p>
-            <a:pPr lvl="0" marL="0" indent="0">
-              <a:buNone/>
-            </a:pPr>
-            <a:r>
-              <a:rPr/>
-              <a:t>Pending</a:t>
-            </a:r>
-            <a:r>
-              <a:rPr/>
-              <a:t> </a:t>
-            </a:r>
-            <a:r>
-              <a:rPr/>
-              <a:t>Analyses</a:t>
-            </a:r>
-          </a:p>
-        </p:txBody>
-      </p:sp>
+      </p:pic>
     </p:spTree>
   </p:cSld>
 </p:sld>
@@ -4435,7 +4517,7 @@
           <p:cNvPr id="2" name="Title 1">
             <a:extLst>
               <a:ext uri="{FF2B5EF4-FFF2-40B4-BE49-F238E27FC236}">
-                <a16:creationId xmlns:a16="http://schemas.microsoft.com/office/drawing/2014/main" id="{0D064A50-2A97-421C-813D-6449089693A0}"/>
+                <a16:creationId xmlns:a16="http://schemas.microsoft.com/office/drawing/2014/main" id="{1CAF8530-DA25-40F0-835B-ABF68B3EB818}"/>
               </a:ext>
             </a:extLst>
           </p:cNvPr>
@@ -4446,7 +4528,12 @@
             <p:ph type="title"/>
           </p:nvPr>
         </p:nvSpPr>
-        <p:spPr/>
+        <p:spPr>
+          <a:xfrm>
+            <a:off x="831850" y="1123072"/>
+            <a:ext cx="10515600" cy="2852737"/>
+          </a:xfrm>
+        </p:spPr>
         <p:txBody>
           <a:bodyPr/>
           <a:lstStyle/>
@@ -4456,7 +4543,7 @@
             </a:pPr>
             <a:r>
               <a:rPr/>
-              <a:t>Income</a:t>
+              <a:t>Pending</a:t>
             </a:r>
             <a:r>
               <a:rPr/>
@@ -4464,31 +4551,7 @@
             </a:r>
             <a:r>
               <a:rPr/>
-              <a:t>Characteristics:</a:t>
-            </a:r>
-            <a:r>
-              <a:rPr/>
-              <a:t> </a:t>
-            </a:r>
-            <a:r>
-              <a:rPr/>
-              <a:t>Food</a:t>
-            </a:r>
-            <a:r>
-              <a:rPr/>
-              <a:t> </a:t>
-            </a:r>
-            <a:r>
-              <a:rPr/>
-              <a:t>Stamps</a:t>
-            </a:r>
-            <a:r>
-              <a:rPr/>
-              <a:t> </a:t>
-            </a:r>
-            <a:r>
-              <a:rPr/>
-              <a:t>(Pending)</a:t>
+              <a:t>Analyses</a:t>
             </a:r>
           </a:p>
         </p:txBody>
@@ -4541,7 +4604,7 @@
             </a:pPr>
             <a:r>
               <a:rPr/>
-              <a:t>Household</a:t>
+              <a:t>Income</a:t>
             </a:r>
             <a:r>
               <a:rPr/>
@@ -4549,7 +4612,31 @@
             </a:r>
             <a:r>
               <a:rPr/>
-              <a:t>Type:(Pending)</a:t>
+              <a:t>Characteristics:</a:t>
+            </a:r>
+            <a:r>
+              <a:rPr/>
+              <a:t> </a:t>
+            </a:r>
+            <a:r>
+              <a:rPr/>
+              <a:t>Food</a:t>
+            </a:r>
+            <a:r>
+              <a:rPr/>
+              <a:t> </a:t>
+            </a:r>
+            <a:r>
+              <a:rPr/>
+              <a:t>Stamps</a:t>
+            </a:r>
+            <a:r>
+              <a:rPr/>
+              <a:t> </a:t>
+            </a:r>
+            <a:r>
+              <a:rPr/>
+              <a:t>(Pending)</a:t>
             </a:r>
           </a:p>
         </p:txBody>
@@ -4739,39 +4826,7 @@
             </a:r>
             <a:r>
               <a:rPr/>
-              <a:t>Characteristics:</a:t>
-            </a:r>
-            <a:r>
-              <a:rPr/>
-              <a:t> </a:t>
-            </a:r>
-            <a:r>
-              <a:rPr/>
-              <a:t>Workers</a:t>
-            </a:r>
-            <a:r>
-              <a:rPr/>
-              <a:t> </a:t>
-            </a:r>
-            <a:r>
-              <a:rPr/>
-              <a:t>in</a:t>
-            </a:r>
-            <a:r>
-              <a:rPr/>
-              <a:t> </a:t>
-            </a:r>
-            <a:r>
-              <a:rPr/>
-              <a:t>Family</a:t>
-            </a:r>
-            <a:r>
-              <a:rPr/>
-              <a:t> </a:t>
-            </a:r>
-            <a:r>
-              <a:rPr/>
-              <a:t>(Pending)</a:t>
+              <a:t>Type:(Pending)</a:t>
             </a:r>
           </a:p>
         </p:txBody>
@@ -4824,7 +4879,7 @@
             </a:pPr>
             <a:r>
               <a:rPr/>
-              <a:t>Same-sex</a:t>
+              <a:t>Household</a:t>
             </a:r>
             <a:r>
               <a:rPr/>
@@ -4832,7 +4887,31 @@
             </a:r>
             <a:r>
               <a:rPr/>
-              <a:t>households</a:t>
+              <a:t>Characteristics:</a:t>
+            </a:r>
+            <a:r>
+              <a:rPr/>
+              <a:t> </a:t>
+            </a:r>
+            <a:r>
+              <a:rPr/>
+              <a:t>Workers</a:t>
+            </a:r>
+            <a:r>
+              <a:rPr/>
+              <a:t> </a:t>
+            </a:r>
+            <a:r>
+              <a:rPr/>
+              <a:t>in</a:t>
+            </a:r>
+            <a:r>
+              <a:rPr/>
+              <a:t> </a:t>
+            </a:r>
+            <a:r>
+              <a:rPr/>
+              <a:t>Family</a:t>
             </a:r>
             <a:r>
               <a:rPr/>
@@ -4893,7 +4972,7 @@
             </a:pPr>
             <a:r>
               <a:rPr/>
-              <a:t>Multi-generational</a:t>
+              <a:t>Same-sex</a:t>
             </a:r>
             <a:r>
               <a:rPr/>
@@ -4901,7 +4980,7 @@
             </a:r>
             <a:r>
               <a:rPr/>
-              <a:t>Families</a:t>
+              <a:t>households</a:t>
             </a:r>
             <a:r>
               <a:rPr/>
@@ -4941,7 +5020,7 @@
           <p:cNvPr id="2" name="Title 1">
             <a:extLst>
               <a:ext uri="{FF2B5EF4-FFF2-40B4-BE49-F238E27FC236}">
-                <a16:creationId xmlns:a16="http://schemas.microsoft.com/office/drawing/2014/main" id="{1CAF8530-DA25-40F0-835B-ABF68B3EB818}"/>
+                <a16:creationId xmlns:a16="http://schemas.microsoft.com/office/drawing/2014/main" id="{0D064A50-2A97-421C-813D-6449089693A0}"/>
               </a:ext>
             </a:extLst>
           </p:cNvPr>
@@ -4952,12 +5031,7 @@
             <p:ph type="title"/>
           </p:nvPr>
         </p:nvSpPr>
-        <p:spPr>
-          <a:xfrm>
-            <a:off x="831850" y="1123072"/>
-            <a:ext cx="10515600" cy="2852737"/>
-          </a:xfrm>
-        </p:spPr>
+        <p:spPr/>
         <p:txBody>
           <a:bodyPr/>
           <a:lstStyle/>
@@ -4967,7 +5041,23 @@
             </a:pPr>
             <a:r>
               <a:rPr/>
-              <a:t>Questions?</a:t>
+              <a:t>Multi-generational</a:t>
+            </a:r>
+            <a:r>
+              <a:rPr/>
+              <a:t> </a:t>
+            </a:r>
+            <a:r>
+              <a:rPr/>
+              <a:t>Families</a:t>
+            </a:r>
+            <a:r>
+              <a:rPr/>
+              <a:t> </a:t>
+            </a:r>
+            <a:r>
+              <a:rPr/>
+              <a:t>(Pending)</a:t>
             </a:r>
           </a:p>
         </p:txBody>
@@ -5025,6 +5115,64 @@
             </a:pPr>
             <a:r>
               <a:rPr/>
+              <a:t>Questions?</a:t>
+            </a:r>
+          </a:p>
+        </p:txBody>
+      </p:sp>
+    </p:spTree>
+  </p:cSld>
+</p:sld>
+</file>
+
+<file path=ppt/slides/slide25.xml><?xml version="1.0" encoding="utf-8"?>
+<p:sld xmlns:a="http://schemas.openxmlformats.org/drawingml/2006/main" xmlns:r="http://schemas.openxmlformats.org/officeDocument/2006/relationships" xmlns:p="http://schemas.openxmlformats.org/presentationml/2006/main">
+  <p:cSld>
+    <p:spTree>
+      <p:nvGrpSpPr>
+        <p:cNvPr id="1" name=""/>
+        <p:cNvGrpSpPr/>
+        <p:nvPr/>
+      </p:nvGrpSpPr>
+      <p:grpSpPr>
+        <a:xfrm>
+          <a:off x="0" y="0"/>
+          <a:ext cx="0" cy="0"/>
+          <a:chOff x="0" y="0"/>
+          <a:chExt cx="0" cy="0"/>
+        </a:xfrm>
+      </p:grpSpPr>
+      <p:sp>
+        <p:nvSpPr>
+          <p:cNvPr id="2" name="Title 1">
+            <a:extLst>
+              <a:ext uri="{FF2B5EF4-FFF2-40B4-BE49-F238E27FC236}">
+                <a16:creationId xmlns:a16="http://schemas.microsoft.com/office/drawing/2014/main" id="{1CAF8530-DA25-40F0-835B-ABF68B3EB818}"/>
+              </a:ext>
+            </a:extLst>
+          </p:cNvPr>
+          <p:cNvSpPr>
+            <a:spLocks noGrp="1"/>
+          </p:cNvSpPr>
+          <p:nvPr>
+            <p:ph type="title"/>
+          </p:nvPr>
+        </p:nvSpPr>
+        <p:spPr>
+          <a:xfrm>
+            <a:off x="831850" y="1123072"/>
+            <a:ext cx="10515600" cy="2852737"/>
+          </a:xfrm>
+        </p:spPr>
+        <p:txBody>
+          <a:bodyPr/>
+          <a:lstStyle/>
+          <a:p>
+            <a:pPr lvl="0" marL="0" indent="0">
+              <a:buNone/>
+            </a:pPr>
+            <a:r>
+              <a:rPr/>
               <a:t>Thank</a:t>
             </a:r>
             <a:r>
@@ -5181,7 +5329,7 @@
             <a:pPr lvl="1"/>
             <a:r>
               <a:rPr/>
-              <a:t>Mobility Status</a:t>
+              <a:t>What are the mobility characteristics of Opportunity Youth?</a:t>
             </a:r>
           </a:p>
           <a:p>
@@ -5260,7 +5408,7 @@
             </a:pPr>
             <a:r>
               <a:rPr/>
-              <a:t>Results</a:t>
+              <a:t>Refresher</a:t>
             </a:r>
           </a:p>
         </p:txBody>
@@ -5311,14 +5459,6 @@
             <a:pPr lvl="0" marL="0" indent="0">
               <a:buNone/>
             </a:pPr>
-            <a:r>
-              <a:rPr/>
-              <a:t>Refresher:</a:t>
-            </a:r>
-            <a:r>
-              <a:rPr/>
-              <a:t> </a:t>
-            </a:r>
             <a:r>
               <a:rPr/>
               <a:t>Number</a:t>
@@ -5428,57 +5568,117 @@
             </a:pPr>
             <a:r>
               <a:rPr/>
-              <a:t>Heads</a:t>
-            </a:r>
-            <a:r>
-              <a:rPr/>
-              <a:t> </a:t>
-            </a:r>
-            <a:r>
-              <a:rPr/>
-              <a:t>of</a:t>
-            </a:r>
-            <a:r>
-              <a:rPr/>
-              <a:t> </a:t>
-            </a:r>
-            <a:r>
-              <a:rPr/>
-              <a:t>Household</a:t>
-            </a:r>
-          </a:p>
-        </p:txBody>
-      </p:sp>
-      <p:pic>
-        <p:nvPicPr>
-          <p:cNvPr descr="household_structure_estimates_files/figure-pptx/unnamed-chunk-4-1.png" id="0" name="Picture 1"/>
-          <p:cNvPicPr>
-            <a:picLocks noGrp="1" noChangeAspect="1"/>
-          </p:cNvPicPr>
-          <p:nvPr/>
-        </p:nvPicPr>
-        <p:blipFill>
-          <a:blip r:embed="rId2"/>
-          <a:stretch>
-            <a:fillRect/>
-          </a:stretch>
-        </p:blipFill>
-        <p:spPr bwMode="auto">
-          <a:xfrm>
-            <a:off x="1752600" y="1816100"/>
-            <a:ext cx="8686800" cy="4343400"/>
-          </a:xfrm>
-          <a:prstGeom prst="rect">
-            <a:avLst/>
-          </a:prstGeom>
-          <a:noFill/>
-          <a:ln w="9525">
-            <a:noFill/>
-            <a:headEnd/>
-            <a:tailEnd/>
-          </a:ln>
-        </p:spPr>
-      </p:pic>
+              <a:t>Definitions</a:t>
+            </a:r>
+          </a:p>
+        </p:txBody>
+      </p:sp>
+      <p:sp>
+        <p:nvSpPr>
+          <p:cNvPr id="3" name="Content Placeholder 2">
+            <a:extLst>
+              <a:ext uri="{FF2B5EF4-FFF2-40B4-BE49-F238E27FC236}">
+                <a16:creationId xmlns:a16="http://schemas.microsoft.com/office/drawing/2014/main" id="{C0E34547-063B-468C-B841-DB8C0206424E}"/>
+              </a:ext>
+            </a:extLst>
+          </p:cNvPr>
+          <p:cNvSpPr>
+            <a:spLocks noGrp="1"/>
+          </p:cNvSpPr>
+          <p:nvPr>
+            <p:ph idx="1"/>
+          </p:nvPr>
+        </p:nvSpPr>
+        <p:spPr/>
+        <p:txBody>
+          <a:bodyPr/>
+          <a:lstStyle/>
+          <a:p>
+            <a:pPr lvl="0" marL="0" indent="0">
+              <a:buNone/>
+            </a:pPr>
+            <a:r>
+              <a:rPr b="1"/>
+              <a:t>Person-Level:</a:t>
+            </a:r>
+          </a:p>
+          <a:p>
+            <a:pPr lvl="0" marL="0" indent="0">
+              <a:buNone/>
+            </a:pPr>
+            <a:r>
+              <a:rPr/>
+              <a:t>-</a:t>
+            </a:r>
+            <a:r>
+              <a:rPr i="1"/>
+              <a:t>Opportunity Youth:</a:t>
+            </a:r>
+            <a:r>
+              <a:rPr/>
+              <a:t> Individuals that are 16 to 24 years old who are simultaneously unemployed/ not in the labor force and not enrolled in school (disconnection) - </a:t>
+            </a:r>
+            <a:r>
+              <a:rPr i="1"/>
+              <a:t>Connected Youth:</a:t>
+            </a:r>
+            <a:r>
+              <a:rPr/>
+              <a:t> Individuals that are 16 to 24 years old who are either employed, enrolled in school, or both. - </a:t>
+            </a:r>
+            <a:r>
+              <a:rPr i="1"/>
+              <a:t>Everyone Else:</a:t>
+            </a:r>
+            <a:r>
+              <a:rPr/>
+              <a:t> Individuals outside of this age category who may be enrolled in school or employed</a:t>
+            </a:r>
+          </a:p>
+          <a:p>
+            <a:pPr lvl="0" marL="0" indent="0">
+              <a:buNone/>
+            </a:pPr>
+            <a:r>
+              <a:rPr b="1"/>
+              <a:t>Household-level:</a:t>
+            </a:r>
+          </a:p>
+          <a:p>
+            <a:pPr lvl="1"/>
+            <a:r>
+              <a:rPr i="1"/>
+              <a:t>OY Household:</a:t>
+            </a:r>
+            <a:r>
+              <a:rPr/>
+              <a:t> There is at least one ‘Opportunity Youth’ in the household but no ‘Connected Youth’ in the household. There may be ‘Everyone Else’ in the household.</a:t>
+            </a:r>
+          </a:p>
+          <a:p>
+            <a:pPr lvl="1"/>
+            <a:r>
+              <a:rPr i="1"/>
+              <a:t>OY &amp; CY Household:</a:t>
+            </a:r>
+            <a:r>
+              <a:rPr/>
+              <a:t> There are both ‘Opportunity Youth’ and ‘Connected Youth’ in the household and possibly ‘Everyone Else’.</a:t>
+            </a:r>
+          </a:p>
+          <a:p>
+            <a:pPr lvl="1"/>
+            <a:r>
+              <a:rPr i="1"/>
+              <a:t>CY Only Household:</a:t>
+            </a:r>
+            <a:r>
+              <a:rPr/>
+              <a:t> There are only ‘Connected Youth’ and no ‘Opportunity Youth’ or ‘Everyone Else’ in the household.</a:t>
+            </a:r>
+          </a:p>
+        </p:txBody>
+      </p:sp>
     </p:spTree>
   </p:cSld>
 </p:sld>
@@ -5527,7 +5727,7 @@
             </a:pPr>
             <a:r>
               <a:rPr/>
-              <a:t>Do</a:t>
+              <a:t>Person</a:t>
             </a:r>
             <a:r>
               <a:rPr/>
@@ -5535,7 +5735,7 @@
             </a:r>
             <a:r>
               <a:rPr/>
-              <a:t>they</a:t>
+              <a:t>of</a:t>
             </a:r>
             <a:r>
               <a:rPr/>
@@ -5543,22 +5743,14 @@
             </a:r>
             <a:r>
               <a:rPr/>
-              <a:t>have</a:t>
-            </a:r>
-            <a:r>
-              <a:rPr/>
-              <a:t> </a:t>
-            </a:r>
-            <a:r>
-              <a:rPr/>
-              <a:t>children?</a:t>
+              <a:t>Reference</a:t>
             </a:r>
           </a:p>
         </p:txBody>
       </p:sp>
       <p:pic>
         <p:nvPicPr>
-          <p:cNvPr descr="household_structure_estimates_files/figure-pptx/unnamed-chunk-5-1.png" id="0" name="Picture 1"/>
+          <p:cNvPr descr="household_structure_estimates_files/figure-pptx/unnamed-chunk-4-1.png" id="0" name="Picture 1"/>
           <p:cNvPicPr>
             <a:picLocks noGrp="1" noChangeAspect="1"/>
           </p:cNvPicPr>
@@ -5634,7 +5826,7 @@
             </a:pPr>
             <a:r>
               <a:rPr/>
-              <a:t>Number</a:t>
+              <a:t>Do</a:t>
             </a:r>
             <a:r>
               <a:rPr/>
@@ -5642,7 +5834,7 @@
             </a:r>
             <a:r>
               <a:rPr/>
-              <a:t>of</a:t>
+              <a:t>they</a:t>
             </a:r>
             <a:r>
               <a:rPr/>
@@ -5650,14 +5842,22 @@
             </a:r>
             <a:r>
               <a:rPr/>
-              <a:t>Children</a:t>
+              <a:t>have</a:t>
+            </a:r>
+            <a:r>
+              <a:rPr/>
+              <a:t> </a:t>
+            </a:r>
+            <a:r>
+              <a:rPr/>
+              <a:t>children?</a:t>
             </a:r>
           </a:p>
         </p:txBody>
       </p:sp>
       <p:pic>
         <p:nvPicPr>
-          <p:cNvPr descr="household_structure_estimates_files/figure-pptx/unnamed-chunk-6-1.png" id="0" name="Picture 1"/>
+          <p:cNvPr descr="household_structure_estimates_files/figure-pptx/unnamed-chunk-5-1.png" id="0" name="Picture 1"/>
           <p:cNvPicPr>
             <a:picLocks noGrp="1" noChangeAspect="1"/>
           </p:cNvPicPr>
@@ -5671,8 +5871,8 @@
         </p:blipFill>
         <p:spPr bwMode="auto">
           <a:xfrm>
-            <a:off x="1752600" y="1816100"/>
-            <a:ext cx="8686800" cy="4343400"/>
+            <a:off x="3200400" y="1816100"/>
+            <a:ext cx="5791200" cy="4343400"/>
           </a:xfrm>
           <a:prstGeom prst="rect">
             <a:avLst/>
@@ -5733,7 +5933,7 @@
             </a:pPr>
             <a:r>
               <a:rPr/>
-              <a:t>Type</a:t>
+              <a:t>Number</a:t>
             </a:r>
             <a:r>
               <a:rPr/>
@@ -5749,14 +5949,14 @@
             </a:r>
             <a:r>
               <a:rPr/>
-              <a:t>Household</a:t>
+              <a:t>Children</a:t>
             </a:r>
           </a:p>
         </p:txBody>
       </p:sp>
       <p:pic>
         <p:nvPicPr>
-          <p:cNvPr descr="household_structure_estimates_files/figure-pptx/unnamed-chunk-7-1.png" id="0" name="Picture 1"/>
+          <p:cNvPr descr="household_structure_estimates_files/figure-pptx/unnamed-chunk-6-1.png" id="0" name="Picture 1"/>
           <p:cNvPicPr>
             <a:picLocks noGrp="1" noChangeAspect="1"/>
           </p:cNvPicPr>

--- a/create_powerpoint/household_structure_estimates.pptx
+++ b/create_powerpoint/household_structure_estimates.pptx
@@ -30,6 +30,8 @@
     <p:sldId id="278" r:id="rId24"/>
     <p:sldId id="279" r:id="rId25"/>
     <p:sldId id="280" r:id="rId26"/>
+    <p:sldId id="281" r:id="rId27"/>
+    <p:sldId id="282" r:id="rId28"/>
   </p:sldIdLst>
   <p:sldSz cx="12192000" cy="6858000"/>
   <p:notesSz cx="6858000" cy="9144000"/>
@@ -3674,7 +3676,7 @@
             </a:pPr>
             <a:r>
               <a:rPr/>
-              <a:t>Type</a:t>
+              <a:t>Do</a:t>
             </a:r>
             <a:r>
               <a:rPr/>
@@ -3682,7 +3684,7 @@
             </a:r>
             <a:r>
               <a:rPr/>
-              <a:t>of</a:t>
+              <a:t>they</a:t>
             </a:r>
             <a:r>
               <a:rPr/>
@@ -3690,14 +3692,22 @@
             </a:r>
             <a:r>
               <a:rPr/>
-              <a:t>Household</a:t>
+              <a:t>have</a:t>
+            </a:r>
+            <a:r>
+              <a:rPr/>
+              <a:t> </a:t>
+            </a:r>
+            <a:r>
+              <a:rPr/>
+              <a:t>children?</a:t>
             </a:r>
           </a:p>
         </p:txBody>
       </p:sp>
       <p:pic>
         <p:nvPicPr>
-          <p:cNvPr descr="household_structure_estimates_files/figure-pptx/unnamed-chunk-7-1.png" id="0" name="Picture 1"/>
+          <p:cNvPr descr="household_structure_estimates_files/figure-pptx/unnamed-chunk-6-1.png" id="0" name="Picture 1"/>
           <p:cNvPicPr>
             <a:picLocks noGrp="1" noChangeAspect="1"/>
           </p:cNvPicPr>
@@ -3711,8 +3721,8 @@
         </p:blipFill>
         <p:spPr bwMode="auto">
           <a:xfrm>
-            <a:off x="1752600" y="1816100"/>
-            <a:ext cx="8686800" cy="4343400"/>
+            <a:off x="3200400" y="1816100"/>
+            <a:ext cx="5791200" cy="4343400"/>
           </a:xfrm>
           <a:prstGeom prst="rect">
             <a:avLst/>
@@ -3773,7 +3783,7 @@
             </a:pPr>
             <a:r>
               <a:rPr/>
-              <a:t>Income</a:t>
+              <a:t>Number</a:t>
             </a:r>
             <a:r>
               <a:rPr/>
@@ -3781,7 +3791,7 @@
             </a:r>
             <a:r>
               <a:rPr/>
-              <a:t>Characteristics:</a:t>
+              <a:t>of</a:t>
             </a:r>
             <a:r>
               <a:rPr/>
@@ -3789,30 +3799,14 @@
             </a:r>
             <a:r>
               <a:rPr/>
-              <a:t>Average</a:t>
-            </a:r>
-            <a:r>
-              <a:rPr/>
-              <a:t> </a:t>
-            </a:r>
-            <a:r>
-              <a:rPr/>
-              <a:t>Household</a:t>
-            </a:r>
-            <a:r>
-              <a:rPr/>
-              <a:t> </a:t>
-            </a:r>
-            <a:r>
-              <a:rPr/>
-              <a:t>Income</a:t>
+              <a:t>Children</a:t>
             </a:r>
           </a:p>
         </p:txBody>
       </p:sp>
       <p:pic>
         <p:nvPicPr>
-          <p:cNvPr descr="household_structure_estimates_files/figure-pptx/unnamed-chunk-8-1.png" id="0" name="Picture 1"/>
+          <p:cNvPr descr="household_structure_estimates_files/figure-pptx/unnamed-chunk-7-1.png" id="0" name="Picture 1"/>
           <p:cNvPicPr>
             <a:picLocks noGrp="1" noChangeAspect="1"/>
           </p:cNvPicPr>
@@ -3888,7 +3882,7 @@
             </a:pPr>
             <a:r>
               <a:rPr/>
-              <a:t>Income</a:t>
+              <a:t>Type</a:t>
             </a:r>
             <a:r>
               <a:rPr/>
@@ -3896,7 +3890,7 @@
             </a:r>
             <a:r>
               <a:rPr/>
-              <a:t>Characteristics:</a:t>
+              <a:t>of</a:t>
             </a:r>
             <a:r>
               <a:rPr/>
@@ -3904,38 +3898,14 @@
             </a:r>
             <a:r>
               <a:rPr/>
-              <a:t>Total</a:t>
-            </a:r>
-            <a:r>
-              <a:rPr/>
-              <a:t> </a:t>
-            </a:r>
-            <a:r>
-              <a:rPr/>
-              <a:t>Average</a:t>
-            </a:r>
-            <a:r>
-              <a:rPr/>
-              <a:t> </a:t>
-            </a:r>
-            <a:r>
-              <a:rPr/>
-              <a:t>Personal</a:t>
-            </a:r>
-            <a:r>
-              <a:rPr/>
-              <a:t> </a:t>
-            </a:r>
-            <a:r>
-              <a:rPr/>
-              <a:t>Income</a:t>
+              <a:t>Household</a:t>
             </a:r>
           </a:p>
         </p:txBody>
       </p:sp>
       <p:pic>
         <p:nvPicPr>
-          <p:cNvPr descr="household_structure_estimates_files/figure-pptx/unnamed-chunk-9-1.png" id="0" name="Picture 1"/>
+          <p:cNvPr descr="household_structure_estimates_files/figure-pptx/unnamed-chunk-8-1.png" id="0" name="Picture 1"/>
           <p:cNvPicPr>
             <a:picLocks noGrp="1" noChangeAspect="1"/>
           </p:cNvPicPr>
@@ -4011,7 +3981,7 @@
             </a:pPr>
             <a:r>
               <a:rPr/>
-              <a:t>Marital</a:t>
+              <a:t>Income</a:t>
             </a:r>
             <a:r>
               <a:rPr/>
@@ -4019,14 +3989,38 @@
             </a:r>
             <a:r>
               <a:rPr/>
-              <a:t>Status</a:t>
+              <a:t>Characteristics:</a:t>
+            </a:r>
+            <a:r>
+              <a:rPr/>
+              <a:t> </a:t>
+            </a:r>
+            <a:r>
+              <a:rPr/>
+              <a:t>Average</a:t>
+            </a:r>
+            <a:r>
+              <a:rPr/>
+              <a:t> </a:t>
+            </a:r>
+            <a:r>
+              <a:rPr/>
+              <a:t>Household</a:t>
+            </a:r>
+            <a:r>
+              <a:rPr/>
+              <a:t> </a:t>
+            </a:r>
+            <a:r>
+              <a:rPr/>
+              <a:t>Income</a:t>
             </a:r>
           </a:p>
         </p:txBody>
       </p:sp>
       <p:pic>
         <p:nvPicPr>
-          <p:cNvPr descr="household_structure_estimates_files/figure-pptx/unnamed-chunk-11-1.png" id="0" name="Picture 1"/>
+          <p:cNvPr descr="household_structure_estimates_files/figure-pptx/unnamed-chunk-9-1.png" id="0" name="Picture 1"/>
           <p:cNvPicPr>
             <a:picLocks noGrp="1" noChangeAspect="1"/>
           </p:cNvPicPr>
@@ -4102,14 +4096,54 @@
             </a:pPr>
             <a:r>
               <a:rPr/>
-              <a:t>Partnered</a:t>
+              <a:t>Income</a:t>
+            </a:r>
+            <a:r>
+              <a:rPr/>
+              <a:t> </a:t>
+            </a:r>
+            <a:r>
+              <a:rPr/>
+              <a:t>Characteristics:</a:t>
+            </a:r>
+            <a:r>
+              <a:rPr/>
+              <a:t> </a:t>
+            </a:r>
+            <a:r>
+              <a:rPr/>
+              <a:t>Total</a:t>
+            </a:r>
+            <a:r>
+              <a:rPr/>
+              <a:t> </a:t>
+            </a:r>
+            <a:r>
+              <a:rPr/>
+              <a:t>Average</a:t>
+            </a:r>
+            <a:r>
+              <a:rPr/>
+              <a:t> </a:t>
+            </a:r>
+            <a:r>
+              <a:rPr/>
+              <a:t>Personal</a:t>
+            </a:r>
+            <a:r>
+              <a:rPr/>
+              <a:t> </a:t>
+            </a:r>
+            <a:r>
+              <a:rPr/>
+              <a:t>Income</a:t>
             </a:r>
           </a:p>
         </p:txBody>
       </p:sp>
       <p:pic>
         <p:nvPicPr>
-          <p:cNvPr descr="household_structure_estimates_files/figure-pptx/unnamed-chunk-12-1.png" id="0" name="Picture 1"/>
+          <p:cNvPr descr="household_structure_estimates_files/figure-pptx/unnamed-chunk-10-1.png" id="0" name="Picture 1"/>
           <p:cNvPicPr>
             <a:picLocks noGrp="1" noChangeAspect="1"/>
           </p:cNvPicPr>
@@ -4185,7 +4219,7 @@
             </a:pPr>
             <a:r>
               <a:rPr/>
-              <a:t>Mobility:</a:t>
+              <a:t>Marital</a:t>
             </a:r>
             <a:r>
               <a:rPr/>
@@ -4193,14 +4227,14 @@
             </a:r>
             <a:r>
               <a:rPr/>
-              <a:t>Migration</a:t>
+              <a:t>Status</a:t>
             </a:r>
           </a:p>
         </p:txBody>
       </p:sp>
       <p:pic>
         <p:nvPicPr>
-          <p:cNvPr descr="household_structure_estimates_files/figure-pptx/unnamed-chunk-13-1.png" id="0" name="Picture 1"/>
+          <p:cNvPr descr="household_structure_estimates_files/figure-pptx/unnamed-chunk-12-1.png" id="0" name="Picture 1"/>
           <p:cNvPicPr>
             <a:picLocks noGrp="1" noChangeAspect="1"/>
           </p:cNvPicPr>
@@ -4276,62 +4310,14 @@
             </a:pPr>
             <a:r>
               <a:rPr/>
-              <a:t>Mobility:</a:t>
-            </a:r>
-            <a:r>
-              <a:rPr/>
-              <a:t> </a:t>
-            </a:r>
-            <a:r>
-              <a:rPr/>
-              <a:t>Mode</a:t>
-            </a:r>
-            <a:r>
-              <a:rPr/>
-              <a:t> </a:t>
-            </a:r>
-            <a:r>
-              <a:rPr/>
-              <a:t>of</a:t>
-            </a:r>
-            <a:r>
-              <a:rPr/>
-              <a:t> </a:t>
-            </a:r>
-            <a:r>
-              <a:rPr/>
-              <a:t>Transportation</a:t>
-            </a:r>
-            <a:r>
-              <a:rPr/>
-              <a:t> </a:t>
-            </a:r>
-            <a:r>
-              <a:rPr/>
-              <a:t>for</a:t>
-            </a:r>
-            <a:r>
-              <a:rPr/>
-              <a:t> </a:t>
-            </a:r>
-            <a:r>
-              <a:rPr/>
-              <a:t>Connected</a:t>
-            </a:r>
-            <a:r>
-              <a:rPr/>
-              <a:t> </a:t>
-            </a:r>
-            <a:r>
-              <a:rPr/>
-              <a:t>Youth</a:t>
+              <a:t>Partnered</a:t>
             </a:r>
           </a:p>
         </p:txBody>
       </p:sp>
       <p:pic>
         <p:nvPicPr>
-          <p:cNvPr descr="household_structure_estimates_files/figure-pptx/unnamed-chunk-14-1.png" id="0" name="Picture 1"/>
+          <p:cNvPr descr="household_structure_estimates_files/figure-pptx/unnamed-chunk-13-1.png" id="0" name="Picture 1"/>
           <p:cNvPicPr>
             <a:picLocks noGrp="1" noChangeAspect="1"/>
           </p:cNvPicPr>
@@ -4407,7 +4393,7 @@
             </a:pPr>
             <a:r>
               <a:rPr/>
-              <a:t>Migration:</a:t>
+              <a:t>Mobility:</a:t>
             </a:r>
             <a:r>
               <a:rPr/>
@@ -4415,54 +4401,14 @@
             </a:r>
             <a:r>
               <a:rPr/>
-              <a:t>Average</a:t>
-            </a:r>
-            <a:r>
-              <a:rPr/>
-              <a:t> </a:t>
-            </a:r>
-            <a:r>
-              <a:rPr/>
-              <a:t>Commute</a:t>
-            </a:r>
-            <a:r>
-              <a:rPr/>
-              <a:t> </a:t>
-            </a:r>
-            <a:r>
-              <a:rPr/>
-              <a:t>Time</a:t>
-            </a:r>
-            <a:r>
-              <a:rPr/>
-              <a:t> </a:t>
-            </a:r>
-            <a:r>
-              <a:rPr/>
-              <a:t>for</a:t>
-            </a:r>
-            <a:r>
-              <a:rPr/>
-              <a:t> </a:t>
-            </a:r>
-            <a:r>
-              <a:rPr/>
-              <a:t>Connected</a:t>
-            </a:r>
-            <a:r>
-              <a:rPr/>
-              <a:t> </a:t>
-            </a:r>
-            <a:r>
-              <a:rPr/>
-              <a:t>Youth</a:t>
+              <a:t>Migration</a:t>
             </a:r>
           </a:p>
         </p:txBody>
       </p:sp>
       <p:pic>
         <p:nvPicPr>
-          <p:cNvPr descr="household_structure_estimates_files/figure-pptx/unnamed-chunk-15-1.png" id="0" name="Picture 1"/>
+          <p:cNvPr descr="household_structure_estimates_files/figure-pptx/unnamed-chunk-14-1.png" id="0" name="Picture 1"/>
           <p:cNvPicPr>
             <a:picLocks noGrp="1" noChangeAspect="1"/>
           </p:cNvPicPr>
@@ -4517,7 +4463,7 @@
           <p:cNvPr id="2" name="Title 1">
             <a:extLst>
               <a:ext uri="{FF2B5EF4-FFF2-40B4-BE49-F238E27FC236}">
-                <a16:creationId xmlns:a16="http://schemas.microsoft.com/office/drawing/2014/main" id="{1CAF8530-DA25-40F0-835B-ABF68B3EB818}"/>
+                <a16:creationId xmlns:a16="http://schemas.microsoft.com/office/drawing/2014/main" id="{0D064A50-2A97-421C-813D-6449089693A0}"/>
               </a:ext>
             </a:extLst>
           </p:cNvPr>
@@ -4528,12 +4474,7 @@
             <p:ph type="title"/>
           </p:nvPr>
         </p:nvSpPr>
-        <p:spPr>
-          <a:xfrm>
-            <a:off x="831850" y="1123072"/>
-            <a:ext cx="10515600" cy="2852737"/>
-          </a:xfrm>
-        </p:spPr>
+        <p:spPr/>
         <p:txBody>
           <a:bodyPr/>
           <a:lstStyle/>
@@ -4543,7 +4484,7 @@
             </a:pPr>
             <a:r>
               <a:rPr/>
-              <a:t>Pending</a:t>
+              <a:t>Mobility:</a:t>
             </a:r>
             <a:r>
               <a:rPr/>
@@ -4551,11 +4492,81 @@
             </a:r>
             <a:r>
               <a:rPr/>
-              <a:t>Analyses</a:t>
-            </a:r>
-          </a:p>
-        </p:txBody>
-      </p:sp>
+              <a:t>Mode</a:t>
+            </a:r>
+            <a:r>
+              <a:rPr/>
+              <a:t> </a:t>
+            </a:r>
+            <a:r>
+              <a:rPr/>
+              <a:t>of</a:t>
+            </a:r>
+            <a:r>
+              <a:rPr/>
+              <a:t> </a:t>
+            </a:r>
+            <a:r>
+              <a:rPr/>
+              <a:t>Transportation</a:t>
+            </a:r>
+            <a:r>
+              <a:rPr/>
+              <a:t> </a:t>
+            </a:r>
+            <a:r>
+              <a:rPr/>
+              <a:t>for</a:t>
+            </a:r>
+            <a:r>
+              <a:rPr/>
+              <a:t> </a:t>
+            </a:r>
+            <a:r>
+              <a:rPr/>
+              <a:t>Connected</a:t>
+            </a:r>
+            <a:r>
+              <a:rPr/>
+              <a:t> </a:t>
+            </a:r>
+            <a:r>
+              <a:rPr/>
+              <a:t>Youth</a:t>
+            </a:r>
+          </a:p>
+        </p:txBody>
+      </p:sp>
+      <p:pic>
+        <p:nvPicPr>
+          <p:cNvPr descr="household_structure_estimates_files/figure-pptx/unnamed-chunk-15-1.png" id="0" name="Picture 1"/>
+          <p:cNvPicPr>
+            <a:picLocks noGrp="1" noChangeAspect="1"/>
+          </p:cNvPicPr>
+          <p:nvPr/>
+        </p:nvPicPr>
+        <p:blipFill>
+          <a:blip r:embed="rId2"/>
+          <a:stretch>
+            <a:fillRect/>
+          </a:stretch>
+        </p:blipFill>
+        <p:spPr bwMode="auto">
+          <a:xfrm>
+            <a:off x="1752600" y="1816100"/>
+            <a:ext cx="8686800" cy="4343400"/>
+          </a:xfrm>
+          <a:prstGeom prst="rect">
+            <a:avLst/>
+          </a:prstGeom>
+          <a:noFill/>
+          <a:ln w="9525">
+            <a:noFill/>
+            <a:headEnd/>
+            <a:tailEnd/>
+          </a:ln>
+        </p:spPr>
+      </p:pic>
     </p:spTree>
   </p:cSld>
 </p:sld>
@@ -4604,7 +4615,7 @@
             </a:pPr>
             <a:r>
               <a:rPr/>
-              <a:t>Income</a:t>
+              <a:t>Migration:</a:t>
             </a:r>
             <a:r>
               <a:rPr/>
@@ -4612,7 +4623,7 @@
             </a:r>
             <a:r>
               <a:rPr/>
-              <a:t>Characteristics:</a:t>
+              <a:t>Average</a:t>
             </a:r>
             <a:r>
               <a:rPr/>
@@ -4620,7 +4631,7 @@
             </a:r>
             <a:r>
               <a:rPr/>
-              <a:t>Food</a:t>
+              <a:t>Commute</a:t>
             </a:r>
             <a:r>
               <a:rPr/>
@@ -4628,7 +4639,7 @@
             </a:r>
             <a:r>
               <a:rPr/>
-              <a:t>Stamps</a:t>
+              <a:t>Time</a:t>
             </a:r>
             <a:r>
               <a:rPr/>
@@ -4636,11 +4647,57 @@
             </a:r>
             <a:r>
               <a:rPr/>
-              <a:t>(Pending)</a:t>
-            </a:r>
-          </a:p>
-        </p:txBody>
-      </p:sp>
+              <a:t>for</a:t>
+            </a:r>
+            <a:r>
+              <a:rPr/>
+              <a:t> </a:t>
+            </a:r>
+            <a:r>
+              <a:rPr/>
+              <a:t>Connected</a:t>
+            </a:r>
+            <a:r>
+              <a:rPr/>
+              <a:t> </a:t>
+            </a:r>
+            <a:r>
+              <a:rPr/>
+              <a:t>Youth</a:t>
+            </a:r>
+          </a:p>
+        </p:txBody>
+      </p:sp>
+      <p:pic>
+        <p:nvPicPr>
+          <p:cNvPr descr="household_structure_estimates_files/figure-pptx/unnamed-chunk-16-1.png" id="0" name="Picture 1"/>
+          <p:cNvPicPr>
+            <a:picLocks noGrp="1" noChangeAspect="1"/>
+          </p:cNvPicPr>
+          <p:nvPr/>
+        </p:nvPicPr>
+        <p:blipFill>
+          <a:blip r:embed="rId2"/>
+          <a:stretch>
+            <a:fillRect/>
+          </a:stretch>
+        </p:blipFill>
+        <p:spPr bwMode="auto">
+          <a:xfrm>
+            <a:off x="1752600" y="1816100"/>
+            <a:ext cx="8686800" cy="4343400"/>
+          </a:xfrm>
+          <a:prstGeom prst="rect">
+            <a:avLst/>
+          </a:prstGeom>
+          <a:noFill/>
+          <a:ln w="9525">
+            <a:noFill/>
+            <a:headEnd/>
+            <a:tailEnd/>
+          </a:ln>
+        </p:spPr>
+      </p:pic>
     </p:spTree>
   </p:cSld>
 </p:sld>
@@ -4797,7 +4854,7 @@
           <p:cNvPr id="2" name="Title 1">
             <a:extLst>
               <a:ext uri="{FF2B5EF4-FFF2-40B4-BE49-F238E27FC236}">
-                <a16:creationId xmlns:a16="http://schemas.microsoft.com/office/drawing/2014/main" id="{0D064A50-2A97-421C-813D-6449089693A0}"/>
+                <a16:creationId xmlns:a16="http://schemas.microsoft.com/office/drawing/2014/main" id="{1CAF8530-DA25-40F0-835B-ABF68B3EB818}"/>
               </a:ext>
             </a:extLst>
           </p:cNvPr>
@@ -4808,7 +4865,12 @@
             <p:ph type="title"/>
           </p:nvPr>
         </p:nvSpPr>
-        <p:spPr/>
+        <p:spPr>
+          <a:xfrm>
+            <a:off x="831850" y="1123072"/>
+            <a:ext cx="10515600" cy="2852737"/>
+          </a:xfrm>
+        </p:spPr>
         <p:txBody>
           <a:bodyPr/>
           <a:lstStyle/>
@@ -4818,7 +4880,7 @@
             </a:pPr>
             <a:r>
               <a:rPr/>
-              <a:t>Household</a:t>
+              <a:t>Pending</a:t>
             </a:r>
             <a:r>
               <a:rPr/>
@@ -4826,7 +4888,7 @@
             </a:r>
             <a:r>
               <a:rPr/>
-              <a:t>Type:(Pending)</a:t>
+              <a:t>Analyses</a:t>
             </a:r>
           </a:p>
         </p:txBody>
@@ -4879,7 +4941,7 @@
             </a:pPr>
             <a:r>
               <a:rPr/>
-              <a:t>Household</a:t>
+              <a:t>Income</a:t>
             </a:r>
             <a:r>
               <a:rPr/>
@@ -4895,7 +4957,7 @@
             </a:r>
             <a:r>
               <a:rPr/>
-              <a:t>Workers</a:t>
+              <a:t>Food</a:t>
             </a:r>
             <a:r>
               <a:rPr/>
@@ -4903,15 +4965,7 @@
             </a:r>
             <a:r>
               <a:rPr/>
-              <a:t>in</a:t>
-            </a:r>
-            <a:r>
-              <a:rPr/>
-              <a:t> </a:t>
-            </a:r>
-            <a:r>
-              <a:rPr/>
-              <a:t>Family</a:t>
+              <a:t>Stamps</a:t>
             </a:r>
             <a:r>
               <a:rPr/>
@@ -4972,7 +5026,7 @@
             </a:pPr>
             <a:r>
               <a:rPr/>
-              <a:t>Same-sex</a:t>
+              <a:t>Household</a:t>
             </a:r>
             <a:r>
               <a:rPr/>
@@ -4980,15 +5034,7 @@
             </a:r>
             <a:r>
               <a:rPr/>
-              <a:t>households</a:t>
-            </a:r>
-            <a:r>
-              <a:rPr/>
-              <a:t> </a:t>
-            </a:r>
-            <a:r>
-              <a:rPr/>
-              <a:t>(Pending)</a:t>
+              <a:t>Type:(Pending)</a:t>
             </a:r>
           </a:p>
         </p:txBody>
@@ -5041,7 +5087,7 @@
             </a:pPr>
             <a:r>
               <a:rPr/>
-              <a:t>Multi-generational</a:t>
+              <a:t>Household</a:t>
             </a:r>
             <a:r>
               <a:rPr/>
@@ -5049,7 +5095,31 @@
             </a:r>
             <a:r>
               <a:rPr/>
-              <a:t>Families</a:t>
+              <a:t>Characteristics:</a:t>
+            </a:r>
+            <a:r>
+              <a:rPr/>
+              <a:t> </a:t>
+            </a:r>
+            <a:r>
+              <a:rPr/>
+              <a:t>Workers</a:t>
+            </a:r>
+            <a:r>
+              <a:rPr/>
+              <a:t> </a:t>
+            </a:r>
+            <a:r>
+              <a:rPr/>
+              <a:t>in</a:t>
+            </a:r>
+            <a:r>
+              <a:rPr/>
+              <a:t> </a:t>
+            </a:r>
+            <a:r>
+              <a:rPr/>
+              <a:t>Family</a:t>
             </a:r>
             <a:r>
               <a:rPr/>
@@ -5089,7 +5159,7 @@
           <p:cNvPr id="2" name="Title 1">
             <a:extLst>
               <a:ext uri="{FF2B5EF4-FFF2-40B4-BE49-F238E27FC236}">
-                <a16:creationId xmlns:a16="http://schemas.microsoft.com/office/drawing/2014/main" id="{1CAF8530-DA25-40F0-835B-ABF68B3EB818}"/>
+                <a16:creationId xmlns:a16="http://schemas.microsoft.com/office/drawing/2014/main" id="{0D064A50-2A97-421C-813D-6449089693A0}"/>
               </a:ext>
             </a:extLst>
           </p:cNvPr>
@@ -5100,12 +5170,7 @@
             <p:ph type="title"/>
           </p:nvPr>
         </p:nvSpPr>
-        <p:spPr>
-          <a:xfrm>
-            <a:off x="831850" y="1123072"/>
-            <a:ext cx="10515600" cy="2852737"/>
-          </a:xfrm>
-        </p:spPr>
+        <p:spPr/>
         <p:txBody>
           <a:bodyPr/>
           <a:lstStyle/>
@@ -5115,7 +5180,23 @@
             </a:pPr>
             <a:r>
               <a:rPr/>
-              <a:t>Questions?</a:t>
+              <a:t>Same-sex</a:t>
+            </a:r>
+            <a:r>
+              <a:rPr/>
+              <a:t> </a:t>
+            </a:r>
+            <a:r>
+              <a:rPr/>
+              <a:t>households</a:t>
+            </a:r>
+            <a:r>
+              <a:rPr/>
+              <a:t> </a:t>
+            </a:r>
+            <a:r>
+              <a:rPr/>
+              <a:t>(Pending)</a:t>
             </a:r>
           </a:p>
         </p:txBody>
@@ -5147,6 +5228,133 @@
           <p:cNvPr id="2" name="Title 1">
             <a:extLst>
               <a:ext uri="{FF2B5EF4-FFF2-40B4-BE49-F238E27FC236}">
+                <a16:creationId xmlns:a16="http://schemas.microsoft.com/office/drawing/2014/main" id="{0D064A50-2A97-421C-813D-6449089693A0}"/>
+              </a:ext>
+            </a:extLst>
+          </p:cNvPr>
+          <p:cNvSpPr>
+            <a:spLocks noGrp="1"/>
+          </p:cNvSpPr>
+          <p:nvPr>
+            <p:ph type="title"/>
+          </p:nvPr>
+        </p:nvSpPr>
+        <p:spPr/>
+        <p:txBody>
+          <a:bodyPr/>
+          <a:lstStyle/>
+          <a:p>
+            <a:pPr lvl="0" marL="0" indent="0">
+              <a:buNone/>
+            </a:pPr>
+            <a:r>
+              <a:rPr/>
+              <a:t>Multi-generational</a:t>
+            </a:r>
+            <a:r>
+              <a:rPr/>
+              <a:t> </a:t>
+            </a:r>
+            <a:r>
+              <a:rPr/>
+              <a:t>Families</a:t>
+            </a:r>
+            <a:r>
+              <a:rPr/>
+              <a:t> </a:t>
+            </a:r>
+            <a:r>
+              <a:rPr/>
+              <a:t>(Pending)</a:t>
+            </a:r>
+          </a:p>
+        </p:txBody>
+      </p:sp>
+    </p:spTree>
+  </p:cSld>
+</p:sld>
+</file>
+
+<file path=ppt/slides/slide26.xml><?xml version="1.0" encoding="utf-8"?>
+<p:sld xmlns:a="http://schemas.openxmlformats.org/drawingml/2006/main" xmlns:r="http://schemas.openxmlformats.org/officeDocument/2006/relationships" xmlns:p="http://schemas.openxmlformats.org/presentationml/2006/main">
+  <p:cSld>
+    <p:spTree>
+      <p:nvGrpSpPr>
+        <p:cNvPr id="1" name=""/>
+        <p:cNvGrpSpPr/>
+        <p:nvPr/>
+      </p:nvGrpSpPr>
+      <p:grpSpPr>
+        <a:xfrm>
+          <a:off x="0" y="0"/>
+          <a:ext cx="0" cy="0"/>
+          <a:chOff x="0" y="0"/>
+          <a:chExt cx="0" cy="0"/>
+        </a:xfrm>
+      </p:grpSpPr>
+      <p:sp>
+        <p:nvSpPr>
+          <p:cNvPr id="2" name="Title 1">
+            <a:extLst>
+              <a:ext uri="{FF2B5EF4-FFF2-40B4-BE49-F238E27FC236}">
+                <a16:creationId xmlns:a16="http://schemas.microsoft.com/office/drawing/2014/main" id="{1CAF8530-DA25-40F0-835B-ABF68B3EB818}"/>
+              </a:ext>
+            </a:extLst>
+          </p:cNvPr>
+          <p:cNvSpPr>
+            <a:spLocks noGrp="1"/>
+          </p:cNvSpPr>
+          <p:nvPr>
+            <p:ph type="title"/>
+          </p:nvPr>
+        </p:nvSpPr>
+        <p:spPr>
+          <a:xfrm>
+            <a:off x="831850" y="1123072"/>
+            <a:ext cx="10515600" cy="2852737"/>
+          </a:xfrm>
+        </p:spPr>
+        <p:txBody>
+          <a:bodyPr/>
+          <a:lstStyle/>
+          <a:p>
+            <a:pPr lvl="0" marL="0" indent="0">
+              <a:buNone/>
+            </a:pPr>
+            <a:r>
+              <a:rPr/>
+              <a:t>Questions?</a:t>
+            </a:r>
+          </a:p>
+        </p:txBody>
+      </p:sp>
+    </p:spTree>
+  </p:cSld>
+</p:sld>
+</file>
+
+<file path=ppt/slides/slide27.xml><?xml version="1.0" encoding="utf-8"?>
+<p:sld xmlns:a="http://schemas.openxmlformats.org/drawingml/2006/main" xmlns:r="http://schemas.openxmlformats.org/officeDocument/2006/relationships" xmlns:p="http://schemas.openxmlformats.org/presentationml/2006/main">
+  <p:cSld>
+    <p:spTree>
+      <p:nvGrpSpPr>
+        <p:cNvPr id="1" name=""/>
+        <p:cNvGrpSpPr/>
+        <p:nvPr/>
+      </p:nvGrpSpPr>
+      <p:grpSpPr>
+        <a:xfrm>
+          <a:off x="0" y="0"/>
+          <a:ext cx="0" cy="0"/>
+          <a:chOff x="0" y="0"/>
+          <a:chExt cx="0" cy="0"/>
+        </a:xfrm>
+      </p:grpSpPr>
+      <p:sp>
+        <p:nvSpPr>
+          <p:cNvPr id="2" name="Title 1">
+            <a:extLst>
+              <a:ext uri="{FF2B5EF4-FFF2-40B4-BE49-F238E27FC236}">
                 <a16:creationId xmlns:a16="http://schemas.microsoft.com/office/drawing/2014/main" id="{1CAF8530-DA25-40F0-835B-ABF68B3EB818}"/>
               </a:ext>
             </a:extLst>
@@ -5294,14 +5502,14 @@
             <a:pPr lvl="2"/>
             <a:r>
               <a:rPr/>
-              <a:t>At least one child</a:t>
+              <a:t>How many Opportunity Youth have at least one child?</a:t>
             </a:r>
           </a:p>
           <a:p>
             <a:pPr lvl="2"/>
             <a:r>
               <a:rPr/>
-              <a:t>Number of children</a:t>
+              <a:t>How many children do Opportunity Youth have?</a:t>
             </a:r>
           </a:p>
           <a:p>
@@ -5315,14 +5523,14 @@
             <a:pPr lvl="2"/>
             <a:r>
               <a:rPr/>
-              <a:t>Household income by household type</a:t>
+              <a:t>What is average household income by household type?</a:t>
             </a:r>
           </a:p>
           <a:p>
             <a:pPr lvl="2"/>
             <a:r>
               <a:rPr/>
-              <a:t>Total personal income</a:t>
+              <a:t>What is an Opportunity Youth’s average total personal income?</a:t>
             </a:r>
           </a:p>
           <a:p>
@@ -5336,14 +5544,28 @@
             <a:pPr lvl="2"/>
             <a:r>
               <a:rPr/>
-              <a:t>Migration, mode of transportation, and average commute time</a:t>
+              <a:t>Have Opportunity Youth moved within the last year?</a:t>
+            </a:r>
+          </a:p>
+          <a:p>
+            <a:pPr lvl="2"/>
+            <a:r>
+              <a:rPr/>
+              <a:t>What are Connected Youths’ primary form of transportation?</a:t>
+            </a:r>
+          </a:p>
+          <a:p>
+            <a:pPr lvl="2"/>
+            <a:r>
+              <a:rPr/>
+              <a:t>What are Connected Youths’ average commute time?</a:t>
             </a:r>
           </a:p>
           <a:p>
             <a:pPr lvl="1"/>
             <a:r>
               <a:rPr/>
-              <a:t>Pending</a:t>
+              <a:t>Pending:</a:t>
             </a:r>
           </a:p>
           <a:p>
@@ -5568,7 +5790,23 @@
             </a:pPr>
             <a:r>
               <a:rPr/>
-              <a:t>Definitions</a:t>
+              <a:t>Definitions:</a:t>
+            </a:r>
+            <a:r>
+              <a:rPr/>
+              <a:t> </a:t>
+            </a:r>
+            <a:r>
+              <a:rPr/>
+              <a:t>Person</a:t>
+            </a:r>
+            <a:r>
+              <a:rPr/>
+              <a:t> </a:t>
+            </a:r>
+            <a:r>
+              <a:rPr/>
+              <a:t>Categorizations</a:t>
             </a:r>
           </a:p>
         </p:txBody>
@@ -5603,29 +5841,29 @@
             </a:r>
           </a:p>
           <a:p>
-            <a:pPr lvl="0" marL="0" indent="0">
-              <a:buNone/>
-            </a:pPr>
-            <a:r>
-              <a:rPr/>
-              <a:t>-</a:t>
-            </a:r>
+            <a:pPr lvl="1"/>
             <a:r>
               <a:rPr i="1"/>
               <a:t>Opportunity Youth:</a:t>
             </a:r>
             <a:r>
               <a:rPr/>
-              <a:t> Individuals that are 16 to 24 years old who are simultaneously unemployed/ not in the labor force and not enrolled in school (disconnection) - </a:t>
-            </a:r>
+              <a:t> Individuals that are 16 to 24 years old who are simultaneously unemployed/ not in the labor force and not enrolled in school (disconnection)</a:t>
+            </a:r>
+          </a:p>
+          <a:p>
+            <a:pPr lvl="1"/>
             <a:r>
               <a:rPr i="1"/>
               <a:t>Connected Youth:</a:t>
             </a:r>
             <a:r>
               <a:rPr/>
-              <a:t> Individuals that are 16 to 24 years old who are either employed, enrolled in school, or both. - </a:t>
-            </a:r>
+              <a:t> Individuals that are 16 to 24 years old who are either employed, enrolled in school, or both.</a:t>
+            </a:r>
+          </a:p>
+          <a:p>
+            <a:pPr lvl="1"/>
             <a:r>
               <a:rPr i="1"/>
               <a:t>Everyone Else:</a:t>
@@ -5633,48 +5871,6 @@
             <a:r>
               <a:rPr/>
               <a:t> Individuals outside of this age category who may be enrolled in school or employed</a:t>
-            </a:r>
-          </a:p>
-          <a:p>
-            <a:pPr lvl="0" marL="0" indent="0">
-              <a:buNone/>
-            </a:pPr>
-            <a:r>
-              <a:rPr b="1"/>
-              <a:t>Household-level:</a:t>
-            </a:r>
-          </a:p>
-          <a:p>
-            <a:pPr lvl="1"/>
-            <a:r>
-              <a:rPr i="1"/>
-              <a:t>OY Household:</a:t>
-            </a:r>
-            <a:r>
-              <a:rPr/>
-              <a:t> There is at least one ‘Opportunity Youth’ in the household but no ‘Connected Youth’ in the household. There may be ‘Everyone Else’ in the household.</a:t>
-            </a:r>
-          </a:p>
-          <a:p>
-            <a:pPr lvl="1"/>
-            <a:r>
-              <a:rPr i="1"/>
-              <a:t>OY &amp; CY Household:</a:t>
-            </a:r>
-            <a:r>
-              <a:rPr/>
-              <a:t> There are both ‘Opportunity Youth’ and ‘Connected Youth’ in the household and possibly ‘Everyone Else’.</a:t>
-            </a:r>
-          </a:p>
-          <a:p>
-            <a:pPr lvl="1"/>
-            <a:r>
-              <a:rPr i="1"/>
-              <a:t>CY Only Household:</a:t>
-            </a:r>
-            <a:r>
-              <a:rPr/>
-              <a:t> There are only ‘Connected Youth’ and no ‘Opportunity Youth’ or ‘Everyone Else’ in the household.</a:t>
             </a:r>
           </a:p>
         </p:txBody>
@@ -5727,7 +5923,7 @@
             </a:pPr>
             <a:r>
               <a:rPr/>
-              <a:t>Person</a:t>
+              <a:t>Definitions:</a:t>
             </a:r>
             <a:r>
               <a:rPr/>
@@ -5735,7 +5931,7 @@
             </a:r>
             <a:r>
               <a:rPr/>
-              <a:t>of</a:t>
+              <a:t>Household</a:t>
             </a:r>
             <a:r>
               <a:rPr/>
@@ -5743,41 +5939,2245 @@
             </a:r>
             <a:r>
               <a:rPr/>
-              <a:t>Reference</a:t>
-            </a:r>
-          </a:p>
-        </p:txBody>
-      </p:sp>
-      <p:pic>
-        <p:nvPicPr>
-          <p:cNvPr descr="household_structure_estimates_files/figure-pptx/unnamed-chunk-4-1.png" id="0" name="Picture 1"/>
-          <p:cNvPicPr>
-            <a:picLocks noGrp="1" noChangeAspect="1"/>
-          </p:cNvPicPr>
+              <a:t>Categorizations</a:t>
+            </a:r>
+          </a:p>
+        </p:txBody>
+      </p:sp>
+      <p:graphicFrame xmlns:a="http://schemas.openxmlformats.org/drawingml/2006/main" xmlns:r="http://schemas.openxmlformats.org/officeDocument/2006/relationships" xmlns:p="http://schemas.openxmlformats.org/presentationml/2006/main">
+        <p:nvGraphicFramePr>
+          <p:cNvPr id="753775253" name=""/>
+          <p:cNvGraphicFramePr>
+            <a:graphicFrameLocks noGrp="true"/>
+          </p:cNvGraphicFramePr>
           <p:nvPr/>
-        </p:nvPicPr>
-        <p:blipFill>
-          <a:blip r:embed="rId2"/>
-          <a:stretch>
-            <a:fillRect/>
-          </a:stretch>
-        </p:blipFill>
-        <p:spPr bwMode="auto">
-          <a:xfrm>
-            <a:off x="1752600" y="1816100"/>
-            <a:ext cx="8686800" cy="4343400"/>
-          </a:xfrm>
-          <a:prstGeom prst="rect">
-            <a:avLst/>
-          </a:prstGeom>
-          <a:noFill/>
-          <a:ln w="9525">
-            <a:noFill/>
-            <a:headEnd/>
-            <a:tailEnd/>
-          </a:ln>
-        </p:spPr>
-      </p:pic>
+        </p:nvGraphicFramePr>
+        <p:xfrm rot="0">
+          <a:off x="914400" y="1828800"/>
+          <a:ext cx="9144000" cy="5486400"/>
+        </p:xfrm>
+        <a:graphic>
+          <a:graphicData uri="http://schemas.openxmlformats.org/drawingml/2006/table">
+            <a:tbl>
+              <a:tblPr/>
+              <a:tblGrid>
+                <a:gridCol w="1668005"/>
+                <a:gridCol w="1137582"/>
+                <a:gridCol w="1321688"/>
+                <a:gridCol w="998428"/>
+              </a:tblGrid>
+              <a:tr h="295190">
+                <a:tc>
+                  <a:txBody>
+                    <a:bodyPr/>
+                    <a:lstStyle/>
+                    <a:p>
+                      <a:pPr algn="l" marL="63500" marR="63500">
+                        <a:lnSpc>
+                          <a:spcPct val="100000"/>
+                        </a:lnSpc>
+                        <a:spcBef>
+                          <a:spcPts val="200"/>
+                        </a:spcBef>
+                        <a:spcAft>
+                          <a:spcPts val="200"/>
+                        </a:spcAft>
+                        <a:buNone/>
+                      </a:pPr>
+                      <a:r>
+                        <a:rPr sz="1000" b="1">
+                          <a:solidFill>
+                            <a:srgbClr val="FFFFFF">
+                              <a:alpha val="100000"/>
+                            </a:srgbClr>
+                          </a:solidFill>
+                          <a:latin typeface="Arial"/>
+                          <a:cs typeface="Arial"/>
+                        </a:rPr>
+                        <a:t>Household Type</a:t>
+                      </a:r>
+                    </a:p>
+                  </a:txBody>
+                  <a:tcPr anchor="ctr" marB="0" marT="0" marR="0" marL="0">
+                    <a:lnL w="0" cmpd="sng" algn="ctr" cap="flat">
+                      <a:solidFill>
+                        <a:srgbClr val="FFFFFF">
+                          <a:alpha val="0"/>
+                        </a:srgbClr>
+                      </a:solidFill>
+                      <a:prstDash val="solid"/>
+                    </a:lnL>
+                    <a:lnR w="0" cmpd="sng" algn="ctr" cap="flat">
+                      <a:solidFill>
+                        <a:srgbClr val="FFFFFF">
+                          <a:alpha val="0"/>
+                        </a:srgbClr>
+                      </a:solidFill>
+                      <a:prstDash val="solid"/>
+                    </a:lnR>
+                    <a:lnT w="0" cmpd="sng" algn="ctr" cap="flat">
+                      <a:solidFill>
+                        <a:srgbClr val="FFFFFF">
+                          <a:alpha val="0"/>
+                        </a:srgbClr>
+                      </a:solidFill>
+                      <a:prstDash val="solid"/>
+                    </a:lnT>
+                    <a:lnB w="0" cmpd="sng" algn="ctr" cap="flat">
+                      <a:solidFill>
+                        <a:srgbClr val="FFFFFF">
+                          <a:alpha val="0"/>
+                        </a:srgbClr>
+                      </a:solidFill>
+                      <a:prstDash val="solid"/>
+                    </a:lnB>
+                    <a:solidFill>
+                      <a:srgbClr val="C16622">
+                        <a:alpha val="100000"/>
+                      </a:srgbClr>
+                    </a:solidFill>
+                  </a:tcPr>
+                </a:tc>
+                <a:tc>
+                  <a:txBody>
+                    <a:bodyPr/>
+                    <a:lstStyle/>
+                    <a:p>
+                      <a:pPr algn="ctr" marL="63500" marR="63500">
+                        <a:lnSpc>
+                          <a:spcPct val="100000"/>
+                        </a:lnSpc>
+                        <a:spcBef>
+                          <a:spcPts val="200"/>
+                        </a:spcBef>
+                        <a:spcAft>
+                          <a:spcPts val="200"/>
+                        </a:spcAft>
+                        <a:buNone/>
+                      </a:pPr>
+                      <a:r>
+                        <a:rPr sz="1000" b="1">
+                          <a:solidFill>
+                            <a:srgbClr val="FFFFFF">
+                              <a:alpha val="100000"/>
+                            </a:srgbClr>
+                          </a:solidFill>
+                          <a:latin typeface="Arial"/>
+                          <a:cs typeface="Arial"/>
+                        </a:rPr>
+                        <a:t>Everyone Else</a:t>
+                      </a:r>
+                    </a:p>
+                  </a:txBody>
+                  <a:tcPr anchor="ctr" marB="0" marT="0" marR="0" marL="0">
+                    <a:lnL w="0" cmpd="sng" algn="ctr" cap="flat">
+                      <a:solidFill>
+                        <a:srgbClr val="FFFFFF">
+                          <a:alpha val="0"/>
+                        </a:srgbClr>
+                      </a:solidFill>
+                      <a:prstDash val="solid"/>
+                    </a:lnL>
+                    <a:lnR w="0" cmpd="sng" algn="ctr" cap="flat">
+                      <a:solidFill>
+                        <a:srgbClr val="FFFFFF">
+                          <a:alpha val="0"/>
+                        </a:srgbClr>
+                      </a:solidFill>
+                      <a:prstDash val="solid"/>
+                    </a:lnR>
+                    <a:lnT w="0" cmpd="sng" algn="ctr" cap="flat">
+                      <a:solidFill>
+                        <a:srgbClr val="FFFFFF">
+                          <a:alpha val="0"/>
+                        </a:srgbClr>
+                      </a:solidFill>
+                      <a:prstDash val="solid"/>
+                    </a:lnT>
+                    <a:lnB w="0" cmpd="sng" algn="ctr" cap="flat">
+                      <a:solidFill>
+                        <a:srgbClr val="FFFFFF">
+                          <a:alpha val="0"/>
+                        </a:srgbClr>
+                      </a:solidFill>
+                      <a:prstDash val="solid"/>
+                    </a:lnB>
+                    <a:solidFill>
+                      <a:srgbClr val="C16622">
+                        <a:alpha val="100000"/>
+                      </a:srgbClr>
+                    </a:solidFill>
+                  </a:tcPr>
+                </a:tc>
+                <a:tc>
+                  <a:txBody>
+                    <a:bodyPr/>
+                    <a:lstStyle/>
+                    <a:p>
+                      <a:pPr algn="ctr" marL="63500" marR="63500">
+                        <a:lnSpc>
+                          <a:spcPct val="100000"/>
+                        </a:lnSpc>
+                        <a:spcBef>
+                          <a:spcPts val="200"/>
+                        </a:spcBef>
+                        <a:spcAft>
+                          <a:spcPts val="200"/>
+                        </a:spcAft>
+                        <a:buNone/>
+                      </a:pPr>
+                      <a:r>
+                        <a:rPr sz="1000" b="1">
+                          <a:solidFill>
+                            <a:srgbClr val="FFFFFF">
+                              <a:alpha val="100000"/>
+                            </a:srgbClr>
+                          </a:solidFill>
+                          <a:latin typeface="Arial"/>
+                          <a:cs typeface="Arial"/>
+                        </a:rPr>
+                        <a:t>Connected Youth</a:t>
+                      </a:r>
+                    </a:p>
+                  </a:txBody>
+                  <a:tcPr anchor="ctr" marB="0" marT="0" marR="0" marL="0">
+                    <a:lnL w="0" cmpd="sng" algn="ctr" cap="flat">
+                      <a:solidFill>
+                        <a:srgbClr val="FFFFFF">
+                          <a:alpha val="0"/>
+                        </a:srgbClr>
+                      </a:solidFill>
+                      <a:prstDash val="solid"/>
+                    </a:lnL>
+                    <a:lnR w="0" cmpd="sng" algn="ctr" cap="flat">
+                      <a:solidFill>
+                        <a:srgbClr val="FFFFFF">
+                          <a:alpha val="0"/>
+                        </a:srgbClr>
+                      </a:solidFill>
+                      <a:prstDash val="solid"/>
+                    </a:lnR>
+                    <a:lnT w="0" cmpd="sng" algn="ctr" cap="flat">
+                      <a:solidFill>
+                        <a:srgbClr val="FFFFFF">
+                          <a:alpha val="0"/>
+                        </a:srgbClr>
+                      </a:solidFill>
+                      <a:prstDash val="solid"/>
+                    </a:lnT>
+                    <a:lnB w="0" cmpd="sng" algn="ctr" cap="flat">
+                      <a:solidFill>
+                        <a:srgbClr val="FFFFFF">
+                          <a:alpha val="0"/>
+                        </a:srgbClr>
+                      </a:solidFill>
+                      <a:prstDash val="solid"/>
+                    </a:lnB>
+                    <a:solidFill>
+                      <a:srgbClr val="C16622">
+                        <a:alpha val="100000"/>
+                      </a:srgbClr>
+                    </a:solidFill>
+                  </a:tcPr>
+                </a:tc>
+                <a:tc>
+                  <a:txBody>
+                    <a:bodyPr/>
+                    <a:lstStyle/>
+                    <a:p>
+                      <a:pPr algn="ctr" marL="63500" marR="63500">
+                        <a:lnSpc>
+                          <a:spcPct val="100000"/>
+                        </a:lnSpc>
+                        <a:spcBef>
+                          <a:spcPts val="200"/>
+                        </a:spcBef>
+                        <a:spcAft>
+                          <a:spcPts val="200"/>
+                        </a:spcAft>
+                        <a:buNone/>
+                      </a:pPr>
+                      <a:r>
+                        <a:rPr sz="1000" b="1">
+                          <a:solidFill>
+                            <a:srgbClr val="FFFFFF">
+                              <a:alpha val="100000"/>
+                            </a:srgbClr>
+                          </a:solidFill>
+                          <a:latin typeface="Arial"/>
+                          <a:cs typeface="Arial"/>
+                        </a:rPr>
+                        <a:t>Opportunity Youth</a:t>
+                      </a:r>
+                    </a:p>
+                  </a:txBody>
+                  <a:tcPr anchor="ctr" marB="0" marT="0" marR="0" marL="0">
+                    <a:lnL w="0" cmpd="sng" algn="ctr" cap="flat">
+                      <a:solidFill>
+                        <a:srgbClr val="FFFFFF">
+                          <a:alpha val="0"/>
+                        </a:srgbClr>
+                      </a:solidFill>
+                      <a:prstDash val="solid"/>
+                    </a:lnL>
+                    <a:lnR w="0" cmpd="sng" algn="ctr" cap="flat">
+                      <a:solidFill>
+                        <a:srgbClr val="FFFFFF">
+                          <a:alpha val="0"/>
+                        </a:srgbClr>
+                      </a:solidFill>
+                      <a:prstDash val="solid"/>
+                    </a:lnR>
+                    <a:lnT w="0" cmpd="sng" algn="ctr" cap="flat">
+                      <a:solidFill>
+                        <a:srgbClr val="FFFFFF">
+                          <a:alpha val="0"/>
+                        </a:srgbClr>
+                      </a:solidFill>
+                      <a:prstDash val="solid"/>
+                    </a:lnT>
+                    <a:lnB w="0" cmpd="sng" algn="ctr" cap="flat">
+                      <a:solidFill>
+                        <a:srgbClr val="FFFFFF">
+                          <a:alpha val="0"/>
+                        </a:srgbClr>
+                      </a:solidFill>
+                      <a:prstDash val="solid"/>
+                    </a:lnB>
+                    <a:solidFill>
+                      <a:srgbClr val="C16622">
+                        <a:alpha val="100000"/>
+                      </a:srgbClr>
+                    </a:solidFill>
+                  </a:tcPr>
+                </a:tc>
+              </a:tr>
+              <a:tr h="265313">
+                <a:tc>
+                  <a:txBody>
+                    <a:bodyPr/>
+                    <a:lstStyle/>
+                    <a:p>
+                      <a:pPr algn="l" marL="63500" marR="63500">
+                        <a:lnSpc>
+                          <a:spcPct val="100000"/>
+                        </a:lnSpc>
+                        <a:spcBef>
+                          <a:spcPts val="200"/>
+                        </a:spcBef>
+                        <a:spcAft>
+                          <a:spcPts val="200"/>
+                        </a:spcAft>
+                        <a:buNone/>
+                      </a:pPr>
+                      <a:r>
+                        <a:rPr sz="1000">
+                          <a:solidFill>
+                            <a:srgbClr val="111111">
+                              <a:alpha val="100000"/>
+                            </a:srgbClr>
+                          </a:solidFill>
+                          <a:latin typeface="Arial"/>
+                          <a:cs typeface="Arial"/>
+                        </a:rPr>
+                        <a:t>Combined Household</a:t>
+                      </a:r>
+                    </a:p>
+                  </a:txBody>
+                  <a:tcPr anchor="ctr" marB="0" marT="0" marR="0" marL="0">
+                    <a:lnL w="0" cmpd="sng" algn="ctr" cap="flat">
+                      <a:solidFill>
+                        <a:srgbClr val="FFFFFF">
+                          <a:alpha val="0"/>
+                        </a:srgbClr>
+                      </a:solidFill>
+                      <a:prstDash val="solid"/>
+                    </a:lnL>
+                    <a:lnR w="0" cmpd="sng" algn="ctr" cap="flat">
+                      <a:solidFill>
+                        <a:srgbClr val="FFFFFF">
+                          <a:alpha val="0"/>
+                        </a:srgbClr>
+                      </a:solidFill>
+                      <a:prstDash val="solid"/>
+                    </a:lnR>
+                    <a:lnT w="0" cmpd="sng" algn="ctr" cap="flat">
+                      <a:solidFill>
+                        <a:srgbClr val="FFFFFF">
+                          <a:alpha val="0"/>
+                        </a:srgbClr>
+                      </a:solidFill>
+                      <a:prstDash val="solid"/>
+                    </a:lnT>
+                    <a:lnB w="0" cmpd="sng" algn="ctr" cap="flat">
+                      <a:solidFill>
+                        <a:srgbClr val="FFFFFF">
+                          <a:alpha val="0"/>
+                        </a:srgbClr>
+                      </a:solidFill>
+                      <a:prstDash val="solid"/>
+                    </a:lnB>
+                  </a:tcPr>
+                </a:tc>
+                <a:tc>
+                  <a:txBody>
+                    <a:bodyPr/>
+                    <a:lstStyle/>
+                    <a:p>
+                      <a:pPr algn="ctr" marL="63500" marR="63500">
+                        <a:lnSpc>
+                          <a:spcPct val="100000"/>
+                        </a:lnSpc>
+                        <a:spcBef>
+                          <a:spcPts val="200"/>
+                        </a:spcBef>
+                        <a:spcAft>
+                          <a:spcPts val="200"/>
+                        </a:spcAft>
+                        <a:buNone/>
+                      </a:pPr>
+                      <a:r>
+                        <a:rPr sz="1000">
+                          <a:solidFill>
+                            <a:srgbClr val="111111">
+                              <a:alpha val="100000"/>
+                            </a:srgbClr>
+                          </a:solidFill>
+                          <a:latin typeface="Arial"/>
+                          <a:cs typeface="Arial"/>
+                        </a:rPr>
+                        <a:t>Present</a:t>
+                      </a:r>
+                    </a:p>
+                  </a:txBody>
+                  <a:tcPr anchor="ctr" marB="0" marT="0" marR="0" marL="0">
+                    <a:lnL w="0" cmpd="sng" algn="ctr" cap="flat">
+                      <a:solidFill>
+                        <a:srgbClr val="FFFFFF">
+                          <a:alpha val="0"/>
+                        </a:srgbClr>
+                      </a:solidFill>
+                      <a:prstDash val="solid"/>
+                    </a:lnL>
+                    <a:lnR w="0" cmpd="sng" algn="ctr" cap="flat">
+                      <a:solidFill>
+                        <a:srgbClr val="FFFFFF">
+                          <a:alpha val="0"/>
+                        </a:srgbClr>
+                      </a:solidFill>
+                      <a:prstDash val="solid"/>
+                    </a:lnR>
+                    <a:lnT w="0" cmpd="sng" algn="ctr" cap="flat">
+                      <a:solidFill>
+                        <a:srgbClr val="FFFFFF">
+                          <a:alpha val="0"/>
+                        </a:srgbClr>
+                      </a:solidFill>
+                      <a:prstDash val="solid"/>
+                    </a:lnT>
+                    <a:lnB w="0" cmpd="sng" algn="ctr" cap="flat">
+                      <a:solidFill>
+                        <a:srgbClr val="FFFFFF">
+                          <a:alpha val="0"/>
+                        </a:srgbClr>
+                      </a:solidFill>
+                      <a:prstDash val="solid"/>
+                    </a:lnB>
+                  </a:tcPr>
+                </a:tc>
+                <a:tc>
+                  <a:txBody>
+                    <a:bodyPr/>
+                    <a:lstStyle/>
+                    <a:p>
+                      <a:pPr algn="ctr" marL="63500" marR="63500">
+                        <a:lnSpc>
+                          <a:spcPct val="100000"/>
+                        </a:lnSpc>
+                        <a:spcBef>
+                          <a:spcPts val="200"/>
+                        </a:spcBef>
+                        <a:spcAft>
+                          <a:spcPts val="200"/>
+                        </a:spcAft>
+                        <a:buNone/>
+                      </a:pPr>
+                      <a:r>
+                        <a:rPr sz="1000">
+                          <a:solidFill>
+                            <a:srgbClr val="111111">
+                              <a:alpha val="100000"/>
+                            </a:srgbClr>
+                          </a:solidFill>
+                          <a:latin typeface="Arial"/>
+                          <a:cs typeface="Arial"/>
+                        </a:rPr>
+                        <a:t>Present</a:t>
+                      </a:r>
+                    </a:p>
+                  </a:txBody>
+                  <a:tcPr anchor="ctr" marB="0" marT="0" marR="0" marL="0">
+                    <a:lnL w="0" cmpd="sng" algn="ctr" cap="flat">
+                      <a:solidFill>
+                        <a:srgbClr val="FFFFFF">
+                          <a:alpha val="0"/>
+                        </a:srgbClr>
+                      </a:solidFill>
+                      <a:prstDash val="solid"/>
+                    </a:lnL>
+                    <a:lnR w="0" cmpd="sng" algn="ctr" cap="flat">
+                      <a:solidFill>
+                        <a:srgbClr val="FFFFFF">
+                          <a:alpha val="0"/>
+                        </a:srgbClr>
+                      </a:solidFill>
+                      <a:prstDash val="solid"/>
+                    </a:lnR>
+                    <a:lnT w="0" cmpd="sng" algn="ctr" cap="flat">
+                      <a:solidFill>
+                        <a:srgbClr val="FFFFFF">
+                          <a:alpha val="0"/>
+                        </a:srgbClr>
+                      </a:solidFill>
+                      <a:prstDash val="solid"/>
+                    </a:lnT>
+                    <a:lnB w="0" cmpd="sng" algn="ctr" cap="flat">
+                      <a:solidFill>
+                        <a:srgbClr val="FFFFFF">
+                          <a:alpha val="0"/>
+                        </a:srgbClr>
+                      </a:solidFill>
+                      <a:prstDash val="solid"/>
+                    </a:lnB>
+                  </a:tcPr>
+                </a:tc>
+                <a:tc>
+                  <a:txBody>
+                    <a:bodyPr/>
+                    <a:lstStyle/>
+                    <a:p>
+                      <a:pPr algn="ctr" marL="63500" marR="63500">
+                        <a:lnSpc>
+                          <a:spcPct val="100000"/>
+                        </a:lnSpc>
+                        <a:spcBef>
+                          <a:spcPts val="200"/>
+                        </a:spcBef>
+                        <a:spcAft>
+                          <a:spcPts val="200"/>
+                        </a:spcAft>
+                        <a:buNone/>
+                      </a:pPr>
+                      <a:r>
+                        <a:rPr sz="1000">
+                          <a:solidFill>
+                            <a:srgbClr val="111111">
+                              <a:alpha val="100000"/>
+                            </a:srgbClr>
+                          </a:solidFill>
+                          <a:latin typeface="Arial"/>
+                          <a:cs typeface="Arial"/>
+                        </a:rPr>
+                        <a:t>Present</a:t>
+                      </a:r>
+                    </a:p>
+                  </a:txBody>
+                  <a:tcPr anchor="ctr" marB="0" marT="0" marR="0" marL="0">
+                    <a:lnL w="0" cmpd="sng" algn="ctr" cap="flat">
+                      <a:solidFill>
+                        <a:srgbClr val="FFFFFF">
+                          <a:alpha val="0"/>
+                        </a:srgbClr>
+                      </a:solidFill>
+                      <a:prstDash val="solid"/>
+                    </a:lnL>
+                    <a:lnR w="0" cmpd="sng" algn="ctr" cap="flat">
+                      <a:solidFill>
+                        <a:srgbClr val="FFFFFF">
+                          <a:alpha val="0"/>
+                        </a:srgbClr>
+                      </a:solidFill>
+                      <a:prstDash val="solid"/>
+                    </a:lnR>
+                    <a:lnT w="0" cmpd="sng" algn="ctr" cap="flat">
+                      <a:solidFill>
+                        <a:srgbClr val="FFFFFF">
+                          <a:alpha val="0"/>
+                        </a:srgbClr>
+                      </a:solidFill>
+                      <a:prstDash val="solid"/>
+                    </a:lnT>
+                    <a:lnB w="0" cmpd="sng" algn="ctr" cap="flat">
+                      <a:solidFill>
+                        <a:srgbClr val="FFFFFF">
+                          <a:alpha val="0"/>
+                        </a:srgbClr>
+                      </a:solidFill>
+                      <a:prstDash val="solid"/>
+                    </a:lnB>
+                  </a:tcPr>
+                </a:tc>
+              </a:tr>
+              <a:tr h="293757">
+                <a:tc>
+                  <a:txBody>
+                    <a:bodyPr/>
+                    <a:lstStyle/>
+                    <a:p>
+                      <a:pPr algn="l" marL="63500" marR="63500">
+                        <a:lnSpc>
+                          <a:spcPct val="100000"/>
+                        </a:lnSpc>
+                        <a:spcBef>
+                          <a:spcPts val="200"/>
+                        </a:spcBef>
+                        <a:spcAft>
+                          <a:spcPts val="200"/>
+                        </a:spcAft>
+                        <a:buNone/>
+                      </a:pPr>
+                      <a:r>
+                        <a:rPr sz="1000">
+                          <a:solidFill>
+                            <a:srgbClr val="111111">
+                              <a:alpha val="100000"/>
+                            </a:srgbClr>
+                          </a:solidFill>
+                          <a:latin typeface="Arial"/>
+                          <a:cs typeface="Arial"/>
+                        </a:rPr>
+                        <a:t>CY Only Household</a:t>
+                      </a:r>
+                    </a:p>
+                  </a:txBody>
+                  <a:tcPr anchor="ctr" marB="0" marT="0" marR="0" marL="0">
+                    <a:lnL w="0" cmpd="sng" algn="ctr" cap="flat">
+                      <a:solidFill>
+                        <a:srgbClr val="FFFFFF">
+                          <a:alpha val="0"/>
+                        </a:srgbClr>
+                      </a:solidFill>
+                      <a:prstDash val="solid"/>
+                    </a:lnL>
+                    <a:lnR w="0" cmpd="sng" algn="ctr" cap="flat">
+                      <a:solidFill>
+                        <a:srgbClr val="FFFFFF">
+                          <a:alpha val="0"/>
+                        </a:srgbClr>
+                      </a:solidFill>
+                      <a:prstDash val="solid"/>
+                    </a:lnR>
+                    <a:lnT w="0" cmpd="sng" algn="ctr" cap="flat">
+                      <a:solidFill>
+                        <a:srgbClr val="FFFFFF">
+                          <a:alpha val="0"/>
+                        </a:srgbClr>
+                      </a:solidFill>
+                      <a:prstDash val="solid"/>
+                    </a:lnT>
+                    <a:lnB w="0" cmpd="sng" algn="ctr" cap="flat">
+                      <a:solidFill>
+                        <a:srgbClr val="FFFFFF">
+                          <a:alpha val="0"/>
+                        </a:srgbClr>
+                      </a:solidFill>
+                      <a:prstDash val="solid"/>
+                    </a:lnB>
+                    <a:solidFill>
+                      <a:srgbClr val="D6D6CE">
+                        <a:alpha val="100000"/>
+                      </a:srgbClr>
+                    </a:solidFill>
+                  </a:tcPr>
+                </a:tc>
+                <a:tc>
+                  <a:txBody>
+                    <a:bodyPr/>
+                    <a:lstStyle/>
+                    <a:p>
+                      <a:pPr algn="ctr" marL="63500" marR="63500">
+                        <a:lnSpc>
+                          <a:spcPct val="100000"/>
+                        </a:lnSpc>
+                        <a:spcBef>
+                          <a:spcPts val="200"/>
+                        </a:spcBef>
+                        <a:spcAft>
+                          <a:spcPts val="200"/>
+                        </a:spcAft>
+                        <a:buNone/>
+                      </a:pPr>
+                      <a:r>
+                        <a:rPr sz="1000">
+                          <a:solidFill>
+                            <a:srgbClr val="111111">
+                              <a:alpha val="100000"/>
+                            </a:srgbClr>
+                          </a:solidFill>
+                          <a:latin typeface="Arial"/>
+                          <a:cs typeface="Arial"/>
+                        </a:rPr>
+                        <a:t>Not Present</a:t>
+                      </a:r>
+                    </a:p>
+                  </a:txBody>
+                  <a:tcPr anchor="ctr" marB="0" marT="0" marR="0" marL="0">
+                    <a:lnL w="0" cmpd="sng" algn="ctr" cap="flat">
+                      <a:solidFill>
+                        <a:srgbClr val="FFFFFF">
+                          <a:alpha val="0"/>
+                        </a:srgbClr>
+                      </a:solidFill>
+                      <a:prstDash val="solid"/>
+                    </a:lnL>
+                    <a:lnR w="0" cmpd="sng" algn="ctr" cap="flat">
+                      <a:solidFill>
+                        <a:srgbClr val="FFFFFF">
+                          <a:alpha val="0"/>
+                        </a:srgbClr>
+                      </a:solidFill>
+                      <a:prstDash val="solid"/>
+                    </a:lnR>
+                    <a:lnT w="0" cmpd="sng" algn="ctr" cap="flat">
+                      <a:solidFill>
+                        <a:srgbClr val="FFFFFF">
+                          <a:alpha val="0"/>
+                        </a:srgbClr>
+                      </a:solidFill>
+                      <a:prstDash val="solid"/>
+                    </a:lnT>
+                    <a:lnB w="0" cmpd="sng" algn="ctr" cap="flat">
+                      <a:solidFill>
+                        <a:srgbClr val="FFFFFF">
+                          <a:alpha val="0"/>
+                        </a:srgbClr>
+                      </a:solidFill>
+                      <a:prstDash val="solid"/>
+                    </a:lnB>
+                    <a:solidFill>
+                      <a:srgbClr val="D6D6CE">
+                        <a:alpha val="100000"/>
+                      </a:srgbClr>
+                    </a:solidFill>
+                  </a:tcPr>
+                </a:tc>
+                <a:tc>
+                  <a:txBody>
+                    <a:bodyPr/>
+                    <a:lstStyle/>
+                    <a:p>
+                      <a:pPr algn="ctr" marL="63500" marR="63500">
+                        <a:lnSpc>
+                          <a:spcPct val="100000"/>
+                        </a:lnSpc>
+                        <a:spcBef>
+                          <a:spcPts val="200"/>
+                        </a:spcBef>
+                        <a:spcAft>
+                          <a:spcPts val="200"/>
+                        </a:spcAft>
+                        <a:buNone/>
+                      </a:pPr>
+                      <a:r>
+                        <a:rPr sz="1000">
+                          <a:solidFill>
+                            <a:srgbClr val="111111">
+                              <a:alpha val="100000"/>
+                            </a:srgbClr>
+                          </a:solidFill>
+                          <a:latin typeface="Arial"/>
+                          <a:cs typeface="Arial"/>
+                        </a:rPr>
+                        <a:t>Present</a:t>
+                      </a:r>
+                    </a:p>
+                  </a:txBody>
+                  <a:tcPr anchor="ctr" marB="0" marT="0" marR="0" marL="0">
+                    <a:lnL w="0" cmpd="sng" algn="ctr" cap="flat">
+                      <a:solidFill>
+                        <a:srgbClr val="FFFFFF">
+                          <a:alpha val="0"/>
+                        </a:srgbClr>
+                      </a:solidFill>
+                      <a:prstDash val="solid"/>
+                    </a:lnL>
+                    <a:lnR w="0" cmpd="sng" algn="ctr" cap="flat">
+                      <a:solidFill>
+                        <a:srgbClr val="FFFFFF">
+                          <a:alpha val="0"/>
+                        </a:srgbClr>
+                      </a:solidFill>
+                      <a:prstDash val="solid"/>
+                    </a:lnR>
+                    <a:lnT w="0" cmpd="sng" algn="ctr" cap="flat">
+                      <a:solidFill>
+                        <a:srgbClr val="FFFFFF">
+                          <a:alpha val="0"/>
+                        </a:srgbClr>
+                      </a:solidFill>
+                      <a:prstDash val="solid"/>
+                    </a:lnT>
+                    <a:lnB w="0" cmpd="sng" algn="ctr" cap="flat">
+                      <a:solidFill>
+                        <a:srgbClr val="FFFFFF">
+                          <a:alpha val="0"/>
+                        </a:srgbClr>
+                      </a:solidFill>
+                      <a:prstDash val="solid"/>
+                    </a:lnB>
+                    <a:solidFill>
+                      <a:srgbClr val="D6D6CE">
+                        <a:alpha val="100000"/>
+                      </a:srgbClr>
+                    </a:solidFill>
+                  </a:tcPr>
+                </a:tc>
+                <a:tc>
+                  <a:txBody>
+                    <a:bodyPr/>
+                    <a:lstStyle/>
+                    <a:p>
+                      <a:pPr algn="ctr" marL="63500" marR="63500">
+                        <a:lnSpc>
+                          <a:spcPct val="100000"/>
+                        </a:lnSpc>
+                        <a:spcBef>
+                          <a:spcPts val="200"/>
+                        </a:spcBef>
+                        <a:spcAft>
+                          <a:spcPts val="200"/>
+                        </a:spcAft>
+                        <a:buNone/>
+                      </a:pPr>
+                      <a:r>
+                        <a:rPr sz="1000">
+                          <a:solidFill>
+                            <a:srgbClr val="111111">
+                              <a:alpha val="100000"/>
+                            </a:srgbClr>
+                          </a:solidFill>
+                          <a:latin typeface="Arial"/>
+                          <a:cs typeface="Arial"/>
+                        </a:rPr>
+                        <a:t>Not Present</a:t>
+                      </a:r>
+                    </a:p>
+                  </a:txBody>
+                  <a:tcPr anchor="ctr" marB="0" marT="0" marR="0" marL="0">
+                    <a:lnL w="0" cmpd="sng" algn="ctr" cap="flat">
+                      <a:solidFill>
+                        <a:srgbClr val="FFFFFF">
+                          <a:alpha val="0"/>
+                        </a:srgbClr>
+                      </a:solidFill>
+                      <a:prstDash val="solid"/>
+                    </a:lnL>
+                    <a:lnR w="0" cmpd="sng" algn="ctr" cap="flat">
+                      <a:solidFill>
+                        <a:srgbClr val="FFFFFF">
+                          <a:alpha val="0"/>
+                        </a:srgbClr>
+                      </a:solidFill>
+                      <a:prstDash val="solid"/>
+                    </a:lnR>
+                    <a:lnT w="0" cmpd="sng" algn="ctr" cap="flat">
+                      <a:solidFill>
+                        <a:srgbClr val="FFFFFF">
+                          <a:alpha val="0"/>
+                        </a:srgbClr>
+                      </a:solidFill>
+                      <a:prstDash val="solid"/>
+                    </a:lnT>
+                    <a:lnB w="0" cmpd="sng" algn="ctr" cap="flat">
+                      <a:solidFill>
+                        <a:srgbClr val="FFFFFF">
+                          <a:alpha val="0"/>
+                        </a:srgbClr>
+                      </a:solidFill>
+                      <a:prstDash val="solid"/>
+                    </a:lnB>
+                    <a:solidFill>
+                      <a:srgbClr val="D6D6CE">
+                        <a:alpha val="100000"/>
+                      </a:srgbClr>
+                    </a:solidFill>
+                  </a:tcPr>
+                </a:tc>
+              </a:tr>
+              <a:tr h="293757">
+                <a:tc>
+                  <a:txBody>
+                    <a:bodyPr/>
+                    <a:lstStyle/>
+                    <a:p>
+                      <a:pPr algn="l" marL="63500" marR="63500">
+                        <a:lnSpc>
+                          <a:spcPct val="100000"/>
+                        </a:lnSpc>
+                        <a:spcBef>
+                          <a:spcPts val="200"/>
+                        </a:spcBef>
+                        <a:spcAft>
+                          <a:spcPts val="200"/>
+                        </a:spcAft>
+                        <a:buNone/>
+                      </a:pPr>
+                      <a:r>
+                        <a:rPr sz="1000">
+                          <a:solidFill>
+                            <a:srgbClr val="111111">
+                              <a:alpha val="100000"/>
+                            </a:srgbClr>
+                          </a:solidFill>
+                          <a:latin typeface="Arial"/>
+                          <a:cs typeface="Arial"/>
+                        </a:rPr>
+                        <a:t>CY-EE Only Household</a:t>
+                      </a:r>
+                    </a:p>
+                  </a:txBody>
+                  <a:tcPr anchor="ctr" marB="0" marT="0" marR="0" marL="0">
+                    <a:lnL w="0" cmpd="sng" algn="ctr" cap="flat">
+                      <a:solidFill>
+                        <a:srgbClr val="FFFFFF">
+                          <a:alpha val="0"/>
+                        </a:srgbClr>
+                      </a:solidFill>
+                      <a:prstDash val="solid"/>
+                    </a:lnL>
+                    <a:lnR w="0" cmpd="sng" algn="ctr" cap="flat">
+                      <a:solidFill>
+                        <a:srgbClr val="FFFFFF">
+                          <a:alpha val="0"/>
+                        </a:srgbClr>
+                      </a:solidFill>
+                      <a:prstDash val="solid"/>
+                    </a:lnR>
+                    <a:lnT w="0" cmpd="sng" algn="ctr" cap="flat">
+                      <a:solidFill>
+                        <a:srgbClr val="FFFFFF">
+                          <a:alpha val="0"/>
+                        </a:srgbClr>
+                      </a:solidFill>
+                      <a:prstDash val="solid"/>
+                    </a:lnT>
+                    <a:lnB w="0" cmpd="sng" algn="ctr" cap="flat">
+                      <a:solidFill>
+                        <a:srgbClr val="FFFFFF">
+                          <a:alpha val="0"/>
+                        </a:srgbClr>
+                      </a:solidFill>
+                      <a:prstDash val="solid"/>
+                    </a:lnB>
+                  </a:tcPr>
+                </a:tc>
+                <a:tc>
+                  <a:txBody>
+                    <a:bodyPr/>
+                    <a:lstStyle/>
+                    <a:p>
+                      <a:pPr algn="ctr" marL="63500" marR="63500">
+                        <a:lnSpc>
+                          <a:spcPct val="100000"/>
+                        </a:lnSpc>
+                        <a:spcBef>
+                          <a:spcPts val="200"/>
+                        </a:spcBef>
+                        <a:spcAft>
+                          <a:spcPts val="200"/>
+                        </a:spcAft>
+                        <a:buNone/>
+                      </a:pPr>
+                      <a:r>
+                        <a:rPr sz="1000">
+                          <a:solidFill>
+                            <a:srgbClr val="111111">
+                              <a:alpha val="100000"/>
+                            </a:srgbClr>
+                          </a:solidFill>
+                          <a:latin typeface="Arial"/>
+                          <a:cs typeface="Arial"/>
+                        </a:rPr>
+                        <a:t>Present</a:t>
+                      </a:r>
+                    </a:p>
+                  </a:txBody>
+                  <a:tcPr anchor="ctr" marB="0" marT="0" marR="0" marL="0">
+                    <a:lnL w="0" cmpd="sng" algn="ctr" cap="flat">
+                      <a:solidFill>
+                        <a:srgbClr val="FFFFFF">
+                          <a:alpha val="0"/>
+                        </a:srgbClr>
+                      </a:solidFill>
+                      <a:prstDash val="solid"/>
+                    </a:lnL>
+                    <a:lnR w="0" cmpd="sng" algn="ctr" cap="flat">
+                      <a:solidFill>
+                        <a:srgbClr val="FFFFFF">
+                          <a:alpha val="0"/>
+                        </a:srgbClr>
+                      </a:solidFill>
+                      <a:prstDash val="solid"/>
+                    </a:lnR>
+                    <a:lnT w="0" cmpd="sng" algn="ctr" cap="flat">
+                      <a:solidFill>
+                        <a:srgbClr val="FFFFFF">
+                          <a:alpha val="0"/>
+                        </a:srgbClr>
+                      </a:solidFill>
+                      <a:prstDash val="solid"/>
+                    </a:lnT>
+                    <a:lnB w="0" cmpd="sng" algn="ctr" cap="flat">
+                      <a:solidFill>
+                        <a:srgbClr val="FFFFFF">
+                          <a:alpha val="0"/>
+                        </a:srgbClr>
+                      </a:solidFill>
+                      <a:prstDash val="solid"/>
+                    </a:lnB>
+                  </a:tcPr>
+                </a:tc>
+                <a:tc>
+                  <a:txBody>
+                    <a:bodyPr/>
+                    <a:lstStyle/>
+                    <a:p>
+                      <a:pPr algn="ctr" marL="63500" marR="63500">
+                        <a:lnSpc>
+                          <a:spcPct val="100000"/>
+                        </a:lnSpc>
+                        <a:spcBef>
+                          <a:spcPts val="200"/>
+                        </a:spcBef>
+                        <a:spcAft>
+                          <a:spcPts val="200"/>
+                        </a:spcAft>
+                        <a:buNone/>
+                      </a:pPr>
+                      <a:r>
+                        <a:rPr sz="1000">
+                          <a:solidFill>
+                            <a:srgbClr val="111111">
+                              <a:alpha val="100000"/>
+                            </a:srgbClr>
+                          </a:solidFill>
+                          <a:latin typeface="Arial"/>
+                          <a:cs typeface="Arial"/>
+                        </a:rPr>
+                        <a:t>Present</a:t>
+                      </a:r>
+                    </a:p>
+                  </a:txBody>
+                  <a:tcPr anchor="ctr" marB="0" marT="0" marR="0" marL="0">
+                    <a:lnL w="0" cmpd="sng" algn="ctr" cap="flat">
+                      <a:solidFill>
+                        <a:srgbClr val="FFFFFF">
+                          <a:alpha val="0"/>
+                        </a:srgbClr>
+                      </a:solidFill>
+                      <a:prstDash val="solid"/>
+                    </a:lnL>
+                    <a:lnR w="0" cmpd="sng" algn="ctr" cap="flat">
+                      <a:solidFill>
+                        <a:srgbClr val="FFFFFF">
+                          <a:alpha val="0"/>
+                        </a:srgbClr>
+                      </a:solidFill>
+                      <a:prstDash val="solid"/>
+                    </a:lnR>
+                    <a:lnT w="0" cmpd="sng" algn="ctr" cap="flat">
+                      <a:solidFill>
+                        <a:srgbClr val="FFFFFF">
+                          <a:alpha val="0"/>
+                        </a:srgbClr>
+                      </a:solidFill>
+                      <a:prstDash val="solid"/>
+                    </a:lnT>
+                    <a:lnB w="0" cmpd="sng" algn="ctr" cap="flat">
+                      <a:solidFill>
+                        <a:srgbClr val="FFFFFF">
+                          <a:alpha val="0"/>
+                        </a:srgbClr>
+                      </a:solidFill>
+                      <a:prstDash val="solid"/>
+                    </a:lnB>
+                  </a:tcPr>
+                </a:tc>
+                <a:tc>
+                  <a:txBody>
+                    <a:bodyPr/>
+                    <a:lstStyle/>
+                    <a:p>
+                      <a:pPr algn="ctr" marL="63500" marR="63500">
+                        <a:lnSpc>
+                          <a:spcPct val="100000"/>
+                        </a:lnSpc>
+                        <a:spcBef>
+                          <a:spcPts val="200"/>
+                        </a:spcBef>
+                        <a:spcAft>
+                          <a:spcPts val="200"/>
+                        </a:spcAft>
+                        <a:buNone/>
+                      </a:pPr>
+                      <a:r>
+                        <a:rPr sz="1000">
+                          <a:solidFill>
+                            <a:srgbClr val="111111">
+                              <a:alpha val="100000"/>
+                            </a:srgbClr>
+                          </a:solidFill>
+                          <a:latin typeface="Arial"/>
+                          <a:cs typeface="Arial"/>
+                        </a:rPr>
+                        <a:t>Not Present</a:t>
+                      </a:r>
+                    </a:p>
+                  </a:txBody>
+                  <a:tcPr anchor="ctr" marB="0" marT="0" marR="0" marL="0">
+                    <a:lnL w="0" cmpd="sng" algn="ctr" cap="flat">
+                      <a:solidFill>
+                        <a:srgbClr val="FFFFFF">
+                          <a:alpha val="0"/>
+                        </a:srgbClr>
+                      </a:solidFill>
+                      <a:prstDash val="solid"/>
+                    </a:lnL>
+                    <a:lnR w="0" cmpd="sng" algn="ctr" cap="flat">
+                      <a:solidFill>
+                        <a:srgbClr val="FFFFFF">
+                          <a:alpha val="0"/>
+                        </a:srgbClr>
+                      </a:solidFill>
+                      <a:prstDash val="solid"/>
+                    </a:lnR>
+                    <a:lnT w="0" cmpd="sng" algn="ctr" cap="flat">
+                      <a:solidFill>
+                        <a:srgbClr val="FFFFFF">
+                          <a:alpha val="0"/>
+                        </a:srgbClr>
+                      </a:solidFill>
+                      <a:prstDash val="solid"/>
+                    </a:lnT>
+                    <a:lnB w="0" cmpd="sng" algn="ctr" cap="flat">
+                      <a:solidFill>
+                        <a:srgbClr val="FFFFFF">
+                          <a:alpha val="0"/>
+                        </a:srgbClr>
+                      </a:solidFill>
+                      <a:prstDash val="solid"/>
+                    </a:lnB>
+                  </a:tcPr>
+                </a:tc>
+              </a:tr>
+              <a:tr h="293757">
+                <a:tc>
+                  <a:txBody>
+                    <a:bodyPr/>
+                    <a:lstStyle/>
+                    <a:p>
+                      <a:pPr algn="l" marL="63500" marR="63500">
+                        <a:lnSpc>
+                          <a:spcPct val="100000"/>
+                        </a:lnSpc>
+                        <a:spcBef>
+                          <a:spcPts val="200"/>
+                        </a:spcBef>
+                        <a:spcAft>
+                          <a:spcPts val="200"/>
+                        </a:spcAft>
+                        <a:buNone/>
+                      </a:pPr>
+                      <a:r>
+                        <a:rPr sz="1000">
+                          <a:solidFill>
+                            <a:srgbClr val="111111">
+                              <a:alpha val="100000"/>
+                            </a:srgbClr>
+                          </a:solidFill>
+                          <a:latin typeface="Arial"/>
+                          <a:cs typeface="Arial"/>
+                        </a:rPr>
+                        <a:t>EE Only Household</a:t>
+                      </a:r>
+                    </a:p>
+                  </a:txBody>
+                  <a:tcPr anchor="ctr" marB="0" marT="0" marR="0" marL="0">
+                    <a:lnL w="0" cmpd="sng" algn="ctr" cap="flat">
+                      <a:solidFill>
+                        <a:srgbClr val="FFFFFF">
+                          <a:alpha val="0"/>
+                        </a:srgbClr>
+                      </a:solidFill>
+                      <a:prstDash val="solid"/>
+                    </a:lnL>
+                    <a:lnR w="0" cmpd="sng" algn="ctr" cap="flat">
+                      <a:solidFill>
+                        <a:srgbClr val="FFFFFF">
+                          <a:alpha val="0"/>
+                        </a:srgbClr>
+                      </a:solidFill>
+                      <a:prstDash val="solid"/>
+                    </a:lnR>
+                    <a:lnT w="0" cmpd="sng" algn="ctr" cap="flat">
+                      <a:solidFill>
+                        <a:srgbClr val="FFFFFF">
+                          <a:alpha val="0"/>
+                        </a:srgbClr>
+                      </a:solidFill>
+                      <a:prstDash val="solid"/>
+                    </a:lnT>
+                    <a:lnB w="0" cmpd="sng" algn="ctr" cap="flat">
+                      <a:solidFill>
+                        <a:srgbClr val="FFFFFF">
+                          <a:alpha val="0"/>
+                        </a:srgbClr>
+                      </a:solidFill>
+                      <a:prstDash val="solid"/>
+                    </a:lnB>
+                    <a:solidFill>
+                      <a:srgbClr val="D6D6CE">
+                        <a:alpha val="100000"/>
+                      </a:srgbClr>
+                    </a:solidFill>
+                  </a:tcPr>
+                </a:tc>
+                <a:tc>
+                  <a:txBody>
+                    <a:bodyPr/>
+                    <a:lstStyle/>
+                    <a:p>
+                      <a:pPr algn="ctr" marL="63500" marR="63500">
+                        <a:lnSpc>
+                          <a:spcPct val="100000"/>
+                        </a:lnSpc>
+                        <a:spcBef>
+                          <a:spcPts val="200"/>
+                        </a:spcBef>
+                        <a:spcAft>
+                          <a:spcPts val="200"/>
+                        </a:spcAft>
+                        <a:buNone/>
+                      </a:pPr>
+                      <a:r>
+                        <a:rPr sz="1000">
+                          <a:solidFill>
+                            <a:srgbClr val="111111">
+                              <a:alpha val="100000"/>
+                            </a:srgbClr>
+                          </a:solidFill>
+                          <a:latin typeface="Arial"/>
+                          <a:cs typeface="Arial"/>
+                        </a:rPr>
+                        <a:t>Present</a:t>
+                      </a:r>
+                    </a:p>
+                  </a:txBody>
+                  <a:tcPr anchor="ctr" marB="0" marT="0" marR="0" marL="0">
+                    <a:lnL w="0" cmpd="sng" algn="ctr" cap="flat">
+                      <a:solidFill>
+                        <a:srgbClr val="FFFFFF">
+                          <a:alpha val="0"/>
+                        </a:srgbClr>
+                      </a:solidFill>
+                      <a:prstDash val="solid"/>
+                    </a:lnL>
+                    <a:lnR w="0" cmpd="sng" algn="ctr" cap="flat">
+                      <a:solidFill>
+                        <a:srgbClr val="FFFFFF">
+                          <a:alpha val="0"/>
+                        </a:srgbClr>
+                      </a:solidFill>
+                      <a:prstDash val="solid"/>
+                    </a:lnR>
+                    <a:lnT w="0" cmpd="sng" algn="ctr" cap="flat">
+                      <a:solidFill>
+                        <a:srgbClr val="FFFFFF">
+                          <a:alpha val="0"/>
+                        </a:srgbClr>
+                      </a:solidFill>
+                      <a:prstDash val="solid"/>
+                    </a:lnT>
+                    <a:lnB w="0" cmpd="sng" algn="ctr" cap="flat">
+                      <a:solidFill>
+                        <a:srgbClr val="FFFFFF">
+                          <a:alpha val="0"/>
+                        </a:srgbClr>
+                      </a:solidFill>
+                      <a:prstDash val="solid"/>
+                    </a:lnB>
+                    <a:solidFill>
+                      <a:srgbClr val="D6D6CE">
+                        <a:alpha val="100000"/>
+                      </a:srgbClr>
+                    </a:solidFill>
+                  </a:tcPr>
+                </a:tc>
+                <a:tc>
+                  <a:txBody>
+                    <a:bodyPr/>
+                    <a:lstStyle/>
+                    <a:p>
+                      <a:pPr algn="ctr" marL="63500" marR="63500">
+                        <a:lnSpc>
+                          <a:spcPct val="100000"/>
+                        </a:lnSpc>
+                        <a:spcBef>
+                          <a:spcPts val="200"/>
+                        </a:spcBef>
+                        <a:spcAft>
+                          <a:spcPts val="200"/>
+                        </a:spcAft>
+                        <a:buNone/>
+                      </a:pPr>
+                      <a:r>
+                        <a:rPr sz="1000">
+                          <a:solidFill>
+                            <a:srgbClr val="111111">
+                              <a:alpha val="100000"/>
+                            </a:srgbClr>
+                          </a:solidFill>
+                          <a:latin typeface="Arial"/>
+                          <a:cs typeface="Arial"/>
+                        </a:rPr>
+                        <a:t>Not Present</a:t>
+                      </a:r>
+                    </a:p>
+                  </a:txBody>
+                  <a:tcPr anchor="ctr" marB="0" marT="0" marR="0" marL="0">
+                    <a:lnL w="0" cmpd="sng" algn="ctr" cap="flat">
+                      <a:solidFill>
+                        <a:srgbClr val="FFFFFF">
+                          <a:alpha val="0"/>
+                        </a:srgbClr>
+                      </a:solidFill>
+                      <a:prstDash val="solid"/>
+                    </a:lnL>
+                    <a:lnR w="0" cmpd="sng" algn="ctr" cap="flat">
+                      <a:solidFill>
+                        <a:srgbClr val="FFFFFF">
+                          <a:alpha val="0"/>
+                        </a:srgbClr>
+                      </a:solidFill>
+                      <a:prstDash val="solid"/>
+                    </a:lnR>
+                    <a:lnT w="0" cmpd="sng" algn="ctr" cap="flat">
+                      <a:solidFill>
+                        <a:srgbClr val="FFFFFF">
+                          <a:alpha val="0"/>
+                        </a:srgbClr>
+                      </a:solidFill>
+                      <a:prstDash val="solid"/>
+                    </a:lnT>
+                    <a:lnB w="0" cmpd="sng" algn="ctr" cap="flat">
+                      <a:solidFill>
+                        <a:srgbClr val="FFFFFF">
+                          <a:alpha val="0"/>
+                        </a:srgbClr>
+                      </a:solidFill>
+                      <a:prstDash val="solid"/>
+                    </a:lnB>
+                    <a:solidFill>
+                      <a:srgbClr val="D6D6CE">
+                        <a:alpha val="100000"/>
+                      </a:srgbClr>
+                    </a:solidFill>
+                  </a:tcPr>
+                </a:tc>
+                <a:tc>
+                  <a:txBody>
+                    <a:bodyPr/>
+                    <a:lstStyle/>
+                    <a:p>
+                      <a:pPr algn="ctr" marL="63500" marR="63500">
+                        <a:lnSpc>
+                          <a:spcPct val="100000"/>
+                        </a:lnSpc>
+                        <a:spcBef>
+                          <a:spcPts val="200"/>
+                        </a:spcBef>
+                        <a:spcAft>
+                          <a:spcPts val="200"/>
+                        </a:spcAft>
+                        <a:buNone/>
+                      </a:pPr>
+                      <a:r>
+                        <a:rPr sz="1000">
+                          <a:solidFill>
+                            <a:srgbClr val="111111">
+                              <a:alpha val="100000"/>
+                            </a:srgbClr>
+                          </a:solidFill>
+                          <a:latin typeface="Arial"/>
+                          <a:cs typeface="Arial"/>
+                        </a:rPr>
+                        <a:t>Not Present</a:t>
+                      </a:r>
+                    </a:p>
+                  </a:txBody>
+                  <a:tcPr anchor="ctr" marB="0" marT="0" marR="0" marL="0">
+                    <a:lnL w="0" cmpd="sng" algn="ctr" cap="flat">
+                      <a:solidFill>
+                        <a:srgbClr val="FFFFFF">
+                          <a:alpha val="0"/>
+                        </a:srgbClr>
+                      </a:solidFill>
+                      <a:prstDash val="solid"/>
+                    </a:lnL>
+                    <a:lnR w="0" cmpd="sng" algn="ctr" cap="flat">
+                      <a:solidFill>
+                        <a:srgbClr val="FFFFFF">
+                          <a:alpha val="0"/>
+                        </a:srgbClr>
+                      </a:solidFill>
+                      <a:prstDash val="solid"/>
+                    </a:lnR>
+                    <a:lnT w="0" cmpd="sng" algn="ctr" cap="flat">
+                      <a:solidFill>
+                        <a:srgbClr val="FFFFFF">
+                          <a:alpha val="0"/>
+                        </a:srgbClr>
+                      </a:solidFill>
+                      <a:prstDash val="solid"/>
+                    </a:lnT>
+                    <a:lnB w="0" cmpd="sng" algn="ctr" cap="flat">
+                      <a:solidFill>
+                        <a:srgbClr val="FFFFFF">
+                          <a:alpha val="0"/>
+                        </a:srgbClr>
+                      </a:solidFill>
+                      <a:prstDash val="solid"/>
+                    </a:lnB>
+                    <a:solidFill>
+                      <a:srgbClr val="D6D6CE">
+                        <a:alpha val="100000"/>
+                      </a:srgbClr>
+                    </a:solidFill>
+                  </a:tcPr>
+                </a:tc>
+              </a:tr>
+              <a:tr h="293757">
+                <a:tc>
+                  <a:txBody>
+                    <a:bodyPr/>
+                    <a:lstStyle/>
+                    <a:p>
+                      <a:pPr algn="l" marL="63500" marR="63500">
+                        <a:lnSpc>
+                          <a:spcPct val="100000"/>
+                        </a:lnSpc>
+                        <a:spcBef>
+                          <a:spcPts val="200"/>
+                        </a:spcBef>
+                        <a:spcAft>
+                          <a:spcPts val="200"/>
+                        </a:spcAft>
+                        <a:buNone/>
+                      </a:pPr>
+                      <a:r>
+                        <a:rPr sz="1000">
+                          <a:solidFill>
+                            <a:srgbClr val="111111">
+                              <a:alpha val="100000"/>
+                            </a:srgbClr>
+                          </a:solidFill>
+                          <a:latin typeface="Arial"/>
+                          <a:cs typeface="Arial"/>
+                        </a:rPr>
+                        <a:t>OY Only Household</a:t>
+                      </a:r>
+                    </a:p>
+                  </a:txBody>
+                  <a:tcPr anchor="ctr" marB="0" marT="0" marR="0" marL="0">
+                    <a:lnL w="0" cmpd="sng" algn="ctr" cap="flat">
+                      <a:solidFill>
+                        <a:srgbClr val="FFFFFF">
+                          <a:alpha val="0"/>
+                        </a:srgbClr>
+                      </a:solidFill>
+                      <a:prstDash val="solid"/>
+                    </a:lnL>
+                    <a:lnR w="0" cmpd="sng" algn="ctr" cap="flat">
+                      <a:solidFill>
+                        <a:srgbClr val="FFFFFF">
+                          <a:alpha val="0"/>
+                        </a:srgbClr>
+                      </a:solidFill>
+                      <a:prstDash val="solid"/>
+                    </a:lnR>
+                    <a:lnT w="0" cmpd="sng" algn="ctr" cap="flat">
+                      <a:solidFill>
+                        <a:srgbClr val="FFFFFF">
+                          <a:alpha val="0"/>
+                        </a:srgbClr>
+                      </a:solidFill>
+                      <a:prstDash val="solid"/>
+                    </a:lnT>
+                    <a:lnB w="0" cmpd="sng" algn="ctr" cap="flat">
+                      <a:solidFill>
+                        <a:srgbClr val="FFFFFF">
+                          <a:alpha val="0"/>
+                        </a:srgbClr>
+                      </a:solidFill>
+                      <a:prstDash val="solid"/>
+                    </a:lnB>
+                  </a:tcPr>
+                </a:tc>
+                <a:tc>
+                  <a:txBody>
+                    <a:bodyPr/>
+                    <a:lstStyle/>
+                    <a:p>
+                      <a:pPr algn="ctr" marL="63500" marR="63500">
+                        <a:lnSpc>
+                          <a:spcPct val="100000"/>
+                        </a:lnSpc>
+                        <a:spcBef>
+                          <a:spcPts val="200"/>
+                        </a:spcBef>
+                        <a:spcAft>
+                          <a:spcPts val="200"/>
+                        </a:spcAft>
+                        <a:buNone/>
+                      </a:pPr>
+                      <a:r>
+                        <a:rPr sz="1000">
+                          <a:solidFill>
+                            <a:srgbClr val="111111">
+                              <a:alpha val="100000"/>
+                            </a:srgbClr>
+                          </a:solidFill>
+                          <a:latin typeface="Arial"/>
+                          <a:cs typeface="Arial"/>
+                        </a:rPr>
+                        <a:t>Not Present</a:t>
+                      </a:r>
+                    </a:p>
+                  </a:txBody>
+                  <a:tcPr anchor="ctr" marB="0" marT="0" marR="0" marL="0">
+                    <a:lnL w="0" cmpd="sng" algn="ctr" cap="flat">
+                      <a:solidFill>
+                        <a:srgbClr val="FFFFFF">
+                          <a:alpha val="0"/>
+                        </a:srgbClr>
+                      </a:solidFill>
+                      <a:prstDash val="solid"/>
+                    </a:lnL>
+                    <a:lnR w="0" cmpd="sng" algn="ctr" cap="flat">
+                      <a:solidFill>
+                        <a:srgbClr val="FFFFFF">
+                          <a:alpha val="0"/>
+                        </a:srgbClr>
+                      </a:solidFill>
+                      <a:prstDash val="solid"/>
+                    </a:lnR>
+                    <a:lnT w="0" cmpd="sng" algn="ctr" cap="flat">
+                      <a:solidFill>
+                        <a:srgbClr val="FFFFFF">
+                          <a:alpha val="0"/>
+                        </a:srgbClr>
+                      </a:solidFill>
+                      <a:prstDash val="solid"/>
+                    </a:lnT>
+                    <a:lnB w="0" cmpd="sng" algn="ctr" cap="flat">
+                      <a:solidFill>
+                        <a:srgbClr val="FFFFFF">
+                          <a:alpha val="0"/>
+                        </a:srgbClr>
+                      </a:solidFill>
+                      <a:prstDash val="solid"/>
+                    </a:lnB>
+                  </a:tcPr>
+                </a:tc>
+                <a:tc>
+                  <a:txBody>
+                    <a:bodyPr/>
+                    <a:lstStyle/>
+                    <a:p>
+                      <a:pPr algn="ctr" marL="63500" marR="63500">
+                        <a:lnSpc>
+                          <a:spcPct val="100000"/>
+                        </a:lnSpc>
+                        <a:spcBef>
+                          <a:spcPts val="200"/>
+                        </a:spcBef>
+                        <a:spcAft>
+                          <a:spcPts val="200"/>
+                        </a:spcAft>
+                        <a:buNone/>
+                      </a:pPr>
+                      <a:r>
+                        <a:rPr sz="1000">
+                          <a:solidFill>
+                            <a:srgbClr val="111111">
+                              <a:alpha val="100000"/>
+                            </a:srgbClr>
+                          </a:solidFill>
+                          <a:latin typeface="Arial"/>
+                          <a:cs typeface="Arial"/>
+                        </a:rPr>
+                        <a:t>Not Present</a:t>
+                      </a:r>
+                    </a:p>
+                  </a:txBody>
+                  <a:tcPr anchor="ctr" marB="0" marT="0" marR="0" marL="0">
+                    <a:lnL w="0" cmpd="sng" algn="ctr" cap="flat">
+                      <a:solidFill>
+                        <a:srgbClr val="FFFFFF">
+                          <a:alpha val="0"/>
+                        </a:srgbClr>
+                      </a:solidFill>
+                      <a:prstDash val="solid"/>
+                    </a:lnL>
+                    <a:lnR w="0" cmpd="sng" algn="ctr" cap="flat">
+                      <a:solidFill>
+                        <a:srgbClr val="FFFFFF">
+                          <a:alpha val="0"/>
+                        </a:srgbClr>
+                      </a:solidFill>
+                      <a:prstDash val="solid"/>
+                    </a:lnR>
+                    <a:lnT w="0" cmpd="sng" algn="ctr" cap="flat">
+                      <a:solidFill>
+                        <a:srgbClr val="FFFFFF">
+                          <a:alpha val="0"/>
+                        </a:srgbClr>
+                      </a:solidFill>
+                      <a:prstDash val="solid"/>
+                    </a:lnT>
+                    <a:lnB w="0" cmpd="sng" algn="ctr" cap="flat">
+                      <a:solidFill>
+                        <a:srgbClr val="FFFFFF">
+                          <a:alpha val="0"/>
+                        </a:srgbClr>
+                      </a:solidFill>
+                      <a:prstDash val="solid"/>
+                    </a:lnB>
+                  </a:tcPr>
+                </a:tc>
+                <a:tc>
+                  <a:txBody>
+                    <a:bodyPr/>
+                    <a:lstStyle/>
+                    <a:p>
+                      <a:pPr algn="ctr" marL="63500" marR="63500">
+                        <a:lnSpc>
+                          <a:spcPct val="100000"/>
+                        </a:lnSpc>
+                        <a:spcBef>
+                          <a:spcPts val="200"/>
+                        </a:spcBef>
+                        <a:spcAft>
+                          <a:spcPts val="200"/>
+                        </a:spcAft>
+                        <a:buNone/>
+                      </a:pPr>
+                      <a:r>
+                        <a:rPr sz="1000">
+                          <a:solidFill>
+                            <a:srgbClr val="111111">
+                              <a:alpha val="100000"/>
+                            </a:srgbClr>
+                          </a:solidFill>
+                          <a:latin typeface="Arial"/>
+                          <a:cs typeface="Arial"/>
+                        </a:rPr>
+                        <a:t>Present</a:t>
+                      </a:r>
+                    </a:p>
+                  </a:txBody>
+                  <a:tcPr anchor="ctr" marB="0" marT="0" marR="0" marL="0">
+                    <a:lnL w="0" cmpd="sng" algn="ctr" cap="flat">
+                      <a:solidFill>
+                        <a:srgbClr val="FFFFFF">
+                          <a:alpha val="0"/>
+                        </a:srgbClr>
+                      </a:solidFill>
+                      <a:prstDash val="solid"/>
+                    </a:lnL>
+                    <a:lnR w="0" cmpd="sng" algn="ctr" cap="flat">
+                      <a:solidFill>
+                        <a:srgbClr val="FFFFFF">
+                          <a:alpha val="0"/>
+                        </a:srgbClr>
+                      </a:solidFill>
+                      <a:prstDash val="solid"/>
+                    </a:lnR>
+                    <a:lnT w="0" cmpd="sng" algn="ctr" cap="flat">
+                      <a:solidFill>
+                        <a:srgbClr val="FFFFFF">
+                          <a:alpha val="0"/>
+                        </a:srgbClr>
+                      </a:solidFill>
+                      <a:prstDash val="solid"/>
+                    </a:lnT>
+                    <a:lnB w="0" cmpd="sng" algn="ctr" cap="flat">
+                      <a:solidFill>
+                        <a:srgbClr val="FFFFFF">
+                          <a:alpha val="0"/>
+                        </a:srgbClr>
+                      </a:solidFill>
+                      <a:prstDash val="solid"/>
+                    </a:lnB>
+                  </a:tcPr>
+                </a:tc>
+              </a:tr>
+              <a:tr h="293757">
+                <a:tc>
+                  <a:txBody>
+                    <a:bodyPr/>
+                    <a:lstStyle/>
+                    <a:p>
+                      <a:pPr algn="l" marL="63500" marR="63500">
+                        <a:lnSpc>
+                          <a:spcPct val="100000"/>
+                        </a:lnSpc>
+                        <a:spcBef>
+                          <a:spcPts val="200"/>
+                        </a:spcBef>
+                        <a:spcAft>
+                          <a:spcPts val="200"/>
+                        </a:spcAft>
+                        <a:buNone/>
+                      </a:pPr>
+                      <a:r>
+                        <a:rPr sz="1000">
+                          <a:solidFill>
+                            <a:srgbClr val="111111">
+                              <a:alpha val="100000"/>
+                            </a:srgbClr>
+                          </a:solidFill>
+                          <a:latin typeface="Arial"/>
+                          <a:cs typeface="Arial"/>
+                        </a:rPr>
+                        <a:t>OY-CY Only Household</a:t>
+                      </a:r>
+                    </a:p>
+                  </a:txBody>
+                  <a:tcPr anchor="ctr" marB="0" marT="0" marR="0" marL="0">
+                    <a:lnL w="0" cmpd="sng" algn="ctr" cap="flat">
+                      <a:solidFill>
+                        <a:srgbClr val="FFFFFF">
+                          <a:alpha val="0"/>
+                        </a:srgbClr>
+                      </a:solidFill>
+                      <a:prstDash val="solid"/>
+                    </a:lnL>
+                    <a:lnR w="0" cmpd="sng" algn="ctr" cap="flat">
+                      <a:solidFill>
+                        <a:srgbClr val="FFFFFF">
+                          <a:alpha val="0"/>
+                        </a:srgbClr>
+                      </a:solidFill>
+                      <a:prstDash val="solid"/>
+                    </a:lnR>
+                    <a:lnT w="0" cmpd="sng" algn="ctr" cap="flat">
+                      <a:solidFill>
+                        <a:srgbClr val="FFFFFF">
+                          <a:alpha val="0"/>
+                        </a:srgbClr>
+                      </a:solidFill>
+                      <a:prstDash val="solid"/>
+                    </a:lnT>
+                    <a:lnB w="0" cmpd="sng" algn="ctr" cap="flat">
+                      <a:solidFill>
+                        <a:srgbClr val="FFFFFF">
+                          <a:alpha val="0"/>
+                        </a:srgbClr>
+                      </a:solidFill>
+                      <a:prstDash val="solid"/>
+                    </a:lnB>
+                    <a:solidFill>
+                      <a:srgbClr val="D6D6CE">
+                        <a:alpha val="100000"/>
+                      </a:srgbClr>
+                    </a:solidFill>
+                  </a:tcPr>
+                </a:tc>
+                <a:tc>
+                  <a:txBody>
+                    <a:bodyPr/>
+                    <a:lstStyle/>
+                    <a:p>
+                      <a:pPr algn="ctr" marL="63500" marR="63500">
+                        <a:lnSpc>
+                          <a:spcPct val="100000"/>
+                        </a:lnSpc>
+                        <a:spcBef>
+                          <a:spcPts val="200"/>
+                        </a:spcBef>
+                        <a:spcAft>
+                          <a:spcPts val="200"/>
+                        </a:spcAft>
+                        <a:buNone/>
+                      </a:pPr>
+                      <a:r>
+                        <a:rPr sz="1000">
+                          <a:solidFill>
+                            <a:srgbClr val="111111">
+                              <a:alpha val="100000"/>
+                            </a:srgbClr>
+                          </a:solidFill>
+                          <a:latin typeface="Arial"/>
+                          <a:cs typeface="Arial"/>
+                        </a:rPr>
+                        <a:t>Not Present</a:t>
+                      </a:r>
+                    </a:p>
+                  </a:txBody>
+                  <a:tcPr anchor="ctr" marB="0" marT="0" marR="0" marL="0">
+                    <a:lnL w="0" cmpd="sng" algn="ctr" cap="flat">
+                      <a:solidFill>
+                        <a:srgbClr val="FFFFFF">
+                          <a:alpha val="0"/>
+                        </a:srgbClr>
+                      </a:solidFill>
+                      <a:prstDash val="solid"/>
+                    </a:lnL>
+                    <a:lnR w="0" cmpd="sng" algn="ctr" cap="flat">
+                      <a:solidFill>
+                        <a:srgbClr val="FFFFFF">
+                          <a:alpha val="0"/>
+                        </a:srgbClr>
+                      </a:solidFill>
+                      <a:prstDash val="solid"/>
+                    </a:lnR>
+                    <a:lnT w="0" cmpd="sng" algn="ctr" cap="flat">
+                      <a:solidFill>
+                        <a:srgbClr val="FFFFFF">
+                          <a:alpha val="0"/>
+                        </a:srgbClr>
+                      </a:solidFill>
+                      <a:prstDash val="solid"/>
+                    </a:lnT>
+                    <a:lnB w="0" cmpd="sng" algn="ctr" cap="flat">
+                      <a:solidFill>
+                        <a:srgbClr val="FFFFFF">
+                          <a:alpha val="0"/>
+                        </a:srgbClr>
+                      </a:solidFill>
+                      <a:prstDash val="solid"/>
+                    </a:lnB>
+                    <a:solidFill>
+                      <a:srgbClr val="D6D6CE">
+                        <a:alpha val="100000"/>
+                      </a:srgbClr>
+                    </a:solidFill>
+                  </a:tcPr>
+                </a:tc>
+                <a:tc>
+                  <a:txBody>
+                    <a:bodyPr/>
+                    <a:lstStyle/>
+                    <a:p>
+                      <a:pPr algn="ctr" marL="63500" marR="63500">
+                        <a:lnSpc>
+                          <a:spcPct val="100000"/>
+                        </a:lnSpc>
+                        <a:spcBef>
+                          <a:spcPts val="200"/>
+                        </a:spcBef>
+                        <a:spcAft>
+                          <a:spcPts val="200"/>
+                        </a:spcAft>
+                        <a:buNone/>
+                      </a:pPr>
+                      <a:r>
+                        <a:rPr sz="1000">
+                          <a:solidFill>
+                            <a:srgbClr val="111111">
+                              <a:alpha val="100000"/>
+                            </a:srgbClr>
+                          </a:solidFill>
+                          <a:latin typeface="Arial"/>
+                          <a:cs typeface="Arial"/>
+                        </a:rPr>
+                        <a:t>Present</a:t>
+                      </a:r>
+                    </a:p>
+                  </a:txBody>
+                  <a:tcPr anchor="ctr" marB="0" marT="0" marR="0" marL="0">
+                    <a:lnL w="0" cmpd="sng" algn="ctr" cap="flat">
+                      <a:solidFill>
+                        <a:srgbClr val="FFFFFF">
+                          <a:alpha val="0"/>
+                        </a:srgbClr>
+                      </a:solidFill>
+                      <a:prstDash val="solid"/>
+                    </a:lnL>
+                    <a:lnR w="0" cmpd="sng" algn="ctr" cap="flat">
+                      <a:solidFill>
+                        <a:srgbClr val="FFFFFF">
+                          <a:alpha val="0"/>
+                        </a:srgbClr>
+                      </a:solidFill>
+                      <a:prstDash val="solid"/>
+                    </a:lnR>
+                    <a:lnT w="0" cmpd="sng" algn="ctr" cap="flat">
+                      <a:solidFill>
+                        <a:srgbClr val="FFFFFF">
+                          <a:alpha val="0"/>
+                        </a:srgbClr>
+                      </a:solidFill>
+                      <a:prstDash val="solid"/>
+                    </a:lnT>
+                    <a:lnB w="0" cmpd="sng" algn="ctr" cap="flat">
+                      <a:solidFill>
+                        <a:srgbClr val="FFFFFF">
+                          <a:alpha val="0"/>
+                        </a:srgbClr>
+                      </a:solidFill>
+                      <a:prstDash val="solid"/>
+                    </a:lnB>
+                    <a:solidFill>
+                      <a:srgbClr val="D6D6CE">
+                        <a:alpha val="100000"/>
+                      </a:srgbClr>
+                    </a:solidFill>
+                  </a:tcPr>
+                </a:tc>
+                <a:tc>
+                  <a:txBody>
+                    <a:bodyPr/>
+                    <a:lstStyle/>
+                    <a:p>
+                      <a:pPr algn="ctr" marL="63500" marR="63500">
+                        <a:lnSpc>
+                          <a:spcPct val="100000"/>
+                        </a:lnSpc>
+                        <a:spcBef>
+                          <a:spcPts val="200"/>
+                        </a:spcBef>
+                        <a:spcAft>
+                          <a:spcPts val="200"/>
+                        </a:spcAft>
+                        <a:buNone/>
+                      </a:pPr>
+                      <a:r>
+                        <a:rPr sz="1000">
+                          <a:solidFill>
+                            <a:srgbClr val="111111">
+                              <a:alpha val="100000"/>
+                            </a:srgbClr>
+                          </a:solidFill>
+                          <a:latin typeface="Arial"/>
+                          <a:cs typeface="Arial"/>
+                        </a:rPr>
+                        <a:t>Present</a:t>
+                      </a:r>
+                    </a:p>
+                  </a:txBody>
+                  <a:tcPr anchor="ctr" marB="0" marT="0" marR="0" marL="0">
+                    <a:lnL w="0" cmpd="sng" algn="ctr" cap="flat">
+                      <a:solidFill>
+                        <a:srgbClr val="FFFFFF">
+                          <a:alpha val="0"/>
+                        </a:srgbClr>
+                      </a:solidFill>
+                      <a:prstDash val="solid"/>
+                    </a:lnL>
+                    <a:lnR w="0" cmpd="sng" algn="ctr" cap="flat">
+                      <a:solidFill>
+                        <a:srgbClr val="FFFFFF">
+                          <a:alpha val="0"/>
+                        </a:srgbClr>
+                      </a:solidFill>
+                      <a:prstDash val="solid"/>
+                    </a:lnR>
+                    <a:lnT w="0" cmpd="sng" algn="ctr" cap="flat">
+                      <a:solidFill>
+                        <a:srgbClr val="FFFFFF">
+                          <a:alpha val="0"/>
+                        </a:srgbClr>
+                      </a:solidFill>
+                      <a:prstDash val="solid"/>
+                    </a:lnT>
+                    <a:lnB w="0" cmpd="sng" algn="ctr" cap="flat">
+                      <a:solidFill>
+                        <a:srgbClr val="FFFFFF">
+                          <a:alpha val="0"/>
+                        </a:srgbClr>
+                      </a:solidFill>
+                      <a:prstDash val="solid"/>
+                    </a:lnB>
+                    <a:solidFill>
+                      <a:srgbClr val="D6D6CE">
+                        <a:alpha val="100000"/>
+                      </a:srgbClr>
+                    </a:solidFill>
+                  </a:tcPr>
+                </a:tc>
+              </a:tr>
+              <a:tr h="293757">
+                <a:tc>
+                  <a:txBody>
+                    <a:bodyPr/>
+                    <a:lstStyle/>
+                    <a:p>
+                      <a:pPr algn="l" marL="63500" marR="63500">
+                        <a:lnSpc>
+                          <a:spcPct val="100000"/>
+                        </a:lnSpc>
+                        <a:spcBef>
+                          <a:spcPts val="200"/>
+                        </a:spcBef>
+                        <a:spcAft>
+                          <a:spcPts val="200"/>
+                        </a:spcAft>
+                        <a:buNone/>
+                      </a:pPr>
+                      <a:r>
+                        <a:rPr sz="1000">
+                          <a:solidFill>
+                            <a:srgbClr val="111111">
+                              <a:alpha val="100000"/>
+                            </a:srgbClr>
+                          </a:solidFill>
+                          <a:latin typeface="Arial"/>
+                          <a:cs typeface="Arial"/>
+                        </a:rPr>
+                        <a:t>OY-EE Only Household</a:t>
+                      </a:r>
+                    </a:p>
+                  </a:txBody>
+                  <a:tcPr anchor="ctr" marB="0" marT="0" marR="0" marL="0">
+                    <a:lnL w="0" cmpd="sng" algn="ctr" cap="flat">
+                      <a:solidFill>
+                        <a:srgbClr val="FFFFFF">
+                          <a:alpha val="0"/>
+                        </a:srgbClr>
+                      </a:solidFill>
+                      <a:prstDash val="solid"/>
+                    </a:lnL>
+                    <a:lnR w="0" cmpd="sng" algn="ctr" cap="flat">
+                      <a:solidFill>
+                        <a:srgbClr val="FFFFFF">
+                          <a:alpha val="0"/>
+                        </a:srgbClr>
+                      </a:solidFill>
+                      <a:prstDash val="solid"/>
+                    </a:lnR>
+                    <a:lnT w="0" cmpd="sng" algn="ctr" cap="flat">
+                      <a:solidFill>
+                        <a:srgbClr val="FFFFFF">
+                          <a:alpha val="0"/>
+                        </a:srgbClr>
+                      </a:solidFill>
+                      <a:prstDash val="solid"/>
+                    </a:lnT>
+                    <a:lnB w="0" cmpd="sng" algn="ctr" cap="flat">
+                      <a:solidFill>
+                        <a:srgbClr val="FFFFFF">
+                          <a:alpha val="0"/>
+                        </a:srgbClr>
+                      </a:solidFill>
+                      <a:prstDash val="solid"/>
+                    </a:lnB>
+                  </a:tcPr>
+                </a:tc>
+                <a:tc>
+                  <a:txBody>
+                    <a:bodyPr/>
+                    <a:lstStyle/>
+                    <a:p>
+                      <a:pPr algn="ctr" marL="63500" marR="63500">
+                        <a:lnSpc>
+                          <a:spcPct val="100000"/>
+                        </a:lnSpc>
+                        <a:spcBef>
+                          <a:spcPts val="200"/>
+                        </a:spcBef>
+                        <a:spcAft>
+                          <a:spcPts val="200"/>
+                        </a:spcAft>
+                        <a:buNone/>
+                      </a:pPr>
+                      <a:r>
+                        <a:rPr sz="1000">
+                          <a:solidFill>
+                            <a:srgbClr val="111111">
+                              <a:alpha val="100000"/>
+                            </a:srgbClr>
+                          </a:solidFill>
+                          <a:latin typeface="Arial"/>
+                          <a:cs typeface="Arial"/>
+                        </a:rPr>
+                        <a:t>Present</a:t>
+                      </a:r>
+                    </a:p>
+                  </a:txBody>
+                  <a:tcPr anchor="ctr" marB="0" marT="0" marR="0" marL="0">
+                    <a:lnL w="0" cmpd="sng" algn="ctr" cap="flat">
+                      <a:solidFill>
+                        <a:srgbClr val="FFFFFF">
+                          <a:alpha val="0"/>
+                        </a:srgbClr>
+                      </a:solidFill>
+                      <a:prstDash val="solid"/>
+                    </a:lnL>
+                    <a:lnR w="0" cmpd="sng" algn="ctr" cap="flat">
+                      <a:solidFill>
+                        <a:srgbClr val="FFFFFF">
+                          <a:alpha val="0"/>
+                        </a:srgbClr>
+                      </a:solidFill>
+                      <a:prstDash val="solid"/>
+                    </a:lnR>
+                    <a:lnT w="0" cmpd="sng" algn="ctr" cap="flat">
+                      <a:solidFill>
+                        <a:srgbClr val="FFFFFF">
+                          <a:alpha val="0"/>
+                        </a:srgbClr>
+                      </a:solidFill>
+                      <a:prstDash val="solid"/>
+                    </a:lnT>
+                    <a:lnB w="0" cmpd="sng" algn="ctr" cap="flat">
+                      <a:solidFill>
+                        <a:srgbClr val="FFFFFF">
+                          <a:alpha val="0"/>
+                        </a:srgbClr>
+                      </a:solidFill>
+                      <a:prstDash val="solid"/>
+                    </a:lnB>
+                  </a:tcPr>
+                </a:tc>
+                <a:tc>
+                  <a:txBody>
+                    <a:bodyPr/>
+                    <a:lstStyle/>
+                    <a:p>
+                      <a:pPr algn="ctr" marL="63500" marR="63500">
+                        <a:lnSpc>
+                          <a:spcPct val="100000"/>
+                        </a:lnSpc>
+                        <a:spcBef>
+                          <a:spcPts val="200"/>
+                        </a:spcBef>
+                        <a:spcAft>
+                          <a:spcPts val="200"/>
+                        </a:spcAft>
+                        <a:buNone/>
+                      </a:pPr>
+                      <a:r>
+                        <a:rPr sz="1000">
+                          <a:solidFill>
+                            <a:srgbClr val="111111">
+                              <a:alpha val="100000"/>
+                            </a:srgbClr>
+                          </a:solidFill>
+                          <a:latin typeface="Arial"/>
+                          <a:cs typeface="Arial"/>
+                        </a:rPr>
+                        <a:t>Not Present</a:t>
+                      </a:r>
+                    </a:p>
+                  </a:txBody>
+                  <a:tcPr anchor="ctr" marB="0" marT="0" marR="0" marL="0">
+                    <a:lnL w="0" cmpd="sng" algn="ctr" cap="flat">
+                      <a:solidFill>
+                        <a:srgbClr val="FFFFFF">
+                          <a:alpha val="0"/>
+                        </a:srgbClr>
+                      </a:solidFill>
+                      <a:prstDash val="solid"/>
+                    </a:lnL>
+                    <a:lnR w="0" cmpd="sng" algn="ctr" cap="flat">
+                      <a:solidFill>
+                        <a:srgbClr val="FFFFFF">
+                          <a:alpha val="0"/>
+                        </a:srgbClr>
+                      </a:solidFill>
+                      <a:prstDash val="solid"/>
+                    </a:lnR>
+                    <a:lnT w="0" cmpd="sng" algn="ctr" cap="flat">
+                      <a:solidFill>
+                        <a:srgbClr val="FFFFFF">
+                          <a:alpha val="0"/>
+                        </a:srgbClr>
+                      </a:solidFill>
+                      <a:prstDash val="solid"/>
+                    </a:lnT>
+                    <a:lnB w="0" cmpd="sng" algn="ctr" cap="flat">
+                      <a:solidFill>
+                        <a:srgbClr val="FFFFFF">
+                          <a:alpha val="0"/>
+                        </a:srgbClr>
+                      </a:solidFill>
+                      <a:prstDash val="solid"/>
+                    </a:lnB>
+                  </a:tcPr>
+                </a:tc>
+                <a:tc>
+                  <a:txBody>
+                    <a:bodyPr/>
+                    <a:lstStyle/>
+                    <a:p>
+                      <a:pPr algn="ctr" marL="63500" marR="63500">
+                        <a:lnSpc>
+                          <a:spcPct val="100000"/>
+                        </a:lnSpc>
+                        <a:spcBef>
+                          <a:spcPts val="200"/>
+                        </a:spcBef>
+                        <a:spcAft>
+                          <a:spcPts val="200"/>
+                        </a:spcAft>
+                        <a:buNone/>
+                      </a:pPr>
+                      <a:r>
+                        <a:rPr sz="1000">
+                          <a:solidFill>
+                            <a:srgbClr val="111111">
+                              <a:alpha val="100000"/>
+                            </a:srgbClr>
+                          </a:solidFill>
+                          <a:latin typeface="Arial"/>
+                          <a:cs typeface="Arial"/>
+                        </a:rPr>
+                        <a:t>Present</a:t>
+                      </a:r>
+                    </a:p>
+                  </a:txBody>
+                  <a:tcPr anchor="ctr" marB="0" marT="0" marR="0" marL="0">
+                    <a:lnL w="0" cmpd="sng" algn="ctr" cap="flat">
+                      <a:solidFill>
+                        <a:srgbClr val="FFFFFF">
+                          <a:alpha val="0"/>
+                        </a:srgbClr>
+                      </a:solidFill>
+                      <a:prstDash val="solid"/>
+                    </a:lnL>
+                    <a:lnR w="0" cmpd="sng" algn="ctr" cap="flat">
+                      <a:solidFill>
+                        <a:srgbClr val="FFFFFF">
+                          <a:alpha val="0"/>
+                        </a:srgbClr>
+                      </a:solidFill>
+                      <a:prstDash val="solid"/>
+                    </a:lnR>
+                    <a:lnT w="0" cmpd="sng" algn="ctr" cap="flat">
+                      <a:solidFill>
+                        <a:srgbClr val="FFFFFF">
+                          <a:alpha val="0"/>
+                        </a:srgbClr>
+                      </a:solidFill>
+                      <a:prstDash val="solid"/>
+                    </a:lnT>
+                    <a:lnB w="0" cmpd="sng" algn="ctr" cap="flat">
+                      <a:solidFill>
+                        <a:srgbClr val="FFFFFF">
+                          <a:alpha val="0"/>
+                        </a:srgbClr>
+                      </a:solidFill>
+                      <a:prstDash val="solid"/>
+                    </a:lnB>
+                  </a:tcPr>
+                </a:tc>
+              </a:tr>
+            </a:tbl>
+          </a:graphicData>
+        </a:graphic>
+      </p:graphicFrame>
     </p:spTree>
   </p:cSld>
 </p:sld>
@@ -5805,7 +8205,7 @@
           <p:cNvPr id="2" name="Title 1">
             <a:extLst>
               <a:ext uri="{FF2B5EF4-FFF2-40B4-BE49-F238E27FC236}">
-                <a16:creationId xmlns:a16="http://schemas.microsoft.com/office/drawing/2014/main" id="{0D064A50-2A97-421C-813D-6449089693A0}"/>
+                <a16:creationId xmlns:a16="http://schemas.microsoft.com/office/drawing/2014/main" id="{1CAF8530-DA25-40F0-835B-ABF68B3EB818}"/>
               </a:ext>
             </a:extLst>
           </p:cNvPr>
@@ -5816,7 +8216,12 @@
             <p:ph type="title"/>
           </p:nvPr>
         </p:nvSpPr>
-        <p:spPr/>
+        <p:spPr>
+          <a:xfrm>
+            <a:off x="831850" y="1123072"/>
+            <a:ext cx="10515600" cy="2852737"/>
+          </a:xfrm>
+        </p:spPr>
         <p:txBody>
           <a:bodyPr/>
           <a:lstStyle/>
@@ -5826,65 +8231,11 @@
             </a:pPr>
             <a:r>
               <a:rPr/>
-              <a:t>Do</a:t>
-            </a:r>
-            <a:r>
-              <a:rPr/>
-              <a:t> </a:t>
-            </a:r>
-            <a:r>
-              <a:rPr/>
-              <a:t>they</a:t>
-            </a:r>
-            <a:r>
-              <a:rPr/>
-              <a:t> </a:t>
-            </a:r>
-            <a:r>
-              <a:rPr/>
-              <a:t>have</a:t>
-            </a:r>
-            <a:r>
-              <a:rPr/>
-              <a:t> </a:t>
-            </a:r>
-            <a:r>
-              <a:rPr/>
-              <a:t>children?</a:t>
-            </a:r>
-          </a:p>
-        </p:txBody>
-      </p:sp>
-      <p:pic>
-        <p:nvPicPr>
-          <p:cNvPr descr="household_structure_estimates_files/figure-pptx/unnamed-chunk-5-1.png" id="0" name="Picture 1"/>
-          <p:cNvPicPr>
-            <a:picLocks noGrp="1" noChangeAspect="1"/>
-          </p:cNvPicPr>
-          <p:nvPr/>
-        </p:nvPicPr>
-        <p:blipFill>
-          <a:blip r:embed="rId2"/>
-          <a:stretch>
-            <a:fillRect/>
-          </a:stretch>
-        </p:blipFill>
-        <p:spPr bwMode="auto">
-          <a:xfrm>
-            <a:off x="3200400" y="1816100"/>
-            <a:ext cx="5791200" cy="4343400"/>
-          </a:xfrm>
-          <a:prstGeom prst="rect">
-            <a:avLst/>
-          </a:prstGeom>
-          <a:noFill/>
-          <a:ln w="9525">
-            <a:noFill/>
-            <a:headEnd/>
-            <a:tailEnd/>
-          </a:ln>
-        </p:spPr>
-      </p:pic>
+              <a:t>Results</a:t>
+            </a:r>
+          </a:p>
+        </p:txBody>
+      </p:sp>
     </p:spTree>
   </p:cSld>
 </p:sld>
@@ -5933,7 +8284,7 @@
             </a:pPr>
             <a:r>
               <a:rPr/>
-              <a:t>Number</a:t>
+              <a:t>Person</a:t>
             </a:r>
             <a:r>
               <a:rPr/>
@@ -5949,14 +8300,14 @@
             </a:r>
             <a:r>
               <a:rPr/>
-              <a:t>Children</a:t>
+              <a:t>Reference</a:t>
             </a:r>
           </a:p>
         </p:txBody>
       </p:sp>
       <p:pic>
         <p:nvPicPr>
-          <p:cNvPr descr="household_structure_estimates_files/figure-pptx/unnamed-chunk-6-1.png" id="0" name="Picture 1"/>
+          <p:cNvPr descr="household_structure_estimates_files/figure-pptx/unnamed-chunk-5-1.png" id="0" name="Picture 1"/>
           <p:cNvPicPr>
             <a:picLocks noGrp="1" noChangeAspect="1"/>
           </p:cNvPicPr>

--- a/create_powerpoint/household_structure_estimates.pptx
+++ b/create_powerpoint/household_structure_estimates.pptx
@@ -3615,7 +3615,7 @@
             </a:r>
             <a:r>
               <a:rPr/>
-              <a:t>22,</a:t>
+              <a:t>23,</a:t>
             </a:r>
             <a:r>
               <a:rPr/>
@@ -3820,8 +3820,8 @@
         </p:blipFill>
         <p:spPr bwMode="auto">
           <a:xfrm>
-            <a:off x="1752600" y="1816100"/>
-            <a:ext cx="8686800" cy="4343400"/>
+            <a:off x="2616200" y="1816100"/>
+            <a:ext cx="6946900" cy="4343400"/>
           </a:xfrm>
           <a:prstGeom prst="rect">
             <a:avLst/>
@@ -3919,8 +3919,8 @@
         </p:blipFill>
         <p:spPr bwMode="auto">
           <a:xfrm>
-            <a:off x="1752600" y="1816100"/>
-            <a:ext cx="8686800" cy="4343400"/>
+            <a:off x="2184400" y="1816100"/>
+            <a:ext cx="7823200" cy="4343400"/>
           </a:xfrm>
           <a:prstGeom prst="rect">
             <a:avLst/>
@@ -3997,7 +3997,7 @@
             </a:r>
             <a:r>
               <a:rPr/>
-              <a:t>Average</a:t>
+              <a:t>Household</a:t>
             </a:r>
             <a:r>
               <a:rPr/>
@@ -4005,7 +4005,7 @@
             </a:r>
             <a:r>
               <a:rPr/>
-              <a:t>Household</a:t>
+              <a:t>Median</a:t>
             </a:r>
             <a:r>
               <a:rPr/>
@@ -4034,8 +4034,8 @@
         </p:blipFill>
         <p:spPr bwMode="auto">
           <a:xfrm>
-            <a:off x="1752600" y="1816100"/>
-            <a:ext cx="8686800" cy="4343400"/>
+            <a:off x="3200400" y="1816100"/>
+            <a:ext cx="5791200" cy="4343400"/>
           </a:xfrm>
           <a:prstGeom prst="rect">
             <a:avLst/>
@@ -4157,8 +4157,8 @@
         </p:blipFill>
         <p:spPr bwMode="auto">
           <a:xfrm>
-            <a:off x="1752600" y="1816100"/>
-            <a:ext cx="8686800" cy="4343400"/>
+            <a:off x="2616200" y="1816100"/>
+            <a:ext cx="6946900" cy="4343400"/>
           </a:xfrm>
           <a:prstGeom prst="rect">
             <a:avLst/>
@@ -4248,8 +4248,8 @@
         </p:blipFill>
         <p:spPr bwMode="auto">
           <a:xfrm>
-            <a:off x="1752600" y="1816100"/>
-            <a:ext cx="8686800" cy="4343400"/>
+            <a:off x="2616200" y="1816100"/>
+            <a:ext cx="6946900" cy="4343400"/>
           </a:xfrm>
           <a:prstGeom prst="rect">
             <a:avLst/>
@@ -4331,8 +4331,8 @@
         </p:blipFill>
         <p:spPr bwMode="auto">
           <a:xfrm>
-            <a:off x="1752600" y="1816100"/>
-            <a:ext cx="8686800" cy="4343400"/>
+            <a:off x="2616200" y="1816100"/>
+            <a:ext cx="6946900" cy="4343400"/>
           </a:xfrm>
           <a:prstGeom prst="rect">
             <a:avLst/>
@@ -4422,8 +4422,8 @@
         </p:blipFill>
         <p:spPr bwMode="auto">
           <a:xfrm>
-            <a:off x="1752600" y="1816100"/>
-            <a:ext cx="8686800" cy="4343400"/>
+            <a:off x="2616200" y="1816100"/>
+            <a:ext cx="6946900" cy="4343400"/>
           </a:xfrm>
           <a:prstGeom prst="rect">
             <a:avLst/>
@@ -4553,8 +4553,8 @@
         </p:blipFill>
         <p:spPr bwMode="auto">
           <a:xfrm>
-            <a:off x="1752600" y="1816100"/>
-            <a:ext cx="8686800" cy="4343400"/>
+            <a:off x="2616200" y="1816100"/>
+            <a:ext cx="6946900" cy="4343400"/>
           </a:xfrm>
           <a:prstGeom prst="rect">
             <a:avLst/>
@@ -4684,8 +4684,8 @@
         </p:blipFill>
         <p:spPr bwMode="auto">
           <a:xfrm>
-            <a:off x="1752600" y="1816100"/>
-            <a:ext cx="8686800" cy="4343400"/>
+            <a:off x="2616200" y="1816100"/>
+            <a:ext cx="6946900" cy="4343400"/>
           </a:xfrm>
           <a:prstGeom prst="rect">
             <a:avLst/>
@@ -5728,8 +5728,8 @@
         </p:blipFill>
         <p:spPr bwMode="auto">
           <a:xfrm>
-            <a:off x="1752600" y="1816100"/>
-            <a:ext cx="8686800" cy="4343400"/>
+            <a:off x="2616200" y="1816100"/>
+            <a:ext cx="6946900" cy="4343400"/>
           </a:xfrm>
           <a:prstGeom prst="rect">
             <a:avLst/>
@@ -5946,7 +5946,7 @@
       </p:sp>
       <p:graphicFrame xmlns:a="http://schemas.openxmlformats.org/drawingml/2006/main" xmlns:r="http://schemas.openxmlformats.org/officeDocument/2006/relationships" xmlns:p="http://schemas.openxmlformats.org/presentationml/2006/main">
         <p:nvGraphicFramePr>
-          <p:cNvPr id="753775253" name=""/>
+          <p:cNvPr id="959830045" name=""/>
           <p:cNvGraphicFramePr>
             <a:graphicFrameLocks noGrp="true"/>
           </p:cNvGraphicFramePr>
@@ -8284,6 +8284,46 @@
             </a:pPr>
             <a:r>
               <a:rPr/>
+              <a:t>Who</a:t>
+            </a:r>
+            <a:r>
+              <a:rPr/>
+              <a:t> </a:t>
+            </a:r>
+            <a:r>
+              <a:rPr/>
+              <a:t>identifies</a:t>
+            </a:r>
+            <a:r>
+              <a:rPr/>
+              <a:t> </a:t>
+            </a:r>
+            <a:r>
+              <a:rPr/>
+              <a:t>as</a:t>
+            </a:r>
+            <a:r>
+              <a:rPr/>
+              <a:t> </a:t>
+            </a:r>
+            <a:r>
+              <a:rPr/>
+              <a:t>‘</a:t>
+            </a:r>
+            <a:r>
+              <a:rPr/>
+              <a:t>Reference</a:t>
+            </a:r>
+            <a:r>
+              <a:rPr/>
+              <a:t>’</a:t>
+            </a:r>
+            <a:r>
+              <a:rPr/>
+              <a:t> </a:t>
+            </a:r>
+            <a:r>
+              <a:rPr/>
               <a:t>Person</a:t>
             </a:r>
             <a:r>
@@ -8292,7 +8332,7 @@
             </a:r>
             <a:r>
               <a:rPr/>
-              <a:t>of</a:t>
+              <a:t>on</a:t>
             </a:r>
             <a:r>
               <a:rPr/>
@@ -8300,7 +8340,15 @@
             </a:r>
             <a:r>
               <a:rPr/>
-              <a:t>Reference</a:t>
+              <a:t>the</a:t>
+            </a:r>
+            <a:r>
+              <a:rPr/>
+              <a:t> </a:t>
+            </a:r>
+            <a:r>
+              <a:rPr/>
+              <a:t>ACS?</a:t>
             </a:r>
           </a:p>
         </p:txBody>
@@ -8321,8 +8369,8 @@
         </p:blipFill>
         <p:spPr bwMode="auto">
           <a:xfrm>
-            <a:off x="1752600" y="1816100"/>
-            <a:ext cx="8686800" cy="4343400"/>
+            <a:off x="2616200" y="1816100"/>
+            <a:ext cx="6946900" cy="4343400"/>
           </a:xfrm>
           <a:prstGeom prst="rect">
             <a:avLst/>

--- a/create_powerpoint/household_structure_estimates.pptx
+++ b/create_powerpoint/household_structure_estimates.pptx
@@ -5946,7 +5946,7 @@
       </p:sp>
       <p:graphicFrame xmlns:a="http://schemas.openxmlformats.org/drawingml/2006/main" xmlns:r="http://schemas.openxmlformats.org/officeDocument/2006/relationships" xmlns:p="http://schemas.openxmlformats.org/presentationml/2006/main">
         <p:nvGraphicFramePr>
-          <p:cNvPr id="959830045" name=""/>
+          <p:cNvPr id="491556134" name=""/>
           <p:cNvGraphicFramePr>
             <a:graphicFrameLocks noGrp="true"/>
           </p:cNvGraphicFramePr>

--- a/create_powerpoint/household_structure_estimates.pptx
+++ b/create_powerpoint/household_structure_estimates.pptx
@@ -3676,7 +3676,7 @@
             </a:pPr>
             <a:r>
               <a:rPr/>
-              <a:t>Do</a:t>
+              <a:t>Presence</a:t>
             </a:r>
             <a:r>
               <a:rPr/>
@@ -3684,7 +3684,7 @@
             </a:r>
             <a:r>
               <a:rPr/>
-              <a:t>they</a:t>
+              <a:t>of</a:t>
             </a:r>
             <a:r>
               <a:rPr/>
@@ -3692,7 +3692,7 @@
             </a:r>
             <a:r>
               <a:rPr/>
-              <a:t>have</a:t>
+              <a:t>at</a:t>
             </a:r>
             <a:r>
               <a:rPr/>
@@ -3700,7 +3700,23 @@
             </a:r>
             <a:r>
               <a:rPr/>
-              <a:t>children?</a:t>
+              <a:t>least</a:t>
+            </a:r>
+            <a:r>
+              <a:rPr/>
+              <a:t> </a:t>
+            </a:r>
+            <a:r>
+              <a:rPr/>
+              <a:t>one</a:t>
+            </a:r>
+            <a:r>
+              <a:rPr/>
+              <a:t> </a:t>
+            </a:r>
+            <a:r>
+              <a:rPr/>
+              <a:t>child</a:t>
             </a:r>
           </a:p>
         </p:txBody>
@@ -3900,6 +3916,22 @@
               <a:rPr/>
               <a:t>Household</a:t>
             </a:r>
+            <a:r>
+              <a:rPr/>
+              <a:t> </a:t>
+            </a:r>
+            <a:r>
+              <a:rPr/>
+              <a:t>Population</a:t>
+            </a:r>
+            <a:r>
+              <a:rPr/>
+              <a:t> </a:t>
+            </a:r>
+            <a:r>
+              <a:rPr/>
+              <a:t>Sizes</a:t>
+            </a:r>
           </a:p>
         </p:txBody>
       </p:sp>
@@ -4312,6 +4344,14 @@
               <a:rPr/>
               <a:t>Partnered</a:t>
             </a:r>
+            <a:r>
+              <a:rPr/>
+              <a:t> </a:t>
+            </a:r>
+            <a:r>
+              <a:rPr/>
+              <a:t>Status</a:t>
+            </a:r>
           </a:p>
         </p:txBody>
       </p:sp>
@@ -4615,7 +4655,7 @@
             </a:pPr>
             <a:r>
               <a:rPr/>
-              <a:t>Migration:</a:t>
+              <a:t>Mobility:</a:t>
             </a:r>
             <a:r>
               <a:rPr/>
@@ -5946,7 +5986,7 @@
       </p:sp>
       <p:graphicFrame xmlns:a="http://schemas.openxmlformats.org/drawingml/2006/main" xmlns:r="http://schemas.openxmlformats.org/officeDocument/2006/relationships" xmlns:p="http://schemas.openxmlformats.org/presentationml/2006/main">
         <p:nvGraphicFramePr>
-          <p:cNvPr id="491556134" name=""/>
+          <p:cNvPr id="955095432" name=""/>
           <p:cNvGraphicFramePr>
             <a:graphicFrameLocks noGrp="true"/>
           </p:cNvGraphicFramePr>
@@ -5961,7 +6001,7 @@
             <a:tbl>
               <a:tblPr/>
               <a:tblGrid>
-                <a:gridCol w="1668005"/>
+                <a:gridCol w="1646859"/>
                 <a:gridCol w="1137582"/>
                 <a:gridCol w="1321688"/>
                 <a:gridCol w="998428"/>
@@ -6252,7 +6292,7 @@
                   </a:tcPr>
                 </a:tc>
               </a:tr>
-              <a:tr h="265313">
+              <a:tr h="293757">
                 <a:tc>
                   <a:txBody>
                     <a:bodyPr/>
@@ -6280,7 +6320,73 @@
                           <a:latin typeface="Arial"/>
                           <a:cs typeface="Arial"/>
                         </a:rPr>
-                        <a:t>Combined Household</a:t>
+                        <a:t>CY Only Household</a:t>
+                      </a:r>
+                    </a:p>
+                  </a:txBody>
+                  <a:tcPr anchor="ctr" marB="0" marT="0" marR="0" marL="0">
+                    <a:lnL w="0" cmpd="sng" algn="ctr" cap="flat">
+                      <a:solidFill>
+                        <a:srgbClr val="FFFFFF">
+                          <a:alpha val="0"/>
+                        </a:srgbClr>
+                      </a:solidFill>
+                      <a:prstDash val="solid"/>
+                    </a:lnL>
+                    <a:lnR w="0" cmpd="sng" algn="ctr" cap="flat">
+                      <a:solidFill>
+                        <a:srgbClr val="FFFFFF">
+                          <a:alpha val="0"/>
+                        </a:srgbClr>
+                      </a:solidFill>
+                      <a:prstDash val="solid"/>
+                    </a:lnR>
+                    <a:lnT w="0" cmpd="sng" algn="ctr" cap="flat">
+                      <a:solidFill>
+                        <a:srgbClr val="FFFFFF">
+                          <a:alpha val="0"/>
+                        </a:srgbClr>
+                      </a:solidFill>
+                      <a:prstDash val="solid"/>
+                    </a:lnT>
+                    <a:lnB w="0" cmpd="sng" algn="ctr" cap="flat">
+                      <a:solidFill>
+                        <a:srgbClr val="FFFFFF">
+                          <a:alpha val="0"/>
+                        </a:srgbClr>
+                      </a:solidFill>
+                      <a:prstDash val="solid"/>
+                    </a:lnB>
+                  </a:tcPr>
+                </a:tc>
+                <a:tc>
+                  <a:txBody>
+                    <a:bodyPr/>
+                    <a:lstStyle/>
+                    <a:p>
+                      <a:pPr algn="ctr" marL="63500" marR="63500">
+                        <a:lnSpc>
+                          <a:spcPct val="100000"/>
+                        </a:lnSpc>
+                        <a:spcBef>
+                          <a:spcPts val="200"/>
+                        </a:spcBef>
+                        <a:spcAft>
+                          <a:spcPts val="200"/>
+                        </a:spcAft>
+                        <a:buNone/>
+                      </a:pPr>
+                      <a:r>
+                        <a:rPr sz="1000">
+                          <a:solidFill>
+                            <a:srgbClr val="111111">
+                              <a:alpha val="100000"/>
+                            </a:srgbClr>
+                          </a:solidFill>
+                          <a:latin typeface="Arial"/>
+                          <a:cs typeface="Arial"/>
+                        </a:rPr>
+                        <a:t>Not Present</a:t>
                       </a:r>
                     </a:p>
                   </a:txBody>
@@ -6412,7 +6518,7 @@
                           <a:latin typeface="Arial"/>
                           <a:cs typeface="Arial"/>
                         </a:rPr>
-                        <a:t>Present</a:t>
+                        <a:t>Not Present</a:t>
                       </a:r>
                     </a:p>
                   </a:txBody>
@@ -6449,6 +6555,79 @@
                       </a:solidFill>
                       <a:prstDash val="solid"/>
                     </a:lnB>
+                  </a:tcPr>
+                </a:tc>
+              </a:tr>
+              <a:tr h="293757">
+                <a:tc>
+                  <a:txBody>
+                    <a:bodyPr/>
+                    <a:lstStyle/>
+                    <a:p>
+                      <a:pPr algn="l" marL="63500" marR="63500">
+                        <a:lnSpc>
+                          <a:spcPct val="100000"/>
+                        </a:lnSpc>
+                        <a:spcBef>
+                          <a:spcPts val="200"/>
+                        </a:spcBef>
+                        <a:spcAft>
+                          <a:spcPts val="200"/>
+                        </a:spcAft>
+                        <a:buNone/>
+                      </a:pPr>
+                      <a:r>
+                        <a:rPr sz="1000">
+                          <a:solidFill>
+                            <a:srgbClr val="111111">
+                              <a:alpha val="100000"/>
+                            </a:srgbClr>
+                          </a:solidFill>
+                          <a:latin typeface="Arial"/>
+                          <a:cs typeface="Arial"/>
+                        </a:rPr>
+                        <a:t>CY-EE Only Household</a:t>
+                      </a:r>
+                    </a:p>
+                  </a:txBody>
+                  <a:tcPr anchor="ctr" marB="0" marT="0" marR="0" marL="0">
+                    <a:lnL w="0" cmpd="sng" algn="ctr" cap="flat">
+                      <a:solidFill>
+                        <a:srgbClr val="FFFFFF">
+                          <a:alpha val="0"/>
+                        </a:srgbClr>
+                      </a:solidFill>
+                      <a:prstDash val="solid"/>
+                    </a:lnL>
+                    <a:lnR w="0" cmpd="sng" algn="ctr" cap="flat">
+                      <a:solidFill>
+                        <a:srgbClr val="FFFFFF">
+                          <a:alpha val="0"/>
+                        </a:srgbClr>
+                      </a:solidFill>
+                      <a:prstDash val="solid"/>
+                    </a:lnR>
+                    <a:lnT w="0" cmpd="sng" algn="ctr" cap="flat">
+                      <a:solidFill>
+                        <a:srgbClr val="FFFFFF">
+                          <a:alpha val="0"/>
+                        </a:srgbClr>
+                      </a:solidFill>
+                      <a:prstDash val="solid"/>
+                    </a:lnT>
+                    <a:lnB w="0" cmpd="sng" algn="ctr" cap="flat">
+                      <a:solidFill>
+                        <a:srgbClr val="FFFFFF">
+                          <a:alpha val="0"/>
+                        </a:srgbClr>
+                      </a:solidFill>
+                      <a:prstDash val="solid"/>
+                    </a:lnB>
+                    <a:solidFill>
+                      <a:srgbClr val="D6D6CE">
+                        <a:alpha val="100000"/>
+                      </a:srgbClr>
+                    </a:solidFill>
                   </a:tcPr>
                 </a:tc>
                 <a:tc>
@@ -6515,16 +6694,19 @@
                       </a:solidFill>
                       <a:prstDash val="solid"/>
                     </a:lnB>
+                    <a:solidFill>
+                      <a:srgbClr val="D6D6CE">
+                        <a:alpha val="100000"/>
+                      </a:srgbClr>
+                    </a:solidFill>
                   </a:tcPr>
                 </a:tc>
-              </a:tr>
-              <a:tr h="293757">
                 <a:tc>
                   <a:txBody>
                     <a:bodyPr/>
                     <a:lstStyle/>
                     <a:p>
-                      <a:pPr algn="l" marL="63500" marR="63500">
+                      <a:pPr algn="ctr" marL="63500" marR="63500">
                         <a:lnSpc>
                           <a:spcPct val="100000"/>
                         </a:lnSpc>
@@ -6546,7 +6728,7 @@
                           <a:latin typeface="Arial"/>
                           <a:cs typeface="Arial"/>
                         </a:rPr>
-                        <a:t>CY Only Household</a:t>
+                        <a:t>Present</a:t>
                       </a:r>
                     </a:p>
                   </a:txBody>
@@ -6661,148 +6843,6 @@
                     </a:solidFill>
                   </a:tcPr>
                 </a:tc>
-                <a:tc>
-                  <a:txBody>
-                    <a:bodyPr/>
-                    <a:lstStyle/>
-                    <a:p>
-                      <a:pPr algn="ctr" marL="63500" marR="63500">
-                        <a:lnSpc>
-                          <a:spcPct val="100000"/>
-                        </a:lnSpc>
-                        <a:spcBef>
-                          <a:spcPts val="200"/>
-                        </a:spcBef>
-                        <a:spcAft>
-                          <a:spcPts val="200"/>
-                        </a:spcAft>
-                        <a:buNone/>
-                      </a:pPr>
-                      <a:r>
-                        <a:rPr sz="1000">
-                          <a:solidFill>
-                            <a:srgbClr val="111111">
-                              <a:alpha val="100000"/>
-                            </a:srgbClr>
-                          </a:solidFill>
-                          <a:latin typeface="Arial"/>
-                          <a:cs typeface="Arial"/>
-                        </a:rPr>
-                        <a:t>Present</a:t>
-                      </a:r>
-                    </a:p>
-                  </a:txBody>
-                  <a:tcPr anchor="ctr" marB="0" marT="0" marR="0" marL="0">
-                    <a:lnL w="0" cmpd="sng" algn="ctr" cap="flat">
-                      <a:solidFill>
-                        <a:srgbClr val="FFFFFF">
-                          <a:alpha val="0"/>
-                        </a:srgbClr>
-                      </a:solidFill>
-                      <a:prstDash val="solid"/>
-                    </a:lnL>
-                    <a:lnR w="0" cmpd="sng" algn="ctr" cap="flat">
-                      <a:solidFill>
-                        <a:srgbClr val="FFFFFF">
-                          <a:alpha val="0"/>
-                        </a:srgbClr>
-                      </a:solidFill>
-                      <a:prstDash val="solid"/>
-                    </a:lnR>
-                    <a:lnT w="0" cmpd="sng" algn="ctr" cap="flat">
-                      <a:solidFill>
-                        <a:srgbClr val="FFFFFF">
-                          <a:alpha val="0"/>
-                        </a:srgbClr>
-                      </a:solidFill>
-                      <a:prstDash val="solid"/>
-                    </a:lnT>
-                    <a:lnB w="0" cmpd="sng" algn="ctr" cap="flat">
-                      <a:solidFill>
-                        <a:srgbClr val="FFFFFF">
-                          <a:alpha val="0"/>
-                        </a:srgbClr>
-                      </a:solidFill>
-                      <a:prstDash val="solid"/>
-                    </a:lnB>
-                    <a:solidFill>
-                      <a:srgbClr val="D6D6CE">
-                        <a:alpha val="100000"/>
-                      </a:srgbClr>
-                    </a:solidFill>
-                  </a:tcPr>
-                </a:tc>
-                <a:tc>
-                  <a:txBody>
-                    <a:bodyPr/>
-                    <a:lstStyle/>
-                    <a:p>
-                      <a:pPr algn="ctr" marL="63500" marR="63500">
-                        <a:lnSpc>
-                          <a:spcPct val="100000"/>
-                        </a:lnSpc>
-                        <a:spcBef>
-                          <a:spcPts val="200"/>
-                        </a:spcBef>
-                        <a:spcAft>
-                          <a:spcPts val="200"/>
-                        </a:spcAft>
-                        <a:buNone/>
-                      </a:pPr>
-                      <a:r>
-                        <a:rPr sz="1000">
-                          <a:solidFill>
-                            <a:srgbClr val="111111">
-                              <a:alpha val="100000"/>
-                            </a:srgbClr>
-                          </a:solidFill>
-                          <a:latin typeface="Arial"/>
-                          <a:cs typeface="Arial"/>
-                        </a:rPr>
-                        <a:t>Not Present</a:t>
-                      </a:r>
-                    </a:p>
-                  </a:txBody>
-                  <a:tcPr anchor="ctr" marB="0" marT="0" marR="0" marL="0">
-                    <a:lnL w="0" cmpd="sng" algn="ctr" cap="flat">
-                      <a:solidFill>
-                        <a:srgbClr val="FFFFFF">
-                          <a:alpha val="0"/>
-                        </a:srgbClr>
-                      </a:solidFill>
-                      <a:prstDash val="solid"/>
-                    </a:lnL>
-                    <a:lnR w="0" cmpd="sng" algn="ctr" cap="flat">
-                      <a:solidFill>
-                        <a:srgbClr val="FFFFFF">
-                          <a:alpha val="0"/>
-                        </a:srgbClr>
-                      </a:solidFill>
-                      <a:prstDash val="solid"/>
-                    </a:lnR>
-                    <a:lnT w="0" cmpd="sng" algn="ctr" cap="flat">
-                      <a:solidFill>
-                        <a:srgbClr val="FFFFFF">
-                          <a:alpha val="0"/>
-                        </a:srgbClr>
-                      </a:solidFill>
-                      <a:prstDash val="solid"/>
-                    </a:lnT>
-                    <a:lnB w="0" cmpd="sng" algn="ctr" cap="flat">
-                      <a:solidFill>
-                        <a:srgbClr val="FFFFFF">
-                          <a:alpha val="0"/>
-                        </a:srgbClr>
-                      </a:solidFill>
-                      <a:prstDash val="solid"/>
-                    </a:lnB>
-                    <a:solidFill>
-                      <a:srgbClr val="D6D6CE">
-                        <a:alpha val="100000"/>
-                      </a:srgbClr>
-                    </a:solidFill>
-                  </a:tcPr>
-                </a:tc>
               </a:tr>
               <a:tr h="293757">
                 <a:tc>
@@ -6832,7 +6872,7 @@
                           <a:latin typeface="Arial"/>
                           <a:cs typeface="Arial"/>
                         </a:rPr>
-                        <a:t>CY-EE Only Household</a:t>
+                        <a:t>EE Only Household</a:t>
                       </a:r>
                     </a:p>
                   </a:txBody>
@@ -6964,7 +7004,7 @@
                           <a:latin typeface="Arial"/>
                           <a:cs typeface="Arial"/>
                         </a:rPr>
-                        <a:t>Present</a:t>
+                        <a:t>Not Present</a:t>
                       </a:r>
                     </a:p>
                   </a:txBody>
@@ -7070,7 +7110,7 @@
                   </a:tcPr>
                 </a:tc>
               </a:tr>
-              <a:tr h="293757">
+              <a:tr h="265313">
                 <a:tc>
                   <a:txBody>
                     <a:bodyPr/>
@@ -7098,7 +7138,7 @@
                           <a:latin typeface="Arial"/>
                           <a:cs typeface="Arial"/>
                         </a:rPr>
-                        <a:t>EE Only Household</a:t>
+                        <a:t>OY Household</a:t>
                       </a:r>
                     </a:p>
                   </a:txBody>
@@ -7240,488 +7280,7 @@
                           <a:latin typeface="Arial"/>
                           <a:cs typeface="Arial"/>
                         </a:rPr>
-                        <a:t>Not Present</a:t>
-                      </a:r>
-                    </a:p>
-                  </a:txBody>
-                  <a:tcPr anchor="ctr" marB="0" marT="0" marR="0" marL="0">
-                    <a:lnL w="0" cmpd="sng" algn="ctr" cap="flat">
-                      <a:solidFill>
-                        <a:srgbClr val="FFFFFF">
-                          <a:alpha val="0"/>
-                        </a:srgbClr>
-                      </a:solidFill>
-                      <a:prstDash val="solid"/>
-                    </a:lnL>
-                    <a:lnR w="0" cmpd="sng" algn="ctr" cap="flat">
-                      <a:solidFill>
-                        <a:srgbClr val="FFFFFF">
-                          <a:alpha val="0"/>
-                        </a:srgbClr>
-                      </a:solidFill>
-                      <a:prstDash val="solid"/>
-                    </a:lnR>
-                    <a:lnT w="0" cmpd="sng" algn="ctr" cap="flat">
-                      <a:solidFill>
-                        <a:srgbClr val="FFFFFF">
-                          <a:alpha val="0"/>
-                        </a:srgbClr>
-                      </a:solidFill>
-                      <a:prstDash val="solid"/>
-                    </a:lnT>
-                    <a:lnB w="0" cmpd="sng" algn="ctr" cap="flat">
-                      <a:solidFill>
-                        <a:srgbClr val="FFFFFF">
-                          <a:alpha val="0"/>
-                        </a:srgbClr>
-                      </a:solidFill>
-                      <a:prstDash val="solid"/>
-                    </a:lnB>
-                    <a:solidFill>
-                      <a:srgbClr val="D6D6CE">
-                        <a:alpha val="100000"/>
-                      </a:srgbClr>
-                    </a:solidFill>
-                  </a:tcPr>
-                </a:tc>
-                <a:tc>
-                  <a:txBody>
-                    <a:bodyPr/>
-                    <a:lstStyle/>
-                    <a:p>
-                      <a:pPr algn="ctr" marL="63500" marR="63500">
-                        <a:lnSpc>
-                          <a:spcPct val="100000"/>
-                        </a:lnSpc>
-                        <a:spcBef>
-                          <a:spcPts val="200"/>
-                        </a:spcBef>
-                        <a:spcAft>
-                          <a:spcPts val="200"/>
-                        </a:spcAft>
-                        <a:buNone/>
-                      </a:pPr>
-                      <a:r>
-                        <a:rPr sz="1000">
-                          <a:solidFill>
-                            <a:srgbClr val="111111">
-                              <a:alpha val="100000"/>
-                            </a:srgbClr>
-                          </a:solidFill>
-                          <a:latin typeface="Arial"/>
-                          <a:cs typeface="Arial"/>
-                        </a:rPr>
-                        <a:t>Not Present</a:t>
-                      </a:r>
-                    </a:p>
-                  </a:txBody>
-                  <a:tcPr anchor="ctr" marB="0" marT="0" marR="0" marL="0">
-                    <a:lnL w="0" cmpd="sng" algn="ctr" cap="flat">
-                      <a:solidFill>
-                        <a:srgbClr val="FFFFFF">
-                          <a:alpha val="0"/>
-                        </a:srgbClr>
-                      </a:solidFill>
-                      <a:prstDash val="solid"/>
-                    </a:lnL>
-                    <a:lnR w="0" cmpd="sng" algn="ctr" cap="flat">
-                      <a:solidFill>
-                        <a:srgbClr val="FFFFFF">
-                          <a:alpha val="0"/>
-                        </a:srgbClr>
-                      </a:solidFill>
-                      <a:prstDash val="solid"/>
-                    </a:lnR>
-                    <a:lnT w="0" cmpd="sng" algn="ctr" cap="flat">
-                      <a:solidFill>
-                        <a:srgbClr val="FFFFFF">
-                          <a:alpha val="0"/>
-                        </a:srgbClr>
-                      </a:solidFill>
-                      <a:prstDash val="solid"/>
-                    </a:lnT>
-                    <a:lnB w="0" cmpd="sng" algn="ctr" cap="flat">
-                      <a:solidFill>
-                        <a:srgbClr val="FFFFFF">
-                          <a:alpha val="0"/>
-                        </a:srgbClr>
-                      </a:solidFill>
-                      <a:prstDash val="solid"/>
-                    </a:lnB>
-                    <a:solidFill>
-                      <a:srgbClr val="D6D6CE">
-                        <a:alpha val="100000"/>
-                      </a:srgbClr>
-                    </a:solidFill>
-                  </a:tcPr>
-                </a:tc>
-              </a:tr>
-              <a:tr h="293757">
-                <a:tc>
-                  <a:txBody>
-                    <a:bodyPr/>
-                    <a:lstStyle/>
-                    <a:p>
-                      <a:pPr algn="l" marL="63500" marR="63500">
-                        <a:lnSpc>
-                          <a:spcPct val="100000"/>
-                        </a:lnSpc>
-                        <a:spcBef>
-                          <a:spcPts val="200"/>
-                        </a:spcBef>
-                        <a:spcAft>
-                          <a:spcPts val="200"/>
-                        </a:spcAft>
-                        <a:buNone/>
-                      </a:pPr>
-                      <a:r>
-                        <a:rPr sz="1000">
-                          <a:solidFill>
-                            <a:srgbClr val="111111">
-                              <a:alpha val="100000"/>
-                            </a:srgbClr>
-                          </a:solidFill>
-                          <a:latin typeface="Arial"/>
-                          <a:cs typeface="Arial"/>
-                        </a:rPr>
-                        <a:t>OY Only Household</a:t>
-                      </a:r>
-                    </a:p>
-                  </a:txBody>
-                  <a:tcPr anchor="ctr" marB="0" marT="0" marR="0" marL="0">
-                    <a:lnL w="0" cmpd="sng" algn="ctr" cap="flat">
-                      <a:solidFill>
-                        <a:srgbClr val="FFFFFF">
-                          <a:alpha val="0"/>
-                        </a:srgbClr>
-                      </a:solidFill>
-                      <a:prstDash val="solid"/>
-                    </a:lnL>
-                    <a:lnR w="0" cmpd="sng" algn="ctr" cap="flat">
-                      <a:solidFill>
-                        <a:srgbClr val="FFFFFF">
-                          <a:alpha val="0"/>
-                        </a:srgbClr>
-                      </a:solidFill>
-                      <a:prstDash val="solid"/>
-                    </a:lnR>
-                    <a:lnT w="0" cmpd="sng" algn="ctr" cap="flat">
-                      <a:solidFill>
-                        <a:srgbClr val="FFFFFF">
-                          <a:alpha val="0"/>
-                        </a:srgbClr>
-                      </a:solidFill>
-                      <a:prstDash val="solid"/>
-                    </a:lnT>
-                    <a:lnB w="0" cmpd="sng" algn="ctr" cap="flat">
-                      <a:solidFill>
-                        <a:srgbClr val="FFFFFF">
-                          <a:alpha val="0"/>
-                        </a:srgbClr>
-                      </a:solidFill>
-                      <a:prstDash val="solid"/>
-                    </a:lnB>
-                  </a:tcPr>
-                </a:tc>
-                <a:tc>
-                  <a:txBody>
-                    <a:bodyPr/>
-                    <a:lstStyle/>
-                    <a:p>
-                      <a:pPr algn="ctr" marL="63500" marR="63500">
-                        <a:lnSpc>
-                          <a:spcPct val="100000"/>
-                        </a:lnSpc>
-                        <a:spcBef>
-                          <a:spcPts val="200"/>
-                        </a:spcBef>
-                        <a:spcAft>
-                          <a:spcPts val="200"/>
-                        </a:spcAft>
-                        <a:buNone/>
-                      </a:pPr>
-                      <a:r>
-                        <a:rPr sz="1000">
-                          <a:solidFill>
-                            <a:srgbClr val="111111">
-                              <a:alpha val="100000"/>
-                            </a:srgbClr>
-                          </a:solidFill>
-                          <a:latin typeface="Arial"/>
-                          <a:cs typeface="Arial"/>
-                        </a:rPr>
-                        <a:t>Not Present</a:t>
-                      </a:r>
-                    </a:p>
-                  </a:txBody>
-                  <a:tcPr anchor="ctr" marB="0" marT="0" marR="0" marL="0">
-                    <a:lnL w="0" cmpd="sng" algn="ctr" cap="flat">
-                      <a:solidFill>
-                        <a:srgbClr val="FFFFFF">
-                          <a:alpha val="0"/>
-                        </a:srgbClr>
-                      </a:solidFill>
-                      <a:prstDash val="solid"/>
-                    </a:lnL>
-                    <a:lnR w="0" cmpd="sng" algn="ctr" cap="flat">
-                      <a:solidFill>
-                        <a:srgbClr val="FFFFFF">
-                          <a:alpha val="0"/>
-                        </a:srgbClr>
-                      </a:solidFill>
-                      <a:prstDash val="solid"/>
-                    </a:lnR>
-                    <a:lnT w="0" cmpd="sng" algn="ctr" cap="flat">
-                      <a:solidFill>
-                        <a:srgbClr val="FFFFFF">
-                          <a:alpha val="0"/>
-                        </a:srgbClr>
-                      </a:solidFill>
-                      <a:prstDash val="solid"/>
-                    </a:lnT>
-                    <a:lnB w="0" cmpd="sng" algn="ctr" cap="flat">
-                      <a:solidFill>
-                        <a:srgbClr val="FFFFFF">
-                          <a:alpha val="0"/>
-                        </a:srgbClr>
-                      </a:solidFill>
-                      <a:prstDash val="solid"/>
-                    </a:lnB>
-                  </a:tcPr>
-                </a:tc>
-                <a:tc>
-                  <a:txBody>
-                    <a:bodyPr/>
-                    <a:lstStyle/>
-                    <a:p>
-                      <a:pPr algn="ctr" marL="63500" marR="63500">
-                        <a:lnSpc>
-                          <a:spcPct val="100000"/>
-                        </a:lnSpc>
-                        <a:spcBef>
-                          <a:spcPts val="200"/>
-                        </a:spcBef>
-                        <a:spcAft>
-                          <a:spcPts val="200"/>
-                        </a:spcAft>
-                        <a:buNone/>
-                      </a:pPr>
-                      <a:r>
-                        <a:rPr sz="1000">
-                          <a:solidFill>
-                            <a:srgbClr val="111111">
-                              <a:alpha val="100000"/>
-                            </a:srgbClr>
-                          </a:solidFill>
-                          <a:latin typeface="Arial"/>
-                          <a:cs typeface="Arial"/>
-                        </a:rPr>
-                        <a:t>Not Present</a:t>
-                      </a:r>
-                    </a:p>
-                  </a:txBody>
-                  <a:tcPr anchor="ctr" marB="0" marT="0" marR="0" marL="0">
-                    <a:lnL w="0" cmpd="sng" algn="ctr" cap="flat">
-                      <a:solidFill>
-                        <a:srgbClr val="FFFFFF">
-                          <a:alpha val="0"/>
-                        </a:srgbClr>
-                      </a:solidFill>
-                      <a:prstDash val="solid"/>
-                    </a:lnL>
-                    <a:lnR w="0" cmpd="sng" algn="ctr" cap="flat">
-                      <a:solidFill>
-                        <a:srgbClr val="FFFFFF">
-                          <a:alpha val="0"/>
-                        </a:srgbClr>
-                      </a:solidFill>
-                      <a:prstDash val="solid"/>
-                    </a:lnR>
-                    <a:lnT w="0" cmpd="sng" algn="ctr" cap="flat">
-                      <a:solidFill>
-                        <a:srgbClr val="FFFFFF">
-                          <a:alpha val="0"/>
-                        </a:srgbClr>
-                      </a:solidFill>
-                      <a:prstDash val="solid"/>
-                    </a:lnT>
-                    <a:lnB w="0" cmpd="sng" algn="ctr" cap="flat">
-                      <a:solidFill>
-                        <a:srgbClr val="FFFFFF">
-                          <a:alpha val="0"/>
-                        </a:srgbClr>
-                      </a:solidFill>
-                      <a:prstDash val="solid"/>
-                    </a:lnB>
-                  </a:tcPr>
-                </a:tc>
-                <a:tc>
-                  <a:txBody>
-                    <a:bodyPr/>
-                    <a:lstStyle/>
-                    <a:p>
-                      <a:pPr algn="ctr" marL="63500" marR="63500">
-                        <a:lnSpc>
-                          <a:spcPct val="100000"/>
-                        </a:lnSpc>
-                        <a:spcBef>
-                          <a:spcPts val="200"/>
-                        </a:spcBef>
-                        <a:spcAft>
-                          <a:spcPts val="200"/>
-                        </a:spcAft>
-                        <a:buNone/>
-                      </a:pPr>
-                      <a:r>
-                        <a:rPr sz="1000">
-                          <a:solidFill>
-                            <a:srgbClr val="111111">
-                              <a:alpha val="100000"/>
-                            </a:srgbClr>
-                          </a:solidFill>
-                          <a:latin typeface="Arial"/>
-                          <a:cs typeface="Arial"/>
-                        </a:rPr>
                         <a:t>Present</a:t>
-                      </a:r>
-                    </a:p>
-                  </a:txBody>
-                  <a:tcPr anchor="ctr" marB="0" marT="0" marR="0" marL="0">
-                    <a:lnL w="0" cmpd="sng" algn="ctr" cap="flat">
-                      <a:solidFill>
-                        <a:srgbClr val="FFFFFF">
-                          <a:alpha val="0"/>
-                        </a:srgbClr>
-                      </a:solidFill>
-                      <a:prstDash val="solid"/>
-                    </a:lnL>
-                    <a:lnR w="0" cmpd="sng" algn="ctr" cap="flat">
-                      <a:solidFill>
-                        <a:srgbClr val="FFFFFF">
-                          <a:alpha val="0"/>
-                        </a:srgbClr>
-                      </a:solidFill>
-                      <a:prstDash val="solid"/>
-                    </a:lnR>
-                    <a:lnT w="0" cmpd="sng" algn="ctr" cap="flat">
-                      <a:solidFill>
-                        <a:srgbClr val="FFFFFF">
-                          <a:alpha val="0"/>
-                        </a:srgbClr>
-                      </a:solidFill>
-                      <a:prstDash val="solid"/>
-                    </a:lnT>
-                    <a:lnB w="0" cmpd="sng" algn="ctr" cap="flat">
-                      <a:solidFill>
-                        <a:srgbClr val="FFFFFF">
-                          <a:alpha val="0"/>
-                        </a:srgbClr>
-                      </a:solidFill>
-                      <a:prstDash val="solid"/>
-                    </a:lnB>
-                  </a:tcPr>
-                </a:tc>
-              </a:tr>
-              <a:tr h="293757">
-                <a:tc>
-                  <a:txBody>
-                    <a:bodyPr/>
-                    <a:lstStyle/>
-                    <a:p>
-                      <a:pPr algn="l" marL="63500" marR="63500">
-                        <a:lnSpc>
-                          <a:spcPct val="100000"/>
-                        </a:lnSpc>
-                        <a:spcBef>
-                          <a:spcPts val="200"/>
-                        </a:spcBef>
-                        <a:spcAft>
-                          <a:spcPts val="200"/>
-                        </a:spcAft>
-                        <a:buNone/>
-                      </a:pPr>
-                      <a:r>
-                        <a:rPr sz="1000">
-                          <a:solidFill>
-                            <a:srgbClr val="111111">
-                              <a:alpha val="100000"/>
-                            </a:srgbClr>
-                          </a:solidFill>
-                          <a:latin typeface="Arial"/>
-                          <a:cs typeface="Arial"/>
-                        </a:rPr>
-                        <a:t>OY-CY Only Household</a:t>
-                      </a:r>
-                    </a:p>
-                  </a:txBody>
-                  <a:tcPr anchor="ctr" marB="0" marT="0" marR="0" marL="0">
-                    <a:lnL w="0" cmpd="sng" algn="ctr" cap="flat">
-                      <a:solidFill>
-                        <a:srgbClr val="FFFFFF">
-                          <a:alpha val="0"/>
-                        </a:srgbClr>
-                      </a:solidFill>
-                      <a:prstDash val="solid"/>
-                    </a:lnL>
-                    <a:lnR w="0" cmpd="sng" algn="ctr" cap="flat">
-                      <a:solidFill>
-                        <a:srgbClr val="FFFFFF">
-                          <a:alpha val="0"/>
-                        </a:srgbClr>
-                      </a:solidFill>
-                      <a:prstDash val="solid"/>
-                    </a:lnR>
-                    <a:lnT w="0" cmpd="sng" algn="ctr" cap="flat">
-                      <a:solidFill>
-                        <a:srgbClr val="FFFFFF">
-                          <a:alpha val="0"/>
-                        </a:srgbClr>
-                      </a:solidFill>
-                      <a:prstDash val="solid"/>
-                    </a:lnT>
-                    <a:lnB w="0" cmpd="sng" algn="ctr" cap="flat">
-                      <a:solidFill>
-                        <a:srgbClr val="FFFFFF">
-                          <a:alpha val="0"/>
-                        </a:srgbClr>
-                      </a:solidFill>
-                      <a:prstDash val="solid"/>
-                    </a:lnB>
-                    <a:solidFill>
-                      <a:srgbClr val="D6D6CE">
-                        <a:alpha val="100000"/>
-                      </a:srgbClr>
-                    </a:solidFill>
-                  </a:tcPr>
-                </a:tc>
-                <a:tc>
-                  <a:txBody>
-                    <a:bodyPr/>
-                    <a:lstStyle/>
-                    <a:p>
-                      <a:pPr algn="ctr" marL="63500" marR="63500">
-                        <a:lnSpc>
-                          <a:spcPct val="100000"/>
-                        </a:lnSpc>
-                        <a:spcBef>
-                          <a:spcPts val="200"/>
-                        </a:spcBef>
-                        <a:spcAft>
-                          <a:spcPts val="200"/>
-                        </a:spcAft>
-                        <a:buNone/>
-                      </a:pPr>
-                      <a:r>
-                        <a:rPr sz="1000">
-                          <a:solidFill>
-                            <a:srgbClr val="111111">
-                              <a:alpha val="100000"/>
-                            </a:srgbClr>
-                          </a:solidFill>
-                          <a:latin typeface="Arial"/>
-                          <a:cs typeface="Arial"/>
-                        </a:rPr>
-                        <a:t>Not Present</a:t>
                       </a:r>
                     </a:p>
                   </a:txBody>
@@ -7836,343 +7395,6 @@
                     </a:solidFill>
                   </a:tcPr>
                 </a:tc>
-                <a:tc>
-                  <a:txBody>
-                    <a:bodyPr/>
-                    <a:lstStyle/>
-                    <a:p>
-                      <a:pPr algn="ctr" marL="63500" marR="63500">
-                        <a:lnSpc>
-                          <a:spcPct val="100000"/>
-                        </a:lnSpc>
-                        <a:spcBef>
-                          <a:spcPts val="200"/>
-                        </a:spcBef>
-                        <a:spcAft>
-                          <a:spcPts val="200"/>
-                        </a:spcAft>
-                        <a:buNone/>
-                      </a:pPr>
-                      <a:r>
-                        <a:rPr sz="1000">
-                          <a:solidFill>
-                            <a:srgbClr val="111111">
-                              <a:alpha val="100000"/>
-                            </a:srgbClr>
-                          </a:solidFill>
-                          <a:latin typeface="Arial"/>
-                          <a:cs typeface="Arial"/>
-                        </a:rPr>
-                        <a:t>Present</a:t>
-                      </a:r>
-                    </a:p>
-                  </a:txBody>
-                  <a:tcPr anchor="ctr" marB="0" marT="0" marR="0" marL="0">
-                    <a:lnL w="0" cmpd="sng" algn="ctr" cap="flat">
-                      <a:solidFill>
-                        <a:srgbClr val="FFFFFF">
-                          <a:alpha val="0"/>
-                        </a:srgbClr>
-                      </a:solidFill>
-                      <a:prstDash val="solid"/>
-                    </a:lnL>
-                    <a:lnR w="0" cmpd="sng" algn="ctr" cap="flat">
-                      <a:solidFill>
-                        <a:srgbClr val="FFFFFF">
-                          <a:alpha val="0"/>
-                        </a:srgbClr>
-                      </a:solidFill>
-                      <a:prstDash val="solid"/>
-                    </a:lnR>
-                    <a:lnT w="0" cmpd="sng" algn="ctr" cap="flat">
-                      <a:solidFill>
-                        <a:srgbClr val="FFFFFF">
-                          <a:alpha val="0"/>
-                        </a:srgbClr>
-                      </a:solidFill>
-                      <a:prstDash val="solid"/>
-                    </a:lnT>
-                    <a:lnB w="0" cmpd="sng" algn="ctr" cap="flat">
-                      <a:solidFill>
-                        <a:srgbClr val="FFFFFF">
-                          <a:alpha val="0"/>
-                        </a:srgbClr>
-                      </a:solidFill>
-                      <a:prstDash val="solid"/>
-                    </a:lnB>
-                    <a:solidFill>
-                      <a:srgbClr val="D6D6CE">
-                        <a:alpha val="100000"/>
-                      </a:srgbClr>
-                    </a:solidFill>
-                  </a:tcPr>
-                </a:tc>
-              </a:tr>
-              <a:tr h="293757">
-                <a:tc>
-                  <a:txBody>
-                    <a:bodyPr/>
-                    <a:lstStyle/>
-                    <a:p>
-                      <a:pPr algn="l" marL="63500" marR="63500">
-                        <a:lnSpc>
-                          <a:spcPct val="100000"/>
-                        </a:lnSpc>
-                        <a:spcBef>
-                          <a:spcPts val="200"/>
-                        </a:spcBef>
-                        <a:spcAft>
-                          <a:spcPts val="200"/>
-                        </a:spcAft>
-                        <a:buNone/>
-                      </a:pPr>
-                      <a:r>
-                        <a:rPr sz="1000">
-                          <a:solidFill>
-                            <a:srgbClr val="111111">
-                              <a:alpha val="100000"/>
-                            </a:srgbClr>
-                          </a:solidFill>
-                          <a:latin typeface="Arial"/>
-                          <a:cs typeface="Arial"/>
-                        </a:rPr>
-                        <a:t>OY-EE Only Household</a:t>
-                      </a:r>
-                    </a:p>
-                  </a:txBody>
-                  <a:tcPr anchor="ctr" marB="0" marT="0" marR="0" marL="0">
-                    <a:lnL w="0" cmpd="sng" algn="ctr" cap="flat">
-                      <a:solidFill>
-                        <a:srgbClr val="FFFFFF">
-                          <a:alpha val="0"/>
-                        </a:srgbClr>
-                      </a:solidFill>
-                      <a:prstDash val="solid"/>
-                    </a:lnL>
-                    <a:lnR w="0" cmpd="sng" algn="ctr" cap="flat">
-                      <a:solidFill>
-                        <a:srgbClr val="FFFFFF">
-                          <a:alpha val="0"/>
-                        </a:srgbClr>
-                      </a:solidFill>
-                      <a:prstDash val="solid"/>
-                    </a:lnR>
-                    <a:lnT w="0" cmpd="sng" algn="ctr" cap="flat">
-                      <a:solidFill>
-                        <a:srgbClr val="FFFFFF">
-                          <a:alpha val="0"/>
-                        </a:srgbClr>
-                      </a:solidFill>
-                      <a:prstDash val="solid"/>
-                    </a:lnT>
-                    <a:lnB w="0" cmpd="sng" algn="ctr" cap="flat">
-                      <a:solidFill>
-                        <a:srgbClr val="FFFFFF">
-                          <a:alpha val="0"/>
-                        </a:srgbClr>
-                      </a:solidFill>
-                      <a:prstDash val="solid"/>
-                    </a:lnB>
-                  </a:tcPr>
-                </a:tc>
-                <a:tc>
-                  <a:txBody>
-                    <a:bodyPr/>
-                    <a:lstStyle/>
-                    <a:p>
-                      <a:pPr algn="ctr" marL="63500" marR="63500">
-                        <a:lnSpc>
-                          <a:spcPct val="100000"/>
-                        </a:lnSpc>
-                        <a:spcBef>
-                          <a:spcPts val="200"/>
-                        </a:spcBef>
-                        <a:spcAft>
-                          <a:spcPts val="200"/>
-                        </a:spcAft>
-                        <a:buNone/>
-                      </a:pPr>
-                      <a:r>
-                        <a:rPr sz="1000">
-                          <a:solidFill>
-                            <a:srgbClr val="111111">
-                              <a:alpha val="100000"/>
-                            </a:srgbClr>
-                          </a:solidFill>
-                          <a:latin typeface="Arial"/>
-                          <a:cs typeface="Arial"/>
-                        </a:rPr>
-                        <a:t>Present</a:t>
-                      </a:r>
-                    </a:p>
-                  </a:txBody>
-                  <a:tcPr anchor="ctr" marB="0" marT="0" marR="0" marL="0">
-                    <a:lnL w="0" cmpd="sng" algn="ctr" cap="flat">
-                      <a:solidFill>
-                        <a:srgbClr val="FFFFFF">
-                          <a:alpha val="0"/>
-                        </a:srgbClr>
-                      </a:solidFill>
-                      <a:prstDash val="solid"/>
-                    </a:lnL>
-                    <a:lnR w="0" cmpd="sng" algn="ctr" cap="flat">
-                      <a:solidFill>
-                        <a:srgbClr val="FFFFFF">
-                          <a:alpha val="0"/>
-                        </a:srgbClr>
-                      </a:solidFill>
-                      <a:prstDash val="solid"/>
-                    </a:lnR>
-                    <a:lnT w="0" cmpd="sng" algn="ctr" cap="flat">
-                      <a:solidFill>
-                        <a:srgbClr val="FFFFFF">
-                          <a:alpha val="0"/>
-                        </a:srgbClr>
-                      </a:solidFill>
-                      <a:prstDash val="solid"/>
-                    </a:lnT>
-                    <a:lnB w="0" cmpd="sng" algn="ctr" cap="flat">
-                      <a:solidFill>
-                        <a:srgbClr val="FFFFFF">
-                          <a:alpha val="0"/>
-                        </a:srgbClr>
-                      </a:solidFill>
-                      <a:prstDash val="solid"/>
-                    </a:lnB>
-                  </a:tcPr>
-                </a:tc>
-                <a:tc>
-                  <a:txBody>
-                    <a:bodyPr/>
-                    <a:lstStyle/>
-                    <a:p>
-                      <a:pPr algn="ctr" marL="63500" marR="63500">
-                        <a:lnSpc>
-                          <a:spcPct val="100000"/>
-                        </a:lnSpc>
-                        <a:spcBef>
-                          <a:spcPts val="200"/>
-                        </a:spcBef>
-                        <a:spcAft>
-                          <a:spcPts val="200"/>
-                        </a:spcAft>
-                        <a:buNone/>
-                      </a:pPr>
-                      <a:r>
-                        <a:rPr sz="1000">
-                          <a:solidFill>
-                            <a:srgbClr val="111111">
-                              <a:alpha val="100000"/>
-                            </a:srgbClr>
-                          </a:solidFill>
-                          <a:latin typeface="Arial"/>
-                          <a:cs typeface="Arial"/>
-                        </a:rPr>
-                        <a:t>Not Present</a:t>
-                      </a:r>
-                    </a:p>
-                  </a:txBody>
-                  <a:tcPr anchor="ctr" marB="0" marT="0" marR="0" marL="0">
-                    <a:lnL w="0" cmpd="sng" algn="ctr" cap="flat">
-                      <a:solidFill>
-                        <a:srgbClr val="FFFFFF">
-                          <a:alpha val="0"/>
-                        </a:srgbClr>
-                      </a:solidFill>
-                      <a:prstDash val="solid"/>
-                    </a:lnL>
-                    <a:lnR w="0" cmpd="sng" algn="ctr" cap="flat">
-                      <a:solidFill>
-                        <a:srgbClr val="FFFFFF">
-                          <a:alpha val="0"/>
-                        </a:srgbClr>
-                      </a:solidFill>
-                      <a:prstDash val="solid"/>
-                    </a:lnR>
-                    <a:lnT w="0" cmpd="sng" algn="ctr" cap="flat">
-                      <a:solidFill>
-                        <a:srgbClr val="FFFFFF">
-                          <a:alpha val="0"/>
-                        </a:srgbClr>
-                      </a:solidFill>
-                      <a:prstDash val="solid"/>
-                    </a:lnT>
-                    <a:lnB w="0" cmpd="sng" algn="ctr" cap="flat">
-                      <a:solidFill>
-                        <a:srgbClr val="FFFFFF">
-                          <a:alpha val="0"/>
-                        </a:srgbClr>
-                      </a:solidFill>
-                      <a:prstDash val="solid"/>
-                    </a:lnB>
-                  </a:tcPr>
-                </a:tc>
-                <a:tc>
-                  <a:txBody>
-                    <a:bodyPr/>
-                    <a:lstStyle/>
-                    <a:p>
-                      <a:pPr algn="ctr" marL="63500" marR="63500">
-                        <a:lnSpc>
-                          <a:spcPct val="100000"/>
-                        </a:lnSpc>
-                        <a:spcBef>
-                          <a:spcPts val="200"/>
-                        </a:spcBef>
-                        <a:spcAft>
-                          <a:spcPts val="200"/>
-                        </a:spcAft>
-                        <a:buNone/>
-                      </a:pPr>
-                      <a:r>
-                        <a:rPr sz="1000">
-                          <a:solidFill>
-                            <a:srgbClr val="111111">
-                              <a:alpha val="100000"/>
-                            </a:srgbClr>
-                          </a:solidFill>
-                          <a:latin typeface="Arial"/>
-                          <a:cs typeface="Arial"/>
-                        </a:rPr>
-                        <a:t>Present</a:t>
-                      </a:r>
-                    </a:p>
-                  </a:txBody>
-                  <a:tcPr anchor="ctr" marB="0" marT="0" marR="0" marL="0">
-                    <a:lnL w="0" cmpd="sng" algn="ctr" cap="flat">
-                      <a:solidFill>
-                        <a:srgbClr val="FFFFFF">
-                          <a:alpha val="0"/>
-                        </a:srgbClr>
-                      </a:solidFill>
-                      <a:prstDash val="solid"/>
-                    </a:lnL>
-                    <a:lnR w="0" cmpd="sng" algn="ctr" cap="flat">
-                      <a:solidFill>
-                        <a:srgbClr val="FFFFFF">
-                          <a:alpha val="0"/>
-                        </a:srgbClr>
-                      </a:solidFill>
-                      <a:prstDash val="solid"/>
-                    </a:lnR>
-                    <a:lnT w="0" cmpd="sng" algn="ctr" cap="flat">
-                      <a:solidFill>
-                        <a:srgbClr val="FFFFFF">
-                          <a:alpha val="0"/>
-                        </a:srgbClr>
-                      </a:solidFill>
-                      <a:prstDash val="solid"/>
-                    </a:lnT>
-                    <a:lnB w="0" cmpd="sng" algn="ctr" cap="flat">
-                      <a:solidFill>
-                        <a:srgbClr val="FFFFFF">
-                          <a:alpha val="0"/>
-                        </a:srgbClr>
-                      </a:solidFill>
-                      <a:prstDash val="solid"/>
-                    </a:lnB>
-                  </a:tcPr>
-                </a:tc>
               </a:tr>
             </a:tbl>
           </a:graphicData>
@@ -8284,7 +7506,7 @@
             </a:pPr>
             <a:r>
               <a:rPr/>
-              <a:t>Who</a:t>
+              <a:t>Identify</a:t>
             </a:r>
             <a:r>
               <a:rPr/>
@@ -8292,7 +7514,7 @@
             </a:r>
             <a:r>
               <a:rPr/>
-              <a:t>identifies</a:t>
+              <a:t>as</a:t>
             </a:r>
             <a:r>
               <a:rPr/>
@@ -8300,7 +7522,7 @@
             </a:r>
             <a:r>
               <a:rPr/>
-              <a:t>as</a:t>
+              <a:t>Reference</a:t>
             </a:r>
             <a:r>
               <a:rPr/>
@@ -8308,47 +7530,7 @@
             </a:r>
             <a:r>
               <a:rPr/>
-              <a:t>‘</a:t>
-            </a:r>
-            <a:r>
-              <a:rPr/>
-              <a:t>Reference</a:t>
-            </a:r>
-            <a:r>
-              <a:rPr/>
-              <a:t>’</a:t>
-            </a:r>
-            <a:r>
-              <a:rPr/>
-              <a:t> </a:t>
-            </a:r>
-            <a:r>
-              <a:rPr/>
               <a:t>Person</a:t>
-            </a:r>
-            <a:r>
-              <a:rPr/>
-              <a:t> </a:t>
-            </a:r>
-            <a:r>
-              <a:rPr/>
-              <a:t>on</a:t>
-            </a:r>
-            <a:r>
-              <a:rPr/>
-              <a:t> </a:t>
-            </a:r>
-            <a:r>
-              <a:rPr/>
-              <a:t>the</a:t>
-            </a:r>
-            <a:r>
-              <a:rPr/>
-              <a:t> </a:t>
-            </a:r>
-            <a:r>
-              <a:rPr/>
-              <a:t>ACS?</a:t>
             </a:r>
           </a:p>
         </p:txBody>

--- a/create_powerpoint/household_structure_estimates.pptx
+++ b/create_powerpoint/household_structure_estimates.pptx
@@ -3607,7 +3607,7 @@
             </a:pPr>
             <a:r>
               <a:rPr/>
-              <a:t>October</a:t>
+              <a:t>November</a:t>
             </a:r>
             <a:r>
               <a:rPr/>
@@ -3615,7 +3615,7 @@
             </a:r>
             <a:r>
               <a:rPr/>
-              <a:t>23,</a:t>
+              <a:t>06,</a:t>
             </a:r>
             <a:r>
               <a:rPr/>
@@ -5986,7 +5986,7 @@
       </p:sp>
       <p:graphicFrame xmlns:a="http://schemas.openxmlformats.org/drawingml/2006/main" xmlns:r="http://schemas.openxmlformats.org/officeDocument/2006/relationships" xmlns:p="http://schemas.openxmlformats.org/presentationml/2006/main">
         <p:nvGraphicFramePr>
-          <p:cNvPr id="955095432" name=""/>
+          <p:cNvPr id="784280713" name=""/>
           <p:cNvGraphicFramePr>
             <a:graphicFrameLocks noGrp="true"/>
           </p:cNvGraphicFramePr>
@@ -6001,26 +6001,26 @@
             <a:tbl>
               <a:tblPr/>
               <a:tblGrid>
-                <a:gridCol w="1646859"/>
-                <a:gridCol w="1137582"/>
-                <a:gridCol w="1321688"/>
-                <a:gridCol w="998428"/>
+                <a:gridCol w="1750954"/>
+                <a:gridCol w="1201022"/>
+                <a:gridCol w="1394405"/>
+                <a:gridCol w="1011868"/>
               </a:tblGrid>
-              <a:tr h="295190">
+              <a:tr h="332126">
                 <a:tc>
                   <a:txBody>
                     <a:bodyPr/>
                     <a:lstStyle/>
                     <a:p>
-                      <a:pPr algn="l" marL="63500" marR="63500">
+                      <a:pPr algn="l" marL="38100" marR="38100">
                         <a:lnSpc>
                           <a:spcPct val="100000"/>
                         </a:lnSpc>
                         <a:spcBef>
-                          <a:spcPts val="200"/>
+                          <a:spcPts val="300"/>
                         </a:spcBef>
                         <a:spcAft>
-                          <a:spcPts val="200"/>
+                          <a:spcPts val="300"/>
                         </a:spcAft>
                         <a:buNone/>
                       </a:pPr>
@@ -6083,15 +6083,15 @@
                     <a:bodyPr/>
                     <a:lstStyle/>
                     <a:p>
-                      <a:pPr algn="ctr" marL="63500" marR="63500">
+                      <a:pPr algn="ctr" marL="38100" marR="38100">
                         <a:lnSpc>
                           <a:spcPct val="100000"/>
                         </a:lnSpc>
                         <a:spcBef>
-                          <a:spcPts val="200"/>
+                          <a:spcPts val="300"/>
                         </a:spcBef>
                         <a:spcAft>
-                          <a:spcPts val="200"/>
+                          <a:spcPts val="300"/>
                         </a:spcAft>
                         <a:buNone/>
                       </a:pPr>
@@ -6154,15 +6154,15 @@
                     <a:bodyPr/>
                     <a:lstStyle/>
                     <a:p>
-                      <a:pPr algn="ctr" marL="63500" marR="63500">
+                      <a:pPr algn="ctr" marL="38100" marR="38100">
                         <a:lnSpc>
                           <a:spcPct val="100000"/>
                         </a:lnSpc>
                         <a:spcBef>
-                          <a:spcPts val="200"/>
+                          <a:spcPts val="300"/>
                         </a:spcBef>
                         <a:spcAft>
-                          <a:spcPts val="200"/>
+                          <a:spcPts val="300"/>
                         </a:spcAft>
                         <a:buNone/>
                       </a:pPr>
@@ -6225,15 +6225,15 @@
                     <a:bodyPr/>
                     <a:lstStyle/>
                     <a:p>
-                      <a:pPr algn="ctr" marL="63500" marR="63500">
+                      <a:pPr algn="ctr" marL="38100" marR="38100">
                         <a:lnSpc>
                           <a:spcPct val="100000"/>
                         </a:lnSpc>
                         <a:spcBef>
-                          <a:spcPts val="200"/>
+                          <a:spcPts val="300"/>
                         </a:spcBef>
                         <a:spcAft>
-                          <a:spcPts val="200"/>
+                          <a:spcPts val="300"/>
                         </a:spcAft>
                         <a:buNone/>
                       </a:pPr>
@@ -6292,28 +6292,28 @@
                   </a:tcPr>
                 </a:tc>
               </a:tr>
-              <a:tr h="293757">
+              <a:tr h="328238">
                 <a:tc>
                   <a:txBody>
                     <a:bodyPr/>
                     <a:lstStyle/>
                     <a:p>
-                      <a:pPr algn="l" marL="63500" marR="63500">
+                      <a:pPr algn="l" marL="38100" marR="38100">
                         <a:lnSpc>
                           <a:spcPct val="100000"/>
                         </a:lnSpc>
                         <a:spcBef>
-                          <a:spcPts val="200"/>
+                          <a:spcPts val="300"/>
                         </a:spcBef>
                         <a:spcAft>
-                          <a:spcPts val="200"/>
+                          <a:spcPts val="300"/>
                         </a:spcAft>
                         <a:buNone/>
                       </a:pPr>
                       <a:r>
                         <a:rPr sz="1000">
                           <a:solidFill>
-                            <a:srgbClr val="111111">
+                            <a:srgbClr val="000000">
                               <a:alpha val="100000"/>
                             </a:srgbClr>
                           </a:solidFill>
@@ -6364,22 +6364,22 @@
                     <a:bodyPr/>
                     <a:lstStyle/>
                     <a:p>
-                      <a:pPr algn="ctr" marL="63500" marR="63500">
+                      <a:pPr algn="ctr" marL="38100" marR="38100">
                         <a:lnSpc>
                           <a:spcPct val="100000"/>
                         </a:lnSpc>
                         <a:spcBef>
-                          <a:spcPts val="200"/>
+                          <a:spcPts val="300"/>
                         </a:spcBef>
                         <a:spcAft>
-                          <a:spcPts val="200"/>
+                          <a:spcPts val="300"/>
                         </a:spcAft>
                         <a:buNone/>
                       </a:pPr>
                       <a:r>
                         <a:rPr sz="1000">
                           <a:solidFill>
-                            <a:srgbClr val="111111">
+                            <a:srgbClr val="000000">
                               <a:alpha val="100000"/>
                             </a:srgbClr>
                           </a:solidFill>
@@ -6430,22 +6430,22 @@
                     <a:bodyPr/>
                     <a:lstStyle/>
                     <a:p>
-                      <a:pPr algn="ctr" marL="63500" marR="63500">
+                      <a:pPr algn="ctr" marL="38100" marR="38100">
                         <a:lnSpc>
                           <a:spcPct val="100000"/>
                         </a:lnSpc>
                         <a:spcBef>
-                          <a:spcPts val="200"/>
+                          <a:spcPts val="300"/>
                         </a:spcBef>
                         <a:spcAft>
-                          <a:spcPts val="200"/>
+                          <a:spcPts val="300"/>
                         </a:spcAft>
                         <a:buNone/>
                       </a:pPr>
                       <a:r>
                         <a:rPr sz="1000">
                           <a:solidFill>
-                            <a:srgbClr val="111111">
+                            <a:srgbClr val="000000">
                               <a:alpha val="100000"/>
                             </a:srgbClr>
                           </a:solidFill>
@@ -6496,22 +6496,22 @@
                     <a:bodyPr/>
                     <a:lstStyle/>
                     <a:p>
-                      <a:pPr algn="ctr" marL="63500" marR="63500">
+                      <a:pPr algn="ctr" marL="38100" marR="38100">
                         <a:lnSpc>
                           <a:spcPct val="100000"/>
                         </a:lnSpc>
                         <a:spcBef>
-                          <a:spcPts val="200"/>
+                          <a:spcPts val="300"/>
                         </a:spcBef>
                         <a:spcAft>
-                          <a:spcPts val="200"/>
+                          <a:spcPts val="300"/>
                         </a:spcAft>
                         <a:buNone/>
                       </a:pPr>
                       <a:r>
                         <a:rPr sz="1000">
                           <a:solidFill>
-                            <a:srgbClr val="111111">
+                            <a:srgbClr val="000000">
                               <a:alpha val="100000"/>
                             </a:srgbClr>
                           </a:solidFill>
@@ -6558,28 +6558,28 @@
                   </a:tcPr>
                 </a:tc>
               </a:tr>
-              <a:tr h="293757">
+              <a:tr h="328238">
                 <a:tc>
                   <a:txBody>
                     <a:bodyPr/>
                     <a:lstStyle/>
                     <a:p>
-                      <a:pPr algn="l" marL="63500" marR="63500">
+                      <a:pPr algn="l" marL="38100" marR="38100">
                         <a:lnSpc>
                           <a:spcPct val="100000"/>
                         </a:lnSpc>
                         <a:spcBef>
-                          <a:spcPts val="200"/>
+                          <a:spcPts val="300"/>
                         </a:spcBef>
                         <a:spcAft>
-                          <a:spcPts val="200"/>
+                          <a:spcPts val="300"/>
                         </a:spcAft>
                         <a:buNone/>
                       </a:pPr>
                       <a:r>
                         <a:rPr sz="1000">
                           <a:solidFill>
-                            <a:srgbClr val="111111">
+                            <a:srgbClr val="000000">
                               <a:alpha val="100000"/>
                             </a:srgbClr>
                           </a:solidFill>
@@ -6635,22 +6635,22 @@
                     <a:bodyPr/>
                     <a:lstStyle/>
                     <a:p>
-                      <a:pPr algn="ctr" marL="63500" marR="63500">
+                      <a:pPr algn="ctr" marL="38100" marR="38100">
                         <a:lnSpc>
                           <a:spcPct val="100000"/>
                         </a:lnSpc>
                         <a:spcBef>
-                          <a:spcPts val="200"/>
+                          <a:spcPts val="300"/>
                         </a:spcBef>
                         <a:spcAft>
-                          <a:spcPts val="200"/>
+                          <a:spcPts val="300"/>
                         </a:spcAft>
                         <a:buNone/>
                       </a:pPr>
                       <a:r>
                         <a:rPr sz="1000">
                           <a:solidFill>
-                            <a:srgbClr val="111111">
+                            <a:srgbClr val="000000">
                               <a:alpha val="100000"/>
                             </a:srgbClr>
                           </a:solidFill>
@@ -6706,22 +6706,22 @@
                     <a:bodyPr/>
                     <a:lstStyle/>
                     <a:p>
-                      <a:pPr algn="ctr" marL="63500" marR="63500">
+                      <a:pPr algn="ctr" marL="38100" marR="38100">
                         <a:lnSpc>
                           <a:spcPct val="100000"/>
                         </a:lnSpc>
                         <a:spcBef>
-                          <a:spcPts val="200"/>
+                          <a:spcPts val="300"/>
                         </a:spcBef>
                         <a:spcAft>
-                          <a:spcPts val="200"/>
+                          <a:spcPts val="300"/>
                         </a:spcAft>
                         <a:buNone/>
                       </a:pPr>
                       <a:r>
                         <a:rPr sz="1000">
                           <a:solidFill>
-                            <a:srgbClr val="111111">
+                            <a:srgbClr val="000000">
                               <a:alpha val="100000"/>
                             </a:srgbClr>
                           </a:solidFill>
@@ -6777,22 +6777,22 @@
                     <a:bodyPr/>
                     <a:lstStyle/>
                     <a:p>
-                      <a:pPr algn="ctr" marL="63500" marR="63500">
+                      <a:pPr algn="ctr" marL="38100" marR="38100">
                         <a:lnSpc>
                           <a:spcPct val="100000"/>
                         </a:lnSpc>
                         <a:spcBef>
-                          <a:spcPts val="200"/>
+                          <a:spcPts val="300"/>
                         </a:spcBef>
                         <a:spcAft>
-                          <a:spcPts val="200"/>
+                          <a:spcPts val="300"/>
                         </a:spcAft>
                         <a:buNone/>
                       </a:pPr>
                       <a:r>
                         <a:rPr sz="1000">
                           <a:solidFill>
-                            <a:srgbClr val="111111">
+                            <a:srgbClr val="000000">
                               <a:alpha val="100000"/>
                             </a:srgbClr>
                           </a:solidFill>
@@ -6844,28 +6844,28 @@
                   </a:tcPr>
                 </a:tc>
               </a:tr>
-              <a:tr h="293757">
+              <a:tr h="328238">
                 <a:tc>
                   <a:txBody>
                     <a:bodyPr/>
                     <a:lstStyle/>
                     <a:p>
-                      <a:pPr algn="l" marL="63500" marR="63500">
+                      <a:pPr algn="l" marL="38100" marR="38100">
                         <a:lnSpc>
                           <a:spcPct val="100000"/>
                         </a:lnSpc>
                         <a:spcBef>
-                          <a:spcPts val="200"/>
+                          <a:spcPts val="300"/>
                         </a:spcBef>
                         <a:spcAft>
-                          <a:spcPts val="200"/>
+                          <a:spcPts val="300"/>
                         </a:spcAft>
                         <a:buNone/>
                       </a:pPr>
                       <a:r>
                         <a:rPr sz="1000">
                           <a:solidFill>
-                            <a:srgbClr val="111111">
+                            <a:srgbClr val="000000">
                               <a:alpha val="100000"/>
                             </a:srgbClr>
                           </a:solidFill>
@@ -6916,22 +6916,22 @@
                     <a:bodyPr/>
                     <a:lstStyle/>
                     <a:p>
-                      <a:pPr algn="ctr" marL="63500" marR="63500">
+                      <a:pPr algn="ctr" marL="38100" marR="38100">
                         <a:lnSpc>
                           <a:spcPct val="100000"/>
                         </a:lnSpc>
                         <a:spcBef>
-                          <a:spcPts val="200"/>
+                          <a:spcPts val="300"/>
                         </a:spcBef>
                         <a:spcAft>
-                          <a:spcPts val="200"/>
+                          <a:spcPts val="300"/>
                         </a:spcAft>
                         <a:buNone/>
                       </a:pPr>
                       <a:r>
                         <a:rPr sz="1000">
                           <a:solidFill>
-                            <a:srgbClr val="111111">
+                            <a:srgbClr val="000000">
                               <a:alpha val="100000"/>
                             </a:srgbClr>
                           </a:solidFill>
@@ -6982,22 +6982,22 @@
                     <a:bodyPr/>
                     <a:lstStyle/>
                     <a:p>
-                      <a:pPr algn="ctr" marL="63500" marR="63500">
+                      <a:pPr algn="ctr" marL="38100" marR="38100">
                         <a:lnSpc>
                           <a:spcPct val="100000"/>
                         </a:lnSpc>
                         <a:spcBef>
-                          <a:spcPts val="200"/>
+                          <a:spcPts val="300"/>
                         </a:spcBef>
                         <a:spcAft>
-                          <a:spcPts val="200"/>
+                          <a:spcPts val="300"/>
                         </a:spcAft>
                         <a:buNone/>
                       </a:pPr>
                       <a:r>
                         <a:rPr sz="1000">
                           <a:solidFill>
-                            <a:srgbClr val="111111">
+                            <a:srgbClr val="000000">
                               <a:alpha val="100000"/>
                             </a:srgbClr>
                           </a:solidFill>
@@ -7048,22 +7048,22 @@
                     <a:bodyPr/>
                     <a:lstStyle/>
                     <a:p>
-                      <a:pPr algn="ctr" marL="63500" marR="63500">
+                      <a:pPr algn="ctr" marL="38100" marR="38100">
                         <a:lnSpc>
                           <a:spcPct val="100000"/>
                         </a:lnSpc>
                         <a:spcBef>
-                          <a:spcPts val="200"/>
+                          <a:spcPts val="300"/>
                         </a:spcBef>
                         <a:spcAft>
-                          <a:spcPts val="200"/>
+                          <a:spcPts val="300"/>
                         </a:spcAft>
                         <a:buNone/>
                       </a:pPr>
                       <a:r>
                         <a:rPr sz="1000">
                           <a:solidFill>
-                            <a:srgbClr val="111111">
+                            <a:srgbClr val="000000">
                               <a:alpha val="100000"/>
                             </a:srgbClr>
                           </a:solidFill>
@@ -7110,28 +7110,28 @@
                   </a:tcPr>
                 </a:tc>
               </a:tr>
-              <a:tr h="265313">
+              <a:tr h="301157">
                 <a:tc>
                   <a:txBody>
                     <a:bodyPr/>
                     <a:lstStyle/>
                     <a:p>
-                      <a:pPr algn="l" marL="63500" marR="63500">
+                      <a:pPr algn="l" marL="38100" marR="38100">
                         <a:lnSpc>
                           <a:spcPct val="100000"/>
                         </a:lnSpc>
                         <a:spcBef>
-                          <a:spcPts val="200"/>
+                          <a:spcPts val="300"/>
                         </a:spcBef>
                         <a:spcAft>
-                          <a:spcPts val="200"/>
+                          <a:spcPts val="300"/>
                         </a:spcAft>
                         <a:buNone/>
                       </a:pPr>
                       <a:r>
                         <a:rPr sz="1000">
                           <a:solidFill>
-                            <a:srgbClr val="111111">
+                            <a:srgbClr val="000000">
                               <a:alpha val="100000"/>
                             </a:srgbClr>
                           </a:solidFill>
@@ -7187,22 +7187,22 @@
                     <a:bodyPr/>
                     <a:lstStyle/>
                     <a:p>
-                      <a:pPr algn="ctr" marL="63500" marR="63500">
+                      <a:pPr algn="ctr" marL="38100" marR="38100">
                         <a:lnSpc>
                           <a:spcPct val="100000"/>
                         </a:lnSpc>
                         <a:spcBef>
-                          <a:spcPts val="200"/>
+                          <a:spcPts val="300"/>
                         </a:spcBef>
                         <a:spcAft>
-                          <a:spcPts val="200"/>
+                          <a:spcPts val="300"/>
                         </a:spcAft>
                         <a:buNone/>
                       </a:pPr>
                       <a:r>
                         <a:rPr sz="1000">
                           <a:solidFill>
-                            <a:srgbClr val="111111">
+                            <a:srgbClr val="000000">
                               <a:alpha val="100000"/>
                             </a:srgbClr>
                           </a:solidFill>
@@ -7258,22 +7258,22 @@
                     <a:bodyPr/>
                     <a:lstStyle/>
                     <a:p>
-                      <a:pPr algn="ctr" marL="63500" marR="63500">
+                      <a:pPr algn="ctr" marL="38100" marR="38100">
                         <a:lnSpc>
                           <a:spcPct val="100000"/>
                         </a:lnSpc>
                         <a:spcBef>
-                          <a:spcPts val="200"/>
+                          <a:spcPts val="300"/>
                         </a:spcBef>
                         <a:spcAft>
-                          <a:spcPts val="200"/>
+                          <a:spcPts val="300"/>
                         </a:spcAft>
                         <a:buNone/>
                       </a:pPr>
                       <a:r>
                         <a:rPr sz="1000">
                           <a:solidFill>
-                            <a:srgbClr val="111111">
+                            <a:srgbClr val="000000">
                               <a:alpha val="100000"/>
                             </a:srgbClr>
                           </a:solidFill>
@@ -7329,22 +7329,22 @@
                     <a:bodyPr/>
                     <a:lstStyle/>
                     <a:p>
-                      <a:pPr algn="ctr" marL="63500" marR="63500">
+                      <a:pPr algn="ctr" marL="38100" marR="38100">
                         <a:lnSpc>
                           <a:spcPct val="100000"/>
                         </a:lnSpc>
                         <a:spcBef>
-                          <a:spcPts val="200"/>
+                          <a:spcPts val="300"/>
                         </a:spcBef>
                         <a:spcAft>
-                          <a:spcPts val="200"/>
+                          <a:spcPts val="300"/>
                         </a:spcAft>
                         <a:buNone/>
                       </a:pPr>
                       <a:r>
                         <a:rPr sz="1000">
                           <a:solidFill>
-                            <a:srgbClr val="111111">
+                            <a:srgbClr val="000000">
                               <a:alpha val="100000"/>
                             </a:srgbClr>
                           </a:solidFill>

--- a/create_powerpoint/household_structure_estimates.pptx
+++ b/create_powerpoint/household_structure_estimates.pptx
@@ -5986,7 +5986,7 @@
       </p:sp>
       <p:graphicFrame xmlns:a="http://schemas.openxmlformats.org/drawingml/2006/main" xmlns:r="http://schemas.openxmlformats.org/officeDocument/2006/relationships" xmlns:p="http://schemas.openxmlformats.org/presentationml/2006/main">
         <p:nvGraphicFramePr>
-          <p:cNvPr id="784280713" name=""/>
+          <p:cNvPr id="963141861" name=""/>
           <p:cNvGraphicFramePr>
             <a:graphicFrameLocks noGrp="true"/>
           </p:cNvGraphicFramePr>

--- a/create_powerpoint/household_structure_estimates.pptx
+++ b/create_powerpoint/household_structure_estimates.pptx
@@ -3615,7 +3615,7 @@
             </a:r>
             <a:r>
               <a:rPr/>
-              <a:t>06,</a:t>
+              <a:t>13,</a:t>
             </a:r>
             <a:r>
               <a:rPr/>
@@ -4013,7 +4013,7 @@
             </a:pPr>
             <a:r>
               <a:rPr/>
-              <a:t>Income</a:t>
+              <a:t>Household</a:t>
             </a:r>
             <a:r>
               <a:rPr/>
@@ -4021,31 +4021,7 @@
             </a:r>
             <a:r>
               <a:rPr/>
-              <a:t>Characteristics:</a:t>
-            </a:r>
-            <a:r>
-              <a:rPr/>
-              <a:t> </a:t>
-            </a:r>
-            <a:r>
-              <a:rPr/>
-              <a:t>Household</a:t>
-            </a:r>
-            <a:r>
-              <a:rPr/>
-              <a:t> </a:t>
-            </a:r>
-            <a:r>
-              <a:rPr/>
-              <a:t>Median</a:t>
-            </a:r>
-            <a:r>
-              <a:rPr/>
-              <a:t> </a:t>
-            </a:r>
-            <a:r>
-              <a:rPr/>
-              <a:t>Income</a:t>
+              <a:t>Composition</a:t>
             </a:r>
           </a:p>
         </p:txBody>
@@ -4066,8 +4042,8 @@
         </p:blipFill>
         <p:spPr bwMode="auto">
           <a:xfrm>
-            <a:off x="3200400" y="1816100"/>
-            <a:ext cx="5791200" cy="4343400"/>
+            <a:off x="2616200" y="1816100"/>
+            <a:ext cx="6946900" cy="4343400"/>
           </a:xfrm>
           <a:prstGeom prst="rect">
             <a:avLst/>
@@ -4128,7 +4104,7 @@
             </a:pPr>
             <a:r>
               <a:rPr/>
-              <a:t>Income</a:t>
+              <a:t>Household</a:t>
             </a:r>
             <a:r>
               <a:rPr/>
@@ -4136,7 +4112,7 @@
             </a:r>
             <a:r>
               <a:rPr/>
-              <a:t>Characteristics:</a:t>
+              <a:t>Composition:</a:t>
             </a:r>
             <a:r>
               <a:rPr/>
@@ -4144,65 +4120,1141 @@
             </a:r>
             <a:r>
               <a:rPr/>
-              <a:t>Total</a:t>
-            </a:r>
-            <a:r>
-              <a:rPr/>
-              <a:t> </a:t>
-            </a:r>
-            <a:r>
-              <a:rPr/>
-              <a:t>Average</a:t>
-            </a:r>
-            <a:r>
-              <a:rPr/>
-              <a:t> </a:t>
-            </a:r>
-            <a:r>
-              <a:rPr/>
-              <a:t>Personal</a:t>
-            </a:r>
-            <a:r>
-              <a:rPr/>
-              <a:t> </a:t>
-            </a:r>
-            <a:r>
-              <a:rPr/>
-              <a:t>Income</a:t>
-            </a:r>
-          </a:p>
-        </p:txBody>
-      </p:sp>
-      <p:pic>
-        <p:nvPicPr>
-          <p:cNvPr descr="household_structure_estimates_files/figure-pptx/unnamed-chunk-10-1.png" id="0" name="Picture 1"/>
-          <p:cNvPicPr>
-            <a:picLocks noGrp="1" noChangeAspect="1"/>
-          </p:cNvPicPr>
+              <a:t>Alternate</a:t>
+            </a:r>
+          </a:p>
+        </p:txBody>
+      </p:sp>
+      <p:graphicFrame xmlns:a="http://schemas.openxmlformats.org/drawingml/2006/main" xmlns:r="http://schemas.openxmlformats.org/officeDocument/2006/relationships" xmlns:p="http://schemas.openxmlformats.org/presentationml/2006/main">
+        <p:nvGraphicFramePr>
+          <p:cNvPr id="174663574" name=""/>
+          <p:cNvGraphicFramePr>
+            <a:graphicFrameLocks noGrp="true"/>
+          </p:cNvGraphicFramePr>
           <p:nvPr/>
-        </p:nvPicPr>
-        <p:blipFill>
-          <a:blip r:embed="rId2"/>
-          <a:stretch>
-            <a:fillRect/>
-          </a:stretch>
-        </p:blipFill>
-        <p:spPr bwMode="auto">
-          <a:xfrm>
-            <a:off x="2616200" y="1816100"/>
-            <a:ext cx="6946900" cy="4343400"/>
-          </a:xfrm>
-          <a:prstGeom prst="rect">
-            <a:avLst/>
-          </a:prstGeom>
-          <a:noFill/>
-          <a:ln w="9525">
-            <a:noFill/>
-            <a:headEnd/>
-            <a:tailEnd/>
-          </a:ln>
-        </p:spPr>
-      </p:pic>
+        </p:nvGraphicFramePr>
+        <p:xfrm rot="0">
+          <a:off x="914400" y="1828800"/>
+          <a:ext cx="9144000" cy="5486400"/>
+        </p:xfrm>
+        <a:graphic>
+          <a:graphicData uri="http://schemas.openxmlformats.org/drawingml/2006/table">
+            <a:tbl>
+              <a:tblPr/>
+              <a:tblGrid>
+                <a:gridCol w="1590995"/>
+                <a:gridCol w="1201022"/>
+                <a:gridCol w="1394405"/>
+                <a:gridCol w="925715"/>
+              </a:tblGrid>
+              <a:tr h="332126">
+                <a:tc>
+                  <a:txBody>
+                    <a:bodyPr/>
+                    <a:lstStyle/>
+                    <a:p>
+                      <a:pPr algn="l" marL="38100" marR="38100">
+                        <a:lnSpc>
+                          <a:spcPct val="100000"/>
+                        </a:lnSpc>
+                        <a:spcBef>
+                          <a:spcPts val="300"/>
+                        </a:spcBef>
+                        <a:spcAft>
+                          <a:spcPts val="300"/>
+                        </a:spcAft>
+                        <a:buNone/>
+                      </a:pPr>
+                      <a:r>
+                        <a:rPr sz="1000" b="1">
+                          <a:solidFill>
+                            <a:srgbClr val="FFFFFF">
+                              <a:alpha val="100000"/>
+                            </a:srgbClr>
+                          </a:solidFill>
+                          <a:latin typeface="Arial"/>
+                          <a:cs typeface="Arial"/>
+                        </a:rPr>
+                        <a:t>Household Type</a:t>
+                      </a:r>
+                    </a:p>
+                  </a:txBody>
+                  <a:tcPr anchor="ctr" marB="0" marT="0" marR="0" marL="0">
+                    <a:lnL w="0" cmpd="sng" algn="ctr" cap="flat">
+                      <a:solidFill>
+                        <a:srgbClr val="FFFFFF">
+                          <a:alpha val="0"/>
+                        </a:srgbClr>
+                      </a:solidFill>
+                      <a:prstDash val="solid"/>
+                    </a:lnL>
+                    <a:lnR w="0" cmpd="sng" algn="ctr" cap="flat">
+                      <a:solidFill>
+                        <a:srgbClr val="FFFFFF">
+                          <a:alpha val="0"/>
+                        </a:srgbClr>
+                      </a:solidFill>
+                      <a:prstDash val="solid"/>
+                    </a:lnR>
+                    <a:lnT w="0" cmpd="sng" algn="ctr" cap="flat">
+                      <a:solidFill>
+                        <a:srgbClr val="FFFFFF">
+                          <a:alpha val="0"/>
+                        </a:srgbClr>
+                      </a:solidFill>
+                      <a:prstDash val="solid"/>
+                    </a:lnT>
+                    <a:lnB w="0" cmpd="sng" algn="ctr" cap="flat">
+                      <a:solidFill>
+                        <a:srgbClr val="FFFFFF">
+                          <a:alpha val="0"/>
+                        </a:srgbClr>
+                      </a:solidFill>
+                      <a:prstDash val="solid"/>
+                    </a:lnB>
+                    <a:solidFill>
+                      <a:srgbClr val="C16622">
+                        <a:alpha val="100000"/>
+                      </a:srgbClr>
+                    </a:solidFill>
+                  </a:tcPr>
+                </a:tc>
+                <a:tc>
+                  <a:txBody>
+                    <a:bodyPr/>
+                    <a:lstStyle/>
+                    <a:p>
+                      <a:pPr algn="ctr" marL="38100" marR="38100">
+                        <a:lnSpc>
+                          <a:spcPct val="100000"/>
+                        </a:lnSpc>
+                        <a:spcBef>
+                          <a:spcPts val="300"/>
+                        </a:spcBef>
+                        <a:spcAft>
+                          <a:spcPts val="300"/>
+                        </a:spcAft>
+                        <a:buNone/>
+                      </a:pPr>
+                      <a:r>
+                        <a:rPr sz="1000" b="1">
+                          <a:solidFill>
+                            <a:srgbClr val="FFFFFF">
+                              <a:alpha val="100000"/>
+                            </a:srgbClr>
+                          </a:solidFill>
+                          <a:latin typeface="Arial"/>
+                          <a:cs typeface="Arial"/>
+                        </a:rPr>
+                        <a:t>Everyone Else</a:t>
+                      </a:r>
+                    </a:p>
+                  </a:txBody>
+                  <a:tcPr anchor="ctr" marB="0" marT="0" marR="0" marL="0">
+                    <a:lnL w="0" cmpd="sng" algn="ctr" cap="flat">
+                      <a:solidFill>
+                        <a:srgbClr val="FFFFFF">
+                          <a:alpha val="0"/>
+                        </a:srgbClr>
+                      </a:solidFill>
+                      <a:prstDash val="solid"/>
+                    </a:lnL>
+                    <a:lnR w="0" cmpd="sng" algn="ctr" cap="flat">
+                      <a:solidFill>
+                        <a:srgbClr val="FFFFFF">
+                          <a:alpha val="0"/>
+                        </a:srgbClr>
+                      </a:solidFill>
+                      <a:prstDash val="solid"/>
+                    </a:lnR>
+                    <a:lnT w="0" cmpd="sng" algn="ctr" cap="flat">
+                      <a:solidFill>
+                        <a:srgbClr val="FFFFFF">
+                          <a:alpha val="0"/>
+                        </a:srgbClr>
+                      </a:solidFill>
+                      <a:prstDash val="solid"/>
+                    </a:lnT>
+                    <a:lnB w="0" cmpd="sng" algn="ctr" cap="flat">
+                      <a:solidFill>
+                        <a:srgbClr val="FFFFFF">
+                          <a:alpha val="0"/>
+                        </a:srgbClr>
+                      </a:solidFill>
+                      <a:prstDash val="solid"/>
+                    </a:lnB>
+                    <a:solidFill>
+                      <a:srgbClr val="C16622">
+                        <a:alpha val="100000"/>
+                      </a:srgbClr>
+                    </a:solidFill>
+                  </a:tcPr>
+                </a:tc>
+                <a:tc>
+                  <a:txBody>
+                    <a:bodyPr/>
+                    <a:lstStyle/>
+                    <a:p>
+                      <a:pPr algn="ctr" marL="38100" marR="38100">
+                        <a:lnSpc>
+                          <a:spcPct val="100000"/>
+                        </a:lnSpc>
+                        <a:spcBef>
+                          <a:spcPts val="300"/>
+                        </a:spcBef>
+                        <a:spcAft>
+                          <a:spcPts val="300"/>
+                        </a:spcAft>
+                        <a:buNone/>
+                      </a:pPr>
+                      <a:r>
+                        <a:rPr sz="1000" b="1">
+                          <a:solidFill>
+                            <a:srgbClr val="FFFFFF">
+                              <a:alpha val="100000"/>
+                            </a:srgbClr>
+                          </a:solidFill>
+                          <a:latin typeface="Arial"/>
+                          <a:cs typeface="Arial"/>
+                        </a:rPr>
+                        <a:t>Connected Youth</a:t>
+                      </a:r>
+                    </a:p>
+                  </a:txBody>
+                  <a:tcPr anchor="ctr" marB="0" marT="0" marR="0" marL="0">
+                    <a:lnL w="0" cmpd="sng" algn="ctr" cap="flat">
+                      <a:solidFill>
+                        <a:srgbClr val="FFFFFF">
+                          <a:alpha val="0"/>
+                        </a:srgbClr>
+                      </a:solidFill>
+                      <a:prstDash val="solid"/>
+                    </a:lnL>
+                    <a:lnR w="0" cmpd="sng" algn="ctr" cap="flat">
+                      <a:solidFill>
+                        <a:srgbClr val="FFFFFF">
+                          <a:alpha val="0"/>
+                        </a:srgbClr>
+                      </a:solidFill>
+                      <a:prstDash val="solid"/>
+                    </a:lnR>
+                    <a:lnT w="0" cmpd="sng" algn="ctr" cap="flat">
+                      <a:solidFill>
+                        <a:srgbClr val="FFFFFF">
+                          <a:alpha val="0"/>
+                        </a:srgbClr>
+                      </a:solidFill>
+                      <a:prstDash val="solid"/>
+                    </a:lnT>
+                    <a:lnB w="0" cmpd="sng" algn="ctr" cap="flat">
+                      <a:solidFill>
+                        <a:srgbClr val="FFFFFF">
+                          <a:alpha val="0"/>
+                        </a:srgbClr>
+                      </a:solidFill>
+                      <a:prstDash val="solid"/>
+                    </a:lnB>
+                    <a:solidFill>
+                      <a:srgbClr val="C16622">
+                        <a:alpha val="100000"/>
+                      </a:srgbClr>
+                    </a:solidFill>
+                  </a:tcPr>
+                </a:tc>
+                <a:tc>
+                  <a:txBody>
+                    <a:bodyPr/>
+                    <a:lstStyle/>
+                    <a:p>
+                      <a:pPr algn="ctr" marL="38100" marR="38100">
+                        <a:lnSpc>
+                          <a:spcPct val="100000"/>
+                        </a:lnSpc>
+                        <a:spcBef>
+                          <a:spcPts val="300"/>
+                        </a:spcBef>
+                        <a:spcAft>
+                          <a:spcPts val="300"/>
+                        </a:spcAft>
+                        <a:buNone/>
+                      </a:pPr>
+                      <a:r>
+                        <a:rPr sz="1000" b="1">
+                          <a:solidFill>
+                            <a:srgbClr val="FFFFFF">
+                              <a:alpha val="100000"/>
+                            </a:srgbClr>
+                          </a:solidFill>
+                          <a:latin typeface="Arial"/>
+                          <a:cs typeface="Arial"/>
+                        </a:rPr>
+                        <a:t>Opportunity Youth</a:t>
+                      </a:r>
+                    </a:p>
+                  </a:txBody>
+                  <a:tcPr anchor="ctr" marB="0" marT="0" marR="0" marL="0">
+                    <a:lnL w="0" cmpd="sng" algn="ctr" cap="flat">
+                      <a:solidFill>
+                        <a:srgbClr val="FFFFFF">
+                          <a:alpha val="0"/>
+                        </a:srgbClr>
+                      </a:solidFill>
+                      <a:prstDash val="solid"/>
+                    </a:lnL>
+                    <a:lnR w="0" cmpd="sng" algn="ctr" cap="flat">
+                      <a:solidFill>
+                        <a:srgbClr val="FFFFFF">
+                          <a:alpha val="0"/>
+                        </a:srgbClr>
+                      </a:solidFill>
+                      <a:prstDash val="solid"/>
+                    </a:lnR>
+                    <a:lnT w="0" cmpd="sng" algn="ctr" cap="flat">
+                      <a:solidFill>
+                        <a:srgbClr val="FFFFFF">
+                          <a:alpha val="0"/>
+                        </a:srgbClr>
+                      </a:solidFill>
+                      <a:prstDash val="solid"/>
+                    </a:lnT>
+                    <a:lnB w="0" cmpd="sng" algn="ctr" cap="flat">
+                      <a:solidFill>
+                        <a:srgbClr val="FFFFFF">
+                          <a:alpha val="0"/>
+                        </a:srgbClr>
+                      </a:solidFill>
+                      <a:prstDash val="solid"/>
+                    </a:lnB>
+                    <a:solidFill>
+                      <a:srgbClr val="C16622">
+                        <a:alpha val="100000"/>
+                      </a:srgbClr>
+                    </a:solidFill>
+                  </a:tcPr>
+                </a:tc>
+              </a:tr>
+              <a:tr h="301157">
+                <a:tc>
+                  <a:txBody>
+                    <a:bodyPr/>
+                    <a:lstStyle/>
+                    <a:p>
+                      <a:pPr algn="l" marL="38100" marR="38100">
+                        <a:lnSpc>
+                          <a:spcPct val="100000"/>
+                        </a:lnSpc>
+                        <a:spcBef>
+                          <a:spcPts val="300"/>
+                        </a:spcBef>
+                        <a:spcAft>
+                          <a:spcPts val="300"/>
+                        </a:spcAft>
+                        <a:buNone/>
+                      </a:pPr>
+                      <a:r>
+                        <a:rPr sz="1000">
+                          <a:solidFill>
+                            <a:srgbClr val="000000">
+                              <a:alpha val="100000"/>
+                            </a:srgbClr>
+                          </a:solidFill>
+                          <a:latin typeface="Arial"/>
+                          <a:cs typeface="Arial"/>
+                        </a:rPr>
+                        <a:t>All Other Household</a:t>
+                      </a:r>
+                    </a:p>
+                  </a:txBody>
+                  <a:tcPr anchor="ctr" marB="0" marT="0" marR="0" marL="0">
+                    <a:lnL w="0" cmpd="sng" algn="ctr" cap="flat">
+                      <a:solidFill>
+                        <a:srgbClr val="FFFFFF">
+                          <a:alpha val="0"/>
+                        </a:srgbClr>
+                      </a:solidFill>
+                      <a:prstDash val="solid"/>
+                    </a:lnL>
+                    <a:lnR w="0" cmpd="sng" algn="ctr" cap="flat">
+                      <a:solidFill>
+                        <a:srgbClr val="FFFFFF">
+                          <a:alpha val="0"/>
+                        </a:srgbClr>
+                      </a:solidFill>
+                      <a:prstDash val="solid"/>
+                    </a:lnR>
+                    <a:lnT w="0" cmpd="sng" algn="ctr" cap="flat">
+                      <a:solidFill>
+                        <a:srgbClr val="FFFFFF">
+                          <a:alpha val="0"/>
+                        </a:srgbClr>
+                      </a:solidFill>
+                      <a:prstDash val="solid"/>
+                    </a:lnT>
+                    <a:lnB w="0" cmpd="sng" algn="ctr" cap="flat">
+                      <a:solidFill>
+                        <a:srgbClr val="FFFFFF">
+                          <a:alpha val="0"/>
+                        </a:srgbClr>
+                      </a:solidFill>
+                      <a:prstDash val="solid"/>
+                    </a:lnB>
+                  </a:tcPr>
+                </a:tc>
+                <a:tc>
+                  <a:txBody>
+                    <a:bodyPr/>
+                    <a:lstStyle/>
+                    <a:p>
+                      <a:pPr algn="ctr" marL="38100" marR="38100">
+                        <a:lnSpc>
+                          <a:spcPct val="100000"/>
+                        </a:lnSpc>
+                        <a:spcBef>
+                          <a:spcPts val="300"/>
+                        </a:spcBef>
+                        <a:spcAft>
+                          <a:spcPts val="300"/>
+                        </a:spcAft>
+                        <a:buNone/>
+                      </a:pPr>
+                      <a:r>
+                        <a:rPr sz="1000">
+                          <a:solidFill>
+                            <a:srgbClr val="000000">
+                              <a:alpha val="100000"/>
+                            </a:srgbClr>
+                          </a:solidFill>
+                          <a:latin typeface="Arial"/>
+                          <a:cs typeface="Arial"/>
+                        </a:rPr>
+                        <a:t>98.5%</a:t>
+                      </a:r>
+                    </a:p>
+                  </a:txBody>
+                  <a:tcPr anchor="ctr" marB="0" marT="0" marR="0" marL="0">
+                    <a:lnL w="0" cmpd="sng" algn="ctr" cap="flat">
+                      <a:solidFill>
+                        <a:srgbClr val="FFFFFF">
+                          <a:alpha val="0"/>
+                        </a:srgbClr>
+                      </a:solidFill>
+                      <a:prstDash val="solid"/>
+                    </a:lnL>
+                    <a:lnR w="0" cmpd="sng" algn="ctr" cap="flat">
+                      <a:solidFill>
+                        <a:srgbClr val="FFFFFF">
+                          <a:alpha val="0"/>
+                        </a:srgbClr>
+                      </a:solidFill>
+                      <a:prstDash val="solid"/>
+                    </a:lnR>
+                    <a:lnT w="0" cmpd="sng" algn="ctr" cap="flat">
+                      <a:solidFill>
+                        <a:srgbClr val="FFFFFF">
+                          <a:alpha val="0"/>
+                        </a:srgbClr>
+                      </a:solidFill>
+                      <a:prstDash val="solid"/>
+                    </a:lnT>
+                    <a:lnB w="0" cmpd="sng" algn="ctr" cap="flat">
+                      <a:solidFill>
+                        <a:srgbClr val="FFFFFF">
+                          <a:alpha val="0"/>
+                        </a:srgbClr>
+                      </a:solidFill>
+                      <a:prstDash val="solid"/>
+                    </a:lnB>
+                  </a:tcPr>
+                </a:tc>
+                <a:tc>
+                  <a:txBody>
+                    <a:bodyPr/>
+                    <a:lstStyle/>
+                    <a:p>
+                      <a:pPr algn="ctr" marL="38100" marR="38100">
+                        <a:lnSpc>
+                          <a:spcPct val="100000"/>
+                        </a:lnSpc>
+                        <a:spcBef>
+                          <a:spcPts val="300"/>
+                        </a:spcBef>
+                        <a:spcAft>
+                          <a:spcPts val="300"/>
+                        </a:spcAft>
+                        <a:buNone/>
+                      </a:pPr>
+                      <a:r>
+                        <a:rPr sz="1000">
+                          <a:solidFill>
+                            <a:srgbClr val="000000">
+                              <a:alpha val="100000"/>
+                            </a:srgbClr>
+                          </a:solidFill>
+                          <a:latin typeface="Arial"/>
+                          <a:cs typeface="Arial"/>
+                        </a:rPr>
+                        <a:t>0.8%</a:t>
+                      </a:r>
+                    </a:p>
+                  </a:txBody>
+                  <a:tcPr anchor="ctr" marB="0" marT="0" marR="0" marL="0">
+                    <a:lnL w="0" cmpd="sng" algn="ctr" cap="flat">
+                      <a:solidFill>
+                        <a:srgbClr val="FFFFFF">
+                          <a:alpha val="0"/>
+                        </a:srgbClr>
+                      </a:solidFill>
+                      <a:prstDash val="solid"/>
+                    </a:lnL>
+                    <a:lnR w="0" cmpd="sng" algn="ctr" cap="flat">
+                      <a:solidFill>
+                        <a:srgbClr val="FFFFFF">
+                          <a:alpha val="0"/>
+                        </a:srgbClr>
+                      </a:solidFill>
+                      <a:prstDash val="solid"/>
+                    </a:lnR>
+                    <a:lnT w="0" cmpd="sng" algn="ctr" cap="flat">
+                      <a:solidFill>
+                        <a:srgbClr val="FFFFFF">
+                          <a:alpha val="0"/>
+                        </a:srgbClr>
+                      </a:solidFill>
+                      <a:prstDash val="solid"/>
+                    </a:lnT>
+                    <a:lnB w="0" cmpd="sng" algn="ctr" cap="flat">
+                      <a:solidFill>
+                        <a:srgbClr val="FFFFFF">
+                          <a:alpha val="0"/>
+                        </a:srgbClr>
+                      </a:solidFill>
+                      <a:prstDash val="solid"/>
+                    </a:lnB>
+                  </a:tcPr>
+                </a:tc>
+                <a:tc>
+                  <a:txBody>
+                    <a:bodyPr/>
+                    <a:lstStyle/>
+                    <a:p>
+                      <a:pPr algn="ctr" marL="38100" marR="38100">
+                        <a:lnSpc>
+                          <a:spcPct val="100000"/>
+                        </a:lnSpc>
+                        <a:spcBef>
+                          <a:spcPts val="300"/>
+                        </a:spcBef>
+                        <a:spcAft>
+                          <a:spcPts val="300"/>
+                        </a:spcAft>
+                        <a:buNone/>
+                      </a:pPr>
+                      <a:r>
+                        <a:rPr sz="1000">
+                          <a:solidFill>
+                            <a:srgbClr val="000000">
+                              <a:alpha val="100000"/>
+                            </a:srgbClr>
+                          </a:solidFill>
+                          <a:latin typeface="Arial"/>
+                          <a:cs typeface="Arial"/>
+                        </a:rPr>
+                        <a:t>0.7%</a:t>
+                      </a:r>
+                    </a:p>
+                  </a:txBody>
+                  <a:tcPr anchor="ctr" marB="0" marT="0" marR="0" marL="0">
+                    <a:lnL w="0" cmpd="sng" algn="ctr" cap="flat">
+                      <a:solidFill>
+                        <a:srgbClr val="FFFFFF">
+                          <a:alpha val="0"/>
+                        </a:srgbClr>
+                      </a:solidFill>
+                      <a:prstDash val="solid"/>
+                    </a:lnL>
+                    <a:lnR w="0" cmpd="sng" algn="ctr" cap="flat">
+                      <a:solidFill>
+                        <a:srgbClr val="FFFFFF">
+                          <a:alpha val="0"/>
+                        </a:srgbClr>
+                      </a:solidFill>
+                      <a:prstDash val="solid"/>
+                    </a:lnR>
+                    <a:lnT w="0" cmpd="sng" algn="ctr" cap="flat">
+                      <a:solidFill>
+                        <a:srgbClr val="FFFFFF">
+                          <a:alpha val="0"/>
+                        </a:srgbClr>
+                      </a:solidFill>
+                      <a:prstDash val="solid"/>
+                    </a:lnT>
+                    <a:lnB w="0" cmpd="sng" algn="ctr" cap="flat">
+                      <a:solidFill>
+                        <a:srgbClr val="FFFFFF">
+                          <a:alpha val="0"/>
+                        </a:srgbClr>
+                      </a:solidFill>
+                      <a:prstDash val="solid"/>
+                    </a:lnB>
+                  </a:tcPr>
+                </a:tc>
+              </a:tr>
+              <a:tr h="328238">
+                <a:tc>
+                  <a:txBody>
+                    <a:bodyPr/>
+                    <a:lstStyle/>
+                    <a:p>
+                      <a:pPr algn="l" marL="38100" marR="38100">
+                        <a:lnSpc>
+                          <a:spcPct val="100000"/>
+                        </a:lnSpc>
+                        <a:spcBef>
+                          <a:spcPts val="300"/>
+                        </a:spcBef>
+                        <a:spcAft>
+                          <a:spcPts val="300"/>
+                        </a:spcAft>
+                        <a:buNone/>
+                      </a:pPr>
+                      <a:r>
+                        <a:rPr sz="1000">
+                          <a:solidFill>
+                            <a:srgbClr val="000000">
+                              <a:alpha val="100000"/>
+                            </a:srgbClr>
+                          </a:solidFill>
+                          <a:latin typeface="Arial"/>
+                          <a:cs typeface="Arial"/>
+                        </a:rPr>
+                        <a:t>CY Only Household</a:t>
+                      </a:r>
+                    </a:p>
+                  </a:txBody>
+                  <a:tcPr anchor="ctr" marB="0" marT="0" marR="0" marL="0">
+                    <a:lnL w="0" cmpd="sng" algn="ctr" cap="flat">
+                      <a:solidFill>
+                        <a:srgbClr val="FFFFFF">
+                          <a:alpha val="0"/>
+                        </a:srgbClr>
+                      </a:solidFill>
+                      <a:prstDash val="solid"/>
+                    </a:lnL>
+                    <a:lnR w="0" cmpd="sng" algn="ctr" cap="flat">
+                      <a:solidFill>
+                        <a:srgbClr val="FFFFFF">
+                          <a:alpha val="0"/>
+                        </a:srgbClr>
+                      </a:solidFill>
+                      <a:prstDash val="solid"/>
+                    </a:lnR>
+                    <a:lnT w="0" cmpd="sng" algn="ctr" cap="flat">
+                      <a:solidFill>
+                        <a:srgbClr val="FFFFFF">
+                          <a:alpha val="0"/>
+                        </a:srgbClr>
+                      </a:solidFill>
+                      <a:prstDash val="solid"/>
+                    </a:lnT>
+                    <a:lnB w="0" cmpd="sng" algn="ctr" cap="flat">
+                      <a:solidFill>
+                        <a:srgbClr val="FFFFFF">
+                          <a:alpha val="0"/>
+                        </a:srgbClr>
+                      </a:solidFill>
+                      <a:prstDash val="solid"/>
+                    </a:lnB>
+                    <a:solidFill>
+                      <a:srgbClr val="D6D6CE">
+                        <a:alpha val="100000"/>
+                      </a:srgbClr>
+                    </a:solidFill>
+                  </a:tcPr>
+                </a:tc>
+                <a:tc>
+                  <a:txBody>
+                    <a:bodyPr/>
+                    <a:lstStyle/>
+                    <a:p>
+                      <a:pPr algn="ctr" marL="38100" marR="38100">
+                        <a:lnSpc>
+                          <a:spcPct val="100000"/>
+                        </a:lnSpc>
+                        <a:spcBef>
+                          <a:spcPts val="300"/>
+                        </a:spcBef>
+                        <a:spcAft>
+                          <a:spcPts val="300"/>
+                        </a:spcAft>
+                        <a:buNone/>
+                      </a:pPr>
+                      <a:r>
+                        <a:rPr sz="1000">
+                          <a:solidFill>
+                            <a:srgbClr val="000000">
+                              <a:alpha val="100000"/>
+                            </a:srgbClr>
+                          </a:solidFill>
+                          <a:latin typeface="Arial"/>
+                          <a:cs typeface="Arial"/>
+                        </a:rPr>
+                        <a:t>57.4%</a:t>
+                      </a:r>
+                    </a:p>
+                  </a:txBody>
+                  <a:tcPr anchor="ctr" marB="0" marT="0" marR="0" marL="0">
+                    <a:lnL w="0" cmpd="sng" algn="ctr" cap="flat">
+                      <a:solidFill>
+                        <a:srgbClr val="FFFFFF">
+                          <a:alpha val="0"/>
+                        </a:srgbClr>
+                      </a:solidFill>
+                      <a:prstDash val="solid"/>
+                    </a:lnL>
+                    <a:lnR w="0" cmpd="sng" algn="ctr" cap="flat">
+                      <a:solidFill>
+                        <a:srgbClr val="FFFFFF">
+                          <a:alpha val="0"/>
+                        </a:srgbClr>
+                      </a:solidFill>
+                      <a:prstDash val="solid"/>
+                    </a:lnR>
+                    <a:lnT w="0" cmpd="sng" algn="ctr" cap="flat">
+                      <a:solidFill>
+                        <a:srgbClr val="FFFFFF">
+                          <a:alpha val="0"/>
+                        </a:srgbClr>
+                      </a:solidFill>
+                      <a:prstDash val="solid"/>
+                    </a:lnT>
+                    <a:lnB w="0" cmpd="sng" algn="ctr" cap="flat">
+                      <a:solidFill>
+                        <a:srgbClr val="FFFFFF">
+                          <a:alpha val="0"/>
+                        </a:srgbClr>
+                      </a:solidFill>
+                      <a:prstDash val="solid"/>
+                    </a:lnB>
+                    <a:solidFill>
+                      <a:srgbClr val="D6D6CE">
+                        <a:alpha val="100000"/>
+                      </a:srgbClr>
+                    </a:solidFill>
+                  </a:tcPr>
+                </a:tc>
+                <a:tc>
+                  <a:txBody>
+                    <a:bodyPr/>
+                    <a:lstStyle/>
+                    <a:p>
+                      <a:pPr algn="ctr" marL="38100" marR="38100">
+                        <a:lnSpc>
+                          <a:spcPct val="100000"/>
+                        </a:lnSpc>
+                        <a:spcBef>
+                          <a:spcPts val="300"/>
+                        </a:spcBef>
+                        <a:spcAft>
+                          <a:spcPts val="300"/>
+                        </a:spcAft>
+                        <a:buNone/>
+                      </a:pPr>
+                      <a:r>
+                        <a:rPr sz="1000">
+                          <a:solidFill>
+                            <a:srgbClr val="000000">
+                              <a:alpha val="100000"/>
+                            </a:srgbClr>
+                          </a:solidFill>
+                          <a:latin typeface="Arial"/>
+                          <a:cs typeface="Arial"/>
+                        </a:rPr>
+                        <a:t>42.6%</a:t>
+                      </a:r>
+                    </a:p>
+                  </a:txBody>
+                  <a:tcPr anchor="ctr" marB="0" marT="0" marR="0" marL="0">
+                    <a:lnL w="0" cmpd="sng" algn="ctr" cap="flat">
+                      <a:solidFill>
+                        <a:srgbClr val="FFFFFF">
+                          <a:alpha val="0"/>
+                        </a:srgbClr>
+                      </a:solidFill>
+                      <a:prstDash val="solid"/>
+                    </a:lnL>
+                    <a:lnR w="0" cmpd="sng" algn="ctr" cap="flat">
+                      <a:solidFill>
+                        <a:srgbClr val="FFFFFF">
+                          <a:alpha val="0"/>
+                        </a:srgbClr>
+                      </a:solidFill>
+                      <a:prstDash val="solid"/>
+                    </a:lnR>
+                    <a:lnT w="0" cmpd="sng" algn="ctr" cap="flat">
+                      <a:solidFill>
+                        <a:srgbClr val="FFFFFF">
+                          <a:alpha val="0"/>
+                        </a:srgbClr>
+                      </a:solidFill>
+                      <a:prstDash val="solid"/>
+                    </a:lnT>
+                    <a:lnB w="0" cmpd="sng" algn="ctr" cap="flat">
+                      <a:solidFill>
+                        <a:srgbClr val="FFFFFF">
+                          <a:alpha val="0"/>
+                        </a:srgbClr>
+                      </a:solidFill>
+                      <a:prstDash val="solid"/>
+                    </a:lnB>
+                    <a:solidFill>
+                      <a:srgbClr val="D6D6CE">
+                        <a:alpha val="100000"/>
+                      </a:srgbClr>
+                    </a:solidFill>
+                  </a:tcPr>
+                </a:tc>
+                <a:tc>
+                  <a:txBody>
+                    <a:bodyPr/>
+                    <a:lstStyle/>
+                    <a:p>
+                      <a:pPr algn="ctr" marL="38100" marR="38100">
+                        <a:lnSpc>
+                          <a:spcPct val="100000"/>
+                        </a:lnSpc>
+                        <a:spcBef>
+                          <a:spcPts val="300"/>
+                        </a:spcBef>
+                        <a:spcAft>
+                          <a:spcPts val="300"/>
+                        </a:spcAft>
+                        <a:buNone/>
+                      </a:pPr>
+                      <a:r>
+                        <a:rPr sz="1000">
+                          <a:solidFill>
+                            <a:srgbClr val="000000">
+                              <a:alpha val="100000"/>
+                            </a:srgbClr>
+                          </a:solidFill>
+                          <a:latin typeface="Arial"/>
+                          <a:cs typeface="Arial"/>
+                        </a:rPr>
+                        <a:t>0.0%</a:t>
+                      </a:r>
+                    </a:p>
+                  </a:txBody>
+                  <a:tcPr anchor="ctr" marB="0" marT="0" marR="0" marL="0">
+                    <a:lnL w="0" cmpd="sng" algn="ctr" cap="flat">
+                      <a:solidFill>
+                        <a:srgbClr val="FFFFFF">
+                          <a:alpha val="0"/>
+                        </a:srgbClr>
+                      </a:solidFill>
+                      <a:prstDash val="solid"/>
+                    </a:lnL>
+                    <a:lnR w="0" cmpd="sng" algn="ctr" cap="flat">
+                      <a:solidFill>
+                        <a:srgbClr val="FFFFFF">
+                          <a:alpha val="0"/>
+                        </a:srgbClr>
+                      </a:solidFill>
+                      <a:prstDash val="solid"/>
+                    </a:lnR>
+                    <a:lnT w="0" cmpd="sng" algn="ctr" cap="flat">
+                      <a:solidFill>
+                        <a:srgbClr val="FFFFFF">
+                          <a:alpha val="0"/>
+                        </a:srgbClr>
+                      </a:solidFill>
+                      <a:prstDash val="solid"/>
+                    </a:lnT>
+                    <a:lnB w="0" cmpd="sng" algn="ctr" cap="flat">
+                      <a:solidFill>
+                        <a:srgbClr val="FFFFFF">
+                          <a:alpha val="0"/>
+                        </a:srgbClr>
+                      </a:solidFill>
+                      <a:prstDash val="solid"/>
+                    </a:lnB>
+                    <a:solidFill>
+                      <a:srgbClr val="D6D6CE">
+                        <a:alpha val="100000"/>
+                      </a:srgbClr>
+                    </a:solidFill>
+                  </a:tcPr>
+                </a:tc>
+              </a:tr>
+              <a:tr h="301157">
+                <a:tc>
+                  <a:txBody>
+                    <a:bodyPr/>
+                    <a:lstStyle/>
+                    <a:p>
+                      <a:pPr algn="l" marL="38100" marR="38100">
+                        <a:lnSpc>
+                          <a:spcPct val="100000"/>
+                        </a:lnSpc>
+                        <a:spcBef>
+                          <a:spcPts val="300"/>
+                        </a:spcBef>
+                        <a:spcAft>
+                          <a:spcPts val="300"/>
+                        </a:spcAft>
+                        <a:buNone/>
+                      </a:pPr>
+                      <a:r>
+                        <a:rPr sz="1000">
+                          <a:solidFill>
+                            <a:srgbClr val="000000">
+                              <a:alpha val="100000"/>
+                            </a:srgbClr>
+                          </a:solidFill>
+                          <a:latin typeface="Arial"/>
+                          <a:cs typeface="Arial"/>
+                        </a:rPr>
+                        <a:t>OY Household</a:t>
+                      </a:r>
+                    </a:p>
+                  </a:txBody>
+                  <a:tcPr anchor="ctr" marB="0" marT="0" marR="0" marL="0">
+                    <a:lnL w="0" cmpd="sng" algn="ctr" cap="flat">
+                      <a:solidFill>
+                        <a:srgbClr val="FFFFFF">
+                          <a:alpha val="0"/>
+                        </a:srgbClr>
+                      </a:solidFill>
+                      <a:prstDash val="solid"/>
+                    </a:lnL>
+                    <a:lnR w="0" cmpd="sng" algn="ctr" cap="flat">
+                      <a:solidFill>
+                        <a:srgbClr val="FFFFFF">
+                          <a:alpha val="0"/>
+                        </a:srgbClr>
+                      </a:solidFill>
+                      <a:prstDash val="solid"/>
+                    </a:lnR>
+                    <a:lnT w="0" cmpd="sng" algn="ctr" cap="flat">
+                      <a:solidFill>
+                        <a:srgbClr val="FFFFFF">
+                          <a:alpha val="0"/>
+                        </a:srgbClr>
+                      </a:solidFill>
+                      <a:prstDash val="solid"/>
+                    </a:lnT>
+                    <a:lnB w="0" cmpd="sng" algn="ctr" cap="flat">
+                      <a:solidFill>
+                        <a:srgbClr val="FFFFFF">
+                          <a:alpha val="0"/>
+                        </a:srgbClr>
+                      </a:solidFill>
+                      <a:prstDash val="solid"/>
+                    </a:lnB>
+                  </a:tcPr>
+                </a:tc>
+                <a:tc>
+                  <a:txBody>
+                    <a:bodyPr/>
+                    <a:lstStyle/>
+                    <a:p>
+                      <a:pPr algn="ctr" marL="38100" marR="38100">
+                        <a:lnSpc>
+                          <a:spcPct val="100000"/>
+                        </a:lnSpc>
+                        <a:spcBef>
+                          <a:spcPts val="300"/>
+                        </a:spcBef>
+                        <a:spcAft>
+                          <a:spcPts val="300"/>
+                        </a:spcAft>
+                        <a:buNone/>
+                      </a:pPr>
+                      <a:r>
+                        <a:rPr sz="1000">
+                          <a:solidFill>
+                            <a:srgbClr val="000000">
+                              <a:alpha val="100000"/>
+                            </a:srgbClr>
+                          </a:solidFill>
+                          <a:latin typeface="Arial"/>
+                          <a:cs typeface="Arial"/>
+                        </a:rPr>
+                        <a:t>63.4%</a:t>
+                      </a:r>
+                    </a:p>
+                  </a:txBody>
+                  <a:tcPr anchor="ctr" marB="0" marT="0" marR="0" marL="0">
+                    <a:lnL w="0" cmpd="sng" algn="ctr" cap="flat">
+                      <a:solidFill>
+                        <a:srgbClr val="FFFFFF">
+                          <a:alpha val="0"/>
+                        </a:srgbClr>
+                      </a:solidFill>
+                      <a:prstDash val="solid"/>
+                    </a:lnL>
+                    <a:lnR w="0" cmpd="sng" algn="ctr" cap="flat">
+                      <a:solidFill>
+                        <a:srgbClr val="FFFFFF">
+                          <a:alpha val="0"/>
+                        </a:srgbClr>
+                      </a:solidFill>
+                      <a:prstDash val="solid"/>
+                    </a:lnR>
+                    <a:lnT w="0" cmpd="sng" algn="ctr" cap="flat">
+                      <a:solidFill>
+                        <a:srgbClr val="FFFFFF">
+                          <a:alpha val="0"/>
+                        </a:srgbClr>
+                      </a:solidFill>
+                      <a:prstDash val="solid"/>
+                    </a:lnT>
+                    <a:lnB w="0" cmpd="sng" algn="ctr" cap="flat">
+                      <a:solidFill>
+                        <a:srgbClr val="FFFFFF">
+                          <a:alpha val="0"/>
+                        </a:srgbClr>
+                      </a:solidFill>
+                      <a:prstDash val="solid"/>
+                    </a:lnB>
+                  </a:tcPr>
+                </a:tc>
+                <a:tc>
+                  <a:txBody>
+                    <a:bodyPr/>
+                    <a:lstStyle/>
+                    <a:p>
+                      <a:pPr algn="ctr" marL="38100" marR="38100">
+                        <a:lnSpc>
+                          <a:spcPct val="100000"/>
+                        </a:lnSpc>
+                        <a:spcBef>
+                          <a:spcPts val="300"/>
+                        </a:spcBef>
+                        <a:spcAft>
+                          <a:spcPts val="300"/>
+                        </a:spcAft>
+                        <a:buNone/>
+                      </a:pPr>
+                      <a:r>
+                        <a:rPr sz="1000">
+                          <a:solidFill>
+                            <a:srgbClr val="000000">
+                              <a:alpha val="100000"/>
+                            </a:srgbClr>
+                          </a:solidFill>
+                          <a:latin typeface="Arial"/>
+                          <a:cs typeface="Arial"/>
+                        </a:rPr>
+                        <a:t>0.0%</a:t>
+                      </a:r>
+                    </a:p>
+                  </a:txBody>
+                  <a:tcPr anchor="ctr" marB="0" marT="0" marR="0" marL="0">
+                    <a:lnL w="0" cmpd="sng" algn="ctr" cap="flat">
+                      <a:solidFill>
+                        <a:srgbClr val="FFFFFF">
+                          <a:alpha val="0"/>
+                        </a:srgbClr>
+                      </a:solidFill>
+                      <a:prstDash val="solid"/>
+                    </a:lnL>
+                    <a:lnR w="0" cmpd="sng" algn="ctr" cap="flat">
+                      <a:solidFill>
+                        <a:srgbClr val="FFFFFF">
+                          <a:alpha val="0"/>
+                        </a:srgbClr>
+                      </a:solidFill>
+                      <a:prstDash val="solid"/>
+                    </a:lnR>
+                    <a:lnT w="0" cmpd="sng" algn="ctr" cap="flat">
+                      <a:solidFill>
+                        <a:srgbClr val="FFFFFF">
+                          <a:alpha val="0"/>
+                        </a:srgbClr>
+                      </a:solidFill>
+                      <a:prstDash val="solid"/>
+                    </a:lnT>
+                    <a:lnB w="0" cmpd="sng" algn="ctr" cap="flat">
+                      <a:solidFill>
+                        <a:srgbClr val="FFFFFF">
+                          <a:alpha val="0"/>
+                        </a:srgbClr>
+                      </a:solidFill>
+                      <a:prstDash val="solid"/>
+                    </a:lnB>
+                  </a:tcPr>
+                </a:tc>
+                <a:tc>
+                  <a:txBody>
+                    <a:bodyPr/>
+                    <a:lstStyle/>
+                    <a:p>
+                      <a:pPr algn="ctr" marL="38100" marR="38100">
+                        <a:lnSpc>
+                          <a:spcPct val="100000"/>
+                        </a:lnSpc>
+                        <a:spcBef>
+                          <a:spcPts val="300"/>
+                        </a:spcBef>
+                        <a:spcAft>
+                          <a:spcPts val="300"/>
+                        </a:spcAft>
+                        <a:buNone/>
+                      </a:pPr>
+                      <a:r>
+                        <a:rPr sz="1000">
+                          <a:solidFill>
+                            <a:srgbClr val="000000">
+                              <a:alpha val="100000"/>
+                            </a:srgbClr>
+                          </a:solidFill>
+                          <a:latin typeface="Arial"/>
+                          <a:cs typeface="Arial"/>
+                        </a:rPr>
+                        <a:t>36.6%</a:t>
+                      </a:r>
+                    </a:p>
+                  </a:txBody>
+                  <a:tcPr anchor="ctr" marB="0" marT="0" marR="0" marL="0">
+                    <a:lnL w="0" cmpd="sng" algn="ctr" cap="flat">
+                      <a:solidFill>
+                        <a:srgbClr val="FFFFFF">
+                          <a:alpha val="0"/>
+                        </a:srgbClr>
+                      </a:solidFill>
+                      <a:prstDash val="solid"/>
+                    </a:lnL>
+                    <a:lnR w="0" cmpd="sng" algn="ctr" cap="flat">
+                      <a:solidFill>
+                        <a:srgbClr val="FFFFFF">
+                          <a:alpha val="0"/>
+                        </a:srgbClr>
+                      </a:solidFill>
+                      <a:prstDash val="solid"/>
+                    </a:lnR>
+                    <a:lnT w="0" cmpd="sng" algn="ctr" cap="flat">
+                      <a:solidFill>
+                        <a:srgbClr val="FFFFFF">
+                          <a:alpha val="0"/>
+                        </a:srgbClr>
+                      </a:solidFill>
+                      <a:prstDash val="solid"/>
+                    </a:lnT>
+                    <a:lnB w="0" cmpd="sng" algn="ctr" cap="flat">
+                      <a:solidFill>
+                        <a:srgbClr val="FFFFFF">
+                          <a:alpha val="0"/>
+                        </a:srgbClr>
+                      </a:solidFill>
+                      <a:prstDash val="solid"/>
+                    </a:lnB>
+                  </a:tcPr>
+                </a:tc>
+              </a:tr>
+            </a:tbl>
+          </a:graphicData>
+        </a:graphic>
+      </p:graphicFrame>
     </p:spTree>
   </p:cSld>
 </p:sld>
@@ -4251,7 +5303,7 @@
             </a:pPr>
             <a:r>
               <a:rPr/>
-              <a:t>Marital</a:t>
+              <a:t>Average</a:t>
             </a:r>
             <a:r>
               <a:rPr/>
@@ -4259,14 +5311,22 @@
             </a:r>
             <a:r>
               <a:rPr/>
-              <a:t>Status</a:t>
+              <a:t>Household</a:t>
+            </a:r>
+            <a:r>
+              <a:rPr/>
+              <a:t> </a:t>
+            </a:r>
+            <a:r>
+              <a:rPr/>
+              <a:t>Size</a:t>
             </a:r>
           </a:p>
         </p:txBody>
       </p:sp>
       <p:pic>
         <p:nvPicPr>
-          <p:cNvPr descr="household_structure_estimates_files/figure-pptx/unnamed-chunk-12-1.png" id="0" name="Picture 1"/>
+          <p:cNvPr descr="household_structure_estimates_files/figure-pptx/unnamed-chunk-11-1.png" id="0" name="Picture 1"/>
           <p:cNvPicPr>
             <a:picLocks noGrp="1" noChangeAspect="1"/>
           </p:cNvPicPr>
@@ -4342,7 +5402,7 @@
             </a:pPr>
             <a:r>
               <a:rPr/>
-              <a:t>Partnered</a:t>
+              <a:t>Income</a:t>
             </a:r>
             <a:r>
               <a:rPr/>
@@ -4350,14 +5410,38 @@
             </a:r>
             <a:r>
               <a:rPr/>
-              <a:t>Status</a:t>
+              <a:t>Characteristics:</a:t>
+            </a:r>
+            <a:r>
+              <a:rPr/>
+              <a:t> </a:t>
+            </a:r>
+            <a:r>
+              <a:rPr/>
+              <a:t>Household</a:t>
+            </a:r>
+            <a:r>
+              <a:rPr/>
+              <a:t> </a:t>
+            </a:r>
+            <a:r>
+              <a:rPr/>
+              <a:t>Median</a:t>
+            </a:r>
+            <a:r>
+              <a:rPr/>
+              <a:t> </a:t>
+            </a:r>
+            <a:r>
+              <a:rPr/>
+              <a:t>Income</a:t>
             </a:r>
           </a:p>
         </p:txBody>
       </p:sp>
       <p:pic>
         <p:nvPicPr>
-          <p:cNvPr descr="household_structure_estimates_files/figure-pptx/unnamed-chunk-13-1.png" id="0" name="Picture 1"/>
+          <p:cNvPr descr="household_structure_estimates_files/figure-pptx/unnamed-chunk-12-1.png" id="0" name="Picture 1"/>
           <p:cNvPicPr>
             <a:picLocks noGrp="1" noChangeAspect="1"/>
           </p:cNvPicPr>
@@ -4371,8 +5455,8 @@
         </p:blipFill>
         <p:spPr bwMode="auto">
           <a:xfrm>
-            <a:off x="2616200" y="1816100"/>
-            <a:ext cx="6946900" cy="4343400"/>
+            <a:off x="3200400" y="1816100"/>
+            <a:ext cx="5791200" cy="4343400"/>
           </a:xfrm>
           <a:prstGeom prst="rect">
             <a:avLst/>
@@ -4433,7 +5517,7 @@
             </a:pPr>
             <a:r>
               <a:rPr/>
-              <a:t>Mobility:</a:t>
+              <a:t>Median</a:t>
             </a:r>
             <a:r>
               <a:rPr/>
@@ -4441,14 +5525,54 @@
             </a:r>
             <a:r>
               <a:rPr/>
-              <a:t>Migration</a:t>
+              <a:t>Income</a:t>
+            </a:r>
+            <a:r>
+              <a:rPr/>
+              <a:t> </a:t>
+            </a:r>
+            <a:r>
+              <a:rPr/>
+              <a:t>OY</a:t>
+            </a:r>
+            <a:r>
+              <a:rPr/>
+              <a:t> </a:t>
+            </a:r>
+            <a:r>
+              <a:rPr/>
+              <a:t>Reference</a:t>
+            </a:r>
+            <a:r>
+              <a:rPr/>
+              <a:t> </a:t>
+            </a:r>
+            <a:r>
+              <a:rPr/>
+              <a:t>Person</a:t>
+            </a:r>
+            <a:r>
+              <a:rPr/>
+              <a:t> </a:t>
+            </a:r>
+            <a:r>
+              <a:rPr/>
+              <a:t>by</a:t>
+            </a:r>
+            <a:r>
+              <a:rPr/>
+              <a:t> </a:t>
+            </a:r>
+            <a:r>
+              <a:rPr/>
+              <a:t>PUMA</a:t>
             </a:r>
           </a:p>
         </p:txBody>
       </p:sp>
       <p:pic>
         <p:nvPicPr>
-          <p:cNvPr descr="household_structure_estimates_files/figure-pptx/unnamed-chunk-14-1.png" id="0" name="Picture 1"/>
+          <p:cNvPr descr="household_structure_estimates_files/figure-pptx/unnamed-chunk-13-1.png" id="0" name="Picture 1"/>
           <p:cNvPicPr>
             <a:picLocks noGrp="1" noChangeAspect="1"/>
           </p:cNvPicPr>
@@ -4524,7 +5648,7 @@
             </a:pPr>
             <a:r>
               <a:rPr/>
-              <a:t>Mobility:</a:t>
+              <a:t>Income</a:t>
             </a:r>
             <a:r>
               <a:rPr/>
@@ -4532,7 +5656,7 @@
             </a:r>
             <a:r>
               <a:rPr/>
-              <a:t>Mode</a:t>
+              <a:t>Characteristics:</a:t>
             </a:r>
             <a:r>
               <a:rPr/>
@@ -4540,7 +5664,7 @@
             </a:r>
             <a:r>
               <a:rPr/>
-              <a:t>of</a:t>
+              <a:t>Total</a:t>
             </a:r>
             <a:r>
               <a:rPr/>
@@ -4548,7 +5672,7 @@
             </a:r>
             <a:r>
               <a:rPr/>
-              <a:t>Transportation</a:t>
+              <a:t>Average</a:t>
             </a:r>
             <a:r>
               <a:rPr/>
@@ -4556,7 +5680,7 @@
             </a:r>
             <a:r>
               <a:rPr/>
-              <a:t>for</a:t>
+              <a:t>Personal</a:t>
             </a:r>
             <a:r>
               <a:rPr/>
@@ -4564,22 +5688,14 @@
             </a:r>
             <a:r>
               <a:rPr/>
-              <a:t>Connected</a:t>
-            </a:r>
-            <a:r>
-              <a:rPr/>
-              <a:t> </a:t>
-            </a:r>
-            <a:r>
-              <a:rPr/>
-              <a:t>Youth</a:t>
+              <a:t>Income</a:t>
             </a:r>
           </a:p>
         </p:txBody>
       </p:sp>
       <p:pic>
         <p:nvPicPr>
-          <p:cNvPr descr="household_structure_estimates_files/figure-pptx/unnamed-chunk-15-1.png" id="0" name="Picture 1"/>
+          <p:cNvPr descr="household_structure_estimates_files/figure-pptx/unnamed-chunk-14-1.png" id="0" name="Picture 1"/>
           <p:cNvPicPr>
             <a:picLocks noGrp="1" noChangeAspect="1"/>
           </p:cNvPicPr>
@@ -4655,7 +5771,7 @@
             </a:pPr>
             <a:r>
               <a:rPr/>
-              <a:t>Mobility:</a:t>
+              <a:t>Marital</a:t>
             </a:r>
             <a:r>
               <a:rPr/>
@@ -4663,47 +5779,7 @@
             </a:r>
             <a:r>
               <a:rPr/>
-              <a:t>Average</a:t>
-            </a:r>
-            <a:r>
-              <a:rPr/>
-              <a:t> </a:t>
-            </a:r>
-            <a:r>
-              <a:rPr/>
-              <a:t>Commute</a:t>
-            </a:r>
-            <a:r>
-              <a:rPr/>
-              <a:t> </a:t>
-            </a:r>
-            <a:r>
-              <a:rPr/>
-              <a:t>Time</a:t>
-            </a:r>
-            <a:r>
-              <a:rPr/>
-              <a:t> </a:t>
-            </a:r>
-            <a:r>
-              <a:rPr/>
-              <a:t>for</a:t>
-            </a:r>
-            <a:r>
-              <a:rPr/>
-              <a:t> </a:t>
-            </a:r>
-            <a:r>
-              <a:rPr/>
-              <a:t>Connected</a:t>
-            </a:r>
-            <a:r>
-              <a:rPr/>
-              <a:t> </a:t>
-            </a:r>
-            <a:r>
-              <a:rPr/>
-              <a:t>Youth</a:t>
+              <a:t>Status</a:t>
             </a:r>
           </a:p>
         </p:txBody>
@@ -4894,7 +5970,7 @@
           <p:cNvPr id="2" name="Title 1">
             <a:extLst>
               <a:ext uri="{FF2B5EF4-FFF2-40B4-BE49-F238E27FC236}">
-                <a16:creationId xmlns:a16="http://schemas.microsoft.com/office/drawing/2014/main" id="{1CAF8530-DA25-40F0-835B-ABF68B3EB818}"/>
+                <a16:creationId xmlns:a16="http://schemas.microsoft.com/office/drawing/2014/main" id="{0D064A50-2A97-421C-813D-6449089693A0}"/>
               </a:ext>
             </a:extLst>
           </p:cNvPr>
@@ -4905,12 +5981,7 @@
             <p:ph type="title"/>
           </p:nvPr>
         </p:nvSpPr>
-        <p:spPr>
-          <a:xfrm>
-            <a:off x="831850" y="1123072"/>
-            <a:ext cx="10515600" cy="2852737"/>
-          </a:xfrm>
-        </p:spPr>
+        <p:spPr/>
         <p:txBody>
           <a:bodyPr/>
           <a:lstStyle/>
@@ -4920,7 +5991,7 @@
             </a:pPr>
             <a:r>
               <a:rPr/>
-              <a:t>Pending</a:t>
+              <a:t>Partnered</a:t>
             </a:r>
             <a:r>
               <a:rPr/>
@@ -4928,11 +5999,41 @@
             </a:r>
             <a:r>
               <a:rPr/>
-              <a:t>Analyses</a:t>
-            </a:r>
-          </a:p>
-        </p:txBody>
-      </p:sp>
+              <a:t>Status</a:t>
+            </a:r>
+          </a:p>
+        </p:txBody>
+      </p:sp>
+      <p:pic>
+        <p:nvPicPr>
+          <p:cNvPr descr="household_structure_estimates_files/figure-pptx/unnamed-chunk-17-1.png" id="0" name="Picture 1"/>
+          <p:cNvPicPr>
+            <a:picLocks noGrp="1" noChangeAspect="1"/>
+          </p:cNvPicPr>
+          <p:nvPr/>
+        </p:nvPicPr>
+        <p:blipFill>
+          <a:blip r:embed="rId2"/>
+          <a:stretch>
+            <a:fillRect/>
+          </a:stretch>
+        </p:blipFill>
+        <p:spPr bwMode="auto">
+          <a:xfrm>
+            <a:off x="2616200" y="1816100"/>
+            <a:ext cx="6946900" cy="4343400"/>
+          </a:xfrm>
+          <a:prstGeom prst="rect">
+            <a:avLst/>
+          </a:prstGeom>
+          <a:noFill/>
+          <a:ln w="9525">
+            <a:noFill/>
+            <a:headEnd/>
+            <a:tailEnd/>
+          </a:ln>
+        </p:spPr>
+      </p:pic>
     </p:spTree>
   </p:cSld>
 </p:sld>
@@ -4981,7 +6082,7 @@
             </a:pPr>
             <a:r>
               <a:rPr/>
-              <a:t>Income</a:t>
+              <a:t>Mobility:</a:t>
             </a:r>
             <a:r>
               <a:rPr/>
@@ -4989,35 +6090,41 @@
             </a:r>
             <a:r>
               <a:rPr/>
-              <a:t>Characteristics:</a:t>
-            </a:r>
-            <a:r>
-              <a:rPr/>
-              <a:t> </a:t>
-            </a:r>
-            <a:r>
-              <a:rPr/>
-              <a:t>Food</a:t>
-            </a:r>
-            <a:r>
-              <a:rPr/>
-              <a:t> </a:t>
-            </a:r>
-            <a:r>
-              <a:rPr/>
-              <a:t>Stamps</a:t>
-            </a:r>
-            <a:r>
-              <a:rPr/>
-              <a:t> </a:t>
-            </a:r>
-            <a:r>
-              <a:rPr/>
-              <a:t>(Pending)</a:t>
-            </a:r>
-          </a:p>
-        </p:txBody>
-      </p:sp>
+              <a:t>Migration</a:t>
+            </a:r>
+          </a:p>
+        </p:txBody>
+      </p:sp>
+      <p:pic>
+        <p:nvPicPr>
+          <p:cNvPr descr="household_structure_estimates_files/figure-pptx/unnamed-chunk-18-1.png" id="0" name="Picture 1"/>
+          <p:cNvPicPr>
+            <a:picLocks noGrp="1" noChangeAspect="1"/>
+          </p:cNvPicPr>
+          <p:nvPr/>
+        </p:nvPicPr>
+        <p:blipFill>
+          <a:blip r:embed="rId2"/>
+          <a:stretch>
+            <a:fillRect/>
+          </a:stretch>
+        </p:blipFill>
+        <p:spPr bwMode="auto">
+          <a:xfrm>
+            <a:off x="2616200" y="1816100"/>
+            <a:ext cx="6946900" cy="4343400"/>
+          </a:xfrm>
+          <a:prstGeom prst="rect">
+            <a:avLst/>
+          </a:prstGeom>
+          <a:noFill/>
+          <a:ln w="9525">
+            <a:noFill/>
+            <a:headEnd/>
+            <a:tailEnd/>
+          </a:ln>
+        </p:spPr>
+      </p:pic>
     </p:spTree>
   </p:cSld>
 </p:sld>
@@ -5066,7 +6173,7 @@
             </a:pPr>
             <a:r>
               <a:rPr/>
-              <a:t>Household</a:t>
+              <a:t>Mobility:</a:t>
             </a:r>
             <a:r>
               <a:rPr/>
@@ -5074,11 +6181,81 @@
             </a:r>
             <a:r>
               <a:rPr/>
-              <a:t>Type:(Pending)</a:t>
-            </a:r>
-          </a:p>
-        </p:txBody>
-      </p:sp>
+              <a:t>Mode</a:t>
+            </a:r>
+            <a:r>
+              <a:rPr/>
+              <a:t> </a:t>
+            </a:r>
+            <a:r>
+              <a:rPr/>
+              <a:t>of</a:t>
+            </a:r>
+            <a:r>
+              <a:rPr/>
+              <a:t> </a:t>
+            </a:r>
+            <a:r>
+              <a:rPr/>
+              <a:t>Transportation</a:t>
+            </a:r>
+            <a:r>
+              <a:rPr/>
+              <a:t> </a:t>
+            </a:r>
+            <a:r>
+              <a:rPr/>
+              <a:t>for</a:t>
+            </a:r>
+            <a:r>
+              <a:rPr/>
+              <a:t> </a:t>
+            </a:r>
+            <a:r>
+              <a:rPr/>
+              <a:t>Connected</a:t>
+            </a:r>
+            <a:r>
+              <a:rPr/>
+              <a:t> </a:t>
+            </a:r>
+            <a:r>
+              <a:rPr/>
+              <a:t>Youth</a:t>
+            </a:r>
+          </a:p>
+        </p:txBody>
+      </p:sp>
+      <p:pic>
+        <p:nvPicPr>
+          <p:cNvPr descr="household_structure_estimates_files/figure-pptx/unnamed-chunk-19-1.png" id="0" name="Picture 1"/>
+          <p:cNvPicPr>
+            <a:picLocks noGrp="1" noChangeAspect="1"/>
+          </p:cNvPicPr>
+          <p:nvPr/>
+        </p:nvPicPr>
+        <p:blipFill>
+          <a:blip r:embed="rId2"/>
+          <a:stretch>
+            <a:fillRect/>
+          </a:stretch>
+        </p:blipFill>
+        <p:spPr bwMode="auto">
+          <a:xfrm>
+            <a:off x="2616200" y="1816100"/>
+            <a:ext cx="6946900" cy="4343400"/>
+          </a:xfrm>
+          <a:prstGeom prst="rect">
+            <a:avLst/>
+          </a:prstGeom>
+          <a:noFill/>
+          <a:ln w="9525">
+            <a:noFill/>
+            <a:headEnd/>
+            <a:tailEnd/>
+          </a:ln>
+        </p:spPr>
+      </p:pic>
     </p:spTree>
   </p:cSld>
 </p:sld>
@@ -5127,7 +6304,7 @@
             </a:pPr>
             <a:r>
               <a:rPr/>
-              <a:t>Household</a:t>
+              <a:t>Mobility:</a:t>
             </a:r>
             <a:r>
               <a:rPr/>
@@ -5135,7 +6312,7 @@
             </a:r>
             <a:r>
               <a:rPr/>
-              <a:t>Characteristics:</a:t>
+              <a:t>Average</a:t>
             </a:r>
             <a:r>
               <a:rPr/>
@@ -5143,7 +6320,7 @@
             </a:r>
             <a:r>
               <a:rPr/>
-              <a:t>Workers</a:t>
+              <a:t>Commute</a:t>
             </a:r>
             <a:r>
               <a:rPr/>
@@ -5151,7 +6328,7 @@
             </a:r>
             <a:r>
               <a:rPr/>
-              <a:t>in</a:t>
+              <a:t>Time</a:t>
             </a:r>
             <a:r>
               <a:rPr/>
@@ -5159,7 +6336,7 @@
             </a:r>
             <a:r>
               <a:rPr/>
-              <a:t>Family</a:t>
+              <a:t>for</a:t>
             </a:r>
             <a:r>
               <a:rPr/>
@@ -5167,11 +6344,49 @@
             </a:r>
             <a:r>
               <a:rPr/>
-              <a:t>(Pending)</a:t>
-            </a:r>
-          </a:p>
-        </p:txBody>
-      </p:sp>
+              <a:t>Connected</a:t>
+            </a:r>
+            <a:r>
+              <a:rPr/>
+              <a:t> </a:t>
+            </a:r>
+            <a:r>
+              <a:rPr/>
+              <a:t>Youth</a:t>
+            </a:r>
+          </a:p>
+        </p:txBody>
+      </p:sp>
+      <p:pic>
+        <p:nvPicPr>
+          <p:cNvPr descr="household_structure_estimates_files/figure-pptx/unnamed-chunk-20-1.png" id="0" name="Picture 1"/>
+          <p:cNvPicPr>
+            <a:picLocks noGrp="1" noChangeAspect="1"/>
+          </p:cNvPicPr>
+          <p:nvPr/>
+        </p:nvPicPr>
+        <p:blipFill>
+          <a:blip r:embed="rId2"/>
+          <a:stretch>
+            <a:fillRect/>
+          </a:stretch>
+        </p:blipFill>
+        <p:spPr bwMode="auto">
+          <a:xfrm>
+            <a:off x="2616200" y="1816100"/>
+            <a:ext cx="6946900" cy="4343400"/>
+          </a:xfrm>
+          <a:prstGeom prst="rect">
+            <a:avLst/>
+          </a:prstGeom>
+          <a:noFill/>
+          <a:ln w="9525">
+            <a:noFill/>
+            <a:headEnd/>
+            <a:tailEnd/>
+          </a:ln>
+        </p:spPr>
+      </p:pic>
     </p:spTree>
   </p:cSld>
 </p:sld>
@@ -5220,7 +6435,7 @@
             </a:pPr>
             <a:r>
               <a:rPr/>
-              <a:t>Same-sex</a:t>
+              <a:t>Food</a:t>
             </a:r>
             <a:r>
               <a:rPr/>
@@ -5228,7 +6443,7 @@
             </a:r>
             <a:r>
               <a:rPr/>
-              <a:t>households</a:t>
+              <a:t>Stamp</a:t>
             </a:r>
             <a:r>
               <a:rPr/>
@@ -5236,11 +6451,49 @@
             </a:r>
             <a:r>
               <a:rPr/>
-              <a:t>(Pending)</a:t>
-            </a:r>
-          </a:p>
-        </p:txBody>
-      </p:sp>
+              <a:t>Recipient</a:t>
+            </a:r>
+            <a:r>
+              <a:rPr/>
+              <a:t> </a:t>
+            </a:r>
+            <a:r>
+              <a:rPr/>
+              <a:t>Households</a:t>
+            </a:r>
+          </a:p>
+        </p:txBody>
+      </p:sp>
+      <p:pic>
+        <p:nvPicPr>
+          <p:cNvPr descr="household_structure_estimates_files/figure-pptx/unnamed-chunk-21-1.png" id="0" name="Picture 1"/>
+          <p:cNvPicPr>
+            <a:picLocks noGrp="1" noChangeAspect="1"/>
+          </p:cNvPicPr>
+          <p:nvPr/>
+        </p:nvPicPr>
+        <p:blipFill>
+          <a:blip r:embed="rId2"/>
+          <a:stretch>
+            <a:fillRect/>
+          </a:stretch>
+        </p:blipFill>
+        <p:spPr bwMode="auto">
+          <a:xfrm>
+            <a:off x="2616200" y="1816100"/>
+            <a:ext cx="6946900" cy="4343400"/>
+          </a:xfrm>
+          <a:prstGeom prst="rect">
+            <a:avLst/>
+          </a:prstGeom>
+          <a:noFill/>
+          <a:ln w="9525">
+            <a:noFill/>
+            <a:headEnd/>
+            <a:tailEnd/>
+          </a:ln>
+        </p:spPr>
+      </p:pic>
     </p:spTree>
   </p:cSld>
 </p:sld>
@@ -5289,7 +6542,7 @@
             </a:pPr>
             <a:r>
               <a:rPr/>
-              <a:t>Multi-generational</a:t>
+              <a:t>Household</a:t>
             </a:r>
             <a:r>
               <a:rPr/>
@@ -5297,19 +6550,41 @@
             </a:r>
             <a:r>
               <a:rPr/>
-              <a:t>Families</a:t>
-            </a:r>
-            <a:r>
-              <a:rPr/>
-              <a:t> </a:t>
-            </a:r>
-            <a:r>
-              <a:rPr/>
-              <a:t>(Pending)</a:t>
-            </a:r>
-          </a:p>
-        </p:txBody>
-      </p:sp>
+              <a:t>Type</a:t>
+            </a:r>
+          </a:p>
+        </p:txBody>
+      </p:sp>
+      <p:pic>
+        <p:nvPicPr>
+          <p:cNvPr descr="household_structure_estimates_files/figure-pptx/unnamed-chunk-22-1.png" id="0" name="Picture 1"/>
+          <p:cNvPicPr>
+            <a:picLocks noGrp="1" noChangeAspect="1"/>
+          </p:cNvPicPr>
+          <p:nvPr/>
+        </p:nvPicPr>
+        <p:blipFill>
+          <a:blip r:embed="rId2"/>
+          <a:stretch>
+            <a:fillRect/>
+          </a:stretch>
+        </p:blipFill>
+        <p:spPr bwMode="auto">
+          <a:xfrm>
+            <a:off x="2616200" y="1816100"/>
+            <a:ext cx="6946900" cy="4343400"/>
+          </a:xfrm>
+          <a:prstGeom prst="rect">
+            <a:avLst/>
+          </a:prstGeom>
+          <a:noFill/>
+          <a:ln w="9525">
+            <a:noFill/>
+            <a:headEnd/>
+            <a:tailEnd/>
+          </a:ln>
+        </p:spPr>
+      </p:pic>
     </p:spTree>
   </p:cSld>
 </p:sld>
@@ -5986,7 +7261,7 @@
       </p:sp>
       <p:graphicFrame xmlns:a="http://schemas.openxmlformats.org/drawingml/2006/main" xmlns:r="http://schemas.openxmlformats.org/officeDocument/2006/relationships" xmlns:p="http://schemas.openxmlformats.org/presentationml/2006/main">
         <p:nvGraphicFramePr>
-          <p:cNvPr id="963141861" name=""/>
+          <p:cNvPr id="550857292" name=""/>
           <p:cNvGraphicFramePr>
             <a:graphicFrameLocks noGrp="true"/>
           </p:cNvGraphicFramePr>
@@ -6001,7 +7276,7 @@
             <a:tbl>
               <a:tblPr/>
               <a:tblGrid>
-                <a:gridCol w="1750954"/>
+                <a:gridCol w="1590995"/>
                 <a:gridCol w="1201022"/>
                 <a:gridCol w="1394405"/>
                 <a:gridCol w="1011868"/>
@@ -6292,7 +7567,7 @@
                   </a:tcPr>
                 </a:tc>
               </a:tr>
-              <a:tr h="328238">
+              <a:tr h="301157">
                 <a:tc>
                   <a:txBody>
                     <a:bodyPr/>
@@ -6320,73 +7595,7 @@
                           <a:latin typeface="Arial"/>
                           <a:cs typeface="Arial"/>
                         </a:rPr>
-                        <a:t>CY Only Household</a:t>
-                      </a:r>
-                    </a:p>
-                  </a:txBody>
-                  <a:tcPr anchor="ctr" marB="0" marT="0" marR="0" marL="0">
-                    <a:lnL w="0" cmpd="sng" algn="ctr" cap="flat">
-                      <a:solidFill>
-                        <a:srgbClr val="FFFFFF">
-                          <a:alpha val="0"/>
-                        </a:srgbClr>
-                      </a:solidFill>
-                      <a:prstDash val="solid"/>
-                    </a:lnL>
-                    <a:lnR w="0" cmpd="sng" algn="ctr" cap="flat">
-                      <a:solidFill>
-                        <a:srgbClr val="FFFFFF">
-                          <a:alpha val="0"/>
-                        </a:srgbClr>
-                      </a:solidFill>
-                      <a:prstDash val="solid"/>
-                    </a:lnR>
-                    <a:lnT w="0" cmpd="sng" algn="ctr" cap="flat">
-                      <a:solidFill>
-                        <a:srgbClr val="FFFFFF">
-                          <a:alpha val="0"/>
-                        </a:srgbClr>
-                      </a:solidFill>
-                      <a:prstDash val="solid"/>
-                    </a:lnT>
-                    <a:lnB w="0" cmpd="sng" algn="ctr" cap="flat">
-                      <a:solidFill>
-                        <a:srgbClr val="FFFFFF">
-                          <a:alpha val="0"/>
-                        </a:srgbClr>
-                      </a:solidFill>
-                      <a:prstDash val="solid"/>
-                    </a:lnB>
-                  </a:tcPr>
-                </a:tc>
-                <a:tc>
-                  <a:txBody>
-                    <a:bodyPr/>
-                    <a:lstStyle/>
-                    <a:p>
-                      <a:pPr algn="ctr" marL="38100" marR="38100">
-                        <a:lnSpc>
-                          <a:spcPct val="100000"/>
-                        </a:lnSpc>
-                        <a:spcBef>
-                          <a:spcPts val="300"/>
-                        </a:spcBef>
-                        <a:spcAft>
-                          <a:spcPts val="300"/>
-                        </a:spcAft>
-                        <a:buNone/>
-                      </a:pPr>
-                      <a:r>
-                        <a:rPr sz="1000">
-                          <a:solidFill>
-                            <a:srgbClr val="000000">
-                              <a:alpha val="100000"/>
-                            </a:srgbClr>
-                          </a:solidFill>
-                          <a:latin typeface="Arial"/>
-                          <a:cs typeface="Arial"/>
-                        </a:rPr>
-                        <a:t>Not Present</a:t>
+                        <a:t>All Other Household</a:t>
                       </a:r>
                     </a:p>
                   </a:txBody>
@@ -6518,7 +7727,73 @@
                           <a:latin typeface="Arial"/>
                           <a:cs typeface="Arial"/>
                         </a:rPr>
-                        <a:t>Not Present</a:t>
+                        <a:t>Present</a:t>
+                      </a:r>
+                    </a:p>
+                  </a:txBody>
+                  <a:tcPr anchor="ctr" marB="0" marT="0" marR="0" marL="0">
+                    <a:lnL w="0" cmpd="sng" algn="ctr" cap="flat">
+                      <a:solidFill>
+                        <a:srgbClr val="FFFFFF">
+                          <a:alpha val="0"/>
+                        </a:srgbClr>
+                      </a:solidFill>
+                      <a:prstDash val="solid"/>
+                    </a:lnL>
+                    <a:lnR w="0" cmpd="sng" algn="ctr" cap="flat">
+                      <a:solidFill>
+                        <a:srgbClr val="FFFFFF">
+                          <a:alpha val="0"/>
+                        </a:srgbClr>
+                      </a:solidFill>
+                      <a:prstDash val="solid"/>
+                    </a:lnR>
+                    <a:lnT w="0" cmpd="sng" algn="ctr" cap="flat">
+                      <a:solidFill>
+                        <a:srgbClr val="FFFFFF">
+                          <a:alpha val="0"/>
+                        </a:srgbClr>
+                      </a:solidFill>
+                      <a:prstDash val="solid"/>
+                    </a:lnT>
+                    <a:lnB w="0" cmpd="sng" algn="ctr" cap="flat">
+                      <a:solidFill>
+                        <a:srgbClr val="FFFFFF">
+                          <a:alpha val="0"/>
+                        </a:srgbClr>
+                      </a:solidFill>
+                      <a:prstDash val="solid"/>
+                    </a:lnB>
+                  </a:tcPr>
+                </a:tc>
+                <a:tc>
+                  <a:txBody>
+                    <a:bodyPr/>
+                    <a:lstStyle/>
+                    <a:p>
+                      <a:pPr algn="ctr" marL="38100" marR="38100">
+                        <a:lnSpc>
+                          <a:spcPct val="100000"/>
+                        </a:lnSpc>
+                        <a:spcBef>
+                          <a:spcPts val="300"/>
+                        </a:spcBef>
+                        <a:spcAft>
+                          <a:spcPts val="300"/>
+                        </a:spcAft>
+                        <a:buNone/>
+                      </a:pPr>
+                      <a:r>
+                        <a:rPr sz="1000">
+                          <a:solidFill>
+                            <a:srgbClr val="000000">
+                              <a:alpha val="100000"/>
+                            </a:srgbClr>
+                          </a:solidFill>
+                          <a:latin typeface="Arial"/>
+                          <a:cs typeface="Arial"/>
+                        </a:rPr>
+                        <a:t>Present</a:t>
                       </a:r>
                     </a:p>
                   </a:txBody>
@@ -6586,7 +7861,7 @@
                           <a:latin typeface="Arial"/>
                           <a:cs typeface="Arial"/>
                         </a:rPr>
-                        <a:t>CY-EE Only Household</a:t>
+                        <a:t>CY Only Household</a:t>
                       </a:r>
                     </a:p>
                   </a:txBody>
@@ -6844,7 +8119,7 @@
                   </a:tcPr>
                 </a:tc>
               </a:tr>
-              <a:tr h="328238">
+              <a:tr h="301157">
                 <a:tc>
                   <a:txBody>
                     <a:bodyPr/>
@@ -6872,7 +8147,7 @@
                           <a:latin typeface="Arial"/>
                           <a:cs typeface="Arial"/>
                         </a:rPr>
-                        <a:t>EE Only Household</a:t>
+                        <a:t>OY Household</a:t>
                       </a:r>
                     </a:p>
                   </a:txBody>
@@ -7070,145 +8345,6 @@
                           <a:latin typeface="Arial"/>
                           <a:cs typeface="Arial"/>
                         </a:rPr>
-                        <a:t>Not Present</a:t>
-                      </a:r>
-                    </a:p>
-                  </a:txBody>
-                  <a:tcPr anchor="ctr" marB="0" marT="0" marR="0" marL="0">
-                    <a:lnL w="0" cmpd="sng" algn="ctr" cap="flat">
-                      <a:solidFill>
-                        <a:srgbClr val="FFFFFF">
-                          <a:alpha val="0"/>
-                        </a:srgbClr>
-                      </a:solidFill>
-                      <a:prstDash val="solid"/>
-                    </a:lnL>
-                    <a:lnR w="0" cmpd="sng" algn="ctr" cap="flat">
-                      <a:solidFill>
-                        <a:srgbClr val="FFFFFF">
-                          <a:alpha val="0"/>
-                        </a:srgbClr>
-                      </a:solidFill>
-                      <a:prstDash val="solid"/>
-                    </a:lnR>
-                    <a:lnT w="0" cmpd="sng" algn="ctr" cap="flat">
-                      <a:solidFill>
-                        <a:srgbClr val="FFFFFF">
-                          <a:alpha val="0"/>
-                        </a:srgbClr>
-                      </a:solidFill>
-                      <a:prstDash val="solid"/>
-                    </a:lnT>
-                    <a:lnB w="0" cmpd="sng" algn="ctr" cap="flat">
-                      <a:solidFill>
-                        <a:srgbClr val="FFFFFF">
-                          <a:alpha val="0"/>
-                        </a:srgbClr>
-                      </a:solidFill>
-                      <a:prstDash val="solid"/>
-                    </a:lnB>
-                  </a:tcPr>
-                </a:tc>
-              </a:tr>
-              <a:tr h="301157">
-                <a:tc>
-                  <a:txBody>
-                    <a:bodyPr/>
-                    <a:lstStyle/>
-                    <a:p>
-                      <a:pPr algn="l" marL="38100" marR="38100">
-                        <a:lnSpc>
-                          <a:spcPct val="100000"/>
-                        </a:lnSpc>
-                        <a:spcBef>
-                          <a:spcPts val="300"/>
-                        </a:spcBef>
-                        <a:spcAft>
-                          <a:spcPts val="300"/>
-                        </a:spcAft>
-                        <a:buNone/>
-                      </a:pPr>
-                      <a:r>
-                        <a:rPr sz="1000">
-                          <a:solidFill>
-                            <a:srgbClr val="000000">
-                              <a:alpha val="100000"/>
-                            </a:srgbClr>
-                          </a:solidFill>
-                          <a:latin typeface="Arial"/>
-                          <a:cs typeface="Arial"/>
-                        </a:rPr>
-                        <a:t>OY Household</a:t>
-                      </a:r>
-                    </a:p>
-                  </a:txBody>
-                  <a:tcPr anchor="ctr" marB="0" marT="0" marR="0" marL="0">
-                    <a:lnL w="0" cmpd="sng" algn="ctr" cap="flat">
-                      <a:solidFill>
-                        <a:srgbClr val="FFFFFF">
-                          <a:alpha val="0"/>
-                        </a:srgbClr>
-                      </a:solidFill>
-                      <a:prstDash val="solid"/>
-                    </a:lnL>
-                    <a:lnR w="0" cmpd="sng" algn="ctr" cap="flat">
-                      <a:solidFill>
-                        <a:srgbClr val="FFFFFF">
-                          <a:alpha val="0"/>
-                        </a:srgbClr>
-                      </a:solidFill>
-                      <a:prstDash val="solid"/>
-                    </a:lnR>
-                    <a:lnT w="0" cmpd="sng" algn="ctr" cap="flat">
-                      <a:solidFill>
-                        <a:srgbClr val="FFFFFF">
-                          <a:alpha val="0"/>
-                        </a:srgbClr>
-                      </a:solidFill>
-                      <a:prstDash val="solid"/>
-                    </a:lnT>
-                    <a:lnB w="0" cmpd="sng" algn="ctr" cap="flat">
-                      <a:solidFill>
-                        <a:srgbClr val="FFFFFF">
-                          <a:alpha val="0"/>
-                        </a:srgbClr>
-                      </a:solidFill>
-                      <a:prstDash val="solid"/>
-                    </a:lnB>
-                    <a:solidFill>
-                      <a:srgbClr val="D6D6CE">
-                        <a:alpha val="100000"/>
-                      </a:srgbClr>
-                    </a:solidFill>
-                  </a:tcPr>
-                </a:tc>
-                <a:tc>
-                  <a:txBody>
-                    <a:bodyPr/>
-                    <a:lstStyle/>
-                    <a:p>
-                      <a:pPr algn="ctr" marL="38100" marR="38100">
-                        <a:lnSpc>
-                          <a:spcPct val="100000"/>
-                        </a:lnSpc>
-                        <a:spcBef>
-                          <a:spcPts val="300"/>
-                        </a:spcBef>
-                        <a:spcAft>
-                          <a:spcPts val="300"/>
-                        </a:spcAft>
-                        <a:buNone/>
-                      </a:pPr>
-                      <a:r>
-                        <a:rPr sz="1000">
-                          <a:solidFill>
-                            <a:srgbClr val="000000">
-                              <a:alpha val="100000"/>
-                            </a:srgbClr>
-                          </a:solidFill>
-                          <a:latin typeface="Arial"/>
-                          <a:cs typeface="Arial"/>
-                        </a:rPr>
                         <a:t>Present</a:t>
                       </a:r>
                     </a:p>
@@ -7246,153 +8382,6 @@
                       </a:solidFill>
                       <a:prstDash val="solid"/>
                     </a:lnB>
-                    <a:solidFill>
-                      <a:srgbClr val="D6D6CE">
-                        <a:alpha val="100000"/>
-                      </a:srgbClr>
-                    </a:solidFill>
-                  </a:tcPr>
-                </a:tc>
-                <a:tc>
-                  <a:txBody>
-                    <a:bodyPr/>
-                    <a:lstStyle/>
-                    <a:p>
-                      <a:pPr algn="ctr" marL="38100" marR="38100">
-                        <a:lnSpc>
-                          <a:spcPct val="100000"/>
-                        </a:lnSpc>
-                        <a:spcBef>
-                          <a:spcPts val="300"/>
-                        </a:spcBef>
-                        <a:spcAft>
-                          <a:spcPts val="300"/>
-                        </a:spcAft>
-                        <a:buNone/>
-                      </a:pPr>
-                      <a:r>
-                        <a:rPr sz="1000">
-                          <a:solidFill>
-                            <a:srgbClr val="000000">
-                              <a:alpha val="100000"/>
-                            </a:srgbClr>
-                          </a:solidFill>
-                          <a:latin typeface="Arial"/>
-                          <a:cs typeface="Arial"/>
-                        </a:rPr>
-                        <a:t>Present</a:t>
-                      </a:r>
-                    </a:p>
-                  </a:txBody>
-                  <a:tcPr anchor="ctr" marB="0" marT="0" marR="0" marL="0">
-                    <a:lnL w="0" cmpd="sng" algn="ctr" cap="flat">
-                      <a:solidFill>
-                        <a:srgbClr val="FFFFFF">
-                          <a:alpha val="0"/>
-                        </a:srgbClr>
-                      </a:solidFill>
-                      <a:prstDash val="solid"/>
-                    </a:lnL>
-                    <a:lnR w="0" cmpd="sng" algn="ctr" cap="flat">
-                      <a:solidFill>
-                        <a:srgbClr val="FFFFFF">
-                          <a:alpha val="0"/>
-                        </a:srgbClr>
-                      </a:solidFill>
-                      <a:prstDash val="solid"/>
-                    </a:lnR>
-                    <a:lnT w="0" cmpd="sng" algn="ctr" cap="flat">
-                      <a:solidFill>
-                        <a:srgbClr val="FFFFFF">
-                          <a:alpha val="0"/>
-                        </a:srgbClr>
-                      </a:solidFill>
-                      <a:prstDash val="solid"/>
-                    </a:lnT>
-                    <a:lnB w="0" cmpd="sng" algn="ctr" cap="flat">
-                      <a:solidFill>
-                        <a:srgbClr val="FFFFFF">
-                          <a:alpha val="0"/>
-                        </a:srgbClr>
-                      </a:solidFill>
-                      <a:prstDash val="solid"/>
-                    </a:lnB>
-                    <a:solidFill>
-                      <a:srgbClr val="D6D6CE">
-                        <a:alpha val="100000"/>
-                      </a:srgbClr>
-                    </a:solidFill>
-                  </a:tcPr>
-                </a:tc>
-                <a:tc>
-                  <a:txBody>
-                    <a:bodyPr/>
-                    <a:lstStyle/>
-                    <a:p>
-                      <a:pPr algn="ctr" marL="38100" marR="38100">
-                        <a:lnSpc>
-                          <a:spcPct val="100000"/>
-                        </a:lnSpc>
-                        <a:spcBef>
-                          <a:spcPts val="300"/>
-                        </a:spcBef>
-                        <a:spcAft>
-                          <a:spcPts val="300"/>
-                        </a:spcAft>
-                        <a:buNone/>
-                      </a:pPr>
-                      <a:r>
-                        <a:rPr sz="1000">
-                          <a:solidFill>
-                            <a:srgbClr val="000000">
-                              <a:alpha val="100000"/>
-                            </a:srgbClr>
-                          </a:solidFill>
-                          <a:latin typeface="Arial"/>
-                          <a:cs typeface="Arial"/>
-                        </a:rPr>
-                        <a:t>Present</a:t>
-                      </a:r>
-                    </a:p>
-                  </a:txBody>
-                  <a:tcPr anchor="ctr" marB="0" marT="0" marR="0" marL="0">
-                    <a:lnL w="0" cmpd="sng" algn="ctr" cap="flat">
-                      <a:solidFill>
-                        <a:srgbClr val="FFFFFF">
-                          <a:alpha val="0"/>
-                        </a:srgbClr>
-                      </a:solidFill>
-                      <a:prstDash val="solid"/>
-                    </a:lnL>
-                    <a:lnR w="0" cmpd="sng" algn="ctr" cap="flat">
-                      <a:solidFill>
-                        <a:srgbClr val="FFFFFF">
-                          <a:alpha val="0"/>
-                        </a:srgbClr>
-                      </a:solidFill>
-                      <a:prstDash val="solid"/>
-                    </a:lnR>
-                    <a:lnT w="0" cmpd="sng" algn="ctr" cap="flat">
-                      <a:solidFill>
-                        <a:srgbClr val="FFFFFF">
-                          <a:alpha val="0"/>
-                        </a:srgbClr>
-                      </a:solidFill>
-                      <a:prstDash val="solid"/>
-                    </a:lnT>
-                    <a:lnB w="0" cmpd="sng" algn="ctr" cap="flat">
-                      <a:solidFill>
-                        <a:srgbClr val="FFFFFF">
-                          <a:alpha val="0"/>
-                        </a:srgbClr>
-                      </a:solidFill>
-                      <a:prstDash val="solid"/>
-                    </a:lnB>
-                    <a:solidFill>
-                      <a:srgbClr val="D6D6CE">
-                        <a:alpha val="100000"/>
-                      </a:srgbClr>
-                    </a:solidFill>
                   </a:tcPr>
                 </a:tc>
               </a:tr>
@@ -7506,7 +8495,7 @@
             </a:pPr>
             <a:r>
               <a:rPr/>
-              <a:t>Identify</a:t>
+              <a:t>Self-identify</a:t>
             </a:r>
             <a:r>
               <a:rPr/>

--- a/create_powerpoint/household_structure_estimates.pptx
+++ b/create_powerpoint/household_structure_estimates.pptx
@@ -3615,7 +3615,7 @@
             </a:r>
             <a:r>
               <a:rPr/>
-              <a:t>13,</a:t>
+              <a:t>17,</a:t>
             </a:r>
             <a:r>
               <a:rPr/>
@@ -3676,15 +3676,71 @@
             </a:pPr>
             <a:r>
               <a:rPr/>
-              <a:t>Presence</a:t>
-            </a:r>
-            <a:r>
-              <a:rPr/>
-              <a:t> </a:t>
-            </a:r>
-            <a:r>
-              <a:rPr/>
-              <a:t>of</a:t>
+              <a:t>Opportunity</a:t>
+            </a:r>
+            <a:r>
+              <a:rPr/>
+              <a:t> </a:t>
+            </a:r>
+            <a:r>
+              <a:rPr/>
+              <a:t>Youth</a:t>
+            </a:r>
+            <a:r>
+              <a:rPr/>
+              <a:t> </a:t>
+            </a:r>
+            <a:r>
+              <a:rPr/>
+              <a:t>are</a:t>
+            </a:r>
+            <a:r>
+              <a:rPr/>
+              <a:t> </a:t>
+            </a:r>
+            <a:r>
+              <a:rPr/>
+              <a:t>three</a:t>
+            </a:r>
+            <a:r>
+              <a:rPr/>
+              <a:t> </a:t>
+            </a:r>
+            <a:r>
+              <a:rPr/>
+              <a:t>times</a:t>
+            </a:r>
+            <a:r>
+              <a:rPr/>
+              <a:t> </a:t>
+            </a:r>
+            <a:r>
+              <a:rPr/>
+              <a:t>as</a:t>
+            </a:r>
+            <a:r>
+              <a:rPr/>
+              <a:t> </a:t>
+            </a:r>
+            <a:r>
+              <a:rPr/>
+              <a:t>likely</a:t>
+            </a:r>
+            <a:r>
+              <a:rPr/>
+              <a:t> </a:t>
+            </a:r>
+            <a:r>
+              <a:rPr/>
+              <a:t>to</a:t>
+            </a:r>
+            <a:r>
+              <a:rPr/>
+              <a:t> </a:t>
+            </a:r>
+            <a:r>
+              <a:rPr/>
+              <a:t>have</a:t>
             </a:r>
             <a:r>
               <a:rPr/>
@@ -3799,23 +3855,71 @@
             </a:pPr>
             <a:r>
               <a:rPr/>
-              <a:t>Number</a:t>
-            </a:r>
-            <a:r>
-              <a:rPr/>
-              <a:t> </a:t>
-            </a:r>
-            <a:r>
-              <a:rPr/>
-              <a:t>of</a:t>
-            </a:r>
-            <a:r>
-              <a:rPr/>
-              <a:t> </a:t>
-            </a:r>
-            <a:r>
-              <a:rPr/>
-              <a:t>Children</a:t>
+              <a:t>Opportunity</a:t>
+            </a:r>
+            <a:r>
+              <a:rPr/>
+              <a:t> </a:t>
+            </a:r>
+            <a:r>
+              <a:rPr/>
+              <a:t>Youth</a:t>
+            </a:r>
+            <a:r>
+              <a:rPr/>
+              <a:t> </a:t>
+            </a:r>
+            <a:r>
+              <a:rPr/>
+              <a:t>are</a:t>
+            </a:r>
+            <a:r>
+              <a:rPr/>
+              <a:t> </a:t>
+            </a:r>
+            <a:r>
+              <a:rPr/>
+              <a:t>more</a:t>
+            </a:r>
+            <a:r>
+              <a:rPr/>
+              <a:t> </a:t>
+            </a:r>
+            <a:r>
+              <a:rPr/>
+              <a:t>likely</a:t>
+            </a:r>
+            <a:r>
+              <a:rPr/>
+              <a:t> </a:t>
+            </a:r>
+            <a:r>
+              <a:rPr/>
+              <a:t>to</a:t>
+            </a:r>
+            <a:r>
+              <a:rPr/>
+              <a:t> </a:t>
+            </a:r>
+            <a:r>
+              <a:rPr/>
+              <a:t>have</a:t>
+            </a:r>
+            <a:r>
+              <a:rPr/>
+              <a:t> </a:t>
+            </a:r>
+            <a:r>
+              <a:rPr/>
+              <a:t>multiple</a:t>
+            </a:r>
+            <a:r>
+              <a:rPr/>
+              <a:t> </a:t>
+            </a:r>
+            <a:r>
+              <a:rPr/>
+              <a:t>children</a:t>
             </a:r>
           </a:p>
         </p:txBody>
@@ -3898,7 +4002,23 @@
             </a:pPr>
             <a:r>
               <a:rPr/>
-              <a:t>Type</a:t>
+              <a:t>Less</a:t>
+            </a:r>
+            <a:r>
+              <a:rPr/>
+              <a:t> </a:t>
+            </a:r>
+            <a:r>
+              <a:rPr/>
+              <a:t>than</a:t>
+            </a:r>
+            <a:r>
+              <a:rPr/>
+              <a:t> </a:t>
+            </a:r>
+            <a:r>
+              <a:rPr/>
+              <a:t>3%</a:t>
             </a:r>
             <a:r>
               <a:rPr/>
@@ -3914,23 +4034,39 @@
             </a:r>
             <a:r>
               <a:rPr/>
-              <a:t>Household</a:t>
-            </a:r>
-            <a:r>
-              <a:rPr/>
-              <a:t> </a:t>
-            </a:r>
-            <a:r>
-              <a:rPr/>
-              <a:t>Population</a:t>
-            </a:r>
-            <a:r>
-              <a:rPr/>
-              <a:t> </a:t>
-            </a:r>
-            <a:r>
-              <a:rPr/>
-              <a:t>Sizes</a:t>
+              <a:t>households</a:t>
+            </a:r>
+            <a:r>
+              <a:rPr/>
+              <a:t> </a:t>
+            </a:r>
+            <a:r>
+              <a:rPr/>
+              <a:t>contain</a:t>
+            </a:r>
+            <a:r>
+              <a:rPr/>
+              <a:t> </a:t>
+            </a:r>
+            <a:r>
+              <a:rPr/>
+              <a:t>only</a:t>
+            </a:r>
+            <a:r>
+              <a:rPr/>
+              <a:t> </a:t>
+            </a:r>
+            <a:r>
+              <a:rPr/>
+              <a:t>Opportunity</a:t>
+            </a:r>
+            <a:r>
+              <a:rPr/>
+              <a:t> </a:t>
+            </a:r>
+            <a:r>
+              <a:rPr/>
+              <a:t>Youth</a:t>
             </a:r>
           </a:p>
         </p:txBody>
@@ -4013,15 +4149,87 @@
             </a:pPr>
             <a:r>
               <a:rPr/>
-              <a:t>Household</a:t>
-            </a:r>
-            <a:r>
-              <a:rPr/>
-              <a:t> </a:t>
-            </a:r>
-            <a:r>
-              <a:rPr/>
-              <a:t>Composition</a:t>
+              <a:t>Opportunity</a:t>
+            </a:r>
+            <a:r>
+              <a:rPr/>
+              <a:t> </a:t>
+            </a:r>
+            <a:r>
+              <a:rPr/>
+              <a:t>Youth</a:t>
+            </a:r>
+            <a:r>
+              <a:rPr/>
+              <a:t> </a:t>
+            </a:r>
+            <a:r>
+              <a:rPr/>
+              <a:t>households</a:t>
+            </a:r>
+            <a:r>
+              <a:rPr/>
+              <a:t> </a:t>
+            </a:r>
+            <a:r>
+              <a:rPr/>
+              <a:t>are</a:t>
+            </a:r>
+            <a:r>
+              <a:rPr/>
+              <a:t> </a:t>
+            </a:r>
+            <a:r>
+              <a:rPr/>
+              <a:t>more</a:t>
+            </a:r>
+            <a:r>
+              <a:rPr/>
+              <a:t> </a:t>
+            </a:r>
+            <a:r>
+              <a:rPr/>
+              <a:t>likely</a:t>
+            </a:r>
+            <a:r>
+              <a:rPr/>
+              <a:t> </a:t>
+            </a:r>
+            <a:r>
+              <a:rPr/>
+              <a:t>to</a:t>
+            </a:r>
+            <a:r>
+              <a:rPr/>
+              <a:t> </a:t>
+            </a:r>
+            <a:r>
+              <a:rPr/>
+              <a:t>contain</a:t>
+            </a:r>
+            <a:r>
+              <a:rPr/>
+              <a:t> </a:t>
+            </a:r>
+            <a:r>
+              <a:rPr/>
+              <a:t>‘</a:t>
+            </a:r>
+            <a:r>
+              <a:rPr/>
+              <a:t>Everyone</a:t>
+            </a:r>
+            <a:r>
+              <a:rPr/>
+              <a:t> </a:t>
+            </a:r>
+            <a:r>
+              <a:rPr/>
+              <a:t>Else</a:t>
+            </a:r>
+            <a:r>
+              <a:rPr/>
+              <a:t>’</a:t>
             </a:r>
           </a:p>
         </p:txBody>
@@ -4127,7 +4335,7 @@
       </p:sp>
       <p:graphicFrame xmlns:a="http://schemas.openxmlformats.org/drawingml/2006/main" xmlns:r="http://schemas.openxmlformats.org/officeDocument/2006/relationships" xmlns:p="http://schemas.openxmlformats.org/presentationml/2006/main">
         <p:nvGraphicFramePr>
-          <p:cNvPr id="174663574" name=""/>
+          <p:cNvPr id="628032712" name=""/>
           <p:cNvGraphicFramePr>
             <a:graphicFrameLocks noGrp="true"/>
           </p:cNvGraphicFramePr>
@@ -4142,7 +4350,7 @@
             <a:tbl>
               <a:tblPr/>
               <a:tblGrid>
-                <a:gridCol w="1590995"/>
+                <a:gridCol w="1663778"/>
                 <a:gridCol w="1201022"/>
                 <a:gridCol w="1394405"/>
                 <a:gridCol w="925715"/>
@@ -4461,7 +4669,7 @@
                           <a:latin typeface="Arial"/>
                           <a:cs typeface="Arial"/>
                         </a:rPr>
-                        <a:t>All Other Household</a:t>
+                        <a:t>All Other Households</a:t>
                       </a:r>
                     </a:p>
                   </a:txBody>
@@ -4985,7 +5193,7 @@
                   </a:tcPr>
                 </a:tc>
               </a:tr>
-              <a:tr h="301157">
+              <a:tr h="328238">
                 <a:tc>
                   <a:txBody>
                     <a:bodyPr/>
@@ -5013,7 +5221,7 @@
                           <a:latin typeface="Arial"/>
                           <a:cs typeface="Arial"/>
                         </a:rPr>
-                        <a:t>OY Household</a:t>
+                        <a:t>OY Only Household</a:t>
                       </a:r>
                     </a:p>
                   </a:txBody>
@@ -5303,23 +5511,79 @@
             </a:pPr>
             <a:r>
               <a:rPr/>
-              <a:t>Average</a:t>
-            </a:r>
-            <a:r>
-              <a:rPr/>
-              <a:t> </a:t>
-            </a:r>
-            <a:r>
-              <a:rPr/>
-              <a:t>Household</a:t>
-            </a:r>
-            <a:r>
-              <a:rPr/>
-              <a:t> </a:t>
-            </a:r>
-            <a:r>
-              <a:rPr/>
-              <a:t>Size</a:t>
+              <a:t>Both</a:t>
+            </a:r>
+            <a:r>
+              <a:rPr/>
+              <a:t> </a:t>
+            </a:r>
+            <a:r>
+              <a:rPr/>
+              <a:t>Connected</a:t>
+            </a:r>
+            <a:r>
+              <a:rPr/>
+              <a:t> </a:t>
+            </a:r>
+            <a:r>
+              <a:rPr/>
+              <a:t>Youth</a:t>
+            </a:r>
+            <a:r>
+              <a:rPr/>
+              <a:t> </a:t>
+            </a:r>
+            <a:r>
+              <a:rPr/>
+              <a:t>and</a:t>
+            </a:r>
+            <a:r>
+              <a:rPr/>
+              <a:t> </a:t>
+            </a:r>
+            <a:r>
+              <a:rPr/>
+              <a:t>Opportunity</a:t>
+            </a:r>
+            <a:r>
+              <a:rPr/>
+              <a:t> </a:t>
+            </a:r>
+            <a:r>
+              <a:rPr/>
+              <a:t>Youth</a:t>
+            </a:r>
+            <a:r>
+              <a:rPr/>
+              <a:t> </a:t>
+            </a:r>
+            <a:r>
+              <a:rPr/>
+              <a:t>live</a:t>
+            </a:r>
+            <a:r>
+              <a:rPr/>
+              <a:t> </a:t>
+            </a:r>
+            <a:r>
+              <a:rPr/>
+              <a:t>in</a:t>
+            </a:r>
+            <a:r>
+              <a:rPr/>
+              <a:t> </a:t>
+            </a:r>
+            <a:r>
+              <a:rPr/>
+              <a:t>larger</a:t>
+            </a:r>
+            <a:r>
+              <a:rPr/>
+              <a:t> </a:t>
+            </a:r>
+            <a:r>
+              <a:rPr/>
+              <a:t>households</a:t>
             </a:r>
           </a:p>
         </p:txBody>
@@ -5402,39 +5666,119 @@
             </a:pPr>
             <a:r>
               <a:rPr/>
-              <a:t>Income</a:t>
-            </a:r>
-            <a:r>
-              <a:rPr/>
-              <a:t> </a:t>
-            </a:r>
-            <a:r>
-              <a:rPr/>
-              <a:t>Characteristics:</a:t>
-            </a:r>
-            <a:r>
-              <a:rPr/>
-              <a:t> </a:t>
-            </a:r>
-            <a:r>
-              <a:rPr/>
-              <a:t>Household</a:t>
-            </a:r>
-            <a:r>
-              <a:rPr/>
-              <a:t> </a:t>
-            </a:r>
-            <a:r>
-              <a:rPr/>
-              <a:t>Median</a:t>
-            </a:r>
-            <a:r>
-              <a:rPr/>
-              <a:t> </a:t>
-            </a:r>
-            <a:r>
-              <a:rPr/>
-              <a:t>Income</a:t>
+              <a:t>The</a:t>
+            </a:r>
+            <a:r>
+              <a:rPr/>
+              <a:t> </a:t>
+            </a:r>
+            <a:r>
+              <a:rPr/>
+              <a:t>median</a:t>
+            </a:r>
+            <a:r>
+              <a:rPr/>
+              <a:t> </a:t>
+            </a:r>
+            <a:r>
+              <a:rPr/>
+              <a:t>income</a:t>
+            </a:r>
+            <a:r>
+              <a:rPr/>
+              <a:t> </a:t>
+            </a:r>
+            <a:r>
+              <a:rPr/>
+              <a:t>of</a:t>
+            </a:r>
+            <a:r>
+              <a:rPr/>
+              <a:t> </a:t>
+            </a:r>
+            <a:r>
+              <a:rPr/>
+              <a:t>OY</a:t>
+            </a:r>
+            <a:r>
+              <a:rPr/>
+              <a:t> </a:t>
+            </a:r>
+            <a:r>
+              <a:rPr/>
+              <a:t>Only</a:t>
+            </a:r>
+            <a:r>
+              <a:rPr/>
+              <a:t> </a:t>
+            </a:r>
+            <a:r>
+              <a:rPr/>
+              <a:t>Households</a:t>
+            </a:r>
+            <a:r>
+              <a:rPr/>
+              <a:t> </a:t>
+            </a:r>
+            <a:r>
+              <a:rPr/>
+              <a:t>is</a:t>
+            </a:r>
+            <a:r>
+              <a:rPr/>
+              <a:t> </a:t>
+            </a:r>
+            <a:r>
+              <a:rPr/>
+              <a:t>less</a:t>
+            </a:r>
+            <a:r>
+              <a:rPr/>
+              <a:t> </a:t>
+            </a:r>
+            <a:r>
+              <a:rPr/>
+              <a:t>than</a:t>
+            </a:r>
+            <a:r>
+              <a:rPr/>
+              <a:t> </a:t>
+            </a:r>
+            <a:r>
+              <a:rPr/>
+              <a:t>half</a:t>
+            </a:r>
+            <a:r>
+              <a:rPr/>
+              <a:t> </a:t>
+            </a:r>
+            <a:r>
+              <a:rPr/>
+              <a:t>that</a:t>
+            </a:r>
+            <a:r>
+              <a:rPr/>
+              <a:t> </a:t>
+            </a:r>
+            <a:r>
+              <a:rPr/>
+              <a:t>of</a:t>
+            </a:r>
+            <a:r>
+              <a:rPr/>
+              <a:t> </a:t>
+            </a:r>
+            <a:r>
+              <a:rPr/>
+              <a:t>other</a:t>
+            </a:r>
+            <a:r>
+              <a:rPr/>
+              <a:t> </a:t>
+            </a:r>
+            <a:r>
+              <a:rPr/>
+              <a:t>households</a:t>
             </a:r>
           </a:p>
         </p:txBody>
@@ -5648,47 +5992,95 @@
             </a:pPr>
             <a:r>
               <a:rPr/>
-              <a:t>Income</a:t>
-            </a:r>
-            <a:r>
-              <a:rPr/>
-              <a:t> </a:t>
-            </a:r>
-            <a:r>
-              <a:rPr/>
-              <a:t>Characteristics:</a:t>
-            </a:r>
-            <a:r>
-              <a:rPr/>
-              <a:t> </a:t>
-            </a:r>
-            <a:r>
-              <a:rPr/>
-              <a:t>Total</a:t>
-            </a:r>
-            <a:r>
-              <a:rPr/>
-              <a:t> </a:t>
-            </a:r>
-            <a:r>
-              <a:rPr/>
-              <a:t>Average</a:t>
-            </a:r>
-            <a:r>
-              <a:rPr/>
-              <a:t> </a:t>
-            </a:r>
-            <a:r>
-              <a:rPr/>
-              <a:t>Personal</a:t>
-            </a:r>
-            <a:r>
-              <a:rPr/>
-              <a:t> </a:t>
-            </a:r>
-            <a:r>
-              <a:rPr/>
-              <a:t>Income</a:t>
+              <a:t>Opportunity</a:t>
+            </a:r>
+            <a:r>
+              <a:rPr/>
+              <a:t> </a:t>
+            </a:r>
+            <a:r>
+              <a:rPr/>
+              <a:t>Youth</a:t>
+            </a:r>
+            <a:r>
+              <a:rPr/>
+              <a:t> </a:t>
+            </a:r>
+            <a:r>
+              <a:rPr/>
+              <a:t>have</a:t>
+            </a:r>
+            <a:r>
+              <a:rPr/>
+              <a:t> </a:t>
+            </a:r>
+            <a:r>
+              <a:rPr/>
+              <a:t>1/4th</a:t>
+            </a:r>
+            <a:r>
+              <a:rPr/>
+              <a:t> </a:t>
+            </a:r>
+            <a:r>
+              <a:rPr/>
+              <a:t>the</a:t>
+            </a:r>
+            <a:r>
+              <a:rPr/>
+              <a:t> </a:t>
+            </a:r>
+            <a:r>
+              <a:rPr/>
+              <a:t>total</a:t>
+            </a:r>
+            <a:r>
+              <a:rPr/>
+              <a:t> </a:t>
+            </a:r>
+            <a:r>
+              <a:rPr/>
+              <a:t>average</a:t>
+            </a:r>
+            <a:r>
+              <a:rPr/>
+              <a:t> </a:t>
+            </a:r>
+            <a:r>
+              <a:rPr/>
+              <a:t>personal</a:t>
+            </a:r>
+            <a:r>
+              <a:rPr/>
+              <a:t> </a:t>
+            </a:r>
+            <a:r>
+              <a:rPr/>
+              <a:t>income</a:t>
+            </a:r>
+            <a:r>
+              <a:rPr/>
+              <a:t> </a:t>
+            </a:r>
+            <a:r>
+              <a:rPr/>
+              <a:t>of</a:t>
+            </a:r>
+            <a:r>
+              <a:rPr/>
+              <a:t> </a:t>
+            </a:r>
+            <a:r>
+              <a:rPr/>
+              <a:t>Connected</a:t>
+            </a:r>
+            <a:r>
+              <a:rPr/>
+              <a:t> </a:t>
+            </a:r>
+            <a:r>
+              <a:rPr/>
+              <a:t>Youth</a:t>
             </a:r>
           </a:p>
         </p:txBody>
@@ -5771,15 +6163,87 @@
             </a:pPr>
             <a:r>
               <a:rPr/>
-              <a:t>Marital</a:t>
-            </a:r>
-            <a:r>
-              <a:rPr/>
-              <a:t> </a:t>
-            </a:r>
-            <a:r>
-              <a:rPr/>
-              <a:t>Status</a:t>
+              <a:t>Opportunity</a:t>
+            </a:r>
+            <a:r>
+              <a:rPr/>
+              <a:t> </a:t>
+            </a:r>
+            <a:r>
+              <a:rPr/>
+              <a:t>Youth</a:t>
+            </a:r>
+            <a:r>
+              <a:rPr/>
+              <a:t> </a:t>
+            </a:r>
+            <a:r>
+              <a:rPr/>
+              <a:t>are</a:t>
+            </a:r>
+            <a:r>
+              <a:rPr/>
+              <a:t> </a:t>
+            </a:r>
+            <a:r>
+              <a:rPr/>
+              <a:t>more</a:t>
+            </a:r>
+            <a:r>
+              <a:rPr/>
+              <a:t> </a:t>
+            </a:r>
+            <a:r>
+              <a:rPr/>
+              <a:t>likely</a:t>
+            </a:r>
+            <a:r>
+              <a:rPr/>
+              <a:t> </a:t>
+            </a:r>
+            <a:r>
+              <a:rPr/>
+              <a:t>than</a:t>
+            </a:r>
+            <a:r>
+              <a:rPr/>
+              <a:t> </a:t>
+            </a:r>
+            <a:r>
+              <a:rPr/>
+              <a:t>Connected</a:t>
+            </a:r>
+            <a:r>
+              <a:rPr/>
+              <a:t> </a:t>
+            </a:r>
+            <a:r>
+              <a:rPr/>
+              <a:t>Youth</a:t>
+            </a:r>
+            <a:r>
+              <a:rPr/>
+              <a:t> </a:t>
+            </a:r>
+            <a:r>
+              <a:rPr/>
+              <a:t>to</a:t>
+            </a:r>
+            <a:r>
+              <a:rPr/>
+              <a:t> </a:t>
+            </a:r>
+            <a:r>
+              <a:rPr/>
+              <a:t>be</a:t>
+            </a:r>
+            <a:r>
+              <a:rPr/>
+              <a:t> </a:t>
+            </a:r>
+            <a:r>
+              <a:rPr/>
+              <a:t>married</a:t>
             </a:r>
           </a:p>
         </p:txBody>
@@ -6082,15 +6546,119 @@
             </a:pPr>
             <a:r>
               <a:rPr/>
-              <a:t>Mobility:</a:t>
-            </a:r>
-            <a:r>
-              <a:rPr/>
-              <a:t> </a:t>
-            </a:r>
-            <a:r>
-              <a:rPr/>
-              <a:t>Migration</a:t>
+              <a:t>Opportunity</a:t>
+            </a:r>
+            <a:r>
+              <a:rPr/>
+              <a:t> </a:t>
+            </a:r>
+            <a:r>
+              <a:rPr/>
+              <a:t>Youth</a:t>
+            </a:r>
+            <a:r>
+              <a:rPr/>
+              <a:t> </a:t>
+            </a:r>
+            <a:r>
+              <a:rPr/>
+              <a:t>are</a:t>
+            </a:r>
+            <a:r>
+              <a:rPr/>
+              <a:t> </a:t>
+            </a:r>
+            <a:r>
+              <a:rPr/>
+              <a:t>more</a:t>
+            </a:r>
+            <a:r>
+              <a:rPr/>
+              <a:t> </a:t>
+            </a:r>
+            <a:r>
+              <a:rPr/>
+              <a:t>likely</a:t>
+            </a:r>
+            <a:r>
+              <a:rPr/>
+              <a:t> </a:t>
+            </a:r>
+            <a:r>
+              <a:rPr/>
+              <a:t>to</a:t>
+            </a:r>
+            <a:r>
+              <a:rPr/>
+              <a:t> </a:t>
+            </a:r>
+            <a:r>
+              <a:rPr/>
+              <a:t>have</a:t>
+            </a:r>
+            <a:r>
+              <a:rPr/>
+              <a:t> </a:t>
+            </a:r>
+            <a:r>
+              <a:rPr/>
+              <a:t>lived</a:t>
+            </a:r>
+            <a:r>
+              <a:rPr/>
+              <a:t> </a:t>
+            </a:r>
+            <a:r>
+              <a:rPr/>
+              <a:t>in</a:t>
+            </a:r>
+            <a:r>
+              <a:rPr/>
+              <a:t> </a:t>
+            </a:r>
+            <a:r>
+              <a:rPr/>
+              <a:t>the</a:t>
+            </a:r>
+            <a:r>
+              <a:rPr/>
+              <a:t> </a:t>
+            </a:r>
+            <a:r>
+              <a:rPr/>
+              <a:t>same</a:t>
+            </a:r>
+            <a:r>
+              <a:rPr/>
+              <a:t> </a:t>
+            </a:r>
+            <a:r>
+              <a:rPr/>
+              <a:t>house</a:t>
+            </a:r>
+            <a:r>
+              <a:rPr/>
+              <a:t> </a:t>
+            </a:r>
+            <a:r>
+              <a:rPr/>
+              <a:t>the</a:t>
+            </a:r>
+            <a:r>
+              <a:rPr/>
+              <a:t> </a:t>
+            </a:r>
+            <a:r>
+              <a:rPr/>
+              <a:t>prior</a:t>
+            </a:r>
+            <a:r>
+              <a:rPr/>
+              <a:t> </a:t>
+            </a:r>
+            <a:r>
+              <a:rPr/>
+              <a:t>year</a:t>
             </a:r>
           </a:p>
         </p:txBody>
@@ -6304,39 +6872,7 @@
             </a:pPr>
             <a:r>
               <a:rPr/>
-              <a:t>Mobility:</a:t>
-            </a:r>
-            <a:r>
-              <a:rPr/>
-              <a:t> </a:t>
-            </a:r>
-            <a:r>
-              <a:rPr/>
-              <a:t>Average</a:t>
-            </a:r>
-            <a:r>
-              <a:rPr/>
-              <a:t> </a:t>
-            </a:r>
-            <a:r>
-              <a:rPr/>
-              <a:t>Commute</a:t>
-            </a:r>
-            <a:r>
-              <a:rPr/>
-              <a:t> </a:t>
-            </a:r>
-            <a:r>
-              <a:rPr/>
-              <a:t>Time</a:t>
-            </a:r>
-            <a:r>
-              <a:rPr/>
-              <a:t> </a:t>
-            </a:r>
-            <a:r>
-              <a:rPr/>
-              <a:t>for</a:t>
+              <a:t>Most</a:t>
             </a:r>
             <a:r>
               <a:rPr/>
@@ -6353,6 +6889,62 @@
             <a:r>
               <a:rPr/>
               <a:t>Youth</a:t>
+            </a:r>
+            <a:r>
+              <a:rPr/>
+              <a:t> </a:t>
+            </a:r>
+            <a:r>
+              <a:rPr/>
+              <a:t>commute</a:t>
+            </a:r>
+            <a:r>
+              <a:rPr/>
+              <a:t> </a:t>
+            </a:r>
+            <a:r>
+              <a:rPr/>
+              <a:t>less</a:t>
+            </a:r>
+            <a:r>
+              <a:rPr/>
+              <a:t> </a:t>
+            </a:r>
+            <a:r>
+              <a:rPr/>
+              <a:t>than</a:t>
+            </a:r>
+            <a:r>
+              <a:rPr/>
+              <a:t> </a:t>
+            </a:r>
+            <a:r>
+              <a:rPr/>
+              <a:t>ten</a:t>
+            </a:r>
+            <a:r>
+              <a:rPr/>
+              <a:t> </a:t>
+            </a:r>
+            <a:r>
+              <a:rPr/>
+              <a:t>minutes</a:t>
+            </a:r>
+            <a:r>
+              <a:rPr/>
+              <a:t> </a:t>
+            </a:r>
+            <a:r>
+              <a:rPr/>
+              <a:t>to</a:t>
+            </a:r>
+            <a:r>
+              <a:rPr/>
+              <a:t> </a:t>
+            </a:r>
+            <a:r>
+              <a:rPr/>
+              <a:t>work</a:t>
             </a:r>
           </a:p>
         </p:txBody>
@@ -6435,23 +7027,15 @@
             </a:pPr>
             <a:r>
               <a:rPr/>
-              <a:t>Food</a:t>
-            </a:r>
-            <a:r>
-              <a:rPr/>
-              <a:t> </a:t>
-            </a:r>
-            <a:r>
-              <a:rPr/>
-              <a:t>Stamp</a:t>
-            </a:r>
-            <a:r>
-              <a:rPr/>
-              <a:t> </a:t>
-            </a:r>
-            <a:r>
-              <a:rPr/>
-              <a:t>Recipient</a:t>
+              <a:t>OY</a:t>
+            </a:r>
+            <a:r>
+              <a:rPr/>
+              <a:t> </a:t>
+            </a:r>
+            <a:r>
+              <a:rPr/>
+              <a:t>Only</a:t>
             </a:r>
             <a:r>
               <a:rPr/>
@@ -6460,6 +7044,62 @@
             <a:r>
               <a:rPr/>
               <a:t>Households</a:t>
+            </a:r>
+            <a:r>
+              <a:rPr/>
+              <a:t> </a:t>
+            </a:r>
+            <a:r>
+              <a:rPr/>
+              <a:t>are</a:t>
+            </a:r>
+            <a:r>
+              <a:rPr/>
+              <a:t> </a:t>
+            </a:r>
+            <a:r>
+              <a:rPr/>
+              <a:t>twice</a:t>
+            </a:r>
+            <a:r>
+              <a:rPr/>
+              <a:t> </a:t>
+            </a:r>
+            <a:r>
+              <a:rPr/>
+              <a:t>as</a:t>
+            </a:r>
+            <a:r>
+              <a:rPr/>
+              <a:t> </a:t>
+            </a:r>
+            <a:r>
+              <a:rPr/>
+              <a:t>likely</a:t>
+            </a:r>
+            <a:r>
+              <a:rPr/>
+              <a:t> </a:t>
+            </a:r>
+            <a:r>
+              <a:rPr/>
+              <a:t>to</a:t>
+            </a:r>
+            <a:r>
+              <a:rPr/>
+              <a:t> </a:t>
+            </a:r>
+            <a:r>
+              <a:rPr/>
+              <a:t>receive</a:t>
+            </a:r>
+            <a:r>
+              <a:rPr/>
+              <a:t> </a:t>
+            </a:r>
+            <a:r>
+              <a:rPr/>
+              <a:t>foodstamps</a:t>
             </a:r>
           </a:p>
         </p:txBody>
@@ -6998,7 +7638,7 @@
             </a:pPr>
             <a:r>
               <a:rPr/>
-              <a:t>Number</a:t>
+              <a:t>14%</a:t>
             </a:r>
             <a:r>
               <a:rPr/>
@@ -7007,6 +7647,54 @@
             <a:r>
               <a:rPr/>
               <a:t>of</a:t>
+            </a:r>
+            <a:r>
+              <a:rPr/>
+              <a:t> </a:t>
+            </a:r>
+            <a:r>
+              <a:rPr/>
+              <a:t>16</a:t>
+            </a:r>
+            <a:r>
+              <a:rPr/>
+              <a:t> </a:t>
+            </a:r>
+            <a:r>
+              <a:rPr/>
+              <a:t>-</a:t>
+            </a:r>
+            <a:r>
+              <a:rPr/>
+              <a:t> </a:t>
+            </a:r>
+            <a:r>
+              <a:rPr/>
+              <a:t>24</a:t>
+            </a:r>
+            <a:r>
+              <a:rPr/>
+              <a:t> </a:t>
+            </a:r>
+            <a:r>
+              <a:rPr/>
+              <a:t>year</a:t>
+            </a:r>
+            <a:r>
+              <a:rPr/>
+              <a:t> </a:t>
+            </a:r>
+            <a:r>
+              <a:rPr/>
+              <a:t>olds</a:t>
+            </a:r>
+            <a:r>
+              <a:rPr/>
+              <a:t> </a:t>
+            </a:r>
+            <a:r>
+              <a:rPr/>
+              <a:t>are</a:t>
             </a:r>
             <a:r>
               <a:rPr/>
@@ -7261,7 +7949,7 @@
       </p:sp>
       <p:graphicFrame xmlns:a="http://schemas.openxmlformats.org/drawingml/2006/main" xmlns:r="http://schemas.openxmlformats.org/officeDocument/2006/relationships" xmlns:p="http://schemas.openxmlformats.org/presentationml/2006/main">
         <p:nvGraphicFramePr>
-          <p:cNvPr id="550857292" name=""/>
+          <p:cNvPr id="910707525" name=""/>
           <p:cNvGraphicFramePr>
             <a:graphicFrameLocks noGrp="true"/>
           </p:cNvGraphicFramePr>
@@ -7276,7 +7964,7 @@
             <a:tbl>
               <a:tblPr/>
               <a:tblGrid>
-                <a:gridCol w="1590995"/>
+                <a:gridCol w="1663778"/>
                 <a:gridCol w="1201022"/>
                 <a:gridCol w="1394405"/>
                 <a:gridCol w="1011868"/>
@@ -7595,7 +8283,7 @@
                           <a:latin typeface="Arial"/>
                           <a:cs typeface="Arial"/>
                         </a:rPr>
-                        <a:t>All Other Household</a:t>
+                        <a:t>All Other Households</a:t>
                       </a:r>
                     </a:p>
                   </a:txBody>
@@ -8119,7 +8807,7 @@
                   </a:tcPr>
                 </a:tc>
               </a:tr>
-              <a:tr h="301157">
+              <a:tr h="328238">
                 <a:tc>
                   <a:txBody>
                     <a:bodyPr/>
@@ -8147,7 +8835,7 @@
                           <a:latin typeface="Arial"/>
                           <a:cs typeface="Arial"/>
                         </a:rPr>
-                        <a:t>OY Household</a:t>
+                        <a:t>OY Only Household</a:t>
                       </a:r>
                     </a:p>
                   </a:txBody>
@@ -8495,7 +9183,31 @@
             </a:pPr>
             <a:r>
               <a:rPr/>
-              <a:t>Self-identify</a:t>
+              <a:t>Opportunity</a:t>
+            </a:r>
+            <a:r>
+              <a:rPr/>
+              <a:t> </a:t>
+            </a:r>
+            <a:r>
+              <a:rPr/>
+              <a:t>Youth</a:t>
+            </a:r>
+            <a:r>
+              <a:rPr/>
+              <a:t> </a:t>
+            </a:r>
+            <a:r>
+              <a:rPr/>
+              <a:t>are</a:t>
+            </a:r>
+            <a:r>
+              <a:rPr/>
+              <a:t> </a:t>
+            </a:r>
+            <a:r>
+              <a:rPr/>
+              <a:t>half</a:t>
             </a:r>
             <a:r>
               <a:rPr/>
@@ -8511,15 +9223,71 @@
             </a:r>
             <a:r>
               <a:rPr/>
-              <a:t>Reference</a:t>
-            </a:r>
-            <a:r>
-              <a:rPr/>
-              <a:t> </a:t>
-            </a:r>
-            <a:r>
-              <a:rPr/>
-              <a:t>Person</a:t>
+              <a:t>likely</a:t>
+            </a:r>
+            <a:r>
+              <a:rPr/>
+              <a:t> </a:t>
+            </a:r>
+            <a:r>
+              <a:rPr/>
+              <a:t>as</a:t>
+            </a:r>
+            <a:r>
+              <a:rPr/>
+              <a:t> </a:t>
+            </a:r>
+            <a:r>
+              <a:rPr/>
+              <a:t>Connected</a:t>
+            </a:r>
+            <a:r>
+              <a:rPr/>
+              <a:t> </a:t>
+            </a:r>
+            <a:r>
+              <a:rPr/>
+              <a:t>Youth</a:t>
+            </a:r>
+            <a:r>
+              <a:rPr/>
+              <a:t> </a:t>
+            </a:r>
+            <a:r>
+              <a:rPr/>
+              <a:t>to</a:t>
+            </a:r>
+            <a:r>
+              <a:rPr/>
+              <a:t> </a:t>
+            </a:r>
+            <a:r>
+              <a:rPr/>
+              <a:t>be</a:t>
+            </a:r>
+            <a:r>
+              <a:rPr/>
+              <a:t> </a:t>
+            </a:r>
+            <a:r>
+              <a:rPr/>
+              <a:t>the</a:t>
+            </a:r>
+            <a:r>
+              <a:rPr/>
+              <a:t> </a:t>
+            </a:r>
+            <a:r>
+              <a:rPr/>
+              <a:t>reference</a:t>
+            </a:r>
+            <a:r>
+              <a:rPr/>
+              <a:t> </a:t>
+            </a:r>
+            <a:r>
+              <a:rPr/>
+              <a:t>person</a:t>
             </a:r>
           </a:p>
         </p:txBody>

--- a/create_powerpoint/household_structure_estimates.pptx
+++ b/create_powerpoint/household_structure_estimates.pptx
@@ -32,6 +32,8 @@
     <p:sldId id="280" r:id="rId26"/>
     <p:sldId id="281" r:id="rId27"/>
     <p:sldId id="282" r:id="rId28"/>
+    <p:sldId id="283" r:id="rId29"/>
+    <p:sldId id="284" r:id="rId30"/>
   </p:sldIdLst>
   <p:sldSz cx="12192000" cy="6858000"/>
   <p:notesSz cx="6858000" cy="9144000"/>
@@ -3615,7 +3617,7 @@
             </a:r>
             <a:r>
               <a:rPr/>
-              <a:t>17,</a:t>
+              <a:t>18,</a:t>
             </a:r>
             <a:r>
               <a:rPr/>
@@ -3692,6 +3694,14 @@
             </a:r>
             <a:r>
               <a:rPr/>
+              <a:t>households</a:t>
+            </a:r>
+            <a:r>
+              <a:rPr/>
+              <a:t> </a:t>
+            </a:r>
+            <a:r>
+              <a:rPr/>
               <a:t>are</a:t>
             </a:r>
             <a:r>
@@ -3700,23 +3710,7 @@
             </a:r>
             <a:r>
               <a:rPr/>
-              <a:t>three</a:t>
-            </a:r>
-            <a:r>
-              <a:rPr/>
-              <a:t> </a:t>
-            </a:r>
-            <a:r>
-              <a:rPr/>
-              <a:t>times</a:t>
-            </a:r>
-            <a:r>
-              <a:rPr/>
-              <a:t> </a:t>
-            </a:r>
-            <a:r>
-              <a:rPr/>
-              <a:t>as</a:t>
+              <a:t>more</a:t>
             </a:r>
             <a:r>
               <a:rPr/>
@@ -3740,46 +3734,38 @@
             </a:r>
             <a:r>
               <a:rPr/>
-              <a:t>have</a:t>
-            </a:r>
-            <a:r>
-              <a:rPr/>
-              <a:t> </a:t>
-            </a:r>
-            <a:r>
-              <a:rPr/>
-              <a:t>at</a:t>
-            </a:r>
-            <a:r>
-              <a:rPr/>
-              <a:t> </a:t>
-            </a:r>
-            <a:r>
-              <a:rPr/>
-              <a:t>least</a:t>
-            </a:r>
-            <a:r>
-              <a:rPr/>
-              <a:t> </a:t>
-            </a:r>
-            <a:r>
-              <a:rPr/>
-              <a:t>one</a:t>
-            </a:r>
-            <a:r>
-              <a:rPr/>
-              <a:t> </a:t>
-            </a:r>
-            <a:r>
-              <a:rPr/>
-              <a:t>child</a:t>
+              <a:t>contain</a:t>
+            </a:r>
+            <a:r>
+              <a:rPr/>
+              <a:t> </a:t>
+            </a:r>
+            <a:r>
+              <a:rPr/>
+              <a:t>‘</a:t>
+            </a:r>
+            <a:r>
+              <a:rPr/>
+              <a:t>Everyone</a:t>
+            </a:r>
+            <a:r>
+              <a:rPr/>
+              <a:t> </a:t>
+            </a:r>
+            <a:r>
+              <a:rPr/>
+              <a:t>Else</a:t>
+            </a:r>
+            <a:r>
+              <a:rPr/>
+              <a:t>’</a:t>
             </a:r>
           </a:p>
         </p:txBody>
       </p:sp>
       <p:pic>
         <p:nvPicPr>
-          <p:cNvPr descr="household_structure_estimates_files/figure-pptx/unnamed-chunk-6-1.png" id="0" name="Picture 1"/>
+          <p:cNvPr descr="household_structure_estimates_files/figure-pptx/unnamed-chunk-5-1.png" id="0" name="Picture 1"/>
           <p:cNvPicPr>
             <a:picLocks noGrp="1" noChangeAspect="1"/>
           </p:cNvPicPr>
@@ -3793,8 +3779,8 @@
         </p:blipFill>
         <p:spPr bwMode="auto">
           <a:xfrm>
-            <a:off x="3200400" y="1816100"/>
-            <a:ext cx="5791200" cy="4343400"/>
+            <a:off x="2616200" y="1816100"/>
+            <a:ext cx="6946900" cy="4343400"/>
           </a:xfrm>
           <a:prstGeom prst="rect">
             <a:avLst/>
@@ -3855,6 +3841,62 @@
             </a:pPr>
             <a:r>
               <a:rPr/>
+              <a:t>Less</a:t>
+            </a:r>
+            <a:r>
+              <a:rPr/>
+              <a:t> </a:t>
+            </a:r>
+            <a:r>
+              <a:rPr/>
+              <a:t>than</a:t>
+            </a:r>
+            <a:r>
+              <a:rPr/>
+              <a:t> </a:t>
+            </a:r>
+            <a:r>
+              <a:rPr/>
+              <a:t>3%</a:t>
+            </a:r>
+            <a:r>
+              <a:rPr/>
+              <a:t> </a:t>
+            </a:r>
+            <a:r>
+              <a:rPr/>
+              <a:t>of</a:t>
+            </a:r>
+            <a:r>
+              <a:rPr/>
+              <a:t> </a:t>
+            </a:r>
+            <a:r>
+              <a:rPr/>
+              <a:t>households</a:t>
+            </a:r>
+            <a:r>
+              <a:rPr/>
+              <a:t> </a:t>
+            </a:r>
+            <a:r>
+              <a:rPr/>
+              <a:t>contain</a:t>
+            </a:r>
+            <a:r>
+              <a:rPr/>
+              <a:t> </a:t>
+            </a:r>
+            <a:r>
+              <a:rPr/>
+              <a:t>only</a:t>
+            </a:r>
+            <a:r>
+              <a:rPr/>
+              <a:t> </a:t>
+            </a:r>
+            <a:r>
+              <a:rPr/>
               <a:t>Opportunity</a:t>
             </a:r>
             <a:r>
@@ -3864,62 +3906,6 @@
             <a:r>
               <a:rPr/>
               <a:t>Youth</a:t>
-            </a:r>
-            <a:r>
-              <a:rPr/>
-              <a:t> </a:t>
-            </a:r>
-            <a:r>
-              <a:rPr/>
-              <a:t>are</a:t>
-            </a:r>
-            <a:r>
-              <a:rPr/>
-              <a:t> </a:t>
-            </a:r>
-            <a:r>
-              <a:rPr/>
-              <a:t>more</a:t>
-            </a:r>
-            <a:r>
-              <a:rPr/>
-              <a:t> </a:t>
-            </a:r>
-            <a:r>
-              <a:rPr/>
-              <a:t>likely</a:t>
-            </a:r>
-            <a:r>
-              <a:rPr/>
-              <a:t> </a:t>
-            </a:r>
-            <a:r>
-              <a:rPr/>
-              <a:t>to</a:t>
-            </a:r>
-            <a:r>
-              <a:rPr/>
-              <a:t> </a:t>
-            </a:r>
-            <a:r>
-              <a:rPr/>
-              <a:t>have</a:t>
-            </a:r>
-            <a:r>
-              <a:rPr/>
-              <a:t> </a:t>
-            </a:r>
-            <a:r>
-              <a:rPr/>
-              <a:t>multiple</a:t>
-            </a:r>
-            <a:r>
-              <a:rPr/>
-              <a:t> </a:t>
-            </a:r>
-            <a:r>
-              <a:rPr/>
-              <a:t>children</a:t>
             </a:r>
           </a:p>
         </p:txBody>
@@ -3940,8 +3926,8 @@
         </p:blipFill>
         <p:spPr bwMode="auto">
           <a:xfrm>
-            <a:off x="2616200" y="1816100"/>
-            <a:ext cx="6946900" cy="4343400"/>
+            <a:off x="2184400" y="1816100"/>
+            <a:ext cx="7823200" cy="4343400"/>
           </a:xfrm>
           <a:prstGeom prst="rect">
             <a:avLst/>
@@ -4002,31 +3988,71 @@
             </a:pPr>
             <a:r>
               <a:rPr/>
-              <a:t>Less</a:t>
-            </a:r>
-            <a:r>
-              <a:rPr/>
-              <a:t> </a:t>
-            </a:r>
-            <a:r>
-              <a:rPr/>
-              <a:t>than</a:t>
-            </a:r>
-            <a:r>
-              <a:rPr/>
-              <a:t> </a:t>
-            </a:r>
-            <a:r>
-              <a:rPr/>
-              <a:t>3%</a:t>
-            </a:r>
-            <a:r>
-              <a:rPr/>
-              <a:t> </a:t>
-            </a:r>
-            <a:r>
-              <a:rPr/>
-              <a:t>of</a:t>
+              <a:t>Both</a:t>
+            </a:r>
+            <a:r>
+              <a:rPr/>
+              <a:t> </a:t>
+            </a:r>
+            <a:r>
+              <a:rPr/>
+              <a:t>Connected</a:t>
+            </a:r>
+            <a:r>
+              <a:rPr/>
+              <a:t> </a:t>
+            </a:r>
+            <a:r>
+              <a:rPr/>
+              <a:t>Youth</a:t>
+            </a:r>
+            <a:r>
+              <a:rPr/>
+              <a:t> </a:t>
+            </a:r>
+            <a:r>
+              <a:rPr/>
+              <a:t>and</a:t>
+            </a:r>
+            <a:r>
+              <a:rPr/>
+              <a:t> </a:t>
+            </a:r>
+            <a:r>
+              <a:rPr/>
+              <a:t>Opportunity</a:t>
+            </a:r>
+            <a:r>
+              <a:rPr/>
+              <a:t> </a:t>
+            </a:r>
+            <a:r>
+              <a:rPr/>
+              <a:t>Youth</a:t>
+            </a:r>
+            <a:r>
+              <a:rPr/>
+              <a:t> </a:t>
+            </a:r>
+            <a:r>
+              <a:rPr/>
+              <a:t>live</a:t>
+            </a:r>
+            <a:r>
+              <a:rPr/>
+              <a:t> </a:t>
+            </a:r>
+            <a:r>
+              <a:rPr/>
+              <a:t>in</a:t>
+            </a:r>
+            <a:r>
+              <a:rPr/>
+              <a:t> </a:t>
+            </a:r>
+            <a:r>
+              <a:rPr/>
+              <a:t>larger</a:t>
             </a:r>
             <a:r>
               <a:rPr/>
@@ -4035,38 +4061,6 @@
             <a:r>
               <a:rPr/>
               <a:t>households</a:t>
-            </a:r>
-            <a:r>
-              <a:rPr/>
-              <a:t> </a:t>
-            </a:r>
-            <a:r>
-              <a:rPr/>
-              <a:t>contain</a:t>
-            </a:r>
-            <a:r>
-              <a:rPr/>
-              <a:t> </a:t>
-            </a:r>
-            <a:r>
-              <a:rPr/>
-              <a:t>only</a:t>
-            </a:r>
-            <a:r>
-              <a:rPr/>
-              <a:t> </a:t>
-            </a:r>
-            <a:r>
-              <a:rPr/>
-              <a:t>Opportunity</a:t>
-            </a:r>
-            <a:r>
-              <a:rPr/>
-              <a:t> </a:t>
-            </a:r>
-            <a:r>
-              <a:rPr/>
-              <a:t>Youth</a:t>
             </a:r>
           </a:p>
         </p:txBody>
@@ -4087,8 +4081,8 @@
         </p:blipFill>
         <p:spPr bwMode="auto">
           <a:xfrm>
-            <a:off x="2184400" y="1816100"/>
-            <a:ext cx="7823200" cy="4343400"/>
+            <a:off x="2616200" y="1816100"/>
+            <a:ext cx="6946900" cy="4343400"/>
           </a:xfrm>
           <a:prstGeom prst="rect">
             <a:avLst/>
@@ -4165,14 +4159,6 @@
             </a:r>
             <a:r>
               <a:rPr/>
-              <a:t>households</a:t>
-            </a:r>
-            <a:r>
-              <a:rPr/>
-              <a:t> </a:t>
-            </a:r>
-            <a:r>
-              <a:rPr/>
               <a:t>are</a:t>
             </a:r>
             <a:r>
@@ -4181,7 +4167,15 @@
             </a:r>
             <a:r>
               <a:rPr/>
-              <a:t>more</a:t>
+              <a:t>half</a:t>
+            </a:r>
+            <a:r>
+              <a:rPr/>
+              <a:t> </a:t>
+            </a:r>
+            <a:r>
+              <a:rPr/>
+              <a:t>as</a:t>
             </a:r>
             <a:r>
               <a:rPr/>
@@ -4197,6 +4191,30 @@
             </a:r>
             <a:r>
               <a:rPr/>
+              <a:t>as</a:t>
+            </a:r>
+            <a:r>
+              <a:rPr/>
+              <a:t> </a:t>
+            </a:r>
+            <a:r>
+              <a:rPr/>
+              <a:t>Connected</a:t>
+            </a:r>
+            <a:r>
+              <a:rPr/>
+              <a:t> </a:t>
+            </a:r>
+            <a:r>
+              <a:rPr/>
+              <a:t>Youth</a:t>
+            </a:r>
+            <a:r>
+              <a:rPr/>
+              <a:t> </a:t>
+            </a:r>
+            <a:r>
+              <a:rPr/>
               <a:t>to</a:t>
             </a:r>
             <a:r>
@@ -4205,31 +4223,31 @@
             </a:r>
             <a:r>
               <a:rPr/>
-              <a:t>contain</a:t>
-            </a:r>
-            <a:r>
-              <a:rPr/>
-              <a:t> </a:t>
-            </a:r>
-            <a:r>
-              <a:rPr/>
-              <a:t>‘</a:t>
-            </a:r>
-            <a:r>
-              <a:rPr/>
-              <a:t>Everyone</a:t>
-            </a:r>
-            <a:r>
-              <a:rPr/>
-              <a:t> </a:t>
-            </a:r>
-            <a:r>
-              <a:rPr/>
-              <a:t>Else</a:t>
-            </a:r>
-            <a:r>
-              <a:rPr/>
-              <a:t>’</a:t>
+              <a:t>be</a:t>
+            </a:r>
+            <a:r>
+              <a:rPr/>
+              <a:t> </a:t>
+            </a:r>
+            <a:r>
+              <a:rPr/>
+              <a:t>the</a:t>
+            </a:r>
+            <a:r>
+              <a:rPr/>
+              <a:t> </a:t>
+            </a:r>
+            <a:r>
+              <a:rPr/>
+              <a:t>reference</a:t>
+            </a:r>
+            <a:r>
+              <a:rPr/>
+              <a:t> </a:t>
+            </a:r>
+            <a:r>
+              <a:rPr/>
+              <a:t>person</a:t>
             </a:r>
           </a:p>
         </p:txBody>
@@ -4312,1157 +4330,137 @@
             </a:pPr>
             <a:r>
               <a:rPr/>
-              <a:t>Household</a:t>
-            </a:r>
-            <a:r>
-              <a:rPr/>
-              <a:t> </a:t>
-            </a:r>
-            <a:r>
-              <a:rPr/>
-              <a:t>Composition:</a:t>
-            </a:r>
-            <a:r>
-              <a:rPr/>
-              <a:t> </a:t>
-            </a:r>
-            <a:r>
-              <a:rPr/>
-              <a:t>Alternate</a:t>
-            </a:r>
-          </a:p>
-        </p:txBody>
-      </p:sp>
-      <p:graphicFrame xmlns:a="http://schemas.openxmlformats.org/drawingml/2006/main" xmlns:r="http://schemas.openxmlformats.org/officeDocument/2006/relationships" xmlns:p="http://schemas.openxmlformats.org/presentationml/2006/main">
-        <p:nvGraphicFramePr>
-          <p:cNvPr id="628032712" name=""/>
-          <p:cNvGraphicFramePr>
-            <a:graphicFrameLocks noGrp="true"/>
-          </p:cNvGraphicFramePr>
+              <a:t>Opportunity</a:t>
+            </a:r>
+            <a:r>
+              <a:rPr/>
+              <a:t> </a:t>
+            </a:r>
+            <a:r>
+              <a:rPr/>
+              <a:t>Youth</a:t>
+            </a:r>
+            <a:r>
+              <a:rPr/>
+              <a:t> </a:t>
+            </a:r>
+            <a:r>
+              <a:rPr/>
+              <a:t>are</a:t>
+            </a:r>
+            <a:r>
+              <a:rPr/>
+              <a:t> </a:t>
+            </a:r>
+            <a:r>
+              <a:rPr/>
+              <a:t>three</a:t>
+            </a:r>
+            <a:r>
+              <a:rPr/>
+              <a:t> </a:t>
+            </a:r>
+            <a:r>
+              <a:rPr/>
+              <a:t>times</a:t>
+            </a:r>
+            <a:r>
+              <a:rPr/>
+              <a:t> </a:t>
+            </a:r>
+            <a:r>
+              <a:rPr/>
+              <a:t>as</a:t>
+            </a:r>
+            <a:r>
+              <a:rPr/>
+              <a:t> </a:t>
+            </a:r>
+            <a:r>
+              <a:rPr/>
+              <a:t>likely</a:t>
+            </a:r>
+            <a:r>
+              <a:rPr/>
+              <a:t> </a:t>
+            </a:r>
+            <a:r>
+              <a:rPr/>
+              <a:t>to</a:t>
+            </a:r>
+            <a:r>
+              <a:rPr/>
+              <a:t> </a:t>
+            </a:r>
+            <a:r>
+              <a:rPr/>
+              <a:t>have</a:t>
+            </a:r>
+            <a:r>
+              <a:rPr/>
+              <a:t> </a:t>
+            </a:r>
+            <a:r>
+              <a:rPr/>
+              <a:t>at</a:t>
+            </a:r>
+            <a:r>
+              <a:rPr/>
+              <a:t> </a:t>
+            </a:r>
+            <a:r>
+              <a:rPr/>
+              <a:t>least</a:t>
+            </a:r>
+            <a:r>
+              <a:rPr/>
+              <a:t> </a:t>
+            </a:r>
+            <a:r>
+              <a:rPr/>
+              <a:t>one</a:t>
+            </a:r>
+            <a:r>
+              <a:rPr/>
+              <a:t> </a:t>
+            </a:r>
+            <a:r>
+              <a:rPr/>
+              <a:t>child</a:t>
+            </a:r>
+          </a:p>
+        </p:txBody>
+      </p:sp>
+      <p:pic>
+        <p:nvPicPr>
+          <p:cNvPr descr="household_structure_estimates_files/figure-pptx/unnamed-chunk-10-1.png" id="0" name="Picture 1"/>
+          <p:cNvPicPr>
+            <a:picLocks noGrp="1" noChangeAspect="1"/>
+          </p:cNvPicPr>
           <p:nvPr/>
-        </p:nvGraphicFramePr>
-        <p:xfrm rot="0">
-          <a:off x="914400" y="1828800"/>
-          <a:ext cx="9144000" cy="5486400"/>
-        </p:xfrm>
-        <a:graphic>
-          <a:graphicData uri="http://schemas.openxmlformats.org/drawingml/2006/table">
-            <a:tbl>
-              <a:tblPr/>
-              <a:tblGrid>
-                <a:gridCol w="1663778"/>
-                <a:gridCol w="1201022"/>
-                <a:gridCol w="1394405"/>
-                <a:gridCol w="925715"/>
-              </a:tblGrid>
-              <a:tr h="332126">
-                <a:tc>
-                  <a:txBody>
-                    <a:bodyPr/>
-                    <a:lstStyle/>
-                    <a:p>
-                      <a:pPr algn="l" marL="38100" marR="38100">
-                        <a:lnSpc>
-                          <a:spcPct val="100000"/>
-                        </a:lnSpc>
-                        <a:spcBef>
-                          <a:spcPts val="300"/>
-                        </a:spcBef>
-                        <a:spcAft>
-                          <a:spcPts val="300"/>
-                        </a:spcAft>
-                        <a:buNone/>
-                      </a:pPr>
-                      <a:r>
-                        <a:rPr sz="1000" b="1">
-                          <a:solidFill>
-                            <a:srgbClr val="FFFFFF">
-                              <a:alpha val="100000"/>
-                            </a:srgbClr>
-                          </a:solidFill>
-                          <a:latin typeface="Arial"/>
-                          <a:cs typeface="Arial"/>
-                        </a:rPr>
-                        <a:t>Household Type</a:t>
-                      </a:r>
-                    </a:p>
-                  </a:txBody>
-                  <a:tcPr anchor="ctr" marB="0" marT="0" marR="0" marL="0">
-                    <a:lnL w="0" cmpd="sng" algn="ctr" cap="flat">
-                      <a:solidFill>
-                        <a:srgbClr val="FFFFFF">
-                          <a:alpha val="0"/>
-                        </a:srgbClr>
-                      </a:solidFill>
-                      <a:prstDash val="solid"/>
-                    </a:lnL>
-                    <a:lnR w="0" cmpd="sng" algn="ctr" cap="flat">
-                      <a:solidFill>
-                        <a:srgbClr val="FFFFFF">
-                          <a:alpha val="0"/>
-                        </a:srgbClr>
-                      </a:solidFill>
-                      <a:prstDash val="solid"/>
-                    </a:lnR>
-                    <a:lnT w="0" cmpd="sng" algn="ctr" cap="flat">
-                      <a:solidFill>
-                        <a:srgbClr val="FFFFFF">
-                          <a:alpha val="0"/>
-                        </a:srgbClr>
-                      </a:solidFill>
-                      <a:prstDash val="solid"/>
-                    </a:lnT>
-                    <a:lnB w="0" cmpd="sng" algn="ctr" cap="flat">
-                      <a:solidFill>
-                        <a:srgbClr val="FFFFFF">
-                          <a:alpha val="0"/>
-                        </a:srgbClr>
-                      </a:solidFill>
-                      <a:prstDash val="solid"/>
-                    </a:lnB>
-                    <a:solidFill>
-                      <a:srgbClr val="C16622">
-                        <a:alpha val="100000"/>
-                      </a:srgbClr>
-                    </a:solidFill>
-                  </a:tcPr>
-                </a:tc>
-                <a:tc>
-                  <a:txBody>
-                    <a:bodyPr/>
-                    <a:lstStyle/>
-                    <a:p>
-                      <a:pPr algn="ctr" marL="38100" marR="38100">
-                        <a:lnSpc>
-                          <a:spcPct val="100000"/>
-                        </a:lnSpc>
-                        <a:spcBef>
-                          <a:spcPts val="300"/>
-                        </a:spcBef>
-                        <a:spcAft>
-                          <a:spcPts val="300"/>
-                        </a:spcAft>
-                        <a:buNone/>
-                      </a:pPr>
-                      <a:r>
-                        <a:rPr sz="1000" b="1">
-                          <a:solidFill>
-                            <a:srgbClr val="FFFFFF">
-                              <a:alpha val="100000"/>
-                            </a:srgbClr>
-                          </a:solidFill>
-                          <a:latin typeface="Arial"/>
-                          <a:cs typeface="Arial"/>
-                        </a:rPr>
-                        <a:t>Everyone Else</a:t>
-                      </a:r>
-                    </a:p>
-                  </a:txBody>
-                  <a:tcPr anchor="ctr" marB="0" marT="0" marR="0" marL="0">
-                    <a:lnL w="0" cmpd="sng" algn="ctr" cap="flat">
-                      <a:solidFill>
-                        <a:srgbClr val="FFFFFF">
-                          <a:alpha val="0"/>
-                        </a:srgbClr>
-                      </a:solidFill>
-                      <a:prstDash val="solid"/>
-                    </a:lnL>
-                    <a:lnR w="0" cmpd="sng" algn="ctr" cap="flat">
-                      <a:solidFill>
-                        <a:srgbClr val="FFFFFF">
-                          <a:alpha val="0"/>
-                        </a:srgbClr>
-                      </a:solidFill>
-                      <a:prstDash val="solid"/>
-                    </a:lnR>
-                    <a:lnT w="0" cmpd="sng" algn="ctr" cap="flat">
-                      <a:solidFill>
-                        <a:srgbClr val="FFFFFF">
-                          <a:alpha val="0"/>
-                        </a:srgbClr>
-                      </a:solidFill>
-                      <a:prstDash val="solid"/>
-                    </a:lnT>
-                    <a:lnB w="0" cmpd="sng" algn="ctr" cap="flat">
-                      <a:solidFill>
-                        <a:srgbClr val="FFFFFF">
-                          <a:alpha val="0"/>
-                        </a:srgbClr>
-                      </a:solidFill>
-                      <a:prstDash val="solid"/>
-                    </a:lnB>
-                    <a:solidFill>
-                      <a:srgbClr val="C16622">
-                        <a:alpha val="100000"/>
-                      </a:srgbClr>
-                    </a:solidFill>
-                  </a:tcPr>
-                </a:tc>
-                <a:tc>
-                  <a:txBody>
-                    <a:bodyPr/>
-                    <a:lstStyle/>
-                    <a:p>
-                      <a:pPr algn="ctr" marL="38100" marR="38100">
-                        <a:lnSpc>
-                          <a:spcPct val="100000"/>
-                        </a:lnSpc>
-                        <a:spcBef>
-                          <a:spcPts val="300"/>
-                        </a:spcBef>
-                        <a:spcAft>
-                          <a:spcPts val="300"/>
-                        </a:spcAft>
-                        <a:buNone/>
-                      </a:pPr>
-                      <a:r>
-                        <a:rPr sz="1000" b="1">
-                          <a:solidFill>
-                            <a:srgbClr val="FFFFFF">
-                              <a:alpha val="100000"/>
-                            </a:srgbClr>
-                          </a:solidFill>
-                          <a:latin typeface="Arial"/>
-                          <a:cs typeface="Arial"/>
-                        </a:rPr>
-                        <a:t>Connected Youth</a:t>
-                      </a:r>
-                    </a:p>
-                  </a:txBody>
-                  <a:tcPr anchor="ctr" marB="0" marT="0" marR="0" marL="0">
-                    <a:lnL w="0" cmpd="sng" algn="ctr" cap="flat">
-                      <a:solidFill>
-                        <a:srgbClr val="FFFFFF">
-                          <a:alpha val="0"/>
-                        </a:srgbClr>
-                      </a:solidFill>
-                      <a:prstDash val="solid"/>
-                    </a:lnL>
-                    <a:lnR w="0" cmpd="sng" algn="ctr" cap="flat">
-                      <a:solidFill>
-                        <a:srgbClr val="FFFFFF">
-                          <a:alpha val="0"/>
-                        </a:srgbClr>
-                      </a:solidFill>
-                      <a:prstDash val="solid"/>
-                    </a:lnR>
-                    <a:lnT w="0" cmpd="sng" algn="ctr" cap="flat">
-                      <a:solidFill>
-                        <a:srgbClr val="FFFFFF">
-                          <a:alpha val="0"/>
-                        </a:srgbClr>
-                      </a:solidFill>
-                      <a:prstDash val="solid"/>
-                    </a:lnT>
-                    <a:lnB w="0" cmpd="sng" algn="ctr" cap="flat">
-                      <a:solidFill>
-                        <a:srgbClr val="FFFFFF">
-                          <a:alpha val="0"/>
-                        </a:srgbClr>
-                      </a:solidFill>
-                      <a:prstDash val="solid"/>
-                    </a:lnB>
-                    <a:solidFill>
-                      <a:srgbClr val="C16622">
-                        <a:alpha val="100000"/>
-                      </a:srgbClr>
-                    </a:solidFill>
-                  </a:tcPr>
-                </a:tc>
-                <a:tc>
-                  <a:txBody>
-                    <a:bodyPr/>
-                    <a:lstStyle/>
-                    <a:p>
-                      <a:pPr algn="ctr" marL="38100" marR="38100">
-                        <a:lnSpc>
-                          <a:spcPct val="100000"/>
-                        </a:lnSpc>
-                        <a:spcBef>
-                          <a:spcPts val="300"/>
-                        </a:spcBef>
-                        <a:spcAft>
-                          <a:spcPts val="300"/>
-                        </a:spcAft>
-                        <a:buNone/>
-                      </a:pPr>
-                      <a:r>
-                        <a:rPr sz="1000" b="1">
-                          <a:solidFill>
-                            <a:srgbClr val="FFFFFF">
-                              <a:alpha val="100000"/>
-                            </a:srgbClr>
-                          </a:solidFill>
-                          <a:latin typeface="Arial"/>
-                          <a:cs typeface="Arial"/>
-                        </a:rPr>
-                        <a:t>Opportunity Youth</a:t>
-                      </a:r>
-                    </a:p>
-                  </a:txBody>
-                  <a:tcPr anchor="ctr" marB="0" marT="0" marR="0" marL="0">
-                    <a:lnL w="0" cmpd="sng" algn="ctr" cap="flat">
-                      <a:solidFill>
-                        <a:srgbClr val="FFFFFF">
-                          <a:alpha val="0"/>
-                        </a:srgbClr>
-                      </a:solidFill>
-                      <a:prstDash val="solid"/>
-                    </a:lnL>
-                    <a:lnR w="0" cmpd="sng" algn="ctr" cap="flat">
-                      <a:solidFill>
-                        <a:srgbClr val="FFFFFF">
-                          <a:alpha val="0"/>
-                        </a:srgbClr>
-                      </a:solidFill>
-                      <a:prstDash val="solid"/>
-                    </a:lnR>
-                    <a:lnT w="0" cmpd="sng" algn="ctr" cap="flat">
-                      <a:solidFill>
-                        <a:srgbClr val="FFFFFF">
-                          <a:alpha val="0"/>
-                        </a:srgbClr>
-                      </a:solidFill>
-                      <a:prstDash val="solid"/>
-                    </a:lnT>
-                    <a:lnB w="0" cmpd="sng" algn="ctr" cap="flat">
-                      <a:solidFill>
-                        <a:srgbClr val="FFFFFF">
-                          <a:alpha val="0"/>
-                        </a:srgbClr>
-                      </a:solidFill>
-                      <a:prstDash val="solid"/>
-                    </a:lnB>
-                    <a:solidFill>
-                      <a:srgbClr val="C16622">
-                        <a:alpha val="100000"/>
-                      </a:srgbClr>
-                    </a:solidFill>
-                  </a:tcPr>
-                </a:tc>
-              </a:tr>
-              <a:tr h="301157">
-                <a:tc>
-                  <a:txBody>
-                    <a:bodyPr/>
-                    <a:lstStyle/>
-                    <a:p>
-                      <a:pPr algn="l" marL="38100" marR="38100">
-                        <a:lnSpc>
-                          <a:spcPct val="100000"/>
-                        </a:lnSpc>
-                        <a:spcBef>
-                          <a:spcPts val="300"/>
-                        </a:spcBef>
-                        <a:spcAft>
-                          <a:spcPts val="300"/>
-                        </a:spcAft>
-                        <a:buNone/>
-                      </a:pPr>
-                      <a:r>
-                        <a:rPr sz="1000">
-                          <a:solidFill>
-                            <a:srgbClr val="000000">
-                              <a:alpha val="100000"/>
-                            </a:srgbClr>
-                          </a:solidFill>
-                          <a:latin typeface="Arial"/>
-                          <a:cs typeface="Arial"/>
-                        </a:rPr>
-                        <a:t>All Other Households</a:t>
-                      </a:r>
-                    </a:p>
-                  </a:txBody>
-                  <a:tcPr anchor="ctr" marB="0" marT="0" marR="0" marL="0">
-                    <a:lnL w="0" cmpd="sng" algn="ctr" cap="flat">
-                      <a:solidFill>
-                        <a:srgbClr val="FFFFFF">
-                          <a:alpha val="0"/>
-                        </a:srgbClr>
-                      </a:solidFill>
-                      <a:prstDash val="solid"/>
-                    </a:lnL>
-                    <a:lnR w="0" cmpd="sng" algn="ctr" cap="flat">
-                      <a:solidFill>
-                        <a:srgbClr val="FFFFFF">
-                          <a:alpha val="0"/>
-                        </a:srgbClr>
-                      </a:solidFill>
-                      <a:prstDash val="solid"/>
-                    </a:lnR>
-                    <a:lnT w="0" cmpd="sng" algn="ctr" cap="flat">
-                      <a:solidFill>
-                        <a:srgbClr val="FFFFFF">
-                          <a:alpha val="0"/>
-                        </a:srgbClr>
-                      </a:solidFill>
-                      <a:prstDash val="solid"/>
-                    </a:lnT>
-                    <a:lnB w="0" cmpd="sng" algn="ctr" cap="flat">
-                      <a:solidFill>
-                        <a:srgbClr val="FFFFFF">
-                          <a:alpha val="0"/>
-                        </a:srgbClr>
-                      </a:solidFill>
-                      <a:prstDash val="solid"/>
-                    </a:lnB>
-                  </a:tcPr>
-                </a:tc>
-                <a:tc>
-                  <a:txBody>
-                    <a:bodyPr/>
-                    <a:lstStyle/>
-                    <a:p>
-                      <a:pPr algn="ctr" marL="38100" marR="38100">
-                        <a:lnSpc>
-                          <a:spcPct val="100000"/>
-                        </a:lnSpc>
-                        <a:spcBef>
-                          <a:spcPts val="300"/>
-                        </a:spcBef>
-                        <a:spcAft>
-                          <a:spcPts val="300"/>
-                        </a:spcAft>
-                        <a:buNone/>
-                      </a:pPr>
-                      <a:r>
-                        <a:rPr sz="1000">
-                          <a:solidFill>
-                            <a:srgbClr val="000000">
-                              <a:alpha val="100000"/>
-                            </a:srgbClr>
-                          </a:solidFill>
-                          <a:latin typeface="Arial"/>
-                          <a:cs typeface="Arial"/>
-                        </a:rPr>
-                        <a:t>98.5%</a:t>
-                      </a:r>
-                    </a:p>
-                  </a:txBody>
-                  <a:tcPr anchor="ctr" marB="0" marT="0" marR="0" marL="0">
-                    <a:lnL w="0" cmpd="sng" algn="ctr" cap="flat">
-                      <a:solidFill>
-                        <a:srgbClr val="FFFFFF">
-                          <a:alpha val="0"/>
-                        </a:srgbClr>
-                      </a:solidFill>
-                      <a:prstDash val="solid"/>
-                    </a:lnL>
-                    <a:lnR w="0" cmpd="sng" algn="ctr" cap="flat">
-                      <a:solidFill>
-                        <a:srgbClr val="FFFFFF">
-                          <a:alpha val="0"/>
-                        </a:srgbClr>
-                      </a:solidFill>
-                      <a:prstDash val="solid"/>
-                    </a:lnR>
-                    <a:lnT w="0" cmpd="sng" algn="ctr" cap="flat">
-                      <a:solidFill>
-                        <a:srgbClr val="FFFFFF">
-                          <a:alpha val="0"/>
-                        </a:srgbClr>
-                      </a:solidFill>
-                      <a:prstDash val="solid"/>
-                    </a:lnT>
-                    <a:lnB w="0" cmpd="sng" algn="ctr" cap="flat">
-                      <a:solidFill>
-                        <a:srgbClr val="FFFFFF">
-                          <a:alpha val="0"/>
-                        </a:srgbClr>
-                      </a:solidFill>
-                      <a:prstDash val="solid"/>
-                    </a:lnB>
-                  </a:tcPr>
-                </a:tc>
-                <a:tc>
-                  <a:txBody>
-                    <a:bodyPr/>
-                    <a:lstStyle/>
-                    <a:p>
-                      <a:pPr algn="ctr" marL="38100" marR="38100">
-                        <a:lnSpc>
-                          <a:spcPct val="100000"/>
-                        </a:lnSpc>
-                        <a:spcBef>
-                          <a:spcPts val="300"/>
-                        </a:spcBef>
-                        <a:spcAft>
-                          <a:spcPts val="300"/>
-                        </a:spcAft>
-                        <a:buNone/>
-                      </a:pPr>
-                      <a:r>
-                        <a:rPr sz="1000">
-                          <a:solidFill>
-                            <a:srgbClr val="000000">
-                              <a:alpha val="100000"/>
-                            </a:srgbClr>
-                          </a:solidFill>
-                          <a:latin typeface="Arial"/>
-                          <a:cs typeface="Arial"/>
-                        </a:rPr>
-                        <a:t>0.8%</a:t>
-                      </a:r>
-                    </a:p>
-                  </a:txBody>
-                  <a:tcPr anchor="ctr" marB="0" marT="0" marR="0" marL="0">
-                    <a:lnL w="0" cmpd="sng" algn="ctr" cap="flat">
-                      <a:solidFill>
-                        <a:srgbClr val="FFFFFF">
-                          <a:alpha val="0"/>
-                        </a:srgbClr>
-                      </a:solidFill>
-                      <a:prstDash val="solid"/>
-                    </a:lnL>
-                    <a:lnR w="0" cmpd="sng" algn="ctr" cap="flat">
-                      <a:solidFill>
-                        <a:srgbClr val="FFFFFF">
-                          <a:alpha val="0"/>
-                        </a:srgbClr>
-                      </a:solidFill>
-                      <a:prstDash val="solid"/>
-                    </a:lnR>
-                    <a:lnT w="0" cmpd="sng" algn="ctr" cap="flat">
-                      <a:solidFill>
-                        <a:srgbClr val="FFFFFF">
-                          <a:alpha val="0"/>
-                        </a:srgbClr>
-                      </a:solidFill>
-                      <a:prstDash val="solid"/>
-                    </a:lnT>
-                    <a:lnB w="0" cmpd="sng" algn="ctr" cap="flat">
-                      <a:solidFill>
-                        <a:srgbClr val="FFFFFF">
-                          <a:alpha val="0"/>
-                        </a:srgbClr>
-                      </a:solidFill>
-                      <a:prstDash val="solid"/>
-                    </a:lnB>
-                  </a:tcPr>
-                </a:tc>
-                <a:tc>
-                  <a:txBody>
-                    <a:bodyPr/>
-                    <a:lstStyle/>
-                    <a:p>
-                      <a:pPr algn="ctr" marL="38100" marR="38100">
-                        <a:lnSpc>
-                          <a:spcPct val="100000"/>
-                        </a:lnSpc>
-                        <a:spcBef>
-                          <a:spcPts val="300"/>
-                        </a:spcBef>
-                        <a:spcAft>
-                          <a:spcPts val="300"/>
-                        </a:spcAft>
-                        <a:buNone/>
-                      </a:pPr>
-                      <a:r>
-                        <a:rPr sz="1000">
-                          <a:solidFill>
-                            <a:srgbClr val="000000">
-                              <a:alpha val="100000"/>
-                            </a:srgbClr>
-                          </a:solidFill>
-                          <a:latin typeface="Arial"/>
-                          <a:cs typeface="Arial"/>
-                        </a:rPr>
-                        <a:t>0.7%</a:t>
-                      </a:r>
-                    </a:p>
-                  </a:txBody>
-                  <a:tcPr anchor="ctr" marB="0" marT="0" marR="0" marL="0">
-                    <a:lnL w="0" cmpd="sng" algn="ctr" cap="flat">
-                      <a:solidFill>
-                        <a:srgbClr val="FFFFFF">
-                          <a:alpha val="0"/>
-                        </a:srgbClr>
-                      </a:solidFill>
-                      <a:prstDash val="solid"/>
-                    </a:lnL>
-                    <a:lnR w="0" cmpd="sng" algn="ctr" cap="flat">
-                      <a:solidFill>
-                        <a:srgbClr val="FFFFFF">
-                          <a:alpha val="0"/>
-                        </a:srgbClr>
-                      </a:solidFill>
-                      <a:prstDash val="solid"/>
-                    </a:lnR>
-                    <a:lnT w="0" cmpd="sng" algn="ctr" cap="flat">
-                      <a:solidFill>
-                        <a:srgbClr val="FFFFFF">
-                          <a:alpha val="0"/>
-                        </a:srgbClr>
-                      </a:solidFill>
-                      <a:prstDash val="solid"/>
-                    </a:lnT>
-                    <a:lnB w="0" cmpd="sng" algn="ctr" cap="flat">
-                      <a:solidFill>
-                        <a:srgbClr val="FFFFFF">
-                          <a:alpha val="0"/>
-                        </a:srgbClr>
-                      </a:solidFill>
-                      <a:prstDash val="solid"/>
-                    </a:lnB>
-                  </a:tcPr>
-                </a:tc>
-              </a:tr>
-              <a:tr h="328238">
-                <a:tc>
-                  <a:txBody>
-                    <a:bodyPr/>
-                    <a:lstStyle/>
-                    <a:p>
-                      <a:pPr algn="l" marL="38100" marR="38100">
-                        <a:lnSpc>
-                          <a:spcPct val="100000"/>
-                        </a:lnSpc>
-                        <a:spcBef>
-                          <a:spcPts val="300"/>
-                        </a:spcBef>
-                        <a:spcAft>
-                          <a:spcPts val="300"/>
-                        </a:spcAft>
-                        <a:buNone/>
-                      </a:pPr>
-                      <a:r>
-                        <a:rPr sz="1000">
-                          <a:solidFill>
-                            <a:srgbClr val="000000">
-                              <a:alpha val="100000"/>
-                            </a:srgbClr>
-                          </a:solidFill>
-                          <a:latin typeface="Arial"/>
-                          <a:cs typeface="Arial"/>
-                        </a:rPr>
-                        <a:t>CY Only Household</a:t>
-                      </a:r>
-                    </a:p>
-                  </a:txBody>
-                  <a:tcPr anchor="ctr" marB="0" marT="0" marR="0" marL="0">
-                    <a:lnL w="0" cmpd="sng" algn="ctr" cap="flat">
-                      <a:solidFill>
-                        <a:srgbClr val="FFFFFF">
-                          <a:alpha val="0"/>
-                        </a:srgbClr>
-                      </a:solidFill>
-                      <a:prstDash val="solid"/>
-                    </a:lnL>
-                    <a:lnR w="0" cmpd="sng" algn="ctr" cap="flat">
-                      <a:solidFill>
-                        <a:srgbClr val="FFFFFF">
-                          <a:alpha val="0"/>
-                        </a:srgbClr>
-                      </a:solidFill>
-                      <a:prstDash val="solid"/>
-                    </a:lnR>
-                    <a:lnT w="0" cmpd="sng" algn="ctr" cap="flat">
-                      <a:solidFill>
-                        <a:srgbClr val="FFFFFF">
-                          <a:alpha val="0"/>
-                        </a:srgbClr>
-                      </a:solidFill>
-                      <a:prstDash val="solid"/>
-                    </a:lnT>
-                    <a:lnB w="0" cmpd="sng" algn="ctr" cap="flat">
-                      <a:solidFill>
-                        <a:srgbClr val="FFFFFF">
-                          <a:alpha val="0"/>
-                        </a:srgbClr>
-                      </a:solidFill>
-                      <a:prstDash val="solid"/>
-                    </a:lnB>
-                    <a:solidFill>
-                      <a:srgbClr val="D6D6CE">
-                        <a:alpha val="100000"/>
-                      </a:srgbClr>
-                    </a:solidFill>
-                  </a:tcPr>
-                </a:tc>
-                <a:tc>
-                  <a:txBody>
-                    <a:bodyPr/>
-                    <a:lstStyle/>
-                    <a:p>
-                      <a:pPr algn="ctr" marL="38100" marR="38100">
-                        <a:lnSpc>
-                          <a:spcPct val="100000"/>
-                        </a:lnSpc>
-                        <a:spcBef>
-                          <a:spcPts val="300"/>
-                        </a:spcBef>
-                        <a:spcAft>
-                          <a:spcPts val="300"/>
-                        </a:spcAft>
-                        <a:buNone/>
-                      </a:pPr>
-                      <a:r>
-                        <a:rPr sz="1000">
-                          <a:solidFill>
-                            <a:srgbClr val="000000">
-                              <a:alpha val="100000"/>
-                            </a:srgbClr>
-                          </a:solidFill>
-                          <a:latin typeface="Arial"/>
-                          <a:cs typeface="Arial"/>
-                        </a:rPr>
-                        <a:t>57.4%</a:t>
-                      </a:r>
-                    </a:p>
-                  </a:txBody>
-                  <a:tcPr anchor="ctr" marB="0" marT="0" marR="0" marL="0">
-                    <a:lnL w="0" cmpd="sng" algn="ctr" cap="flat">
-                      <a:solidFill>
-                        <a:srgbClr val="FFFFFF">
-                          <a:alpha val="0"/>
-                        </a:srgbClr>
-                      </a:solidFill>
-                      <a:prstDash val="solid"/>
-                    </a:lnL>
-                    <a:lnR w="0" cmpd="sng" algn="ctr" cap="flat">
-                      <a:solidFill>
-                        <a:srgbClr val="FFFFFF">
-                          <a:alpha val="0"/>
-                        </a:srgbClr>
-                      </a:solidFill>
-                      <a:prstDash val="solid"/>
-                    </a:lnR>
-                    <a:lnT w="0" cmpd="sng" algn="ctr" cap="flat">
-                      <a:solidFill>
-                        <a:srgbClr val="FFFFFF">
-                          <a:alpha val="0"/>
-                        </a:srgbClr>
-                      </a:solidFill>
-                      <a:prstDash val="solid"/>
-                    </a:lnT>
-                    <a:lnB w="0" cmpd="sng" algn="ctr" cap="flat">
-                      <a:solidFill>
-                        <a:srgbClr val="FFFFFF">
-                          <a:alpha val="0"/>
-                        </a:srgbClr>
-                      </a:solidFill>
-                      <a:prstDash val="solid"/>
-                    </a:lnB>
-                    <a:solidFill>
-                      <a:srgbClr val="D6D6CE">
-                        <a:alpha val="100000"/>
-                      </a:srgbClr>
-                    </a:solidFill>
-                  </a:tcPr>
-                </a:tc>
-                <a:tc>
-                  <a:txBody>
-                    <a:bodyPr/>
-                    <a:lstStyle/>
-                    <a:p>
-                      <a:pPr algn="ctr" marL="38100" marR="38100">
-                        <a:lnSpc>
-                          <a:spcPct val="100000"/>
-                        </a:lnSpc>
-                        <a:spcBef>
-                          <a:spcPts val="300"/>
-                        </a:spcBef>
-                        <a:spcAft>
-                          <a:spcPts val="300"/>
-                        </a:spcAft>
-                        <a:buNone/>
-                      </a:pPr>
-                      <a:r>
-                        <a:rPr sz="1000">
-                          <a:solidFill>
-                            <a:srgbClr val="000000">
-                              <a:alpha val="100000"/>
-                            </a:srgbClr>
-                          </a:solidFill>
-                          <a:latin typeface="Arial"/>
-                          <a:cs typeface="Arial"/>
-                        </a:rPr>
-                        <a:t>42.6%</a:t>
-                      </a:r>
-                    </a:p>
-                  </a:txBody>
-                  <a:tcPr anchor="ctr" marB="0" marT="0" marR="0" marL="0">
-                    <a:lnL w="0" cmpd="sng" algn="ctr" cap="flat">
-                      <a:solidFill>
-                        <a:srgbClr val="FFFFFF">
-                          <a:alpha val="0"/>
-                        </a:srgbClr>
-                      </a:solidFill>
-                      <a:prstDash val="solid"/>
-                    </a:lnL>
-                    <a:lnR w="0" cmpd="sng" algn="ctr" cap="flat">
-                      <a:solidFill>
-                        <a:srgbClr val="FFFFFF">
-                          <a:alpha val="0"/>
-                        </a:srgbClr>
-                      </a:solidFill>
-                      <a:prstDash val="solid"/>
-                    </a:lnR>
-                    <a:lnT w="0" cmpd="sng" algn="ctr" cap="flat">
-                      <a:solidFill>
-                        <a:srgbClr val="FFFFFF">
-                          <a:alpha val="0"/>
-                        </a:srgbClr>
-                      </a:solidFill>
-                      <a:prstDash val="solid"/>
-                    </a:lnT>
-                    <a:lnB w="0" cmpd="sng" algn="ctr" cap="flat">
-                      <a:solidFill>
-                        <a:srgbClr val="FFFFFF">
-                          <a:alpha val="0"/>
-                        </a:srgbClr>
-                      </a:solidFill>
-                      <a:prstDash val="solid"/>
-                    </a:lnB>
-                    <a:solidFill>
-                      <a:srgbClr val="D6D6CE">
-                        <a:alpha val="100000"/>
-                      </a:srgbClr>
-                    </a:solidFill>
-                  </a:tcPr>
-                </a:tc>
-                <a:tc>
-                  <a:txBody>
-                    <a:bodyPr/>
-                    <a:lstStyle/>
-                    <a:p>
-                      <a:pPr algn="ctr" marL="38100" marR="38100">
-                        <a:lnSpc>
-                          <a:spcPct val="100000"/>
-                        </a:lnSpc>
-                        <a:spcBef>
-                          <a:spcPts val="300"/>
-                        </a:spcBef>
-                        <a:spcAft>
-                          <a:spcPts val="300"/>
-                        </a:spcAft>
-                        <a:buNone/>
-                      </a:pPr>
-                      <a:r>
-                        <a:rPr sz="1000">
-                          <a:solidFill>
-                            <a:srgbClr val="000000">
-                              <a:alpha val="100000"/>
-                            </a:srgbClr>
-                          </a:solidFill>
-                          <a:latin typeface="Arial"/>
-                          <a:cs typeface="Arial"/>
-                        </a:rPr>
-                        <a:t>0.0%</a:t>
-                      </a:r>
-                    </a:p>
-                  </a:txBody>
-                  <a:tcPr anchor="ctr" marB="0" marT="0" marR="0" marL="0">
-                    <a:lnL w="0" cmpd="sng" algn="ctr" cap="flat">
-                      <a:solidFill>
-                        <a:srgbClr val="FFFFFF">
-                          <a:alpha val="0"/>
-                        </a:srgbClr>
-                      </a:solidFill>
-                      <a:prstDash val="solid"/>
-                    </a:lnL>
-                    <a:lnR w="0" cmpd="sng" algn="ctr" cap="flat">
-                      <a:solidFill>
-                        <a:srgbClr val="FFFFFF">
-                          <a:alpha val="0"/>
-                        </a:srgbClr>
-                      </a:solidFill>
-                      <a:prstDash val="solid"/>
-                    </a:lnR>
-                    <a:lnT w="0" cmpd="sng" algn="ctr" cap="flat">
-                      <a:solidFill>
-                        <a:srgbClr val="FFFFFF">
-                          <a:alpha val="0"/>
-                        </a:srgbClr>
-                      </a:solidFill>
-                      <a:prstDash val="solid"/>
-                    </a:lnT>
-                    <a:lnB w="0" cmpd="sng" algn="ctr" cap="flat">
-                      <a:solidFill>
-                        <a:srgbClr val="FFFFFF">
-                          <a:alpha val="0"/>
-                        </a:srgbClr>
-                      </a:solidFill>
-                      <a:prstDash val="solid"/>
-                    </a:lnB>
-                    <a:solidFill>
-                      <a:srgbClr val="D6D6CE">
-                        <a:alpha val="100000"/>
-                      </a:srgbClr>
-                    </a:solidFill>
-                  </a:tcPr>
-                </a:tc>
-              </a:tr>
-              <a:tr h="328238">
-                <a:tc>
-                  <a:txBody>
-                    <a:bodyPr/>
-                    <a:lstStyle/>
-                    <a:p>
-                      <a:pPr algn="l" marL="38100" marR="38100">
-                        <a:lnSpc>
-                          <a:spcPct val="100000"/>
-                        </a:lnSpc>
-                        <a:spcBef>
-                          <a:spcPts val="300"/>
-                        </a:spcBef>
-                        <a:spcAft>
-                          <a:spcPts val="300"/>
-                        </a:spcAft>
-                        <a:buNone/>
-                      </a:pPr>
-                      <a:r>
-                        <a:rPr sz="1000">
-                          <a:solidFill>
-                            <a:srgbClr val="000000">
-                              <a:alpha val="100000"/>
-                            </a:srgbClr>
-                          </a:solidFill>
-                          <a:latin typeface="Arial"/>
-                          <a:cs typeface="Arial"/>
-                        </a:rPr>
-                        <a:t>OY Only Household</a:t>
-                      </a:r>
-                    </a:p>
-                  </a:txBody>
-                  <a:tcPr anchor="ctr" marB="0" marT="0" marR="0" marL="0">
-                    <a:lnL w="0" cmpd="sng" algn="ctr" cap="flat">
-                      <a:solidFill>
-                        <a:srgbClr val="FFFFFF">
-                          <a:alpha val="0"/>
-                        </a:srgbClr>
-                      </a:solidFill>
-                      <a:prstDash val="solid"/>
-                    </a:lnL>
-                    <a:lnR w="0" cmpd="sng" algn="ctr" cap="flat">
-                      <a:solidFill>
-                        <a:srgbClr val="FFFFFF">
-                          <a:alpha val="0"/>
-                        </a:srgbClr>
-                      </a:solidFill>
-                      <a:prstDash val="solid"/>
-                    </a:lnR>
-                    <a:lnT w="0" cmpd="sng" algn="ctr" cap="flat">
-                      <a:solidFill>
-                        <a:srgbClr val="FFFFFF">
-                          <a:alpha val="0"/>
-                        </a:srgbClr>
-                      </a:solidFill>
-                      <a:prstDash val="solid"/>
-                    </a:lnT>
-                    <a:lnB w="0" cmpd="sng" algn="ctr" cap="flat">
-                      <a:solidFill>
-                        <a:srgbClr val="FFFFFF">
-                          <a:alpha val="0"/>
-                        </a:srgbClr>
-                      </a:solidFill>
-                      <a:prstDash val="solid"/>
-                    </a:lnB>
-                  </a:tcPr>
-                </a:tc>
-                <a:tc>
-                  <a:txBody>
-                    <a:bodyPr/>
-                    <a:lstStyle/>
-                    <a:p>
-                      <a:pPr algn="ctr" marL="38100" marR="38100">
-                        <a:lnSpc>
-                          <a:spcPct val="100000"/>
-                        </a:lnSpc>
-                        <a:spcBef>
-                          <a:spcPts val="300"/>
-                        </a:spcBef>
-                        <a:spcAft>
-                          <a:spcPts val="300"/>
-                        </a:spcAft>
-                        <a:buNone/>
-                      </a:pPr>
-                      <a:r>
-                        <a:rPr sz="1000">
-                          <a:solidFill>
-                            <a:srgbClr val="000000">
-                              <a:alpha val="100000"/>
-                            </a:srgbClr>
-                          </a:solidFill>
-                          <a:latin typeface="Arial"/>
-                          <a:cs typeface="Arial"/>
-                        </a:rPr>
-                        <a:t>63.4%</a:t>
-                      </a:r>
-                    </a:p>
-                  </a:txBody>
-                  <a:tcPr anchor="ctr" marB="0" marT="0" marR="0" marL="0">
-                    <a:lnL w="0" cmpd="sng" algn="ctr" cap="flat">
-                      <a:solidFill>
-                        <a:srgbClr val="FFFFFF">
-                          <a:alpha val="0"/>
-                        </a:srgbClr>
-                      </a:solidFill>
-                      <a:prstDash val="solid"/>
-                    </a:lnL>
-                    <a:lnR w="0" cmpd="sng" algn="ctr" cap="flat">
-                      <a:solidFill>
-                        <a:srgbClr val="FFFFFF">
-                          <a:alpha val="0"/>
-                        </a:srgbClr>
-                      </a:solidFill>
-                      <a:prstDash val="solid"/>
-                    </a:lnR>
-                    <a:lnT w="0" cmpd="sng" algn="ctr" cap="flat">
-                      <a:solidFill>
-                        <a:srgbClr val="FFFFFF">
-                          <a:alpha val="0"/>
-                        </a:srgbClr>
-                      </a:solidFill>
-                      <a:prstDash val="solid"/>
-                    </a:lnT>
-                    <a:lnB w="0" cmpd="sng" algn="ctr" cap="flat">
-                      <a:solidFill>
-                        <a:srgbClr val="FFFFFF">
-                          <a:alpha val="0"/>
-                        </a:srgbClr>
-                      </a:solidFill>
-                      <a:prstDash val="solid"/>
-                    </a:lnB>
-                  </a:tcPr>
-                </a:tc>
-                <a:tc>
-                  <a:txBody>
-                    <a:bodyPr/>
-                    <a:lstStyle/>
-                    <a:p>
-                      <a:pPr algn="ctr" marL="38100" marR="38100">
-                        <a:lnSpc>
-                          <a:spcPct val="100000"/>
-                        </a:lnSpc>
-                        <a:spcBef>
-                          <a:spcPts val="300"/>
-                        </a:spcBef>
-                        <a:spcAft>
-                          <a:spcPts val="300"/>
-                        </a:spcAft>
-                        <a:buNone/>
-                      </a:pPr>
-                      <a:r>
-                        <a:rPr sz="1000">
-                          <a:solidFill>
-                            <a:srgbClr val="000000">
-                              <a:alpha val="100000"/>
-                            </a:srgbClr>
-                          </a:solidFill>
-                          <a:latin typeface="Arial"/>
-                          <a:cs typeface="Arial"/>
-                        </a:rPr>
-                        <a:t>0.0%</a:t>
-                      </a:r>
-                    </a:p>
-                  </a:txBody>
-                  <a:tcPr anchor="ctr" marB="0" marT="0" marR="0" marL="0">
-                    <a:lnL w="0" cmpd="sng" algn="ctr" cap="flat">
-                      <a:solidFill>
-                        <a:srgbClr val="FFFFFF">
-                          <a:alpha val="0"/>
-                        </a:srgbClr>
-                      </a:solidFill>
-                      <a:prstDash val="solid"/>
-                    </a:lnL>
-                    <a:lnR w="0" cmpd="sng" algn="ctr" cap="flat">
-                      <a:solidFill>
-                        <a:srgbClr val="FFFFFF">
-                          <a:alpha val="0"/>
-                        </a:srgbClr>
-                      </a:solidFill>
-                      <a:prstDash val="solid"/>
-                    </a:lnR>
-                    <a:lnT w="0" cmpd="sng" algn="ctr" cap="flat">
-                      <a:solidFill>
-                        <a:srgbClr val="FFFFFF">
-                          <a:alpha val="0"/>
-                        </a:srgbClr>
-                      </a:solidFill>
-                      <a:prstDash val="solid"/>
-                    </a:lnT>
-                    <a:lnB w="0" cmpd="sng" algn="ctr" cap="flat">
-                      <a:solidFill>
-                        <a:srgbClr val="FFFFFF">
-                          <a:alpha val="0"/>
-                        </a:srgbClr>
-                      </a:solidFill>
-                      <a:prstDash val="solid"/>
-                    </a:lnB>
-                  </a:tcPr>
-                </a:tc>
-                <a:tc>
-                  <a:txBody>
-                    <a:bodyPr/>
-                    <a:lstStyle/>
-                    <a:p>
-                      <a:pPr algn="ctr" marL="38100" marR="38100">
-                        <a:lnSpc>
-                          <a:spcPct val="100000"/>
-                        </a:lnSpc>
-                        <a:spcBef>
-                          <a:spcPts val="300"/>
-                        </a:spcBef>
-                        <a:spcAft>
-                          <a:spcPts val="300"/>
-                        </a:spcAft>
-                        <a:buNone/>
-                      </a:pPr>
-                      <a:r>
-                        <a:rPr sz="1000">
-                          <a:solidFill>
-                            <a:srgbClr val="000000">
-                              <a:alpha val="100000"/>
-                            </a:srgbClr>
-                          </a:solidFill>
-                          <a:latin typeface="Arial"/>
-                          <a:cs typeface="Arial"/>
-                        </a:rPr>
-                        <a:t>36.6%</a:t>
-                      </a:r>
-                    </a:p>
-                  </a:txBody>
-                  <a:tcPr anchor="ctr" marB="0" marT="0" marR="0" marL="0">
-                    <a:lnL w="0" cmpd="sng" algn="ctr" cap="flat">
-                      <a:solidFill>
-                        <a:srgbClr val="FFFFFF">
-                          <a:alpha val="0"/>
-                        </a:srgbClr>
-                      </a:solidFill>
-                      <a:prstDash val="solid"/>
-                    </a:lnL>
-                    <a:lnR w="0" cmpd="sng" algn="ctr" cap="flat">
-                      <a:solidFill>
-                        <a:srgbClr val="FFFFFF">
-                          <a:alpha val="0"/>
-                        </a:srgbClr>
-                      </a:solidFill>
-                      <a:prstDash val="solid"/>
-                    </a:lnR>
-                    <a:lnT w="0" cmpd="sng" algn="ctr" cap="flat">
-                      <a:solidFill>
-                        <a:srgbClr val="FFFFFF">
-                          <a:alpha val="0"/>
-                        </a:srgbClr>
-                      </a:solidFill>
-                      <a:prstDash val="solid"/>
-                    </a:lnT>
-                    <a:lnB w="0" cmpd="sng" algn="ctr" cap="flat">
-                      <a:solidFill>
-                        <a:srgbClr val="FFFFFF">
-                          <a:alpha val="0"/>
-                        </a:srgbClr>
-                      </a:solidFill>
-                      <a:prstDash val="solid"/>
-                    </a:lnB>
-                  </a:tcPr>
-                </a:tc>
-              </a:tr>
-            </a:tbl>
-          </a:graphicData>
-        </a:graphic>
-      </p:graphicFrame>
+        </p:nvPicPr>
+        <p:blipFill>
+          <a:blip r:embed="rId2"/>
+          <a:stretch>
+            <a:fillRect/>
+          </a:stretch>
+        </p:blipFill>
+        <p:spPr bwMode="auto">
+          <a:xfrm>
+            <a:off x="3200400" y="1816100"/>
+            <a:ext cx="5791200" cy="4343400"/>
+          </a:xfrm>
+          <a:prstGeom prst="rect">
+            <a:avLst/>
+          </a:prstGeom>
+          <a:noFill/>
+          <a:ln w="9525">
+            <a:noFill/>
+            <a:headEnd/>
+            <a:tailEnd/>
+          </a:ln>
+        </p:spPr>
+      </p:pic>
     </p:spTree>
   </p:cSld>
 </p:sld>
@@ -5511,15 +4509,7 @@
             </a:pPr>
             <a:r>
               <a:rPr/>
-              <a:t>Both</a:t>
-            </a:r>
-            <a:r>
-              <a:rPr/>
-              <a:t> </a:t>
-            </a:r>
-            <a:r>
-              <a:rPr/>
-              <a:t>Connected</a:t>
+              <a:t>Opportunity</a:t>
             </a:r>
             <a:r>
               <a:rPr/>
@@ -5535,55 +4525,55 @@
             </a:r>
             <a:r>
               <a:rPr/>
-              <a:t>and</a:t>
-            </a:r>
-            <a:r>
-              <a:rPr/>
-              <a:t> </a:t>
-            </a:r>
-            <a:r>
-              <a:rPr/>
-              <a:t>Opportunity</a:t>
-            </a:r>
-            <a:r>
-              <a:rPr/>
-              <a:t> </a:t>
-            </a:r>
-            <a:r>
-              <a:rPr/>
-              <a:t>Youth</a:t>
-            </a:r>
-            <a:r>
-              <a:rPr/>
-              <a:t> </a:t>
-            </a:r>
-            <a:r>
-              <a:rPr/>
-              <a:t>live</a:t>
-            </a:r>
-            <a:r>
-              <a:rPr/>
-              <a:t> </a:t>
-            </a:r>
-            <a:r>
-              <a:rPr/>
-              <a:t>in</a:t>
-            </a:r>
-            <a:r>
-              <a:rPr/>
-              <a:t> </a:t>
-            </a:r>
-            <a:r>
-              <a:rPr/>
-              <a:t>larger</a:t>
-            </a:r>
-            <a:r>
-              <a:rPr/>
-              <a:t> </a:t>
-            </a:r>
-            <a:r>
-              <a:rPr/>
-              <a:t>households</a:t>
+              <a:t>are</a:t>
+            </a:r>
+            <a:r>
+              <a:rPr/>
+              <a:t> </a:t>
+            </a:r>
+            <a:r>
+              <a:rPr/>
+              <a:t>more</a:t>
+            </a:r>
+            <a:r>
+              <a:rPr/>
+              <a:t> </a:t>
+            </a:r>
+            <a:r>
+              <a:rPr/>
+              <a:t>likely</a:t>
+            </a:r>
+            <a:r>
+              <a:rPr/>
+              <a:t> </a:t>
+            </a:r>
+            <a:r>
+              <a:rPr/>
+              <a:t>to</a:t>
+            </a:r>
+            <a:r>
+              <a:rPr/>
+              <a:t> </a:t>
+            </a:r>
+            <a:r>
+              <a:rPr/>
+              <a:t>have</a:t>
+            </a:r>
+            <a:r>
+              <a:rPr/>
+              <a:t> </a:t>
+            </a:r>
+            <a:r>
+              <a:rPr/>
+              <a:t>multiple</a:t>
+            </a:r>
+            <a:r>
+              <a:rPr/>
+              <a:t> </a:t>
+            </a:r>
+            <a:r>
+              <a:rPr/>
+              <a:t>children</a:t>
             </a:r>
           </a:p>
         </p:txBody>
@@ -6187,39 +5177,7 @@
             </a:r>
             <a:r>
               <a:rPr/>
-              <a:t>more</a:t>
-            </a:r>
-            <a:r>
-              <a:rPr/>
-              <a:t> </a:t>
-            </a:r>
-            <a:r>
-              <a:rPr/>
-              <a:t>likely</a:t>
-            </a:r>
-            <a:r>
-              <a:rPr/>
-              <a:t> </a:t>
-            </a:r>
-            <a:r>
-              <a:rPr/>
-              <a:t>than</a:t>
-            </a:r>
-            <a:r>
-              <a:rPr/>
-              <a:t> </a:t>
-            </a:r>
-            <a:r>
-              <a:rPr/>
-              <a:t>Connected</a:t>
-            </a:r>
-            <a:r>
-              <a:rPr/>
-              <a:t> </a:t>
-            </a:r>
-            <a:r>
-              <a:rPr/>
-              <a:t>Youth</a:t>
+              <a:t>unlikely</a:t>
             </a:r>
             <a:r>
               <a:rPr/>
@@ -6243,7 +5201,23 @@
             </a:r>
             <a:r>
               <a:rPr/>
-              <a:t>married</a:t>
+              <a:t>in</a:t>
+            </a:r>
+            <a:r>
+              <a:rPr/>
+              <a:t> </a:t>
+            </a:r>
+            <a:r>
+              <a:rPr/>
+              <a:t>a</a:t>
+            </a:r>
+            <a:r>
+              <a:rPr/>
+              <a:t> </a:t>
+            </a:r>
+            <a:r>
+              <a:rPr/>
+              <a:t>relationship</a:t>
             </a:r>
           </a:p>
         </p:txBody>
@@ -6264,8 +5238,8 @@
         </p:blipFill>
         <p:spPr bwMode="auto">
           <a:xfrm>
-            <a:off x="2616200" y="1816100"/>
-            <a:ext cx="6946900" cy="4343400"/>
+            <a:off x="1752600" y="1816100"/>
+            <a:ext cx="8686800" cy="4343400"/>
           </a:xfrm>
           <a:prstGeom prst="rect">
             <a:avLst/>
@@ -6429,45 +5403,6 @@
           <a:chExt cx="0" cy="0"/>
         </a:xfrm>
       </p:grpSpPr>
-      <p:sp>
-        <p:nvSpPr>
-          <p:cNvPr id="2" name="Title 1">
-            <a:extLst>
-              <a:ext uri="{FF2B5EF4-FFF2-40B4-BE49-F238E27FC236}">
-                <a16:creationId xmlns:a16="http://schemas.microsoft.com/office/drawing/2014/main" id="{0D064A50-2A97-421C-813D-6449089693A0}"/>
-              </a:ext>
-            </a:extLst>
-          </p:cNvPr>
-          <p:cNvSpPr>
-            <a:spLocks noGrp="1"/>
-          </p:cNvSpPr>
-          <p:nvPr>
-            <p:ph type="title"/>
-          </p:nvPr>
-        </p:nvSpPr>
-        <p:spPr/>
-        <p:txBody>
-          <a:bodyPr/>
-          <a:lstStyle/>
-          <a:p>
-            <a:pPr lvl="0" marL="0" indent="0">
-              <a:buNone/>
-            </a:pPr>
-            <a:r>
-              <a:rPr/>
-              <a:t>Partnered</a:t>
-            </a:r>
-            <a:r>
-              <a:rPr/>
-              <a:t> </a:t>
-            </a:r>
-            <a:r>
-              <a:rPr/>
-              <a:t>Status</a:t>
-            </a:r>
-          </a:p>
-        </p:txBody>
-      </p:sp>
       <p:pic>
         <p:nvPicPr>
           <p:cNvPr descr="household_structure_estimates_files/figure-pptx/unnamed-chunk-17-1.png" id="0" name="Picture 1"/>
@@ -7252,7 +6187,7 @@
           <p:cNvPr id="2" name="Title 1">
             <a:extLst>
               <a:ext uri="{FF2B5EF4-FFF2-40B4-BE49-F238E27FC236}">
-                <a16:creationId xmlns:a16="http://schemas.microsoft.com/office/drawing/2014/main" id="{1CAF8530-DA25-40F0-835B-ABF68B3EB818}"/>
+                <a16:creationId xmlns:a16="http://schemas.microsoft.com/office/drawing/2014/main" id="{0D064A50-2A97-421C-813D-6449089693A0}"/>
               </a:ext>
             </a:extLst>
           </p:cNvPr>
@@ -7263,12 +6198,7 @@
             <p:ph type="title"/>
           </p:nvPr>
         </p:nvSpPr>
-        <p:spPr>
-          <a:xfrm>
-            <a:off x="831850" y="1123072"/>
-            <a:ext cx="10515600" cy="2852737"/>
-          </a:xfrm>
-        </p:spPr>
+        <p:spPr/>
         <p:txBody>
           <a:bodyPr/>
           <a:lstStyle/>
@@ -7278,11 +6208,129 @@
             </a:pPr>
             <a:r>
               <a:rPr/>
-              <a:t>Questions?</a:t>
-            </a:r>
-          </a:p>
-        </p:txBody>
-      </p:sp>
+              <a:t>OY</a:t>
+            </a:r>
+            <a:r>
+              <a:rPr/>
+              <a:t> </a:t>
+            </a:r>
+            <a:r>
+              <a:rPr/>
+              <a:t>Only</a:t>
+            </a:r>
+            <a:r>
+              <a:rPr/>
+              <a:t> </a:t>
+            </a:r>
+            <a:r>
+              <a:rPr/>
+              <a:t>Households</a:t>
+            </a:r>
+            <a:r>
+              <a:rPr/>
+              <a:t> </a:t>
+            </a:r>
+            <a:r>
+              <a:rPr/>
+              <a:t>are</a:t>
+            </a:r>
+            <a:r>
+              <a:rPr/>
+              <a:t> </a:t>
+            </a:r>
+            <a:r>
+              <a:rPr/>
+              <a:t>less</a:t>
+            </a:r>
+            <a:r>
+              <a:rPr/>
+              <a:t> </a:t>
+            </a:r>
+            <a:r>
+              <a:rPr/>
+              <a:t>likely</a:t>
+            </a:r>
+            <a:r>
+              <a:rPr/>
+              <a:t> </a:t>
+            </a:r>
+            <a:r>
+              <a:rPr/>
+              <a:t>to</a:t>
+            </a:r>
+            <a:r>
+              <a:rPr/>
+              <a:t> </a:t>
+            </a:r>
+            <a:r>
+              <a:rPr/>
+              <a:t>have</a:t>
+            </a:r>
+            <a:r>
+              <a:rPr/>
+              <a:t> </a:t>
+            </a:r>
+            <a:r>
+              <a:rPr/>
+              <a:t>access</a:t>
+            </a:r>
+            <a:r>
+              <a:rPr/>
+              <a:t> </a:t>
+            </a:r>
+            <a:r>
+              <a:rPr/>
+              <a:t>to</a:t>
+            </a:r>
+            <a:r>
+              <a:rPr/>
+              <a:t> </a:t>
+            </a:r>
+            <a:r>
+              <a:rPr/>
+              <a:t>broadband</a:t>
+            </a:r>
+            <a:r>
+              <a:rPr/>
+              <a:t> </a:t>
+            </a:r>
+            <a:r>
+              <a:rPr/>
+              <a:t>internet</a:t>
+            </a:r>
+          </a:p>
+        </p:txBody>
+      </p:sp>
+      <p:pic>
+        <p:nvPicPr>
+          <p:cNvPr descr="household_structure_estimates_files/figure-pptx/unnamed-chunk-23-1.png" id="0" name="Picture 1"/>
+          <p:cNvPicPr>
+            <a:picLocks noGrp="1" noChangeAspect="1"/>
+          </p:cNvPicPr>
+          <p:nvPr/>
+        </p:nvPicPr>
+        <p:blipFill>
+          <a:blip r:embed="rId2"/>
+          <a:stretch>
+            <a:fillRect/>
+          </a:stretch>
+        </p:blipFill>
+        <p:spPr bwMode="auto">
+          <a:xfrm>
+            <a:off x="2616200" y="1816100"/>
+            <a:ext cx="6946900" cy="4343400"/>
+          </a:xfrm>
+          <a:prstGeom prst="rect">
+            <a:avLst/>
+          </a:prstGeom>
+          <a:noFill/>
+          <a:ln w="9525">
+            <a:noFill/>
+            <a:headEnd/>
+            <a:tailEnd/>
+          </a:ln>
+        </p:spPr>
+      </p:pic>
     </p:spTree>
   </p:cSld>
 </p:sld>
@@ -7310,6 +6358,219 @@
           <p:cNvPr id="2" name="Title 1">
             <a:extLst>
               <a:ext uri="{FF2B5EF4-FFF2-40B4-BE49-F238E27FC236}">
+                <a16:creationId xmlns:a16="http://schemas.microsoft.com/office/drawing/2014/main" id="{0D064A50-2A97-421C-813D-6449089693A0}"/>
+              </a:ext>
+            </a:extLst>
+          </p:cNvPr>
+          <p:cNvSpPr>
+            <a:spLocks noGrp="1"/>
+          </p:cNvSpPr>
+          <p:nvPr>
+            <p:ph type="title"/>
+          </p:nvPr>
+        </p:nvSpPr>
+        <p:spPr/>
+        <p:txBody>
+          <a:bodyPr/>
+          <a:lstStyle/>
+          <a:p>
+            <a:pPr lvl="0" marL="0" indent="0">
+              <a:buNone/>
+            </a:pPr>
+            <a:r>
+              <a:rPr/>
+              <a:t>OY</a:t>
+            </a:r>
+            <a:r>
+              <a:rPr/>
+              <a:t> </a:t>
+            </a:r>
+            <a:r>
+              <a:rPr/>
+              <a:t>Only</a:t>
+            </a:r>
+            <a:r>
+              <a:rPr/>
+              <a:t> </a:t>
+            </a:r>
+            <a:r>
+              <a:rPr/>
+              <a:t>Households</a:t>
+            </a:r>
+            <a:r>
+              <a:rPr/>
+              <a:t> </a:t>
+            </a:r>
+            <a:r>
+              <a:rPr/>
+              <a:t>are</a:t>
+            </a:r>
+            <a:r>
+              <a:rPr/>
+              <a:t> </a:t>
+            </a:r>
+            <a:r>
+              <a:rPr/>
+              <a:t>less</a:t>
+            </a:r>
+            <a:r>
+              <a:rPr/>
+              <a:t> </a:t>
+            </a:r>
+            <a:r>
+              <a:rPr/>
+              <a:t>likely</a:t>
+            </a:r>
+            <a:r>
+              <a:rPr/>
+              <a:t> </a:t>
+            </a:r>
+            <a:r>
+              <a:rPr/>
+              <a:t>to</a:t>
+            </a:r>
+            <a:r>
+              <a:rPr/>
+              <a:t> </a:t>
+            </a:r>
+            <a:r>
+              <a:rPr/>
+              <a:t>have</a:t>
+            </a:r>
+            <a:r>
+              <a:rPr/>
+              <a:t> </a:t>
+            </a:r>
+            <a:r>
+              <a:rPr/>
+              <a:t>laptop</a:t>
+            </a:r>
+            <a:r>
+              <a:rPr/>
+              <a:t> </a:t>
+            </a:r>
+            <a:r>
+              <a:rPr/>
+              <a:t>access</a:t>
+            </a:r>
+          </a:p>
+        </p:txBody>
+      </p:sp>
+      <p:pic>
+        <p:nvPicPr>
+          <p:cNvPr descr="household_structure_estimates_files/figure-pptx/unnamed-chunk-24-1.png" id="0" name="Picture 1"/>
+          <p:cNvPicPr>
+            <a:picLocks noGrp="1" noChangeAspect="1"/>
+          </p:cNvPicPr>
+          <p:nvPr/>
+        </p:nvPicPr>
+        <p:blipFill>
+          <a:blip r:embed="rId2"/>
+          <a:stretch>
+            <a:fillRect/>
+          </a:stretch>
+        </p:blipFill>
+        <p:spPr bwMode="auto">
+          <a:xfrm>
+            <a:off x="2616200" y="1816100"/>
+            <a:ext cx="6946900" cy="4343400"/>
+          </a:xfrm>
+          <a:prstGeom prst="rect">
+            <a:avLst/>
+          </a:prstGeom>
+          <a:noFill/>
+          <a:ln w="9525">
+            <a:noFill/>
+            <a:headEnd/>
+            <a:tailEnd/>
+          </a:ln>
+        </p:spPr>
+      </p:pic>
+    </p:spTree>
+  </p:cSld>
+</p:sld>
+</file>
+
+<file path=ppt/slides/slide28.xml><?xml version="1.0" encoding="utf-8"?>
+<p:sld xmlns:a="http://schemas.openxmlformats.org/drawingml/2006/main" xmlns:r="http://schemas.openxmlformats.org/officeDocument/2006/relationships" xmlns:p="http://schemas.openxmlformats.org/presentationml/2006/main">
+  <p:cSld>
+    <p:spTree>
+      <p:nvGrpSpPr>
+        <p:cNvPr id="1" name=""/>
+        <p:cNvGrpSpPr/>
+        <p:nvPr/>
+      </p:nvGrpSpPr>
+      <p:grpSpPr>
+        <a:xfrm>
+          <a:off x="0" y="0"/>
+          <a:ext cx="0" cy="0"/>
+          <a:chOff x="0" y="0"/>
+          <a:chExt cx="0" cy="0"/>
+        </a:xfrm>
+      </p:grpSpPr>
+      <p:sp>
+        <p:nvSpPr>
+          <p:cNvPr id="2" name="Title 1">
+            <a:extLst>
+              <a:ext uri="{FF2B5EF4-FFF2-40B4-BE49-F238E27FC236}">
+                <a16:creationId xmlns:a16="http://schemas.microsoft.com/office/drawing/2014/main" id="{1CAF8530-DA25-40F0-835B-ABF68B3EB818}"/>
+              </a:ext>
+            </a:extLst>
+          </p:cNvPr>
+          <p:cNvSpPr>
+            <a:spLocks noGrp="1"/>
+          </p:cNvSpPr>
+          <p:nvPr>
+            <p:ph type="title"/>
+          </p:nvPr>
+        </p:nvSpPr>
+        <p:spPr>
+          <a:xfrm>
+            <a:off x="831850" y="1123072"/>
+            <a:ext cx="10515600" cy="2852737"/>
+          </a:xfrm>
+        </p:spPr>
+        <p:txBody>
+          <a:bodyPr/>
+          <a:lstStyle/>
+          <a:p>
+            <a:pPr lvl="0" marL="0" indent="0">
+              <a:buNone/>
+            </a:pPr>
+            <a:r>
+              <a:rPr/>
+              <a:t>Questions?</a:t>
+            </a:r>
+          </a:p>
+        </p:txBody>
+      </p:sp>
+    </p:spTree>
+  </p:cSld>
+</p:sld>
+</file>
+
+<file path=ppt/slides/slide29.xml><?xml version="1.0" encoding="utf-8"?>
+<p:sld xmlns:a="http://schemas.openxmlformats.org/drawingml/2006/main" xmlns:r="http://schemas.openxmlformats.org/officeDocument/2006/relationships" xmlns:p="http://schemas.openxmlformats.org/presentationml/2006/main">
+  <p:cSld>
+    <p:spTree>
+      <p:nvGrpSpPr>
+        <p:cNvPr id="1" name=""/>
+        <p:cNvGrpSpPr/>
+        <p:nvPr/>
+      </p:nvGrpSpPr>
+      <p:grpSpPr>
+        <a:xfrm>
+          <a:off x="0" y="0"/>
+          <a:ext cx="0" cy="0"/>
+          <a:chOff x="0" y="0"/>
+          <a:chExt cx="0" cy="0"/>
+        </a:xfrm>
+      </p:grpSpPr>
+      <p:sp>
+        <p:nvSpPr>
+          <p:cNvPr id="2" name="Title 1">
+            <a:extLst>
+              <a:ext uri="{FF2B5EF4-FFF2-40B4-BE49-F238E27FC236}">
                 <a16:creationId xmlns:a16="http://schemas.microsoft.com/office/drawing/2014/main" id="{1CAF8530-DA25-40F0-835B-ABF68B3EB818}"/>
               </a:ext>
             </a:extLst>
@@ -7450,39 +6711,25 @@
             <a:pPr lvl="1"/>
             <a:r>
               <a:rPr/>
-              <a:t>Are Opportunity Youth caring for children?</a:t>
-            </a:r>
-          </a:p>
-          <a:p>
-            <a:pPr lvl="2"/>
-            <a:r>
-              <a:rPr/>
-              <a:t>How many Opportunity Youth have at least one child?</a:t>
-            </a:r>
-          </a:p>
-          <a:p>
-            <a:pPr lvl="2"/>
-            <a:r>
-              <a:rPr/>
-              <a:t>How many children do Opportunity Youth have?</a:t>
+              <a:t>What is each household type, and what is their composition?</a:t>
             </a:r>
           </a:p>
           <a:p>
             <a:pPr lvl="1"/>
             <a:r>
               <a:rPr/>
-              <a:t>What are the household income characteristics of Opportunity Youth?</a:t>
-            </a:r>
-          </a:p>
-          <a:p>
-            <a:pPr lvl="2"/>
+              <a:t>What is the average household size for each type of household?</a:t>
+            </a:r>
+          </a:p>
+          <a:p>
+            <a:pPr lvl="1"/>
             <a:r>
               <a:rPr/>
               <a:t>What is average household income by household type?</a:t>
             </a:r>
           </a:p>
           <a:p>
-            <a:pPr lvl="2"/>
+            <a:pPr lvl="1"/>
             <a:r>
               <a:rPr/>
               <a:t>What is an Opportunity Youth’s average total personal income?</a:t>
@@ -7492,42 +6739,49 @@
             <a:pPr lvl="1"/>
             <a:r>
               <a:rPr/>
-              <a:t>What are the mobility characteristics of Opportunity Youth?</a:t>
-            </a:r>
-          </a:p>
-          <a:p>
-            <a:pPr lvl="2"/>
-            <a:r>
-              <a:rPr/>
-              <a:t>Have Opportunity Youth moved within the last year?</a:t>
-            </a:r>
-          </a:p>
-          <a:p>
-            <a:pPr lvl="2"/>
-            <a:r>
-              <a:rPr/>
-              <a:t>What are Connected Youths’ primary form of transportation?</a:t>
-            </a:r>
-          </a:p>
-          <a:p>
-            <a:pPr lvl="2"/>
-            <a:r>
-              <a:rPr/>
-              <a:t>What are Connected Youths’ average commute time?</a:t>
+              <a:t>What percentage of households are food stamp recipients?</a:t>
             </a:r>
           </a:p>
           <a:p>
             <a:pPr lvl="1"/>
             <a:r>
               <a:rPr/>
-              <a:t>Pending:</a:t>
-            </a:r>
-          </a:p>
-          <a:p>
-            <a:pPr lvl="2"/>
-            <a:r>
-              <a:rPr/>
-              <a:t>Food Stamps Recipients, Household Types, Number of Workers in Family, Same-Sex Households, Multi-generational Families</a:t>
+              <a:t>How many youth identify as the reference person?</a:t>
+            </a:r>
+          </a:p>
+          <a:p>
+            <a:pPr lvl="1"/>
+            <a:r>
+              <a:rPr/>
+              <a:t>How many youth have at least one child?</a:t>
+            </a:r>
+          </a:p>
+          <a:p>
+            <a:pPr lvl="1"/>
+            <a:r>
+              <a:rPr/>
+              <a:t>How many youth have multiple children?</a:t>
+            </a:r>
+          </a:p>
+          <a:p>
+            <a:pPr lvl="1"/>
+            <a:r>
+              <a:rPr/>
+              <a:t>What is the household median income for each household type?</a:t>
+            </a:r>
+          </a:p>
+          <a:p>
+            <a:pPr lvl="1"/>
+            <a:r>
+              <a:rPr/>
+              <a:t>What is the median income by Chicago region for reference persons?</a:t>
+            </a:r>
+          </a:p>
+          <a:p>
+            <a:pPr lvl="1"/>
+            <a:r>
+              <a:rPr/>
+              <a:t>What are youth’s average total personal income?</a:t>
             </a:r>
           </a:p>
         </p:txBody>
@@ -7559,6 +6813,160 @@
           <p:cNvPr id="2" name="Title 1">
             <a:extLst>
               <a:ext uri="{FF2B5EF4-FFF2-40B4-BE49-F238E27FC236}">
+                <a16:creationId xmlns:a16="http://schemas.microsoft.com/office/drawing/2014/main" id="{0D064A50-2A97-421C-813D-6449089693A0}"/>
+              </a:ext>
+            </a:extLst>
+          </p:cNvPr>
+          <p:cNvSpPr>
+            <a:spLocks noGrp="1"/>
+          </p:cNvSpPr>
+          <p:nvPr>
+            <p:ph type="title"/>
+          </p:nvPr>
+        </p:nvSpPr>
+        <p:spPr/>
+        <p:txBody>
+          <a:bodyPr/>
+          <a:lstStyle/>
+          <a:p>
+            <a:pPr lvl="0" marL="0" indent="0">
+              <a:buNone/>
+            </a:pPr>
+            <a:r>
+              <a:rPr/>
+              <a:t>Research</a:t>
+            </a:r>
+            <a:r>
+              <a:rPr/>
+              <a:t> </a:t>
+            </a:r>
+            <a:r>
+              <a:rPr/>
+              <a:t>Questions</a:t>
+            </a:r>
+            <a:r>
+              <a:rPr/>
+              <a:t> </a:t>
+            </a:r>
+            <a:r>
+              <a:rPr/>
+              <a:t>(cont.)</a:t>
+            </a:r>
+          </a:p>
+        </p:txBody>
+      </p:sp>
+      <p:sp>
+        <p:nvSpPr>
+          <p:cNvPr id="3" name="Content Placeholder 2">
+            <a:extLst>
+              <a:ext uri="{FF2B5EF4-FFF2-40B4-BE49-F238E27FC236}">
+                <a16:creationId xmlns:a16="http://schemas.microsoft.com/office/drawing/2014/main" id="{C0E34547-063B-468C-B841-DB8C0206424E}"/>
+              </a:ext>
+            </a:extLst>
+          </p:cNvPr>
+          <p:cNvSpPr>
+            <a:spLocks noGrp="1"/>
+          </p:cNvSpPr>
+          <p:nvPr>
+            <p:ph idx="1"/>
+          </p:nvPr>
+        </p:nvSpPr>
+        <p:spPr/>
+        <p:txBody>
+          <a:bodyPr/>
+          <a:lstStyle/>
+          <a:p>
+            <a:pPr lvl="1"/>
+            <a:r>
+              <a:rPr/>
+              <a:t>How many youth are married?</a:t>
+            </a:r>
+          </a:p>
+          <a:p>
+            <a:pPr lvl="1"/>
+            <a:r>
+              <a:rPr/>
+              <a:t>How many youth are partnered?</a:t>
+            </a:r>
+          </a:p>
+          <a:p>
+            <a:pPr lvl="1"/>
+            <a:r>
+              <a:rPr/>
+              <a:t>How many households are foodstamp recipients?</a:t>
+            </a:r>
+          </a:p>
+          <a:p>
+            <a:pPr lvl="1"/>
+            <a:r>
+              <a:rPr/>
+              <a:t>What type of households do</a:t>
+            </a:r>
+          </a:p>
+          <a:p>
+            <a:pPr lvl="1"/>
+            <a:r>
+              <a:rPr/>
+              <a:t>What percentage of each household has broadband access?</a:t>
+            </a:r>
+          </a:p>
+          <a:p>
+            <a:pPr lvl="1"/>
+            <a:r>
+              <a:rPr/>
+              <a:t>What percentage of each household has computer access?</a:t>
+            </a:r>
+          </a:p>
+          <a:p>
+            <a:pPr lvl="1"/>
+            <a:r>
+              <a:rPr/>
+              <a:t>Have Opportunity Youth moved within the last year?</a:t>
+            </a:r>
+          </a:p>
+          <a:p>
+            <a:pPr lvl="1"/>
+            <a:r>
+              <a:rPr/>
+              <a:t>What are Connected Youths’ primary form of transportation?</a:t>
+            </a:r>
+          </a:p>
+          <a:p>
+            <a:pPr lvl="1"/>
+            <a:r>
+              <a:rPr/>
+              <a:t>What are Connected Youths’ average commute time?</a:t>
+            </a:r>
+          </a:p>
+        </p:txBody>
+      </p:sp>
+    </p:spTree>
+  </p:cSld>
+</p:sld>
+</file>
+
+<file path=ppt/slides/slide5.xml><?xml version="1.0" encoding="utf-8"?>
+<p:sld xmlns:a="http://schemas.openxmlformats.org/drawingml/2006/main" xmlns:r="http://schemas.openxmlformats.org/officeDocument/2006/relationships" xmlns:p="http://schemas.openxmlformats.org/presentationml/2006/main">
+  <p:cSld>
+    <p:spTree>
+      <p:nvGrpSpPr>
+        <p:cNvPr id="1" name=""/>
+        <p:cNvGrpSpPr/>
+        <p:nvPr/>
+      </p:nvGrpSpPr>
+      <p:grpSpPr>
+        <a:xfrm>
+          <a:off x="0" y="0"/>
+          <a:ext cx="0" cy="0"/>
+          <a:chOff x="0" y="0"/>
+          <a:chExt cx="0" cy="0"/>
+        </a:xfrm>
+      </p:grpSpPr>
+      <p:sp>
+        <p:nvSpPr>
+          <p:cNvPr id="2" name="Title 1">
+            <a:extLst>
+              <a:ext uri="{FF2B5EF4-FFF2-40B4-BE49-F238E27FC236}">
                 <a16:creationId xmlns:a16="http://schemas.microsoft.com/office/drawing/2014/main" id="{1CAF8530-DA25-40F0-835B-ABF68B3EB818}"/>
               </a:ext>
             </a:extLst>
@@ -7595,7 +7003,147 @@
 </p:sld>
 </file>
 
-<file path=ppt/slides/slide5.xml><?xml version="1.0" encoding="utf-8"?>
+<file path=ppt/slides/slide6.xml><?xml version="1.0" encoding="utf-8"?>
+<p:sld xmlns:a="http://schemas.openxmlformats.org/drawingml/2006/main" xmlns:r="http://schemas.openxmlformats.org/officeDocument/2006/relationships" xmlns:p="http://schemas.openxmlformats.org/presentationml/2006/main">
+  <p:cSld>
+    <p:spTree>
+      <p:nvGrpSpPr>
+        <p:cNvPr id="1" name=""/>
+        <p:cNvGrpSpPr/>
+        <p:nvPr/>
+      </p:nvGrpSpPr>
+      <p:grpSpPr>
+        <a:xfrm>
+          <a:off x="0" y="0"/>
+          <a:ext cx="0" cy="0"/>
+          <a:chOff x="0" y="0"/>
+          <a:chExt cx="0" cy="0"/>
+        </a:xfrm>
+      </p:grpSpPr>
+      <p:sp>
+        <p:nvSpPr>
+          <p:cNvPr id="2" name="Title 1">
+            <a:extLst>
+              <a:ext uri="{FF2B5EF4-FFF2-40B4-BE49-F238E27FC236}">
+                <a16:creationId xmlns:a16="http://schemas.microsoft.com/office/drawing/2014/main" id="{0D064A50-2A97-421C-813D-6449089693A0}"/>
+              </a:ext>
+            </a:extLst>
+          </p:cNvPr>
+          <p:cNvSpPr>
+            <a:spLocks noGrp="1"/>
+          </p:cNvSpPr>
+          <p:nvPr>
+            <p:ph type="title"/>
+          </p:nvPr>
+        </p:nvSpPr>
+        <p:spPr/>
+        <p:txBody>
+          <a:bodyPr/>
+          <a:lstStyle/>
+          <a:p>
+            <a:pPr lvl="0" marL="0" indent="0">
+              <a:buNone/>
+            </a:pPr>
+            <a:r>
+              <a:rPr/>
+              <a:t>How</a:t>
+            </a:r>
+            <a:r>
+              <a:rPr/>
+              <a:t> </a:t>
+            </a:r>
+            <a:r>
+              <a:rPr/>
+              <a:t>are</a:t>
+            </a:r>
+            <a:r>
+              <a:rPr/>
+              <a:t> </a:t>
+            </a:r>
+            <a:r>
+              <a:rPr/>
+              <a:t>Opportunity</a:t>
+            </a:r>
+            <a:r>
+              <a:rPr/>
+              <a:t> </a:t>
+            </a:r>
+            <a:r>
+              <a:rPr/>
+              <a:t>Youth</a:t>
+            </a:r>
+            <a:r>
+              <a:rPr/>
+              <a:t> </a:t>
+            </a:r>
+            <a:r>
+              <a:rPr/>
+              <a:t>defined?</a:t>
+            </a:r>
+          </a:p>
+        </p:txBody>
+      </p:sp>
+      <p:sp>
+        <p:nvSpPr>
+          <p:cNvPr id="3" name="Content Placeholder 2">
+            <a:extLst>
+              <a:ext uri="{FF2B5EF4-FFF2-40B4-BE49-F238E27FC236}">
+                <a16:creationId xmlns:a16="http://schemas.microsoft.com/office/drawing/2014/main" id="{C0E34547-063B-468C-B841-DB8C0206424E}"/>
+              </a:ext>
+            </a:extLst>
+          </p:cNvPr>
+          <p:cNvSpPr>
+            <a:spLocks noGrp="1"/>
+          </p:cNvSpPr>
+          <p:nvPr>
+            <p:ph idx="1"/>
+          </p:nvPr>
+        </p:nvSpPr>
+        <p:spPr/>
+        <p:txBody>
+          <a:bodyPr/>
+          <a:lstStyle/>
+          <a:p>
+            <a:pPr lvl="1"/>
+            <a:r>
+              <a:rPr i="1"/>
+              <a:t>Opportunity Youth:</a:t>
+            </a:r>
+            <a:r>
+              <a:rPr/>
+              <a:t> Individuals that are 16 to 24 years old who are simultaneously unemployed/ not in the labor force and not enrolled in school (disconnection)</a:t>
+            </a:r>
+          </a:p>
+          <a:p>
+            <a:pPr lvl="1"/>
+            <a:r>
+              <a:rPr i="1"/>
+              <a:t>Connected Youth:</a:t>
+            </a:r>
+            <a:r>
+              <a:rPr/>
+              <a:t> Individuals that are 16 to 24 years old who are either employed, enrolled in school, or both.</a:t>
+            </a:r>
+          </a:p>
+          <a:p>
+            <a:pPr lvl="1"/>
+            <a:r>
+              <a:rPr i="1"/>
+              <a:t>Everyone Else:</a:t>
+            </a:r>
+            <a:r>
+              <a:rPr/>
+              <a:t> Individuals outside of this age category who may be enrolled in school or employed</a:t>
+            </a:r>
+          </a:p>
+        </p:txBody>
+      </p:sp>
+    </p:spTree>
+  </p:cSld>
+</p:sld>
+</file>
+
+<file path=ppt/slides/slide7.xml><?xml version="1.0" encoding="utf-8"?>
 <p:sld xmlns:a="http://schemas.openxmlformats.org/drawingml/2006/main" xmlns:r="http://schemas.openxmlformats.org/officeDocument/2006/relationships" xmlns:p="http://schemas.openxmlformats.org/presentationml/2006/main">
   <p:cSld>
     <p:spTree>
@@ -7750,7 +7298,7 @@
 </p:sld>
 </file>
 
-<file path=ppt/slides/slide6.xml><?xml version="1.0" encoding="utf-8"?>
+<file path=ppt/slides/slide8.xml><?xml version="1.0" encoding="utf-8"?>
 <p:sld xmlns:a="http://schemas.openxmlformats.org/drawingml/2006/main" xmlns:r="http://schemas.openxmlformats.org/officeDocument/2006/relationships" xmlns:p="http://schemas.openxmlformats.org/presentationml/2006/main">
   <p:cSld>
     <p:spTree>
@@ -7772,7 +7320,7 @@
           <p:cNvPr id="2" name="Title 1">
             <a:extLst>
               <a:ext uri="{FF2B5EF4-FFF2-40B4-BE49-F238E27FC236}">
-                <a16:creationId xmlns:a16="http://schemas.microsoft.com/office/drawing/2014/main" id="{0D064A50-2A97-421C-813D-6449089693A0}"/>
+                <a16:creationId xmlns:a16="http://schemas.microsoft.com/office/drawing/2014/main" id="{1CAF8530-DA25-40F0-835B-ABF68B3EB818}"/>
               </a:ext>
             </a:extLst>
           </p:cNvPr>
@@ -7783,7 +7331,12 @@
             <p:ph type="title"/>
           </p:nvPr>
         </p:nvSpPr>
-        <p:spPr/>
+        <p:spPr>
+          <a:xfrm>
+            <a:off x="831850" y="1123072"/>
+            <a:ext cx="10515600" cy="2852737"/>
+          </a:xfrm>
+        </p:spPr>
         <p:txBody>
           <a:bodyPr/>
           <a:lstStyle/>
@@ -7793,87 +7346,7 @@
             </a:pPr>
             <a:r>
               <a:rPr/>
-              <a:t>Definitions:</a:t>
-            </a:r>
-            <a:r>
-              <a:rPr/>
-              <a:t> </a:t>
-            </a:r>
-            <a:r>
-              <a:rPr/>
-              <a:t>Person</a:t>
-            </a:r>
-            <a:r>
-              <a:rPr/>
-              <a:t> </a:t>
-            </a:r>
-            <a:r>
-              <a:rPr/>
-              <a:t>Categorizations</a:t>
-            </a:r>
-          </a:p>
-        </p:txBody>
-      </p:sp>
-      <p:sp>
-        <p:nvSpPr>
-          <p:cNvPr id="3" name="Content Placeholder 2">
-            <a:extLst>
-              <a:ext uri="{FF2B5EF4-FFF2-40B4-BE49-F238E27FC236}">
-                <a16:creationId xmlns:a16="http://schemas.microsoft.com/office/drawing/2014/main" id="{C0E34547-063B-468C-B841-DB8C0206424E}"/>
-              </a:ext>
-            </a:extLst>
-          </p:cNvPr>
-          <p:cNvSpPr>
-            <a:spLocks noGrp="1"/>
-          </p:cNvSpPr>
-          <p:nvPr>
-            <p:ph idx="1"/>
-          </p:nvPr>
-        </p:nvSpPr>
-        <p:spPr/>
-        <p:txBody>
-          <a:bodyPr/>
-          <a:lstStyle/>
-          <a:p>
-            <a:pPr lvl="0" marL="0" indent="0">
-              <a:buNone/>
-            </a:pPr>
-            <a:r>
-              <a:rPr b="1"/>
-              <a:t>Person-Level:</a:t>
-            </a:r>
-          </a:p>
-          <a:p>
-            <a:pPr lvl="1"/>
-            <a:r>
-              <a:rPr i="1"/>
-              <a:t>Opportunity Youth:</a:t>
-            </a:r>
-            <a:r>
-              <a:rPr/>
-              <a:t> Individuals that are 16 to 24 years old who are simultaneously unemployed/ not in the labor force and not enrolled in school (disconnection)</a:t>
-            </a:r>
-          </a:p>
-          <a:p>
-            <a:pPr lvl="1"/>
-            <a:r>
-              <a:rPr i="1"/>
-              <a:t>Connected Youth:</a:t>
-            </a:r>
-            <a:r>
-              <a:rPr/>
-              <a:t> Individuals that are 16 to 24 years old who are either employed, enrolled in school, or both.</a:t>
-            </a:r>
-          </a:p>
-          <a:p>
-            <a:pPr lvl="1"/>
-            <a:r>
-              <a:rPr i="1"/>
-              <a:t>Everyone Else:</a:t>
-            </a:r>
-            <a:r>
-              <a:rPr/>
-              <a:t> Individuals outside of this age category who may be enrolled in school or employed</a:t>
+              <a:t>Results</a:t>
             </a:r>
           </a:p>
         </p:txBody>
@@ -7883,7 +7356,7 @@
 </p:sld>
 </file>
 
-<file path=ppt/slides/slide7.xml><?xml version="1.0" encoding="utf-8"?>
+<file path=ppt/slides/slide9.xml><?xml version="1.0" encoding="utf-8"?>
 <p:sld xmlns:a="http://schemas.openxmlformats.org/drawingml/2006/main" xmlns:r="http://schemas.openxmlformats.org/officeDocument/2006/relationships" xmlns:p="http://schemas.openxmlformats.org/presentationml/2006/main">
   <p:cSld>
     <p:spTree>
@@ -7926,30 +7399,38 @@
             </a:pPr>
             <a:r>
               <a:rPr/>
-              <a:t>Definitions:</a:t>
-            </a:r>
-            <a:r>
-              <a:rPr/>
-              <a:t> </a:t>
-            </a:r>
-            <a:r>
-              <a:rPr/>
-              <a:t>Household</a:t>
-            </a:r>
-            <a:r>
-              <a:rPr/>
-              <a:t> </a:t>
-            </a:r>
-            <a:r>
-              <a:rPr/>
-              <a:t>Categorizations</a:t>
+              <a:t>How</a:t>
+            </a:r>
+            <a:r>
+              <a:rPr/>
+              <a:t> </a:t>
+            </a:r>
+            <a:r>
+              <a:rPr/>
+              <a:t>are</a:t>
+            </a:r>
+            <a:r>
+              <a:rPr/>
+              <a:t> </a:t>
+            </a:r>
+            <a:r>
+              <a:rPr/>
+              <a:t>households</a:t>
+            </a:r>
+            <a:r>
+              <a:rPr/>
+              <a:t> </a:t>
+            </a:r>
+            <a:r>
+              <a:rPr/>
+              <a:t>categorized?</a:t>
             </a:r>
           </a:p>
         </p:txBody>
       </p:sp>
       <p:graphicFrame xmlns:a="http://schemas.openxmlformats.org/drawingml/2006/main" xmlns:r="http://schemas.openxmlformats.org/officeDocument/2006/relationships" xmlns:p="http://schemas.openxmlformats.org/presentationml/2006/main">
         <p:nvGraphicFramePr>
-          <p:cNvPr id="910707525" name=""/>
+          <p:cNvPr id="367121093" name=""/>
           <p:cNvGraphicFramePr>
             <a:graphicFrameLocks noGrp="true"/>
           </p:cNvGraphicFramePr>
@@ -7964,7 +7445,7 @@
             <a:tbl>
               <a:tblPr/>
               <a:tblGrid>
-                <a:gridCol w="1663778"/>
+                <a:gridCol w="1697748"/>
                 <a:gridCol w="1201022"/>
                 <a:gridCol w="1394405"/>
                 <a:gridCol w="1011868"/>
@@ -8549,7 +8030,7 @@
                           <a:latin typeface="Arial"/>
                           <a:cs typeface="Arial"/>
                         </a:rPr>
-                        <a:t>CY Only Household</a:t>
+                        <a:t>Household w/Only CY</a:t>
                       </a:r>
                     </a:p>
                   </a:txBody>
@@ -8835,7 +8316,7 @@
                           <a:latin typeface="Arial"/>
                           <a:cs typeface="Arial"/>
                         </a:rPr>
-                        <a:t>OY Only Household</a:t>
+                        <a:t>Household w/Only OY</a:t>
                       </a:r>
                     </a:p>
                   </a:txBody>
@@ -9077,251 +8558,6 @@
           </a:graphicData>
         </a:graphic>
       </p:graphicFrame>
-    </p:spTree>
-  </p:cSld>
-</p:sld>
-</file>
-
-<file path=ppt/slides/slide8.xml><?xml version="1.0" encoding="utf-8"?>
-<p:sld xmlns:a="http://schemas.openxmlformats.org/drawingml/2006/main" xmlns:r="http://schemas.openxmlformats.org/officeDocument/2006/relationships" xmlns:p="http://schemas.openxmlformats.org/presentationml/2006/main">
-  <p:cSld>
-    <p:spTree>
-      <p:nvGrpSpPr>
-        <p:cNvPr id="1" name=""/>
-        <p:cNvGrpSpPr/>
-        <p:nvPr/>
-      </p:nvGrpSpPr>
-      <p:grpSpPr>
-        <a:xfrm>
-          <a:off x="0" y="0"/>
-          <a:ext cx="0" cy="0"/>
-          <a:chOff x="0" y="0"/>
-          <a:chExt cx="0" cy="0"/>
-        </a:xfrm>
-      </p:grpSpPr>
-      <p:sp>
-        <p:nvSpPr>
-          <p:cNvPr id="2" name="Title 1">
-            <a:extLst>
-              <a:ext uri="{FF2B5EF4-FFF2-40B4-BE49-F238E27FC236}">
-                <a16:creationId xmlns:a16="http://schemas.microsoft.com/office/drawing/2014/main" id="{1CAF8530-DA25-40F0-835B-ABF68B3EB818}"/>
-              </a:ext>
-            </a:extLst>
-          </p:cNvPr>
-          <p:cNvSpPr>
-            <a:spLocks noGrp="1"/>
-          </p:cNvSpPr>
-          <p:nvPr>
-            <p:ph type="title"/>
-          </p:nvPr>
-        </p:nvSpPr>
-        <p:spPr>
-          <a:xfrm>
-            <a:off x="831850" y="1123072"/>
-            <a:ext cx="10515600" cy="2852737"/>
-          </a:xfrm>
-        </p:spPr>
-        <p:txBody>
-          <a:bodyPr/>
-          <a:lstStyle/>
-          <a:p>
-            <a:pPr lvl="0" marL="0" indent="0">
-              <a:buNone/>
-            </a:pPr>
-            <a:r>
-              <a:rPr/>
-              <a:t>Results</a:t>
-            </a:r>
-          </a:p>
-        </p:txBody>
-      </p:sp>
-    </p:spTree>
-  </p:cSld>
-</p:sld>
-</file>
-
-<file path=ppt/slides/slide9.xml><?xml version="1.0" encoding="utf-8"?>
-<p:sld xmlns:a="http://schemas.openxmlformats.org/drawingml/2006/main" xmlns:r="http://schemas.openxmlformats.org/officeDocument/2006/relationships" xmlns:p="http://schemas.openxmlformats.org/presentationml/2006/main">
-  <p:cSld>
-    <p:spTree>
-      <p:nvGrpSpPr>
-        <p:cNvPr id="1" name=""/>
-        <p:cNvGrpSpPr/>
-        <p:nvPr/>
-      </p:nvGrpSpPr>
-      <p:grpSpPr>
-        <a:xfrm>
-          <a:off x="0" y="0"/>
-          <a:ext cx="0" cy="0"/>
-          <a:chOff x="0" y="0"/>
-          <a:chExt cx="0" cy="0"/>
-        </a:xfrm>
-      </p:grpSpPr>
-      <p:sp>
-        <p:nvSpPr>
-          <p:cNvPr id="2" name="Title 1">
-            <a:extLst>
-              <a:ext uri="{FF2B5EF4-FFF2-40B4-BE49-F238E27FC236}">
-                <a16:creationId xmlns:a16="http://schemas.microsoft.com/office/drawing/2014/main" id="{0D064A50-2A97-421C-813D-6449089693A0}"/>
-              </a:ext>
-            </a:extLst>
-          </p:cNvPr>
-          <p:cNvSpPr>
-            <a:spLocks noGrp="1"/>
-          </p:cNvSpPr>
-          <p:nvPr>
-            <p:ph type="title"/>
-          </p:nvPr>
-        </p:nvSpPr>
-        <p:spPr/>
-        <p:txBody>
-          <a:bodyPr/>
-          <a:lstStyle/>
-          <a:p>
-            <a:pPr lvl="0" marL="0" indent="0">
-              <a:buNone/>
-            </a:pPr>
-            <a:r>
-              <a:rPr/>
-              <a:t>Opportunity</a:t>
-            </a:r>
-            <a:r>
-              <a:rPr/>
-              <a:t> </a:t>
-            </a:r>
-            <a:r>
-              <a:rPr/>
-              <a:t>Youth</a:t>
-            </a:r>
-            <a:r>
-              <a:rPr/>
-              <a:t> </a:t>
-            </a:r>
-            <a:r>
-              <a:rPr/>
-              <a:t>are</a:t>
-            </a:r>
-            <a:r>
-              <a:rPr/>
-              <a:t> </a:t>
-            </a:r>
-            <a:r>
-              <a:rPr/>
-              <a:t>half</a:t>
-            </a:r>
-            <a:r>
-              <a:rPr/>
-              <a:t> </a:t>
-            </a:r>
-            <a:r>
-              <a:rPr/>
-              <a:t>as</a:t>
-            </a:r>
-            <a:r>
-              <a:rPr/>
-              <a:t> </a:t>
-            </a:r>
-            <a:r>
-              <a:rPr/>
-              <a:t>likely</a:t>
-            </a:r>
-            <a:r>
-              <a:rPr/>
-              <a:t> </a:t>
-            </a:r>
-            <a:r>
-              <a:rPr/>
-              <a:t>as</a:t>
-            </a:r>
-            <a:r>
-              <a:rPr/>
-              <a:t> </a:t>
-            </a:r>
-            <a:r>
-              <a:rPr/>
-              <a:t>Connected</a:t>
-            </a:r>
-            <a:r>
-              <a:rPr/>
-              <a:t> </a:t>
-            </a:r>
-            <a:r>
-              <a:rPr/>
-              <a:t>Youth</a:t>
-            </a:r>
-            <a:r>
-              <a:rPr/>
-              <a:t> </a:t>
-            </a:r>
-            <a:r>
-              <a:rPr/>
-              <a:t>to</a:t>
-            </a:r>
-            <a:r>
-              <a:rPr/>
-              <a:t> </a:t>
-            </a:r>
-            <a:r>
-              <a:rPr/>
-              <a:t>be</a:t>
-            </a:r>
-            <a:r>
-              <a:rPr/>
-              <a:t> </a:t>
-            </a:r>
-            <a:r>
-              <a:rPr/>
-              <a:t>the</a:t>
-            </a:r>
-            <a:r>
-              <a:rPr/>
-              <a:t> </a:t>
-            </a:r>
-            <a:r>
-              <a:rPr/>
-              <a:t>reference</a:t>
-            </a:r>
-            <a:r>
-              <a:rPr/>
-              <a:t> </a:t>
-            </a:r>
-            <a:r>
-              <a:rPr/>
-              <a:t>person</a:t>
-            </a:r>
-          </a:p>
-        </p:txBody>
-      </p:sp>
-      <p:pic>
-        <p:nvPicPr>
-          <p:cNvPr descr="household_structure_estimates_files/figure-pptx/unnamed-chunk-5-1.png" id="0" name="Picture 1"/>
-          <p:cNvPicPr>
-            <a:picLocks noGrp="1" noChangeAspect="1"/>
-          </p:cNvPicPr>
-          <p:nvPr/>
-        </p:nvPicPr>
-        <p:blipFill>
-          <a:blip r:embed="rId2"/>
-          <a:stretch>
-            <a:fillRect/>
-          </a:stretch>
-        </p:blipFill>
-        <p:spPr bwMode="auto">
-          <a:xfrm>
-            <a:off x="2616200" y="1816100"/>
-            <a:ext cx="6946900" cy="4343400"/>
-          </a:xfrm>
-          <a:prstGeom prst="rect">
-            <a:avLst/>
-          </a:prstGeom>
-          <a:noFill/>
-          <a:ln w="9525">
-            <a:noFill/>
-            <a:headEnd/>
-            <a:tailEnd/>
-          </a:ln>
-        </p:spPr>
-      </p:pic>
     </p:spTree>
   </p:cSld>
 </p:sld>

--- a/create_powerpoint/household_structure_estimates.pptx
+++ b/create_powerpoint/household_structure_estimates.pptx
@@ -31,9 +31,6 @@
     <p:sldId id="279" r:id="rId25"/>
     <p:sldId id="280" r:id="rId26"/>
     <p:sldId id="281" r:id="rId27"/>
-    <p:sldId id="282" r:id="rId28"/>
-    <p:sldId id="283" r:id="rId29"/>
-    <p:sldId id="284" r:id="rId30"/>
   </p:sldIdLst>
   <p:sldSz cx="12192000" cy="6858000"/>
   <p:notesSz cx="6858000" cy="9144000"/>
@@ -3617,7 +3614,7 @@
             </a:r>
             <a:r>
               <a:rPr/>
-              <a:t>18,</a:t>
+              <a:t>19,</a:t>
             </a:r>
             <a:r>
               <a:rPr/>
@@ -3636,169 +3633,6 @@
 </file>
 
 <file path=ppt/slides/slide10.xml><?xml version="1.0" encoding="utf-8"?>
-<p:sld xmlns:a="http://schemas.openxmlformats.org/drawingml/2006/main" xmlns:r="http://schemas.openxmlformats.org/officeDocument/2006/relationships" xmlns:p="http://schemas.openxmlformats.org/presentationml/2006/main">
-  <p:cSld>
-    <p:spTree>
-      <p:nvGrpSpPr>
-        <p:cNvPr id="1" name=""/>
-        <p:cNvGrpSpPr/>
-        <p:nvPr/>
-      </p:nvGrpSpPr>
-      <p:grpSpPr>
-        <a:xfrm>
-          <a:off x="0" y="0"/>
-          <a:ext cx="0" cy="0"/>
-          <a:chOff x="0" y="0"/>
-          <a:chExt cx="0" cy="0"/>
-        </a:xfrm>
-      </p:grpSpPr>
-      <p:sp>
-        <p:nvSpPr>
-          <p:cNvPr id="2" name="Title 1">
-            <a:extLst>
-              <a:ext uri="{FF2B5EF4-FFF2-40B4-BE49-F238E27FC236}">
-                <a16:creationId xmlns:a16="http://schemas.microsoft.com/office/drawing/2014/main" id="{0D064A50-2A97-421C-813D-6449089693A0}"/>
-              </a:ext>
-            </a:extLst>
-          </p:cNvPr>
-          <p:cNvSpPr>
-            <a:spLocks noGrp="1"/>
-          </p:cNvSpPr>
-          <p:nvPr>
-            <p:ph type="title"/>
-          </p:nvPr>
-        </p:nvSpPr>
-        <p:spPr/>
-        <p:txBody>
-          <a:bodyPr/>
-          <a:lstStyle/>
-          <a:p>
-            <a:pPr lvl="0" marL="0" indent="0">
-              <a:buNone/>
-            </a:pPr>
-            <a:r>
-              <a:rPr/>
-              <a:t>Opportunity</a:t>
-            </a:r>
-            <a:r>
-              <a:rPr/>
-              <a:t> </a:t>
-            </a:r>
-            <a:r>
-              <a:rPr/>
-              <a:t>Youth</a:t>
-            </a:r>
-            <a:r>
-              <a:rPr/>
-              <a:t> </a:t>
-            </a:r>
-            <a:r>
-              <a:rPr/>
-              <a:t>households</a:t>
-            </a:r>
-            <a:r>
-              <a:rPr/>
-              <a:t> </a:t>
-            </a:r>
-            <a:r>
-              <a:rPr/>
-              <a:t>are</a:t>
-            </a:r>
-            <a:r>
-              <a:rPr/>
-              <a:t> </a:t>
-            </a:r>
-            <a:r>
-              <a:rPr/>
-              <a:t>more</a:t>
-            </a:r>
-            <a:r>
-              <a:rPr/>
-              <a:t> </a:t>
-            </a:r>
-            <a:r>
-              <a:rPr/>
-              <a:t>likely</a:t>
-            </a:r>
-            <a:r>
-              <a:rPr/>
-              <a:t> </a:t>
-            </a:r>
-            <a:r>
-              <a:rPr/>
-              <a:t>to</a:t>
-            </a:r>
-            <a:r>
-              <a:rPr/>
-              <a:t> </a:t>
-            </a:r>
-            <a:r>
-              <a:rPr/>
-              <a:t>contain</a:t>
-            </a:r>
-            <a:r>
-              <a:rPr/>
-              <a:t> </a:t>
-            </a:r>
-            <a:r>
-              <a:rPr/>
-              <a:t>‘</a:t>
-            </a:r>
-            <a:r>
-              <a:rPr/>
-              <a:t>Everyone</a:t>
-            </a:r>
-            <a:r>
-              <a:rPr/>
-              <a:t> </a:t>
-            </a:r>
-            <a:r>
-              <a:rPr/>
-              <a:t>Else</a:t>
-            </a:r>
-            <a:r>
-              <a:rPr/>
-              <a:t>’</a:t>
-            </a:r>
-          </a:p>
-        </p:txBody>
-      </p:sp>
-      <p:pic>
-        <p:nvPicPr>
-          <p:cNvPr descr="household_structure_estimates_files/figure-pptx/unnamed-chunk-5-1.png" id="0" name="Picture 1"/>
-          <p:cNvPicPr>
-            <a:picLocks noGrp="1" noChangeAspect="1"/>
-          </p:cNvPicPr>
-          <p:nvPr/>
-        </p:nvPicPr>
-        <p:blipFill>
-          <a:blip r:embed="rId2"/>
-          <a:stretch>
-            <a:fillRect/>
-          </a:stretch>
-        </p:blipFill>
-        <p:spPr bwMode="auto">
-          <a:xfrm>
-            <a:off x="2616200" y="1816100"/>
-            <a:ext cx="6946900" cy="4343400"/>
-          </a:xfrm>
-          <a:prstGeom prst="rect">
-            <a:avLst/>
-          </a:prstGeom>
-          <a:noFill/>
-          <a:ln w="9525">
-            <a:noFill/>
-            <a:headEnd/>
-            <a:tailEnd/>
-          </a:ln>
-        </p:spPr>
-      </p:pic>
-    </p:spTree>
-  </p:cSld>
-</p:sld>
-</file>
-
-<file path=ppt/slides/slide11.xml><?xml version="1.0" encoding="utf-8"?>
 <p:sld xmlns:a="http://schemas.openxmlformats.org/drawingml/2006/main" xmlns:r="http://schemas.openxmlformats.org/officeDocument/2006/relationships" xmlns:p="http://schemas.openxmlformats.org/presentationml/2006/main">
   <p:cSld>
     <p:spTree>
@@ -3945,6 +3779,161 @@
 </p:sld>
 </file>
 
+<file path=ppt/slides/slide11.xml><?xml version="1.0" encoding="utf-8"?>
+<p:sld xmlns:a="http://schemas.openxmlformats.org/drawingml/2006/main" xmlns:r="http://schemas.openxmlformats.org/officeDocument/2006/relationships" xmlns:p="http://schemas.openxmlformats.org/presentationml/2006/main">
+  <p:cSld>
+    <p:spTree>
+      <p:nvGrpSpPr>
+        <p:cNvPr id="1" name=""/>
+        <p:cNvGrpSpPr/>
+        <p:nvPr/>
+      </p:nvGrpSpPr>
+      <p:grpSpPr>
+        <a:xfrm>
+          <a:off x="0" y="0"/>
+          <a:ext cx="0" cy="0"/>
+          <a:chOff x="0" y="0"/>
+          <a:chExt cx="0" cy="0"/>
+        </a:xfrm>
+      </p:grpSpPr>
+      <p:sp>
+        <p:nvSpPr>
+          <p:cNvPr id="2" name="Title 1">
+            <a:extLst>
+              <a:ext uri="{FF2B5EF4-FFF2-40B4-BE49-F238E27FC236}">
+                <a16:creationId xmlns:a16="http://schemas.microsoft.com/office/drawing/2014/main" id="{0D064A50-2A97-421C-813D-6449089693A0}"/>
+              </a:ext>
+            </a:extLst>
+          </p:cNvPr>
+          <p:cNvSpPr>
+            <a:spLocks noGrp="1"/>
+          </p:cNvSpPr>
+          <p:nvPr>
+            <p:ph type="title"/>
+          </p:nvPr>
+        </p:nvSpPr>
+        <p:spPr/>
+        <p:txBody>
+          <a:bodyPr/>
+          <a:lstStyle/>
+          <a:p>
+            <a:pPr lvl="0" marL="0" indent="0">
+              <a:buNone/>
+            </a:pPr>
+            <a:r>
+              <a:rPr/>
+              <a:t>Both</a:t>
+            </a:r>
+            <a:r>
+              <a:rPr/>
+              <a:t> </a:t>
+            </a:r>
+            <a:r>
+              <a:rPr/>
+              <a:t>Connected</a:t>
+            </a:r>
+            <a:r>
+              <a:rPr/>
+              <a:t> </a:t>
+            </a:r>
+            <a:r>
+              <a:rPr/>
+              <a:t>Youth</a:t>
+            </a:r>
+            <a:r>
+              <a:rPr/>
+              <a:t> </a:t>
+            </a:r>
+            <a:r>
+              <a:rPr/>
+              <a:t>and</a:t>
+            </a:r>
+            <a:r>
+              <a:rPr/>
+              <a:t> </a:t>
+            </a:r>
+            <a:r>
+              <a:rPr/>
+              <a:t>Opportunity</a:t>
+            </a:r>
+            <a:r>
+              <a:rPr/>
+              <a:t> </a:t>
+            </a:r>
+            <a:r>
+              <a:rPr/>
+              <a:t>Youth</a:t>
+            </a:r>
+            <a:r>
+              <a:rPr/>
+              <a:t> </a:t>
+            </a:r>
+            <a:r>
+              <a:rPr/>
+              <a:t>live</a:t>
+            </a:r>
+            <a:r>
+              <a:rPr/>
+              <a:t> </a:t>
+            </a:r>
+            <a:r>
+              <a:rPr/>
+              <a:t>in</a:t>
+            </a:r>
+            <a:r>
+              <a:rPr/>
+              <a:t> </a:t>
+            </a:r>
+            <a:r>
+              <a:rPr/>
+              <a:t>larger</a:t>
+            </a:r>
+            <a:r>
+              <a:rPr/>
+              <a:t> </a:t>
+            </a:r>
+            <a:r>
+              <a:rPr/>
+              <a:t>households</a:t>
+            </a:r>
+          </a:p>
+        </p:txBody>
+      </p:sp>
+      <p:pic>
+        <p:nvPicPr>
+          <p:cNvPr descr="household_structure_estimates_files/figure-pptx/unnamed-chunk-8-1.png" id="0" name="Picture 1"/>
+          <p:cNvPicPr>
+            <a:picLocks noGrp="1" noChangeAspect="1"/>
+          </p:cNvPicPr>
+          <p:nvPr/>
+        </p:nvPicPr>
+        <p:blipFill>
+          <a:blip r:embed="rId2"/>
+          <a:stretch>
+            <a:fillRect/>
+          </a:stretch>
+        </p:blipFill>
+        <p:spPr bwMode="auto">
+          <a:xfrm>
+            <a:off x="2616200" y="1816100"/>
+            <a:ext cx="6946900" cy="4343400"/>
+          </a:xfrm>
+          <a:prstGeom prst="rect">
+            <a:avLst/>
+          </a:prstGeom>
+          <a:noFill/>
+          <a:ln w="9525">
+            <a:noFill/>
+            <a:headEnd/>
+            <a:tailEnd/>
+          </a:ln>
+        </p:spPr>
+      </p:pic>
+    </p:spTree>
+  </p:cSld>
+</p:sld>
+</file>
+
 <file path=ppt/slides/slide12.xml><?xml version="1.0" encoding="utf-8"?>
 <p:sld xmlns:a="http://schemas.openxmlformats.org/drawingml/2006/main" xmlns:r="http://schemas.openxmlformats.org/officeDocument/2006/relationships" xmlns:p="http://schemas.openxmlformats.org/presentationml/2006/main">
   <p:cSld>
@@ -3988,7 +3977,55 @@
             </a:pPr>
             <a:r>
               <a:rPr/>
-              <a:t>Both</a:t>
+              <a:t>Opportunity</a:t>
+            </a:r>
+            <a:r>
+              <a:rPr/>
+              <a:t> </a:t>
+            </a:r>
+            <a:r>
+              <a:rPr/>
+              <a:t>Youth</a:t>
+            </a:r>
+            <a:r>
+              <a:rPr/>
+              <a:t> </a:t>
+            </a:r>
+            <a:r>
+              <a:rPr/>
+              <a:t>are</a:t>
+            </a:r>
+            <a:r>
+              <a:rPr/>
+              <a:t> </a:t>
+            </a:r>
+            <a:r>
+              <a:rPr/>
+              <a:t>half</a:t>
+            </a:r>
+            <a:r>
+              <a:rPr/>
+              <a:t> </a:t>
+            </a:r>
+            <a:r>
+              <a:rPr/>
+              <a:t>as</a:t>
+            </a:r>
+            <a:r>
+              <a:rPr/>
+              <a:t> </a:t>
+            </a:r>
+            <a:r>
+              <a:rPr/>
+              <a:t>likely</a:t>
+            </a:r>
+            <a:r>
+              <a:rPr/>
+              <a:t> </a:t>
+            </a:r>
+            <a:r>
+              <a:rPr/>
+              <a:t>as</a:t>
             </a:r>
             <a:r>
               <a:rPr/>
@@ -4012,62 +4049,46 @@
             </a:r>
             <a:r>
               <a:rPr/>
-              <a:t>and</a:t>
-            </a:r>
-            <a:r>
-              <a:rPr/>
-              <a:t> </a:t>
-            </a:r>
-            <a:r>
-              <a:rPr/>
-              <a:t>Opportunity</a:t>
-            </a:r>
-            <a:r>
-              <a:rPr/>
-              <a:t> </a:t>
-            </a:r>
-            <a:r>
-              <a:rPr/>
-              <a:t>Youth</a:t>
-            </a:r>
-            <a:r>
-              <a:rPr/>
-              <a:t> </a:t>
-            </a:r>
-            <a:r>
-              <a:rPr/>
-              <a:t>live</a:t>
-            </a:r>
-            <a:r>
-              <a:rPr/>
-              <a:t> </a:t>
-            </a:r>
-            <a:r>
-              <a:rPr/>
-              <a:t>in</a:t>
-            </a:r>
-            <a:r>
-              <a:rPr/>
-              <a:t> </a:t>
-            </a:r>
-            <a:r>
-              <a:rPr/>
-              <a:t>larger</a:t>
-            </a:r>
-            <a:r>
-              <a:rPr/>
-              <a:t> </a:t>
-            </a:r>
-            <a:r>
-              <a:rPr/>
-              <a:t>households</a:t>
+              <a:t>to</a:t>
+            </a:r>
+            <a:r>
+              <a:rPr/>
+              <a:t> </a:t>
+            </a:r>
+            <a:r>
+              <a:rPr/>
+              <a:t>be</a:t>
+            </a:r>
+            <a:r>
+              <a:rPr/>
+              <a:t> </a:t>
+            </a:r>
+            <a:r>
+              <a:rPr/>
+              <a:t>the</a:t>
+            </a:r>
+            <a:r>
+              <a:rPr/>
+              <a:t> </a:t>
+            </a:r>
+            <a:r>
+              <a:rPr/>
+              <a:t>reference</a:t>
+            </a:r>
+            <a:r>
+              <a:rPr/>
+              <a:t> </a:t>
+            </a:r>
+            <a:r>
+              <a:rPr/>
+              <a:t>person</a:t>
             </a:r>
           </a:p>
         </p:txBody>
       </p:sp>
       <p:pic>
         <p:nvPicPr>
-          <p:cNvPr descr="household_structure_estimates_files/figure-pptx/unnamed-chunk-8-1.png" id="0" name="Picture 1"/>
+          <p:cNvPr descr="household_structure_estimates_files/figure-pptx/unnamed-chunk-9-1.png" id="0" name="Picture 1"/>
           <p:cNvPicPr>
             <a:picLocks noGrp="1" noChangeAspect="1"/>
           </p:cNvPicPr>
@@ -4151,6 +4172,22 @@
             </a:r>
             <a:r>
               <a:rPr/>
+              <a:t>and</a:t>
+            </a:r>
+            <a:r>
+              <a:rPr/>
+              <a:t> </a:t>
+            </a:r>
+            <a:r>
+              <a:rPr/>
+              <a:t>Connected</a:t>
+            </a:r>
+            <a:r>
+              <a:rPr/>
+              <a:t> </a:t>
+            </a:r>
+            <a:r>
+              <a:rPr/>
               <a:t>Youth</a:t>
             </a:r>
             <a:r>
@@ -4167,47 +4204,15 @@
             </a:r>
             <a:r>
               <a:rPr/>
-              <a:t>half</a:t>
-            </a:r>
-            <a:r>
-              <a:rPr/>
-              <a:t> </a:t>
-            </a:r>
-            <a:r>
-              <a:rPr/>
-              <a:t>as</a:t>
-            </a:r>
-            <a:r>
-              <a:rPr/>
-              <a:t> </a:t>
-            </a:r>
-            <a:r>
-              <a:rPr/>
-              <a:t>likely</a:t>
-            </a:r>
-            <a:r>
-              <a:rPr/>
-              <a:t> </a:t>
-            </a:r>
-            <a:r>
-              <a:rPr/>
-              <a:t>as</a:t>
-            </a:r>
-            <a:r>
-              <a:rPr/>
-              <a:t> </a:t>
-            </a:r>
-            <a:r>
-              <a:rPr/>
-              <a:t>Connected</a:t>
-            </a:r>
-            <a:r>
-              <a:rPr/>
-              <a:t> </a:t>
-            </a:r>
-            <a:r>
-              <a:rPr/>
-              <a:t>Youth</a:t>
+              <a:t>both</a:t>
+            </a:r>
+            <a:r>
+              <a:rPr/>
+              <a:t> </a:t>
+            </a:r>
+            <a:r>
+              <a:rPr/>
+              <a:t>unlikely</a:t>
             </a:r>
             <a:r>
               <a:rPr/>
@@ -4231,30 +4236,14 @@
             </a:r>
             <a:r>
               <a:rPr/>
-              <a:t>the</a:t>
-            </a:r>
-            <a:r>
-              <a:rPr/>
-              <a:t> </a:t>
-            </a:r>
-            <a:r>
-              <a:rPr/>
-              <a:t>reference</a:t>
-            </a:r>
-            <a:r>
-              <a:rPr/>
-              <a:t> </a:t>
-            </a:r>
-            <a:r>
-              <a:rPr/>
-              <a:t>person</a:t>
+              <a:t>married</a:t>
             </a:r>
           </a:p>
         </p:txBody>
       </p:sp>
       <p:pic>
         <p:nvPicPr>
-          <p:cNvPr descr="household_structure_estimates_files/figure-pptx/unnamed-chunk-9-1.png" id="0" name="Picture 1"/>
+          <p:cNvPr descr="household_structure_estimates_files/figure-pptx/unnamed-chunk-10-1.png" id="0" name="Picture 1"/>
           <p:cNvPicPr>
             <a:picLocks noGrp="1" noChangeAspect="1"/>
           </p:cNvPicPr>
@@ -4268,8 +4257,8 @@
         </p:blipFill>
         <p:spPr bwMode="auto">
           <a:xfrm>
-            <a:off x="2616200" y="1816100"/>
-            <a:ext cx="6946900" cy="4343400"/>
+            <a:off x="1752600" y="1816100"/>
+            <a:ext cx="8686800" cy="4343400"/>
           </a:xfrm>
           <a:prstGeom prst="rect">
             <a:avLst/>
@@ -4354,23 +4343,7 @@
             </a:r>
             <a:r>
               <a:rPr/>
-              <a:t>three</a:t>
-            </a:r>
-            <a:r>
-              <a:rPr/>
-              <a:t> </a:t>
-            </a:r>
-            <a:r>
-              <a:rPr/>
-              <a:t>times</a:t>
-            </a:r>
-            <a:r>
-              <a:rPr/>
-              <a:t> </a:t>
-            </a:r>
-            <a:r>
-              <a:rPr/>
-              <a:t>as</a:t>
+              <a:t>more</a:t>
             </a:r>
             <a:r>
               <a:rPr/>
@@ -4394,6 +4367,38 @@
             </a:r>
             <a:r>
               <a:rPr/>
+              <a:t>than</a:t>
+            </a:r>
+            <a:r>
+              <a:rPr/>
+              <a:t> </a:t>
+            </a:r>
+            <a:r>
+              <a:rPr/>
+              <a:t>Connected</a:t>
+            </a:r>
+            <a:r>
+              <a:rPr/>
+              <a:t> </a:t>
+            </a:r>
+            <a:r>
+              <a:rPr/>
+              <a:t>Youth</a:t>
+            </a:r>
+            <a:r>
+              <a:rPr/>
+              <a:t> </a:t>
+            </a:r>
+            <a:r>
+              <a:rPr/>
+              <a:t>to</a:t>
+            </a:r>
+            <a:r>
+              <a:rPr/>
+              <a:t> </a:t>
+            </a:r>
+            <a:r>
+              <a:rPr/>
               <a:t>have</a:t>
             </a:r>
             <a:r>
@@ -4402,38 +4407,70 @@
             </a:r>
             <a:r>
               <a:rPr/>
-              <a:t>at</a:t>
-            </a:r>
-            <a:r>
-              <a:rPr/>
-              <a:t> </a:t>
-            </a:r>
-            <a:r>
-              <a:rPr/>
-              <a:t>least</a:t>
-            </a:r>
-            <a:r>
-              <a:rPr/>
-              <a:t> </a:t>
-            </a:r>
-            <a:r>
-              <a:rPr/>
-              <a:t>one</a:t>
-            </a:r>
-            <a:r>
-              <a:rPr/>
-              <a:t> </a:t>
-            </a:r>
-            <a:r>
-              <a:rPr/>
-              <a:t>child</a:t>
+              <a:t>lived</a:t>
+            </a:r>
+            <a:r>
+              <a:rPr/>
+              <a:t> </a:t>
+            </a:r>
+            <a:r>
+              <a:rPr/>
+              <a:t>in</a:t>
+            </a:r>
+            <a:r>
+              <a:rPr/>
+              <a:t> </a:t>
+            </a:r>
+            <a:r>
+              <a:rPr/>
+              <a:t>the</a:t>
+            </a:r>
+            <a:r>
+              <a:rPr/>
+              <a:t> </a:t>
+            </a:r>
+            <a:r>
+              <a:rPr/>
+              <a:t>same</a:t>
+            </a:r>
+            <a:r>
+              <a:rPr/>
+              <a:t> </a:t>
+            </a:r>
+            <a:r>
+              <a:rPr/>
+              <a:t>house</a:t>
+            </a:r>
+            <a:r>
+              <a:rPr/>
+              <a:t> </a:t>
+            </a:r>
+            <a:r>
+              <a:rPr/>
+              <a:t>the</a:t>
+            </a:r>
+            <a:r>
+              <a:rPr/>
+              <a:t> </a:t>
+            </a:r>
+            <a:r>
+              <a:rPr/>
+              <a:t>prior</a:t>
+            </a:r>
+            <a:r>
+              <a:rPr/>
+              <a:t> </a:t>
+            </a:r>
+            <a:r>
+              <a:rPr/>
+              <a:t>year</a:t>
             </a:r>
           </a:p>
         </p:txBody>
       </p:sp>
       <p:pic>
         <p:nvPicPr>
-          <p:cNvPr descr="household_structure_estimates_files/figure-pptx/unnamed-chunk-10-1.png" id="0" name="Picture 1"/>
+          <p:cNvPr descr="household_structure_estimates_files/figure-pptx/unnamed-chunk-12-1.png" id="0" name="Picture 1"/>
           <p:cNvPicPr>
             <a:picLocks noGrp="1" noChangeAspect="1"/>
           </p:cNvPicPr>
@@ -4447,8 +4484,8 @@
         </p:blipFill>
         <p:spPr bwMode="auto">
           <a:xfrm>
-            <a:off x="3200400" y="1816100"/>
-            <a:ext cx="5791200" cy="4343400"/>
+            <a:off x="2616200" y="1816100"/>
+            <a:ext cx="6946900" cy="4343400"/>
           </a:xfrm>
           <a:prstGeom prst="rect">
             <a:avLst/>
@@ -4533,7 +4570,23 @@
             </a:r>
             <a:r>
               <a:rPr/>
-              <a:t>more</a:t>
+              <a:t>three</a:t>
+            </a:r>
+            <a:r>
+              <a:rPr/>
+              <a:t> </a:t>
+            </a:r>
+            <a:r>
+              <a:rPr/>
+              <a:t>times</a:t>
+            </a:r>
+            <a:r>
+              <a:rPr/>
+              <a:t> </a:t>
+            </a:r>
+            <a:r>
+              <a:rPr/>
+              <a:t>as</a:t>
             </a:r>
             <a:r>
               <a:rPr/>
@@ -4565,22 +4618,38 @@
             </a:r>
             <a:r>
               <a:rPr/>
-              <a:t>multiple</a:t>
-            </a:r>
-            <a:r>
-              <a:rPr/>
-              <a:t> </a:t>
-            </a:r>
-            <a:r>
-              <a:rPr/>
-              <a:t>children</a:t>
+              <a:t>at</a:t>
+            </a:r>
+            <a:r>
+              <a:rPr/>
+              <a:t> </a:t>
+            </a:r>
+            <a:r>
+              <a:rPr/>
+              <a:t>least</a:t>
+            </a:r>
+            <a:r>
+              <a:rPr/>
+              <a:t> </a:t>
+            </a:r>
+            <a:r>
+              <a:rPr/>
+              <a:t>one</a:t>
+            </a:r>
+            <a:r>
+              <a:rPr/>
+              <a:t> </a:t>
+            </a:r>
+            <a:r>
+              <a:rPr/>
+              <a:t>child</a:t>
             </a:r>
           </a:p>
         </p:txBody>
       </p:sp>
       <p:pic>
         <p:nvPicPr>
-          <p:cNvPr descr="household_structure_estimates_files/figure-pptx/unnamed-chunk-11-1.png" id="0" name="Picture 1"/>
+          <p:cNvPr descr="household_structure_estimates_files/figure-pptx/unnamed-chunk-13-1.png" id="0" name="Picture 1"/>
           <p:cNvPicPr>
             <a:picLocks noGrp="1" noChangeAspect="1"/>
           </p:cNvPicPr>
@@ -4594,8 +4663,8 @@
         </p:blipFill>
         <p:spPr bwMode="auto">
           <a:xfrm>
-            <a:off x="2616200" y="1816100"/>
-            <a:ext cx="6946900" cy="4343400"/>
+            <a:off x="3200400" y="1816100"/>
+            <a:ext cx="5791200" cy="4343400"/>
           </a:xfrm>
           <a:prstGeom prst="rect">
             <a:avLst/>
@@ -4656,126 +4725,78 @@
             </a:pPr>
             <a:r>
               <a:rPr/>
-              <a:t>The</a:t>
-            </a:r>
-            <a:r>
-              <a:rPr/>
-              <a:t> </a:t>
-            </a:r>
-            <a:r>
-              <a:rPr/>
-              <a:t>median</a:t>
-            </a:r>
-            <a:r>
-              <a:rPr/>
-              <a:t> </a:t>
-            </a:r>
-            <a:r>
-              <a:rPr/>
-              <a:t>income</a:t>
-            </a:r>
-            <a:r>
-              <a:rPr/>
-              <a:t> </a:t>
-            </a:r>
-            <a:r>
-              <a:rPr/>
-              <a:t>of</a:t>
-            </a:r>
-            <a:r>
-              <a:rPr/>
-              <a:t> </a:t>
-            </a:r>
-            <a:r>
-              <a:rPr/>
-              <a:t>OY</a:t>
-            </a:r>
-            <a:r>
-              <a:rPr/>
-              <a:t> </a:t>
-            </a:r>
-            <a:r>
-              <a:rPr/>
-              <a:t>Only</a:t>
-            </a:r>
-            <a:r>
-              <a:rPr/>
-              <a:t> </a:t>
-            </a:r>
-            <a:r>
-              <a:rPr/>
-              <a:t>Households</a:t>
-            </a:r>
-            <a:r>
-              <a:rPr/>
-              <a:t> </a:t>
-            </a:r>
-            <a:r>
-              <a:rPr/>
-              <a:t>is</a:t>
-            </a:r>
-            <a:r>
-              <a:rPr/>
-              <a:t> </a:t>
-            </a:r>
-            <a:r>
-              <a:rPr/>
-              <a:t>less</a:t>
-            </a:r>
-            <a:r>
-              <a:rPr/>
-              <a:t> </a:t>
-            </a:r>
-            <a:r>
-              <a:rPr/>
-              <a:t>than</a:t>
-            </a:r>
-            <a:r>
-              <a:rPr/>
-              <a:t> </a:t>
-            </a:r>
-            <a:r>
-              <a:rPr/>
-              <a:t>half</a:t>
-            </a:r>
-            <a:r>
-              <a:rPr/>
-              <a:t> </a:t>
-            </a:r>
-            <a:r>
-              <a:rPr/>
-              <a:t>that</a:t>
-            </a:r>
-            <a:r>
-              <a:rPr/>
-              <a:t> </a:t>
-            </a:r>
-            <a:r>
-              <a:rPr/>
-              <a:t>of</a:t>
-            </a:r>
-            <a:r>
-              <a:rPr/>
-              <a:t> </a:t>
-            </a:r>
-            <a:r>
-              <a:rPr/>
-              <a:t>other</a:t>
-            </a:r>
-            <a:r>
-              <a:rPr/>
-              <a:t> </a:t>
-            </a:r>
-            <a:r>
-              <a:rPr/>
-              <a:t>households</a:t>
+              <a:t>Opportunity</a:t>
+            </a:r>
+            <a:r>
+              <a:rPr/>
+              <a:t> </a:t>
+            </a:r>
+            <a:r>
+              <a:rPr/>
+              <a:t>Youth</a:t>
+            </a:r>
+            <a:r>
+              <a:rPr/>
+              <a:t> </a:t>
+            </a:r>
+            <a:r>
+              <a:rPr/>
+              <a:t>are</a:t>
+            </a:r>
+            <a:r>
+              <a:rPr/>
+              <a:t> </a:t>
+            </a:r>
+            <a:r>
+              <a:rPr/>
+              <a:t>more</a:t>
+            </a:r>
+            <a:r>
+              <a:rPr/>
+              <a:t> </a:t>
+            </a:r>
+            <a:r>
+              <a:rPr/>
+              <a:t>likely</a:t>
+            </a:r>
+            <a:r>
+              <a:rPr/>
+              <a:t> </a:t>
+            </a:r>
+            <a:r>
+              <a:rPr/>
+              <a:t>to</a:t>
+            </a:r>
+            <a:r>
+              <a:rPr/>
+              <a:t> </a:t>
+            </a:r>
+            <a:r>
+              <a:rPr/>
+              <a:t>have</a:t>
+            </a:r>
+            <a:r>
+              <a:rPr/>
+              <a:t> </a:t>
+            </a:r>
+            <a:r>
+              <a:rPr/>
+              <a:t>multiple</a:t>
+            </a:r>
+            <a:r>
+              <a:rPr/>
+              <a:t> </a:t>
+            </a:r>
+            <a:r>
+              <a:rPr/>
+              <a:t>children</a:t>
             </a:r>
           </a:p>
         </p:txBody>
       </p:sp>
       <p:pic>
         <p:nvPicPr>
-          <p:cNvPr descr="household_structure_estimates_files/figure-pptx/unnamed-chunk-12-1.png" id="0" name="Picture 1"/>
+          <p:cNvPr descr="household_structure_estimates_files/figure-pptx/unnamed-chunk-14-1.png" id="0" name="Picture 1"/>
           <p:cNvPicPr>
             <a:picLocks noGrp="1" noChangeAspect="1"/>
           </p:cNvPicPr>
@@ -4789,8 +4810,8 @@
         </p:blipFill>
         <p:spPr bwMode="auto">
           <a:xfrm>
-            <a:off x="3200400" y="1816100"/>
-            <a:ext cx="5791200" cy="4343400"/>
+            <a:off x="2616200" y="1816100"/>
+            <a:ext cx="6946900" cy="4343400"/>
           </a:xfrm>
           <a:prstGeom prst="rect">
             <a:avLst/>
@@ -4851,15 +4872,31 @@
             </a:pPr>
             <a:r>
               <a:rPr/>
-              <a:t>Median</a:t>
-            </a:r>
-            <a:r>
-              <a:rPr/>
-              <a:t> </a:t>
-            </a:r>
-            <a:r>
-              <a:rPr/>
-              <a:t>Income</a:t>
+              <a:t>The</a:t>
+            </a:r>
+            <a:r>
+              <a:rPr/>
+              <a:t> </a:t>
+            </a:r>
+            <a:r>
+              <a:rPr/>
+              <a:t>median</a:t>
+            </a:r>
+            <a:r>
+              <a:rPr/>
+              <a:t> </a:t>
+            </a:r>
+            <a:r>
+              <a:rPr/>
+              <a:t>income</a:t>
+            </a:r>
+            <a:r>
+              <a:rPr/>
+              <a:t> </a:t>
+            </a:r>
+            <a:r>
+              <a:rPr/>
+              <a:t>of</a:t>
             </a:r>
             <a:r>
               <a:rPr/>
@@ -4875,38 +4912,86 @@
             </a:r>
             <a:r>
               <a:rPr/>
-              <a:t>Reference</a:t>
-            </a:r>
-            <a:r>
-              <a:rPr/>
-              <a:t> </a:t>
-            </a:r>
-            <a:r>
-              <a:rPr/>
-              <a:t>Person</a:t>
-            </a:r>
-            <a:r>
-              <a:rPr/>
-              <a:t> </a:t>
-            </a:r>
-            <a:r>
-              <a:rPr/>
-              <a:t>by</a:t>
-            </a:r>
-            <a:r>
-              <a:rPr/>
-              <a:t> </a:t>
-            </a:r>
-            <a:r>
-              <a:rPr/>
-              <a:t>PUMA</a:t>
+              <a:t>Only</a:t>
+            </a:r>
+            <a:r>
+              <a:rPr/>
+              <a:t> </a:t>
+            </a:r>
+            <a:r>
+              <a:rPr/>
+              <a:t>Households</a:t>
+            </a:r>
+            <a:r>
+              <a:rPr/>
+              <a:t> </a:t>
+            </a:r>
+            <a:r>
+              <a:rPr/>
+              <a:t>is</a:t>
+            </a:r>
+            <a:r>
+              <a:rPr/>
+              <a:t> </a:t>
+            </a:r>
+            <a:r>
+              <a:rPr/>
+              <a:t>less</a:t>
+            </a:r>
+            <a:r>
+              <a:rPr/>
+              <a:t> </a:t>
+            </a:r>
+            <a:r>
+              <a:rPr/>
+              <a:t>than</a:t>
+            </a:r>
+            <a:r>
+              <a:rPr/>
+              <a:t> </a:t>
+            </a:r>
+            <a:r>
+              <a:rPr/>
+              <a:t>half</a:t>
+            </a:r>
+            <a:r>
+              <a:rPr/>
+              <a:t> </a:t>
+            </a:r>
+            <a:r>
+              <a:rPr/>
+              <a:t>that</a:t>
+            </a:r>
+            <a:r>
+              <a:rPr/>
+              <a:t> </a:t>
+            </a:r>
+            <a:r>
+              <a:rPr/>
+              <a:t>of</a:t>
+            </a:r>
+            <a:r>
+              <a:rPr/>
+              <a:t> </a:t>
+            </a:r>
+            <a:r>
+              <a:rPr/>
+              <a:t>other</a:t>
+            </a:r>
+            <a:r>
+              <a:rPr/>
+              <a:t> </a:t>
+            </a:r>
+            <a:r>
+              <a:rPr/>
+              <a:t>households</a:t>
             </a:r>
           </a:p>
         </p:txBody>
       </p:sp>
       <p:pic>
         <p:nvPicPr>
-          <p:cNvPr descr="household_structure_estimates_files/figure-pptx/unnamed-chunk-13-1.png" id="0" name="Picture 1"/>
+          <p:cNvPr descr="household_structure_estimates_files/figure-pptx/unnamed-chunk-15-1.png" id="0" name="Picture 1"/>
           <p:cNvPicPr>
             <a:picLocks noGrp="1" noChangeAspect="1"/>
           </p:cNvPicPr>
@@ -4920,8 +5005,8 @@
         </p:blipFill>
         <p:spPr bwMode="auto">
           <a:xfrm>
-            <a:off x="2616200" y="1816100"/>
-            <a:ext cx="6946900" cy="4343400"/>
+            <a:off x="3200400" y="1816100"/>
+            <a:ext cx="5791200" cy="4343400"/>
           </a:xfrm>
           <a:prstGeom prst="rect">
             <a:avLst/>
@@ -4982,102 +5067,62 @@
             </a:pPr>
             <a:r>
               <a:rPr/>
-              <a:t>Opportunity</a:t>
-            </a:r>
-            <a:r>
-              <a:rPr/>
-              <a:t> </a:t>
-            </a:r>
-            <a:r>
-              <a:rPr/>
-              <a:t>Youth</a:t>
-            </a:r>
-            <a:r>
-              <a:rPr/>
-              <a:t> </a:t>
-            </a:r>
-            <a:r>
-              <a:rPr/>
-              <a:t>have</a:t>
-            </a:r>
-            <a:r>
-              <a:rPr/>
-              <a:t> </a:t>
-            </a:r>
-            <a:r>
-              <a:rPr/>
-              <a:t>1/4th</a:t>
-            </a:r>
-            <a:r>
-              <a:rPr/>
-              <a:t> </a:t>
-            </a:r>
-            <a:r>
-              <a:rPr/>
-              <a:t>the</a:t>
-            </a:r>
-            <a:r>
-              <a:rPr/>
-              <a:t> </a:t>
-            </a:r>
-            <a:r>
-              <a:rPr/>
-              <a:t>total</a:t>
-            </a:r>
-            <a:r>
-              <a:rPr/>
-              <a:t> </a:t>
-            </a:r>
-            <a:r>
-              <a:rPr/>
-              <a:t>average</a:t>
-            </a:r>
-            <a:r>
-              <a:rPr/>
-              <a:t> </a:t>
-            </a:r>
-            <a:r>
-              <a:rPr/>
-              <a:t>personal</a:t>
-            </a:r>
-            <a:r>
-              <a:rPr/>
-              <a:t> </a:t>
-            </a:r>
-            <a:r>
-              <a:rPr/>
-              <a:t>income</a:t>
-            </a:r>
-            <a:r>
-              <a:rPr/>
-              <a:t> </a:t>
-            </a:r>
-            <a:r>
-              <a:rPr/>
-              <a:t>of</a:t>
-            </a:r>
-            <a:r>
-              <a:rPr/>
-              <a:t> </a:t>
-            </a:r>
-            <a:r>
-              <a:rPr/>
-              <a:t>Connected</a:t>
-            </a:r>
-            <a:r>
-              <a:rPr/>
-              <a:t> </a:t>
-            </a:r>
-            <a:r>
-              <a:rPr/>
-              <a:t>Youth</a:t>
+              <a:t>Median</a:t>
+            </a:r>
+            <a:r>
+              <a:rPr/>
+              <a:t> </a:t>
+            </a:r>
+            <a:r>
+              <a:rPr/>
+              <a:t>Income</a:t>
+            </a:r>
+            <a:r>
+              <a:rPr/>
+              <a:t> </a:t>
+            </a:r>
+            <a:r>
+              <a:rPr/>
+              <a:t>YY</a:t>
+            </a:r>
+            <a:r>
+              <a:rPr/>
+              <a:t> </a:t>
+            </a:r>
+            <a:r>
+              <a:rPr/>
+              <a:t>Reference</a:t>
+            </a:r>
+            <a:r>
+              <a:rPr/>
+              <a:t> </a:t>
+            </a:r>
+            <a:r>
+              <a:rPr/>
+              <a:t>Person</a:t>
+            </a:r>
+            <a:r>
+              <a:rPr/>
+              <a:t> </a:t>
+            </a:r>
+            <a:r>
+              <a:rPr/>
+              <a:t>by</a:t>
+            </a:r>
+            <a:r>
+              <a:rPr/>
+              <a:t> </a:t>
+            </a:r>
+            <a:r>
+              <a:rPr/>
+              <a:t>PUMA</a:t>
             </a:r>
           </a:p>
         </p:txBody>
       </p:sp>
       <p:pic>
         <p:nvPicPr>
-          <p:cNvPr descr="household_structure_estimates_files/figure-pptx/unnamed-chunk-14-1.png" id="0" name="Picture 1"/>
+          <p:cNvPr descr="household_structure_estimates_files/figure-pptx/unnamed-chunk-16-1.png" id="0" name="Picture 1"/>
           <p:cNvPicPr>
             <a:picLocks noGrp="1" noChangeAspect="1"/>
           </p:cNvPicPr>
@@ -5153,6 +5198,78 @@
             </a:pPr>
             <a:r>
               <a:rPr/>
+              <a:t>Connected</a:t>
+            </a:r>
+            <a:r>
+              <a:rPr/>
+              <a:t> </a:t>
+            </a:r>
+            <a:r>
+              <a:rPr/>
+              <a:t>Youth</a:t>
+            </a:r>
+            <a:r>
+              <a:rPr/>
+              <a:t> </a:t>
+            </a:r>
+            <a:r>
+              <a:rPr/>
+              <a:t>earn</a:t>
+            </a:r>
+            <a:r>
+              <a:rPr/>
+              <a:t> </a:t>
+            </a:r>
+            <a:r>
+              <a:rPr/>
+              <a:t>nearly</a:t>
+            </a:r>
+            <a:r>
+              <a:rPr/>
+              <a:t> </a:t>
+            </a:r>
+            <a:r>
+              <a:rPr/>
+              <a:t>four</a:t>
+            </a:r>
+            <a:r>
+              <a:rPr/>
+              <a:t> </a:t>
+            </a:r>
+            <a:r>
+              <a:rPr/>
+              <a:t>times</a:t>
+            </a:r>
+            <a:r>
+              <a:rPr/>
+              <a:t> </a:t>
+            </a:r>
+            <a:r>
+              <a:rPr/>
+              <a:t>the</a:t>
+            </a:r>
+            <a:r>
+              <a:rPr/>
+              <a:t> </a:t>
+            </a:r>
+            <a:r>
+              <a:rPr/>
+              <a:t>amount</a:t>
+            </a:r>
+            <a:r>
+              <a:rPr/>
+              <a:t> </a:t>
+            </a:r>
+            <a:r>
+              <a:rPr/>
+              <a:t>of</a:t>
+            </a:r>
+            <a:r>
+              <a:rPr/>
+              <a:t> </a:t>
+            </a:r>
+            <a:r>
+              <a:rPr/>
               <a:t>Opportunity</a:t>
             </a:r>
             <a:r>
@@ -5162,69 +5279,13 @@
             <a:r>
               <a:rPr/>
               <a:t>Youth</a:t>
-            </a:r>
-            <a:r>
-              <a:rPr/>
-              <a:t> </a:t>
-            </a:r>
-            <a:r>
-              <a:rPr/>
-              <a:t>are</a:t>
-            </a:r>
-            <a:r>
-              <a:rPr/>
-              <a:t> </a:t>
-            </a:r>
-            <a:r>
-              <a:rPr/>
-              <a:t>unlikely</a:t>
-            </a:r>
-            <a:r>
-              <a:rPr/>
-              <a:t> </a:t>
-            </a:r>
-            <a:r>
-              <a:rPr/>
-              <a:t>to</a:t>
-            </a:r>
-            <a:r>
-              <a:rPr/>
-              <a:t> </a:t>
-            </a:r>
-            <a:r>
-              <a:rPr/>
-              <a:t>be</a:t>
-            </a:r>
-            <a:r>
-              <a:rPr/>
-              <a:t> </a:t>
-            </a:r>
-            <a:r>
-              <a:rPr/>
-              <a:t>in</a:t>
-            </a:r>
-            <a:r>
-              <a:rPr/>
-              <a:t> </a:t>
-            </a:r>
-            <a:r>
-              <a:rPr/>
-              <a:t>a</a:t>
-            </a:r>
-            <a:r>
-              <a:rPr/>
-              <a:t> </a:t>
-            </a:r>
-            <a:r>
-              <a:rPr/>
-              <a:t>relationship</a:t>
             </a:r>
           </a:p>
         </p:txBody>
       </p:sp>
       <p:pic>
         <p:nvPicPr>
-          <p:cNvPr descr="household_structure_estimates_files/figure-pptx/unnamed-chunk-16-1.png" id="0" name="Picture 1"/>
+          <p:cNvPr descr="household_structure_estimates_files/figure-pptx/unnamed-chunk-17-1.png" id="0" name="Picture 1"/>
           <p:cNvPicPr>
             <a:picLocks noGrp="1" noChangeAspect="1"/>
           </p:cNvPicPr>
@@ -5238,8 +5299,8 @@
         </p:blipFill>
         <p:spPr bwMode="auto">
           <a:xfrm>
-            <a:off x="1752600" y="1816100"/>
-            <a:ext cx="8686800" cy="4343400"/>
+            <a:off x="2616200" y="1816100"/>
+            <a:ext cx="6946900" cy="4343400"/>
           </a:xfrm>
           <a:prstGeom prst="rect">
             <a:avLst/>
@@ -5403,9 +5464,120 @@
           <a:chExt cx="0" cy="0"/>
         </a:xfrm>
       </p:grpSpPr>
+      <p:sp>
+        <p:nvSpPr>
+          <p:cNvPr id="2" name="Title 1">
+            <a:extLst>
+              <a:ext uri="{FF2B5EF4-FFF2-40B4-BE49-F238E27FC236}">
+                <a16:creationId xmlns:a16="http://schemas.microsoft.com/office/drawing/2014/main" id="{0D064A50-2A97-421C-813D-6449089693A0}"/>
+              </a:ext>
+            </a:extLst>
+          </p:cNvPr>
+          <p:cNvSpPr>
+            <a:spLocks noGrp="1"/>
+          </p:cNvSpPr>
+          <p:nvPr>
+            <p:ph type="title"/>
+          </p:nvPr>
+        </p:nvSpPr>
+        <p:spPr/>
+        <p:txBody>
+          <a:bodyPr/>
+          <a:lstStyle/>
+          <a:p>
+            <a:pPr lvl="0" marL="0" indent="0">
+              <a:buNone/>
+            </a:pPr>
+            <a:r>
+              <a:rPr/>
+              <a:t>Most</a:t>
+            </a:r>
+            <a:r>
+              <a:rPr/>
+              <a:t> </a:t>
+            </a:r>
+            <a:r>
+              <a:rPr/>
+              <a:t>Connected</a:t>
+            </a:r>
+            <a:r>
+              <a:rPr/>
+              <a:t> </a:t>
+            </a:r>
+            <a:r>
+              <a:rPr/>
+              <a:t>Youth</a:t>
+            </a:r>
+            <a:r>
+              <a:rPr/>
+              <a:t> </a:t>
+            </a:r>
+            <a:r>
+              <a:rPr/>
+              <a:t>travel</a:t>
+            </a:r>
+            <a:r>
+              <a:rPr/>
+              <a:t> </a:t>
+            </a:r>
+            <a:r>
+              <a:rPr/>
+              <a:t>by</a:t>
+            </a:r>
+            <a:r>
+              <a:rPr/>
+              <a:t> </a:t>
+            </a:r>
+            <a:r>
+              <a:rPr/>
+              <a:t>car,</a:t>
+            </a:r>
+            <a:r>
+              <a:rPr/>
+              <a:t> </a:t>
+            </a:r>
+            <a:r>
+              <a:rPr/>
+              <a:t>truck,</a:t>
+            </a:r>
+            <a:r>
+              <a:rPr/>
+              <a:t> </a:t>
+            </a:r>
+            <a:r>
+              <a:rPr/>
+              <a:t>van</a:t>
+            </a:r>
+            <a:r>
+              <a:rPr/>
+              <a:t> </a:t>
+            </a:r>
+            <a:r>
+              <a:rPr/>
+              <a:t>or</a:t>
+            </a:r>
+            <a:r>
+              <a:rPr/>
+              <a:t> </a:t>
+            </a:r>
+            <a:r>
+              <a:rPr/>
+              <a:t>public</a:t>
+            </a:r>
+            <a:r>
+              <a:rPr/>
+              <a:t> </a:t>
+            </a:r>
+            <a:r>
+              <a:rPr/>
+              <a:t>transportation</a:t>
+            </a:r>
+          </a:p>
+        </p:txBody>
+      </p:sp>
       <p:pic>
         <p:nvPicPr>
-          <p:cNvPr descr="household_structure_estimates_files/figure-pptx/unnamed-chunk-17-1.png" id="0" name="Picture 1"/>
+          <p:cNvPr descr="household_structure_estimates_files/figure-pptx/unnamed-chunk-19-1.png" id="0" name="Picture 1"/>
           <p:cNvPicPr>
             <a:picLocks noGrp="1" noChangeAspect="1"/>
           </p:cNvPicPr>
@@ -5481,7 +5653,15 @@
             </a:pPr>
             <a:r>
               <a:rPr/>
-              <a:t>Opportunity</a:t>
+              <a:t>Most</a:t>
+            </a:r>
+            <a:r>
+              <a:rPr/>
+              <a:t> </a:t>
+            </a:r>
+            <a:r>
+              <a:rPr/>
+              <a:t>Connected</a:t>
             </a:r>
             <a:r>
               <a:rPr/>
@@ -5505,15 +5685,39 @@
             </a:r>
             <a:r>
               <a:rPr/>
-              <a:t>more</a:t>
-            </a:r>
-            <a:r>
-              <a:rPr/>
-              <a:t> </a:t>
-            </a:r>
-            <a:r>
-              <a:rPr/>
-              <a:t>likely</a:t>
+              <a:t>commute</a:t>
+            </a:r>
+            <a:r>
+              <a:rPr/>
+              <a:t> </a:t>
+            </a:r>
+            <a:r>
+              <a:rPr/>
+              <a:t>twenty</a:t>
+            </a:r>
+            <a:r>
+              <a:rPr/>
+              <a:t> </a:t>
+            </a:r>
+            <a:r>
+              <a:rPr/>
+              <a:t>minutes</a:t>
+            </a:r>
+            <a:r>
+              <a:rPr/>
+              <a:t> </a:t>
+            </a:r>
+            <a:r>
+              <a:rPr/>
+              <a:t>or</a:t>
+            </a:r>
+            <a:r>
+              <a:rPr/>
+              <a:t> </a:t>
+            </a:r>
+            <a:r>
+              <a:rPr/>
+              <a:t>less</a:t>
             </a:r>
             <a:r>
               <a:rPr/>
@@ -5529,78 +5733,22 @@
             </a:r>
             <a:r>
               <a:rPr/>
-              <a:t>have</a:t>
-            </a:r>
-            <a:r>
-              <a:rPr/>
-              <a:t> </a:t>
-            </a:r>
-            <a:r>
-              <a:rPr/>
-              <a:t>lived</a:t>
-            </a:r>
-            <a:r>
-              <a:rPr/>
-              <a:t> </a:t>
-            </a:r>
-            <a:r>
-              <a:rPr/>
-              <a:t>in</a:t>
-            </a:r>
-            <a:r>
-              <a:rPr/>
-              <a:t> </a:t>
-            </a:r>
-            <a:r>
-              <a:rPr/>
-              <a:t>the</a:t>
-            </a:r>
-            <a:r>
-              <a:rPr/>
-              <a:t> </a:t>
-            </a:r>
-            <a:r>
-              <a:rPr/>
-              <a:t>same</a:t>
-            </a:r>
-            <a:r>
-              <a:rPr/>
-              <a:t> </a:t>
-            </a:r>
-            <a:r>
-              <a:rPr/>
-              <a:t>house</a:t>
-            </a:r>
-            <a:r>
-              <a:rPr/>
-              <a:t> </a:t>
-            </a:r>
-            <a:r>
-              <a:rPr/>
-              <a:t>the</a:t>
-            </a:r>
-            <a:r>
-              <a:rPr/>
-              <a:t> </a:t>
-            </a:r>
-            <a:r>
-              <a:rPr/>
-              <a:t>prior</a:t>
-            </a:r>
-            <a:r>
-              <a:rPr/>
-              <a:t> </a:t>
-            </a:r>
-            <a:r>
-              <a:rPr/>
-              <a:t>year</a:t>
+              <a:t>their</a:t>
+            </a:r>
+            <a:r>
+              <a:rPr/>
+              <a:t> </a:t>
+            </a:r>
+            <a:r>
+              <a:rPr/>
+              <a:t>employer</a:t>
             </a:r>
           </a:p>
         </p:txBody>
       </p:sp>
       <p:pic>
         <p:nvPicPr>
-          <p:cNvPr descr="household_structure_estimates_files/figure-pptx/unnamed-chunk-18-1.png" id="0" name="Picture 1"/>
+          <p:cNvPr descr="household_structure_estimates_files/figure-pptx/unnamed-chunk-20-1.png" id="0" name="Picture 1"/>
           <p:cNvPicPr>
             <a:picLocks noGrp="1" noChangeAspect="1"/>
           </p:cNvPicPr>
@@ -5676,62 +5824,118 @@
             </a:pPr>
             <a:r>
               <a:rPr/>
-              <a:t>Mobility:</a:t>
-            </a:r>
-            <a:r>
-              <a:rPr/>
-              <a:t> </a:t>
-            </a:r>
-            <a:r>
-              <a:rPr/>
-              <a:t>Mode</a:t>
-            </a:r>
-            <a:r>
-              <a:rPr/>
-              <a:t> </a:t>
-            </a:r>
-            <a:r>
-              <a:rPr/>
-              <a:t>of</a:t>
-            </a:r>
-            <a:r>
-              <a:rPr/>
-              <a:t> </a:t>
-            </a:r>
-            <a:r>
-              <a:rPr/>
-              <a:t>Transportation</a:t>
-            </a:r>
-            <a:r>
-              <a:rPr/>
-              <a:t> </a:t>
-            </a:r>
-            <a:r>
-              <a:rPr/>
-              <a:t>for</a:t>
-            </a:r>
-            <a:r>
-              <a:rPr/>
-              <a:t> </a:t>
-            </a:r>
-            <a:r>
-              <a:rPr/>
-              <a:t>Connected</a:t>
-            </a:r>
-            <a:r>
-              <a:rPr/>
-              <a:t> </a:t>
-            </a:r>
-            <a:r>
-              <a:rPr/>
-              <a:t>Youth</a:t>
+              <a:t>Households</a:t>
+            </a:r>
+            <a:r>
+              <a:rPr/>
+              <a:t> </a:t>
+            </a:r>
+            <a:r>
+              <a:rPr/>
+              <a:t>w/OY</a:t>
+            </a:r>
+            <a:r>
+              <a:rPr/>
+              <a:t> </a:t>
+            </a:r>
+            <a:r>
+              <a:rPr/>
+              <a:t>are</a:t>
+            </a:r>
+            <a:r>
+              <a:rPr/>
+              <a:t> </a:t>
+            </a:r>
+            <a:r>
+              <a:rPr/>
+              <a:t>almost</a:t>
+            </a:r>
+            <a:r>
+              <a:rPr/>
+              <a:t> </a:t>
+            </a:r>
+            <a:r>
+              <a:rPr/>
+              <a:t>twice</a:t>
+            </a:r>
+            <a:r>
+              <a:rPr/>
+              <a:t> </a:t>
+            </a:r>
+            <a:r>
+              <a:rPr/>
+              <a:t>as</a:t>
+            </a:r>
+            <a:r>
+              <a:rPr/>
+              <a:t> </a:t>
+            </a:r>
+            <a:r>
+              <a:rPr/>
+              <a:t>likely</a:t>
+            </a:r>
+            <a:r>
+              <a:rPr/>
+              <a:t> </a:t>
+            </a:r>
+            <a:r>
+              <a:rPr/>
+              <a:t>to</a:t>
+            </a:r>
+            <a:r>
+              <a:rPr/>
+              <a:t> </a:t>
+            </a:r>
+            <a:r>
+              <a:rPr/>
+              <a:t>receive</a:t>
+            </a:r>
+            <a:r>
+              <a:rPr/>
+              <a:t> </a:t>
+            </a:r>
+            <a:r>
+              <a:rPr/>
+              <a:t>foodstamps</a:t>
+            </a:r>
+            <a:r>
+              <a:rPr/>
+              <a:t> </a:t>
+            </a:r>
+            <a:r>
+              <a:rPr/>
+              <a:t>than</a:t>
+            </a:r>
+            <a:r>
+              <a:rPr/>
+              <a:t> </a:t>
+            </a:r>
+            <a:r>
+              <a:rPr/>
+              <a:t>all</a:t>
+            </a:r>
+            <a:r>
+              <a:rPr/>
+              <a:t> </a:t>
+            </a:r>
+            <a:r>
+              <a:rPr/>
+              <a:t>other</a:t>
+            </a:r>
+            <a:r>
+              <a:rPr/>
+              <a:t> </a:t>
+            </a:r>
+            <a:r>
+              <a:rPr/>
+              <a:t>households</a:t>
             </a:r>
           </a:p>
         </p:txBody>
       </p:sp>
       <p:pic>
         <p:nvPicPr>
-          <p:cNvPr descr="household_structure_estimates_files/figure-pptx/unnamed-chunk-19-1.png" id="0" name="Picture 1"/>
+          <p:cNvPr descr="household_structure_estimates_files/figure-pptx/unnamed-chunk-21-1.png" id="0" name="Picture 1"/>
           <p:cNvPicPr>
             <a:picLocks noGrp="1" noChangeAspect="1"/>
           </p:cNvPicPr>
@@ -5807,63 +6011,71 @@
             </a:pPr>
             <a:r>
               <a:rPr/>
-              <a:t>Most</a:t>
-            </a:r>
-            <a:r>
-              <a:rPr/>
-              <a:t> </a:t>
-            </a:r>
-            <a:r>
-              <a:rPr/>
-              <a:t>Connected</a:t>
-            </a:r>
-            <a:r>
-              <a:rPr/>
-              <a:t> </a:t>
-            </a:r>
-            <a:r>
-              <a:rPr/>
-              <a:t>Youth</a:t>
-            </a:r>
-            <a:r>
-              <a:rPr/>
-              <a:t> </a:t>
-            </a:r>
-            <a:r>
-              <a:rPr/>
-              <a:t>commute</a:t>
-            </a:r>
-            <a:r>
-              <a:rPr/>
-              <a:t> </a:t>
-            </a:r>
-            <a:r>
-              <a:rPr/>
-              <a:t>less</a:t>
-            </a:r>
-            <a:r>
-              <a:rPr/>
-              <a:t> </a:t>
-            </a:r>
-            <a:r>
-              <a:rPr/>
-              <a:t>than</a:t>
-            </a:r>
-            <a:r>
-              <a:rPr/>
-              <a:t> </a:t>
-            </a:r>
-            <a:r>
-              <a:rPr/>
-              <a:t>ten</a:t>
-            </a:r>
-            <a:r>
-              <a:rPr/>
-              <a:t> </a:t>
-            </a:r>
-            <a:r>
-              <a:rPr/>
-              <a:t>minutes</a:t>
+              <a:t>Almost</a:t>
+            </a:r>
+            <a:r>
+              <a:rPr/>
+              <a:t> </a:t>
+            </a:r>
+            <a:r>
+              <a:rPr/>
+              <a:t>1</a:t>
+            </a:r>
+            <a:r>
+              <a:rPr/>
+              <a:t> </a:t>
+            </a:r>
+            <a:r>
+              <a:rPr/>
+              <a:t>in</a:t>
+            </a:r>
+            <a:r>
+              <a:rPr/>
+              <a:t> </a:t>
+            </a:r>
+            <a:r>
+              <a:rPr/>
+              <a:t>4</a:t>
+            </a:r>
+            <a:r>
+              <a:rPr/>
+              <a:t> </a:t>
+            </a:r>
+            <a:r>
+              <a:rPr/>
+              <a:t>households</a:t>
+            </a:r>
+            <a:r>
+              <a:rPr/>
+              <a:t> </a:t>
+            </a:r>
+            <a:r>
+              <a:rPr/>
+              <a:t>with</a:t>
+            </a:r>
+            <a:r>
+              <a:rPr/>
+              <a:t> </a:t>
+            </a:r>
+            <a:r>
+              <a:rPr/>
+              <a:t>OY</a:t>
+            </a:r>
+            <a:r>
+              <a:rPr/>
+              <a:t> </a:t>
+            </a:r>
+            <a:r>
+              <a:rPr/>
+              <a:t>lack</a:t>
+            </a:r>
+            <a:r>
+              <a:rPr/>
+              <a:t> </a:t>
+            </a:r>
+            <a:r>
+              <a:rPr/>
+              <a:t>access</a:t>
             </a:r>
             <a:r>
               <a:rPr/>
@@ -5879,14 +6091,22 @@
             </a:r>
             <a:r>
               <a:rPr/>
-              <a:t>work</a:t>
+              <a:t>broadband</a:t>
+            </a:r>
+            <a:r>
+              <a:rPr/>
+              <a:t> </a:t>
+            </a:r>
+            <a:r>
+              <a:rPr/>
+              <a:t>internet</a:t>
             </a:r>
           </a:p>
         </p:txBody>
       </p:sp>
       <p:pic>
         <p:nvPicPr>
-          <p:cNvPr descr="household_structure_estimates_files/figure-pptx/unnamed-chunk-20-1.png" id="0" name="Picture 1"/>
+          <p:cNvPr descr="household_structure_estimates_files/figure-pptx/unnamed-chunk-23-1.png" id="0" name="Picture 1"/>
           <p:cNvPicPr>
             <a:picLocks noGrp="1" noChangeAspect="1"/>
           </p:cNvPicPr>
@@ -5962,6 +6182,62 @@
             </a:pPr>
             <a:r>
               <a:rPr/>
+              <a:t>More</a:t>
+            </a:r>
+            <a:r>
+              <a:rPr/>
+              <a:t> </a:t>
+            </a:r>
+            <a:r>
+              <a:rPr/>
+              <a:t>than</a:t>
+            </a:r>
+            <a:r>
+              <a:rPr/>
+              <a:t> </a:t>
+            </a:r>
+            <a:r>
+              <a:rPr/>
+              <a:t>1</a:t>
+            </a:r>
+            <a:r>
+              <a:rPr/>
+              <a:t> </a:t>
+            </a:r>
+            <a:r>
+              <a:rPr/>
+              <a:t>in</a:t>
+            </a:r>
+            <a:r>
+              <a:rPr/>
+              <a:t> </a:t>
+            </a:r>
+            <a:r>
+              <a:rPr/>
+              <a:t>3</a:t>
+            </a:r>
+            <a:r>
+              <a:rPr/>
+              <a:t> </a:t>
+            </a:r>
+            <a:r>
+              <a:rPr/>
+              <a:t>households</a:t>
+            </a:r>
+            <a:r>
+              <a:rPr/>
+              <a:t> </a:t>
+            </a:r>
+            <a:r>
+              <a:rPr/>
+              <a:t>with</a:t>
+            </a:r>
+            <a:r>
+              <a:rPr/>
+              <a:t> </a:t>
+            </a:r>
+            <a:r>
+              <a:rPr/>
               <a:t>OY</a:t>
             </a:r>
             <a:r>
@@ -5970,47 +6246,31 @@
             </a:r>
             <a:r>
               <a:rPr/>
-              <a:t>Only</a:t>
-            </a:r>
-            <a:r>
-              <a:rPr/>
-              <a:t> </a:t>
-            </a:r>
-            <a:r>
-              <a:rPr/>
-              <a:t>Households</a:t>
-            </a:r>
-            <a:r>
-              <a:rPr/>
-              <a:t> </a:t>
-            </a:r>
-            <a:r>
-              <a:rPr/>
-              <a:t>are</a:t>
-            </a:r>
-            <a:r>
-              <a:rPr/>
-              <a:t> </a:t>
-            </a:r>
-            <a:r>
-              <a:rPr/>
-              <a:t>twice</a:t>
-            </a:r>
-            <a:r>
-              <a:rPr/>
-              <a:t> </a:t>
-            </a:r>
-            <a:r>
-              <a:rPr/>
-              <a:t>as</a:t>
-            </a:r>
-            <a:r>
-              <a:rPr/>
-              <a:t> </a:t>
-            </a:r>
-            <a:r>
-              <a:rPr/>
-              <a:t>likely</a:t>
+              <a:t>do</a:t>
+            </a:r>
+            <a:r>
+              <a:rPr/>
+              <a:t> </a:t>
+            </a:r>
+            <a:r>
+              <a:rPr/>
+              <a:t>hot</a:t>
+            </a:r>
+            <a:r>
+              <a:rPr/>
+              <a:t> </a:t>
+            </a:r>
+            <a:r>
+              <a:rPr/>
+              <a:t>have</a:t>
+            </a:r>
+            <a:r>
+              <a:rPr/>
+              <a:t> </a:t>
+            </a:r>
+            <a:r>
+              <a:rPr/>
+              <a:t>access</a:t>
             </a:r>
             <a:r>
               <a:rPr/>
@@ -6026,22 +6286,22 @@
             </a:r>
             <a:r>
               <a:rPr/>
-              <a:t>receive</a:t>
-            </a:r>
-            <a:r>
-              <a:rPr/>
-              <a:t> </a:t>
-            </a:r>
-            <a:r>
-              <a:rPr/>
-              <a:t>foodstamps</a:t>
+              <a:t>a</a:t>
+            </a:r>
+            <a:r>
+              <a:rPr/>
+              <a:t> </a:t>
+            </a:r>
+            <a:r>
+              <a:rPr/>
+              <a:t>laptop</a:t>
             </a:r>
           </a:p>
         </p:txBody>
       </p:sp>
       <p:pic>
         <p:nvPicPr>
-          <p:cNvPr descr="household_structure_estimates_files/figure-pptx/unnamed-chunk-21-1.png" id="0" name="Picture 1"/>
+          <p:cNvPr descr="household_structure_estimates_files/figure-pptx/unnamed-chunk-24-1.png" id="0" name="Picture 1"/>
           <p:cNvPicPr>
             <a:picLocks noGrp="1" noChangeAspect="1"/>
           </p:cNvPicPr>
@@ -6096,7 +6356,7 @@
           <p:cNvPr id="2" name="Title 1">
             <a:extLst>
               <a:ext uri="{FF2B5EF4-FFF2-40B4-BE49-F238E27FC236}">
-                <a16:creationId xmlns:a16="http://schemas.microsoft.com/office/drawing/2014/main" id="{0D064A50-2A97-421C-813D-6449089693A0}"/>
+                <a16:creationId xmlns:a16="http://schemas.microsoft.com/office/drawing/2014/main" id="{1CAF8530-DA25-40F0-835B-ABF68B3EB818}"/>
               </a:ext>
             </a:extLst>
           </p:cNvPr>
@@ -6107,7 +6367,12 @@
             <p:ph type="title"/>
           </p:nvPr>
         </p:nvSpPr>
-        <p:spPr/>
+        <p:spPr>
+          <a:xfrm>
+            <a:off x="831850" y="1123072"/>
+            <a:ext cx="10515600" cy="2852737"/>
+          </a:xfrm>
+        </p:spPr>
         <p:txBody>
           <a:bodyPr/>
           <a:lstStyle/>
@@ -6117,49 +6382,11 @@
             </a:pPr>
             <a:r>
               <a:rPr/>
-              <a:t>Household</a:t>
-            </a:r>
-            <a:r>
-              <a:rPr/>
-              <a:t> </a:t>
-            </a:r>
-            <a:r>
-              <a:rPr/>
-              <a:t>Type</a:t>
-            </a:r>
-          </a:p>
-        </p:txBody>
-      </p:sp>
-      <p:pic>
-        <p:nvPicPr>
-          <p:cNvPr descr="household_structure_estimates_files/figure-pptx/unnamed-chunk-22-1.png" id="0" name="Picture 1"/>
-          <p:cNvPicPr>
-            <a:picLocks noGrp="1" noChangeAspect="1"/>
-          </p:cNvPicPr>
-          <p:nvPr/>
-        </p:nvPicPr>
-        <p:blipFill>
-          <a:blip r:embed="rId2"/>
-          <a:stretch>
-            <a:fillRect/>
-          </a:stretch>
-        </p:blipFill>
-        <p:spPr bwMode="auto">
-          <a:xfrm>
-            <a:off x="2616200" y="1816100"/>
-            <a:ext cx="6946900" cy="4343400"/>
-          </a:xfrm>
-          <a:prstGeom prst="rect">
-            <a:avLst/>
-          </a:prstGeom>
-          <a:noFill/>
-          <a:ln w="9525">
-            <a:noFill/>
-            <a:headEnd/>
-            <a:tailEnd/>
-          </a:ln>
-        </p:spPr>
-      </p:pic>
+              <a:t>Questions?</a:t>
+            </a:r>
+          </a:p>
+        </p:txBody>
+      </p:sp>
     </p:spTree>
   </p:cSld>
 </p:sld>
@@ -6187,390 +6414,6 @@
           <p:cNvPr id="2" name="Title 1">
             <a:extLst>
               <a:ext uri="{FF2B5EF4-FFF2-40B4-BE49-F238E27FC236}">
-                <a16:creationId xmlns:a16="http://schemas.microsoft.com/office/drawing/2014/main" id="{0D064A50-2A97-421C-813D-6449089693A0}"/>
-              </a:ext>
-            </a:extLst>
-          </p:cNvPr>
-          <p:cNvSpPr>
-            <a:spLocks noGrp="1"/>
-          </p:cNvSpPr>
-          <p:nvPr>
-            <p:ph type="title"/>
-          </p:nvPr>
-        </p:nvSpPr>
-        <p:spPr/>
-        <p:txBody>
-          <a:bodyPr/>
-          <a:lstStyle/>
-          <a:p>
-            <a:pPr lvl="0" marL="0" indent="0">
-              <a:buNone/>
-            </a:pPr>
-            <a:r>
-              <a:rPr/>
-              <a:t>OY</a:t>
-            </a:r>
-            <a:r>
-              <a:rPr/>
-              <a:t> </a:t>
-            </a:r>
-            <a:r>
-              <a:rPr/>
-              <a:t>Only</a:t>
-            </a:r>
-            <a:r>
-              <a:rPr/>
-              <a:t> </a:t>
-            </a:r>
-            <a:r>
-              <a:rPr/>
-              <a:t>Households</a:t>
-            </a:r>
-            <a:r>
-              <a:rPr/>
-              <a:t> </a:t>
-            </a:r>
-            <a:r>
-              <a:rPr/>
-              <a:t>are</a:t>
-            </a:r>
-            <a:r>
-              <a:rPr/>
-              <a:t> </a:t>
-            </a:r>
-            <a:r>
-              <a:rPr/>
-              <a:t>less</a:t>
-            </a:r>
-            <a:r>
-              <a:rPr/>
-              <a:t> </a:t>
-            </a:r>
-            <a:r>
-              <a:rPr/>
-              <a:t>likely</a:t>
-            </a:r>
-            <a:r>
-              <a:rPr/>
-              <a:t> </a:t>
-            </a:r>
-            <a:r>
-              <a:rPr/>
-              <a:t>to</a:t>
-            </a:r>
-            <a:r>
-              <a:rPr/>
-              <a:t> </a:t>
-            </a:r>
-            <a:r>
-              <a:rPr/>
-              <a:t>have</a:t>
-            </a:r>
-            <a:r>
-              <a:rPr/>
-              <a:t> </a:t>
-            </a:r>
-            <a:r>
-              <a:rPr/>
-              <a:t>access</a:t>
-            </a:r>
-            <a:r>
-              <a:rPr/>
-              <a:t> </a:t>
-            </a:r>
-            <a:r>
-              <a:rPr/>
-              <a:t>to</a:t>
-            </a:r>
-            <a:r>
-              <a:rPr/>
-              <a:t> </a:t>
-            </a:r>
-            <a:r>
-              <a:rPr/>
-              <a:t>broadband</a:t>
-            </a:r>
-            <a:r>
-              <a:rPr/>
-              <a:t> </a:t>
-            </a:r>
-            <a:r>
-              <a:rPr/>
-              <a:t>internet</a:t>
-            </a:r>
-          </a:p>
-        </p:txBody>
-      </p:sp>
-      <p:pic>
-        <p:nvPicPr>
-          <p:cNvPr descr="household_structure_estimates_files/figure-pptx/unnamed-chunk-23-1.png" id="0" name="Picture 1"/>
-          <p:cNvPicPr>
-            <a:picLocks noGrp="1" noChangeAspect="1"/>
-          </p:cNvPicPr>
-          <p:nvPr/>
-        </p:nvPicPr>
-        <p:blipFill>
-          <a:blip r:embed="rId2"/>
-          <a:stretch>
-            <a:fillRect/>
-          </a:stretch>
-        </p:blipFill>
-        <p:spPr bwMode="auto">
-          <a:xfrm>
-            <a:off x="2616200" y="1816100"/>
-            <a:ext cx="6946900" cy="4343400"/>
-          </a:xfrm>
-          <a:prstGeom prst="rect">
-            <a:avLst/>
-          </a:prstGeom>
-          <a:noFill/>
-          <a:ln w="9525">
-            <a:noFill/>
-            <a:headEnd/>
-            <a:tailEnd/>
-          </a:ln>
-        </p:spPr>
-      </p:pic>
-    </p:spTree>
-  </p:cSld>
-</p:sld>
-</file>
-
-<file path=ppt/slides/slide27.xml><?xml version="1.0" encoding="utf-8"?>
-<p:sld xmlns:a="http://schemas.openxmlformats.org/drawingml/2006/main" xmlns:r="http://schemas.openxmlformats.org/officeDocument/2006/relationships" xmlns:p="http://schemas.openxmlformats.org/presentationml/2006/main">
-  <p:cSld>
-    <p:spTree>
-      <p:nvGrpSpPr>
-        <p:cNvPr id="1" name=""/>
-        <p:cNvGrpSpPr/>
-        <p:nvPr/>
-      </p:nvGrpSpPr>
-      <p:grpSpPr>
-        <a:xfrm>
-          <a:off x="0" y="0"/>
-          <a:ext cx="0" cy="0"/>
-          <a:chOff x="0" y="0"/>
-          <a:chExt cx="0" cy="0"/>
-        </a:xfrm>
-      </p:grpSpPr>
-      <p:sp>
-        <p:nvSpPr>
-          <p:cNvPr id="2" name="Title 1">
-            <a:extLst>
-              <a:ext uri="{FF2B5EF4-FFF2-40B4-BE49-F238E27FC236}">
-                <a16:creationId xmlns:a16="http://schemas.microsoft.com/office/drawing/2014/main" id="{0D064A50-2A97-421C-813D-6449089693A0}"/>
-              </a:ext>
-            </a:extLst>
-          </p:cNvPr>
-          <p:cNvSpPr>
-            <a:spLocks noGrp="1"/>
-          </p:cNvSpPr>
-          <p:nvPr>
-            <p:ph type="title"/>
-          </p:nvPr>
-        </p:nvSpPr>
-        <p:spPr/>
-        <p:txBody>
-          <a:bodyPr/>
-          <a:lstStyle/>
-          <a:p>
-            <a:pPr lvl="0" marL="0" indent="0">
-              <a:buNone/>
-            </a:pPr>
-            <a:r>
-              <a:rPr/>
-              <a:t>OY</a:t>
-            </a:r>
-            <a:r>
-              <a:rPr/>
-              <a:t> </a:t>
-            </a:r>
-            <a:r>
-              <a:rPr/>
-              <a:t>Only</a:t>
-            </a:r>
-            <a:r>
-              <a:rPr/>
-              <a:t> </a:t>
-            </a:r>
-            <a:r>
-              <a:rPr/>
-              <a:t>Households</a:t>
-            </a:r>
-            <a:r>
-              <a:rPr/>
-              <a:t> </a:t>
-            </a:r>
-            <a:r>
-              <a:rPr/>
-              <a:t>are</a:t>
-            </a:r>
-            <a:r>
-              <a:rPr/>
-              <a:t> </a:t>
-            </a:r>
-            <a:r>
-              <a:rPr/>
-              <a:t>less</a:t>
-            </a:r>
-            <a:r>
-              <a:rPr/>
-              <a:t> </a:t>
-            </a:r>
-            <a:r>
-              <a:rPr/>
-              <a:t>likely</a:t>
-            </a:r>
-            <a:r>
-              <a:rPr/>
-              <a:t> </a:t>
-            </a:r>
-            <a:r>
-              <a:rPr/>
-              <a:t>to</a:t>
-            </a:r>
-            <a:r>
-              <a:rPr/>
-              <a:t> </a:t>
-            </a:r>
-            <a:r>
-              <a:rPr/>
-              <a:t>have</a:t>
-            </a:r>
-            <a:r>
-              <a:rPr/>
-              <a:t> </a:t>
-            </a:r>
-            <a:r>
-              <a:rPr/>
-              <a:t>laptop</a:t>
-            </a:r>
-            <a:r>
-              <a:rPr/>
-              <a:t> </a:t>
-            </a:r>
-            <a:r>
-              <a:rPr/>
-              <a:t>access</a:t>
-            </a:r>
-          </a:p>
-        </p:txBody>
-      </p:sp>
-      <p:pic>
-        <p:nvPicPr>
-          <p:cNvPr descr="household_structure_estimates_files/figure-pptx/unnamed-chunk-24-1.png" id="0" name="Picture 1"/>
-          <p:cNvPicPr>
-            <a:picLocks noGrp="1" noChangeAspect="1"/>
-          </p:cNvPicPr>
-          <p:nvPr/>
-        </p:nvPicPr>
-        <p:blipFill>
-          <a:blip r:embed="rId2"/>
-          <a:stretch>
-            <a:fillRect/>
-          </a:stretch>
-        </p:blipFill>
-        <p:spPr bwMode="auto">
-          <a:xfrm>
-            <a:off x="2616200" y="1816100"/>
-            <a:ext cx="6946900" cy="4343400"/>
-          </a:xfrm>
-          <a:prstGeom prst="rect">
-            <a:avLst/>
-          </a:prstGeom>
-          <a:noFill/>
-          <a:ln w="9525">
-            <a:noFill/>
-            <a:headEnd/>
-            <a:tailEnd/>
-          </a:ln>
-        </p:spPr>
-      </p:pic>
-    </p:spTree>
-  </p:cSld>
-</p:sld>
-</file>
-
-<file path=ppt/slides/slide28.xml><?xml version="1.0" encoding="utf-8"?>
-<p:sld xmlns:a="http://schemas.openxmlformats.org/drawingml/2006/main" xmlns:r="http://schemas.openxmlformats.org/officeDocument/2006/relationships" xmlns:p="http://schemas.openxmlformats.org/presentationml/2006/main">
-  <p:cSld>
-    <p:spTree>
-      <p:nvGrpSpPr>
-        <p:cNvPr id="1" name=""/>
-        <p:cNvGrpSpPr/>
-        <p:nvPr/>
-      </p:nvGrpSpPr>
-      <p:grpSpPr>
-        <a:xfrm>
-          <a:off x="0" y="0"/>
-          <a:ext cx="0" cy="0"/>
-          <a:chOff x="0" y="0"/>
-          <a:chExt cx="0" cy="0"/>
-        </a:xfrm>
-      </p:grpSpPr>
-      <p:sp>
-        <p:nvSpPr>
-          <p:cNvPr id="2" name="Title 1">
-            <a:extLst>
-              <a:ext uri="{FF2B5EF4-FFF2-40B4-BE49-F238E27FC236}">
-                <a16:creationId xmlns:a16="http://schemas.microsoft.com/office/drawing/2014/main" id="{1CAF8530-DA25-40F0-835B-ABF68B3EB818}"/>
-              </a:ext>
-            </a:extLst>
-          </p:cNvPr>
-          <p:cNvSpPr>
-            <a:spLocks noGrp="1"/>
-          </p:cNvSpPr>
-          <p:nvPr>
-            <p:ph type="title"/>
-          </p:nvPr>
-        </p:nvSpPr>
-        <p:spPr>
-          <a:xfrm>
-            <a:off x="831850" y="1123072"/>
-            <a:ext cx="10515600" cy="2852737"/>
-          </a:xfrm>
-        </p:spPr>
-        <p:txBody>
-          <a:bodyPr/>
-          <a:lstStyle/>
-          <a:p>
-            <a:pPr lvl="0" marL="0" indent="0">
-              <a:buNone/>
-            </a:pPr>
-            <a:r>
-              <a:rPr/>
-              <a:t>Questions?</a:t>
-            </a:r>
-          </a:p>
-        </p:txBody>
-      </p:sp>
-    </p:spTree>
-  </p:cSld>
-</p:sld>
-</file>
-
-<file path=ppt/slides/slide29.xml><?xml version="1.0" encoding="utf-8"?>
-<p:sld xmlns:a="http://schemas.openxmlformats.org/drawingml/2006/main" xmlns:r="http://schemas.openxmlformats.org/officeDocument/2006/relationships" xmlns:p="http://schemas.openxmlformats.org/presentationml/2006/main">
-  <p:cSld>
-    <p:spTree>
-      <p:nvGrpSpPr>
-        <p:cNvPr id="1" name=""/>
-        <p:cNvGrpSpPr/>
-        <p:nvPr/>
-      </p:nvGrpSpPr>
-      <p:grpSpPr>
-        <a:xfrm>
-          <a:off x="0" y="0"/>
-          <a:ext cx="0" cy="0"/>
-          <a:chOff x="0" y="0"/>
-          <a:chExt cx="0" cy="0"/>
-        </a:xfrm>
-      </p:grpSpPr>
-      <p:sp>
-        <p:nvSpPr>
-          <p:cNvPr id="2" name="Title 1">
-            <a:extLst>
-              <a:ext uri="{FF2B5EF4-FFF2-40B4-BE49-F238E27FC236}">
                 <a16:creationId xmlns:a16="http://schemas.microsoft.com/office/drawing/2014/main" id="{1CAF8530-DA25-40F0-835B-ABF68B3EB818}"/>
               </a:ext>
             </a:extLst>
@@ -7133,7 +6976,7 @@
             </a:r>
             <a:r>
               <a:rPr/>
-              <a:t> Individuals outside of this age category who may be enrolled in school or employed</a:t>
+              <a:t> Individuals outside of this age category, regardless of employment or school enrollment status</a:t>
             </a:r>
           </a:p>
         </p:txBody>
@@ -7430,7 +7273,7 @@
       </p:sp>
       <p:graphicFrame xmlns:a="http://schemas.openxmlformats.org/drawingml/2006/main" xmlns:r="http://schemas.openxmlformats.org/officeDocument/2006/relationships" xmlns:p="http://schemas.openxmlformats.org/presentationml/2006/main">
         <p:nvGraphicFramePr>
-          <p:cNvPr id="367121093" name=""/>
+          <p:cNvPr id="630330236" name=""/>
           <p:cNvGraphicFramePr>
             <a:graphicFrameLocks noGrp="true"/>
           </p:cNvGraphicFramePr>
@@ -7445,7 +7288,7 @@
             <a:tbl>
               <a:tblPr/>
               <a:tblGrid>
-                <a:gridCol w="1697748"/>
+                <a:gridCol w="1758117"/>
                 <a:gridCol w="1201022"/>
                 <a:gridCol w="1394405"/>
                 <a:gridCol w="1011868"/>
@@ -7896,7 +7739,7 @@
                           <a:latin typeface="Arial"/>
                           <a:cs typeface="Arial"/>
                         </a:rPr>
-                        <a:t>Present</a:t>
+                        <a:t>Not Present</a:t>
                       </a:r>
                     </a:p>
                   </a:txBody>
@@ -7962,7 +7805,7 @@
                           <a:latin typeface="Arial"/>
                           <a:cs typeface="Arial"/>
                         </a:rPr>
-                        <a:t>Present</a:t>
+                        <a:t>Not Present</a:t>
                       </a:r>
                     </a:p>
                   </a:txBody>
@@ -8030,7 +7873,7 @@
                           <a:latin typeface="Arial"/>
                           <a:cs typeface="Arial"/>
                         </a:rPr>
-                        <a:t>Household w/Only CY</a:t>
+                        <a:t>Households w/Only CY</a:t>
                       </a:r>
                     </a:p>
                   </a:txBody>
@@ -8288,7 +8131,7 @@
                   </a:tcPr>
                 </a:tc>
               </a:tr>
-              <a:tr h="328238">
+              <a:tr h="312140">
                 <a:tc>
                   <a:txBody>
                     <a:bodyPr/>
@@ -8316,7 +8159,7 @@
                           <a:latin typeface="Arial"/>
                           <a:cs typeface="Arial"/>
                         </a:rPr>
-                        <a:t>Household w/Only OY</a:t>
+                        <a:t>Households w/OY</a:t>
                       </a:r>
                     </a:p>
                   </a:txBody>
@@ -8448,7 +8291,7 @@
                           <a:latin typeface="Arial"/>
                           <a:cs typeface="Arial"/>
                         </a:rPr>
-                        <a:t>Not Present</a:t>
+                        <a:t>Present</a:t>
                       </a:r>
                     </a:p>
                   </a:txBody>

--- a/create_powerpoint/household_structure_estimates.pptx
+++ b/create_powerpoint/household_structure_estimates.pptx
@@ -3675,15 +3675,7 @@
             </a:pPr>
             <a:r>
               <a:rPr/>
-              <a:t>Less</a:t>
-            </a:r>
-            <a:r>
-              <a:rPr/>
-              <a:t> </a:t>
-            </a:r>
-            <a:r>
-              <a:rPr/>
-              <a:t>than</a:t>
+              <a:t>About</a:t>
             </a:r>
             <a:r>
               <a:rPr/>
@@ -3716,14 +3708,6 @@
             <a:r>
               <a:rPr/>
               <a:t>contain</a:t>
-            </a:r>
-            <a:r>
-              <a:rPr/>
-              <a:t> </a:t>
-            </a:r>
-            <a:r>
-              <a:rPr/>
-              <a:t>only</a:t>
             </a:r>
             <a:r>
               <a:rPr/>
@@ -4057,31 +4041,7 @@
             </a:r>
             <a:r>
               <a:rPr/>
-              <a:t>be</a:t>
-            </a:r>
-            <a:r>
-              <a:rPr/>
-              <a:t> </a:t>
-            </a:r>
-            <a:r>
-              <a:rPr/>
-              <a:t>the</a:t>
-            </a:r>
-            <a:r>
-              <a:rPr/>
-              <a:t> </a:t>
-            </a:r>
-            <a:r>
-              <a:rPr/>
-              <a:t>reference</a:t>
-            </a:r>
-            <a:r>
-              <a:rPr/>
-              <a:t> </a:t>
-            </a:r>
-            <a:r>
-              <a:rPr/>
-              <a:t>person</a:t>
+              <a:t>householders</a:t>
             </a:r>
           </a:p>
         </p:txBody>
@@ -4546,15 +4506,15 @@
             </a:pPr>
             <a:r>
               <a:rPr/>
-              <a:t>Opportunity</a:t>
-            </a:r>
-            <a:r>
-              <a:rPr/>
-              <a:t> </a:t>
-            </a:r>
-            <a:r>
-              <a:rPr/>
-              <a:t>Youth</a:t>
+              <a:t>Households</a:t>
+            </a:r>
+            <a:r>
+              <a:rPr/>
+              <a:t> </a:t>
+            </a:r>
+            <a:r>
+              <a:rPr/>
+              <a:t>w/OY</a:t>
             </a:r>
             <a:r>
               <a:rPr/>
@@ -4570,15 +4530,15 @@
             </a:r>
             <a:r>
               <a:rPr/>
-              <a:t>three</a:t>
-            </a:r>
-            <a:r>
-              <a:rPr/>
-              <a:t> </a:t>
-            </a:r>
-            <a:r>
-              <a:rPr/>
-              <a:t>times</a:t>
+              <a:t>almost</a:t>
+            </a:r>
+            <a:r>
+              <a:rPr/>
+              <a:t> </a:t>
+            </a:r>
+            <a:r>
+              <a:rPr/>
+              <a:t>twice</a:t>
             </a:r>
             <a:r>
               <a:rPr/>
@@ -4610,39 +4570,47 @@
             </a:r>
             <a:r>
               <a:rPr/>
-              <a:t>have</a:t>
-            </a:r>
-            <a:r>
-              <a:rPr/>
-              <a:t> </a:t>
-            </a:r>
-            <a:r>
-              <a:rPr/>
-              <a:t>at</a:t>
-            </a:r>
-            <a:r>
-              <a:rPr/>
-              <a:t> </a:t>
-            </a:r>
-            <a:r>
-              <a:rPr/>
-              <a:t>least</a:t>
-            </a:r>
-            <a:r>
-              <a:rPr/>
-              <a:t> </a:t>
-            </a:r>
-            <a:r>
-              <a:rPr/>
-              <a:t>one</a:t>
-            </a:r>
-            <a:r>
-              <a:rPr/>
-              <a:t> </a:t>
-            </a:r>
-            <a:r>
-              <a:rPr/>
-              <a:t>child</a:t>
+              <a:t>receive</a:t>
+            </a:r>
+            <a:r>
+              <a:rPr/>
+              <a:t> </a:t>
+            </a:r>
+            <a:r>
+              <a:rPr/>
+              <a:t>foodstamps</a:t>
+            </a:r>
+            <a:r>
+              <a:rPr/>
+              <a:t> </a:t>
+            </a:r>
+            <a:r>
+              <a:rPr/>
+              <a:t>than</a:t>
+            </a:r>
+            <a:r>
+              <a:rPr/>
+              <a:t> </a:t>
+            </a:r>
+            <a:r>
+              <a:rPr/>
+              <a:t>all</a:t>
+            </a:r>
+            <a:r>
+              <a:rPr/>
+              <a:t> </a:t>
+            </a:r>
+            <a:r>
+              <a:rPr/>
+              <a:t>other</a:t>
+            </a:r>
+            <a:r>
+              <a:rPr/>
+              <a:t> </a:t>
+            </a:r>
+            <a:r>
+              <a:rPr/>
+              <a:t>households</a:t>
             </a:r>
           </a:p>
         </p:txBody>
@@ -4663,8 +4631,8 @@
         </p:blipFill>
         <p:spPr bwMode="auto">
           <a:xfrm>
-            <a:off x="3200400" y="1816100"/>
-            <a:ext cx="5791200" cy="4343400"/>
+            <a:off x="2616200" y="1816100"/>
+            <a:ext cx="6946900" cy="4343400"/>
           </a:xfrm>
           <a:prstGeom prst="rect">
             <a:avLst/>
@@ -4749,7 +4717,23 @@
             </a:r>
             <a:r>
               <a:rPr/>
-              <a:t>more</a:t>
+              <a:t>three</a:t>
+            </a:r>
+            <a:r>
+              <a:rPr/>
+              <a:t> </a:t>
+            </a:r>
+            <a:r>
+              <a:rPr/>
+              <a:t>times</a:t>
+            </a:r>
+            <a:r>
+              <a:rPr/>
+              <a:t> </a:t>
+            </a:r>
+            <a:r>
+              <a:rPr/>
+              <a:t>as</a:t>
             </a:r>
             <a:r>
               <a:rPr/>
@@ -4781,210 +4765,31 @@
             </a:r>
             <a:r>
               <a:rPr/>
-              <a:t>multiple</a:t>
-            </a:r>
-            <a:r>
-              <a:rPr/>
-              <a:t> </a:t>
-            </a:r>
-            <a:r>
-              <a:rPr/>
-              <a:t>children</a:t>
-            </a:r>
-          </a:p>
-        </p:txBody>
-      </p:sp>
-      <p:pic>
-        <p:nvPicPr>
-          <p:cNvPr descr="household_structure_estimates_files/figure-pptx/unnamed-chunk-14-1.png" id="0" name="Picture 1"/>
-          <p:cNvPicPr>
-            <a:picLocks noGrp="1" noChangeAspect="1"/>
-          </p:cNvPicPr>
-          <p:nvPr/>
-        </p:nvPicPr>
-        <p:blipFill>
-          <a:blip r:embed="rId2"/>
-          <a:stretch>
-            <a:fillRect/>
-          </a:stretch>
-        </p:blipFill>
-        <p:spPr bwMode="auto">
-          <a:xfrm>
-            <a:off x="2616200" y="1816100"/>
-            <a:ext cx="6946900" cy="4343400"/>
-          </a:xfrm>
-          <a:prstGeom prst="rect">
-            <a:avLst/>
-          </a:prstGeom>
-          <a:noFill/>
-          <a:ln w="9525">
-            <a:noFill/>
-            <a:headEnd/>
-            <a:tailEnd/>
-          </a:ln>
-        </p:spPr>
-      </p:pic>
-    </p:spTree>
-  </p:cSld>
-</p:sld>
-</file>
-
-<file path=ppt/slides/slide17.xml><?xml version="1.0" encoding="utf-8"?>
-<p:sld xmlns:a="http://schemas.openxmlformats.org/drawingml/2006/main" xmlns:r="http://schemas.openxmlformats.org/officeDocument/2006/relationships" xmlns:p="http://schemas.openxmlformats.org/presentationml/2006/main">
-  <p:cSld>
-    <p:spTree>
-      <p:nvGrpSpPr>
-        <p:cNvPr id="1" name=""/>
-        <p:cNvGrpSpPr/>
-        <p:nvPr/>
-      </p:nvGrpSpPr>
-      <p:grpSpPr>
-        <a:xfrm>
-          <a:off x="0" y="0"/>
-          <a:ext cx="0" cy="0"/>
-          <a:chOff x="0" y="0"/>
-          <a:chExt cx="0" cy="0"/>
-        </a:xfrm>
-      </p:grpSpPr>
-      <p:sp>
-        <p:nvSpPr>
-          <p:cNvPr id="2" name="Title 1">
-            <a:extLst>
-              <a:ext uri="{FF2B5EF4-FFF2-40B4-BE49-F238E27FC236}">
-                <a16:creationId xmlns:a16="http://schemas.microsoft.com/office/drawing/2014/main" id="{0D064A50-2A97-421C-813D-6449089693A0}"/>
-              </a:ext>
-            </a:extLst>
-          </p:cNvPr>
-          <p:cNvSpPr>
-            <a:spLocks noGrp="1"/>
-          </p:cNvSpPr>
-          <p:nvPr>
-            <p:ph type="title"/>
-          </p:nvPr>
-        </p:nvSpPr>
-        <p:spPr/>
-        <p:txBody>
-          <a:bodyPr/>
-          <a:lstStyle/>
-          <a:p>
-            <a:pPr lvl="0" marL="0" indent="0">
-              <a:buNone/>
-            </a:pPr>
-            <a:r>
-              <a:rPr/>
-              <a:t>The</a:t>
-            </a:r>
-            <a:r>
-              <a:rPr/>
-              <a:t> </a:t>
-            </a:r>
-            <a:r>
-              <a:rPr/>
-              <a:t>median</a:t>
-            </a:r>
-            <a:r>
-              <a:rPr/>
-              <a:t> </a:t>
-            </a:r>
-            <a:r>
-              <a:rPr/>
-              <a:t>income</a:t>
-            </a:r>
-            <a:r>
-              <a:rPr/>
-              <a:t> </a:t>
-            </a:r>
-            <a:r>
-              <a:rPr/>
-              <a:t>of</a:t>
-            </a:r>
-            <a:r>
-              <a:rPr/>
-              <a:t> </a:t>
-            </a:r>
-            <a:r>
-              <a:rPr/>
-              <a:t>OY</a:t>
-            </a:r>
-            <a:r>
-              <a:rPr/>
-              <a:t> </a:t>
-            </a:r>
-            <a:r>
-              <a:rPr/>
-              <a:t>Only</a:t>
-            </a:r>
-            <a:r>
-              <a:rPr/>
-              <a:t> </a:t>
-            </a:r>
-            <a:r>
-              <a:rPr/>
-              <a:t>Households</a:t>
-            </a:r>
-            <a:r>
-              <a:rPr/>
-              <a:t> </a:t>
-            </a:r>
-            <a:r>
-              <a:rPr/>
-              <a:t>is</a:t>
-            </a:r>
-            <a:r>
-              <a:rPr/>
-              <a:t> </a:t>
-            </a:r>
-            <a:r>
-              <a:rPr/>
-              <a:t>less</a:t>
-            </a:r>
-            <a:r>
-              <a:rPr/>
-              <a:t> </a:t>
-            </a:r>
-            <a:r>
-              <a:rPr/>
-              <a:t>than</a:t>
-            </a:r>
-            <a:r>
-              <a:rPr/>
-              <a:t> </a:t>
-            </a:r>
-            <a:r>
-              <a:rPr/>
-              <a:t>half</a:t>
-            </a:r>
-            <a:r>
-              <a:rPr/>
-              <a:t> </a:t>
-            </a:r>
-            <a:r>
-              <a:rPr/>
-              <a:t>that</a:t>
-            </a:r>
-            <a:r>
-              <a:rPr/>
-              <a:t> </a:t>
-            </a:r>
-            <a:r>
-              <a:rPr/>
-              <a:t>of</a:t>
-            </a:r>
-            <a:r>
-              <a:rPr/>
-              <a:t> </a:t>
-            </a:r>
-            <a:r>
-              <a:rPr/>
-              <a:t>other</a:t>
-            </a:r>
-            <a:r>
-              <a:rPr/>
-              <a:t> </a:t>
-            </a:r>
-            <a:r>
-              <a:rPr/>
-              <a:t>households</a:t>
+              <a:t>at</a:t>
+            </a:r>
+            <a:r>
+              <a:rPr/>
+              <a:t> </a:t>
+            </a:r>
+            <a:r>
+              <a:rPr/>
+              <a:t>least</a:t>
+            </a:r>
+            <a:r>
+              <a:rPr/>
+              <a:t> </a:t>
+            </a:r>
+            <a:r>
+              <a:rPr/>
+              <a:t>one</a:t>
+            </a:r>
+            <a:r>
+              <a:rPr/>
+              <a:t> </a:t>
+            </a:r>
+            <a:r>
+              <a:rPr/>
+              <a:t>child</a:t>
             </a:r>
           </a:p>
         </p:txBody>
@@ -5024,7 +4829,7 @@
 </p:sld>
 </file>
 
-<file path=ppt/slides/slide18.xml><?xml version="1.0" encoding="utf-8"?>
+<file path=ppt/slides/slide17.xml><?xml version="1.0" encoding="utf-8"?>
 <p:sld xmlns:a="http://schemas.openxmlformats.org/drawingml/2006/main" xmlns:r="http://schemas.openxmlformats.org/officeDocument/2006/relationships" xmlns:p="http://schemas.openxmlformats.org/presentationml/2006/main">
   <p:cSld>
     <p:spTree>
@@ -5067,55 +4872,71 @@
             </a:pPr>
             <a:r>
               <a:rPr/>
-              <a:t>Median</a:t>
-            </a:r>
-            <a:r>
-              <a:rPr/>
-              <a:t> </a:t>
-            </a:r>
-            <a:r>
-              <a:rPr/>
-              <a:t>Income</a:t>
-            </a:r>
-            <a:r>
-              <a:rPr/>
-              <a:t> </a:t>
-            </a:r>
-            <a:r>
-              <a:rPr/>
-              <a:t>YY</a:t>
-            </a:r>
-            <a:r>
-              <a:rPr/>
-              <a:t> </a:t>
-            </a:r>
-            <a:r>
-              <a:rPr/>
-              <a:t>Reference</a:t>
-            </a:r>
-            <a:r>
-              <a:rPr/>
-              <a:t> </a:t>
-            </a:r>
-            <a:r>
-              <a:rPr/>
-              <a:t>Person</a:t>
-            </a:r>
-            <a:r>
-              <a:rPr/>
-              <a:t> </a:t>
-            </a:r>
-            <a:r>
-              <a:rPr/>
-              <a:t>by</a:t>
-            </a:r>
-            <a:r>
-              <a:rPr/>
-              <a:t> </a:t>
-            </a:r>
-            <a:r>
-              <a:rPr/>
-              <a:t>PUMA</a:t>
+              <a:t>Opportunity</a:t>
+            </a:r>
+            <a:r>
+              <a:rPr/>
+              <a:t> </a:t>
+            </a:r>
+            <a:r>
+              <a:rPr/>
+              <a:t>Youth</a:t>
+            </a:r>
+            <a:r>
+              <a:rPr/>
+              <a:t> </a:t>
+            </a:r>
+            <a:r>
+              <a:rPr/>
+              <a:t>are</a:t>
+            </a:r>
+            <a:r>
+              <a:rPr/>
+              <a:t> </a:t>
+            </a:r>
+            <a:r>
+              <a:rPr/>
+              <a:t>more</a:t>
+            </a:r>
+            <a:r>
+              <a:rPr/>
+              <a:t> </a:t>
+            </a:r>
+            <a:r>
+              <a:rPr/>
+              <a:t>likely</a:t>
+            </a:r>
+            <a:r>
+              <a:rPr/>
+              <a:t> </a:t>
+            </a:r>
+            <a:r>
+              <a:rPr/>
+              <a:t>to</a:t>
+            </a:r>
+            <a:r>
+              <a:rPr/>
+              <a:t> </a:t>
+            </a:r>
+            <a:r>
+              <a:rPr/>
+              <a:t>have</a:t>
+            </a:r>
+            <a:r>
+              <a:rPr/>
+              <a:t> </a:t>
+            </a:r>
+            <a:r>
+              <a:rPr/>
+              <a:t>multiple</a:t>
+            </a:r>
+            <a:r>
+              <a:rPr/>
+              <a:t> </a:t>
+            </a:r>
+            <a:r>
+              <a:rPr/>
+              <a:t>children</a:t>
             </a:r>
           </a:p>
         </p:txBody>
@@ -5155,6 +4976,217 @@
 </p:sld>
 </file>
 
+<file path=ppt/slides/slide18.xml><?xml version="1.0" encoding="utf-8"?>
+<p:sld xmlns:a="http://schemas.openxmlformats.org/drawingml/2006/main" xmlns:r="http://schemas.openxmlformats.org/officeDocument/2006/relationships" xmlns:p="http://schemas.openxmlformats.org/presentationml/2006/main">
+  <p:cSld>
+    <p:spTree>
+      <p:nvGrpSpPr>
+        <p:cNvPr id="1" name=""/>
+        <p:cNvGrpSpPr/>
+        <p:nvPr/>
+      </p:nvGrpSpPr>
+      <p:grpSpPr>
+        <a:xfrm>
+          <a:off x="0" y="0"/>
+          <a:ext cx="0" cy="0"/>
+          <a:chOff x="0" y="0"/>
+          <a:chExt cx="0" cy="0"/>
+        </a:xfrm>
+      </p:grpSpPr>
+      <p:sp>
+        <p:nvSpPr>
+          <p:cNvPr id="2" name="Title 1">
+            <a:extLst>
+              <a:ext uri="{FF2B5EF4-FFF2-40B4-BE49-F238E27FC236}">
+                <a16:creationId xmlns:a16="http://schemas.microsoft.com/office/drawing/2014/main" id="{0D064A50-2A97-421C-813D-6449089693A0}"/>
+              </a:ext>
+            </a:extLst>
+          </p:cNvPr>
+          <p:cNvSpPr>
+            <a:spLocks noGrp="1"/>
+          </p:cNvSpPr>
+          <p:nvPr>
+            <p:ph type="title"/>
+          </p:nvPr>
+        </p:nvSpPr>
+        <p:spPr/>
+        <p:txBody>
+          <a:bodyPr/>
+          <a:lstStyle/>
+          <a:p>
+            <a:pPr lvl="0" marL="0" indent="0">
+              <a:buNone/>
+            </a:pPr>
+            <a:r>
+              <a:rPr/>
+              <a:t>The</a:t>
+            </a:r>
+            <a:r>
+              <a:rPr/>
+              <a:t> </a:t>
+            </a:r>
+            <a:r>
+              <a:rPr/>
+              <a:t>median</a:t>
+            </a:r>
+            <a:r>
+              <a:rPr/>
+              <a:t> </a:t>
+            </a:r>
+            <a:r>
+              <a:rPr/>
+              <a:t>income</a:t>
+            </a:r>
+            <a:r>
+              <a:rPr/>
+              <a:t> </a:t>
+            </a:r>
+            <a:r>
+              <a:rPr/>
+              <a:t>of</a:t>
+            </a:r>
+            <a:r>
+              <a:rPr/>
+              <a:t> </a:t>
+            </a:r>
+            <a:r>
+              <a:rPr/>
+              <a:t>‘</a:t>
+            </a:r>
+            <a:r>
+              <a:rPr/>
+              <a:t>Households</a:t>
+            </a:r>
+            <a:r>
+              <a:rPr/>
+              <a:t> </a:t>
+            </a:r>
+            <a:r>
+              <a:rPr/>
+              <a:t>with</a:t>
+            </a:r>
+            <a:r>
+              <a:rPr/>
+              <a:t> </a:t>
+            </a:r>
+            <a:r>
+              <a:rPr/>
+              <a:t>Only</a:t>
+            </a:r>
+            <a:r>
+              <a:rPr/>
+              <a:t> </a:t>
+            </a:r>
+            <a:r>
+              <a:rPr/>
+              <a:t>OY</a:t>
+            </a:r>
+            <a:r>
+              <a:rPr/>
+              <a:t>’</a:t>
+            </a:r>
+            <a:r>
+              <a:rPr/>
+              <a:t> </a:t>
+            </a:r>
+            <a:r>
+              <a:rPr/>
+              <a:t>is</a:t>
+            </a:r>
+            <a:r>
+              <a:rPr/>
+              <a:t> </a:t>
+            </a:r>
+            <a:r>
+              <a:rPr/>
+              <a:t>less</a:t>
+            </a:r>
+            <a:r>
+              <a:rPr/>
+              <a:t> </a:t>
+            </a:r>
+            <a:r>
+              <a:rPr/>
+              <a:t>than</a:t>
+            </a:r>
+            <a:r>
+              <a:rPr/>
+              <a:t> </a:t>
+            </a:r>
+            <a:r>
+              <a:rPr/>
+              <a:t>half</a:t>
+            </a:r>
+            <a:r>
+              <a:rPr/>
+              <a:t> </a:t>
+            </a:r>
+            <a:r>
+              <a:rPr/>
+              <a:t>that</a:t>
+            </a:r>
+            <a:r>
+              <a:rPr/>
+              <a:t> </a:t>
+            </a:r>
+            <a:r>
+              <a:rPr/>
+              <a:t>of</a:t>
+            </a:r>
+            <a:r>
+              <a:rPr/>
+              <a:t> </a:t>
+            </a:r>
+            <a:r>
+              <a:rPr/>
+              <a:t>other</a:t>
+            </a:r>
+            <a:r>
+              <a:rPr/>
+              <a:t> </a:t>
+            </a:r>
+            <a:r>
+              <a:rPr/>
+              <a:t>households</a:t>
+            </a:r>
+          </a:p>
+        </p:txBody>
+      </p:sp>
+      <p:pic>
+        <p:nvPicPr>
+          <p:cNvPr descr="household_structure_estimates_files/figure-pptx/unnamed-chunk-17-1.png" id="0" name="Picture 1"/>
+          <p:cNvPicPr>
+            <a:picLocks noGrp="1" noChangeAspect="1"/>
+          </p:cNvPicPr>
+          <p:nvPr/>
+        </p:nvPicPr>
+        <p:blipFill>
+          <a:blip r:embed="rId2"/>
+          <a:stretch>
+            <a:fillRect/>
+          </a:stretch>
+        </p:blipFill>
+        <p:spPr bwMode="auto">
+          <a:xfrm>
+            <a:off x="3200400" y="1816100"/>
+            <a:ext cx="5791200" cy="4343400"/>
+          </a:xfrm>
+          <a:prstGeom prst="rect">
+            <a:avLst/>
+          </a:prstGeom>
+          <a:noFill/>
+          <a:ln w="9525">
+            <a:noFill/>
+            <a:headEnd/>
+            <a:tailEnd/>
+          </a:ln>
+        </p:spPr>
+      </p:pic>
+    </p:spTree>
+  </p:cSld>
+</p:sld>
+</file>
+
 <file path=ppt/slides/slide19.xml><?xml version="1.0" encoding="utf-8"?>
 <p:sld xmlns:a="http://schemas.openxmlformats.org/drawingml/2006/main" xmlns:r="http://schemas.openxmlformats.org/officeDocument/2006/relationships" xmlns:p="http://schemas.openxmlformats.org/presentationml/2006/main">
   <p:cSld>
@@ -5198,94 +5230,70 @@
             </a:pPr>
             <a:r>
               <a:rPr/>
-              <a:t>Connected</a:t>
-            </a:r>
-            <a:r>
-              <a:rPr/>
-              <a:t> </a:t>
-            </a:r>
-            <a:r>
-              <a:rPr/>
-              <a:t>Youth</a:t>
-            </a:r>
-            <a:r>
-              <a:rPr/>
-              <a:t> </a:t>
-            </a:r>
-            <a:r>
-              <a:rPr/>
-              <a:t>earn</a:t>
-            </a:r>
-            <a:r>
-              <a:rPr/>
-              <a:t> </a:t>
-            </a:r>
-            <a:r>
-              <a:rPr/>
-              <a:t>nearly</a:t>
-            </a:r>
-            <a:r>
-              <a:rPr/>
-              <a:t> </a:t>
-            </a:r>
-            <a:r>
-              <a:rPr/>
-              <a:t>four</a:t>
-            </a:r>
-            <a:r>
-              <a:rPr/>
-              <a:t> </a:t>
-            </a:r>
-            <a:r>
-              <a:rPr/>
-              <a:t>times</a:t>
-            </a:r>
-            <a:r>
-              <a:rPr/>
-              <a:t> </a:t>
-            </a:r>
-            <a:r>
-              <a:rPr/>
-              <a:t>the</a:t>
-            </a:r>
-            <a:r>
-              <a:rPr/>
-              <a:t> </a:t>
-            </a:r>
-            <a:r>
-              <a:rPr/>
-              <a:t>amount</a:t>
-            </a:r>
-            <a:r>
-              <a:rPr/>
-              <a:t> </a:t>
-            </a:r>
-            <a:r>
-              <a:rPr/>
-              <a:t>of</a:t>
-            </a:r>
-            <a:r>
-              <a:rPr/>
-              <a:t> </a:t>
-            </a:r>
-            <a:r>
-              <a:rPr/>
-              <a:t>Opportunity</a:t>
-            </a:r>
-            <a:r>
-              <a:rPr/>
-              <a:t> </a:t>
-            </a:r>
-            <a:r>
-              <a:rPr/>
-              <a:t>Youth</a:t>
+              <a:t>Median</a:t>
+            </a:r>
+            <a:r>
+              <a:rPr/>
+              <a:t> </a:t>
+            </a:r>
+            <a:r>
+              <a:rPr/>
+              <a:t>Income</a:t>
+            </a:r>
+            <a:r>
+              <a:rPr/>
+              <a:t> </a:t>
+            </a:r>
+            <a:r>
+              <a:rPr/>
+              <a:t>by</a:t>
+            </a:r>
+            <a:r>
+              <a:rPr/>
+              <a:t> </a:t>
+            </a:r>
+            <a:r>
+              <a:rPr/>
+              <a:t>Reference</a:t>
+            </a:r>
+            <a:r>
+              <a:rPr/>
+              <a:t> </a:t>
+            </a:r>
+            <a:r>
+              <a:rPr/>
+              <a:t>Person</a:t>
+            </a:r>
+            <a:r>
+              <a:rPr/>
+              <a:t> </a:t>
+            </a:r>
+            <a:r>
+              <a:rPr/>
+              <a:t>by</a:t>
+            </a:r>
+            <a:r>
+              <a:rPr/>
+              <a:t> </a:t>
+            </a:r>
+            <a:r>
+              <a:rPr/>
+              <a:t>Chicago</a:t>
+            </a:r>
+            <a:r>
+              <a:rPr/>
+              <a:t> </a:t>
+            </a:r>
+            <a:r>
+              <a:rPr/>
+              <a:t>region</a:t>
             </a:r>
           </a:p>
         </p:txBody>
       </p:sp>
       <p:pic>
         <p:nvPicPr>
-          <p:cNvPr descr="household_structure_estimates_files/figure-pptx/unnamed-chunk-17-1.png" id="0" name="Picture 1"/>
+          <p:cNvPr descr="household_structure_estimates_files/figure-pptx/unnamed-chunk-18-1.png" id="0" name="Picture 1"/>
           <p:cNvPicPr>
             <a:picLocks noGrp="1" noChangeAspect="1"/>
           </p:cNvPicPr>
@@ -5490,14 +5498,6 @@
             </a:pPr>
             <a:r>
               <a:rPr/>
-              <a:t>Most</a:t>
-            </a:r>
-            <a:r>
-              <a:rPr/>
-              <a:t> </a:t>
-            </a:r>
-            <a:r>
-              <a:rPr/>
               <a:t>Connected</a:t>
             </a:r>
             <a:r>
@@ -5514,63 +5514,71 @@
             </a:r>
             <a:r>
               <a:rPr/>
-              <a:t>travel</a:t>
-            </a:r>
-            <a:r>
-              <a:rPr/>
-              <a:t> </a:t>
-            </a:r>
-            <a:r>
-              <a:rPr/>
-              <a:t>by</a:t>
-            </a:r>
-            <a:r>
-              <a:rPr/>
-              <a:t> </a:t>
-            </a:r>
-            <a:r>
-              <a:rPr/>
-              <a:t>car,</a:t>
-            </a:r>
-            <a:r>
-              <a:rPr/>
-              <a:t> </a:t>
-            </a:r>
-            <a:r>
-              <a:rPr/>
-              <a:t>truck,</a:t>
-            </a:r>
-            <a:r>
-              <a:rPr/>
-              <a:t> </a:t>
-            </a:r>
-            <a:r>
-              <a:rPr/>
-              <a:t>van</a:t>
-            </a:r>
-            <a:r>
-              <a:rPr/>
-              <a:t> </a:t>
-            </a:r>
-            <a:r>
-              <a:rPr/>
-              <a:t>or</a:t>
-            </a:r>
-            <a:r>
-              <a:rPr/>
-              <a:t> </a:t>
-            </a:r>
-            <a:r>
-              <a:rPr/>
-              <a:t>public</a:t>
-            </a:r>
-            <a:r>
-              <a:rPr/>
-              <a:t> </a:t>
-            </a:r>
-            <a:r>
-              <a:rPr/>
-              <a:t>transportation</a:t>
+              <a:t>earn</a:t>
+            </a:r>
+            <a:r>
+              <a:rPr/>
+              <a:t> </a:t>
+            </a:r>
+            <a:r>
+              <a:rPr/>
+              <a:t>nearly</a:t>
+            </a:r>
+            <a:r>
+              <a:rPr/>
+              <a:t> </a:t>
+            </a:r>
+            <a:r>
+              <a:rPr/>
+              <a:t>four</a:t>
+            </a:r>
+            <a:r>
+              <a:rPr/>
+              <a:t> </a:t>
+            </a:r>
+            <a:r>
+              <a:rPr/>
+              <a:t>times</a:t>
+            </a:r>
+            <a:r>
+              <a:rPr/>
+              <a:t> </a:t>
+            </a:r>
+            <a:r>
+              <a:rPr/>
+              <a:t>the</a:t>
+            </a:r>
+            <a:r>
+              <a:rPr/>
+              <a:t> </a:t>
+            </a:r>
+            <a:r>
+              <a:rPr/>
+              <a:t>amount</a:t>
+            </a:r>
+            <a:r>
+              <a:rPr/>
+              <a:t> </a:t>
+            </a:r>
+            <a:r>
+              <a:rPr/>
+              <a:t>of</a:t>
+            </a:r>
+            <a:r>
+              <a:rPr/>
+              <a:t> </a:t>
+            </a:r>
+            <a:r>
+              <a:rPr/>
+              <a:t>Opportunity</a:t>
+            </a:r>
+            <a:r>
+              <a:rPr/>
+              <a:t> </a:t>
+            </a:r>
+            <a:r>
+              <a:rPr/>
+              <a:t>Youth</a:t>
             </a:r>
           </a:p>
         </p:txBody>
@@ -5661,6 +5669,14 @@
             </a:r>
             <a:r>
               <a:rPr/>
+              <a:t>employed</a:t>
+            </a:r>
+            <a:r>
+              <a:rPr/>
+              <a:t> </a:t>
+            </a:r>
+            <a:r>
+              <a:rPr/>
               <a:t>Connected</a:t>
             </a:r>
             <a:r>
@@ -5677,31 +5693,39 @@
             </a:r>
             <a:r>
               <a:rPr/>
-              <a:t>are</a:t>
-            </a:r>
-            <a:r>
-              <a:rPr/>
-              <a:t> </a:t>
-            </a:r>
-            <a:r>
-              <a:rPr/>
-              <a:t>commute</a:t>
-            </a:r>
-            <a:r>
-              <a:rPr/>
-              <a:t> </a:t>
-            </a:r>
-            <a:r>
-              <a:rPr/>
-              <a:t>twenty</a:t>
-            </a:r>
-            <a:r>
-              <a:rPr/>
-              <a:t> </a:t>
-            </a:r>
-            <a:r>
-              <a:rPr/>
-              <a:t>minutes</a:t>
+              <a:t>travel</a:t>
+            </a:r>
+            <a:r>
+              <a:rPr/>
+              <a:t> </a:t>
+            </a:r>
+            <a:r>
+              <a:rPr/>
+              <a:t>by</a:t>
+            </a:r>
+            <a:r>
+              <a:rPr/>
+              <a:t> </a:t>
+            </a:r>
+            <a:r>
+              <a:rPr/>
+              <a:t>car,</a:t>
+            </a:r>
+            <a:r>
+              <a:rPr/>
+              <a:t> </a:t>
+            </a:r>
+            <a:r>
+              <a:rPr/>
+              <a:t>truck,</a:t>
+            </a:r>
+            <a:r>
+              <a:rPr/>
+              <a:t> </a:t>
+            </a:r>
+            <a:r>
+              <a:rPr/>
+              <a:t>van</a:t>
             </a:r>
             <a:r>
               <a:rPr/>
@@ -5717,31 +5741,15 @@
             </a:r>
             <a:r>
               <a:rPr/>
-              <a:t>less</a:t>
-            </a:r>
-            <a:r>
-              <a:rPr/>
-              <a:t> </a:t>
-            </a:r>
-            <a:r>
-              <a:rPr/>
-              <a:t>to</a:t>
-            </a:r>
-            <a:r>
-              <a:rPr/>
-              <a:t> </a:t>
-            </a:r>
-            <a:r>
-              <a:rPr/>
-              <a:t>their</a:t>
-            </a:r>
-            <a:r>
-              <a:rPr/>
-              <a:t> </a:t>
-            </a:r>
-            <a:r>
-              <a:rPr/>
-              <a:t>employer</a:t>
+              <a:t>public</a:t>
+            </a:r>
+            <a:r>
+              <a:rPr/>
+              <a:t> </a:t>
+            </a:r>
+            <a:r>
+              <a:rPr/>
+              <a:t>transportation</a:t>
             </a:r>
           </a:p>
         </p:txBody>
@@ -5824,15 +5832,23 @@
             </a:pPr>
             <a:r>
               <a:rPr/>
-              <a:t>Households</a:t>
-            </a:r>
-            <a:r>
-              <a:rPr/>
-              <a:t> </a:t>
-            </a:r>
-            <a:r>
-              <a:rPr/>
-              <a:t>w/OY</a:t>
+              <a:t>Most</a:t>
+            </a:r>
+            <a:r>
+              <a:rPr/>
+              <a:t> </a:t>
+            </a:r>
+            <a:r>
+              <a:rPr/>
+              <a:t>Connected</a:t>
+            </a:r>
+            <a:r>
+              <a:rPr/>
+              <a:t> </a:t>
+            </a:r>
+            <a:r>
+              <a:rPr/>
+              <a:t>Youth</a:t>
             </a:r>
             <a:r>
               <a:rPr/>
@@ -5848,31 +5864,39 @@
             </a:r>
             <a:r>
               <a:rPr/>
-              <a:t>almost</a:t>
-            </a:r>
-            <a:r>
-              <a:rPr/>
-              <a:t> </a:t>
-            </a:r>
-            <a:r>
-              <a:rPr/>
-              <a:t>twice</a:t>
-            </a:r>
-            <a:r>
-              <a:rPr/>
-              <a:t> </a:t>
-            </a:r>
-            <a:r>
-              <a:rPr/>
-              <a:t>as</a:t>
-            </a:r>
-            <a:r>
-              <a:rPr/>
-              <a:t> </a:t>
-            </a:r>
-            <a:r>
-              <a:rPr/>
-              <a:t>likely</a:t>
+              <a:t>commute</a:t>
+            </a:r>
+            <a:r>
+              <a:rPr/>
+              <a:t> </a:t>
+            </a:r>
+            <a:r>
+              <a:rPr/>
+              <a:t>twenty</a:t>
+            </a:r>
+            <a:r>
+              <a:rPr/>
+              <a:t> </a:t>
+            </a:r>
+            <a:r>
+              <a:rPr/>
+              <a:t>minutes</a:t>
+            </a:r>
+            <a:r>
+              <a:rPr/>
+              <a:t> </a:t>
+            </a:r>
+            <a:r>
+              <a:rPr/>
+              <a:t>or</a:t>
+            </a:r>
+            <a:r>
+              <a:rPr/>
+              <a:t> </a:t>
+            </a:r>
+            <a:r>
+              <a:rPr/>
+              <a:t>less</a:t>
             </a:r>
             <a:r>
               <a:rPr/>
@@ -5888,47 +5912,15 @@
             </a:r>
             <a:r>
               <a:rPr/>
-              <a:t>receive</a:t>
-            </a:r>
-            <a:r>
-              <a:rPr/>
-              <a:t> </a:t>
-            </a:r>
-            <a:r>
-              <a:rPr/>
-              <a:t>foodstamps</a:t>
-            </a:r>
-            <a:r>
-              <a:rPr/>
-              <a:t> </a:t>
-            </a:r>
-            <a:r>
-              <a:rPr/>
-              <a:t>than</a:t>
-            </a:r>
-            <a:r>
-              <a:rPr/>
-              <a:t> </a:t>
-            </a:r>
-            <a:r>
-              <a:rPr/>
-              <a:t>all</a:t>
-            </a:r>
-            <a:r>
-              <a:rPr/>
-              <a:t> </a:t>
-            </a:r>
-            <a:r>
-              <a:rPr/>
-              <a:t>other</a:t>
-            </a:r>
-            <a:r>
-              <a:rPr/>
-              <a:t> </a:t>
-            </a:r>
-            <a:r>
-              <a:rPr/>
-              <a:t>households</a:t>
+              <a:t>their</a:t>
+            </a:r>
+            <a:r>
+              <a:rPr/>
+              <a:t> </a:t>
+            </a:r>
+            <a:r>
+              <a:rPr/>
+              <a:t>employer</a:t>
             </a:r>
           </a:p>
         </p:txBody>
@@ -6106,7 +6098,7 @@
       </p:sp>
       <p:pic>
         <p:nvPicPr>
-          <p:cNvPr descr="household_structure_estimates_files/figure-pptx/unnamed-chunk-23-1.png" id="0" name="Picture 1"/>
+          <p:cNvPr descr="household_structure_estimates_files/figure-pptx/unnamed-chunk-22-1.png" id="0" name="Picture 1"/>
           <p:cNvPicPr>
             <a:picLocks noGrp="1" noChangeAspect="1"/>
           </p:cNvPicPr>
@@ -6301,7 +6293,7 @@
       </p:sp>
       <p:pic>
         <p:nvPicPr>
-          <p:cNvPr descr="household_structure_estimates_files/figure-pptx/unnamed-chunk-24-1.png" id="0" name="Picture 1"/>
+          <p:cNvPr descr="household_structure_estimates_files/figure-pptx/unnamed-chunk-23-1.png" id="0" name="Picture 1"/>
           <p:cNvPicPr>
             <a:picLocks noGrp="1" noChangeAspect="1"/>
           </p:cNvPicPr>
@@ -6561,7 +6553,7 @@
             <a:pPr lvl="1"/>
             <a:r>
               <a:rPr/>
-              <a:t>What is the average household size for each type of household?</a:t>
+              <a:t>What is the average household size for each household type?</a:t>
             </a:r>
           </a:p>
           <a:p>
@@ -6950,7 +6942,7 @@
             <a:pPr lvl="1"/>
             <a:r>
               <a:rPr i="1"/>
-              <a:t>Opportunity Youth:</a:t>
+              <a:t>Opportunity Youth (OY):</a:t>
             </a:r>
             <a:r>
               <a:rPr/>
@@ -6961,7 +6953,7 @@
             <a:pPr lvl="1"/>
             <a:r>
               <a:rPr i="1"/>
-              <a:t>Connected Youth:</a:t>
+              <a:t>Connected Youth (CY):</a:t>
             </a:r>
             <a:r>
               <a:rPr/>
@@ -6972,7 +6964,7 @@
             <a:pPr lvl="1"/>
             <a:r>
               <a:rPr i="1"/>
-              <a:t>Everyone Else:</a:t>
+              <a:t>Everyone Else (EE):</a:t>
             </a:r>
             <a:r>
               <a:rPr/>
@@ -7029,219 +7021,6 @@
             </a:pPr>
             <a:r>
               <a:rPr/>
-              <a:t>14%</a:t>
-            </a:r>
-            <a:r>
-              <a:rPr/>
-              <a:t> </a:t>
-            </a:r>
-            <a:r>
-              <a:rPr/>
-              <a:t>of</a:t>
-            </a:r>
-            <a:r>
-              <a:rPr/>
-              <a:t> </a:t>
-            </a:r>
-            <a:r>
-              <a:rPr/>
-              <a:t>16</a:t>
-            </a:r>
-            <a:r>
-              <a:rPr/>
-              <a:t> </a:t>
-            </a:r>
-            <a:r>
-              <a:rPr/>
-              <a:t>-</a:t>
-            </a:r>
-            <a:r>
-              <a:rPr/>
-              <a:t> </a:t>
-            </a:r>
-            <a:r>
-              <a:rPr/>
-              <a:t>24</a:t>
-            </a:r>
-            <a:r>
-              <a:rPr/>
-              <a:t> </a:t>
-            </a:r>
-            <a:r>
-              <a:rPr/>
-              <a:t>year</a:t>
-            </a:r>
-            <a:r>
-              <a:rPr/>
-              <a:t> </a:t>
-            </a:r>
-            <a:r>
-              <a:rPr/>
-              <a:t>olds</a:t>
-            </a:r>
-            <a:r>
-              <a:rPr/>
-              <a:t> </a:t>
-            </a:r>
-            <a:r>
-              <a:rPr/>
-              <a:t>are</a:t>
-            </a:r>
-            <a:r>
-              <a:rPr/>
-              <a:t> </a:t>
-            </a:r>
-            <a:r>
-              <a:rPr/>
-              <a:t>Opportunity</a:t>
-            </a:r>
-            <a:r>
-              <a:rPr/>
-              <a:t> </a:t>
-            </a:r>
-            <a:r>
-              <a:rPr/>
-              <a:t>Youth</a:t>
-            </a:r>
-          </a:p>
-        </p:txBody>
-      </p:sp>
-      <p:pic>
-        <p:nvPicPr>
-          <p:cNvPr descr="household_structure_estimates_files/figure-pptx/unnamed-chunk-3-1.png" id="0" name="Picture 1"/>
-          <p:cNvPicPr>
-            <a:picLocks noGrp="1" noChangeAspect="1"/>
-          </p:cNvPicPr>
-          <p:nvPr/>
-        </p:nvPicPr>
-        <p:blipFill>
-          <a:blip r:embed="rId2"/>
-          <a:stretch>
-            <a:fillRect/>
-          </a:stretch>
-        </p:blipFill>
-        <p:spPr bwMode="auto">
-          <a:xfrm>
-            <a:off x="2616200" y="1816100"/>
-            <a:ext cx="6946900" cy="4343400"/>
-          </a:xfrm>
-          <a:prstGeom prst="rect">
-            <a:avLst/>
-          </a:prstGeom>
-          <a:noFill/>
-          <a:ln w="9525">
-            <a:noFill/>
-            <a:headEnd/>
-            <a:tailEnd/>
-          </a:ln>
-        </p:spPr>
-      </p:pic>
-    </p:spTree>
-  </p:cSld>
-</p:sld>
-</file>
-
-<file path=ppt/slides/slide8.xml><?xml version="1.0" encoding="utf-8"?>
-<p:sld xmlns:a="http://schemas.openxmlformats.org/drawingml/2006/main" xmlns:r="http://schemas.openxmlformats.org/officeDocument/2006/relationships" xmlns:p="http://schemas.openxmlformats.org/presentationml/2006/main">
-  <p:cSld>
-    <p:spTree>
-      <p:nvGrpSpPr>
-        <p:cNvPr id="1" name=""/>
-        <p:cNvGrpSpPr/>
-        <p:nvPr/>
-      </p:nvGrpSpPr>
-      <p:grpSpPr>
-        <a:xfrm>
-          <a:off x="0" y="0"/>
-          <a:ext cx="0" cy="0"/>
-          <a:chOff x="0" y="0"/>
-          <a:chExt cx="0" cy="0"/>
-        </a:xfrm>
-      </p:grpSpPr>
-      <p:sp>
-        <p:nvSpPr>
-          <p:cNvPr id="2" name="Title 1">
-            <a:extLst>
-              <a:ext uri="{FF2B5EF4-FFF2-40B4-BE49-F238E27FC236}">
-                <a16:creationId xmlns:a16="http://schemas.microsoft.com/office/drawing/2014/main" id="{1CAF8530-DA25-40F0-835B-ABF68B3EB818}"/>
-              </a:ext>
-            </a:extLst>
-          </p:cNvPr>
-          <p:cNvSpPr>
-            <a:spLocks noGrp="1"/>
-          </p:cNvSpPr>
-          <p:nvPr>
-            <p:ph type="title"/>
-          </p:nvPr>
-        </p:nvSpPr>
-        <p:spPr>
-          <a:xfrm>
-            <a:off x="831850" y="1123072"/>
-            <a:ext cx="10515600" cy="2852737"/>
-          </a:xfrm>
-        </p:spPr>
-        <p:txBody>
-          <a:bodyPr/>
-          <a:lstStyle/>
-          <a:p>
-            <a:pPr lvl="0" marL="0" indent="0">
-              <a:buNone/>
-            </a:pPr>
-            <a:r>
-              <a:rPr/>
-              <a:t>Results</a:t>
-            </a:r>
-          </a:p>
-        </p:txBody>
-      </p:sp>
-    </p:spTree>
-  </p:cSld>
-</p:sld>
-</file>
-
-<file path=ppt/slides/slide9.xml><?xml version="1.0" encoding="utf-8"?>
-<p:sld xmlns:a="http://schemas.openxmlformats.org/drawingml/2006/main" xmlns:r="http://schemas.openxmlformats.org/officeDocument/2006/relationships" xmlns:p="http://schemas.openxmlformats.org/presentationml/2006/main">
-  <p:cSld>
-    <p:spTree>
-      <p:nvGrpSpPr>
-        <p:cNvPr id="1" name=""/>
-        <p:cNvGrpSpPr/>
-        <p:nvPr/>
-      </p:nvGrpSpPr>
-      <p:grpSpPr>
-        <a:xfrm>
-          <a:off x="0" y="0"/>
-          <a:ext cx="0" cy="0"/>
-          <a:chOff x="0" y="0"/>
-          <a:chExt cx="0" cy="0"/>
-        </a:xfrm>
-      </p:grpSpPr>
-      <p:sp>
-        <p:nvSpPr>
-          <p:cNvPr id="2" name="Title 1">
-            <a:extLst>
-              <a:ext uri="{FF2B5EF4-FFF2-40B4-BE49-F238E27FC236}">
-                <a16:creationId xmlns:a16="http://schemas.microsoft.com/office/drawing/2014/main" id="{0D064A50-2A97-421C-813D-6449089693A0}"/>
-              </a:ext>
-            </a:extLst>
-          </p:cNvPr>
-          <p:cNvSpPr>
-            <a:spLocks noGrp="1"/>
-          </p:cNvSpPr>
-          <p:nvPr>
-            <p:ph type="title"/>
-          </p:nvPr>
-        </p:nvSpPr>
-        <p:spPr/>
-        <p:txBody>
-          <a:bodyPr/>
-          <a:lstStyle/>
-          <a:p>
-            <a:pPr lvl="0" marL="0" indent="0">
-              <a:buNone/>
-            </a:pPr>
-            <a:r>
-              <a:rPr/>
               <a:t>How</a:t>
             </a:r>
             <a:r>
@@ -7273,7 +7052,7 @@
       </p:sp>
       <p:graphicFrame xmlns:a="http://schemas.openxmlformats.org/drawingml/2006/main" xmlns:r="http://schemas.openxmlformats.org/officeDocument/2006/relationships" xmlns:p="http://schemas.openxmlformats.org/presentationml/2006/main">
         <p:nvGraphicFramePr>
-          <p:cNvPr id="630330236" name=""/>
+          <p:cNvPr id="266694962" name=""/>
           <p:cNvGraphicFramePr>
             <a:graphicFrameLocks noGrp="true"/>
           </p:cNvGraphicFramePr>
@@ -7288,7 +7067,7 @@
             <a:tbl>
               <a:tblPr/>
               <a:tblGrid>
-                <a:gridCol w="1758117"/>
+                <a:gridCol w="1937585"/>
                 <a:gridCol w="1201022"/>
                 <a:gridCol w="1394405"/>
                 <a:gridCol w="1011868"/>
@@ -7873,7 +7652,7 @@
                           <a:latin typeface="Arial"/>
                           <a:cs typeface="Arial"/>
                         </a:rPr>
-                        <a:t>Households w/Only CY</a:t>
+                        <a:t>Households with Only CY</a:t>
                       </a:r>
                     </a:p>
                   </a:txBody>
@@ -8131,7 +7910,7 @@
                   </a:tcPr>
                 </a:tc>
               </a:tr>
-              <a:tr h="312140">
+              <a:tr h="301157">
                 <a:tc>
                   <a:txBody>
                     <a:bodyPr/>
@@ -8159,7 +7938,7 @@
                           <a:latin typeface="Arial"/>
                           <a:cs typeface="Arial"/>
                         </a:rPr>
-                        <a:t>Households w/OY</a:t>
+                        <a:t>Households with OY</a:t>
                       </a:r>
                     </a:p>
                   </a:txBody>
@@ -8401,6 +8180,219 @@
           </a:graphicData>
         </a:graphic>
       </p:graphicFrame>
+    </p:spTree>
+  </p:cSld>
+</p:sld>
+</file>
+
+<file path=ppt/slides/slide8.xml><?xml version="1.0" encoding="utf-8"?>
+<p:sld xmlns:a="http://schemas.openxmlformats.org/drawingml/2006/main" xmlns:r="http://schemas.openxmlformats.org/officeDocument/2006/relationships" xmlns:p="http://schemas.openxmlformats.org/presentationml/2006/main">
+  <p:cSld>
+    <p:spTree>
+      <p:nvGrpSpPr>
+        <p:cNvPr id="1" name=""/>
+        <p:cNvGrpSpPr/>
+        <p:nvPr/>
+      </p:nvGrpSpPr>
+      <p:grpSpPr>
+        <a:xfrm>
+          <a:off x="0" y="0"/>
+          <a:ext cx="0" cy="0"/>
+          <a:chOff x="0" y="0"/>
+          <a:chExt cx="0" cy="0"/>
+        </a:xfrm>
+      </p:grpSpPr>
+      <p:sp>
+        <p:nvSpPr>
+          <p:cNvPr id="2" name="Title 1">
+            <a:extLst>
+              <a:ext uri="{FF2B5EF4-FFF2-40B4-BE49-F238E27FC236}">
+                <a16:creationId xmlns:a16="http://schemas.microsoft.com/office/drawing/2014/main" id="{0D064A50-2A97-421C-813D-6449089693A0}"/>
+              </a:ext>
+            </a:extLst>
+          </p:cNvPr>
+          <p:cNvSpPr>
+            <a:spLocks noGrp="1"/>
+          </p:cNvSpPr>
+          <p:nvPr>
+            <p:ph type="title"/>
+          </p:nvPr>
+        </p:nvSpPr>
+        <p:spPr/>
+        <p:txBody>
+          <a:bodyPr/>
+          <a:lstStyle/>
+          <a:p>
+            <a:pPr lvl="0" marL="0" indent="0">
+              <a:buNone/>
+            </a:pPr>
+            <a:r>
+              <a:rPr/>
+              <a:t>14%</a:t>
+            </a:r>
+            <a:r>
+              <a:rPr/>
+              <a:t> </a:t>
+            </a:r>
+            <a:r>
+              <a:rPr/>
+              <a:t>of</a:t>
+            </a:r>
+            <a:r>
+              <a:rPr/>
+              <a:t> </a:t>
+            </a:r>
+            <a:r>
+              <a:rPr/>
+              <a:t>16</a:t>
+            </a:r>
+            <a:r>
+              <a:rPr/>
+              <a:t> </a:t>
+            </a:r>
+            <a:r>
+              <a:rPr/>
+              <a:t>-</a:t>
+            </a:r>
+            <a:r>
+              <a:rPr/>
+              <a:t> </a:t>
+            </a:r>
+            <a:r>
+              <a:rPr/>
+              <a:t>24</a:t>
+            </a:r>
+            <a:r>
+              <a:rPr/>
+              <a:t> </a:t>
+            </a:r>
+            <a:r>
+              <a:rPr/>
+              <a:t>year</a:t>
+            </a:r>
+            <a:r>
+              <a:rPr/>
+              <a:t> </a:t>
+            </a:r>
+            <a:r>
+              <a:rPr/>
+              <a:t>olds</a:t>
+            </a:r>
+            <a:r>
+              <a:rPr/>
+              <a:t> </a:t>
+            </a:r>
+            <a:r>
+              <a:rPr/>
+              <a:t>are</a:t>
+            </a:r>
+            <a:r>
+              <a:rPr/>
+              <a:t> </a:t>
+            </a:r>
+            <a:r>
+              <a:rPr/>
+              <a:t>Opportunity</a:t>
+            </a:r>
+            <a:r>
+              <a:rPr/>
+              <a:t> </a:t>
+            </a:r>
+            <a:r>
+              <a:rPr/>
+              <a:t>Youth</a:t>
+            </a:r>
+          </a:p>
+        </p:txBody>
+      </p:sp>
+      <p:pic>
+        <p:nvPicPr>
+          <p:cNvPr descr="household_structure_estimates_files/figure-pptx/unnamed-chunk-4-1.png" id="0" name="Picture 1"/>
+          <p:cNvPicPr>
+            <a:picLocks noGrp="1" noChangeAspect="1"/>
+          </p:cNvPicPr>
+          <p:nvPr/>
+        </p:nvPicPr>
+        <p:blipFill>
+          <a:blip r:embed="rId2"/>
+          <a:stretch>
+            <a:fillRect/>
+          </a:stretch>
+        </p:blipFill>
+        <p:spPr bwMode="auto">
+          <a:xfrm>
+            <a:off x="2616200" y="1816100"/>
+            <a:ext cx="6946900" cy="4343400"/>
+          </a:xfrm>
+          <a:prstGeom prst="rect">
+            <a:avLst/>
+          </a:prstGeom>
+          <a:noFill/>
+          <a:ln w="9525">
+            <a:noFill/>
+            <a:headEnd/>
+            <a:tailEnd/>
+          </a:ln>
+        </p:spPr>
+      </p:pic>
+    </p:spTree>
+  </p:cSld>
+</p:sld>
+</file>
+
+<file path=ppt/slides/slide9.xml><?xml version="1.0" encoding="utf-8"?>
+<p:sld xmlns:a="http://schemas.openxmlformats.org/drawingml/2006/main" xmlns:r="http://schemas.openxmlformats.org/officeDocument/2006/relationships" xmlns:p="http://schemas.openxmlformats.org/presentationml/2006/main">
+  <p:cSld>
+    <p:spTree>
+      <p:nvGrpSpPr>
+        <p:cNvPr id="1" name=""/>
+        <p:cNvGrpSpPr/>
+        <p:nvPr/>
+      </p:nvGrpSpPr>
+      <p:grpSpPr>
+        <a:xfrm>
+          <a:off x="0" y="0"/>
+          <a:ext cx="0" cy="0"/>
+          <a:chOff x="0" y="0"/>
+          <a:chExt cx="0" cy="0"/>
+        </a:xfrm>
+      </p:grpSpPr>
+      <p:sp>
+        <p:nvSpPr>
+          <p:cNvPr id="2" name="Title 1">
+            <a:extLst>
+              <a:ext uri="{FF2B5EF4-FFF2-40B4-BE49-F238E27FC236}">
+                <a16:creationId xmlns:a16="http://schemas.microsoft.com/office/drawing/2014/main" id="{1CAF8530-DA25-40F0-835B-ABF68B3EB818}"/>
+              </a:ext>
+            </a:extLst>
+          </p:cNvPr>
+          <p:cNvSpPr>
+            <a:spLocks noGrp="1"/>
+          </p:cNvSpPr>
+          <p:nvPr>
+            <p:ph type="title"/>
+          </p:nvPr>
+        </p:nvSpPr>
+        <p:spPr>
+          <a:xfrm>
+            <a:off x="831850" y="1123072"/>
+            <a:ext cx="10515600" cy="2852737"/>
+          </a:xfrm>
+        </p:spPr>
+        <p:txBody>
+          <a:bodyPr/>
+          <a:lstStyle/>
+          <a:p>
+            <a:pPr lvl="0" marL="0" indent="0">
+              <a:buNone/>
+            </a:pPr>
+            <a:r>
+              <a:rPr/>
+              <a:t>Results</a:t>
+            </a:r>
+          </a:p>
+        </p:txBody>
+      </p:sp>
     </p:spTree>
   </p:cSld>
 </p:sld>

--- a/create_powerpoint/household_structure_estimates.pptx
+++ b/create_powerpoint/household_structure_estimates.pptx
@@ -3614,7 +3614,7 @@
             </a:r>
             <a:r>
               <a:rPr/>
-              <a:t>19,</a:t>
+              <a:t>20,</a:t>
             </a:r>
             <a:r>
               <a:rPr/>
@@ -5832,7 +5832,7 @@
             </a:pPr>
             <a:r>
               <a:rPr/>
-              <a:t>Most</a:t>
+              <a:t>Many</a:t>
             </a:r>
             <a:r>
               <a:rPr/>
@@ -5864,15 +5864,31 @@
             </a:r>
             <a:r>
               <a:rPr/>
-              <a:t>commute</a:t>
-            </a:r>
-            <a:r>
-              <a:rPr/>
-              <a:t> </a:t>
-            </a:r>
-            <a:r>
-              <a:rPr/>
-              <a:t>twenty</a:t>
+              <a:t>between</a:t>
+            </a:r>
+            <a:r>
+              <a:rPr/>
+              <a:t> </a:t>
+            </a:r>
+            <a:r>
+              <a:rPr/>
+              <a:t>20</a:t>
+            </a:r>
+            <a:r>
+              <a:rPr/>
+              <a:t> </a:t>
+            </a:r>
+            <a:r>
+              <a:rPr/>
+              <a:t>and</a:t>
+            </a:r>
+            <a:r>
+              <a:rPr/>
+              <a:t> </a:t>
+            </a:r>
+            <a:r>
+              <a:rPr/>
+              <a:t>40</a:t>
             </a:r>
             <a:r>
               <a:rPr/>
@@ -5888,23 +5904,7 @@
             </a:r>
             <a:r>
               <a:rPr/>
-              <a:t>or</a:t>
-            </a:r>
-            <a:r>
-              <a:rPr/>
-              <a:t> </a:t>
-            </a:r>
-            <a:r>
-              <a:rPr/>
-              <a:t>less</a:t>
-            </a:r>
-            <a:r>
-              <a:rPr/>
-              <a:t> </a:t>
-            </a:r>
-            <a:r>
-              <a:rPr/>
-              <a:t>to</a:t>
+              <a:t>from</a:t>
             </a:r>
             <a:r>
               <a:rPr/>
@@ -7052,7 +7052,7 @@
       </p:sp>
       <p:graphicFrame xmlns:a="http://schemas.openxmlformats.org/drawingml/2006/main" xmlns:r="http://schemas.openxmlformats.org/officeDocument/2006/relationships" xmlns:p="http://schemas.openxmlformats.org/presentationml/2006/main">
         <p:nvGraphicFramePr>
-          <p:cNvPr id="266694962" name=""/>
+          <p:cNvPr id="271276965" name=""/>
           <p:cNvGraphicFramePr>
             <a:graphicFrameLocks noGrp="true"/>
           </p:cNvGraphicFramePr>

--- a/create_powerpoint/household_structure_estimates.pptx
+++ b/create_powerpoint/household_structure_estimates.pptx
@@ -3806,15 +3806,7 @@
             </a:pPr>
             <a:r>
               <a:rPr/>
-              <a:t>Both</a:t>
-            </a:r>
-            <a:r>
-              <a:rPr/>
-              <a:t> </a:t>
-            </a:r>
-            <a:r>
-              <a:rPr/>
-              <a:t>Connected</a:t>
+              <a:t>Opportunity</a:t>
             </a:r>
             <a:r>
               <a:rPr/>
@@ -3830,30 +3822,6 @@
             </a:r>
             <a:r>
               <a:rPr/>
-              <a:t>and</a:t>
-            </a:r>
-            <a:r>
-              <a:rPr/>
-              <a:t> </a:t>
-            </a:r>
-            <a:r>
-              <a:rPr/>
-              <a:t>Opportunity</a:t>
-            </a:r>
-            <a:r>
-              <a:rPr/>
-              <a:t> </a:t>
-            </a:r>
-            <a:r>
-              <a:rPr/>
-              <a:t>Youth</a:t>
-            </a:r>
-            <a:r>
-              <a:rPr/>
-              <a:t> </a:t>
-            </a:r>
-            <a:r>
-              <a:rPr/>
               <a:t>live</a:t>
             </a:r>
             <a:r>
@@ -3870,7 +3838,15 @@
             </a:r>
             <a:r>
               <a:rPr/>
-              <a:t>larger</a:t>
+              <a:t>the</a:t>
+            </a:r>
+            <a:r>
+              <a:rPr/>
+              <a:t> </a:t>
+            </a:r>
+            <a:r>
+              <a:rPr/>
+              <a:t>largest</a:t>
             </a:r>
             <a:r>
               <a:rPr/>
@@ -3985,6 +3961,14 @@
             </a:r>
             <a:r>
               <a:rPr/>
+              <a:t>nearly</a:t>
+            </a:r>
+            <a:r>
+              <a:rPr/>
+              <a:t> </a:t>
+            </a:r>
+            <a:r>
+              <a:rPr/>
               <a:t>half</a:t>
             </a:r>
             <a:r>
@@ -4034,6 +4018,14 @@
             <a:r>
               <a:rPr/>
               <a:t>to</a:t>
+            </a:r>
+            <a:r>
+              <a:rPr/>
+              <a:t> </a:t>
+            </a:r>
+            <a:r>
+              <a:rPr/>
+              <a:t>be</a:t>
             </a:r>
             <a:r>
               <a:rPr/>
@@ -4530,7 +4522,7 @@
             </a:r>
             <a:r>
               <a:rPr/>
-              <a:t>almost</a:t>
+              <a:t>about</a:t>
             </a:r>
             <a:r>
               <a:rPr/>
@@ -4578,15 +4570,23 @@
             </a:r>
             <a:r>
               <a:rPr/>
-              <a:t>foodstamps</a:t>
-            </a:r>
-            <a:r>
-              <a:rPr/>
-              <a:t> </a:t>
-            </a:r>
-            <a:r>
-              <a:rPr/>
-              <a:t>than</a:t>
+              <a:t>food</a:t>
+            </a:r>
+            <a:r>
+              <a:rPr/>
+              <a:t> </a:t>
+            </a:r>
+            <a:r>
+              <a:rPr/>
+              <a:t>stamps</a:t>
+            </a:r>
+            <a:r>
+              <a:rPr/>
+              <a:t> </a:t>
+            </a:r>
+            <a:r>
+              <a:rPr/>
+              <a:t>as</a:t>
             </a:r>
             <a:r>
               <a:rPr/>
@@ -4717,6 +4717,14 @@
             </a:r>
             <a:r>
               <a:rPr/>
+              <a:t>nearly</a:t>
+            </a:r>
+            <a:r>
+              <a:rPr/>
+              <a:t> </a:t>
+            </a:r>
+            <a:r>
+              <a:rPr/>
               <a:t>three</a:t>
             </a:r>
             <a:r>
@@ -5099,23 +5107,15 @@
             </a:r>
             <a:r>
               <a:rPr/>
-              <a:t>less</a:t>
-            </a:r>
-            <a:r>
-              <a:rPr/>
-              <a:t> </a:t>
-            </a:r>
-            <a:r>
-              <a:rPr/>
-              <a:t>than</a:t>
-            </a:r>
-            <a:r>
-              <a:rPr/>
-              <a:t> </a:t>
-            </a:r>
-            <a:r>
-              <a:rPr/>
-              <a:t>half</a:t>
+              <a:t>about</a:t>
+            </a:r>
+            <a:r>
+              <a:rPr/>
+              <a:t> </a:t>
+            </a:r>
+            <a:r>
+              <a:rPr/>
+              <a:t>2/3rds</a:t>
             </a:r>
             <a:r>
               <a:rPr/>
@@ -5230,63 +5230,87 @@
             </a:pPr>
             <a:r>
               <a:rPr/>
-              <a:t>Median</a:t>
-            </a:r>
-            <a:r>
-              <a:rPr/>
-              <a:t> </a:t>
-            </a:r>
-            <a:r>
-              <a:rPr/>
-              <a:t>Income</a:t>
-            </a:r>
-            <a:r>
-              <a:rPr/>
-              <a:t> </a:t>
-            </a:r>
-            <a:r>
-              <a:rPr/>
-              <a:t>by</a:t>
-            </a:r>
-            <a:r>
-              <a:rPr/>
-              <a:t> </a:t>
-            </a:r>
-            <a:r>
-              <a:rPr/>
-              <a:t>Reference</a:t>
-            </a:r>
-            <a:r>
-              <a:rPr/>
-              <a:t> </a:t>
-            </a:r>
-            <a:r>
-              <a:rPr/>
-              <a:t>Person</a:t>
-            </a:r>
-            <a:r>
-              <a:rPr/>
-              <a:t> </a:t>
-            </a:r>
-            <a:r>
-              <a:rPr/>
-              <a:t>by</a:t>
-            </a:r>
-            <a:r>
-              <a:rPr/>
-              <a:t> </a:t>
-            </a:r>
-            <a:r>
-              <a:rPr/>
-              <a:t>Chicago</a:t>
-            </a:r>
-            <a:r>
-              <a:rPr/>
-              <a:t> </a:t>
-            </a:r>
-            <a:r>
-              <a:rPr/>
-              <a:t>region</a:t>
+              <a:t>CY</a:t>
+            </a:r>
+            <a:r>
+              <a:rPr/>
+              <a:t> </a:t>
+            </a:r>
+            <a:r>
+              <a:rPr/>
+              <a:t>Householders</a:t>
+            </a:r>
+            <a:r>
+              <a:rPr/>
+              <a:t> </a:t>
+            </a:r>
+            <a:r>
+              <a:rPr/>
+              <a:t>on</a:t>
+            </a:r>
+            <a:r>
+              <a:rPr/>
+              <a:t> </a:t>
+            </a:r>
+            <a:r>
+              <a:rPr/>
+              <a:t>the</a:t>
+            </a:r>
+            <a:r>
+              <a:rPr/>
+              <a:t> </a:t>
+            </a:r>
+            <a:r>
+              <a:rPr/>
+              <a:t>South</a:t>
+            </a:r>
+            <a:r>
+              <a:rPr/>
+              <a:t> </a:t>
+            </a:r>
+            <a:r>
+              <a:rPr/>
+              <a:t>Side</a:t>
+            </a:r>
+            <a:r>
+              <a:rPr/>
+              <a:t> </a:t>
+            </a:r>
+            <a:r>
+              <a:rPr/>
+              <a:t>have</a:t>
+            </a:r>
+            <a:r>
+              <a:rPr/>
+              <a:t> </a:t>
+            </a:r>
+            <a:r>
+              <a:rPr/>
+              <a:t>the</a:t>
+            </a:r>
+            <a:r>
+              <a:rPr/>
+              <a:t> </a:t>
+            </a:r>
+            <a:r>
+              <a:rPr/>
+              <a:t>lowest</a:t>
+            </a:r>
+            <a:r>
+              <a:rPr/>
+              <a:t> </a:t>
+            </a:r>
+            <a:r>
+              <a:rPr/>
+              <a:t>median</a:t>
+            </a:r>
+            <a:r>
+              <a:rPr/>
+              <a:t> </a:t>
+            </a:r>
+            <a:r>
+              <a:rPr/>
+              <a:t>incomes</a:t>
             </a:r>
           </a:p>
         </p:txBody>
@@ -6174,15 +6198,7 @@
             </a:pPr>
             <a:r>
               <a:rPr/>
-              <a:t>More</a:t>
-            </a:r>
-            <a:r>
-              <a:rPr/>
-              <a:t> </a:t>
-            </a:r>
-            <a:r>
-              <a:rPr/>
-              <a:t>than</a:t>
+              <a:t>Nearly</a:t>
             </a:r>
             <a:r>
               <a:rPr/>
@@ -6714,34 +6730,48 @@
             <a:pPr lvl="1"/>
             <a:r>
               <a:rPr/>
-              <a:t>How many youth are married?</a:t>
+              <a:t>How many Opportunity Youth are married?</a:t>
             </a:r>
           </a:p>
           <a:p>
             <a:pPr lvl="1"/>
             <a:r>
               <a:rPr/>
-              <a:t>How many youth are partnered?</a:t>
+              <a:t>How many Opportunity Youth are partnered?</a:t>
             </a:r>
           </a:p>
           <a:p>
             <a:pPr lvl="1"/>
             <a:r>
               <a:rPr/>
-              <a:t>How many households are foodstamp recipients?</a:t>
+              <a:t>How many households are food-stamp recipients?</a:t>
             </a:r>
           </a:p>
           <a:p>
             <a:pPr lvl="1"/>
             <a:r>
               <a:rPr/>
-              <a:t>What type of households do</a:t>
+              <a:t>Have Opportunity Youth moved within the last year?</a:t>
             </a:r>
           </a:p>
           <a:p>
             <a:pPr lvl="1"/>
             <a:r>
               <a:rPr/>
+              <a:t>What are Connected Youths’ primary form of transportation?</a:t>
+            </a:r>
+          </a:p>
+          <a:p>
+            <a:pPr lvl="1"/>
+            <a:r>
+              <a:rPr/>
+              <a:t>What are Connected Youths’ average commute time?</a:t>
+            </a:r>
+          </a:p>
+          <a:p>
+            <a:pPr lvl="1"/>
+            <a:r>
+              <a:rPr/>
               <a:t>What percentage of each household has broadband access?</a:t>
             </a:r>
           </a:p>
@@ -6750,27 +6780,6 @@
             <a:r>
               <a:rPr/>
               <a:t>What percentage of each household has computer access?</a:t>
-            </a:r>
-          </a:p>
-          <a:p>
-            <a:pPr lvl="1"/>
-            <a:r>
-              <a:rPr/>
-              <a:t>Have Opportunity Youth moved within the last year?</a:t>
-            </a:r>
-          </a:p>
-          <a:p>
-            <a:pPr lvl="1"/>
-            <a:r>
-              <a:rPr/>
-              <a:t>What are Connected Youths’ primary form of transportation?</a:t>
-            </a:r>
-          </a:p>
-          <a:p>
-            <a:pPr lvl="1"/>
-            <a:r>
-              <a:rPr/>
-              <a:t>What are Connected Youths’ average commute time?</a:t>
             </a:r>
           </a:p>
         </p:txBody>
@@ -7052,7 +7061,7 @@
       </p:sp>
       <p:graphicFrame xmlns:a="http://schemas.openxmlformats.org/drawingml/2006/main" xmlns:r="http://schemas.openxmlformats.org/officeDocument/2006/relationships" xmlns:p="http://schemas.openxmlformats.org/presentationml/2006/main">
         <p:nvGraphicFramePr>
-          <p:cNvPr id="271276965" name=""/>
+          <p:cNvPr id="380413111" name=""/>
           <p:cNvGraphicFramePr>
             <a:graphicFrameLocks noGrp="true"/>
           </p:cNvGraphicFramePr>

--- a/create_powerpoint/household_structure_estimates.pptx
+++ b/create_powerpoint/household_structure_estimates.pptx
@@ -3606,15 +3606,15 @@
             </a:pPr>
             <a:r>
               <a:rPr/>
-              <a:t>November</a:t>
-            </a:r>
-            <a:r>
-              <a:rPr/>
-              <a:t> </a:t>
-            </a:r>
-            <a:r>
-              <a:rPr/>
-              <a:t>20,</a:t>
+              <a:t>December</a:t>
+            </a:r>
+            <a:r>
+              <a:rPr/>
+              <a:t> </a:t>
+            </a:r>
+            <a:r>
+              <a:rPr/>
+              <a:t>18,</a:t>
             </a:r>
             <a:r>
               <a:rPr/>
@@ -7061,7 +7061,7 @@
       </p:sp>
       <p:graphicFrame xmlns:a="http://schemas.openxmlformats.org/drawingml/2006/main" xmlns:r="http://schemas.openxmlformats.org/officeDocument/2006/relationships" xmlns:p="http://schemas.openxmlformats.org/presentationml/2006/main">
         <p:nvGraphicFramePr>
-          <p:cNvPr id="380413111" name=""/>
+          <p:cNvPr id="967365846" name=""/>
           <p:cNvGraphicFramePr>
             <a:graphicFrameLocks noGrp="true"/>
           </p:cNvGraphicFramePr>
